--- a/content/post/post_ppt.pptx
+++ b/content/post/post_ppt.pptx
@@ -2,18 +2,20 @@
 <file path=ppt/presentation.xml><?xml version="1.0" encoding="utf-8"?>
 <p:presentation xmlns:a="http://schemas.openxmlformats.org/drawingml/2006/main" xmlns:r="http://schemas.openxmlformats.org/officeDocument/2006/relationships" xmlns:p="http://schemas.openxmlformats.org/presentationml/2006/main" saveSubsetFonts="1" autoCompressPictures="0">
   <p:sldMasterIdLst>
-    <p:sldMasterId id="2147483648" r:id="rId1"/>
+    <p:sldMasterId id="2147483672" r:id="rId1"/>
   </p:sldMasterIdLst>
   <p:sldIdLst>
     <p:sldId id="256" r:id="rId2"/>
+    <p:sldId id="257" r:id="rId3"/>
+    <p:sldId id="258" r:id="rId4"/>
   </p:sldIdLst>
-  <p:sldSz cx="12192000" cy="6858000"/>
+  <p:sldSz cx="19392900" cy="6858000"/>
   <p:notesSz cx="6858000" cy="9144000"/>
   <p:defaultTextStyle>
     <a:defPPr>
       <a:defRPr lang="en-US"/>
     </a:defPPr>
-    <a:lvl1pPr marL="0" algn="l" defTabSz="914400" rtl="0" eaLnBrk="1" latinLnBrk="0" hangingPunct="1">
+    <a:lvl1pPr marL="0" algn="l" defTabSz="457200" rtl="0" eaLnBrk="1" latinLnBrk="0" hangingPunct="1">
       <a:defRPr sz="1800" kern="1200">
         <a:solidFill>
           <a:schemeClr val="tx1"/>
@@ -23,7 +25,7 @@
         <a:cs typeface="+mn-cs"/>
       </a:defRPr>
     </a:lvl1pPr>
-    <a:lvl2pPr marL="457200" algn="l" defTabSz="914400" rtl="0" eaLnBrk="1" latinLnBrk="0" hangingPunct="1">
+    <a:lvl2pPr marL="457200" algn="l" defTabSz="457200" rtl="0" eaLnBrk="1" latinLnBrk="0" hangingPunct="1">
       <a:defRPr sz="1800" kern="1200">
         <a:solidFill>
           <a:schemeClr val="tx1"/>
@@ -33,7 +35,7 @@
         <a:cs typeface="+mn-cs"/>
       </a:defRPr>
     </a:lvl2pPr>
-    <a:lvl3pPr marL="914400" algn="l" defTabSz="914400" rtl="0" eaLnBrk="1" latinLnBrk="0" hangingPunct="1">
+    <a:lvl3pPr marL="914400" algn="l" defTabSz="457200" rtl="0" eaLnBrk="1" latinLnBrk="0" hangingPunct="1">
       <a:defRPr sz="1800" kern="1200">
         <a:solidFill>
           <a:schemeClr val="tx1"/>
@@ -43,7 +45,7 @@
         <a:cs typeface="+mn-cs"/>
       </a:defRPr>
     </a:lvl3pPr>
-    <a:lvl4pPr marL="1371600" algn="l" defTabSz="914400" rtl="0" eaLnBrk="1" latinLnBrk="0" hangingPunct="1">
+    <a:lvl4pPr marL="1371600" algn="l" defTabSz="457200" rtl="0" eaLnBrk="1" latinLnBrk="0" hangingPunct="1">
       <a:defRPr sz="1800" kern="1200">
         <a:solidFill>
           <a:schemeClr val="tx1"/>
@@ -53,7 +55,7 @@
         <a:cs typeface="+mn-cs"/>
       </a:defRPr>
     </a:lvl4pPr>
-    <a:lvl5pPr marL="1828800" algn="l" defTabSz="914400" rtl="0" eaLnBrk="1" latinLnBrk="0" hangingPunct="1">
+    <a:lvl5pPr marL="1828800" algn="l" defTabSz="457200" rtl="0" eaLnBrk="1" latinLnBrk="0" hangingPunct="1">
       <a:defRPr sz="1800" kern="1200">
         <a:solidFill>
           <a:schemeClr val="tx1"/>
@@ -63,7 +65,7 @@
         <a:cs typeface="+mn-cs"/>
       </a:defRPr>
     </a:lvl5pPr>
-    <a:lvl6pPr marL="2286000" algn="l" defTabSz="914400" rtl="0" eaLnBrk="1" latinLnBrk="0" hangingPunct="1">
+    <a:lvl6pPr marL="2286000" algn="l" defTabSz="457200" rtl="0" eaLnBrk="1" latinLnBrk="0" hangingPunct="1">
       <a:defRPr sz="1800" kern="1200">
         <a:solidFill>
           <a:schemeClr val="tx1"/>
@@ -73,7 +75,7 @@
         <a:cs typeface="+mn-cs"/>
       </a:defRPr>
     </a:lvl6pPr>
-    <a:lvl7pPr marL="2743200" algn="l" defTabSz="914400" rtl="0" eaLnBrk="1" latinLnBrk="0" hangingPunct="1">
+    <a:lvl7pPr marL="2743200" algn="l" defTabSz="457200" rtl="0" eaLnBrk="1" latinLnBrk="0" hangingPunct="1">
       <a:defRPr sz="1800" kern="1200">
         <a:solidFill>
           <a:schemeClr val="tx1"/>
@@ -83,7 +85,7 @@
         <a:cs typeface="+mn-cs"/>
       </a:defRPr>
     </a:lvl7pPr>
-    <a:lvl8pPr marL="3200400" algn="l" defTabSz="914400" rtl="0" eaLnBrk="1" latinLnBrk="0" hangingPunct="1">
+    <a:lvl8pPr marL="3200400" algn="l" defTabSz="457200" rtl="0" eaLnBrk="1" latinLnBrk="0" hangingPunct="1">
       <a:defRPr sz="1800" kern="1200">
         <a:solidFill>
           <a:schemeClr val="tx1"/>
@@ -93,7 +95,7 @@
         <a:cs typeface="+mn-cs"/>
       </a:defRPr>
     </a:lvl8pPr>
-    <a:lvl9pPr marL="3657600" algn="l" defTabSz="914400" rtl="0" eaLnBrk="1" latinLnBrk="0" hangingPunct="1">
+    <a:lvl9pPr marL="3657600" algn="l" defTabSz="457200" rtl="0" eaLnBrk="1" latinLnBrk="0" hangingPunct="1">
       <a:defRPr sz="1800" kern="1200">
         <a:solidFill>
           <a:schemeClr val="tx1"/>
@@ -104,6 +106,11 @@
       </a:defRPr>
     </a:lvl9pPr>
   </p:defaultTextStyle>
+  <p:extLst>
+    <p:ext uri="{EFAFB233-063F-42B5-8137-9DF3F51BA10A}">
+      <p15:sldGuideLst xmlns:p15="http://schemas.microsoft.com/office/powerpoint/2012/main"/>
+    </p:ext>
+  </p:extLst>
 </p:presentation>
 </file>
 
@@ -126,13 +133,7 @@
       </p:grpSpPr>
       <p:sp>
         <p:nvSpPr>
-          <p:cNvPr id="2" name="Title 1">
-            <a:extLst>
-              <a:ext uri="{FF2B5EF4-FFF2-40B4-BE49-F238E27FC236}">
-                <a16:creationId xmlns:a16="http://schemas.microsoft.com/office/drawing/2014/main" id="{29CE6066-6A1B-5C46-9F6D-FD34689BA595}"/>
-              </a:ext>
-            </a:extLst>
-          </p:cNvPr>
+          <p:cNvPr id="2" name="Title 1"/>
           <p:cNvSpPr>
             <a:spLocks noGrp="1"/>
           </p:cNvSpPr>
@@ -142,8 +143,8 @@
         </p:nvSpPr>
         <p:spPr>
           <a:xfrm>
-            <a:off x="1524000" y="1122363"/>
-            <a:ext cx="9144000" cy="2387600"/>
+            <a:off x="2424113" y="1122363"/>
+            <a:ext cx="14544675" cy="2387600"/>
           </a:xfrm>
         </p:spPr>
         <p:txBody>
@@ -158,19 +159,13 @@
               <a:rPr lang="en-GB"/>
               <a:t>Click to edit Master title style</a:t>
             </a:r>
-            <a:endParaRPr lang="en-US"/>
-          </a:p>
-        </p:txBody>
-      </p:sp>
-      <p:sp>
-        <p:nvSpPr>
-          <p:cNvPr id="3" name="Subtitle 2">
-            <a:extLst>
-              <a:ext uri="{FF2B5EF4-FFF2-40B4-BE49-F238E27FC236}">
-                <a16:creationId xmlns:a16="http://schemas.microsoft.com/office/drawing/2014/main" id="{145F0E53-A35F-5B42-BE88-38A6B60F1DC0}"/>
-              </a:ext>
-            </a:extLst>
-          </p:cNvPr>
+            <a:endParaRPr lang="en-US" dirty="0"/>
+          </a:p>
+        </p:txBody>
+      </p:sp>
+      <p:sp>
+        <p:nvSpPr>
+          <p:cNvPr id="3" name="Subtitle 2"/>
           <p:cNvSpPr>
             <a:spLocks noGrp="1"/>
           </p:cNvSpPr>
@@ -180,8 +175,8 @@
         </p:nvSpPr>
         <p:spPr>
           <a:xfrm>
-            <a:off x="1524000" y="3602038"/>
-            <a:ext cx="9144000" cy="1655762"/>
+            <a:off x="2424113" y="3602038"/>
+            <a:ext cx="14544675" cy="1655762"/>
           </a:xfrm>
         </p:spPr>
         <p:txBody>
@@ -229,19 +224,13 @@
               <a:rPr lang="en-GB"/>
               <a:t>Click to edit Master subtitle style</a:t>
             </a:r>
-            <a:endParaRPr lang="en-US"/>
-          </a:p>
-        </p:txBody>
-      </p:sp>
-      <p:sp>
-        <p:nvSpPr>
-          <p:cNvPr id="4" name="Date Placeholder 3">
-            <a:extLst>
-              <a:ext uri="{FF2B5EF4-FFF2-40B4-BE49-F238E27FC236}">
-                <a16:creationId xmlns:a16="http://schemas.microsoft.com/office/drawing/2014/main" id="{5A9D1177-56A6-EF44-BA49-7035EE2BF232}"/>
-              </a:ext>
-            </a:extLst>
-          </p:cNvPr>
+            <a:endParaRPr lang="en-US" dirty="0"/>
+          </a:p>
+        </p:txBody>
+      </p:sp>
+      <p:sp>
+        <p:nvSpPr>
+          <p:cNvPr id="4" name="Date Placeholder 3"/>
           <p:cNvSpPr>
             <a:spLocks noGrp="1"/>
           </p:cNvSpPr>
@@ -256,7 +245,7 @@
           <a:p>
             <a:fld id="{AEE0242F-9983-5646-A2FB-42C1A5B688B5}" type="datetimeFigureOut">
               <a:rPr lang="en-US" smtClean="0"/>
-              <a:t>1/10/20</a:t>
+              <a:t>1/11/20</a:t>
             </a:fld>
             <a:endParaRPr lang="en-US"/>
           </a:p>
@@ -264,13 +253,7 @@
       </p:sp>
       <p:sp>
         <p:nvSpPr>
-          <p:cNvPr id="5" name="Footer Placeholder 4">
-            <a:extLst>
-              <a:ext uri="{FF2B5EF4-FFF2-40B4-BE49-F238E27FC236}">
-                <a16:creationId xmlns:a16="http://schemas.microsoft.com/office/drawing/2014/main" id="{F18CAF53-2BC4-C241-9892-C2746315101B}"/>
-              </a:ext>
-            </a:extLst>
-          </p:cNvPr>
+          <p:cNvPr id="5" name="Footer Placeholder 4"/>
           <p:cNvSpPr>
             <a:spLocks noGrp="1"/>
           </p:cNvSpPr>
@@ -289,13 +272,7 @@
       </p:sp>
       <p:sp>
         <p:nvSpPr>
-          <p:cNvPr id="6" name="Slide Number Placeholder 5">
-            <a:extLst>
-              <a:ext uri="{FF2B5EF4-FFF2-40B4-BE49-F238E27FC236}">
-                <a16:creationId xmlns:a16="http://schemas.microsoft.com/office/drawing/2014/main" id="{D6F2D0C6-EBDD-BD4A-8DDB-90F087D3758B}"/>
-              </a:ext>
-            </a:extLst>
-          </p:cNvPr>
+          <p:cNvPr id="6" name="Slide Number Placeholder 5"/>
           <p:cNvSpPr>
             <a:spLocks noGrp="1"/>
           </p:cNvSpPr>
@@ -319,7 +296,7 @@
     </p:spTree>
     <p:extLst>
       <p:ext uri="{BB962C8B-B14F-4D97-AF65-F5344CB8AC3E}">
-        <p14:creationId xmlns:p14="http://schemas.microsoft.com/office/powerpoint/2010/main" val="3172417885"/>
+        <p14:creationId xmlns:p14="http://schemas.microsoft.com/office/powerpoint/2010/main" val="850074986"/>
       </p:ext>
     </p:extLst>
   </p:cSld>
@@ -348,13 +325,7 @@
       </p:grpSpPr>
       <p:sp>
         <p:nvSpPr>
-          <p:cNvPr id="2" name="Title 1">
-            <a:extLst>
-              <a:ext uri="{FF2B5EF4-FFF2-40B4-BE49-F238E27FC236}">
-                <a16:creationId xmlns:a16="http://schemas.microsoft.com/office/drawing/2014/main" id="{A3A97F0E-D239-8A46-955F-D90DF37560DB}"/>
-              </a:ext>
-            </a:extLst>
-          </p:cNvPr>
+          <p:cNvPr id="2" name="Title 1"/>
           <p:cNvSpPr>
             <a:spLocks noGrp="1"/>
           </p:cNvSpPr>
@@ -371,19 +342,13 @@
               <a:rPr lang="en-GB"/>
               <a:t>Click to edit Master title style</a:t>
             </a:r>
-            <a:endParaRPr lang="en-US"/>
-          </a:p>
-        </p:txBody>
-      </p:sp>
-      <p:sp>
-        <p:nvSpPr>
-          <p:cNvPr id="3" name="Vertical Text Placeholder 2">
-            <a:extLst>
-              <a:ext uri="{FF2B5EF4-FFF2-40B4-BE49-F238E27FC236}">
-                <a16:creationId xmlns:a16="http://schemas.microsoft.com/office/drawing/2014/main" id="{D6E4FE6A-D802-0747-9C59-50C54137B1B5}"/>
-              </a:ext>
-            </a:extLst>
-          </p:cNvPr>
+            <a:endParaRPr lang="en-US" dirty="0"/>
+          </a:p>
+        </p:txBody>
+      </p:sp>
+      <p:sp>
+        <p:nvSpPr>
+          <p:cNvPr id="3" name="Vertical Text Placeholder 2"/>
           <p:cNvSpPr>
             <a:spLocks noGrp="1"/>
           </p:cNvSpPr>
@@ -429,19 +394,13 @@
               <a:rPr lang="en-GB"/>
               <a:t>Fifth level</a:t>
             </a:r>
-            <a:endParaRPr lang="en-US"/>
-          </a:p>
-        </p:txBody>
-      </p:sp>
-      <p:sp>
-        <p:nvSpPr>
-          <p:cNvPr id="4" name="Date Placeholder 3">
-            <a:extLst>
-              <a:ext uri="{FF2B5EF4-FFF2-40B4-BE49-F238E27FC236}">
-                <a16:creationId xmlns:a16="http://schemas.microsoft.com/office/drawing/2014/main" id="{676C1FEA-BE34-BB41-9206-845AF32BC026}"/>
-              </a:ext>
-            </a:extLst>
-          </p:cNvPr>
+            <a:endParaRPr lang="en-US" dirty="0"/>
+          </a:p>
+        </p:txBody>
+      </p:sp>
+      <p:sp>
+        <p:nvSpPr>
+          <p:cNvPr id="4" name="Date Placeholder 3"/>
           <p:cNvSpPr>
             <a:spLocks noGrp="1"/>
           </p:cNvSpPr>
@@ -456,7 +415,7 @@
           <a:p>
             <a:fld id="{AEE0242F-9983-5646-A2FB-42C1A5B688B5}" type="datetimeFigureOut">
               <a:rPr lang="en-US" smtClean="0"/>
-              <a:t>1/10/20</a:t>
+              <a:t>1/11/20</a:t>
             </a:fld>
             <a:endParaRPr lang="en-US"/>
           </a:p>
@@ -464,13 +423,7 @@
       </p:sp>
       <p:sp>
         <p:nvSpPr>
-          <p:cNvPr id="5" name="Footer Placeholder 4">
-            <a:extLst>
-              <a:ext uri="{FF2B5EF4-FFF2-40B4-BE49-F238E27FC236}">
-                <a16:creationId xmlns:a16="http://schemas.microsoft.com/office/drawing/2014/main" id="{3BD6D1E9-5BEF-CC4D-82B9-B16996B8CED7}"/>
-              </a:ext>
-            </a:extLst>
-          </p:cNvPr>
+          <p:cNvPr id="5" name="Footer Placeholder 4"/>
           <p:cNvSpPr>
             <a:spLocks noGrp="1"/>
           </p:cNvSpPr>
@@ -489,13 +442,7 @@
       </p:sp>
       <p:sp>
         <p:nvSpPr>
-          <p:cNvPr id="6" name="Slide Number Placeholder 5">
-            <a:extLst>
-              <a:ext uri="{FF2B5EF4-FFF2-40B4-BE49-F238E27FC236}">
-                <a16:creationId xmlns:a16="http://schemas.microsoft.com/office/drawing/2014/main" id="{A2E10DD9-E83F-DB42-9262-C0DBDA238761}"/>
-              </a:ext>
-            </a:extLst>
-          </p:cNvPr>
+          <p:cNvPr id="6" name="Slide Number Placeholder 5"/>
           <p:cNvSpPr>
             <a:spLocks noGrp="1"/>
           </p:cNvSpPr>
@@ -519,7 +466,7 @@
     </p:spTree>
     <p:extLst>
       <p:ext uri="{BB962C8B-B14F-4D97-AF65-F5344CB8AC3E}">
-        <p14:creationId xmlns:p14="http://schemas.microsoft.com/office/powerpoint/2010/main" val="2184894196"/>
+        <p14:creationId xmlns:p14="http://schemas.microsoft.com/office/powerpoint/2010/main" val="4223108729"/>
       </p:ext>
     </p:extLst>
   </p:cSld>
@@ -548,13 +495,7 @@
       </p:grpSpPr>
       <p:sp>
         <p:nvSpPr>
-          <p:cNvPr id="2" name="Vertical Title 1">
-            <a:extLst>
-              <a:ext uri="{FF2B5EF4-FFF2-40B4-BE49-F238E27FC236}">
-                <a16:creationId xmlns:a16="http://schemas.microsoft.com/office/drawing/2014/main" id="{489E252F-1C06-3647-8BF0-099F746725D2}"/>
-              </a:ext>
-            </a:extLst>
-          </p:cNvPr>
+          <p:cNvPr id="2" name="Vertical Title 1"/>
           <p:cNvSpPr>
             <a:spLocks noGrp="1"/>
           </p:cNvSpPr>
@@ -564,8 +505,8 @@
         </p:nvSpPr>
         <p:spPr>
           <a:xfrm>
-            <a:off x="8724900" y="365125"/>
-            <a:ext cx="2628900" cy="5811838"/>
+            <a:off x="13878044" y="365125"/>
+            <a:ext cx="4181594" cy="5811838"/>
           </a:xfrm>
         </p:spPr>
         <p:txBody>
@@ -576,19 +517,13 @@
               <a:rPr lang="en-GB"/>
               <a:t>Click to edit Master title style</a:t>
             </a:r>
-            <a:endParaRPr lang="en-US"/>
-          </a:p>
-        </p:txBody>
-      </p:sp>
-      <p:sp>
-        <p:nvSpPr>
-          <p:cNvPr id="3" name="Vertical Text Placeholder 2">
-            <a:extLst>
-              <a:ext uri="{FF2B5EF4-FFF2-40B4-BE49-F238E27FC236}">
-                <a16:creationId xmlns:a16="http://schemas.microsoft.com/office/drawing/2014/main" id="{6845EB06-F7FE-9E49-A626-7DAE97A37A54}"/>
-              </a:ext>
-            </a:extLst>
-          </p:cNvPr>
+            <a:endParaRPr lang="en-US" dirty="0"/>
+          </a:p>
+        </p:txBody>
+      </p:sp>
+      <p:sp>
+        <p:nvSpPr>
+          <p:cNvPr id="3" name="Vertical Text Placeholder 2"/>
           <p:cNvSpPr>
             <a:spLocks noGrp="1"/>
           </p:cNvSpPr>
@@ -598,8 +533,8 @@
         </p:nvSpPr>
         <p:spPr>
           <a:xfrm>
-            <a:off x="838200" y="365125"/>
-            <a:ext cx="7734300" cy="5811838"/>
+            <a:off x="1333262" y="365125"/>
+            <a:ext cx="12302371" cy="5811838"/>
           </a:xfrm>
         </p:spPr>
         <p:txBody>
@@ -639,19 +574,13 @@
               <a:rPr lang="en-GB"/>
               <a:t>Fifth level</a:t>
             </a:r>
-            <a:endParaRPr lang="en-US"/>
-          </a:p>
-        </p:txBody>
-      </p:sp>
-      <p:sp>
-        <p:nvSpPr>
-          <p:cNvPr id="4" name="Date Placeholder 3">
-            <a:extLst>
-              <a:ext uri="{FF2B5EF4-FFF2-40B4-BE49-F238E27FC236}">
-                <a16:creationId xmlns:a16="http://schemas.microsoft.com/office/drawing/2014/main" id="{A1DCCC2F-3EA7-4A43-B133-EE67C4BCDAB3}"/>
-              </a:ext>
-            </a:extLst>
-          </p:cNvPr>
+            <a:endParaRPr lang="en-US" dirty="0"/>
+          </a:p>
+        </p:txBody>
+      </p:sp>
+      <p:sp>
+        <p:nvSpPr>
+          <p:cNvPr id="4" name="Date Placeholder 3"/>
           <p:cNvSpPr>
             <a:spLocks noGrp="1"/>
           </p:cNvSpPr>
@@ -666,7 +595,7 @@
           <a:p>
             <a:fld id="{AEE0242F-9983-5646-A2FB-42C1A5B688B5}" type="datetimeFigureOut">
               <a:rPr lang="en-US" smtClean="0"/>
-              <a:t>1/10/20</a:t>
+              <a:t>1/11/20</a:t>
             </a:fld>
             <a:endParaRPr lang="en-US"/>
           </a:p>
@@ -674,13 +603,7 @@
       </p:sp>
       <p:sp>
         <p:nvSpPr>
-          <p:cNvPr id="5" name="Footer Placeholder 4">
-            <a:extLst>
-              <a:ext uri="{FF2B5EF4-FFF2-40B4-BE49-F238E27FC236}">
-                <a16:creationId xmlns:a16="http://schemas.microsoft.com/office/drawing/2014/main" id="{21207C70-52B0-5C49-A16F-455AA2BF586A}"/>
-              </a:ext>
-            </a:extLst>
-          </p:cNvPr>
+          <p:cNvPr id="5" name="Footer Placeholder 4"/>
           <p:cNvSpPr>
             <a:spLocks noGrp="1"/>
           </p:cNvSpPr>
@@ -699,13 +622,7 @@
       </p:sp>
       <p:sp>
         <p:nvSpPr>
-          <p:cNvPr id="6" name="Slide Number Placeholder 5">
-            <a:extLst>
-              <a:ext uri="{FF2B5EF4-FFF2-40B4-BE49-F238E27FC236}">
-                <a16:creationId xmlns:a16="http://schemas.microsoft.com/office/drawing/2014/main" id="{9419098D-4AA0-EC41-82B9-3175C41DCA8B}"/>
-              </a:ext>
-            </a:extLst>
-          </p:cNvPr>
+          <p:cNvPr id="6" name="Slide Number Placeholder 5"/>
           <p:cNvSpPr>
             <a:spLocks noGrp="1"/>
           </p:cNvSpPr>
@@ -729,7 +646,7 @@
     </p:spTree>
     <p:extLst>
       <p:ext uri="{BB962C8B-B14F-4D97-AF65-F5344CB8AC3E}">
-        <p14:creationId xmlns:p14="http://schemas.microsoft.com/office/powerpoint/2010/main" val="951352548"/>
+        <p14:creationId xmlns:p14="http://schemas.microsoft.com/office/powerpoint/2010/main" val="2592369273"/>
       </p:ext>
     </p:extLst>
   </p:cSld>
@@ -758,13 +675,7 @@
       </p:grpSpPr>
       <p:sp>
         <p:nvSpPr>
-          <p:cNvPr id="2" name="Title 1">
-            <a:extLst>
-              <a:ext uri="{FF2B5EF4-FFF2-40B4-BE49-F238E27FC236}">
-                <a16:creationId xmlns:a16="http://schemas.microsoft.com/office/drawing/2014/main" id="{F2BB54F1-2E8D-1540-A0EB-BB767B73C81A}"/>
-              </a:ext>
-            </a:extLst>
-          </p:cNvPr>
+          <p:cNvPr id="2" name="Title 1"/>
           <p:cNvSpPr>
             <a:spLocks noGrp="1"/>
           </p:cNvSpPr>
@@ -781,19 +692,13 @@
               <a:rPr lang="en-GB"/>
               <a:t>Click to edit Master title style</a:t>
             </a:r>
-            <a:endParaRPr lang="en-US"/>
-          </a:p>
-        </p:txBody>
-      </p:sp>
-      <p:sp>
-        <p:nvSpPr>
-          <p:cNvPr id="3" name="Content Placeholder 2">
-            <a:extLst>
-              <a:ext uri="{FF2B5EF4-FFF2-40B4-BE49-F238E27FC236}">
-                <a16:creationId xmlns:a16="http://schemas.microsoft.com/office/drawing/2014/main" id="{186EA624-8491-8947-99D6-300061F33724}"/>
-              </a:ext>
-            </a:extLst>
-          </p:cNvPr>
+            <a:endParaRPr lang="en-US" dirty="0"/>
+          </a:p>
+        </p:txBody>
+      </p:sp>
+      <p:sp>
+        <p:nvSpPr>
+          <p:cNvPr id="3" name="Content Placeholder 2"/>
           <p:cNvSpPr>
             <a:spLocks noGrp="1"/>
           </p:cNvSpPr>
@@ -839,19 +744,13 @@
               <a:rPr lang="en-GB"/>
               <a:t>Fifth level</a:t>
             </a:r>
-            <a:endParaRPr lang="en-US"/>
-          </a:p>
-        </p:txBody>
-      </p:sp>
-      <p:sp>
-        <p:nvSpPr>
-          <p:cNvPr id="4" name="Date Placeholder 3">
-            <a:extLst>
-              <a:ext uri="{FF2B5EF4-FFF2-40B4-BE49-F238E27FC236}">
-                <a16:creationId xmlns:a16="http://schemas.microsoft.com/office/drawing/2014/main" id="{D79D97D8-EDA3-594F-8443-6A1F5F48C877}"/>
-              </a:ext>
-            </a:extLst>
-          </p:cNvPr>
+            <a:endParaRPr lang="en-US" dirty="0"/>
+          </a:p>
+        </p:txBody>
+      </p:sp>
+      <p:sp>
+        <p:nvSpPr>
+          <p:cNvPr id="4" name="Date Placeholder 3"/>
           <p:cNvSpPr>
             <a:spLocks noGrp="1"/>
           </p:cNvSpPr>
@@ -866,7 +765,7 @@
           <a:p>
             <a:fld id="{AEE0242F-9983-5646-A2FB-42C1A5B688B5}" type="datetimeFigureOut">
               <a:rPr lang="en-US" smtClean="0"/>
-              <a:t>1/10/20</a:t>
+              <a:t>1/11/20</a:t>
             </a:fld>
             <a:endParaRPr lang="en-US"/>
           </a:p>
@@ -874,13 +773,7 @@
       </p:sp>
       <p:sp>
         <p:nvSpPr>
-          <p:cNvPr id="5" name="Footer Placeholder 4">
-            <a:extLst>
-              <a:ext uri="{FF2B5EF4-FFF2-40B4-BE49-F238E27FC236}">
-                <a16:creationId xmlns:a16="http://schemas.microsoft.com/office/drawing/2014/main" id="{1CD7CAA2-45D0-3B45-A2B6-F5BD541F3F27}"/>
-              </a:ext>
-            </a:extLst>
-          </p:cNvPr>
+          <p:cNvPr id="5" name="Footer Placeholder 4"/>
           <p:cNvSpPr>
             <a:spLocks noGrp="1"/>
           </p:cNvSpPr>
@@ -899,13 +792,7 @@
       </p:sp>
       <p:sp>
         <p:nvSpPr>
-          <p:cNvPr id="6" name="Slide Number Placeholder 5">
-            <a:extLst>
-              <a:ext uri="{FF2B5EF4-FFF2-40B4-BE49-F238E27FC236}">
-                <a16:creationId xmlns:a16="http://schemas.microsoft.com/office/drawing/2014/main" id="{44D4BFD2-A3AD-4B40-B83A-8F384C230162}"/>
-              </a:ext>
-            </a:extLst>
-          </p:cNvPr>
+          <p:cNvPr id="6" name="Slide Number Placeholder 5"/>
           <p:cNvSpPr>
             <a:spLocks noGrp="1"/>
           </p:cNvSpPr>
@@ -929,7 +816,7 @@
     </p:spTree>
     <p:extLst>
       <p:ext uri="{BB962C8B-B14F-4D97-AF65-F5344CB8AC3E}">
-        <p14:creationId xmlns:p14="http://schemas.microsoft.com/office/powerpoint/2010/main" val="3191157155"/>
+        <p14:creationId xmlns:p14="http://schemas.microsoft.com/office/powerpoint/2010/main" val="3016774474"/>
       </p:ext>
     </p:extLst>
   </p:cSld>
@@ -958,13 +845,7 @@
       </p:grpSpPr>
       <p:sp>
         <p:nvSpPr>
-          <p:cNvPr id="2" name="Title 1">
-            <a:extLst>
-              <a:ext uri="{FF2B5EF4-FFF2-40B4-BE49-F238E27FC236}">
-                <a16:creationId xmlns:a16="http://schemas.microsoft.com/office/drawing/2014/main" id="{C458CC86-1AEF-3B42-8061-200C9AD5278F}"/>
-              </a:ext>
-            </a:extLst>
-          </p:cNvPr>
+          <p:cNvPr id="2" name="Title 1"/>
           <p:cNvSpPr>
             <a:spLocks noGrp="1"/>
           </p:cNvSpPr>
@@ -974,8 +855,8 @@
         </p:nvSpPr>
         <p:spPr>
           <a:xfrm>
-            <a:off x="831850" y="1709738"/>
-            <a:ext cx="10515600" cy="2852737"/>
+            <a:off x="1323162" y="1709739"/>
+            <a:ext cx="16726376" cy="2852737"/>
           </a:xfrm>
         </p:spPr>
         <p:txBody>
@@ -990,19 +871,13 @@
               <a:rPr lang="en-GB"/>
               <a:t>Click to edit Master title style</a:t>
             </a:r>
-            <a:endParaRPr lang="en-US"/>
-          </a:p>
-        </p:txBody>
-      </p:sp>
-      <p:sp>
-        <p:nvSpPr>
-          <p:cNvPr id="3" name="Text Placeholder 2">
-            <a:extLst>
-              <a:ext uri="{FF2B5EF4-FFF2-40B4-BE49-F238E27FC236}">
-                <a16:creationId xmlns:a16="http://schemas.microsoft.com/office/drawing/2014/main" id="{2DE6184D-5677-F347-BDC4-38750E422603}"/>
-              </a:ext>
-            </a:extLst>
-          </p:cNvPr>
+            <a:endParaRPr lang="en-US" dirty="0"/>
+          </a:p>
+        </p:txBody>
+      </p:sp>
+      <p:sp>
+        <p:nvSpPr>
+          <p:cNvPr id="3" name="Text Placeholder 2"/>
           <p:cNvSpPr>
             <a:spLocks noGrp="1"/>
           </p:cNvSpPr>
@@ -1012,8 +887,8 @@
         </p:nvSpPr>
         <p:spPr>
           <a:xfrm>
-            <a:off x="831850" y="4589463"/>
-            <a:ext cx="10515600" cy="1500187"/>
+            <a:off x="1323162" y="4589464"/>
+            <a:ext cx="16726376" cy="1500187"/>
           </a:xfrm>
         </p:spPr>
         <p:txBody>
@@ -1121,13 +996,7 @@
       </p:sp>
       <p:sp>
         <p:nvSpPr>
-          <p:cNvPr id="4" name="Date Placeholder 3">
-            <a:extLst>
-              <a:ext uri="{FF2B5EF4-FFF2-40B4-BE49-F238E27FC236}">
-                <a16:creationId xmlns:a16="http://schemas.microsoft.com/office/drawing/2014/main" id="{3DD1719E-AC2A-7E40-ACCC-78084B785D89}"/>
-              </a:ext>
-            </a:extLst>
-          </p:cNvPr>
+          <p:cNvPr id="4" name="Date Placeholder 3"/>
           <p:cNvSpPr>
             <a:spLocks noGrp="1"/>
           </p:cNvSpPr>
@@ -1142,7 +1011,7 @@
           <a:p>
             <a:fld id="{AEE0242F-9983-5646-A2FB-42C1A5B688B5}" type="datetimeFigureOut">
               <a:rPr lang="en-US" smtClean="0"/>
-              <a:t>1/10/20</a:t>
+              <a:t>1/11/20</a:t>
             </a:fld>
             <a:endParaRPr lang="en-US"/>
           </a:p>
@@ -1150,13 +1019,7 @@
       </p:sp>
       <p:sp>
         <p:nvSpPr>
-          <p:cNvPr id="5" name="Footer Placeholder 4">
-            <a:extLst>
-              <a:ext uri="{FF2B5EF4-FFF2-40B4-BE49-F238E27FC236}">
-                <a16:creationId xmlns:a16="http://schemas.microsoft.com/office/drawing/2014/main" id="{211037EF-6C0B-394A-A1FC-3F3CAE2EDF22}"/>
-              </a:ext>
-            </a:extLst>
-          </p:cNvPr>
+          <p:cNvPr id="5" name="Footer Placeholder 4"/>
           <p:cNvSpPr>
             <a:spLocks noGrp="1"/>
           </p:cNvSpPr>
@@ -1175,13 +1038,7 @@
       </p:sp>
       <p:sp>
         <p:nvSpPr>
-          <p:cNvPr id="6" name="Slide Number Placeholder 5">
-            <a:extLst>
-              <a:ext uri="{FF2B5EF4-FFF2-40B4-BE49-F238E27FC236}">
-                <a16:creationId xmlns:a16="http://schemas.microsoft.com/office/drawing/2014/main" id="{A95B9035-B4B7-E24E-8D98-A9F733C57664}"/>
-              </a:ext>
-            </a:extLst>
-          </p:cNvPr>
+          <p:cNvPr id="6" name="Slide Number Placeholder 5"/>
           <p:cNvSpPr>
             <a:spLocks noGrp="1"/>
           </p:cNvSpPr>
@@ -1205,7 +1062,7 @@
     </p:spTree>
     <p:extLst>
       <p:ext uri="{BB962C8B-B14F-4D97-AF65-F5344CB8AC3E}">
-        <p14:creationId xmlns:p14="http://schemas.microsoft.com/office/powerpoint/2010/main" val="3340011803"/>
+        <p14:creationId xmlns:p14="http://schemas.microsoft.com/office/powerpoint/2010/main" val="3870537587"/>
       </p:ext>
     </p:extLst>
   </p:cSld>
@@ -1234,13 +1091,7 @@
       </p:grpSpPr>
       <p:sp>
         <p:nvSpPr>
-          <p:cNvPr id="2" name="Title 1">
-            <a:extLst>
-              <a:ext uri="{FF2B5EF4-FFF2-40B4-BE49-F238E27FC236}">
-                <a16:creationId xmlns:a16="http://schemas.microsoft.com/office/drawing/2014/main" id="{4AE7E745-23E8-A449-88CE-A4DCE7B88C8F}"/>
-              </a:ext>
-            </a:extLst>
-          </p:cNvPr>
+          <p:cNvPr id="2" name="Title 1"/>
           <p:cNvSpPr>
             <a:spLocks noGrp="1"/>
           </p:cNvSpPr>
@@ -1257,19 +1108,13 @@
               <a:rPr lang="en-GB"/>
               <a:t>Click to edit Master title style</a:t>
             </a:r>
-            <a:endParaRPr lang="en-US"/>
-          </a:p>
-        </p:txBody>
-      </p:sp>
-      <p:sp>
-        <p:nvSpPr>
-          <p:cNvPr id="3" name="Content Placeholder 2">
-            <a:extLst>
-              <a:ext uri="{FF2B5EF4-FFF2-40B4-BE49-F238E27FC236}">
-                <a16:creationId xmlns:a16="http://schemas.microsoft.com/office/drawing/2014/main" id="{7F77B354-37B4-7042-BA74-D3BC472E16BE}"/>
-              </a:ext>
-            </a:extLst>
-          </p:cNvPr>
+            <a:endParaRPr lang="en-US" dirty="0"/>
+          </a:p>
+        </p:txBody>
+      </p:sp>
+      <p:sp>
+        <p:nvSpPr>
+          <p:cNvPr id="3" name="Content Placeholder 2"/>
           <p:cNvSpPr>
             <a:spLocks noGrp="1"/>
           </p:cNvSpPr>
@@ -1279,8 +1124,8 @@
         </p:nvSpPr>
         <p:spPr>
           <a:xfrm>
-            <a:off x="838200" y="1825625"/>
-            <a:ext cx="5181600" cy="4351338"/>
+            <a:off x="1333262" y="1825625"/>
+            <a:ext cx="8241983" cy="4351338"/>
           </a:xfrm>
         </p:spPr>
         <p:txBody>
@@ -1320,19 +1165,13 @@
               <a:rPr lang="en-GB"/>
               <a:t>Fifth level</a:t>
             </a:r>
-            <a:endParaRPr lang="en-US"/>
-          </a:p>
-        </p:txBody>
-      </p:sp>
-      <p:sp>
-        <p:nvSpPr>
-          <p:cNvPr id="4" name="Content Placeholder 3">
-            <a:extLst>
-              <a:ext uri="{FF2B5EF4-FFF2-40B4-BE49-F238E27FC236}">
-                <a16:creationId xmlns:a16="http://schemas.microsoft.com/office/drawing/2014/main" id="{5D796603-A842-8240-8A45-26123E119D64}"/>
-              </a:ext>
-            </a:extLst>
-          </p:cNvPr>
+            <a:endParaRPr lang="en-US" dirty="0"/>
+          </a:p>
+        </p:txBody>
+      </p:sp>
+      <p:sp>
+        <p:nvSpPr>
+          <p:cNvPr id="4" name="Content Placeholder 3"/>
           <p:cNvSpPr>
             <a:spLocks noGrp="1"/>
           </p:cNvSpPr>
@@ -1342,8 +1181,8 @@
         </p:nvSpPr>
         <p:spPr>
           <a:xfrm>
-            <a:off x="6172200" y="1825625"/>
-            <a:ext cx="5181600" cy="4351338"/>
+            <a:off x="9817655" y="1825625"/>
+            <a:ext cx="8241983" cy="4351338"/>
           </a:xfrm>
         </p:spPr>
         <p:txBody>
@@ -1383,19 +1222,13 @@
               <a:rPr lang="en-GB"/>
               <a:t>Fifth level</a:t>
             </a:r>
-            <a:endParaRPr lang="en-US"/>
-          </a:p>
-        </p:txBody>
-      </p:sp>
-      <p:sp>
-        <p:nvSpPr>
-          <p:cNvPr id="5" name="Date Placeholder 4">
-            <a:extLst>
-              <a:ext uri="{FF2B5EF4-FFF2-40B4-BE49-F238E27FC236}">
-                <a16:creationId xmlns:a16="http://schemas.microsoft.com/office/drawing/2014/main" id="{40D55E0A-62D9-6041-B31B-808BB6848F75}"/>
-              </a:ext>
-            </a:extLst>
-          </p:cNvPr>
+            <a:endParaRPr lang="en-US" dirty="0"/>
+          </a:p>
+        </p:txBody>
+      </p:sp>
+      <p:sp>
+        <p:nvSpPr>
+          <p:cNvPr id="5" name="Date Placeholder 4"/>
           <p:cNvSpPr>
             <a:spLocks noGrp="1"/>
           </p:cNvSpPr>
@@ -1410,7 +1243,7 @@
           <a:p>
             <a:fld id="{AEE0242F-9983-5646-A2FB-42C1A5B688B5}" type="datetimeFigureOut">
               <a:rPr lang="en-US" smtClean="0"/>
-              <a:t>1/10/20</a:t>
+              <a:t>1/11/20</a:t>
             </a:fld>
             <a:endParaRPr lang="en-US"/>
           </a:p>
@@ -1418,13 +1251,7 @@
       </p:sp>
       <p:sp>
         <p:nvSpPr>
-          <p:cNvPr id="6" name="Footer Placeholder 5">
-            <a:extLst>
-              <a:ext uri="{FF2B5EF4-FFF2-40B4-BE49-F238E27FC236}">
-                <a16:creationId xmlns:a16="http://schemas.microsoft.com/office/drawing/2014/main" id="{EEFB95E2-1F6B-3649-91C1-019A3BE8A052}"/>
-              </a:ext>
-            </a:extLst>
-          </p:cNvPr>
+          <p:cNvPr id="6" name="Footer Placeholder 5"/>
           <p:cNvSpPr>
             <a:spLocks noGrp="1"/>
           </p:cNvSpPr>
@@ -1443,13 +1270,7 @@
       </p:sp>
       <p:sp>
         <p:nvSpPr>
-          <p:cNvPr id="7" name="Slide Number Placeholder 6">
-            <a:extLst>
-              <a:ext uri="{FF2B5EF4-FFF2-40B4-BE49-F238E27FC236}">
-                <a16:creationId xmlns:a16="http://schemas.microsoft.com/office/drawing/2014/main" id="{388F4DEF-0621-C445-8E07-70E95215BECF}"/>
-              </a:ext>
-            </a:extLst>
-          </p:cNvPr>
+          <p:cNvPr id="7" name="Slide Number Placeholder 6"/>
           <p:cNvSpPr>
             <a:spLocks noGrp="1"/>
           </p:cNvSpPr>
@@ -1473,7 +1294,7 @@
     </p:spTree>
     <p:extLst>
       <p:ext uri="{BB962C8B-B14F-4D97-AF65-F5344CB8AC3E}">
-        <p14:creationId xmlns:p14="http://schemas.microsoft.com/office/powerpoint/2010/main" val="2611568359"/>
+        <p14:creationId xmlns:p14="http://schemas.microsoft.com/office/powerpoint/2010/main" val="1654760750"/>
       </p:ext>
     </p:extLst>
   </p:cSld>
@@ -1502,13 +1323,7 @@
       </p:grpSpPr>
       <p:sp>
         <p:nvSpPr>
-          <p:cNvPr id="2" name="Title 1">
-            <a:extLst>
-              <a:ext uri="{FF2B5EF4-FFF2-40B4-BE49-F238E27FC236}">
-                <a16:creationId xmlns:a16="http://schemas.microsoft.com/office/drawing/2014/main" id="{45E2AC9A-7052-A64F-8212-7E3C20C23652}"/>
-              </a:ext>
-            </a:extLst>
-          </p:cNvPr>
+          <p:cNvPr id="2" name="Title 1"/>
           <p:cNvSpPr>
             <a:spLocks noGrp="1"/>
           </p:cNvSpPr>
@@ -1518,8 +1333,8 @@
         </p:nvSpPr>
         <p:spPr>
           <a:xfrm>
-            <a:off x="839788" y="365125"/>
-            <a:ext cx="10515600" cy="1325563"/>
+            <a:off x="1335788" y="365126"/>
+            <a:ext cx="16726376" cy="1325563"/>
           </a:xfrm>
         </p:spPr>
         <p:txBody>
@@ -1530,19 +1345,13 @@
               <a:rPr lang="en-GB"/>
               <a:t>Click to edit Master title style</a:t>
             </a:r>
-            <a:endParaRPr lang="en-US"/>
-          </a:p>
-        </p:txBody>
-      </p:sp>
-      <p:sp>
-        <p:nvSpPr>
-          <p:cNvPr id="3" name="Text Placeholder 2">
-            <a:extLst>
-              <a:ext uri="{FF2B5EF4-FFF2-40B4-BE49-F238E27FC236}">
-                <a16:creationId xmlns:a16="http://schemas.microsoft.com/office/drawing/2014/main" id="{0F9A2123-893B-F449-9E85-E12001FFAA7A}"/>
-              </a:ext>
-            </a:extLst>
-          </p:cNvPr>
+            <a:endParaRPr lang="en-US" dirty="0"/>
+          </a:p>
+        </p:txBody>
+      </p:sp>
+      <p:sp>
+        <p:nvSpPr>
+          <p:cNvPr id="3" name="Text Placeholder 2"/>
           <p:cNvSpPr>
             <a:spLocks noGrp="1"/>
           </p:cNvSpPr>
@@ -1552,8 +1361,8 @@
         </p:nvSpPr>
         <p:spPr>
           <a:xfrm>
-            <a:off x="839788" y="1681163"/>
-            <a:ext cx="5157787" cy="823912"/>
+            <a:off x="1335789" y="1681163"/>
+            <a:ext cx="8204105" cy="823912"/>
           </a:xfrm>
         </p:spPr>
         <p:txBody>
@@ -1607,13 +1416,7 @@
       </p:sp>
       <p:sp>
         <p:nvSpPr>
-          <p:cNvPr id="4" name="Content Placeholder 3">
-            <a:extLst>
-              <a:ext uri="{FF2B5EF4-FFF2-40B4-BE49-F238E27FC236}">
-                <a16:creationId xmlns:a16="http://schemas.microsoft.com/office/drawing/2014/main" id="{36B6F7FF-9D14-6549-B709-0BBBCA43F08B}"/>
-              </a:ext>
-            </a:extLst>
-          </p:cNvPr>
+          <p:cNvPr id="4" name="Content Placeholder 3"/>
           <p:cNvSpPr>
             <a:spLocks noGrp="1"/>
           </p:cNvSpPr>
@@ -1623,8 +1426,8 @@
         </p:nvSpPr>
         <p:spPr>
           <a:xfrm>
-            <a:off x="839788" y="2505075"/>
-            <a:ext cx="5157787" cy="3684588"/>
+            <a:off x="1335789" y="2505075"/>
+            <a:ext cx="8204105" cy="3684588"/>
           </a:xfrm>
         </p:spPr>
         <p:txBody>
@@ -1664,19 +1467,13 @@
               <a:rPr lang="en-GB"/>
               <a:t>Fifth level</a:t>
             </a:r>
-            <a:endParaRPr lang="en-US"/>
-          </a:p>
-        </p:txBody>
-      </p:sp>
-      <p:sp>
-        <p:nvSpPr>
-          <p:cNvPr id="5" name="Text Placeholder 4">
-            <a:extLst>
-              <a:ext uri="{FF2B5EF4-FFF2-40B4-BE49-F238E27FC236}">
-                <a16:creationId xmlns:a16="http://schemas.microsoft.com/office/drawing/2014/main" id="{73838DFB-58A3-1943-B0B4-2618B023983F}"/>
-              </a:ext>
-            </a:extLst>
-          </p:cNvPr>
+            <a:endParaRPr lang="en-US" dirty="0"/>
+          </a:p>
+        </p:txBody>
+      </p:sp>
+      <p:sp>
+        <p:nvSpPr>
+          <p:cNvPr id="5" name="Text Placeholder 4"/>
           <p:cNvSpPr>
             <a:spLocks noGrp="1"/>
           </p:cNvSpPr>
@@ -1686,8 +1483,8 @@
         </p:nvSpPr>
         <p:spPr>
           <a:xfrm>
-            <a:off x="6172200" y="1681163"/>
-            <a:ext cx="5183188" cy="823912"/>
+            <a:off x="9817656" y="1681163"/>
+            <a:ext cx="8244508" cy="823912"/>
           </a:xfrm>
         </p:spPr>
         <p:txBody>
@@ -1741,13 +1538,7 @@
       </p:sp>
       <p:sp>
         <p:nvSpPr>
-          <p:cNvPr id="6" name="Content Placeholder 5">
-            <a:extLst>
-              <a:ext uri="{FF2B5EF4-FFF2-40B4-BE49-F238E27FC236}">
-                <a16:creationId xmlns:a16="http://schemas.microsoft.com/office/drawing/2014/main" id="{DFBAC916-F022-2040-B445-7D46DA0C0A1E}"/>
-              </a:ext>
-            </a:extLst>
-          </p:cNvPr>
+          <p:cNvPr id="6" name="Content Placeholder 5"/>
           <p:cNvSpPr>
             <a:spLocks noGrp="1"/>
           </p:cNvSpPr>
@@ -1757,8 +1548,8 @@
         </p:nvSpPr>
         <p:spPr>
           <a:xfrm>
-            <a:off x="6172200" y="2505075"/>
-            <a:ext cx="5183188" cy="3684588"/>
+            <a:off x="9817656" y="2505075"/>
+            <a:ext cx="8244508" cy="3684588"/>
           </a:xfrm>
         </p:spPr>
         <p:txBody>
@@ -1798,19 +1589,13 @@
               <a:rPr lang="en-GB"/>
               <a:t>Fifth level</a:t>
             </a:r>
-            <a:endParaRPr lang="en-US"/>
-          </a:p>
-        </p:txBody>
-      </p:sp>
-      <p:sp>
-        <p:nvSpPr>
-          <p:cNvPr id="7" name="Date Placeholder 6">
-            <a:extLst>
-              <a:ext uri="{FF2B5EF4-FFF2-40B4-BE49-F238E27FC236}">
-                <a16:creationId xmlns:a16="http://schemas.microsoft.com/office/drawing/2014/main" id="{0E2FC60E-9CD8-244D-8941-24730DDC0A55}"/>
-              </a:ext>
-            </a:extLst>
-          </p:cNvPr>
+            <a:endParaRPr lang="en-US" dirty="0"/>
+          </a:p>
+        </p:txBody>
+      </p:sp>
+      <p:sp>
+        <p:nvSpPr>
+          <p:cNvPr id="7" name="Date Placeholder 6"/>
           <p:cNvSpPr>
             <a:spLocks noGrp="1"/>
           </p:cNvSpPr>
@@ -1825,7 +1610,7 @@
           <a:p>
             <a:fld id="{AEE0242F-9983-5646-A2FB-42C1A5B688B5}" type="datetimeFigureOut">
               <a:rPr lang="en-US" smtClean="0"/>
-              <a:t>1/10/20</a:t>
+              <a:t>1/11/20</a:t>
             </a:fld>
             <a:endParaRPr lang="en-US"/>
           </a:p>
@@ -1833,13 +1618,7 @@
       </p:sp>
       <p:sp>
         <p:nvSpPr>
-          <p:cNvPr id="8" name="Footer Placeholder 7">
-            <a:extLst>
-              <a:ext uri="{FF2B5EF4-FFF2-40B4-BE49-F238E27FC236}">
-                <a16:creationId xmlns:a16="http://schemas.microsoft.com/office/drawing/2014/main" id="{628369B4-EB74-8840-BD0A-ACDCD08B414A}"/>
-              </a:ext>
-            </a:extLst>
-          </p:cNvPr>
+          <p:cNvPr id="8" name="Footer Placeholder 7"/>
           <p:cNvSpPr>
             <a:spLocks noGrp="1"/>
           </p:cNvSpPr>
@@ -1858,13 +1637,7 @@
       </p:sp>
       <p:sp>
         <p:nvSpPr>
-          <p:cNvPr id="9" name="Slide Number Placeholder 8">
-            <a:extLst>
-              <a:ext uri="{FF2B5EF4-FFF2-40B4-BE49-F238E27FC236}">
-                <a16:creationId xmlns:a16="http://schemas.microsoft.com/office/drawing/2014/main" id="{4AF15BCF-3152-D447-8CF1-DAB60864FFB2}"/>
-              </a:ext>
-            </a:extLst>
-          </p:cNvPr>
+          <p:cNvPr id="9" name="Slide Number Placeholder 8"/>
           <p:cNvSpPr>
             <a:spLocks noGrp="1"/>
           </p:cNvSpPr>
@@ -1888,7 +1661,7 @@
     </p:spTree>
     <p:extLst>
       <p:ext uri="{BB962C8B-B14F-4D97-AF65-F5344CB8AC3E}">
-        <p14:creationId xmlns:p14="http://schemas.microsoft.com/office/powerpoint/2010/main" val="668408462"/>
+        <p14:creationId xmlns:p14="http://schemas.microsoft.com/office/powerpoint/2010/main" val="3672101737"/>
       </p:ext>
     </p:extLst>
   </p:cSld>
@@ -1917,13 +1690,7 @@
       </p:grpSpPr>
       <p:sp>
         <p:nvSpPr>
-          <p:cNvPr id="2" name="Title 1">
-            <a:extLst>
-              <a:ext uri="{FF2B5EF4-FFF2-40B4-BE49-F238E27FC236}">
-                <a16:creationId xmlns:a16="http://schemas.microsoft.com/office/drawing/2014/main" id="{FD215912-F9B8-294C-B638-D16A5DB17705}"/>
-              </a:ext>
-            </a:extLst>
-          </p:cNvPr>
+          <p:cNvPr id="2" name="Title 1"/>
           <p:cNvSpPr>
             <a:spLocks noGrp="1"/>
           </p:cNvSpPr>
@@ -1940,19 +1707,13 @@
               <a:rPr lang="en-GB"/>
               <a:t>Click to edit Master title style</a:t>
             </a:r>
-            <a:endParaRPr lang="en-US"/>
-          </a:p>
-        </p:txBody>
-      </p:sp>
-      <p:sp>
-        <p:nvSpPr>
-          <p:cNvPr id="3" name="Date Placeholder 2">
-            <a:extLst>
-              <a:ext uri="{FF2B5EF4-FFF2-40B4-BE49-F238E27FC236}">
-                <a16:creationId xmlns:a16="http://schemas.microsoft.com/office/drawing/2014/main" id="{55D637F2-772C-0940-97AF-948ADB086CF2}"/>
-              </a:ext>
-            </a:extLst>
-          </p:cNvPr>
+            <a:endParaRPr lang="en-US" dirty="0"/>
+          </a:p>
+        </p:txBody>
+      </p:sp>
+      <p:sp>
+        <p:nvSpPr>
+          <p:cNvPr id="3" name="Date Placeholder 2"/>
           <p:cNvSpPr>
             <a:spLocks noGrp="1"/>
           </p:cNvSpPr>
@@ -1967,7 +1728,7 @@
           <a:p>
             <a:fld id="{AEE0242F-9983-5646-A2FB-42C1A5B688B5}" type="datetimeFigureOut">
               <a:rPr lang="en-US" smtClean="0"/>
-              <a:t>1/10/20</a:t>
+              <a:t>1/11/20</a:t>
             </a:fld>
             <a:endParaRPr lang="en-US"/>
           </a:p>
@@ -1975,13 +1736,7 @@
       </p:sp>
       <p:sp>
         <p:nvSpPr>
-          <p:cNvPr id="4" name="Footer Placeholder 3">
-            <a:extLst>
-              <a:ext uri="{FF2B5EF4-FFF2-40B4-BE49-F238E27FC236}">
-                <a16:creationId xmlns:a16="http://schemas.microsoft.com/office/drawing/2014/main" id="{327BA994-7713-FF40-8645-C80A1008DFFB}"/>
-              </a:ext>
-            </a:extLst>
-          </p:cNvPr>
+          <p:cNvPr id="4" name="Footer Placeholder 3"/>
           <p:cNvSpPr>
             <a:spLocks noGrp="1"/>
           </p:cNvSpPr>
@@ -2000,13 +1755,7 @@
       </p:sp>
       <p:sp>
         <p:nvSpPr>
-          <p:cNvPr id="5" name="Slide Number Placeholder 4">
-            <a:extLst>
-              <a:ext uri="{FF2B5EF4-FFF2-40B4-BE49-F238E27FC236}">
-                <a16:creationId xmlns:a16="http://schemas.microsoft.com/office/drawing/2014/main" id="{923135BD-9E71-D44C-95D6-3FFBC8DE102E}"/>
-              </a:ext>
-            </a:extLst>
-          </p:cNvPr>
+          <p:cNvPr id="5" name="Slide Number Placeholder 4"/>
           <p:cNvSpPr>
             <a:spLocks noGrp="1"/>
           </p:cNvSpPr>
@@ -2030,7 +1779,7 @@
     </p:spTree>
     <p:extLst>
       <p:ext uri="{BB962C8B-B14F-4D97-AF65-F5344CB8AC3E}">
-        <p14:creationId xmlns:p14="http://schemas.microsoft.com/office/powerpoint/2010/main" val="271047287"/>
+        <p14:creationId xmlns:p14="http://schemas.microsoft.com/office/powerpoint/2010/main" val="2297293674"/>
       </p:ext>
     </p:extLst>
   </p:cSld>
@@ -2059,13 +1808,7 @@
       </p:grpSpPr>
       <p:sp>
         <p:nvSpPr>
-          <p:cNvPr id="2" name="Date Placeholder 1">
-            <a:extLst>
-              <a:ext uri="{FF2B5EF4-FFF2-40B4-BE49-F238E27FC236}">
-                <a16:creationId xmlns:a16="http://schemas.microsoft.com/office/drawing/2014/main" id="{AC59BC87-3C3C-144E-B145-6A8123D25B2A}"/>
-              </a:ext>
-            </a:extLst>
-          </p:cNvPr>
+          <p:cNvPr id="2" name="Date Placeholder 1"/>
           <p:cNvSpPr>
             <a:spLocks noGrp="1"/>
           </p:cNvSpPr>
@@ -2080,7 +1823,7 @@
           <a:p>
             <a:fld id="{AEE0242F-9983-5646-A2FB-42C1A5B688B5}" type="datetimeFigureOut">
               <a:rPr lang="en-US" smtClean="0"/>
-              <a:t>1/10/20</a:t>
+              <a:t>1/11/20</a:t>
             </a:fld>
             <a:endParaRPr lang="en-US"/>
           </a:p>
@@ -2088,13 +1831,7 @@
       </p:sp>
       <p:sp>
         <p:nvSpPr>
-          <p:cNvPr id="3" name="Footer Placeholder 2">
-            <a:extLst>
-              <a:ext uri="{FF2B5EF4-FFF2-40B4-BE49-F238E27FC236}">
-                <a16:creationId xmlns:a16="http://schemas.microsoft.com/office/drawing/2014/main" id="{E237E95F-1D68-BE4D-8AAB-04A32A832563}"/>
-              </a:ext>
-            </a:extLst>
-          </p:cNvPr>
+          <p:cNvPr id="3" name="Footer Placeholder 2"/>
           <p:cNvSpPr>
             <a:spLocks noGrp="1"/>
           </p:cNvSpPr>
@@ -2113,13 +1850,7 @@
       </p:sp>
       <p:sp>
         <p:nvSpPr>
-          <p:cNvPr id="4" name="Slide Number Placeholder 3">
-            <a:extLst>
-              <a:ext uri="{FF2B5EF4-FFF2-40B4-BE49-F238E27FC236}">
-                <a16:creationId xmlns:a16="http://schemas.microsoft.com/office/drawing/2014/main" id="{36E42C06-8914-5A4B-AEC9-9A57E505A66F}"/>
-              </a:ext>
-            </a:extLst>
-          </p:cNvPr>
+          <p:cNvPr id="4" name="Slide Number Placeholder 3"/>
           <p:cNvSpPr>
             <a:spLocks noGrp="1"/>
           </p:cNvSpPr>
@@ -2143,7 +1874,7 @@
     </p:spTree>
     <p:extLst>
       <p:ext uri="{BB962C8B-B14F-4D97-AF65-F5344CB8AC3E}">
-        <p14:creationId xmlns:p14="http://schemas.microsoft.com/office/powerpoint/2010/main" val="1030040916"/>
+        <p14:creationId xmlns:p14="http://schemas.microsoft.com/office/powerpoint/2010/main" val="3120401259"/>
       </p:ext>
     </p:extLst>
   </p:cSld>
@@ -2172,13 +1903,7 @@
       </p:grpSpPr>
       <p:sp>
         <p:nvSpPr>
-          <p:cNvPr id="2" name="Title 1">
-            <a:extLst>
-              <a:ext uri="{FF2B5EF4-FFF2-40B4-BE49-F238E27FC236}">
-                <a16:creationId xmlns:a16="http://schemas.microsoft.com/office/drawing/2014/main" id="{0F6FCAAE-3FF1-5648-AEDB-6C5EB7A8341C}"/>
-              </a:ext>
-            </a:extLst>
-          </p:cNvPr>
+          <p:cNvPr id="2" name="Title 1"/>
           <p:cNvSpPr>
             <a:spLocks noGrp="1"/>
           </p:cNvSpPr>
@@ -2188,8 +1913,8 @@
         </p:nvSpPr>
         <p:spPr>
           <a:xfrm>
-            <a:off x="839788" y="457200"/>
-            <a:ext cx="3932237" cy="1600200"/>
+            <a:off x="1335789" y="457200"/>
+            <a:ext cx="6254714" cy="1600200"/>
           </a:xfrm>
         </p:spPr>
         <p:txBody>
@@ -2204,19 +1929,13 @@
               <a:rPr lang="en-GB"/>
               <a:t>Click to edit Master title style</a:t>
             </a:r>
-            <a:endParaRPr lang="en-US"/>
-          </a:p>
-        </p:txBody>
-      </p:sp>
-      <p:sp>
-        <p:nvSpPr>
-          <p:cNvPr id="3" name="Content Placeholder 2">
-            <a:extLst>
-              <a:ext uri="{FF2B5EF4-FFF2-40B4-BE49-F238E27FC236}">
-                <a16:creationId xmlns:a16="http://schemas.microsoft.com/office/drawing/2014/main" id="{D1DC1CD5-8F5F-5343-BF80-E9AE163AE77A}"/>
-              </a:ext>
-            </a:extLst>
-          </p:cNvPr>
+            <a:endParaRPr lang="en-US" dirty="0"/>
+          </a:p>
+        </p:txBody>
+      </p:sp>
+      <p:sp>
+        <p:nvSpPr>
+          <p:cNvPr id="3" name="Content Placeholder 2"/>
           <p:cNvSpPr>
             <a:spLocks noGrp="1"/>
           </p:cNvSpPr>
@@ -2226,8 +1945,8 @@
         </p:nvSpPr>
         <p:spPr>
           <a:xfrm>
-            <a:off x="5183188" y="987425"/>
-            <a:ext cx="6172200" cy="4873625"/>
+            <a:off x="8244508" y="987426"/>
+            <a:ext cx="9817656" cy="4873625"/>
           </a:xfrm>
         </p:spPr>
         <p:txBody>
@@ -2295,19 +2014,13 @@
               <a:rPr lang="en-GB"/>
               <a:t>Fifth level</a:t>
             </a:r>
-            <a:endParaRPr lang="en-US"/>
-          </a:p>
-        </p:txBody>
-      </p:sp>
-      <p:sp>
-        <p:nvSpPr>
-          <p:cNvPr id="4" name="Text Placeholder 3">
-            <a:extLst>
-              <a:ext uri="{FF2B5EF4-FFF2-40B4-BE49-F238E27FC236}">
-                <a16:creationId xmlns:a16="http://schemas.microsoft.com/office/drawing/2014/main" id="{434BEEB1-31D3-984E-84FD-85612FAD25DC}"/>
-              </a:ext>
-            </a:extLst>
-          </p:cNvPr>
+            <a:endParaRPr lang="en-US" dirty="0"/>
+          </a:p>
+        </p:txBody>
+      </p:sp>
+      <p:sp>
+        <p:nvSpPr>
+          <p:cNvPr id="4" name="Text Placeholder 3"/>
           <p:cNvSpPr>
             <a:spLocks noGrp="1"/>
           </p:cNvSpPr>
@@ -2317,8 +2030,8 @@
         </p:nvSpPr>
         <p:spPr>
           <a:xfrm>
-            <a:off x="839788" y="2057400"/>
-            <a:ext cx="3932237" cy="3811588"/>
+            <a:off x="1335789" y="2057400"/>
+            <a:ext cx="6254714" cy="3811588"/>
           </a:xfrm>
         </p:spPr>
         <p:txBody>
@@ -2372,13 +2085,7 @@
       </p:sp>
       <p:sp>
         <p:nvSpPr>
-          <p:cNvPr id="5" name="Date Placeholder 4">
-            <a:extLst>
-              <a:ext uri="{FF2B5EF4-FFF2-40B4-BE49-F238E27FC236}">
-                <a16:creationId xmlns:a16="http://schemas.microsoft.com/office/drawing/2014/main" id="{A34628B9-8B68-0A4C-AD63-2B88F6D4EC12}"/>
-              </a:ext>
-            </a:extLst>
-          </p:cNvPr>
+          <p:cNvPr id="5" name="Date Placeholder 4"/>
           <p:cNvSpPr>
             <a:spLocks noGrp="1"/>
           </p:cNvSpPr>
@@ -2393,7 +2100,7 @@
           <a:p>
             <a:fld id="{AEE0242F-9983-5646-A2FB-42C1A5B688B5}" type="datetimeFigureOut">
               <a:rPr lang="en-US" smtClean="0"/>
-              <a:t>1/10/20</a:t>
+              <a:t>1/11/20</a:t>
             </a:fld>
             <a:endParaRPr lang="en-US"/>
           </a:p>
@@ -2401,13 +2108,7 @@
       </p:sp>
       <p:sp>
         <p:nvSpPr>
-          <p:cNvPr id="6" name="Footer Placeholder 5">
-            <a:extLst>
-              <a:ext uri="{FF2B5EF4-FFF2-40B4-BE49-F238E27FC236}">
-                <a16:creationId xmlns:a16="http://schemas.microsoft.com/office/drawing/2014/main" id="{FE9F97BA-E3EA-204C-A06E-5F2E932D2164}"/>
-              </a:ext>
-            </a:extLst>
-          </p:cNvPr>
+          <p:cNvPr id="6" name="Footer Placeholder 5"/>
           <p:cNvSpPr>
             <a:spLocks noGrp="1"/>
           </p:cNvSpPr>
@@ -2426,13 +2127,7 @@
       </p:sp>
       <p:sp>
         <p:nvSpPr>
-          <p:cNvPr id="7" name="Slide Number Placeholder 6">
-            <a:extLst>
-              <a:ext uri="{FF2B5EF4-FFF2-40B4-BE49-F238E27FC236}">
-                <a16:creationId xmlns:a16="http://schemas.microsoft.com/office/drawing/2014/main" id="{2CA2BF74-3AF4-AF40-AB5B-BC7F011E66B0}"/>
-              </a:ext>
-            </a:extLst>
-          </p:cNvPr>
+          <p:cNvPr id="7" name="Slide Number Placeholder 6"/>
           <p:cNvSpPr>
             <a:spLocks noGrp="1"/>
           </p:cNvSpPr>
@@ -2456,7 +2151,7 @@
     </p:spTree>
     <p:extLst>
       <p:ext uri="{BB962C8B-B14F-4D97-AF65-F5344CB8AC3E}">
-        <p14:creationId xmlns:p14="http://schemas.microsoft.com/office/powerpoint/2010/main" val="2596233902"/>
+        <p14:creationId xmlns:p14="http://schemas.microsoft.com/office/powerpoint/2010/main" val="3648762386"/>
       </p:ext>
     </p:extLst>
   </p:cSld>
@@ -2485,13 +2180,7 @@
       </p:grpSpPr>
       <p:sp>
         <p:nvSpPr>
-          <p:cNvPr id="2" name="Title 1">
-            <a:extLst>
-              <a:ext uri="{FF2B5EF4-FFF2-40B4-BE49-F238E27FC236}">
-                <a16:creationId xmlns:a16="http://schemas.microsoft.com/office/drawing/2014/main" id="{6841C318-44FB-B843-953D-A1038625ED35}"/>
-              </a:ext>
-            </a:extLst>
-          </p:cNvPr>
+          <p:cNvPr id="2" name="Title 1"/>
           <p:cNvSpPr>
             <a:spLocks noGrp="1"/>
           </p:cNvSpPr>
@@ -2501,8 +2190,8 @@
         </p:nvSpPr>
         <p:spPr>
           <a:xfrm>
-            <a:off x="839788" y="457200"/>
-            <a:ext cx="3932237" cy="1600200"/>
+            <a:off x="1335789" y="457200"/>
+            <a:ext cx="6254714" cy="1600200"/>
           </a:xfrm>
         </p:spPr>
         <p:txBody>
@@ -2517,21 +2206,15 @@
               <a:rPr lang="en-GB"/>
               <a:t>Click to edit Master title style</a:t>
             </a:r>
-            <a:endParaRPr lang="en-US"/>
-          </a:p>
-        </p:txBody>
-      </p:sp>
-      <p:sp>
-        <p:nvSpPr>
-          <p:cNvPr id="3" name="Picture Placeholder 2">
-            <a:extLst>
-              <a:ext uri="{FF2B5EF4-FFF2-40B4-BE49-F238E27FC236}">
-                <a16:creationId xmlns:a16="http://schemas.microsoft.com/office/drawing/2014/main" id="{00C73CF6-EDC6-924B-AEC0-F97584D446BB}"/>
-              </a:ext>
-            </a:extLst>
-          </p:cNvPr>
+            <a:endParaRPr lang="en-US" dirty="0"/>
+          </a:p>
+        </p:txBody>
+      </p:sp>
+      <p:sp>
+        <p:nvSpPr>
+          <p:cNvPr id="3" name="Picture Placeholder 2"/>
           <p:cNvSpPr>
-            <a:spLocks noGrp="1"/>
+            <a:spLocks noGrp="1" noChangeAspect="1"/>
           </p:cNvSpPr>
           <p:nvPr>
             <p:ph type="pic" idx="1"/>
@@ -2539,12 +2222,12 @@
         </p:nvSpPr>
         <p:spPr>
           <a:xfrm>
-            <a:off x="5183188" y="987425"/>
-            <a:ext cx="6172200" cy="4873625"/>
+            <a:off x="8244508" y="987426"/>
+            <a:ext cx="9817656" cy="4873625"/>
           </a:xfrm>
         </p:spPr>
         <p:txBody>
-          <a:bodyPr/>
+          <a:bodyPr anchor="t"/>
           <a:lstStyle>
             <a:lvl1pPr marL="0" indent="0">
               <a:buNone/>
@@ -2584,19 +2267,17 @@
             </a:lvl9pPr>
           </a:lstStyle>
           <a:p>
-            <a:endParaRPr lang="en-US"/>
-          </a:p>
-        </p:txBody>
-      </p:sp>
-      <p:sp>
-        <p:nvSpPr>
-          <p:cNvPr id="4" name="Text Placeholder 3">
-            <a:extLst>
-              <a:ext uri="{FF2B5EF4-FFF2-40B4-BE49-F238E27FC236}">
-                <a16:creationId xmlns:a16="http://schemas.microsoft.com/office/drawing/2014/main" id="{93AA50F0-D679-E042-A197-8A3F3D802162}"/>
-              </a:ext>
-            </a:extLst>
-          </p:cNvPr>
+            <a:r>
+              <a:rPr lang="en-GB"/>
+              <a:t>Click icon to add picture</a:t>
+            </a:r>
+            <a:endParaRPr lang="en-US" dirty="0"/>
+          </a:p>
+        </p:txBody>
+      </p:sp>
+      <p:sp>
+        <p:nvSpPr>
+          <p:cNvPr id="4" name="Text Placeholder 3"/>
           <p:cNvSpPr>
             <a:spLocks noGrp="1"/>
           </p:cNvSpPr>
@@ -2606,8 +2287,8 @@
         </p:nvSpPr>
         <p:spPr>
           <a:xfrm>
-            <a:off x="839788" y="2057400"/>
-            <a:ext cx="3932237" cy="3811588"/>
+            <a:off x="1335789" y="2057400"/>
+            <a:ext cx="6254714" cy="3811588"/>
           </a:xfrm>
         </p:spPr>
         <p:txBody>
@@ -2661,13 +2342,7 @@
       </p:sp>
       <p:sp>
         <p:nvSpPr>
-          <p:cNvPr id="5" name="Date Placeholder 4">
-            <a:extLst>
-              <a:ext uri="{FF2B5EF4-FFF2-40B4-BE49-F238E27FC236}">
-                <a16:creationId xmlns:a16="http://schemas.microsoft.com/office/drawing/2014/main" id="{F2FF120B-F2B5-7245-B07C-198D1573ABE5}"/>
-              </a:ext>
-            </a:extLst>
-          </p:cNvPr>
+          <p:cNvPr id="5" name="Date Placeholder 4"/>
           <p:cNvSpPr>
             <a:spLocks noGrp="1"/>
           </p:cNvSpPr>
@@ -2682,7 +2357,7 @@
           <a:p>
             <a:fld id="{AEE0242F-9983-5646-A2FB-42C1A5B688B5}" type="datetimeFigureOut">
               <a:rPr lang="en-US" smtClean="0"/>
-              <a:t>1/10/20</a:t>
+              <a:t>1/11/20</a:t>
             </a:fld>
             <a:endParaRPr lang="en-US"/>
           </a:p>
@@ -2690,13 +2365,7 @@
       </p:sp>
       <p:sp>
         <p:nvSpPr>
-          <p:cNvPr id="6" name="Footer Placeholder 5">
-            <a:extLst>
-              <a:ext uri="{FF2B5EF4-FFF2-40B4-BE49-F238E27FC236}">
-                <a16:creationId xmlns:a16="http://schemas.microsoft.com/office/drawing/2014/main" id="{D0D63146-25FB-824A-9700-C28109A8873D}"/>
-              </a:ext>
-            </a:extLst>
-          </p:cNvPr>
+          <p:cNvPr id="6" name="Footer Placeholder 5"/>
           <p:cNvSpPr>
             <a:spLocks noGrp="1"/>
           </p:cNvSpPr>
@@ -2715,13 +2384,7 @@
       </p:sp>
       <p:sp>
         <p:nvSpPr>
-          <p:cNvPr id="7" name="Slide Number Placeholder 6">
-            <a:extLst>
-              <a:ext uri="{FF2B5EF4-FFF2-40B4-BE49-F238E27FC236}">
-                <a16:creationId xmlns:a16="http://schemas.microsoft.com/office/drawing/2014/main" id="{689D876A-D254-E14B-80CC-A3AE73D93C02}"/>
-              </a:ext>
-            </a:extLst>
-          </p:cNvPr>
+          <p:cNvPr id="7" name="Slide Number Placeholder 6"/>
           <p:cNvSpPr>
             <a:spLocks noGrp="1"/>
           </p:cNvSpPr>
@@ -2745,7 +2408,7 @@
     </p:spTree>
     <p:extLst>
       <p:ext uri="{BB962C8B-B14F-4D97-AF65-F5344CB8AC3E}">
-        <p14:creationId xmlns:p14="http://schemas.microsoft.com/office/powerpoint/2010/main" val="28378713"/>
+        <p14:creationId xmlns:p14="http://schemas.microsoft.com/office/powerpoint/2010/main" val="2643279204"/>
       </p:ext>
     </p:extLst>
   </p:cSld>
@@ -2779,13 +2442,7 @@
       </p:grpSpPr>
       <p:sp>
         <p:nvSpPr>
-          <p:cNvPr id="2" name="Title Placeholder 1">
-            <a:extLst>
-              <a:ext uri="{FF2B5EF4-FFF2-40B4-BE49-F238E27FC236}">
-                <a16:creationId xmlns:a16="http://schemas.microsoft.com/office/drawing/2014/main" id="{778A0C20-E0D0-FE45-93E9-818B47F39A81}"/>
-              </a:ext>
-            </a:extLst>
-          </p:cNvPr>
+          <p:cNvPr id="2" name="Title Placeholder 1"/>
           <p:cNvSpPr>
             <a:spLocks noGrp="1"/>
           </p:cNvSpPr>
@@ -2795,8 +2452,8 @@
         </p:nvSpPr>
         <p:spPr>
           <a:xfrm>
-            <a:off x="838200" y="365125"/>
-            <a:ext cx="10515600" cy="1325563"/>
+            <a:off x="1333262" y="365126"/>
+            <a:ext cx="16726376" cy="1325563"/>
           </a:xfrm>
           <a:prstGeom prst="rect">
             <a:avLst/>
@@ -2812,19 +2469,13 @@
               <a:rPr lang="en-GB"/>
               <a:t>Click to edit Master title style</a:t>
             </a:r>
-            <a:endParaRPr lang="en-US"/>
-          </a:p>
-        </p:txBody>
-      </p:sp>
-      <p:sp>
-        <p:nvSpPr>
-          <p:cNvPr id="3" name="Text Placeholder 2">
-            <a:extLst>
-              <a:ext uri="{FF2B5EF4-FFF2-40B4-BE49-F238E27FC236}">
-                <a16:creationId xmlns:a16="http://schemas.microsoft.com/office/drawing/2014/main" id="{8A809719-4A68-6E40-BF36-FB8FA1259F6B}"/>
-              </a:ext>
-            </a:extLst>
-          </p:cNvPr>
+            <a:endParaRPr lang="en-US" dirty="0"/>
+          </a:p>
+        </p:txBody>
+      </p:sp>
+      <p:sp>
+        <p:nvSpPr>
+          <p:cNvPr id="3" name="Text Placeholder 2"/>
           <p:cNvSpPr>
             <a:spLocks noGrp="1"/>
           </p:cNvSpPr>
@@ -2834,8 +2485,8 @@
         </p:nvSpPr>
         <p:spPr>
           <a:xfrm>
-            <a:off x="838200" y="1825625"/>
-            <a:ext cx="10515600" cy="4351338"/>
+            <a:off x="1333262" y="1825625"/>
+            <a:ext cx="16726376" cy="4351338"/>
           </a:xfrm>
           <a:prstGeom prst="rect">
             <a:avLst/>
@@ -2880,19 +2531,13 @@
               <a:rPr lang="en-GB"/>
               <a:t>Fifth level</a:t>
             </a:r>
-            <a:endParaRPr lang="en-US"/>
-          </a:p>
-        </p:txBody>
-      </p:sp>
-      <p:sp>
-        <p:nvSpPr>
-          <p:cNvPr id="4" name="Date Placeholder 3">
-            <a:extLst>
-              <a:ext uri="{FF2B5EF4-FFF2-40B4-BE49-F238E27FC236}">
-                <a16:creationId xmlns:a16="http://schemas.microsoft.com/office/drawing/2014/main" id="{9F3F5557-9BF5-0246-AF07-4878B8BC66CB}"/>
-              </a:ext>
-            </a:extLst>
-          </p:cNvPr>
+            <a:endParaRPr lang="en-US" dirty="0"/>
+          </a:p>
+        </p:txBody>
+      </p:sp>
+      <p:sp>
+        <p:nvSpPr>
+          <p:cNvPr id="4" name="Date Placeholder 3"/>
           <p:cNvSpPr>
             <a:spLocks noGrp="1"/>
           </p:cNvSpPr>
@@ -2902,8 +2547,8 @@
         </p:nvSpPr>
         <p:spPr>
           <a:xfrm>
-            <a:off x="838200" y="6356350"/>
-            <a:ext cx="2743200" cy="365125"/>
+            <a:off x="1333262" y="6356351"/>
+            <a:ext cx="4363403" cy="365125"/>
           </a:xfrm>
           <a:prstGeom prst="rect">
             <a:avLst/>
@@ -2925,7 +2570,7 @@
           <a:p>
             <a:fld id="{AEE0242F-9983-5646-A2FB-42C1A5B688B5}" type="datetimeFigureOut">
               <a:rPr lang="en-US" smtClean="0"/>
-              <a:t>1/10/20</a:t>
+              <a:t>1/11/20</a:t>
             </a:fld>
             <a:endParaRPr lang="en-US"/>
           </a:p>
@@ -2933,13 +2578,7 @@
       </p:sp>
       <p:sp>
         <p:nvSpPr>
-          <p:cNvPr id="5" name="Footer Placeholder 4">
-            <a:extLst>
-              <a:ext uri="{FF2B5EF4-FFF2-40B4-BE49-F238E27FC236}">
-                <a16:creationId xmlns:a16="http://schemas.microsoft.com/office/drawing/2014/main" id="{A7F11534-714E-A94D-9F66-8F161D58DA28}"/>
-              </a:ext>
-            </a:extLst>
-          </p:cNvPr>
+          <p:cNvPr id="5" name="Footer Placeholder 4"/>
           <p:cNvSpPr>
             <a:spLocks noGrp="1"/>
           </p:cNvSpPr>
@@ -2949,8 +2588,8 @@
         </p:nvSpPr>
         <p:spPr>
           <a:xfrm>
-            <a:off x="4038600" y="6356350"/>
-            <a:ext cx="4114800" cy="365125"/>
+            <a:off x="6423898" y="6356351"/>
+            <a:ext cx="6545104" cy="365125"/>
           </a:xfrm>
           <a:prstGeom prst="rect">
             <a:avLst/>
@@ -2976,13 +2615,7 @@
       </p:sp>
       <p:sp>
         <p:nvSpPr>
-          <p:cNvPr id="6" name="Slide Number Placeholder 5">
-            <a:extLst>
-              <a:ext uri="{FF2B5EF4-FFF2-40B4-BE49-F238E27FC236}">
-                <a16:creationId xmlns:a16="http://schemas.microsoft.com/office/drawing/2014/main" id="{BF1C0F20-5CE2-DD47-A11E-146BDDD07372}"/>
-              </a:ext>
-            </a:extLst>
-          </p:cNvPr>
+          <p:cNvPr id="6" name="Slide Number Placeholder 5"/>
           <p:cNvSpPr>
             <a:spLocks noGrp="1"/>
           </p:cNvSpPr>
@@ -2992,8 +2625,8 @@
         </p:nvSpPr>
         <p:spPr>
           <a:xfrm>
-            <a:off x="8610600" y="6356350"/>
-            <a:ext cx="2743200" cy="365125"/>
+            <a:off x="13696235" y="6356351"/>
+            <a:ext cx="4363403" cy="365125"/>
           </a:xfrm>
           <a:prstGeom prst="rect">
             <a:avLst/>
@@ -3024,23 +2657,23 @@
     </p:spTree>
     <p:extLst>
       <p:ext uri="{BB962C8B-B14F-4D97-AF65-F5344CB8AC3E}">
-        <p14:creationId xmlns:p14="http://schemas.microsoft.com/office/powerpoint/2010/main" val="1142611467"/>
+        <p14:creationId xmlns:p14="http://schemas.microsoft.com/office/powerpoint/2010/main" val="2722282860"/>
       </p:ext>
     </p:extLst>
   </p:cSld>
   <p:clrMap bg1="lt1" tx1="dk1" bg2="lt2" tx2="dk2" accent1="accent1" accent2="accent2" accent3="accent3" accent4="accent4" accent5="accent5" accent6="accent6" hlink="hlink" folHlink="folHlink"/>
   <p:sldLayoutIdLst>
-    <p:sldLayoutId id="2147483649" r:id="rId1"/>
-    <p:sldLayoutId id="2147483650" r:id="rId2"/>
-    <p:sldLayoutId id="2147483651" r:id="rId3"/>
-    <p:sldLayoutId id="2147483652" r:id="rId4"/>
-    <p:sldLayoutId id="2147483653" r:id="rId5"/>
-    <p:sldLayoutId id="2147483654" r:id="rId6"/>
-    <p:sldLayoutId id="2147483655" r:id="rId7"/>
-    <p:sldLayoutId id="2147483656" r:id="rId8"/>
-    <p:sldLayoutId id="2147483657" r:id="rId9"/>
-    <p:sldLayoutId id="2147483658" r:id="rId10"/>
-    <p:sldLayoutId id="2147483659" r:id="rId11"/>
+    <p:sldLayoutId id="2147483673" r:id="rId1"/>
+    <p:sldLayoutId id="2147483674" r:id="rId2"/>
+    <p:sldLayoutId id="2147483675" r:id="rId3"/>
+    <p:sldLayoutId id="2147483676" r:id="rId4"/>
+    <p:sldLayoutId id="2147483677" r:id="rId5"/>
+    <p:sldLayoutId id="2147483678" r:id="rId6"/>
+    <p:sldLayoutId id="2147483679" r:id="rId7"/>
+    <p:sldLayoutId id="2147483680" r:id="rId8"/>
+    <p:sldLayoutId id="2147483681" r:id="rId9"/>
+    <p:sldLayoutId id="2147483682" r:id="rId10"/>
+    <p:sldLayoutId id="2147483683" r:id="rId11"/>
   </p:sldLayoutIdLst>
   <p:txStyles>
     <p:titleStyle>
@@ -3342,6 +2975,50 @@
           <a:chExt cx="0" cy="0"/>
         </a:xfrm>
       </p:grpSpPr>
+      <p:cxnSp>
+        <p:nvCxnSpPr>
+          <p:cNvPr id="58" name="Straight Connector 57">
+            <a:extLst>
+              <a:ext uri="{FF2B5EF4-FFF2-40B4-BE49-F238E27FC236}">
+                <a16:creationId xmlns:a16="http://schemas.microsoft.com/office/drawing/2014/main" id="{A3AB1491-77B6-9C4B-B782-4F591E04291C}"/>
+              </a:ext>
+            </a:extLst>
+          </p:cNvPr>
+          <p:cNvCxnSpPr>
+            <a:cxnSpLocks/>
+          </p:cNvCxnSpPr>
+          <p:nvPr/>
+        </p:nvCxnSpPr>
+        <p:spPr>
+          <a:xfrm>
+            <a:off x="7566906" y="4417789"/>
+            <a:ext cx="468000" cy="0"/>
+          </a:xfrm>
+          <a:prstGeom prst="line">
+            <a:avLst/>
+          </a:prstGeom>
+          <a:ln w="38100">
+            <a:solidFill>
+              <a:schemeClr val="tx1"/>
+            </a:solidFill>
+            <a:prstDash val="dash"/>
+          </a:ln>
+        </p:spPr>
+        <p:style>
+          <a:lnRef idx="1">
+            <a:schemeClr val="accent1"/>
+          </a:lnRef>
+          <a:fillRef idx="0">
+            <a:schemeClr val="accent1"/>
+          </a:fillRef>
+          <a:effectRef idx="0">
+            <a:schemeClr val="accent1"/>
+          </a:effectRef>
+          <a:fontRef idx="minor">
+            <a:schemeClr val="tx1"/>
+          </a:fontRef>
+        </p:style>
+      </p:cxnSp>
       <p:pic>
         <p:nvPicPr>
           <p:cNvPr id="5" name="Picture 4" descr="A close up of text on a black background&#10;&#10;Description automatically generated">
@@ -3364,7 +3041,7 @@
         </p:blipFill>
         <p:spPr>
           <a:xfrm>
-            <a:off x="212019" y="320675"/>
+            <a:off x="763447" y="320675"/>
             <a:ext cx="8219722" cy="2959100"/>
           </a:xfrm>
           <a:prstGeom prst="rect">
@@ -3394,7 +3071,7 @@
         </p:blipFill>
         <p:spPr>
           <a:xfrm>
-            <a:off x="2140357" y="3715489"/>
+            <a:off x="2691785" y="3715489"/>
             <a:ext cx="1422400" cy="1422400"/>
           </a:xfrm>
           <a:prstGeom prst="rect">
@@ -3416,7 +3093,7 @@
         </p:nvSpPr>
         <p:spPr>
           <a:xfrm>
-            <a:off x="2541636" y="3801631"/>
+            <a:off x="3093064" y="3801631"/>
             <a:ext cx="616688" cy="988828"/>
           </a:xfrm>
           <a:prstGeom prst="rect">
@@ -3468,7 +3145,7 @@
         </p:nvSpPr>
         <p:spPr>
           <a:xfrm>
-            <a:off x="4731488" y="3976577"/>
+            <a:off x="5282916" y="3976577"/>
             <a:ext cx="612000" cy="612000"/>
           </a:xfrm>
           <a:prstGeom prst="rect">
@@ -3522,7 +3199,7 @@
         </p:nvSpPr>
         <p:spPr>
           <a:xfrm>
-            <a:off x="4883888" y="4128977"/>
+            <a:off x="5435316" y="4128977"/>
             <a:ext cx="612000" cy="612000"/>
           </a:xfrm>
           <a:prstGeom prst="rect">
@@ -3576,7 +3253,7 @@
         </p:nvSpPr>
         <p:spPr>
           <a:xfrm>
-            <a:off x="5036288" y="4281377"/>
+            <a:off x="5587716" y="4281377"/>
             <a:ext cx="612000" cy="612000"/>
           </a:xfrm>
           <a:prstGeom prst="rect">
@@ -3630,7 +3307,7 @@
         </p:nvSpPr>
         <p:spPr>
           <a:xfrm>
-            <a:off x="5343488" y="4455041"/>
+            <a:off x="5894916" y="4455041"/>
             <a:ext cx="216000" cy="216000"/>
           </a:xfrm>
           <a:prstGeom prst="rect">
@@ -3684,7 +3361,7 @@
         </p:nvSpPr>
         <p:spPr>
           <a:xfrm>
-            <a:off x="4465674" y="3890435"/>
+            <a:off x="5017102" y="3890435"/>
             <a:ext cx="2852256" cy="1074970"/>
           </a:xfrm>
           <a:prstGeom prst="rect">
@@ -3737,7 +3414,7 @@
         </p:nvSpPr>
         <p:spPr>
           <a:xfrm>
-            <a:off x="5894329" y="4068920"/>
+            <a:off x="6445757" y="4068920"/>
             <a:ext cx="216000" cy="216000"/>
           </a:xfrm>
           <a:prstGeom prst="rect">
@@ -3779,96 +3456,6 @@
       </p:sp>
       <p:cxnSp>
         <p:nvCxnSpPr>
-          <p:cNvPr id="18" name="Straight Connector 17">
-            <a:extLst>
-              <a:ext uri="{FF2B5EF4-FFF2-40B4-BE49-F238E27FC236}">
-                <a16:creationId xmlns:a16="http://schemas.microsoft.com/office/drawing/2014/main" id="{3AE84A7A-A4CE-964C-A737-D8A6CD80BF77}"/>
-              </a:ext>
-            </a:extLst>
-          </p:cNvPr>
-          <p:cNvCxnSpPr>
-            <a:cxnSpLocks/>
-            <a:stCxn id="12" idx="2"/>
-            <a:endCxn id="16" idx="3"/>
-          </p:cNvCxnSpPr>
-          <p:nvPr/>
-        </p:nvCxnSpPr>
-        <p:spPr>
-          <a:xfrm flipV="1">
-            <a:off x="5451488" y="4481720"/>
-            <a:ext cx="828000" cy="189321"/>
-          </a:xfrm>
-          <a:prstGeom prst="line">
-            <a:avLst/>
-          </a:prstGeom>
-          <a:ln w="12700">
-            <a:solidFill>
-              <a:schemeClr val="tx1"/>
-            </a:solidFill>
-          </a:ln>
-        </p:spPr>
-        <p:style>
-          <a:lnRef idx="1">
-            <a:schemeClr val="accent1"/>
-          </a:lnRef>
-          <a:fillRef idx="0">
-            <a:schemeClr val="accent1"/>
-          </a:fillRef>
-          <a:effectRef idx="0">
-            <a:schemeClr val="accent1"/>
-          </a:effectRef>
-          <a:fontRef idx="minor">
-            <a:schemeClr val="tx1"/>
-          </a:fontRef>
-        </p:style>
-      </p:cxnSp>
-      <p:cxnSp>
-        <p:nvCxnSpPr>
-          <p:cNvPr id="22" name="Straight Connector 21">
-            <a:extLst>
-              <a:ext uri="{FF2B5EF4-FFF2-40B4-BE49-F238E27FC236}">
-                <a16:creationId xmlns:a16="http://schemas.microsoft.com/office/drawing/2014/main" id="{659D22E7-A6E1-284C-BA4F-458F7D99DD24}"/>
-              </a:ext>
-            </a:extLst>
-          </p:cNvPr>
-          <p:cNvCxnSpPr>
-            <a:cxnSpLocks/>
-            <a:stCxn id="12" idx="0"/>
-            <a:endCxn id="16" idx="1"/>
-          </p:cNvCxnSpPr>
-          <p:nvPr/>
-        </p:nvCxnSpPr>
-        <p:spPr>
-          <a:xfrm>
-            <a:off x="5451487" y="4455041"/>
-            <a:ext cx="820800" cy="26679"/>
-          </a:xfrm>
-          <a:prstGeom prst="line">
-            <a:avLst/>
-          </a:prstGeom>
-          <a:ln w="12700">
-            <a:solidFill>
-              <a:schemeClr val="tx1"/>
-            </a:solidFill>
-          </a:ln>
-        </p:spPr>
-        <p:style>
-          <a:lnRef idx="1">
-            <a:schemeClr val="accent1"/>
-          </a:lnRef>
-          <a:fillRef idx="0">
-            <a:schemeClr val="accent1"/>
-          </a:fillRef>
-          <a:effectRef idx="0">
-            <a:schemeClr val="accent1"/>
-          </a:effectRef>
-          <a:fontRef idx="minor">
-            <a:schemeClr val="tx1"/>
-          </a:fontRef>
-        </p:style>
-      </p:cxnSp>
-      <p:cxnSp>
-        <p:nvCxnSpPr>
           <p:cNvPr id="25" name="Straight Connector 24">
             <a:extLst>
               <a:ext uri="{FF2B5EF4-FFF2-40B4-BE49-F238E27FC236}">
@@ -3884,7 +3471,7 @@
         </p:nvCxnSpPr>
         <p:spPr>
           <a:xfrm>
-            <a:off x="5342287" y="4111256"/>
+            <a:off x="5893715" y="4111256"/>
             <a:ext cx="619200" cy="65664"/>
           </a:xfrm>
           <a:prstGeom prst="line">
@@ -3927,7 +3514,7 @@
         </p:nvCxnSpPr>
         <p:spPr>
           <a:xfrm flipV="1">
-            <a:off x="5547852" y="4176920"/>
+            <a:off x="6099280" y="4176920"/>
             <a:ext cx="399642" cy="86736"/>
           </a:xfrm>
           <a:prstGeom prst="line">
@@ -3954,92 +3541,6 @@
           </a:fontRef>
         </p:style>
       </p:cxnSp>
-      <p:cxnSp>
-        <p:nvCxnSpPr>
-          <p:cNvPr id="35" name="Straight Connector 34">
-            <a:extLst>
-              <a:ext uri="{FF2B5EF4-FFF2-40B4-BE49-F238E27FC236}">
-                <a16:creationId xmlns:a16="http://schemas.microsoft.com/office/drawing/2014/main" id="{6EA7557A-9228-F044-A35C-88B12FFB6B52}"/>
-              </a:ext>
-            </a:extLst>
-          </p:cNvPr>
-          <p:cNvCxnSpPr>
-            <a:cxnSpLocks/>
-          </p:cNvCxnSpPr>
-          <p:nvPr/>
-        </p:nvCxnSpPr>
-        <p:spPr>
-          <a:xfrm>
-            <a:off x="5505320" y="4274289"/>
-            <a:ext cx="619200" cy="65664"/>
-          </a:xfrm>
-          <a:prstGeom prst="line">
-            <a:avLst/>
-          </a:prstGeom>
-          <a:ln w="12700">
-            <a:solidFill>
-              <a:schemeClr val="tx1"/>
-            </a:solidFill>
-          </a:ln>
-        </p:spPr>
-        <p:style>
-          <a:lnRef idx="1">
-            <a:schemeClr val="accent1"/>
-          </a:lnRef>
-          <a:fillRef idx="0">
-            <a:schemeClr val="accent1"/>
-          </a:fillRef>
-          <a:effectRef idx="0">
-            <a:schemeClr val="accent1"/>
-          </a:effectRef>
-          <a:fontRef idx="minor">
-            <a:schemeClr val="tx1"/>
-          </a:fontRef>
-        </p:style>
-      </p:cxnSp>
-      <p:cxnSp>
-        <p:nvCxnSpPr>
-          <p:cNvPr id="36" name="Straight Connector 35">
-            <a:extLst>
-              <a:ext uri="{FF2B5EF4-FFF2-40B4-BE49-F238E27FC236}">
-                <a16:creationId xmlns:a16="http://schemas.microsoft.com/office/drawing/2014/main" id="{CF9DECD1-2AB9-6448-AA34-CC4E601FFB18}"/>
-              </a:ext>
-            </a:extLst>
-          </p:cNvPr>
-          <p:cNvCxnSpPr>
-            <a:cxnSpLocks/>
-          </p:cNvCxnSpPr>
-          <p:nvPr/>
-        </p:nvCxnSpPr>
-        <p:spPr>
-          <a:xfrm flipV="1">
-            <a:off x="5647087" y="4339953"/>
-            <a:ext cx="475200" cy="86736"/>
-          </a:xfrm>
-          <a:prstGeom prst="line">
-            <a:avLst/>
-          </a:prstGeom>
-          <a:ln w="12700">
-            <a:solidFill>
-              <a:schemeClr val="tx1"/>
-            </a:solidFill>
-          </a:ln>
-        </p:spPr>
-        <p:style>
-          <a:lnRef idx="1">
-            <a:schemeClr val="accent1"/>
-          </a:lnRef>
-          <a:fillRef idx="0">
-            <a:schemeClr val="accent1"/>
-          </a:fillRef>
-          <a:effectRef idx="0">
-            <a:schemeClr val="accent1"/>
-          </a:effectRef>
-          <a:fontRef idx="minor">
-            <a:schemeClr val="tx1"/>
-          </a:fontRef>
-        </p:style>
-      </p:cxnSp>
       <p:sp>
         <p:nvSpPr>
           <p:cNvPr id="38" name="Rectangle 37">
@@ -4054,7 +3555,7 @@
         </p:nvSpPr>
         <p:spPr>
           <a:xfrm rot="1366090">
-            <a:off x="6418460" y="4299098"/>
+            <a:off x="6969888" y="4299098"/>
             <a:ext cx="884554" cy="255182"/>
           </a:xfrm>
           <a:prstGeom prst="rect">
@@ -4110,7 +3611,7 @@
         </p:nvSpPr>
         <p:spPr>
           <a:xfrm rot="1366090">
-            <a:off x="6213993" y="4290198"/>
+            <a:off x="6765421" y="4290198"/>
             <a:ext cx="884554" cy="255182"/>
           </a:xfrm>
           <a:prstGeom prst="rect">
@@ -4170,7 +3671,7 @@
         </p:nvCxnSpPr>
         <p:spPr>
           <a:xfrm flipV="1">
-            <a:off x="6411166" y="4376564"/>
+            <a:off x="6962594" y="4376566"/>
             <a:ext cx="194400" cy="86601"/>
           </a:xfrm>
           <a:prstGeom prst="line">
@@ -4214,7 +3715,7 @@
         </p:nvCxnSpPr>
         <p:spPr>
           <a:xfrm>
-            <a:off x="6110329" y="4176920"/>
+            <a:off x="6661759" y="4176920"/>
             <a:ext cx="485833" cy="196800"/>
           </a:xfrm>
           <a:prstGeom prst="line">
@@ -4263,7 +3764,7 @@
         </p:blipFill>
         <p:spPr>
           <a:xfrm>
-            <a:off x="3772719" y="4097752"/>
+            <a:off x="4324147" y="4097752"/>
             <a:ext cx="577624" cy="577624"/>
           </a:xfrm>
           <a:prstGeom prst="rect">
@@ -4285,7 +3786,7 @@
         </p:nvSpPr>
         <p:spPr>
           <a:xfrm>
-            <a:off x="3930330" y="4137877"/>
+            <a:off x="4481758" y="4137879"/>
             <a:ext cx="265814" cy="397509"/>
           </a:xfrm>
           <a:prstGeom prst="rect">
@@ -4337,7 +3838,7 @@
         </p:nvSpPr>
         <p:spPr>
           <a:xfrm>
-            <a:off x="4042285" y="4228631"/>
+            <a:off x="4593713" y="4228631"/>
             <a:ext cx="216000" cy="216000"/>
           </a:xfrm>
           <a:prstGeom prst="rect">
@@ -4393,7 +3894,7 @@
         </p:nvCxnSpPr>
         <p:spPr>
           <a:xfrm>
-            <a:off x="4150284" y="4228631"/>
+            <a:off x="4701712" y="4228631"/>
             <a:ext cx="1263600" cy="334410"/>
           </a:xfrm>
           <a:prstGeom prst="line">
@@ -4437,7 +3938,7 @@
         </p:nvCxnSpPr>
         <p:spPr>
           <a:xfrm>
-            <a:off x="4150282" y="4452004"/>
+            <a:off x="4701710" y="4452006"/>
             <a:ext cx="1256400" cy="111037"/>
           </a:xfrm>
           <a:prstGeom prst="line">
@@ -4478,7 +3979,7 @@
         </p:nvSpPr>
         <p:spPr>
           <a:xfrm>
-            <a:off x="6046729" y="4221320"/>
+            <a:off x="6598157" y="4221320"/>
             <a:ext cx="216000" cy="216000"/>
           </a:xfrm>
           <a:prstGeom prst="rect">
@@ -4532,7 +4033,7 @@
         </p:nvSpPr>
         <p:spPr>
           <a:xfrm>
-            <a:off x="6199129" y="4373720"/>
+            <a:off x="6750557" y="4373720"/>
             <a:ext cx="216000" cy="216000"/>
           </a:xfrm>
           <a:prstGeom prst="rect">
@@ -4574,50 +4075,6 @@
       </p:sp>
       <p:cxnSp>
         <p:nvCxnSpPr>
-          <p:cNvPr id="58" name="Straight Connector 57">
-            <a:extLst>
-              <a:ext uri="{FF2B5EF4-FFF2-40B4-BE49-F238E27FC236}">
-                <a16:creationId xmlns:a16="http://schemas.microsoft.com/office/drawing/2014/main" id="{A3AB1491-77B6-9C4B-B782-4F591E04291C}"/>
-              </a:ext>
-            </a:extLst>
-          </p:cNvPr>
-          <p:cNvCxnSpPr>
-            <a:cxnSpLocks/>
-          </p:cNvCxnSpPr>
-          <p:nvPr/>
-        </p:nvCxnSpPr>
-        <p:spPr>
-          <a:xfrm>
-            <a:off x="6876579" y="4417789"/>
-            <a:ext cx="722085" cy="0"/>
-          </a:xfrm>
-          <a:prstGeom prst="line">
-            <a:avLst/>
-          </a:prstGeom>
-          <a:ln w="38100">
-            <a:solidFill>
-              <a:schemeClr val="tx1"/>
-            </a:solidFill>
-            <a:prstDash val="dash"/>
-          </a:ln>
-        </p:spPr>
-        <p:style>
-          <a:lnRef idx="1">
-            <a:schemeClr val="accent1"/>
-          </a:lnRef>
-          <a:fillRef idx="0">
-            <a:schemeClr val="accent1"/>
-          </a:fillRef>
-          <a:effectRef idx="0">
-            <a:schemeClr val="accent1"/>
-          </a:effectRef>
-          <a:fontRef idx="minor">
-            <a:schemeClr val="tx1"/>
-          </a:fontRef>
-        </p:style>
-      </p:cxnSp>
-      <p:cxnSp>
-        <p:nvCxnSpPr>
           <p:cNvPr id="62" name="Straight Connector 61">
             <a:extLst>
               <a:ext uri="{FF2B5EF4-FFF2-40B4-BE49-F238E27FC236}">
@@ -4632,7 +4089,7 @@
         </p:nvCxnSpPr>
         <p:spPr>
           <a:xfrm>
-            <a:off x="7537886" y="4334141"/>
+            <a:off x="7961991" y="4345716"/>
             <a:ext cx="185267" cy="86142"/>
           </a:xfrm>
           <a:prstGeom prst="line">
@@ -4675,7 +4132,7 @@
         </p:nvCxnSpPr>
         <p:spPr>
           <a:xfrm>
-            <a:off x="7547030" y="4334141"/>
+            <a:off x="7971133" y="4345716"/>
             <a:ext cx="0" cy="165600"/>
           </a:xfrm>
           <a:prstGeom prst="line">
@@ -4718,7 +4175,7 @@
         </p:nvCxnSpPr>
         <p:spPr>
           <a:xfrm flipV="1">
-            <a:off x="7547031" y="4420283"/>
+            <a:off x="7971134" y="4431858"/>
             <a:ext cx="176122" cy="70314"/>
           </a:xfrm>
           <a:prstGeom prst="line">
@@ -4759,7 +4216,7 @@
         </p:nvSpPr>
         <p:spPr>
           <a:xfrm>
-            <a:off x="1883664" y="5182457"/>
+            <a:off x="2435094" y="5182457"/>
             <a:ext cx="1889055" cy="621792"/>
           </a:xfrm>
           <a:prstGeom prst="rect">
@@ -4799,7 +4256,7 @@
                 <a:latin typeface="Times New Roman" panose="02020603050405020304" pitchFamily="18" charset="0"/>
                 <a:cs typeface="Times New Roman" panose="02020603050405020304" pitchFamily="18" charset="0"/>
               </a:rPr>
-              <a:t>2.</a:t>
+              <a:t>5.</a:t>
             </a:r>
             <a:r>
               <a:rPr lang="zh-CN" altLang="en-US" sz="2000" dirty="0">
@@ -4885,7 +4342,7 @@
         </p:nvSpPr>
         <p:spPr>
           <a:xfrm>
-            <a:off x="3610680" y="3523609"/>
+            <a:off x="4162108" y="3523609"/>
             <a:ext cx="1422400" cy="383760"/>
           </a:xfrm>
           <a:prstGeom prst="rect">
@@ -4974,7 +4431,7 @@
         </p:nvCxnSpPr>
         <p:spPr>
           <a:xfrm flipH="1">
-            <a:off x="4061531" y="3824946"/>
+            <a:off x="4612961" y="3824946"/>
             <a:ext cx="134613" cy="272806"/>
           </a:xfrm>
           <a:prstGeom prst="straightConnector1">
@@ -5016,7 +4473,7 @@
         </p:nvSpPr>
         <p:spPr>
           <a:xfrm>
-            <a:off x="4418074" y="5182457"/>
+            <a:off x="4969504" y="5182457"/>
             <a:ext cx="1889055" cy="621792"/>
           </a:xfrm>
           <a:prstGeom prst="rect">
@@ -5056,7 +4513,7 @@
                 <a:latin typeface="Times New Roman" panose="02020603050405020304" pitchFamily="18" charset="0"/>
                 <a:cs typeface="Times New Roman" panose="02020603050405020304" pitchFamily="18" charset="0"/>
               </a:rPr>
-              <a:t>3.</a:t>
+              <a:t>6.</a:t>
             </a:r>
             <a:r>
               <a:rPr lang="zh-CN" altLang="en-US" sz="2000" dirty="0">
@@ -5152,7 +4609,7 @@
         </p:nvSpPr>
         <p:spPr>
           <a:xfrm>
-            <a:off x="6605566" y="5182457"/>
+            <a:off x="7156996" y="5182457"/>
             <a:ext cx="2008079" cy="621792"/>
           </a:xfrm>
           <a:prstGeom prst="rect">
@@ -5192,7 +4649,7 @@
                 <a:latin typeface="Times New Roman" panose="02020603050405020304" pitchFamily="18" charset="0"/>
                 <a:cs typeface="Times New Roman" panose="02020603050405020304" pitchFamily="18" charset="0"/>
               </a:rPr>
-              <a:t>5.</a:t>
+              <a:t>7.</a:t>
             </a:r>
             <a:r>
               <a:rPr lang="zh-CN" altLang="en-US" sz="2000" dirty="0">
@@ -5253,7 +4710,7 @@
             </p:nvSpPr>
             <p:spPr>
               <a:xfrm>
-                <a:off x="7522345" y="4187407"/>
+                <a:off x="7920468" y="4198984"/>
                 <a:ext cx="2785188" cy="432747"/>
               </a:xfrm>
               <a:prstGeom prst="rect">
@@ -5267,6 +4724,7 @@
               </a:bodyPr>
               <a:lstStyle/>
               <a:p>
+                <a:pPr/>
                 <a14:m>
                   <m:oMathPara xmlns:m="http://schemas.openxmlformats.org/officeDocument/2006/math">
                     <m:oMathParaPr>
@@ -5276,14 +4734,14 @@
                       <m:sSub>
                         <m:sSubPr>
                           <m:ctrlPr>
-                            <a:rPr lang="en-US" altLang="zh-CN" sz="1000" b="0" i="1" smtClean="0">
+                            <a:rPr lang="en-US" altLang="zh-CN" sz="1000" i="1">
                               <a:latin typeface="Cambria Math" panose="02040503050406030204" pitchFamily="18" charset="0"/>
                             </a:rPr>
                           </m:ctrlPr>
                         </m:sSubPr>
                         <m:e>
                           <m:r>
-                            <a:rPr lang="en-US" altLang="zh-CN" sz="1000" b="0" i="1" smtClean="0">
+                            <a:rPr lang="en-US" altLang="zh-CN" sz="1000" i="1">
                               <a:latin typeface="Cambria Math" panose="02040503050406030204" pitchFamily="18" charset="0"/>
                               <a:ea typeface="Cambria Math" panose="02040503050406030204" pitchFamily="18" charset="0"/>
                             </a:rPr>
@@ -5292,7 +4750,7 @@
                         </m:e>
                         <m:sub>
                           <m:r>
-                            <a:rPr lang="en-US" altLang="zh-CN" sz="1000" b="0" i="1" smtClean="0">
+                            <a:rPr lang="en-US" altLang="zh-CN" sz="1000" i="1">
                               <a:latin typeface="Cambria Math" panose="02040503050406030204" pitchFamily="18" charset="0"/>
                             </a:rPr>
                             <m:t>𝑟𝑒𝑔</m:t>
@@ -5300,13 +4758,13 @@
                         </m:sub>
                       </m:sSub>
                       <m:r>
-                        <a:rPr lang="en-US" altLang="zh-CN" sz="1000" b="0" i="1" smtClean="0">
+                        <a:rPr lang="en-US" altLang="zh-CN" sz="1000" i="1">
                           <a:latin typeface="Cambria Math" panose="02040503050406030204" pitchFamily="18" charset="0"/>
                         </a:rPr>
                         <m:t>=</m:t>
                       </m:r>
                       <m:r>
-                        <a:rPr lang="zh-CN" altLang="en-US" sz="1000" b="0" i="1" smtClean="0">
+                        <a:rPr lang="zh-CN" altLang="en-US" sz="1000" i="1">
                           <a:latin typeface="Cambria Math" panose="02040503050406030204" pitchFamily="18" charset="0"/>
                         </a:rPr>
                         <m:t> </m:t>
@@ -5315,7 +4773,7 @@
                         <m:naryPr>
                           <m:chr m:val="∑"/>
                           <m:ctrlPr>
-                            <a:rPr lang="zh-CN" altLang="en-US" sz="1000" b="0" i="1" smtClean="0">
+                            <a:rPr lang="zh-CN" altLang="en-US" sz="1000" i="1">
                               <a:latin typeface="Cambria Math" panose="02040503050406030204" pitchFamily="18" charset="0"/>
                             </a:rPr>
                           </m:ctrlPr>
@@ -5325,7 +4783,7 @@
                             <m:rPr>
                               <m:brk m:alnAt="23"/>
                             </m:rPr>
-                            <a:rPr lang="en-US" altLang="zh-CN" sz="1000" b="0" i="1" smtClean="0">
+                            <a:rPr lang="en-US" altLang="zh-CN" sz="1000" i="1">
                               <a:latin typeface="Cambria Math" panose="02040503050406030204" pitchFamily="18" charset="0"/>
                             </a:rPr>
                             <m:t>𝑖</m:t>
@@ -5333,7 +4791,7 @@
                         </m:sub>
                         <m:sup>
                           <m:r>
-                            <a:rPr lang="en-US" altLang="zh-CN" sz="1000" b="0" i="1" smtClean="0">
+                            <a:rPr lang="en-US" altLang="zh-CN" sz="1000" i="1">
                               <a:latin typeface="Cambria Math" panose="02040503050406030204" pitchFamily="18" charset="0"/>
                             </a:rPr>
                             <m:t>𝑁</m:t>
@@ -5343,7 +4801,7 @@
                           <m:sSup>
                             <m:sSupPr>
                               <m:ctrlPr>
-                                <a:rPr lang="en-US" altLang="zh-CN" sz="1000" b="0" i="1" smtClean="0">
+                                <a:rPr lang="en-US" altLang="zh-CN" sz="1000" i="1">
                                   <a:latin typeface="Cambria Math" panose="02040503050406030204" pitchFamily="18" charset="0"/>
                                   <a:ea typeface="Cambria Math" panose="02040503050406030204" pitchFamily="18" charset="0"/>
                                 </a:rPr>
@@ -5353,7 +4811,7 @@
                               <m:d>
                                 <m:dPr>
                                   <m:ctrlPr>
-                                    <a:rPr lang="en-US" altLang="zh-CN" sz="1000" b="0" i="1" smtClean="0">
+                                    <a:rPr lang="en-US" altLang="zh-CN" sz="1000" i="1">
                                       <a:latin typeface="Cambria Math" panose="02040503050406030204" pitchFamily="18" charset="0"/>
                                       <a:ea typeface="Cambria Math" panose="02040503050406030204" pitchFamily="18" charset="0"/>
                                     </a:rPr>
@@ -5361,7 +4819,7 @@
                                 </m:dPr>
                                 <m:e>
                                   <m:r>
-                                    <a:rPr lang="en-US" altLang="zh-CN" sz="1000" b="0" i="1" smtClean="0">
+                                    <a:rPr lang="en-US" altLang="zh-CN" sz="1000" i="1">
                                       <a:latin typeface="Cambria Math" panose="02040503050406030204" pitchFamily="18" charset="0"/>
                                       <a:ea typeface="Cambria Math" panose="02040503050406030204" pitchFamily="18" charset="0"/>
                                     </a:rPr>
@@ -5370,7 +4828,7 @@
                                   <m:sSub>
                                     <m:sSubPr>
                                       <m:ctrlPr>
-                                        <a:rPr lang="en-US" altLang="zh-CN" sz="1000" b="0" i="1" smtClean="0">
+                                        <a:rPr lang="en-US" altLang="zh-CN" sz="1000" i="1">
                                           <a:latin typeface="Cambria Math" panose="02040503050406030204" pitchFamily="18" charset="0"/>
                                           <a:ea typeface="Cambria Math" panose="02040503050406030204" pitchFamily="18" charset="0"/>
                                         </a:rPr>
@@ -5378,7 +4836,7 @@
                                     </m:sSubPr>
                                     <m:e>
                                       <m:r>
-                                        <a:rPr lang="en-US" altLang="zh-CN" sz="1000" b="0" i="1" smtClean="0">
+                                        <a:rPr lang="en-US" altLang="zh-CN" sz="1000" i="1">
                                           <a:latin typeface="Cambria Math" panose="02040503050406030204" pitchFamily="18" charset="0"/>
                                           <a:ea typeface="Cambria Math" panose="02040503050406030204" pitchFamily="18" charset="0"/>
                                         </a:rPr>
@@ -5387,7 +4845,7 @@
                                     </m:e>
                                     <m:sub>
                                       <m:r>
-                                        <a:rPr lang="en-US" altLang="zh-CN" sz="1000" b="0" i="1" smtClean="0">
+                                        <a:rPr lang="en-US" altLang="zh-CN" sz="1000" i="1">
                                           <a:latin typeface="Cambria Math" panose="02040503050406030204" pitchFamily="18" charset="0"/>
                                           <a:ea typeface="Cambria Math" panose="02040503050406030204" pitchFamily="18" charset="0"/>
                                         </a:rPr>
@@ -5396,7 +4854,7 @@
                                     </m:sub>
                                   </m:sSub>
                                   <m:r>
-                                    <a:rPr lang="en-US" altLang="zh-CN" sz="1000" b="0" i="1" smtClean="0">
+                                    <a:rPr lang="en-US" altLang="zh-CN" sz="1000" i="1">
                                       <a:latin typeface="Cambria Math" panose="02040503050406030204" pitchFamily="18" charset="0"/>
                                       <a:ea typeface="Cambria Math" panose="02040503050406030204" pitchFamily="18" charset="0"/>
                                     </a:rPr>
@@ -5405,7 +4863,7 @@
                                   <m:sSub>
                                     <m:sSubPr>
                                       <m:ctrlPr>
-                                        <a:rPr lang="en-US" altLang="zh-CN" sz="1000" b="0" i="1" smtClean="0">
+                                        <a:rPr lang="en-US" altLang="zh-CN" sz="1000" i="1">
                                           <a:latin typeface="Cambria Math" panose="02040503050406030204" pitchFamily="18" charset="0"/>
                                           <a:ea typeface="Cambria Math" panose="02040503050406030204" pitchFamily="18" charset="0"/>
                                         </a:rPr>
@@ -5413,7 +4871,7 @@
                                     </m:sSubPr>
                                     <m:e>
                                       <m:r>
-                                        <a:rPr lang="en-US" altLang="zh-CN" sz="1000" b="0" i="1" smtClean="0">
+                                        <a:rPr lang="en-US" altLang="zh-CN" sz="1000" i="1">
                                           <a:latin typeface="Cambria Math" panose="02040503050406030204" pitchFamily="18" charset="0"/>
                                           <a:ea typeface="Cambria Math" panose="02040503050406030204" pitchFamily="18" charset="0"/>
                                         </a:rPr>
@@ -5422,7 +4880,7 @@
                                     </m:e>
                                     <m:sub>
                                       <m:r>
-                                        <a:rPr lang="en-US" altLang="zh-CN" sz="1000" b="0" i="1" smtClean="0">
+                                        <a:rPr lang="en-US" altLang="zh-CN" sz="1000" i="1">
                                           <a:latin typeface="Cambria Math" panose="02040503050406030204" pitchFamily="18" charset="0"/>
                                           <a:ea typeface="Cambria Math" panose="02040503050406030204" pitchFamily="18" charset="0"/>
                                         </a:rPr>
@@ -5434,7 +4892,7 @@
                                     <m:rPr>
                                       <m:sty m:val="p"/>
                                     </m:rPr>
-                                    <a:rPr lang="el-GR" altLang="zh-CN" sz="1000" b="0" i="1" smtClean="0">
+                                    <a:rPr lang="el-GR" altLang="zh-CN" sz="1000" i="1">
                                       <a:latin typeface="Cambria Math" panose="02040503050406030204" pitchFamily="18" charset="0"/>
                                       <a:ea typeface="Cambria Math" panose="02040503050406030204" pitchFamily="18" charset="0"/>
                                     </a:rPr>
@@ -5443,7 +4901,7 @@
                                   <m:d>
                                     <m:dPr>
                                       <m:ctrlPr>
-                                        <a:rPr lang="en-US" altLang="zh-CN" sz="1000" b="0" i="1" smtClean="0">
+                                        <a:rPr lang="en-US" altLang="zh-CN" sz="1000" i="1">
                                           <a:latin typeface="Cambria Math" panose="02040503050406030204" pitchFamily="18" charset="0"/>
                                           <a:ea typeface="Cambria Math" panose="02040503050406030204" pitchFamily="18" charset="0"/>
                                         </a:rPr>
@@ -5453,7 +4911,7 @@
                                       <m:sSub>
                                         <m:sSubPr>
                                           <m:ctrlPr>
-                                            <a:rPr lang="en-US" altLang="zh-CN" sz="1000" b="0" i="1" smtClean="0">
+                                            <a:rPr lang="en-US" altLang="zh-CN" sz="1000" i="1">
                                               <a:latin typeface="Cambria Math" panose="02040503050406030204" pitchFamily="18" charset="0"/>
                                               <a:ea typeface="Cambria Math" panose="02040503050406030204" pitchFamily="18" charset="0"/>
                                             </a:rPr>
@@ -5461,7 +4919,7 @@
                                         </m:sSubPr>
                                         <m:e>
                                           <m:r>
-                                            <a:rPr lang="en-US" altLang="zh-CN" sz="1000" b="0" i="1" smtClean="0">
+                                            <a:rPr lang="en-US" altLang="zh-CN" sz="1000" i="1">
                                               <a:latin typeface="Cambria Math" panose="02040503050406030204" pitchFamily="18" charset="0"/>
                                               <a:ea typeface="Cambria Math" panose="02040503050406030204" pitchFamily="18" charset="0"/>
                                             </a:rPr>
@@ -5470,7 +4928,7 @@
                                         </m:e>
                                         <m:sub>
                                           <m:r>
-                                            <a:rPr lang="en-US" altLang="zh-CN" sz="1000" b="0" i="1" smtClean="0">
+                                            <a:rPr lang="en-US" altLang="zh-CN" sz="1000" i="1">
                                               <a:latin typeface="Cambria Math" panose="02040503050406030204" pitchFamily="18" charset="0"/>
                                               <a:ea typeface="Cambria Math" panose="02040503050406030204" pitchFamily="18" charset="0"/>
                                             </a:rPr>
@@ -5485,7 +4943,7 @@
                             </m:e>
                             <m:sup>
                               <m:r>
-                                <a:rPr lang="en-US" altLang="zh-CN" sz="1000" b="0" i="1" smtClean="0">
+                                <a:rPr lang="en-US" altLang="zh-CN" sz="1000" i="1">
                                   <a:latin typeface="Cambria Math" panose="02040503050406030204" pitchFamily="18" charset="0"/>
                                 </a:rPr>
                                 <m:t>2</m:t>
@@ -5493,13 +4951,13 @@
                             </m:sup>
                           </m:sSup>
                           <m:r>
-                            <a:rPr lang="en-US" altLang="zh-CN" sz="1000" b="0" i="1" smtClean="0">
+                            <a:rPr lang="en-US" altLang="zh-CN" sz="1000" i="1">
                               <a:latin typeface="Cambria Math" panose="02040503050406030204" pitchFamily="18" charset="0"/>
                             </a:rPr>
                             <m:t>+</m:t>
                           </m:r>
                           <m:r>
-                            <a:rPr lang="en-US" altLang="zh-CN" sz="1000" b="0" i="1" smtClean="0">
+                            <a:rPr lang="en-US" altLang="zh-CN" sz="1000" i="1">
                               <a:latin typeface="Cambria Math" panose="02040503050406030204" pitchFamily="18" charset="0"/>
                               <a:ea typeface="Cambria Math" panose="02040503050406030204" pitchFamily="18" charset="0"/>
                             </a:rPr>
@@ -5508,7 +4966,7 @@
                           <m:sSup>
                             <m:sSupPr>
                               <m:ctrlPr>
-                                <a:rPr lang="en-US" altLang="zh-CN" sz="1000" b="0" i="1" smtClean="0">
+                                <a:rPr lang="en-US" altLang="zh-CN" sz="1000" i="1">
                                   <a:latin typeface="Cambria Math" panose="02040503050406030204" pitchFamily="18" charset="0"/>
                                   <a:ea typeface="Cambria Math" panose="02040503050406030204" pitchFamily="18" charset="0"/>
                                 </a:rPr>
@@ -5520,7 +4978,7 @@
                                   <m:begChr m:val="|"/>
                                   <m:endChr m:val="|"/>
                                   <m:ctrlPr>
-                                    <a:rPr lang="en-US" altLang="zh-CN" sz="1000" b="0" i="1" smtClean="0">
+                                    <a:rPr lang="en-US" altLang="zh-CN" sz="1000" i="1">
                                       <a:latin typeface="Cambria Math" panose="02040503050406030204" pitchFamily="18" charset="0"/>
                                       <a:ea typeface="Cambria Math" panose="02040503050406030204" pitchFamily="18" charset="0"/>
                                     </a:rPr>
@@ -5532,7 +4990,7 @@
                                       <m:begChr m:val="|"/>
                                       <m:endChr m:val="|"/>
                                       <m:ctrlPr>
-                                        <a:rPr lang="en-US" altLang="zh-CN" sz="1000" b="0" i="1" smtClean="0">
+                                        <a:rPr lang="en-US" altLang="zh-CN" sz="1000" i="1">
                                           <a:latin typeface="Cambria Math" panose="02040503050406030204" pitchFamily="18" charset="0"/>
                                           <a:ea typeface="Cambria Math" panose="02040503050406030204" pitchFamily="18" charset="0"/>
                                         </a:rPr>
@@ -5540,7 +4998,7 @@
                                     </m:dPr>
                                     <m:e>
                                       <m:r>
-                                        <a:rPr lang="en-US" altLang="zh-CN" sz="1000" b="0" i="1" smtClean="0">
+                                        <a:rPr lang="en-US" altLang="zh-CN" sz="1000" i="1">
                                           <a:latin typeface="Cambria Math" panose="02040503050406030204" pitchFamily="18" charset="0"/>
                                           <a:ea typeface="Cambria Math" panose="02040503050406030204" pitchFamily="18" charset="0"/>
                                         </a:rPr>
@@ -5553,7 +5011,7 @@
                             </m:e>
                             <m:sup>
                               <m:r>
-                                <a:rPr lang="en-US" altLang="zh-CN" sz="1000" b="0" i="1" smtClean="0">
+                                <a:rPr lang="en-US" altLang="zh-CN" sz="1000" i="1">
                                   <a:latin typeface="Cambria Math" panose="02040503050406030204" pitchFamily="18" charset="0"/>
                                   <a:ea typeface="Cambria Math" panose="02040503050406030204" pitchFamily="18" charset="0"/>
                                 </a:rPr>
@@ -5562,7 +5020,7 @@
                             </m:sup>
                           </m:sSup>
                           <m:r>
-                            <a:rPr lang="en-US" altLang="zh-CN" sz="1000" b="0" i="1" smtClean="0">
+                            <a:rPr lang="en-US" altLang="zh-CN" sz="1000" i="1">
                               <a:latin typeface="Cambria Math" panose="02040503050406030204" pitchFamily="18" charset="0"/>
                             </a:rPr>
                             <m:t> </m:t>
@@ -5594,7 +5052,7 @@
             </p:nvSpPr>
             <p:spPr>
               <a:xfrm>
-                <a:off x="7522345" y="4187407"/>
+                <a:off x="7920468" y="4198984"/>
                 <a:ext cx="2785188" cy="432747"/>
               </a:xfrm>
               <a:prstGeom prst="rect">
@@ -5622,6 +5080,1292 @@
           </p:sp>
         </mc:Fallback>
       </mc:AlternateContent>
+      <p:cxnSp>
+        <p:nvCxnSpPr>
+          <p:cNvPr id="22" name="Straight Connector 21">
+            <a:extLst>
+              <a:ext uri="{FF2B5EF4-FFF2-40B4-BE49-F238E27FC236}">
+                <a16:creationId xmlns:a16="http://schemas.microsoft.com/office/drawing/2014/main" id="{659D22E7-A6E1-284C-BA4F-458F7D99DD24}"/>
+              </a:ext>
+            </a:extLst>
+          </p:cNvPr>
+          <p:cNvCxnSpPr>
+            <a:cxnSpLocks/>
+            <a:stCxn id="12" idx="0"/>
+            <a:endCxn id="16" idx="1"/>
+          </p:cNvCxnSpPr>
+          <p:nvPr/>
+        </p:nvCxnSpPr>
+        <p:spPr>
+          <a:xfrm>
+            <a:off x="6002915" y="4455043"/>
+            <a:ext cx="820800" cy="26679"/>
+          </a:xfrm>
+          <a:prstGeom prst="line">
+            <a:avLst/>
+          </a:prstGeom>
+          <a:ln w="12700">
+            <a:solidFill>
+              <a:schemeClr val="tx1"/>
+            </a:solidFill>
+          </a:ln>
+        </p:spPr>
+        <p:style>
+          <a:lnRef idx="1">
+            <a:schemeClr val="accent1"/>
+          </a:lnRef>
+          <a:fillRef idx="0">
+            <a:schemeClr val="accent1"/>
+          </a:fillRef>
+          <a:effectRef idx="0">
+            <a:schemeClr val="accent1"/>
+          </a:effectRef>
+          <a:fontRef idx="minor">
+            <a:schemeClr val="tx1"/>
+          </a:fontRef>
+        </p:style>
+      </p:cxnSp>
+      <p:cxnSp>
+        <p:nvCxnSpPr>
+          <p:cNvPr id="18" name="Straight Connector 17">
+            <a:extLst>
+              <a:ext uri="{FF2B5EF4-FFF2-40B4-BE49-F238E27FC236}">
+                <a16:creationId xmlns:a16="http://schemas.microsoft.com/office/drawing/2014/main" id="{3AE84A7A-A4CE-964C-A737-D8A6CD80BF77}"/>
+              </a:ext>
+            </a:extLst>
+          </p:cNvPr>
+          <p:cNvCxnSpPr>
+            <a:cxnSpLocks/>
+            <a:stCxn id="12" idx="2"/>
+            <a:endCxn id="16" idx="3"/>
+          </p:cNvCxnSpPr>
+          <p:nvPr/>
+        </p:nvCxnSpPr>
+        <p:spPr>
+          <a:xfrm flipV="1">
+            <a:off x="6002916" y="4481722"/>
+            <a:ext cx="828000" cy="189321"/>
+          </a:xfrm>
+          <a:prstGeom prst="line">
+            <a:avLst/>
+          </a:prstGeom>
+          <a:ln w="12700">
+            <a:solidFill>
+              <a:schemeClr val="tx1"/>
+            </a:solidFill>
+          </a:ln>
+        </p:spPr>
+        <p:style>
+          <a:lnRef idx="1">
+            <a:schemeClr val="accent1"/>
+          </a:lnRef>
+          <a:fillRef idx="0">
+            <a:schemeClr val="accent1"/>
+          </a:fillRef>
+          <a:effectRef idx="0">
+            <a:schemeClr val="accent1"/>
+          </a:effectRef>
+          <a:fontRef idx="minor">
+            <a:schemeClr val="tx1"/>
+          </a:fontRef>
+        </p:style>
+      </p:cxnSp>
+      <p:cxnSp>
+        <p:nvCxnSpPr>
+          <p:cNvPr id="36" name="Straight Connector 35">
+            <a:extLst>
+              <a:ext uri="{FF2B5EF4-FFF2-40B4-BE49-F238E27FC236}">
+                <a16:creationId xmlns:a16="http://schemas.microsoft.com/office/drawing/2014/main" id="{CF9DECD1-2AB9-6448-AA34-CC4E601FFB18}"/>
+              </a:ext>
+            </a:extLst>
+          </p:cNvPr>
+          <p:cNvCxnSpPr>
+            <a:cxnSpLocks/>
+          </p:cNvCxnSpPr>
+          <p:nvPr/>
+        </p:nvCxnSpPr>
+        <p:spPr>
+          <a:xfrm flipV="1">
+            <a:off x="6198515" y="4339953"/>
+            <a:ext cx="475200" cy="86736"/>
+          </a:xfrm>
+          <a:prstGeom prst="line">
+            <a:avLst/>
+          </a:prstGeom>
+          <a:ln w="12700">
+            <a:solidFill>
+              <a:schemeClr val="tx1"/>
+            </a:solidFill>
+          </a:ln>
+        </p:spPr>
+        <p:style>
+          <a:lnRef idx="1">
+            <a:schemeClr val="accent1"/>
+          </a:lnRef>
+          <a:fillRef idx="0">
+            <a:schemeClr val="accent1"/>
+          </a:fillRef>
+          <a:effectRef idx="0">
+            <a:schemeClr val="accent1"/>
+          </a:effectRef>
+          <a:fontRef idx="minor">
+            <a:schemeClr val="tx1"/>
+          </a:fontRef>
+        </p:style>
+      </p:cxnSp>
+      <p:cxnSp>
+        <p:nvCxnSpPr>
+          <p:cNvPr id="35" name="Straight Connector 34">
+            <a:extLst>
+              <a:ext uri="{FF2B5EF4-FFF2-40B4-BE49-F238E27FC236}">
+                <a16:creationId xmlns:a16="http://schemas.microsoft.com/office/drawing/2014/main" id="{6EA7557A-9228-F044-A35C-88B12FFB6B52}"/>
+              </a:ext>
+            </a:extLst>
+          </p:cNvPr>
+          <p:cNvCxnSpPr>
+            <a:cxnSpLocks/>
+          </p:cNvCxnSpPr>
+          <p:nvPr/>
+        </p:nvCxnSpPr>
+        <p:spPr>
+          <a:xfrm>
+            <a:off x="6056748" y="4274289"/>
+            <a:ext cx="619200" cy="65664"/>
+          </a:xfrm>
+          <a:prstGeom prst="line">
+            <a:avLst/>
+          </a:prstGeom>
+          <a:ln w="12700">
+            <a:solidFill>
+              <a:schemeClr val="tx1"/>
+            </a:solidFill>
+          </a:ln>
+        </p:spPr>
+        <p:style>
+          <a:lnRef idx="1">
+            <a:schemeClr val="accent1"/>
+          </a:lnRef>
+          <a:fillRef idx="0">
+            <a:schemeClr val="accent1"/>
+          </a:fillRef>
+          <a:effectRef idx="0">
+            <a:schemeClr val="accent1"/>
+          </a:effectRef>
+          <a:fontRef idx="minor">
+            <a:schemeClr val="tx1"/>
+          </a:fontRef>
+        </p:style>
+      </p:cxnSp>
+      <mc:AlternateContent xmlns:mc="http://schemas.openxmlformats.org/markup-compatibility/2006">
+        <mc:Choice xmlns:a14="http://schemas.microsoft.com/office/drawing/2010/main" Requires="a14">
+          <p:graphicFrame>
+            <p:nvGraphicFramePr>
+              <p:cNvPr id="2" name="Table 1">
+                <a:extLst>
+                  <a:ext uri="{FF2B5EF4-FFF2-40B4-BE49-F238E27FC236}">
+                    <a16:creationId xmlns:a16="http://schemas.microsoft.com/office/drawing/2014/main" id="{B21654EC-2644-6C42-BC44-DF928D9F4024}"/>
+                  </a:ext>
+                </a:extLst>
+              </p:cNvPr>
+              <p:cNvGraphicFramePr>
+                <a:graphicFrameLocks noGrp="1"/>
+              </p:cNvGraphicFramePr>
+              <p:nvPr>
+                <p:extLst>
+                  <p:ext uri="{D42A27DB-BD31-4B8C-83A1-F6EECF244321}">
+                    <p14:modId xmlns:p14="http://schemas.microsoft.com/office/powerpoint/2010/main" val="1099981651"/>
+                  </p:ext>
+                </p:extLst>
+              </p:nvPr>
+            </p:nvGraphicFramePr>
+            <p:xfrm>
+              <a:off x="9281136" y="618362"/>
+              <a:ext cx="9518926" cy="2206372"/>
+            </p:xfrm>
+            <a:graphic>
+              <a:graphicData uri="http://schemas.openxmlformats.org/drawingml/2006/table">
+                <a:tbl>
+                  <a:tblPr firstRow="1" bandRow="1">
+                    <a:tableStyleId>{5C22544A-7EE6-4342-B048-85BDC9FD1C3A}</a:tableStyleId>
+                  </a:tblPr>
+                  <a:tblGrid>
+                    <a:gridCol w="1965984">
+                      <a:extLst>
+                        <a:ext uri="{9D8B030D-6E8A-4147-A177-3AD203B41FA5}">
+                          <a16:colId xmlns:a16="http://schemas.microsoft.com/office/drawing/2014/main" val="1817630039"/>
+                        </a:ext>
+                      </a:extLst>
+                    </a:gridCol>
+                    <a:gridCol w="1841587">
+                      <a:extLst>
+                        <a:ext uri="{9D8B030D-6E8A-4147-A177-3AD203B41FA5}">
+                          <a16:colId xmlns:a16="http://schemas.microsoft.com/office/drawing/2014/main" val="1469058806"/>
+                        </a:ext>
+                      </a:extLst>
+                    </a:gridCol>
+                    <a:gridCol w="1903785">
+                      <a:extLst>
+                        <a:ext uri="{9D8B030D-6E8A-4147-A177-3AD203B41FA5}">
+                          <a16:colId xmlns:a16="http://schemas.microsoft.com/office/drawing/2014/main" val="3302716895"/>
+                        </a:ext>
+                      </a:extLst>
+                    </a:gridCol>
+                    <a:gridCol w="1903785">
+                      <a:extLst>
+                        <a:ext uri="{9D8B030D-6E8A-4147-A177-3AD203B41FA5}">
+                          <a16:colId xmlns:a16="http://schemas.microsoft.com/office/drawing/2014/main" val="1002236898"/>
+                        </a:ext>
+                      </a:extLst>
+                    </a:gridCol>
+                    <a:gridCol w="1903785">
+                      <a:extLst>
+                        <a:ext uri="{9D8B030D-6E8A-4147-A177-3AD203B41FA5}">
+                          <a16:colId xmlns:a16="http://schemas.microsoft.com/office/drawing/2014/main" val="763721387"/>
+                        </a:ext>
+                      </a:extLst>
+                    </a:gridCol>
+                  </a:tblGrid>
+                  <a:tr h="497206">
+                    <a:tc>
+                      <a:txBody>
+                        <a:bodyPr/>
+                        <a:lstStyle/>
+                        <a:p>
+                          <a:pPr algn="ctr"/>
+                          <a:r>
+                            <a:rPr lang="en-US" dirty="0">
+                              <a:latin typeface="Times New Roman" panose="02020603050405020304" pitchFamily="18" charset="0"/>
+                              <a:cs typeface="Times New Roman" panose="02020603050405020304" pitchFamily="18" charset="0"/>
+                            </a:rPr>
+                            <a:t>RCNN</a:t>
+                          </a:r>
+                        </a:p>
+                      </a:txBody>
+                      <a:tcPr/>
+                    </a:tc>
+                    <a:tc>
+                      <a:txBody>
+                        <a:bodyPr/>
+                        <a:lstStyle/>
+                        <a:p>
+                          <a:pPr algn="ctr"/>
+                          <a:r>
+                            <a:rPr lang="en-US" dirty="0" err="1">
+                              <a:latin typeface="Times New Roman" panose="02020603050405020304" pitchFamily="18" charset="0"/>
+                              <a:cs typeface="Times New Roman" panose="02020603050405020304" pitchFamily="18" charset="0"/>
+                            </a:rPr>
+                            <a:t>SPPNet</a:t>
+                          </a:r>
+                          <a:endParaRPr lang="en-US" dirty="0">
+                            <a:latin typeface="Times New Roman" panose="02020603050405020304" pitchFamily="18" charset="0"/>
+                            <a:cs typeface="Times New Roman" panose="02020603050405020304" pitchFamily="18" charset="0"/>
+                          </a:endParaRPr>
+                        </a:p>
+                      </a:txBody>
+                      <a:tcPr/>
+                    </a:tc>
+                    <a:tc>
+                      <a:txBody>
+                        <a:bodyPr/>
+                        <a:lstStyle/>
+                        <a:p>
+                          <a:pPr algn="ctr"/>
+                          <a:r>
+                            <a:rPr lang="en-US" dirty="0">
+                              <a:latin typeface="Times New Roman" panose="02020603050405020304" pitchFamily="18" charset="0"/>
+                              <a:cs typeface="Times New Roman" panose="02020603050405020304" pitchFamily="18" charset="0"/>
+                            </a:rPr>
+                            <a:t>Fast RCNN</a:t>
+                          </a:r>
+                        </a:p>
+                      </a:txBody>
+                      <a:tcPr/>
+                    </a:tc>
+                    <a:tc>
+                      <a:txBody>
+                        <a:bodyPr/>
+                        <a:lstStyle/>
+                        <a:p>
+                          <a:pPr algn="ctr"/>
+                          <a:r>
+                            <a:rPr lang="en-US" dirty="0">
+                              <a:latin typeface="Times New Roman" panose="02020603050405020304" pitchFamily="18" charset="0"/>
+                              <a:cs typeface="Times New Roman" panose="02020603050405020304" pitchFamily="18" charset="0"/>
+                            </a:rPr>
+                            <a:t>Faster RCNN</a:t>
+                          </a:r>
+                        </a:p>
+                      </a:txBody>
+                      <a:tcPr/>
+                    </a:tc>
+                    <a:tc>
+                      <a:txBody>
+                        <a:bodyPr/>
+                        <a:lstStyle/>
+                        <a:p>
+                          <a:pPr algn="ctr"/>
+                          <a:r>
+                            <a:rPr lang="en-US" dirty="0">
+                              <a:latin typeface="Times New Roman" panose="02020603050405020304" pitchFamily="18" charset="0"/>
+                              <a:cs typeface="Times New Roman" panose="02020603050405020304" pitchFamily="18" charset="0"/>
+                            </a:rPr>
+                            <a:t>Mask RCNN </a:t>
+                          </a:r>
+                        </a:p>
+                      </a:txBody>
+                      <a:tcPr/>
+                    </a:tc>
+                    <a:extLst>
+                      <a:ext uri="{0D108BD9-81ED-4DB2-BD59-A6C34878D82A}">
+                        <a16:rowId xmlns:a16="http://schemas.microsoft.com/office/drawing/2014/main" val="3225119074"/>
+                      </a:ext>
+                    </a:extLst>
+                  </a:tr>
+                  <a:tr h="457200">
+                    <a:tc>
+                      <a:txBody>
+                        <a:bodyPr/>
+                        <a:lstStyle/>
+                        <a:p>
+                          <a:pPr algn="ctr"/>
+                          <a:r>
+                            <a:rPr lang="en-US" dirty="0"/>
+                            <a:t>Multi-stage</a:t>
+                          </a:r>
+                        </a:p>
+                      </a:txBody>
+                      <a:tcPr/>
+                    </a:tc>
+                    <a:tc>
+                      <a:txBody>
+                        <a:bodyPr/>
+                        <a:lstStyle/>
+                        <a:p>
+                          <a:pPr algn="ctr"/>
+                          <a:r>
+                            <a:rPr lang="en-US" dirty="0"/>
+                            <a:t>Multi-stage</a:t>
+                          </a:r>
+                        </a:p>
+                      </a:txBody>
+                      <a:tcPr/>
+                    </a:tc>
+                    <a:tc>
+                      <a:txBody>
+                        <a:bodyPr/>
+                        <a:lstStyle/>
+                        <a:p>
+                          <a:pPr algn="ctr"/>
+                          <a:r>
+                            <a:rPr lang="en-US" dirty="0"/>
+                            <a:t>Two-stage</a:t>
+                          </a:r>
+                        </a:p>
+                      </a:txBody>
+                      <a:tcPr/>
+                    </a:tc>
+                    <a:tc>
+                      <a:txBody>
+                        <a:bodyPr/>
+                        <a:lstStyle/>
+                        <a:p>
+                          <a:pPr algn="ctr"/>
+                          <a:r>
+                            <a:rPr lang="en-US" dirty="0"/>
+                            <a:t>Two-stage</a:t>
+                          </a:r>
+                        </a:p>
+                      </a:txBody>
+                      <a:tcPr/>
+                    </a:tc>
+                    <a:tc>
+                      <a:txBody>
+                        <a:bodyPr/>
+                        <a:lstStyle/>
+                        <a:p>
+                          <a:pPr algn="ctr"/>
+                          <a:endParaRPr lang="en-US" dirty="0"/>
+                        </a:p>
+                      </a:txBody>
+                      <a:tcPr/>
+                    </a:tc>
+                    <a:extLst>
+                      <a:ext uri="{0D108BD9-81ED-4DB2-BD59-A6C34878D82A}">
+                        <a16:rowId xmlns:a16="http://schemas.microsoft.com/office/drawing/2014/main" val="3274255299"/>
+                      </a:ext>
+                    </a:extLst>
+                  </a:tr>
+                  <a:tr h="1110476">
+                    <a:tc>
+                      <a:txBody>
+                        <a:bodyPr/>
+                        <a:lstStyle/>
+                        <a:p>
+                          <a:r>
+                            <a:rPr lang="en-US" dirty="0"/>
+                            <a:t>Step: </a:t>
+                          </a:r>
+                          <a:endParaRPr lang="en-US" dirty="0">
+                            <a:solidFill>
+                              <a:srgbClr val="FF0000"/>
+                            </a:solidFill>
+                          </a:endParaRPr>
+                        </a:p>
+                        <a:p>
+                          <a:r>
+                            <a:rPr lang="en-US" dirty="0">
+                              <a:solidFill>
+                                <a:schemeClr val="tx1"/>
+                              </a:solidFill>
+                            </a:rPr>
+                            <a:t>1-&gt;</a:t>
+                          </a:r>
+                          <a14:m>
+                            <m:oMath xmlns:m="http://schemas.openxmlformats.org/officeDocument/2006/math">
+                              <m:d>
+                                <m:dPr>
+                                  <m:begChr m:val="{"/>
+                                  <m:endChr m:val=""/>
+                                  <m:ctrlPr>
+                                    <a:rPr lang="en-US" i="1" smtClean="0">
+                                      <a:solidFill>
+                                        <a:schemeClr val="tx1"/>
+                                      </a:solidFill>
+                                      <a:latin typeface="Cambria Math" panose="02040503050406030204" pitchFamily="18" charset="0"/>
+                                    </a:rPr>
+                                  </m:ctrlPr>
+                                </m:dPr>
+                                <m:e>
+                                  <m:eqArr>
+                                    <m:eqArrPr>
+                                      <m:ctrlPr>
+                                        <a:rPr lang="en-US" i="1" smtClean="0">
+                                          <a:solidFill>
+                                            <a:schemeClr val="tx1"/>
+                                          </a:solidFill>
+                                          <a:latin typeface="Cambria Math" panose="02040503050406030204" pitchFamily="18" charset="0"/>
+                                        </a:rPr>
+                                      </m:ctrlPr>
+                                    </m:eqArrPr>
+                                    <m:e>
+                                      <m:r>
+                                        <a:rPr lang="en-US" b="0" i="1" smtClean="0">
+                                          <a:solidFill>
+                                            <a:srgbClr val="FF0000"/>
+                                          </a:solidFill>
+                                          <a:latin typeface="Cambria Math" panose="02040503050406030204" pitchFamily="18" charset="0"/>
+                                        </a:rPr>
+                                        <m:t>2</m:t>
+                                      </m:r>
+                                      <m:r>
+                                        <a:rPr lang="en-US" b="0" i="1" smtClean="0">
+                                          <a:solidFill>
+                                            <a:schemeClr val="tx1"/>
+                                          </a:solidFill>
+                                          <a:latin typeface="Cambria Math" panose="02040503050406030204" pitchFamily="18" charset="0"/>
+                                        </a:rPr>
+                                        <m:t>→</m:t>
+                                      </m:r>
+                                      <m:r>
+                                        <a:rPr lang="en-US" b="0" i="1" smtClean="0">
+                                          <a:solidFill>
+                                            <a:srgbClr val="FF0000"/>
+                                          </a:solidFill>
+                                          <a:latin typeface="Cambria Math" panose="02040503050406030204" pitchFamily="18" charset="0"/>
+                                        </a:rPr>
+                                        <m:t>3</m:t>
+                                      </m:r>
+                                      <m:r>
+                                        <a:rPr lang="en-US" b="0" i="1" smtClean="0">
+                                          <a:solidFill>
+                                            <a:schemeClr val="tx1"/>
+                                          </a:solidFill>
+                                          <a:latin typeface="Cambria Math" panose="02040503050406030204" pitchFamily="18" charset="0"/>
+                                        </a:rPr>
+                                        <m:t>→</m:t>
+                                      </m:r>
+                                      <m:r>
+                                        <a:rPr lang="en-US" b="0" i="1" smtClean="0">
+                                          <a:solidFill>
+                                            <a:srgbClr val="FF0000"/>
+                                          </a:solidFill>
+                                          <a:latin typeface="Cambria Math" panose="02040503050406030204" pitchFamily="18" charset="0"/>
+                                        </a:rPr>
+                                        <m:t>4</m:t>
+                                      </m:r>
+                                    </m:e>
+                                    <m:e>
+                                      <m:r>
+                                        <a:rPr lang="en-US" b="0" i="1" smtClean="0">
+                                          <a:solidFill>
+                                            <a:schemeClr val="tx1"/>
+                                          </a:solidFill>
+                                          <a:latin typeface="Cambria Math" panose="02040503050406030204" pitchFamily="18" charset="0"/>
+                                        </a:rPr>
+                                        <m:t>5→6→</m:t>
+                                      </m:r>
+                                      <m:r>
+                                        <a:rPr lang="en-US" b="0" i="1" smtClean="0">
+                                          <a:solidFill>
+                                            <a:srgbClr val="FF0000"/>
+                                          </a:solidFill>
+                                          <a:latin typeface="Cambria Math" panose="02040503050406030204" pitchFamily="18" charset="0"/>
+                                        </a:rPr>
+                                        <m:t>7</m:t>
+                                      </m:r>
+                                    </m:e>
+                                  </m:eqArr>
+                                </m:e>
+                              </m:d>
+                            </m:oMath>
+                          </a14:m>
+                          <a:endParaRPr lang="en-US" dirty="0">
+                            <a:solidFill>
+                              <a:srgbClr val="FF0000"/>
+                            </a:solidFill>
+                          </a:endParaRPr>
+                        </a:p>
+                        <a:p>
+                          <a:endParaRPr lang="en-US" dirty="0">
+                            <a:solidFill>
+                              <a:srgbClr val="FF0000"/>
+                            </a:solidFill>
+                          </a:endParaRPr>
+                        </a:p>
+                      </a:txBody>
+                      <a:tcPr/>
+                    </a:tc>
+                    <a:tc>
+                      <a:txBody>
+                        <a:bodyPr/>
+                        <a:lstStyle/>
+                        <a:p>
+                          <a:r>
+                            <a:rPr lang="en-US" dirty="0"/>
+                            <a:t>Step:</a:t>
+                          </a:r>
+                          <a:endParaRPr lang="en-US" dirty="0">
+                            <a:solidFill>
+                              <a:srgbClr val="FF0000"/>
+                            </a:solidFill>
+                          </a:endParaRPr>
+                        </a:p>
+                        <a:p>
+                          <a:r>
+                            <a:rPr lang="en-US" dirty="0">
+                              <a:solidFill>
+                                <a:schemeClr val="tx1"/>
+                              </a:solidFill>
+                            </a:rPr>
+                            <a:t>1-&gt;</a:t>
+                          </a:r>
+                          <a:r>
+                            <a:rPr lang="en-US" dirty="0">
+                              <a:solidFill>
+                                <a:srgbClr val="FF0000"/>
+                              </a:solidFill>
+                            </a:rPr>
+                            <a:t>2/5</a:t>
+                          </a:r>
+                          <a:r>
+                            <a:rPr lang="en-US" dirty="0">
+                              <a:solidFill>
+                                <a:schemeClr val="tx1"/>
+                              </a:solidFill>
+                            </a:rPr>
+                            <a:t>-&gt;</a:t>
+                          </a:r>
+                          <a:r>
+                            <a:rPr lang="en-US" dirty="0">
+                              <a:solidFill>
+                                <a:srgbClr val="FF0000"/>
+                              </a:solidFill>
+                            </a:rPr>
+                            <a:t>3/6</a:t>
+                          </a:r>
+                          <a:r>
+                            <a:rPr lang="en-US" dirty="0">
+                              <a:solidFill>
+                                <a:schemeClr val="tx1"/>
+                              </a:solidFill>
+                            </a:rPr>
+                            <a:t>-&gt;</a:t>
+                          </a:r>
+                          <a14:m>
+                            <m:oMath xmlns:m="http://schemas.openxmlformats.org/officeDocument/2006/math">
+                              <m:d>
+                                <m:dPr>
+                                  <m:begChr m:val="{"/>
+                                  <m:endChr m:val=""/>
+                                  <m:ctrlPr>
+                                    <a:rPr lang="en-US" i="1" smtClean="0">
+                                      <a:solidFill>
+                                        <a:schemeClr val="tx1"/>
+                                      </a:solidFill>
+                                      <a:latin typeface="Cambria Math" panose="02040503050406030204" pitchFamily="18" charset="0"/>
+                                    </a:rPr>
+                                  </m:ctrlPr>
+                                </m:dPr>
+                                <m:e>
+                                  <m:eqArr>
+                                    <m:eqArrPr>
+                                      <m:ctrlPr>
+                                        <a:rPr lang="en-US" i="1" smtClean="0">
+                                          <a:solidFill>
+                                            <a:srgbClr val="FF0000"/>
+                                          </a:solidFill>
+                                          <a:latin typeface="Cambria Math" panose="02040503050406030204" pitchFamily="18" charset="0"/>
+                                        </a:rPr>
+                                      </m:ctrlPr>
+                                    </m:eqArrPr>
+                                    <m:e>
+                                      <m:r>
+                                        <a:rPr lang="en-US" b="0" i="1" smtClean="0">
+                                          <a:solidFill>
+                                            <a:srgbClr val="FF0000"/>
+                                          </a:solidFill>
+                                          <a:latin typeface="Cambria Math" panose="02040503050406030204" pitchFamily="18" charset="0"/>
+                                        </a:rPr>
+                                        <m:t>4</m:t>
+                                      </m:r>
+                                    </m:e>
+                                    <m:e>
+                                      <m:r>
+                                        <a:rPr lang="en-US" b="0" i="1" smtClean="0">
+                                          <a:solidFill>
+                                            <a:srgbClr val="FF0000"/>
+                                          </a:solidFill>
+                                          <a:latin typeface="Cambria Math" panose="02040503050406030204" pitchFamily="18" charset="0"/>
+                                        </a:rPr>
+                                        <m:t>7</m:t>
+                                      </m:r>
+                                    </m:e>
+                                  </m:eqArr>
+                                </m:e>
+                              </m:d>
+                            </m:oMath>
+                          </a14:m>
+                          <a:endParaRPr lang="en-US" dirty="0">
+                            <a:solidFill>
+                              <a:schemeClr val="tx1"/>
+                            </a:solidFill>
+                          </a:endParaRPr>
+                        </a:p>
+                      </a:txBody>
+                      <a:tcPr/>
+                    </a:tc>
+                    <a:tc>
+                      <a:txBody>
+                        <a:bodyPr/>
+                        <a:lstStyle/>
+                        <a:p>
+                          <a:r>
+                            <a:rPr lang="en-US" dirty="0"/>
+                            <a:t>Step:</a:t>
+                          </a:r>
+                        </a:p>
+                        <a:p>
+                          <a:endParaRPr lang="en-US" dirty="0"/>
+                        </a:p>
+                        <a:p>
+                          <a:r>
+                            <a:rPr lang="en-US" dirty="0"/>
+                            <a:t>1-&gt;</a:t>
+                          </a:r>
+                          <a:r>
+                            <a:rPr lang="en-US" dirty="0">
+                              <a:solidFill>
+                                <a:srgbClr val="FF0000"/>
+                              </a:solidFill>
+                            </a:rPr>
+                            <a:t>2/5</a:t>
+                          </a:r>
+                          <a:r>
+                            <a:rPr lang="en-US" dirty="0"/>
+                            <a:t>-&gt;</a:t>
+                          </a:r>
+                          <a:r>
+                            <a:rPr lang="en-US" dirty="0">
+                              <a:solidFill>
+                                <a:srgbClr val="FF0000"/>
+                              </a:solidFill>
+                            </a:rPr>
+                            <a:t>3/6+4/7</a:t>
+                          </a:r>
+                        </a:p>
+                      </a:txBody>
+                      <a:tcPr/>
+                    </a:tc>
+                    <a:tc>
+                      <a:txBody>
+                        <a:bodyPr/>
+                        <a:lstStyle/>
+                        <a:p>
+                          <a:r>
+                            <a:rPr lang="en-US" dirty="0"/>
+                            <a:t>Step:</a:t>
+                          </a:r>
+                        </a:p>
+                        <a:p>
+                          <a:r>
+                            <a:rPr lang="en-US" dirty="0"/>
+                            <a:t>1-&gt;3/6-&gt;</a:t>
+                          </a:r>
+                          <a:r>
+                            <a:rPr lang="en-US" dirty="0">
+                              <a:solidFill>
+                                <a:srgbClr val="FF0000"/>
+                              </a:solidFill>
+                            </a:rPr>
+                            <a:t>2/5</a:t>
+                          </a:r>
+                          <a:r>
+                            <a:rPr lang="en-US" dirty="0"/>
+                            <a:t>-&gt;</a:t>
+                          </a:r>
+                          <a:r>
+                            <a:rPr lang="en-US" dirty="0">
+                              <a:solidFill>
+                                <a:srgbClr val="FF0000"/>
+                              </a:solidFill>
+                            </a:rPr>
+                            <a:t>4/7</a:t>
+                          </a:r>
+                        </a:p>
+                      </a:txBody>
+                      <a:tcPr/>
+                    </a:tc>
+                    <a:tc>
+                      <a:txBody>
+                        <a:bodyPr/>
+                        <a:lstStyle/>
+                        <a:p>
+                          <a:endParaRPr lang="en-US" dirty="0"/>
+                        </a:p>
+                      </a:txBody>
+                      <a:tcPr/>
+                    </a:tc>
+                    <a:extLst>
+                      <a:ext uri="{0D108BD9-81ED-4DB2-BD59-A6C34878D82A}">
+                        <a16:rowId xmlns:a16="http://schemas.microsoft.com/office/drawing/2014/main" val="4168554156"/>
+                      </a:ext>
+                    </a:extLst>
+                  </a:tr>
+                </a:tbl>
+              </a:graphicData>
+            </a:graphic>
+          </p:graphicFrame>
+        </mc:Choice>
+        <mc:Fallback>
+          <p:graphicFrame>
+            <p:nvGraphicFramePr>
+              <p:cNvPr id="2" name="Table 1">
+                <a:extLst>
+                  <a:ext uri="{FF2B5EF4-FFF2-40B4-BE49-F238E27FC236}">
+                    <a16:creationId xmlns:a16="http://schemas.microsoft.com/office/drawing/2014/main" id="{B21654EC-2644-6C42-BC44-DF928D9F4024}"/>
+                  </a:ext>
+                </a:extLst>
+              </p:cNvPr>
+              <p:cNvGraphicFramePr>
+                <a:graphicFrameLocks noGrp="1"/>
+              </p:cNvGraphicFramePr>
+              <p:nvPr>
+                <p:extLst>
+                  <p:ext uri="{D42A27DB-BD31-4B8C-83A1-F6EECF244321}">
+                    <p14:modId xmlns:p14="http://schemas.microsoft.com/office/powerpoint/2010/main" val="1099981651"/>
+                  </p:ext>
+                </p:extLst>
+              </p:nvPr>
+            </p:nvGraphicFramePr>
+            <p:xfrm>
+              <a:off x="9281136" y="618362"/>
+              <a:ext cx="9518926" cy="2206372"/>
+            </p:xfrm>
+            <a:graphic>
+              <a:graphicData uri="http://schemas.openxmlformats.org/drawingml/2006/table">
+                <a:tbl>
+                  <a:tblPr firstRow="1" bandRow="1">
+                    <a:tableStyleId>{5C22544A-7EE6-4342-B048-85BDC9FD1C3A}</a:tableStyleId>
+                  </a:tblPr>
+                  <a:tblGrid>
+                    <a:gridCol w="1965984">
+                      <a:extLst>
+                        <a:ext uri="{9D8B030D-6E8A-4147-A177-3AD203B41FA5}">
+                          <a16:colId xmlns:a16="http://schemas.microsoft.com/office/drawing/2014/main" val="1817630039"/>
+                        </a:ext>
+                      </a:extLst>
+                    </a:gridCol>
+                    <a:gridCol w="1841587">
+                      <a:extLst>
+                        <a:ext uri="{9D8B030D-6E8A-4147-A177-3AD203B41FA5}">
+                          <a16:colId xmlns:a16="http://schemas.microsoft.com/office/drawing/2014/main" val="1469058806"/>
+                        </a:ext>
+                      </a:extLst>
+                    </a:gridCol>
+                    <a:gridCol w="1903785">
+                      <a:extLst>
+                        <a:ext uri="{9D8B030D-6E8A-4147-A177-3AD203B41FA5}">
+                          <a16:colId xmlns:a16="http://schemas.microsoft.com/office/drawing/2014/main" val="3302716895"/>
+                        </a:ext>
+                      </a:extLst>
+                    </a:gridCol>
+                    <a:gridCol w="1903785">
+                      <a:extLst>
+                        <a:ext uri="{9D8B030D-6E8A-4147-A177-3AD203B41FA5}">
+                          <a16:colId xmlns:a16="http://schemas.microsoft.com/office/drawing/2014/main" val="1002236898"/>
+                        </a:ext>
+                      </a:extLst>
+                    </a:gridCol>
+                    <a:gridCol w="1903785">
+                      <a:extLst>
+                        <a:ext uri="{9D8B030D-6E8A-4147-A177-3AD203B41FA5}">
+                          <a16:colId xmlns:a16="http://schemas.microsoft.com/office/drawing/2014/main" val="763721387"/>
+                        </a:ext>
+                      </a:extLst>
+                    </a:gridCol>
+                  </a:tblGrid>
+                  <a:tr h="497206">
+                    <a:tc>
+                      <a:txBody>
+                        <a:bodyPr/>
+                        <a:lstStyle/>
+                        <a:p>
+                          <a:pPr algn="ctr"/>
+                          <a:r>
+                            <a:rPr lang="en-US" dirty="0">
+                              <a:latin typeface="Times New Roman" panose="02020603050405020304" pitchFamily="18" charset="0"/>
+                              <a:cs typeface="Times New Roman" panose="02020603050405020304" pitchFamily="18" charset="0"/>
+                            </a:rPr>
+                            <a:t>RCNN</a:t>
+                          </a:r>
+                        </a:p>
+                      </a:txBody>
+                      <a:tcPr/>
+                    </a:tc>
+                    <a:tc>
+                      <a:txBody>
+                        <a:bodyPr/>
+                        <a:lstStyle/>
+                        <a:p>
+                          <a:pPr algn="ctr"/>
+                          <a:r>
+                            <a:rPr lang="en-US" dirty="0" err="1">
+                              <a:latin typeface="Times New Roman" panose="02020603050405020304" pitchFamily="18" charset="0"/>
+                              <a:cs typeface="Times New Roman" panose="02020603050405020304" pitchFamily="18" charset="0"/>
+                            </a:rPr>
+                            <a:t>SPPNet</a:t>
+                          </a:r>
+                          <a:endParaRPr lang="en-US" dirty="0">
+                            <a:latin typeface="Times New Roman" panose="02020603050405020304" pitchFamily="18" charset="0"/>
+                            <a:cs typeface="Times New Roman" panose="02020603050405020304" pitchFamily="18" charset="0"/>
+                          </a:endParaRPr>
+                        </a:p>
+                      </a:txBody>
+                      <a:tcPr/>
+                    </a:tc>
+                    <a:tc>
+                      <a:txBody>
+                        <a:bodyPr/>
+                        <a:lstStyle/>
+                        <a:p>
+                          <a:pPr algn="ctr"/>
+                          <a:r>
+                            <a:rPr lang="en-US" dirty="0">
+                              <a:latin typeface="Times New Roman" panose="02020603050405020304" pitchFamily="18" charset="0"/>
+                              <a:cs typeface="Times New Roman" panose="02020603050405020304" pitchFamily="18" charset="0"/>
+                            </a:rPr>
+                            <a:t>Fast RCNN</a:t>
+                          </a:r>
+                        </a:p>
+                      </a:txBody>
+                      <a:tcPr/>
+                    </a:tc>
+                    <a:tc>
+                      <a:txBody>
+                        <a:bodyPr/>
+                        <a:lstStyle/>
+                        <a:p>
+                          <a:pPr algn="ctr"/>
+                          <a:r>
+                            <a:rPr lang="en-US" dirty="0">
+                              <a:latin typeface="Times New Roman" panose="02020603050405020304" pitchFamily="18" charset="0"/>
+                              <a:cs typeface="Times New Roman" panose="02020603050405020304" pitchFamily="18" charset="0"/>
+                            </a:rPr>
+                            <a:t>Faster RCNN</a:t>
+                          </a:r>
+                        </a:p>
+                      </a:txBody>
+                      <a:tcPr/>
+                    </a:tc>
+                    <a:tc>
+                      <a:txBody>
+                        <a:bodyPr/>
+                        <a:lstStyle/>
+                        <a:p>
+                          <a:pPr algn="ctr"/>
+                          <a:r>
+                            <a:rPr lang="en-US" dirty="0">
+                              <a:latin typeface="Times New Roman" panose="02020603050405020304" pitchFamily="18" charset="0"/>
+                              <a:cs typeface="Times New Roman" panose="02020603050405020304" pitchFamily="18" charset="0"/>
+                            </a:rPr>
+                            <a:t>Mask RCNN </a:t>
+                          </a:r>
+                        </a:p>
+                      </a:txBody>
+                      <a:tcPr/>
+                    </a:tc>
+                    <a:extLst>
+                      <a:ext uri="{0D108BD9-81ED-4DB2-BD59-A6C34878D82A}">
+                        <a16:rowId xmlns:a16="http://schemas.microsoft.com/office/drawing/2014/main" val="3225119074"/>
+                      </a:ext>
+                    </a:extLst>
+                  </a:tr>
+                  <a:tr h="457200">
+                    <a:tc>
+                      <a:txBody>
+                        <a:bodyPr/>
+                        <a:lstStyle/>
+                        <a:p>
+                          <a:pPr algn="ctr"/>
+                          <a:r>
+                            <a:rPr lang="en-US" dirty="0"/>
+                            <a:t>Multi-stage</a:t>
+                          </a:r>
+                        </a:p>
+                      </a:txBody>
+                      <a:tcPr/>
+                    </a:tc>
+                    <a:tc>
+                      <a:txBody>
+                        <a:bodyPr/>
+                        <a:lstStyle/>
+                        <a:p>
+                          <a:pPr algn="ctr"/>
+                          <a:r>
+                            <a:rPr lang="en-US" dirty="0"/>
+                            <a:t>Multi-stage</a:t>
+                          </a:r>
+                        </a:p>
+                      </a:txBody>
+                      <a:tcPr/>
+                    </a:tc>
+                    <a:tc>
+                      <a:txBody>
+                        <a:bodyPr/>
+                        <a:lstStyle/>
+                        <a:p>
+                          <a:pPr algn="ctr"/>
+                          <a:r>
+                            <a:rPr lang="en-US" dirty="0"/>
+                            <a:t>Two-stage</a:t>
+                          </a:r>
+                        </a:p>
+                      </a:txBody>
+                      <a:tcPr/>
+                    </a:tc>
+                    <a:tc>
+                      <a:txBody>
+                        <a:bodyPr/>
+                        <a:lstStyle/>
+                        <a:p>
+                          <a:pPr algn="ctr"/>
+                          <a:r>
+                            <a:rPr lang="en-US" dirty="0"/>
+                            <a:t>Two-stage</a:t>
+                          </a:r>
+                        </a:p>
+                      </a:txBody>
+                      <a:tcPr/>
+                    </a:tc>
+                    <a:tc>
+                      <a:txBody>
+                        <a:bodyPr/>
+                        <a:lstStyle/>
+                        <a:p>
+                          <a:pPr algn="ctr"/>
+                          <a:endParaRPr lang="en-US" dirty="0"/>
+                        </a:p>
+                      </a:txBody>
+                      <a:tcPr/>
+                    </a:tc>
+                    <a:extLst>
+                      <a:ext uri="{0D108BD9-81ED-4DB2-BD59-A6C34878D82A}">
+                        <a16:rowId xmlns:a16="http://schemas.microsoft.com/office/drawing/2014/main" val="3274255299"/>
+                      </a:ext>
+                    </a:extLst>
+                  </a:tr>
+                  <a:tr h="1251966">
+                    <a:tc>
+                      <a:txBody>
+                        <a:bodyPr/>
+                        <a:lstStyle/>
+                        <a:p>
+                          <a:endParaRPr lang="en-US"/>
+                        </a:p>
+                      </a:txBody>
+                      <a:tcPr>
+                        <a:blipFill>
+                          <a:blip r:embed="rId5"/>
+                          <a:stretch>
+                            <a:fillRect t="-88889" r="-385161" b="-136364"/>
+                          </a:stretch>
+                        </a:blipFill>
+                      </a:tcPr>
+                    </a:tc>
+                    <a:tc>
+                      <a:txBody>
+                        <a:bodyPr/>
+                        <a:lstStyle/>
+                        <a:p>
+                          <a:endParaRPr lang="en-US"/>
+                        </a:p>
+                      </a:txBody>
+                      <a:tcPr>
+                        <a:blipFill>
+                          <a:blip r:embed="rId5"/>
+                          <a:stretch>
+                            <a:fillRect l="-106897" t="-88889" r="-311724" b="-136364"/>
+                          </a:stretch>
+                        </a:blipFill>
+                      </a:tcPr>
+                    </a:tc>
+                    <a:tc>
+                      <a:txBody>
+                        <a:bodyPr/>
+                        <a:lstStyle/>
+                        <a:p>
+                          <a:r>
+                            <a:rPr lang="en-US" dirty="0"/>
+                            <a:t>Step:</a:t>
+                          </a:r>
+                        </a:p>
+                        <a:p>
+                          <a:endParaRPr lang="en-US" dirty="0"/>
+                        </a:p>
+                        <a:p>
+                          <a:r>
+                            <a:rPr lang="en-US" dirty="0"/>
+                            <a:t>1-&gt;</a:t>
+                          </a:r>
+                          <a:r>
+                            <a:rPr lang="en-US" dirty="0">
+                              <a:solidFill>
+                                <a:srgbClr val="FF0000"/>
+                              </a:solidFill>
+                            </a:rPr>
+                            <a:t>2/5</a:t>
+                          </a:r>
+                          <a:r>
+                            <a:rPr lang="en-US" dirty="0"/>
+                            <a:t>-&gt;</a:t>
+                          </a:r>
+                          <a:r>
+                            <a:rPr lang="en-US" dirty="0">
+                              <a:solidFill>
+                                <a:srgbClr val="FF0000"/>
+                              </a:solidFill>
+                            </a:rPr>
+                            <a:t>3/6+4/7</a:t>
+                          </a:r>
+                        </a:p>
+                      </a:txBody>
+                      <a:tcPr/>
+                    </a:tc>
+                    <a:tc>
+                      <a:txBody>
+                        <a:bodyPr/>
+                        <a:lstStyle/>
+                        <a:p>
+                          <a:r>
+                            <a:rPr lang="en-US" dirty="0"/>
+                            <a:t>Step:</a:t>
+                          </a:r>
+                        </a:p>
+                        <a:p>
+                          <a:r>
+                            <a:rPr lang="en-US" dirty="0"/>
+                            <a:t>1-&gt;3/6-&gt;</a:t>
+                          </a:r>
+                          <a:r>
+                            <a:rPr lang="en-US" dirty="0">
+                              <a:solidFill>
+                                <a:srgbClr val="FF0000"/>
+                              </a:solidFill>
+                            </a:rPr>
+                            <a:t>2/5</a:t>
+                          </a:r>
+                          <a:r>
+                            <a:rPr lang="en-US" dirty="0"/>
+                            <a:t>-&gt;</a:t>
+                          </a:r>
+                          <a:r>
+                            <a:rPr lang="en-US" dirty="0">
+                              <a:solidFill>
+                                <a:srgbClr val="FF0000"/>
+                              </a:solidFill>
+                            </a:rPr>
+                            <a:t>4/7</a:t>
+                          </a:r>
+                        </a:p>
+                      </a:txBody>
+                      <a:tcPr/>
+                    </a:tc>
+                    <a:tc>
+                      <a:txBody>
+                        <a:bodyPr/>
+                        <a:lstStyle/>
+                        <a:p>
+                          <a:endParaRPr lang="en-US" dirty="0"/>
+                        </a:p>
+                      </a:txBody>
+                      <a:tcPr/>
+                    </a:tc>
+                    <a:extLst>
+                      <a:ext uri="{0D108BD9-81ED-4DB2-BD59-A6C34878D82A}">
+                        <a16:rowId xmlns:a16="http://schemas.microsoft.com/office/drawing/2014/main" val="4168554156"/>
+                      </a:ext>
+                    </a:extLst>
+                  </a:tr>
+                </a:tbl>
+              </a:graphicData>
+            </a:graphic>
+          </p:graphicFrame>
+        </mc:Fallback>
+      </mc:AlternateContent>
+      <p:sp>
+        <p:nvSpPr>
+          <p:cNvPr id="3" name="TextBox 2">
+            <a:extLst>
+              <a:ext uri="{FF2B5EF4-FFF2-40B4-BE49-F238E27FC236}">
+                <a16:creationId xmlns:a16="http://schemas.microsoft.com/office/drawing/2014/main" id="{6334F5C8-80CE-9446-A4A4-6F6D522C239E}"/>
+              </a:ext>
+            </a:extLst>
+          </p:cNvPr>
+          <p:cNvSpPr txBox="1"/>
+          <p:nvPr/>
+        </p:nvSpPr>
+        <p:spPr>
+          <a:xfrm>
+            <a:off x="11100816" y="3084697"/>
+            <a:ext cx="4888124" cy="1477328"/>
+          </a:xfrm>
+          <a:prstGeom prst="rect">
+            <a:avLst/>
+          </a:prstGeom>
+          <a:noFill/>
+          <a:ln>
+            <a:solidFill>
+              <a:schemeClr val="tx1"/>
+            </a:solidFill>
+          </a:ln>
+        </p:spPr>
+        <p:txBody>
+          <a:bodyPr wrap="square" rtlCol="0">
+            <a:spAutoFit/>
+          </a:bodyPr>
+          <a:lstStyle/>
+          <a:p>
+            <a:r>
+              <a:rPr lang="en-US" dirty="0"/>
+              <a:t>Multi-stage: </a:t>
+            </a:r>
+          </a:p>
+          <a:p>
+            <a:pPr marL="342900" indent="-342900">
+              <a:buAutoNum type="arabicPeriod"/>
+            </a:pPr>
+            <a:r>
+              <a:rPr lang="en-US" dirty="0"/>
+              <a:t>Region Proposal Selection (Selective Search)</a:t>
+            </a:r>
+          </a:p>
+          <a:p>
+            <a:pPr marL="342900" indent="-342900">
+              <a:buAutoNum type="arabicPeriod"/>
+            </a:pPr>
+            <a:r>
+              <a:rPr lang="en-US" dirty="0"/>
+              <a:t>CNN features extraction</a:t>
+            </a:r>
+          </a:p>
+          <a:p>
+            <a:pPr marL="342900" indent="-342900">
+              <a:buAutoNum type="arabicPeriod"/>
+            </a:pPr>
+            <a:r>
+              <a:rPr lang="en-US" dirty="0"/>
+              <a:t>Classification</a:t>
+            </a:r>
+          </a:p>
+          <a:p>
+            <a:pPr marL="342900" indent="-342900">
+              <a:buAutoNum type="arabicPeriod"/>
+            </a:pPr>
+            <a:r>
+              <a:rPr lang="en-US" dirty="0"/>
+              <a:t>Bounding-box Regression</a:t>
+            </a:r>
+          </a:p>
+        </p:txBody>
+      </p:sp>
+      <p:sp>
+        <p:nvSpPr>
+          <p:cNvPr id="41" name="TextBox 40">
+            <a:extLst>
+              <a:ext uri="{FF2B5EF4-FFF2-40B4-BE49-F238E27FC236}">
+                <a16:creationId xmlns:a16="http://schemas.microsoft.com/office/drawing/2014/main" id="{53017CE1-9ED8-CD42-B460-8234BA9651E5}"/>
+              </a:ext>
+            </a:extLst>
+          </p:cNvPr>
+          <p:cNvSpPr txBox="1"/>
+          <p:nvPr/>
+        </p:nvSpPr>
+        <p:spPr>
+          <a:xfrm>
+            <a:off x="11100816" y="4562025"/>
+            <a:ext cx="4888124" cy="1477328"/>
+          </a:xfrm>
+          <a:prstGeom prst="rect">
+            <a:avLst/>
+          </a:prstGeom>
+          <a:noFill/>
+          <a:ln>
+            <a:solidFill>
+              <a:schemeClr val="tx1"/>
+            </a:solidFill>
+          </a:ln>
+        </p:spPr>
+        <p:txBody>
+          <a:bodyPr wrap="square" rtlCol="0">
+            <a:spAutoFit/>
+          </a:bodyPr>
+          <a:lstStyle/>
+          <a:p>
+            <a:r>
+              <a:rPr lang="en-US" dirty="0"/>
+              <a:t>Two-stage: </a:t>
+            </a:r>
+          </a:p>
+          <a:p>
+            <a:pPr marL="342900" indent="-342900">
+              <a:buAutoNum type="arabicPeriod"/>
+            </a:pPr>
+            <a:r>
+              <a:rPr lang="en-US" dirty="0"/>
+              <a:t>Region Proposal Selection (Selective Search for Fast RCNN, RPN for Faster RCNN)</a:t>
+            </a:r>
+          </a:p>
+          <a:p>
+            <a:pPr marL="342900" indent="-342900">
+              <a:buAutoNum type="arabicPeriod"/>
+            </a:pPr>
+            <a:r>
+              <a:rPr lang="en-US" dirty="0"/>
+              <a:t>CNN features extraction for both Classification and Bounding-box Regression</a:t>
+            </a:r>
+          </a:p>
+        </p:txBody>
+      </p:sp>
     </p:spTree>
     <p:extLst>
       <p:ext uri="{BB962C8B-B14F-4D97-AF65-F5344CB8AC3E}">
@@ -5635,10 +6379,234 @@
 </p:sld>
 </file>
 
+<file path=ppt/slides/slide2.xml><?xml version="1.0" encoding="utf-8"?>
+<p:sld xmlns:a="http://schemas.openxmlformats.org/drawingml/2006/main" xmlns:r="http://schemas.openxmlformats.org/officeDocument/2006/relationships" xmlns:p="http://schemas.openxmlformats.org/presentationml/2006/main">
+  <p:cSld>
+    <p:spTree>
+      <p:nvGrpSpPr>
+        <p:cNvPr id="1" name=""/>
+        <p:cNvGrpSpPr/>
+        <p:nvPr/>
+      </p:nvGrpSpPr>
+      <p:grpSpPr>
+        <a:xfrm>
+          <a:off x="0" y="0"/>
+          <a:ext cx="0" cy="0"/>
+          <a:chOff x="0" y="0"/>
+          <a:chExt cx="0" cy="0"/>
+        </a:xfrm>
+      </p:grpSpPr>
+      <p:pic>
+        <p:nvPicPr>
+          <p:cNvPr id="5" name="Picture 4" descr="A screenshot of a social media post&#10;&#10;Description automatically generated">
+            <a:extLst>
+              <a:ext uri="{FF2B5EF4-FFF2-40B4-BE49-F238E27FC236}">
+                <a16:creationId xmlns:a16="http://schemas.microsoft.com/office/drawing/2014/main" id="{4A3FBFB5-38D5-D54D-AF81-7893246EF866}"/>
+              </a:ext>
+            </a:extLst>
+          </p:cNvPr>
+          <p:cNvPicPr>
+            <a:picLocks noChangeAspect="1"/>
+          </p:cNvPicPr>
+          <p:nvPr/>
+        </p:nvPicPr>
+        <p:blipFill>
+          <a:blip r:embed="rId2"/>
+          <a:stretch>
+            <a:fillRect/>
+          </a:stretch>
+        </p:blipFill>
+        <p:spPr>
+          <a:xfrm>
+            <a:off x="7289800" y="1270000"/>
+            <a:ext cx="4813300" cy="4318000"/>
+          </a:xfrm>
+          <a:prstGeom prst="rect">
+            <a:avLst/>
+          </a:prstGeom>
+        </p:spPr>
+      </p:pic>
+      <p:sp>
+        <p:nvSpPr>
+          <p:cNvPr id="6" name="Rectangle 5">
+            <a:extLst>
+              <a:ext uri="{FF2B5EF4-FFF2-40B4-BE49-F238E27FC236}">
+                <a16:creationId xmlns:a16="http://schemas.microsoft.com/office/drawing/2014/main" id="{A9794136-FE5C-3940-8D5F-DC6D395DA5F4}"/>
+              </a:ext>
+            </a:extLst>
+          </p:cNvPr>
+          <p:cNvSpPr/>
+          <p:nvPr/>
+        </p:nvSpPr>
+        <p:spPr>
+          <a:xfrm>
+            <a:off x="6894576" y="1133856"/>
+            <a:ext cx="2286000" cy="768096"/>
+          </a:xfrm>
+          <a:prstGeom prst="rect">
+            <a:avLst/>
+          </a:prstGeom>
+          <a:solidFill>
+            <a:schemeClr val="bg1"/>
+          </a:solidFill>
+          <a:ln>
+            <a:noFill/>
+          </a:ln>
+        </p:spPr>
+        <p:style>
+          <a:lnRef idx="2">
+            <a:schemeClr val="accent1">
+              <a:shade val="50000"/>
+            </a:schemeClr>
+          </a:lnRef>
+          <a:fillRef idx="1">
+            <a:schemeClr val="accent1"/>
+          </a:fillRef>
+          <a:effectRef idx="0">
+            <a:schemeClr val="accent1"/>
+          </a:effectRef>
+          <a:fontRef idx="minor">
+            <a:schemeClr val="lt1"/>
+          </a:fontRef>
+        </p:style>
+        <p:txBody>
+          <a:bodyPr rtlCol="0" anchor="ctr"/>
+          <a:lstStyle/>
+          <a:p>
+            <a:pPr algn="ctr"/>
+            <a:endParaRPr lang="en-US"/>
+          </a:p>
+        </p:txBody>
+      </p:sp>
+    </p:spTree>
+    <p:extLst>
+      <p:ext uri="{BB962C8B-B14F-4D97-AF65-F5344CB8AC3E}">
+        <p14:creationId xmlns:p14="http://schemas.microsoft.com/office/powerpoint/2010/main" val="2551745297"/>
+      </p:ext>
+    </p:extLst>
+  </p:cSld>
+  <p:clrMapOvr>
+    <a:masterClrMapping/>
+  </p:clrMapOvr>
+</p:sld>
+</file>
+
+<file path=ppt/slides/slide3.xml><?xml version="1.0" encoding="utf-8"?>
+<p:sld xmlns:a="http://schemas.openxmlformats.org/drawingml/2006/main" xmlns:r="http://schemas.openxmlformats.org/officeDocument/2006/relationships" xmlns:p="http://schemas.openxmlformats.org/presentationml/2006/main">
+  <p:cSld>
+    <p:spTree>
+      <p:nvGrpSpPr>
+        <p:cNvPr id="1" name=""/>
+        <p:cNvGrpSpPr/>
+        <p:nvPr/>
+      </p:nvGrpSpPr>
+      <p:grpSpPr>
+        <a:xfrm>
+          <a:off x="0" y="0"/>
+          <a:ext cx="0" cy="0"/>
+          <a:chOff x="0" y="0"/>
+          <a:chExt cx="0" cy="0"/>
+        </a:xfrm>
+      </p:grpSpPr>
+      <p:pic>
+        <p:nvPicPr>
+          <p:cNvPr id="7" name="Picture 6" descr="A map with text&#10;&#10;Description automatically generated">
+            <a:extLst>
+              <a:ext uri="{FF2B5EF4-FFF2-40B4-BE49-F238E27FC236}">
+                <a16:creationId xmlns:a16="http://schemas.microsoft.com/office/drawing/2014/main" id="{FE81EA9D-0230-E347-A59D-4DAB68D1FFE5}"/>
+              </a:ext>
+            </a:extLst>
+          </p:cNvPr>
+          <p:cNvPicPr>
+            <a:picLocks noChangeAspect="1"/>
+          </p:cNvPicPr>
+          <p:nvPr/>
+        </p:nvPicPr>
+        <p:blipFill>
+          <a:blip r:embed="rId2"/>
+          <a:stretch>
+            <a:fillRect/>
+          </a:stretch>
+        </p:blipFill>
+        <p:spPr>
+          <a:xfrm>
+            <a:off x="5461000" y="723900"/>
+            <a:ext cx="8470900" cy="5410200"/>
+          </a:xfrm>
+          <a:prstGeom prst="rect">
+            <a:avLst/>
+          </a:prstGeom>
+        </p:spPr>
+      </p:pic>
+      <p:sp>
+        <p:nvSpPr>
+          <p:cNvPr id="8" name="Rectangle 7">
+            <a:extLst>
+              <a:ext uri="{FF2B5EF4-FFF2-40B4-BE49-F238E27FC236}">
+                <a16:creationId xmlns:a16="http://schemas.microsoft.com/office/drawing/2014/main" id="{106FF057-B72C-6842-8220-69092FB76EA1}"/>
+              </a:ext>
+            </a:extLst>
+          </p:cNvPr>
+          <p:cNvSpPr/>
+          <p:nvPr/>
+        </p:nvSpPr>
+        <p:spPr>
+          <a:xfrm>
+            <a:off x="5461000" y="723900"/>
+            <a:ext cx="2286000" cy="768096"/>
+          </a:xfrm>
+          <a:prstGeom prst="rect">
+            <a:avLst/>
+          </a:prstGeom>
+          <a:solidFill>
+            <a:schemeClr val="bg1"/>
+          </a:solidFill>
+          <a:ln>
+            <a:noFill/>
+          </a:ln>
+        </p:spPr>
+        <p:style>
+          <a:lnRef idx="2">
+            <a:schemeClr val="accent1">
+              <a:shade val="50000"/>
+            </a:schemeClr>
+          </a:lnRef>
+          <a:fillRef idx="1">
+            <a:schemeClr val="accent1"/>
+          </a:fillRef>
+          <a:effectRef idx="0">
+            <a:schemeClr val="accent1"/>
+          </a:effectRef>
+          <a:fontRef idx="minor">
+            <a:schemeClr val="lt1"/>
+          </a:fontRef>
+        </p:style>
+        <p:txBody>
+          <a:bodyPr rtlCol="0" anchor="ctr"/>
+          <a:lstStyle/>
+          <a:p>
+            <a:pPr algn="ctr"/>
+            <a:endParaRPr lang="en-US"/>
+          </a:p>
+        </p:txBody>
+      </p:sp>
+    </p:spTree>
+    <p:extLst>
+      <p:ext uri="{BB962C8B-B14F-4D97-AF65-F5344CB8AC3E}">
+        <p14:creationId xmlns:p14="http://schemas.microsoft.com/office/powerpoint/2010/main" val="4153154301"/>
+      </p:ext>
+    </p:extLst>
+  </p:cSld>
+  <p:clrMapOvr>
+    <a:masterClrMapping/>
+  </p:clrMapOvr>
+</p:sld>
+</file>
+
 <file path=ppt/theme/theme1.xml><?xml version="1.0" encoding="utf-8"?>
 <a:theme xmlns:a="http://schemas.openxmlformats.org/drawingml/2006/main" name="Office Theme">
   <a:themeElements>
-    <a:clrScheme name="Office">
+    <a:clrScheme name="Office Theme">
       <a:dk1>
         <a:sysClr val="windowText" lastClr="000000"/>
       </a:dk1>
@@ -5676,7 +6644,7 @@
         <a:srgbClr val="954F72"/>
       </a:folHlink>
     </a:clrScheme>
-    <a:fontScheme name="Office">
+    <a:fontScheme name="Office Theme">
       <a:majorFont>
         <a:latin typeface="Calibri Light" panose="020F0302020204030204"/>
         <a:ea typeface=""/>
@@ -5711,23 +6679,6 @@
         <a:font script="Viet" typeface="Times New Roman"/>
         <a:font script="Uigh" typeface="Microsoft Uighur"/>
         <a:font script="Geor" typeface="Sylfaen"/>
-        <a:font script="Armn" typeface="Arial"/>
-        <a:font script="Bugi" typeface="Leelawadee UI"/>
-        <a:font script="Bopo" typeface="Microsoft JhengHei"/>
-        <a:font script="Java" typeface="Javanese Text"/>
-        <a:font script="Lisu" typeface="Segoe UI"/>
-        <a:font script="Mymr" typeface="Myanmar Text"/>
-        <a:font script="Nkoo" typeface="Ebrima"/>
-        <a:font script="Olck" typeface="Nirmala UI"/>
-        <a:font script="Osma" typeface="Ebrima"/>
-        <a:font script="Phag" typeface="Phagspa"/>
-        <a:font script="Syrn" typeface="Estrangelo Edessa"/>
-        <a:font script="Syrj" typeface="Estrangelo Edessa"/>
-        <a:font script="Syre" typeface="Estrangelo Edessa"/>
-        <a:font script="Sora" typeface="Nirmala UI"/>
-        <a:font script="Tale" typeface="Microsoft Tai Le"/>
-        <a:font script="Talu" typeface="Microsoft New Tai Lue"/>
-        <a:font script="Tfng" typeface="Ebrima"/>
       </a:majorFont>
       <a:minorFont>
         <a:latin typeface="Calibri" panose="020F0502020204030204"/>
@@ -5763,26 +6714,9 @@
         <a:font script="Viet" typeface="Arial"/>
         <a:font script="Uigh" typeface="Microsoft Uighur"/>
         <a:font script="Geor" typeface="Sylfaen"/>
-        <a:font script="Armn" typeface="Arial"/>
-        <a:font script="Bugi" typeface="Leelawadee UI"/>
-        <a:font script="Bopo" typeface="Microsoft JhengHei"/>
-        <a:font script="Java" typeface="Javanese Text"/>
-        <a:font script="Lisu" typeface="Segoe UI"/>
-        <a:font script="Mymr" typeface="Myanmar Text"/>
-        <a:font script="Nkoo" typeface="Ebrima"/>
-        <a:font script="Olck" typeface="Nirmala UI"/>
-        <a:font script="Osma" typeface="Ebrima"/>
-        <a:font script="Phag" typeface="Phagspa"/>
-        <a:font script="Syrn" typeface="Estrangelo Edessa"/>
-        <a:font script="Syrj" typeface="Estrangelo Edessa"/>
-        <a:font script="Syre" typeface="Estrangelo Edessa"/>
-        <a:font script="Sora" typeface="Nirmala UI"/>
-        <a:font script="Tale" typeface="Microsoft Tai Le"/>
-        <a:font script="Talu" typeface="Microsoft New Tai Lue"/>
-        <a:font script="Tfng" typeface="Ebrima"/>
       </a:minorFont>
     </a:fontScheme>
-    <a:fmtScheme name="Office">
+    <a:fmtScheme name="Office Theme">
       <a:fillStyleLst>
         <a:solidFill>
           <a:schemeClr val="phClr"/>

--- a/content/post/post_ppt.pptx
+++ b/content/post/post_ppt.pptx
@@ -8,6 +8,7 @@
     <p:sldId id="256" r:id="rId2"/>
     <p:sldId id="257" r:id="rId3"/>
     <p:sldId id="258" r:id="rId4"/>
+    <p:sldId id="259" r:id="rId5"/>
   </p:sldIdLst>
   <p:sldSz cx="19392900" cy="6858000"/>
   <p:notesSz cx="6858000" cy="9144000"/>
@@ -245,7 +246,7 @@
           <a:p>
             <a:fld id="{AEE0242F-9983-5646-A2FB-42C1A5B688B5}" type="datetimeFigureOut">
               <a:rPr lang="en-US" smtClean="0"/>
-              <a:t>1/11/20</a:t>
+              <a:t>1/12/20</a:t>
             </a:fld>
             <a:endParaRPr lang="en-US"/>
           </a:p>
@@ -415,7 +416,7 @@
           <a:p>
             <a:fld id="{AEE0242F-9983-5646-A2FB-42C1A5B688B5}" type="datetimeFigureOut">
               <a:rPr lang="en-US" smtClean="0"/>
-              <a:t>1/11/20</a:t>
+              <a:t>1/12/20</a:t>
             </a:fld>
             <a:endParaRPr lang="en-US"/>
           </a:p>
@@ -595,7 +596,7 @@
           <a:p>
             <a:fld id="{AEE0242F-9983-5646-A2FB-42C1A5B688B5}" type="datetimeFigureOut">
               <a:rPr lang="en-US" smtClean="0"/>
-              <a:t>1/11/20</a:t>
+              <a:t>1/12/20</a:t>
             </a:fld>
             <a:endParaRPr lang="en-US"/>
           </a:p>
@@ -765,7 +766,7 @@
           <a:p>
             <a:fld id="{AEE0242F-9983-5646-A2FB-42C1A5B688B5}" type="datetimeFigureOut">
               <a:rPr lang="en-US" smtClean="0"/>
-              <a:t>1/11/20</a:t>
+              <a:t>1/12/20</a:t>
             </a:fld>
             <a:endParaRPr lang="en-US"/>
           </a:p>
@@ -1011,7 +1012,7 @@
           <a:p>
             <a:fld id="{AEE0242F-9983-5646-A2FB-42C1A5B688B5}" type="datetimeFigureOut">
               <a:rPr lang="en-US" smtClean="0"/>
-              <a:t>1/11/20</a:t>
+              <a:t>1/12/20</a:t>
             </a:fld>
             <a:endParaRPr lang="en-US"/>
           </a:p>
@@ -1243,7 +1244,7 @@
           <a:p>
             <a:fld id="{AEE0242F-9983-5646-A2FB-42C1A5B688B5}" type="datetimeFigureOut">
               <a:rPr lang="en-US" smtClean="0"/>
-              <a:t>1/11/20</a:t>
+              <a:t>1/12/20</a:t>
             </a:fld>
             <a:endParaRPr lang="en-US"/>
           </a:p>
@@ -1610,7 +1611,7 @@
           <a:p>
             <a:fld id="{AEE0242F-9983-5646-A2FB-42C1A5B688B5}" type="datetimeFigureOut">
               <a:rPr lang="en-US" smtClean="0"/>
-              <a:t>1/11/20</a:t>
+              <a:t>1/12/20</a:t>
             </a:fld>
             <a:endParaRPr lang="en-US"/>
           </a:p>
@@ -1728,7 +1729,7 @@
           <a:p>
             <a:fld id="{AEE0242F-9983-5646-A2FB-42C1A5B688B5}" type="datetimeFigureOut">
               <a:rPr lang="en-US" smtClean="0"/>
-              <a:t>1/11/20</a:t>
+              <a:t>1/12/20</a:t>
             </a:fld>
             <a:endParaRPr lang="en-US"/>
           </a:p>
@@ -1823,7 +1824,7 @@
           <a:p>
             <a:fld id="{AEE0242F-9983-5646-A2FB-42C1A5B688B5}" type="datetimeFigureOut">
               <a:rPr lang="en-US" smtClean="0"/>
-              <a:t>1/11/20</a:t>
+              <a:t>1/12/20</a:t>
             </a:fld>
             <a:endParaRPr lang="en-US"/>
           </a:p>
@@ -2100,7 +2101,7 @@
           <a:p>
             <a:fld id="{AEE0242F-9983-5646-A2FB-42C1A5B688B5}" type="datetimeFigureOut">
               <a:rPr lang="en-US" smtClean="0"/>
-              <a:t>1/11/20</a:t>
+              <a:t>1/12/20</a:t>
             </a:fld>
             <a:endParaRPr lang="en-US"/>
           </a:p>
@@ -2357,7 +2358,7 @@
           <a:p>
             <a:fld id="{AEE0242F-9983-5646-A2FB-42C1A5B688B5}" type="datetimeFigureOut">
               <a:rPr lang="en-US" smtClean="0"/>
-              <a:t>1/11/20</a:t>
+              <a:t>1/12/20</a:t>
             </a:fld>
             <a:endParaRPr lang="en-US"/>
           </a:p>
@@ -2570,7 +2571,7 @@
           <a:p>
             <a:fld id="{AEE0242F-9983-5646-A2FB-42C1A5B688B5}" type="datetimeFigureOut">
               <a:rPr lang="en-US" smtClean="0"/>
-              <a:t>1/11/20</a:t>
+              <a:t>1/12/20</a:t>
             </a:fld>
             <a:endParaRPr lang="en-US"/>
           </a:p>
@@ -4694,8 +4695,8 @@
           </a:p>
         </p:txBody>
       </p:sp>
-      <mc:AlternateContent xmlns:mc="http://schemas.openxmlformats.org/markup-compatibility/2006">
-        <mc:Choice xmlns:a14="http://schemas.microsoft.com/office/drawing/2010/main" Requires="a14">
+      <mc:AlternateContent xmlns:mc="http://schemas.openxmlformats.org/markup-compatibility/2006" xmlns:a14="http://schemas.microsoft.com/office/drawing/2010/main">
+        <mc:Choice Requires="a14">
           <p:sp>
             <p:nvSpPr>
               <p:cNvPr id="82" name="TextBox 81">
@@ -5035,7 +5036,7 @@
             </p:txBody>
           </p:sp>
         </mc:Choice>
-        <mc:Fallback>
+        <mc:Fallback xmlns="">
           <p:sp>
             <p:nvSpPr>
               <p:cNvPr id="82" name="TextBox 81">
@@ -5256,8 +5257,8 @@
           </a:fontRef>
         </p:style>
       </p:cxnSp>
-      <mc:AlternateContent xmlns:mc="http://schemas.openxmlformats.org/markup-compatibility/2006">
-        <mc:Choice xmlns:a14="http://schemas.microsoft.com/office/drawing/2010/main" Requires="a14">
+      <mc:AlternateContent xmlns:mc="http://schemas.openxmlformats.org/markup-compatibility/2006" xmlns:a14="http://schemas.microsoft.com/office/drawing/2010/main">
+        <mc:Choice Requires="a14">
           <p:graphicFrame>
             <p:nvGraphicFramePr>
               <p:cNvPr id="2" name="Table 1">
@@ -5856,7 +5857,7 @@
             </a:graphic>
           </p:graphicFrame>
         </mc:Choice>
-        <mc:Fallback>
+        <mc:Fallback xmlns="">
           <p:graphicFrame>
             <p:nvGraphicFramePr>
               <p:cNvPr id="2" name="Table 1">
@@ -6603,6 +6604,775 @@
 </p:sld>
 </file>
 
+<file path=ppt/slides/slide4.xml><?xml version="1.0" encoding="utf-8"?>
+<p:sld xmlns:a="http://schemas.openxmlformats.org/drawingml/2006/main" xmlns:r="http://schemas.openxmlformats.org/officeDocument/2006/relationships" xmlns:p="http://schemas.openxmlformats.org/presentationml/2006/main">
+  <p:cSld>
+    <p:spTree>
+      <p:nvGrpSpPr>
+        <p:cNvPr id="1" name=""/>
+        <p:cNvGrpSpPr/>
+        <p:nvPr/>
+      </p:nvGrpSpPr>
+      <p:grpSpPr>
+        <a:xfrm>
+          <a:off x="0" y="0"/>
+          <a:ext cx="0" cy="0"/>
+          <a:chOff x="0" y="0"/>
+          <a:chExt cx="0" cy="0"/>
+        </a:xfrm>
+      </p:grpSpPr>
+      <p:sp>
+        <p:nvSpPr>
+          <p:cNvPr id="4" name="Rectangle 3">
+            <a:extLst>
+              <a:ext uri="{FF2B5EF4-FFF2-40B4-BE49-F238E27FC236}">
+                <a16:creationId xmlns:a16="http://schemas.microsoft.com/office/drawing/2014/main" id="{7DAF85E2-0E8F-764C-ACA1-BBF4C636B00D}"/>
+              </a:ext>
+            </a:extLst>
+          </p:cNvPr>
+          <p:cNvSpPr/>
+          <p:nvPr/>
+        </p:nvSpPr>
+        <p:spPr>
+          <a:xfrm>
+            <a:off x="2532185" y="1459522"/>
+            <a:ext cx="2880000" cy="2880000"/>
+          </a:xfrm>
+          <a:prstGeom prst="rect">
+            <a:avLst/>
+          </a:prstGeom>
+          <a:noFill/>
+          <a:ln w="28575">
+            <a:solidFill>
+              <a:schemeClr val="tx1"/>
+            </a:solidFill>
+            <a:prstDash val="sysDash"/>
+          </a:ln>
+        </p:spPr>
+        <p:style>
+          <a:lnRef idx="2">
+            <a:schemeClr val="accent1">
+              <a:shade val="50000"/>
+            </a:schemeClr>
+          </a:lnRef>
+          <a:fillRef idx="1">
+            <a:schemeClr val="accent1"/>
+          </a:fillRef>
+          <a:effectRef idx="0">
+            <a:schemeClr val="accent1"/>
+          </a:effectRef>
+          <a:fontRef idx="minor">
+            <a:schemeClr val="lt1"/>
+          </a:fontRef>
+        </p:style>
+        <p:txBody>
+          <a:bodyPr rtlCol="0" anchor="ctr"/>
+          <a:lstStyle/>
+          <a:p>
+            <a:pPr algn="ctr"/>
+            <a:endParaRPr lang="en-US"/>
+          </a:p>
+        </p:txBody>
+      </p:sp>
+      <p:sp>
+        <p:nvSpPr>
+          <p:cNvPr id="5" name="TextBox 4">
+            <a:extLst>
+              <a:ext uri="{FF2B5EF4-FFF2-40B4-BE49-F238E27FC236}">
+                <a16:creationId xmlns:a16="http://schemas.microsoft.com/office/drawing/2014/main" id="{554E0F6B-2770-704A-950D-33749E4DF993}"/>
+              </a:ext>
+            </a:extLst>
+          </p:cNvPr>
+          <p:cNvSpPr txBox="1"/>
+          <p:nvPr/>
+        </p:nvSpPr>
+        <p:spPr>
+          <a:xfrm>
+            <a:off x="1828800" y="997857"/>
+            <a:ext cx="1002323" cy="461665"/>
+          </a:xfrm>
+          <a:prstGeom prst="rect">
+            <a:avLst/>
+          </a:prstGeom>
+          <a:noFill/>
+        </p:spPr>
+        <p:txBody>
+          <a:bodyPr wrap="square" rtlCol="0">
+            <a:spAutoFit/>
+          </a:bodyPr>
+          <a:lstStyle/>
+          <a:p>
+            <a:pPr algn="ctr"/>
+            <a:r>
+              <a:rPr lang="en-US" sz="2400" dirty="0">
+                <a:latin typeface="Times New Roman" panose="02020603050405020304" pitchFamily="18" charset="0"/>
+                <a:cs typeface="Times New Roman" panose="02020603050405020304" pitchFamily="18" charset="0"/>
+              </a:rPr>
+              <a:t>(2,17)</a:t>
+            </a:r>
+          </a:p>
+        </p:txBody>
+      </p:sp>
+      <p:sp>
+        <p:nvSpPr>
+          <p:cNvPr id="6" name="TextBox 5">
+            <a:extLst>
+              <a:ext uri="{FF2B5EF4-FFF2-40B4-BE49-F238E27FC236}">
+                <a16:creationId xmlns:a16="http://schemas.microsoft.com/office/drawing/2014/main" id="{05BE694D-63BC-554C-AAC0-BF78EFE1815A}"/>
+              </a:ext>
+            </a:extLst>
+          </p:cNvPr>
+          <p:cNvSpPr txBox="1"/>
+          <p:nvPr/>
+        </p:nvSpPr>
+        <p:spPr>
+          <a:xfrm>
+            <a:off x="5113247" y="4339522"/>
+            <a:ext cx="1002323" cy="461665"/>
+          </a:xfrm>
+          <a:prstGeom prst="rect">
+            <a:avLst/>
+          </a:prstGeom>
+          <a:noFill/>
+        </p:spPr>
+        <p:txBody>
+          <a:bodyPr wrap="square" rtlCol="0">
+            <a:spAutoFit/>
+          </a:bodyPr>
+          <a:lstStyle/>
+          <a:p>
+            <a:pPr algn="ctr"/>
+            <a:r>
+              <a:rPr lang="en-US" sz="2400" dirty="0">
+                <a:latin typeface="Times New Roman" panose="02020603050405020304" pitchFamily="18" charset="0"/>
+                <a:cs typeface="Times New Roman" panose="02020603050405020304" pitchFamily="18" charset="0"/>
+              </a:rPr>
+              <a:t>(3,18)</a:t>
+            </a:r>
+          </a:p>
+        </p:txBody>
+      </p:sp>
+      <p:sp>
+        <p:nvSpPr>
+          <p:cNvPr id="7" name="Connector 6">
+            <a:extLst>
+              <a:ext uri="{FF2B5EF4-FFF2-40B4-BE49-F238E27FC236}">
+                <a16:creationId xmlns:a16="http://schemas.microsoft.com/office/drawing/2014/main" id="{3481AD51-5212-5E49-9993-CBAE801AF2D3}"/>
+              </a:ext>
+            </a:extLst>
+          </p:cNvPr>
+          <p:cNvSpPr/>
+          <p:nvPr/>
+        </p:nvSpPr>
+        <p:spPr>
+          <a:xfrm>
+            <a:off x="3481754" y="3378322"/>
+            <a:ext cx="180000" cy="180000"/>
+          </a:xfrm>
+          <a:prstGeom prst="flowChartConnector">
+            <a:avLst/>
+          </a:prstGeom>
+          <a:solidFill>
+            <a:schemeClr val="tx1"/>
+          </a:solidFill>
+          <a:ln>
+            <a:noFill/>
+          </a:ln>
+        </p:spPr>
+        <p:style>
+          <a:lnRef idx="2">
+            <a:schemeClr val="accent1">
+              <a:shade val="50000"/>
+            </a:schemeClr>
+          </a:lnRef>
+          <a:fillRef idx="1">
+            <a:schemeClr val="accent1"/>
+          </a:fillRef>
+          <a:effectRef idx="0">
+            <a:schemeClr val="accent1"/>
+          </a:effectRef>
+          <a:fontRef idx="minor">
+            <a:schemeClr val="lt1"/>
+          </a:fontRef>
+        </p:style>
+        <p:txBody>
+          <a:bodyPr rtlCol="0" anchor="ctr"/>
+          <a:lstStyle/>
+          <a:p>
+            <a:pPr algn="ctr"/>
+            <a:endParaRPr lang="en-US"/>
+          </a:p>
+        </p:txBody>
+      </p:sp>
+      <p:cxnSp>
+        <p:nvCxnSpPr>
+          <p:cNvPr id="9" name="Straight Connector 8">
+            <a:extLst>
+              <a:ext uri="{FF2B5EF4-FFF2-40B4-BE49-F238E27FC236}">
+                <a16:creationId xmlns:a16="http://schemas.microsoft.com/office/drawing/2014/main" id="{E6728846-31C3-BE40-80A4-0F825473390B}"/>
+              </a:ext>
+            </a:extLst>
+          </p:cNvPr>
+          <p:cNvCxnSpPr>
+            <a:cxnSpLocks/>
+          </p:cNvCxnSpPr>
+          <p:nvPr/>
+        </p:nvCxnSpPr>
+        <p:spPr>
+          <a:xfrm>
+            <a:off x="2532185" y="3468322"/>
+            <a:ext cx="2880000" cy="0"/>
+          </a:xfrm>
+          <a:prstGeom prst="line">
+            <a:avLst/>
+          </a:prstGeom>
+          <a:ln w="28575">
+            <a:solidFill>
+              <a:schemeClr val="tx1"/>
+            </a:solidFill>
+            <a:prstDash val="solid"/>
+          </a:ln>
+        </p:spPr>
+        <p:style>
+          <a:lnRef idx="1">
+            <a:schemeClr val="accent1"/>
+          </a:lnRef>
+          <a:fillRef idx="0">
+            <a:schemeClr val="accent1"/>
+          </a:fillRef>
+          <a:effectRef idx="0">
+            <a:schemeClr val="accent1"/>
+          </a:effectRef>
+          <a:fontRef idx="minor">
+            <a:schemeClr val="tx1"/>
+          </a:fontRef>
+        </p:style>
+      </p:cxnSp>
+      <p:cxnSp>
+        <p:nvCxnSpPr>
+          <p:cNvPr id="11" name="Straight Connector 10">
+            <a:extLst>
+              <a:ext uri="{FF2B5EF4-FFF2-40B4-BE49-F238E27FC236}">
+                <a16:creationId xmlns:a16="http://schemas.microsoft.com/office/drawing/2014/main" id="{FDB18634-BF88-D940-B039-5030EFAAA1CC}"/>
+              </a:ext>
+            </a:extLst>
+          </p:cNvPr>
+          <p:cNvCxnSpPr>
+            <a:cxnSpLocks/>
+          </p:cNvCxnSpPr>
+          <p:nvPr/>
+        </p:nvCxnSpPr>
+        <p:spPr>
+          <a:xfrm>
+            <a:off x="3569679" y="1459522"/>
+            <a:ext cx="0" cy="2880000"/>
+          </a:xfrm>
+          <a:prstGeom prst="line">
+            <a:avLst/>
+          </a:prstGeom>
+          <a:ln w="28575">
+            <a:solidFill>
+              <a:schemeClr val="tx1"/>
+            </a:solidFill>
+            <a:prstDash val="solid"/>
+          </a:ln>
+        </p:spPr>
+        <p:style>
+          <a:lnRef idx="1">
+            <a:schemeClr val="accent1"/>
+          </a:lnRef>
+          <a:fillRef idx="0">
+            <a:schemeClr val="accent1"/>
+          </a:fillRef>
+          <a:effectRef idx="0">
+            <a:schemeClr val="accent1"/>
+          </a:effectRef>
+          <a:fontRef idx="minor">
+            <a:schemeClr val="tx1"/>
+          </a:fontRef>
+        </p:style>
+      </p:cxnSp>
+      <p:sp>
+        <p:nvSpPr>
+          <p:cNvPr id="14" name="TextBox 13">
+            <a:extLst>
+              <a:ext uri="{FF2B5EF4-FFF2-40B4-BE49-F238E27FC236}">
+                <a16:creationId xmlns:a16="http://schemas.microsoft.com/office/drawing/2014/main" id="{592CC3BD-EC05-6743-959C-FB2C15D0FA30}"/>
+              </a:ext>
+            </a:extLst>
+          </p:cNvPr>
+          <p:cNvSpPr txBox="1"/>
+          <p:nvPr/>
+        </p:nvSpPr>
+        <p:spPr>
+          <a:xfrm>
+            <a:off x="3481754" y="2947673"/>
+            <a:ext cx="2620864" cy="461665"/>
+          </a:xfrm>
+          <a:prstGeom prst="rect">
+            <a:avLst/>
+          </a:prstGeom>
+          <a:noFill/>
+        </p:spPr>
+        <p:txBody>
+          <a:bodyPr wrap="square" rtlCol="0">
+            <a:spAutoFit/>
+          </a:bodyPr>
+          <a:lstStyle/>
+          <a:p>
+            <a:pPr algn="ctr"/>
+            <a:r>
+              <a:rPr lang="en-US" sz="2400" dirty="0">
+                <a:latin typeface="Times New Roman" panose="02020603050405020304" pitchFamily="18" charset="0"/>
+                <a:cs typeface="Times New Roman" panose="02020603050405020304" pitchFamily="18" charset="0"/>
+              </a:rPr>
+              <a:t>(2.3995,17.76325)</a:t>
+            </a:r>
+          </a:p>
+        </p:txBody>
+      </p:sp>
+      <p:sp>
+        <p:nvSpPr>
+          <p:cNvPr id="15" name="TextBox 14">
+            <a:extLst>
+              <a:ext uri="{FF2B5EF4-FFF2-40B4-BE49-F238E27FC236}">
+                <a16:creationId xmlns:a16="http://schemas.microsoft.com/office/drawing/2014/main" id="{4136B778-D24E-374D-82C7-C59B699B9215}"/>
+              </a:ext>
+            </a:extLst>
+          </p:cNvPr>
+          <p:cNvSpPr txBox="1"/>
+          <p:nvPr/>
+        </p:nvSpPr>
+        <p:spPr>
+          <a:xfrm>
+            <a:off x="1828799" y="4339521"/>
+            <a:ext cx="1002323" cy="461665"/>
+          </a:xfrm>
+          <a:prstGeom prst="rect">
+            <a:avLst/>
+          </a:prstGeom>
+          <a:noFill/>
+        </p:spPr>
+        <p:txBody>
+          <a:bodyPr wrap="square" rtlCol="0">
+            <a:spAutoFit/>
+          </a:bodyPr>
+          <a:lstStyle/>
+          <a:p>
+            <a:pPr algn="ctr"/>
+            <a:r>
+              <a:rPr lang="en-US" sz="2400" dirty="0">
+                <a:latin typeface="Times New Roman" panose="02020603050405020304" pitchFamily="18" charset="0"/>
+                <a:cs typeface="Times New Roman" panose="02020603050405020304" pitchFamily="18" charset="0"/>
+              </a:rPr>
+              <a:t>(2,18)</a:t>
+            </a:r>
+          </a:p>
+        </p:txBody>
+      </p:sp>
+      <p:sp>
+        <p:nvSpPr>
+          <p:cNvPr id="16" name="TextBox 15">
+            <a:extLst>
+              <a:ext uri="{FF2B5EF4-FFF2-40B4-BE49-F238E27FC236}">
+                <a16:creationId xmlns:a16="http://schemas.microsoft.com/office/drawing/2014/main" id="{8E3B64B2-4868-194E-93B5-1F87D58DDCE4}"/>
+              </a:ext>
+            </a:extLst>
+          </p:cNvPr>
+          <p:cNvSpPr txBox="1"/>
+          <p:nvPr/>
+        </p:nvSpPr>
+        <p:spPr>
+          <a:xfrm>
+            <a:off x="5109371" y="997856"/>
+            <a:ext cx="1002323" cy="461665"/>
+          </a:xfrm>
+          <a:prstGeom prst="rect">
+            <a:avLst/>
+          </a:prstGeom>
+          <a:noFill/>
+        </p:spPr>
+        <p:txBody>
+          <a:bodyPr wrap="square" rtlCol="0">
+            <a:spAutoFit/>
+          </a:bodyPr>
+          <a:lstStyle/>
+          <a:p>
+            <a:pPr algn="ctr"/>
+            <a:r>
+              <a:rPr lang="en-US" sz="2400" dirty="0">
+                <a:latin typeface="Times New Roman" panose="02020603050405020304" pitchFamily="18" charset="0"/>
+                <a:cs typeface="Times New Roman" panose="02020603050405020304" pitchFamily="18" charset="0"/>
+              </a:rPr>
+              <a:t>(3,17)</a:t>
+            </a:r>
+          </a:p>
+        </p:txBody>
+      </p:sp>
+      <p:sp>
+        <p:nvSpPr>
+          <p:cNvPr id="18" name="TextBox 17">
+            <a:extLst>
+              <a:ext uri="{FF2B5EF4-FFF2-40B4-BE49-F238E27FC236}">
+                <a16:creationId xmlns:a16="http://schemas.microsoft.com/office/drawing/2014/main" id="{CE61A8DB-F267-C646-85B2-E90F130603DE}"/>
+              </a:ext>
+            </a:extLst>
+          </p:cNvPr>
+          <p:cNvSpPr txBox="1"/>
+          <p:nvPr/>
+        </p:nvSpPr>
+        <p:spPr>
+          <a:xfrm>
+            <a:off x="2523393" y="2275715"/>
+            <a:ext cx="1002323" cy="461665"/>
+          </a:xfrm>
+          <a:prstGeom prst="rect">
+            <a:avLst/>
+          </a:prstGeom>
+          <a:noFill/>
+        </p:spPr>
+        <p:txBody>
+          <a:bodyPr wrap="square" rtlCol="0">
+            <a:spAutoFit/>
+          </a:bodyPr>
+          <a:lstStyle/>
+          <a:p>
+            <a:pPr algn="ctr"/>
+            <a:r>
+              <a:rPr lang="en-US" sz="2400" dirty="0">
+                <a:latin typeface="Times New Roman" panose="02020603050405020304" pitchFamily="18" charset="0"/>
+                <a:cs typeface="Times New Roman" panose="02020603050405020304" pitchFamily="18" charset="0"/>
+              </a:rPr>
+              <a:t>area0</a:t>
+            </a:r>
+          </a:p>
+        </p:txBody>
+      </p:sp>
+      <p:sp>
+        <p:nvSpPr>
+          <p:cNvPr id="19" name="TextBox 18">
+            <a:extLst>
+              <a:ext uri="{FF2B5EF4-FFF2-40B4-BE49-F238E27FC236}">
+                <a16:creationId xmlns:a16="http://schemas.microsoft.com/office/drawing/2014/main" id="{D5116698-38BE-FC4B-835C-625B9B3EF872}"/>
+              </a:ext>
+            </a:extLst>
+          </p:cNvPr>
+          <p:cNvSpPr txBox="1"/>
+          <p:nvPr/>
+        </p:nvSpPr>
+        <p:spPr>
+          <a:xfrm>
+            <a:off x="2532185" y="3676517"/>
+            <a:ext cx="1002323" cy="461665"/>
+          </a:xfrm>
+          <a:prstGeom prst="rect">
+            <a:avLst/>
+          </a:prstGeom>
+          <a:noFill/>
+        </p:spPr>
+        <p:txBody>
+          <a:bodyPr wrap="square" rtlCol="0">
+            <a:spAutoFit/>
+          </a:bodyPr>
+          <a:lstStyle/>
+          <a:p>
+            <a:pPr algn="ctr"/>
+            <a:r>
+              <a:rPr lang="en-US" sz="2400" dirty="0">
+                <a:latin typeface="Times New Roman" panose="02020603050405020304" pitchFamily="18" charset="0"/>
+                <a:cs typeface="Times New Roman" panose="02020603050405020304" pitchFamily="18" charset="0"/>
+              </a:rPr>
+              <a:t>area2</a:t>
+            </a:r>
+          </a:p>
+        </p:txBody>
+      </p:sp>
+      <p:sp>
+        <p:nvSpPr>
+          <p:cNvPr id="20" name="TextBox 19">
+            <a:extLst>
+              <a:ext uri="{FF2B5EF4-FFF2-40B4-BE49-F238E27FC236}">
+                <a16:creationId xmlns:a16="http://schemas.microsoft.com/office/drawing/2014/main" id="{047A2060-DB48-014F-96F3-25A14EBA6CDE}"/>
+              </a:ext>
+            </a:extLst>
+          </p:cNvPr>
+          <p:cNvSpPr txBox="1"/>
+          <p:nvPr/>
+        </p:nvSpPr>
+        <p:spPr>
+          <a:xfrm>
+            <a:off x="3989771" y="2275715"/>
+            <a:ext cx="1002323" cy="461665"/>
+          </a:xfrm>
+          <a:prstGeom prst="rect">
+            <a:avLst/>
+          </a:prstGeom>
+          <a:noFill/>
+        </p:spPr>
+        <p:txBody>
+          <a:bodyPr wrap="square" rtlCol="0">
+            <a:spAutoFit/>
+          </a:bodyPr>
+          <a:lstStyle/>
+          <a:p>
+            <a:pPr algn="ctr"/>
+            <a:r>
+              <a:rPr lang="en-US" sz="2400" dirty="0">
+                <a:latin typeface="Times New Roman" panose="02020603050405020304" pitchFamily="18" charset="0"/>
+                <a:cs typeface="Times New Roman" panose="02020603050405020304" pitchFamily="18" charset="0"/>
+              </a:rPr>
+              <a:t>area1</a:t>
+            </a:r>
+          </a:p>
+        </p:txBody>
+      </p:sp>
+      <p:sp>
+        <p:nvSpPr>
+          <p:cNvPr id="21" name="TextBox 20">
+            <a:extLst>
+              <a:ext uri="{FF2B5EF4-FFF2-40B4-BE49-F238E27FC236}">
+                <a16:creationId xmlns:a16="http://schemas.microsoft.com/office/drawing/2014/main" id="{D305962B-0397-6840-B267-43687F11173E}"/>
+              </a:ext>
+            </a:extLst>
+          </p:cNvPr>
+          <p:cNvSpPr txBox="1"/>
+          <p:nvPr/>
+        </p:nvSpPr>
+        <p:spPr>
+          <a:xfrm>
+            <a:off x="3989771" y="3676517"/>
+            <a:ext cx="1002323" cy="461665"/>
+          </a:xfrm>
+          <a:prstGeom prst="rect">
+            <a:avLst/>
+          </a:prstGeom>
+          <a:noFill/>
+        </p:spPr>
+        <p:txBody>
+          <a:bodyPr wrap="square" rtlCol="0">
+            <a:spAutoFit/>
+          </a:bodyPr>
+          <a:lstStyle/>
+          <a:p>
+            <a:pPr algn="ctr"/>
+            <a:r>
+              <a:rPr lang="en-US" sz="2400" dirty="0">
+                <a:latin typeface="Times New Roman" panose="02020603050405020304" pitchFamily="18" charset="0"/>
+                <a:cs typeface="Times New Roman" panose="02020603050405020304" pitchFamily="18" charset="0"/>
+              </a:rPr>
+              <a:t>area3</a:t>
+            </a:r>
+          </a:p>
+        </p:txBody>
+      </p:sp>
+      <p:sp>
+        <p:nvSpPr>
+          <p:cNvPr id="22" name="TextBox 21">
+            <a:extLst>
+              <a:ext uri="{FF2B5EF4-FFF2-40B4-BE49-F238E27FC236}">
+                <a16:creationId xmlns:a16="http://schemas.microsoft.com/office/drawing/2014/main" id="{477008A8-D7C4-7546-B4C4-EAA5E28242B2}"/>
+              </a:ext>
+            </a:extLst>
+          </p:cNvPr>
+          <p:cNvSpPr txBox="1"/>
+          <p:nvPr/>
+        </p:nvSpPr>
+        <p:spPr>
+          <a:xfrm>
+            <a:off x="1846383" y="477094"/>
+            <a:ext cx="1002323" cy="461665"/>
+          </a:xfrm>
+          <a:prstGeom prst="rect">
+            <a:avLst/>
+          </a:prstGeom>
+          <a:noFill/>
+        </p:spPr>
+        <p:txBody>
+          <a:bodyPr wrap="square" rtlCol="0">
+            <a:spAutoFit/>
+          </a:bodyPr>
+          <a:lstStyle/>
+          <a:p>
+            <a:pPr algn="ctr"/>
+            <a:r>
+              <a:rPr lang="en-US" sz="2400" dirty="0">
+                <a:latin typeface="Times New Roman" panose="02020603050405020304" pitchFamily="18" charset="0"/>
+                <a:cs typeface="Times New Roman" panose="02020603050405020304" pitchFamily="18" charset="0"/>
+              </a:rPr>
+              <a:t>value0</a:t>
+            </a:r>
+          </a:p>
+        </p:txBody>
+      </p:sp>
+      <p:sp>
+        <p:nvSpPr>
+          <p:cNvPr id="23" name="TextBox 22">
+            <a:extLst>
+              <a:ext uri="{FF2B5EF4-FFF2-40B4-BE49-F238E27FC236}">
+                <a16:creationId xmlns:a16="http://schemas.microsoft.com/office/drawing/2014/main" id="{D2D5455B-E87B-8C46-8A34-AACCCBCECF8F}"/>
+              </a:ext>
+            </a:extLst>
+          </p:cNvPr>
+          <p:cNvSpPr txBox="1"/>
+          <p:nvPr/>
+        </p:nvSpPr>
+        <p:spPr>
+          <a:xfrm>
+            <a:off x="5097603" y="477093"/>
+            <a:ext cx="1002323" cy="461665"/>
+          </a:xfrm>
+          <a:prstGeom prst="rect">
+            <a:avLst/>
+          </a:prstGeom>
+          <a:noFill/>
+        </p:spPr>
+        <p:txBody>
+          <a:bodyPr wrap="square" rtlCol="0">
+            <a:spAutoFit/>
+          </a:bodyPr>
+          <a:lstStyle/>
+          <a:p>
+            <a:pPr algn="ctr"/>
+            <a:r>
+              <a:rPr lang="en-US" sz="2400" dirty="0">
+                <a:latin typeface="Times New Roman" panose="02020603050405020304" pitchFamily="18" charset="0"/>
+                <a:cs typeface="Times New Roman" panose="02020603050405020304" pitchFamily="18" charset="0"/>
+              </a:rPr>
+              <a:t>value1</a:t>
+            </a:r>
+          </a:p>
+        </p:txBody>
+      </p:sp>
+      <p:sp>
+        <p:nvSpPr>
+          <p:cNvPr id="24" name="TextBox 23">
+            <a:extLst>
+              <a:ext uri="{FF2B5EF4-FFF2-40B4-BE49-F238E27FC236}">
+                <a16:creationId xmlns:a16="http://schemas.microsoft.com/office/drawing/2014/main" id="{D0333151-0934-C545-A90F-3FEC4614F717}"/>
+              </a:ext>
+            </a:extLst>
+          </p:cNvPr>
+          <p:cNvSpPr txBox="1"/>
+          <p:nvPr/>
+        </p:nvSpPr>
+        <p:spPr>
+          <a:xfrm>
+            <a:off x="1828798" y="4771692"/>
+            <a:ext cx="1002323" cy="461665"/>
+          </a:xfrm>
+          <a:prstGeom prst="rect">
+            <a:avLst/>
+          </a:prstGeom>
+          <a:noFill/>
+        </p:spPr>
+        <p:txBody>
+          <a:bodyPr wrap="square" rtlCol="0">
+            <a:spAutoFit/>
+          </a:bodyPr>
+          <a:lstStyle/>
+          <a:p>
+            <a:pPr algn="ctr"/>
+            <a:r>
+              <a:rPr lang="en-US" sz="2400" dirty="0">
+                <a:latin typeface="Times New Roman" panose="02020603050405020304" pitchFamily="18" charset="0"/>
+                <a:cs typeface="Times New Roman" panose="02020603050405020304" pitchFamily="18" charset="0"/>
+              </a:rPr>
+              <a:t>value2</a:t>
+            </a:r>
+          </a:p>
+        </p:txBody>
+      </p:sp>
+      <p:sp>
+        <p:nvSpPr>
+          <p:cNvPr id="25" name="TextBox 24">
+            <a:extLst>
+              <a:ext uri="{FF2B5EF4-FFF2-40B4-BE49-F238E27FC236}">
+                <a16:creationId xmlns:a16="http://schemas.microsoft.com/office/drawing/2014/main" id="{CE56B842-5B7E-EF46-8D91-ED6F3C6FB213}"/>
+              </a:ext>
+            </a:extLst>
+          </p:cNvPr>
+          <p:cNvSpPr txBox="1"/>
+          <p:nvPr/>
+        </p:nvSpPr>
+        <p:spPr>
+          <a:xfrm>
+            <a:off x="5109371" y="4771693"/>
+            <a:ext cx="1002323" cy="461665"/>
+          </a:xfrm>
+          <a:prstGeom prst="rect">
+            <a:avLst/>
+          </a:prstGeom>
+          <a:noFill/>
+        </p:spPr>
+        <p:txBody>
+          <a:bodyPr wrap="square" rtlCol="0">
+            <a:spAutoFit/>
+          </a:bodyPr>
+          <a:lstStyle/>
+          <a:p>
+            <a:pPr algn="ctr"/>
+            <a:r>
+              <a:rPr lang="en-US" sz="2400" dirty="0">
+                <a:latin typeface="Times New Roman" panose="02020603050405020304" pitchFamily="18" charset="0"/>
+                <a:cs typeface="Times New Roman" panose="02020603050405020304" pitchFamily="18" charset="0"/>
+              </a:rPr>
+              <a:t>value3</a:t>
+            </a:r>
+          </a:p>
+        </p:txBody>
+      </p:sp>
+      <p:sp>
+        <p:nvSpPr>
+          <p:cNvPr id="26" name="TextBox 25">
+            <a:extLst>
+              <a:ext uri="{FF2B5EF4-FFF2-40B4-BE49-F238E27FC236}">
+                <a16:creationId xmlns:a16="http://schemas.microsoft.com/office/drawing/2014/main" id="{2B6917C5-88B4-824E-93E8-AEB7118BC4A2}"/>
+              </a:ext>
+            </a:extLst>
+          </p:cNvPr>
+          <p:cNvSpPr txBox="1"/>
+          <p:nvPr/>
+        </p:nvSpPr>
+        <p:spPr>
+          <a:xfrm>
+            <a:off x="855829" y="5694954"/>
+            <a:ext cx="10837939" cy="461665"/>
+          </a:xfrm>
+          <a:prstGeom prst="rect">
+            <a:avLst/>
+          </a:prstGeom>
+          <a:noFill/>
+        </p:spPr>
+        <p:txBody>
+          <a:bodyPr wrap="square" rtlCol="0">
+            <a:spAutoFit/>
+          </a:bodyPr>
+          <a:lstStyle/>
+          <a:p>
+            <a:pPr algn="ctr"/>
+            <a:r>
+              <a:rPr lang="en-US" sz="2400" dirty="0">
+                <a:latin typeface="Times New Roman" panose="02020603050405020304" pitchFamily="18" charset="0"/>
+                <a:cs typeface="Times New Roman" panose="02020603050405020304" pitchFamily="18" charset="0"/>
+              </a:rPr>
+              <a:t>value(2.3995,17.76325) =value0*area3+value1*area2+value2*area1+value3*area0 </a:t>
+            </a:r>
+          </a:p>
+        </p:txBody>
+      </p:sp>
+    </p:spTree>
+    <p:extLst>
+      <p:ext uri="{BB962C8B-B14F-4D97-AF65-F5344CB8AC3E}">
+        <p14:creationId xmlns:p14="http://schemas.microsoft.com/office/powerpoint/2010/main" val="200825369"/>
+      </p:ext>
+    </p:extLst>
+  </p:cSld>
+  <p:clrMapOvr>
+    <a:masterClrMapping/>
+  </p:clrMapOvr>
+</p:sld>
+</file>
+
 <file path=ppt/theme/theme1.xml><?xml version="1.0" encoding="utf-8"?>
 <a:theme xmlns:a="http://schemas.openxmlformats.org/drawingml/2006/main" name="Office Theme">
   <a:themeElements>

--- a/content/post/post_ppt.pptx
+++ b/content/post/post_ppt.pptx
@@ -11,6 +11,8 @@
     <p:sldId id="259" r:id="rId5"/>
     <p:sldId id="260" r:id="rId6"/>
     <p:sldId id="261" r:id="rId7"/>
+    <p:sldId id="262" r:id="rId8"/>
+    <p:sldId id="263" r:id="rId9"/>
   </p:sldIdLst>
   <p:sldSz cx="21553488" cy="6858000"/>
   <p:notesSz cx="6858000" cy="9144000"/>
@@ -248,7 +250,7 @@
           <a:p>
             <a:fld id="{AEE0242F-9983-5646-A2FB-42C1A5B688B5}" type="datetimeFigureOut">
               <a:rPr lang="en-US" smtClean="0"/>
-              <a:t>1/13/20</a:t>
+              <a:t>1/19/20</a:t>
             </a:fld>
             <a:endParaRPr lang="en-US" dirty="0"/>
           </a:p>
@@ -418,7 +420,7 @@
           <a:p>
             <a:fld id="{AEE0242F-9983-5646-A2FB-42C1A5B688B5}" type="datetimeFigureOut">
               <a:rPr lang="en-US" smtClean="0"/>
-              <a:t>1/13/20</a:t>
+              <a:t>1/19/20</a:t>
             </a:fld>
             <a:endParaRPr lang="en-US" dirty="0"/>
           </a:p>
@@ -598,7 +600,7 @@
           <a:p>
             <a:fld id="{AEE0242F-9983-5646-A2FB-42C1A5B688B5}" type="datetimeFigureOut">
               <a:rPr lang="en-US" smtClean="0"/>
-              <a:t>1/13/20</a:t>
+              <a:t>1/19/20</a:t>
             </a:fld>
             <a:endParaRPr lang="en-US" dirty="0"/>
           </a:p>
@@ -768,7 +770,7 @@
           <a:p>
             <a:fld id="{AEE0242F-9983-5646-A2FB-42C1A5B688B5}" type="datetimeFigureOut">
               <a:rPr lang="en-US" smtClean="0"/>
-              <a:t>1/13/20</a:t>
+              <a:t>1/19/20</a:t>
             </a:fld>
             <a:endParaRPr lang="en-US" dirty="0"/>
           </a:p>
@@ -1014,7 +1016,7 @@
           <a:p>
             <a:fld id="{AEE0242F-9983-5646-A2FB-42C1A5B688B5}" type="datetimeFigureOut">
               <a:rPr lang="en-US" smtClean="0"/>
-              <a:t>1/13/20</a:t>
+              <a:t>1/19/20</a:t>
             </a:fld>
             <a:endParaRPr lang="en-US" dirty="0"/>
           </a:p>
@@ -1246,7 +1248,7 @@
           <a:p>
             <a:fld id="{AEE0242F-9983-5646-A2FB-42C1A5B688B5}" type="datetimeFigureOut">
               <a:rPr lang="en-US" smtClean="0"/>
-              <a:t>1/13/20</a:t>
+              <a:t>1/19/20</a:t>
             </a:fld>
             <a:endParaRPr lang="en-US" dirty="0"/>
           </a:p>
@@ -1613,7 +1615,7 @@
           <a:p>
             <a:fld id="{AEE0242F-9983-5646-A2FB-42C1A5B688B5}" type="datetimeFigureOut">
               <a:rPr lang="en-US" smtClean="0"/>
-              <a:t>1/13/20</a:t>
+              <a:t>1/19/20</a:t>
             </a:fld>
             <a:endParaRPr lang="en-US" dirty="0"/>
           </a:p>
@@ -1731,7 +1733,7 @@
           <a:p>
             <a:fld id="{AEE0242F-9983-5646-A2FB-42C1A5B688B5}" type="datetimeFigureOut">
               <a:rPr lang="en-US" smtClean="0"/>
-              <a:t>1/13/20</a:t>
+              <a:t>1/19/20</a:t>
             </a:fld>
             <a:endParaRPr lang="en-US" dirty="0"/>
           </a:p>
@@ -1826,7 +1828,7 @@
           <a:p>
             <a:fld id="{AEE0242F-9983-5646-A2FB-42C1A5B688B5}" type="datetimeFigureOut">
               <a:rPr lang="en-US" smtClean="0"/>
-              <a:t>1/13/20</a:t>
+              <a:t>1/19/20</a:t>
             </a:fld>
             <a:endParaRPr lang="en-US" dirty="0"/>
           </a:p>
@@ -2103,7 +2105,7 @@
           <a:p>
             <a:fld id="{AEE0242F-9983-5646-A2FB-42C1A5B688B5}" type="datetimeFigureOut">
               <a:rPr lang="en-US" smtClean="0"/>
-              <a:t>1/13/20</a:t>
+              <a:t>1/19/20</a:t>
             </a:fld>
             <a:endParaRPr lang="en-US" dirty="0"/>
           </a:p>
@@ -2360,7 +2362,7 @@
           <a:p>
             <a:fld id="{AEE0242F-9983-5646-A2FB-42C1A5B688B5}" type="datetimeFigureOut">
               <a:rPr lang="en-US" smtClean="0"/>
-              <a:t>1/13/20</a:t>
+              <a:t>1/19/20</a:t>
             </a:fld>
             <a:endParaRPr lang="en-US" dirty="0"/>
           </a:p>
@@ -2573,7 +2575,7 @@
           <a:p>
             <a:fld id="{AEE0242F-9983-5646-A2FB-42C1A5B688B5}" type="datetimeFigureOut">
               <a:rPr lang="en-US" smtClean="0"/>
-              <a:t>1/13/20</a:t>
+              <a:t>1/19/20</a:t>
             </a:fld>
             <a:endParaRPr lang="en-US" dirty="0"/>
           </a:p>
@@ -4697,8 +4699,8 @@
           </a:p>
         </p:txBody>
       </p:sp>
-      <mc:AlternateContent xmlns:mc="http://schemas.openxmlformats.org/markup-compatibility/2006">
-        <mc:Choice xmlns:a14="http://schemas.microsoft.com/office/drawing/2010/main" Requires="a14">
+      <mc:AlternateContent xmlns:mc="http://schemas.openxmlformats.org/markup-compatibility/2006" xmlns:a14="http://schemas.microsoft.com/office/drawing/2010/main">
+        <mc:Choice Requires="a14">
           <p:sp>
             <p:nvSpPr>
               <p:cNvPr id="82" name="TextBox 81">
@@ -5038,7 +5040,7 @@
             </p:txBody>
           </p:sp>
         </mc:Choice>
-        <mc:Fallback>
+        <mc:Fallback xmlns="">
           <p:sp>
             <p:nvSpPr>
               <p:cNvPr id="82" name="TextBox 81">
@@ -5259,8 +5261,8 @@
           </a:fontRef>
         </p:style>
       </p:cxnSp>
-      <mc:AlternateContent xmlns:mc="http://schemas.openxmlformats.org/markup-compatibility/2006">
-        <mc:Choice xmlns:a14="http://schemas.microsoft.com/office/drawing/2010/main" Requires="a14">
+      <mc:AlternateContent xmlns:mc="http://schemas.openxmlformats.org/markup-compatibility/2006" xmlns:a14="http://schemas.microsoft.com/office/drawing/2010/main">
+        <mc:Choice Requires="a14">
           <p:graphicFrame>
             <p:nvGraphicFramePr>
               <p:cNvPr id="2" name="Table 1">
@@ -5855,7 +5857,7 @@
             </a:graphic>
           </p:graphicFrame>
         </mc:Choice>
-        <mc:Fallback>
+        <mc:Fallback xmlns="">
           <p:graphicFrame>
             <p:nvGraphicFramePr>
               <p:cNvPr id="2" name="Table 1">
@@ -7924,7 +7926,7 @@
               <a:t>Faster</a:t>
             </a:r>
             <a:r>
-              <a:rPr lang="zh-CN" altLang="en-US" dirty="0">
+              <a:rPr lang="zh-CN" altLang="en-US">
                 <a:solidFill>
                   <a:srgbClr val="FFC000"/>
                 </a:solidFill>
@@ -8141,7 +8143,7 @@
               <a:t>Instance</a:t>
             </a:r>
             <a:r>
-              <a:rPr lang="zh-CN" altLang="en-US" sz="1000" dirty="0">
+              <a:rPr lang="zh-CN" altLang="en-US" sz="1000">
                 <a:solidFill>
                   <a:srgbClr val="FF0000"/>
                 </a:solidFill>
@@ -8254,7 +8256,7 @@
               <a:t>Object</a:t>
             </a:r>
             <a:r>
-              <a:rPr lang="zh-CN" altLang="en-US" sz="800" dirty="0">
+              <a:rPr lang="zh-CN" altLang="en-US" sz="800">
                 <a:latin typeface="Times New Roman" panose="02020603050405020304" pitchFamily="18" charset="0"/>
                 <a:cs typeface="Times New Roman" panose="02020603050405020304" pitchFamily="18" charset="0"/>
               </a:rPr>
@@ -8268,7 +8270,7 @@
               <a:t>is</a:t>
             </a:r>
             <a:r>
-              <a:rPr lang="zh-CN" altLang="en-US" sz="800" dirty="0">
+              <a:rPr lang="zh-CN" altLang="en-US" sz="800">
                 <a:latin typeface="Times New Roman" panose="02020603050405020304" pitchFamily="18" charset="0"/>
                 <a:cs typeface="Times New Roman" panose="02020603050405020304" pitchFamily="18" charset="0"/>
               </a:rPr>
@@ -8282,7 +8284,7 @@
               <a:t>a</a:t>
             </a:r>
             <a:r>
-              <a:rPr lang="zh-CN" altLang="en-US" sz="800" dirty="0">
+              <a:rPr lang="zh-CN" altLang="en-US" sz="800">
                 <a:latin typeface="Times New Roman" panose="02020603050405020304" pitchFamily="18" charset="0"/>
                 <a:cs typeface="Times New Roman" panose="02020603050405020304" pitchFamily="18" charset="0"/>
               </a:rPr>
@@ -16836,6 +16838,7576 @@
     <p:extLst>
       <p:ext uri="{BB962C8B-B14F-4D97-AF65-F5344CB8AC3E}">
         <p14:creationId xmlns:p14="http://schemas.microsoft.com/office/powerpoint/2010/main" val="1033143897"/>
+      </p:ext>
+    </p:extLst>
+  </p:cSld>
+  <p:clrMapOvr>
+    <a:masterClrMapping/>
+  </p:clrMapOvr>
+</p:sld>
+</file>
+
+<file path=ppt/slides/slide7.xml><?xml version="1.0" encoding="utf-8"?>
+<p:sld xmlns:a="http://schemas.openxmlformats.org/drawingml/2006/main" xmlns:r="http://schemas.openxmlformats.org/officeDocument/2006/relationships" xmlns:p="http://schemas.openxmlformats.org/presentationml/2006/main">
+  <p:cSld>
+    <p:spTree>
+      <p:nvGrpSpPr>
+        <p:cNvPr id="1" name=""/>
+        <p:cNvGrpSpPr/>
+        <p:nvPr/>
+      </p:nvGrpSpPr>
+      <p:grpSpPr>
+        <a:xfrm>
+          <a:off x="0" y="0"/>
+          <a:ext cx="0" cy="0"/>
+          <a:chOff x="0" y="0"/>
+          <a:chExt cx="0" cy="0"/>
+        </a:xfrm>
+      </p:grpSpPr>
+      <p:graphicFrame>
+        <p:nvGraphicFramePr>
+          <p:cNvPr id="4" name="Table 3">
+            <a:extLst>
+              <a:ext uri="{FF2B5EF4-FFF2-40B4-BE49-F238E27FC236}">
+                <a16:creationId xmlns:a16="http://schemas.microsoft.com/office/drawing/2014/main" id="{592025ED-2893-0D4B-96DB-72090DE97D9B}"/>
+              </a:ext>
+            </a:extLst>
+          </p:cNvPr>
+          <p:cNvGraphicFramePr>
+            <a:graphicFrameLocks noGrp="1"/>
+          </p:cNvGraphicFramePr>
+          <p:nvPr>
+            <p:extLst>
+              <p:ext uri="{D42A27DB-BD31-4B8C-83A1-F6EECF244321}">
+                <p14:modId xmlns:p14="http://schemas.microsoft.com/office/powerpoint/2010/main" val="2707799469"/>
+              </p:ext>
+            </p:extLst>
+          </p:nvPr>
+        </p:nvGraphicFramePr>
+        <p:xfrm>
+          <a:off x="3592248" y="819150"/>
+          <a:ext cx="10676200" cy="5065710"/>
+        </p:xfrm>
+        <a:graphic>
+          <a:graphicData uri="http://schemas.openxmlformats.org/drawingml/2006/table">
+            <a:tbl>
+              <a:tblPr firstRow="1" bandRow="1">
+                <a:tableStyleId>{5C22544A-7EE6-4342-B048-85BDC9FD1C3A}</a:tableStyleId>
+              </a:tblPr>
+              <a:tblGrid>
+                <a:gridCol w="1067620">
+                  <a:extLst>
+                    <a:ext uri="{9D8B030D-6E8A-4147-A177-3AD203B41FA5}">
+                      <a16:colId xmlns:a16="http://schemas.microsoft.com/office/drawing/2014/main" val="2910019432"/>
+                    </a:ext>
+                  </a:extLst>
+                </a:gridCol>
+                <a:gridCol w="1067620">
+                  <a:extLst>
+                    <a:ext uri="{9D8B030D-6E8A-4147-A177-3AD203B41FA5}">
+                      <a16:colId xmlns:a16="http://schemas.microsoft.com/office/drawing/2014/main" val="3735534331"/>
+                    </a:ext>
+                  </a:extLst>
+                </a:gridCol>
+                <a:gridCol w="1067620">
+                  <a:extLst>
+                    <a:ext uri="{9D8B030D-6E8A-4147-A177-3AD203B41FA5}">
+                      <a16:colId xmlns:a16="http://schemas.microsoft.com/office/drawing/2014/main" val="3626102122"/>
+                    </a:ext>
+                  </a:extLst>
+                </a:gridCol>
+                <a:gridCol w="1067620">
+                  <a:extLst>
+                    <a:ext uri="{9D8B030D-6E8A-4147-A177-3AD203B41FA5}">
+                      <a16:colId xmlns:a16="http://schemas.microsoft.com/office/drawing/2014/main" val="2939452608"/>
+                    </a:ext>
+                  </a:extLst>
+                </a:gridCol>
+                <a:gridCol w="1067620">
+                  <a:extLst>
+                    <a:ext uri="{9D8B030D-6E8A-4147-A177-3AD203B41FA5}">
+                      <a16:colId xmlns:a16="http://schemas.microsoft.com/office/drawing/2014/main" val="1444231008"/>
+                    </a:ext>
+                  </a:extLst>
+                </a:gridCol>
+                <a:gridCol w="1067620">
+                  <a:extLst>
+                    <a:ext uri="{9D8B030D-6E8A-4147-A177-3AD203B41FA5}">
+                      <a16:colId xmlns:a16="http://schemas.microsoft.com/office/drawing/2014/main" val="387131882"/>
+                    </a:ext>
+                  </a:extLst>
+                </a:gridCol>
+                <a:gridCol w="1067620">
+                  <a:extLst>
+                    <a:ext uri="{9D8B030D-6E8A-4147-A177-3AD203B41FA5}">
+                      <a16:colId xmlns:a16="http://schemas.microsoft.com/office/drawing/2014/main" val="388693240"/>
+                    </a:ext>
+                  </a:extLst>
+                </a:gridCol>
+                <a:gridCol w="1067620">
+                  <a:extLst>
+                    <a:ext uri="{9D8B030D-6E8A-4147-A177-3AD203B41FA5}">
+                      <a16:colId xmlns:a16="http://schemas.microsoft.com/office/drawing/2014/main" val="1161690761"/>
+                    </a:ext>
+                  </a:extLst>
+                </a:gridCol>
+                <a:gridCol w="1067620">
+                  <a:extLst>
+                    <a:ext uri="{9D8B030D-6E8A-4147-A177-3AD203B41FA5}">
+                      <a16:colId xmlns:a16="http://schemas.microsoft.com/office/drawing/2014/main" val="154764076"/>
+                    </a:ext>
+                  </a:extLst>
+                </a:gridCol>
+                <a:gridCol w="1067620">
+                  <a:extLst>
+                    <a:ext uri="{9D8B030D-6E8A-4147-A177-3AD203B41FA5}">
+                      <a16:colId xmlns:a16="http://schemas.microsoft.com/office/drawing/2014/main" val="3245247693"/>
+                    </a:ext>
+                  </a:extLst>
+                </a:gridCol>
+              </a:tblGrid>
+              <a:tr h="506571">
+                <a:tc>
+                  <a:txBody>
+                    <a:bodyPr/>
+                    <a:lstStyle/>
+                    <a:p>
+                      <a:endParaRPr lang="en-US" dirty="0"/>
+                    </a:p>
+                  </a:txBody>
+                  <a:tcPr>
+                    <a:lnL w="12700" cap="flat" cmpd="sng" algn="ctr">
+                      <a:solidFill>
+                        <a:schemeClr val="tx1"/>
+                      </a:solidFill>
+                      <a:prstDash val="solid"/>
+                      <a:round/>
+                      <a:headEnd type="none" w="med" len="med"/>
+                      <a:tailEnd type="none" w="med" len="med"/>
+                    </a:lnL>
+                    <a:lnR w="12700" cap="flat" cmpd="sng" algn="ctr">
+                      <a:solidFill>
+                        <a:schemeClr val="bg2">
+                          <a:lumMod val="50000"/>
+                        </a:schemeClr>
+                      </a:solidFill>
+                      <a:prstDash val="sysDot"/>
+                      <a:round/>
+                      <a:headEnd type="none" w="med" len="med"/>
+                      <a:tailEnd type="none" w="med" len="med"/>
+                    </a:lnR>
+                    <a:lnT w="12700" cap="flat" cmpd="sng" algn="ctr">
+                      <a:solidFill>
+                        <a:schemeClr val="tx1"/>
+                      </a:solidFill>
+                      <a:prstDash val="solid"/>
+                      <a:round/>
+                      <a:headEnd type="none" w="med" len="med"/>
+                      <a:tailEnd type="none" w="med" len="med"/>
+                    </a:lnT>
+                    <a:lnB w="12700" cap="flat" cmpd="sng" algn="ctr">
+                      <a:solidFill>
+                        <a:schemeClr val="bg2">
+                          <a:lumMod val="50000"/>
+                        </a:schemeClr>
+                      </a:solidFill>
+                      <a:prstDash val="sysDot"/>
+                      <a:round/>
+                      <a:headEnd type="none" w="med" len="med"/>
+                      <a:tailEnd type="none" w="med" len="med"/>
+                    </a:lnB>
+                    <a:solidFill>
+                      <a:srgbClr val="92D050"/>
+                    </a:solidFill>
+                  </a:tcPr>
+                </a:tc>
+                <a:tc>
+                  <a:txBody>
+                    <a:bodyPr/>
+                    <a:lstStyle/>
+                    <a:p>
+                      <a:endParaRPr lang="en-US" dirty="0"/>
+                    </a:p>
+                  </a:txBody>
+                  <a:tcPr>
+                    <a:lnL w="12700" cap="flat" cmpd="sng" algn="ctr">
+                      <a:solidFill>
+                        <a:schemeClr val="bg2">
+                          <a:lumMod val="50000"/>
+                        </a:schemeClr>
+                      </a:solidFill>
+                      <a:prstDash val="sysDot"/>
+                      <a:round/>
+                      <a:headEnd type="none" w="med" len="med"/>
+                      <a:tailEnd type="none" w="med" len="med"/>
+                    </a:lnL>
+                    <a:lnR w="12700" cap="flat" cmpd="sng" algn="ctr">
+                      <a:solidFill>
+                        <a:schemeClr val="bg2">
+                          <a:lumMod val="50000"/>
+                        </a:schemeClr>
+                      </a:solidFill>
+                      <a:prstDash val="sysDot"/>
+                      <a:round/>
+                      <a:headEnd type="none" w="med" len="med"/>
+                      <a:tailEnd type="none" w="med" len="med"/>
+                    </a:lnR>
+                    <a:lnT w="12700" cap="flat" cmpd="sng" algn="ctr">
+                      <a:solidFill>
+                        <a:schemeClr val="tx1"/>
+                      </a:solidFill>
+                      <a:prstDash val="solid"/>
+                      <a:round/>
+                      <a:headEnd type="none" w="med" len="med"/>
+                      <a:tailEnd type="none" w="med" len="med"/>
+                    </a:lnT>
+                    <a:lnB w="12700" cap="flat" cmpd="sng" algn="ctr">
+                      <a:solidFill>
+                        <a:schemeClr val="bg2">
+                          <a:lumMod val="50000"/>
+                        </a:schemeClr>
+                      </a:solidFill>
+                      <a:prstDash val="sysDot"/>
+                      <a:round/>
+                      <a:headEnd type="none" w="med" len="med"/>
+                      <a:tailEnd type="none" w="med" len="med"/>
+                    </a:lnB>
+                    <a:solidFill>
+                      <a:srgbClr val="92D050"/>
+                    </a:solidFill>
+                  </a:tcPr>
+                </a:tc>
+                <a:tc>
+                  <a:txBody>
+                    <a:bodyPr/>
+                    <a:lstStyle/>
+                    <a:p>
+                      <a:endParaRPr lang="en-US" dirty="0"/>
+                    </a:p>
+                  </a:txBody>
+                  <a:tcPr>
+                    <a:lnL w="12700" cap="flat" cmpd="sng" algn="ctr">
+                      <a:solidFill>
+                        <a:schemeClr val="bg2">
+                          <a:lumMod val="50000"/>
+                        </a:schemeClr>
+                      </a:solidFill>
+                      <a:prstDash val="sysDot"/>
+                      <a:round/>
+                      <a:headEnd type="none" w="med" len="med"/>
+                      <a:tailEnd type="none" w="med" len="med"/>
+                    </a:lnL>
+                    <a:lnR w="12700" cap="flat" cmpd="sng" algn="ctr">
+                      <a:solidFill>
+                        <a:schemeClr val="bg2">
+                          <a:lumMod val="50000"/>
+                        </a:schemeClr>
+                      </a:solidFill>
+                      <a:prstDash val="sysDot"/>
+                      <a:round/>
+                      <a:headEnd type="none" w="med" len="med"/>
+                      <a:tailEnd type="none" w="med" len="med"/>
+                    </a:lnR>
+                    <a:lnT w="12700" cap="flat" cmpd="sng" algn="ctr">
+                      <a:solidFill>
+                        <a:schemeClr val="tx1"/>
+                      </a:solidFill>
+                      <a:prstDash val="solid"/>
+                      <a:round/>
+                      <a:headEnd type="none" w="med" len="med"/>
+                      <a:tailEnd type="none" w="med" len="med"/>
+                    </a:lnT>
+                    <a:lnB w="12700" cap="flat" cmpd="sng" algn="ctr">
+                      <a:solidFill>
+                        <a:schemeClr val="bg2">
+                          <a:lumMod val="50000"/>
+                        </a:schemeClr>
+                      </a:solidFill>
+                      <a:prstDash val="sysDot"/>
+                      <a:round/>
+                      <a:headEnd type="none" w="med" len="med"/>
+                      <a:tailEnd type="none" w="med" len="med"/>
+                    </a:lnB>
+                    <a:solidFill>
+                      <a:srgbClr val="92D050"/>
+                    </a:solidFill>
+                  </a:tcPr>
+                </a:tc>
+                <a:tc>
+                  <a:txBody>
+                    <a:bodyPr/>
+                    <a:lstStyle/>
+                    <a:p>
+                      <a:endParaRPr lang="en-US" dirty="0"/>
+                    </a:p>
+                  </a:txBody>
+                  <a:tcPr>
+                    <a:lnL w="12700" cap="flat" cmpd="sng" algn="ctr">
+                      <a:solidFill>
+                        <a:schemeClr val="bg2">
+                          <a:lumMod val="50000"/>
+                        </a:schemeClr>
+                      </a:solidFill>
+                      <a:prstDash val="sysDot"/>
+                      <a:round/>
+                      <a:headEnd type="none" w="med" len="med"/>
+                      <a:tailEnd type="none" w="med" len="med"/>
+                    </a:lnL>
+                    <a:lnR w="12700" cap="flat" cmpd="sng" algn="ctr">
+                      <a:solidFill>
+                        <a:schemeClr val="bg2">
+                          <a:lumMod val="50000"/>
+                        </a:schemeClr>
+                      </a:solidFill>
+                      <a:prstDash val="sysDot"/>
+                      <a:round/>
+                      <a:headEnd type="none" w="med" len="med"/>
+                      <a:tailEnd type="none" w="med" len="med"/>
+                    </a:lnR>
+                    <a:lnT w="12700" cap="flat" cmpd="sng" algn="ctr">
+                      <a:solidFill>
+                        <a:schemeClr val="tx1"/>
+                      </a:solidFill>
+                      <a:prstDash val="solid"/>
+                      <a:round/>
+                      <a:headEnd type="none" w="med" len="med"/>
+                      <a:tailEnd type="none" w="med" len="med"/>
+                    </a:lnT>
+                    <a:lnB w="12700" cap="flat" cmpd="sng" algn="ctr">
+                      <a:solidFill>
+                        <a:schemeClr val="bg2">
+                          <a:lumMod val="50000"/>
+                        </a:schemeClr>
+                      </a:solidFill>
+                      <a:prstDash val="sysDot"/>
+                      <a:round/>
+                      <a:headEnd type="none" w="med" len="med"/>
+                      <a:tailEnd type="none" w="med" len="med"/>
+                    </a:lnB>
+                    <a:noFill/>
+                  </a:tcPr>
+                </a:tc>
+                <a:tc>
+                  <a:txBody>
+                    <a:bodyPr/>
+                    <a:lstStyle/>
+                    <a:p>
+                      <a:endParaRPr lang="en-US" dirty="0"/>
+                    </a:p>
+                  </a:txBody>
+                  <a:tcPr>
+                    <a:lnL w="12700" cap="flat" cmpd="sng" algn="ctr">
+                      <a:solidFill>
+                        <a:schemeClr val="bg2">
+                          <a:lumMod val="50000"/>
+                        </a:schemeClr>
+                      </a:solidFill>
+                      <a:prstDash val="sysDot"/>
+                      <a:round/>
+                      <a:headEnd type="none" w="med" len="med"/>
+                      <a:tailEnd type="none" w="med" len="med"/>
+                    </a:lnL>
+                    <a:lnR w="12700" cap="flat" cmpd="sng" algn="ctr">
+                      <a:solidFill>
+                        <a:schemeClr val="bg2">
+                          <a:lumMod val="50000"/>
+                        </a:schemeClr>
+                      </a:solidFill>
+                      <a:prstDash val="sysDot"/>
+                      <a:round/>
+                      <a:headEnd type="none" w="med" len="med"/>
+                      <a:tailEnd type="none" w="med" len="med"/>
+                    </a:lnR>
+                    <a:lnT w="12700" cap="flat" cmpd="sng" algn="ctr">
+                      <a:solidFill>
+                        <a:schemeClr val="tx1"/>
+                      </a:solidFill>
+                      <a:prstDash val="solid"/>
+                      <a:round/>
+                      <a:headEnd type="none" w="med" len="med"/>
+                      <a:tailEnd type="none" w="med" len="med"/>
+                    </a:lnT>
+                    <a:lnB w="12700" cap="flat" cmpd="sng" algn="ctr">
+                      <a:solidFill>
+                        <a:schemeClr val="bg2">
+                          <a:lumMod val="50000"/>
+                        </a:schemeClr>
+                      </a:solidFill>
+                      <a:prstDash val="sysDot"/>
+                      <a:round/>
+                      <a:headEnd type="none" w="med" len="med"/>
+                      <a:tailEnd type="none" w="med" len="med"/>
+                    </a:lnB>
+                    <a:noFill/>
+                  </a:tcPr>
+                </a:tc>
+                <a:tc>
+                  <a:txBody>
+                    <a:bodyPr/>
+                    <a:lstStyle/>
+                    <a:p>
+                      <a:endParaRPr lang="en-US" dirty="0"/>
+                    </a:p>
+                  </a:txBody>
+                  <a:tcPr>
+                    <a:lnL w="12700" cap="flat" cmpd="sng" algn="ctr">
+                      <a:solidFill>
+                        <a:schemeClr val="bg2">
+                          <a:lumMod val="50000"/>
+                        </a:schemeClr>
+                      </a:solidFill>
+                      <a:prstDash val="sysDot"/>
+                      <a:round/>
+                      <a:headEnd type="none" w="med" len="med"/>
+                      <a:tailEnd type="none" w="med" len="med"/>
+                    </a:lnL>
+                    <a:lnR w="12700" cap="flat" cmpd="sng" algn="ctr">
+                      <a:solidFill>
+                        <a:schemeClr val="bg2">
+                          <a:lumMod val="50000"/>
+                        </a:schemeClr>
+                      </a:solidFill>
+                      <a:prstDash val="sysDot"/>
+                      <a:round/>
+                      <a:headEnd type="none" w="med" len="med"/>
+                      <a:tailEnd type="none" w="med" len="med"/>
+                    </a:lnR>
+                    <a:lnT w="12700" cap="flat" cmpd="sng" algn="ctr">
+                      <a:solidFill>
+                        <a:schemeClr val="tx1"/>
+                      </a:solidFill>
+                      <a:prstDash val="solid"/>
+                      <a:round/>
+                      <a:headEnd type="none" w="med" len="med"/>
+                      <a:tailEnd type="none" w="med" len="med"/>
+                    </a:lnT>
+                    <a:lnB w="12700" cap="flat" cmpd="sng" algn="ctr">
+                      <a:solidFill>
+                        <a:schemeClr val="bg2">
+                          <a:lumMod val="50000"/>
+                        </a:schemeClr>
+                      </a:solidFill>
+                      <a:prstDash val="sysDot"/>
+                      <a:round/>
+                      <a:headEnd type="none" w="med" len="med"/>
+                      <a:tailEnd type="none" w="med" len="med"/>
+                    </a:lnB>
+                    <a:noFill/>
+                  </a:tcPr>
+                </a:tc>
+                <a:tc>
+                  <a:txBody>
+                    <a:bodyPr/>
+                    <a:lstStyle/>
+                    <a:p>
+                      <a:endParaRPr lang="en-US" dirty="0"/>
+                    </a:p>
+                  </a:txBody>
+                  <a:tcPr>
+                    <a:lnL w="12700" cap="flat" cmpd="sng" algn="ctr">
+                      <a:solidFill>
+                        <a:schemeClr val="bg2">
+                          <a:lumMod val="50000"/>
+                        </a:schemeClr>
+                      </a:solidFill>
+                      <a:prstDash val="sysDot"/>
+                      <a:round/>
+                      <a:headEnd type="none" w="med" len="med"/>
+                      <a:tailEnd type="none" w="med" len="med"/>
+                    </a:lnL>
+                    <a:lnR w="12700" cap="flat" cmpd="sng" algn="ctr">
+                      <a:solidFill>
+                        <a:schemeClr val="bg2">
+                          <a:lumMod val="50000"/>
+                        </a:schemeClr>
+                      </a:solidFill>
+                      <a:prstDash val="sysDot"/>
+                      <a:round/>
+                      <a:headEnd type="none" w="med" len="med"/>
+                      <a:tailEnd type="none" w="med" len="med"/>
+                    </a:lnR>
+                    <a:lnT w="12700" cap="flat" cmpd="sng" algn="ctr">
+                      <a:solidFill>
+                        <a:schemeClr val="tx1"/>
+                      </a:solidFill>
+                      <a:prstDash val="solid"/>
+                      <a:round/>
+                      <a:headEnd type="none" w="med" len="med"/>
+                      <a:tailEnd type="none" w="med" len="med"/>
+                    </a:lnT>
+                    <a:lnB w="12700" cap="flat" cmpd="sng" algn="ctr">
+                      <a:solidFill>
+                        <a:schemeClr val="bg2">
+                          <a:lumMod val="50000"/>
+                        </a:schemeClr>
+                      </a:solidFill>
+                      <a:prstDash val="sysDot"/>
+                      <a:round/>
+                      <a:headEnd type="none" w="med" len="med"/>
+                      <a:tailEnd type="none" w="med" len="med"/>
+                    </a:lnB>
+                    <a:noFill/>
+                  </a:tcPr>
+                </a:tc>
+                <a:tc>
+                  <a:txBody>
+                    <a:bodyPr/>
+                    <a:lstStyle/>
+                    <a:p>
+                      <a:endParaRPr lang="en-US" dirty="0"/>
+                    </a:p>
+                  </a:txBody>
+                  <a:tcPr>
+                    <a:lnL w="12700" cap="flat" cmpd="sng" algn="ctr">
+                      <a:solidFill>
+                        <a:schemeClr val="bg2">
+                          <a:lumMod val="50000"/>
+                        </a:schemeClr>
+                      </a:solidFill>
+                      <a:prstDash val="sysDot"/>
+                      <a:round/>
+                      <a:headEnd type="none" w="med" len="med"/>
+                      <a:tailEnd type="none" w="med" len="med"/>
+                    </a:lnL>
+                    <a:lnR w="12700" cap="flat" cmpd="sng" algn="ctr">
+                      <a:solidFill>
+                        <a:schemeClr val="bg2">
+                          <a:lumMod val="50000"/>
+                        </a:schemeClr>
+                      </a:solidFill>
+                      <a:prstDash val="sysDot"/>
+                      <a:round/>
+                      <a:headEnd type="none" w="med" len="med"/>
+                      <a:tailEnd type="none" w="med" len="med"/>
+                    </a:lnR>
+                    <a:lnT w="12700" cap="flat" cmpd="sng" algn="ctr">
+                      <a:solidFill>
+                        <a:schemeClr val="tx1"/>
+                      </a:solidFill>
+                      <a:prstDash val="solid"/>
+                      <a:round/>
+                      <a:headEnd type="none" w="med" len="med"/>
+                      <a:tailEnd type="none" w="med" len="med"/>
+                    </a:lnT>
+                    <a:lnB w="12700" cap="flat" cmpd="sng" algn="ctr">
+                      <a:solidFill>
+                        <a:schemeClr val="bg2">
+                          <a:lumMod val="50000"/>
+                        </a:schemeClr>
+                      </a:solidFill>
+                      <a:prstDash val="sysDot"/>
+                      <a:round/>
+                      <a:headEnd type="none" w="med" len="med"/>
+                      <a:tailEnd type="none" w="med" len="med"/>
+                    </a:lnB>
+                    <a:noFill/>
+                  </a:tcPr>
+                </a:tc>
+                <a:tc>
+                  <a:txBody>
+                    <a:bodyPr/>
+                    <a:lstStyle/>
+                    <a:p>
+                      <a:endParaRPr lang="en-US" dirty="0"/>
+                    </a:p>
+                  </a:txBody>
+                  <a:tcPr>
+                    <a:lnL w="12700" cap="flat" cmpd="sng" algn="ctr">
+                      <a:solidFill>
+                        <a:schemeClr val="bg2">
+                          <a:lumMod val="50000"/>
+                        </a:schemeClr>
+                      </a:solidFill>
+                      <a:prstDash val="sysDot"/>
+                      <a:round/>
+                      <a:headEnd type="none" w="med" len="med"/>
+                      <a:tailEnd type="none" w="med" len="med"/>
+                    </a:lnL>
+                    <a:lnR w="12700" cap="flat" cmpd="sng" algn="ctr">
+                      <a:solidFill>
+                        <a:schemeClr val="bg2">
+                          <a:lumMod val="50000"/>
+                        </a:schemeClr>
+                      </a:solidFill>
+                      <a:prstDash val="sysDot"/>
+                      <a:round/>
+                      <a:headEnd type="none" w="med" len="med"/>
+                      <a:tailEnd type="none" w="med" len="med"/>
+                    </a:lnR>
+                    <a:lnT w="12700" cap="flat" cmpd="sng" algn="ctr">
+                      <a:solidFill>
+                        <a:schemeClr val="tx1"/>
+                      </a:solidFill>
+                      <a:prstDash val="solid"/>
+                      <a:round/>
+                      <a:headEnd type="none" w="med" len="med"/>
+                      <a:tailEnd type="none" w="med" len="med"/>
+                    </a:lnT>
+                    <a:lnB w="12700" cap="flat" cmpd="sng" algn="ctr">
+                      <a:solidFill>
+                        <a:schemeClr val="bg2">
+                          <a:lumMod val="50000"/>
+                        </a:schemeClr>
+                      </a:solidFill>
+                      <a:prstDash val="sysDot"/>
+                      <a:round/>
+                      <a:headEnd type="none" w="med" len="med"/>
+                      <a:tailEnd type="none" w="med" len="med"/>
+                    </a:lnB>
+                    <a:noFill/>
+                  </a:tcPr>
+                </a:tc>
+                <a:tc>
+                  <a:txBody>
+                    <a:bodyPr/>
+                    <a:lstStyle/>
+                    <a:p>
+                      <a:endParaRPr lang="en-US" dirty="0"/>
+                    </a:p>
+                  </a:txBody>
+                  <a:tcPr>
+                    <a:lnL w="12700" cap="flat" cmpd="sng" algn="ctr">
+                      <a:solidFill>
+                        <a:schemeClr val="bg2">
+                          <a:lumMod val="50000"/>
+                        </a:schemeClr>
+                      </a:solidFill>
+                      <a:prstDash val="sysDot"/>
+                      <a:round/>
+                      <a:headEnd type="none" w="med" len="med"/>
+                      <a:tailEnd type="none" w="med" len="med"/>
+                    </a:lnL>
+                    <a:lnR w="12700" cap="flat" cmpd="sng" algn="ctr">
+                      <a:solidFill>
+                        <a:schemeClr val="tx1"/>
+                      </a:solidFill>
+                      <a:prstDash val="solid"/>
+                      <a:round/>
+                      <a:headEnd type="none" w="med" len="med"/>
+                      <a:tailEnd type="none" w="med" len="med"/>
+                    </a:lnR>
+                    <a:lnT w="12700" cap="flat" cmpd="sng" algn="ctr">
+                      <a:solidFill>
+                        <a:schemeClr val="tx1"/>
+                      </a:solidFill>
+                      <a:prstDash val="solid"/>
+                      <a:round/>
+                      <a:headEnd type="none" w="med" len="med"/>
+                      <a:tailEnd type="none" w="med" len="med"/>
+                    </a:lnT>
+                    <a:lnB w="12700" cap="flat" cmpd="sng" algn="ctr">
+                      <a:solidFill>
+                        <a:schemeClr val="bg2">
+                          <a:lumMod val="50000"/>
+                        </a:schemeClr>
+                      </a:solidFill>
+                      <a:prstDash val="sysDot"/>
+                      <a:round/>
+                      <a:headEnd type="none" w="med" len="med"/>
+                      <a:tailEnd type="none" w="med" len="med"/>
+                    </a:lnB>
+                    <a:noFill/>
+                  </a:tcPr>
+                </a:tc>
+                <a:extLst>
+                  <a:ext uri="{0D108BD9-81ED-4DB2-BD59-A6C34878D82A}">
+                    <a16:rowId xmlns:a16="http://schemas.microsoft.com/office/drawing/2014/main" val="3211980269"/>
+                  </a:ext>
+                </a:extLst>
+              </a:tr>
+              <a:tr h="506571">
+                <a:tc>
+                  <a:txBody>
+                    <a:bodyPr/>
+                    <a:lstStyle/>
+                    <a:p>
+                      <a:endParaRPr lang="en-US" dirty="0"/>
+                    </a:p>
+                  </a:txBody>
+                  <a:tcPr>
+                    <a:lnL w="12700" cap="flat" cmpd="sng" algn="ctr">
+                      <a:solidFill>
+                        <a:schemeClr val="tx1"/>
+                      </a:solidFill>
+                      <a:prstDash val="solid"/>
+                      <a:round/>
+                      <a:headEnd type="none" w="med" len="med"/>
+                      <a:tailEnd type="none" w="med" len="med"/>
+                    </a:lnL>
+                    <a:lnR w="12700" cap="flat" cmpd="sng" algn="ctr">
+                      <a:solidFill>
+                        <a:schemeClr val="bg2">
+                          <a:lumMod val="50000"/>
+                        </a:schemeClr>
+                      </a:solidFill>
+                      <a:prstDash val="sysDot"/>
+                      <a:round/>
+                      <a:headEnd type="none" w="med" len="med"/>
+                      <a:tailEnd type="none" w="med" len="med"/>
+                    </a:lnR>
+                    <a:lnT w="12700" cap="flat" cmpd="sng" algn="ctr">
+                      <a:solidFill>
+                        <a:schemeClr val="bg2">
+                          <a:lumMod val="50000"/>
+                        </a:schemeClr>
+                      </a:solidFill>
+                      <a:prstDash val="sysDot"/>
+                      <a:round/>
+                      <a:headEnd type="none" w="med" len="med"/>
+                      <a:tailEnd type="none" w="med" len="med"/>
+                    </a:lnT>
+                    <a:lnB w="12700" cap="flat" cmpd="sng" algn="ctr">
+                      <a:solidFill>
+                        <a:schemeClr val="bg2">
+                          <a:lumMod val="50000"/>
+                        </a:schemeClr>
+                      </a:solidFill>
+                      <a:prstDash val="sysDot"/>
+                      <a:round/>
+                      <a:headEnd type="none" w="med" len="med"/>
+                      <a:tailEnd type="none" w="med" len="med"/>
+                    </a:lnB>
+                    <a:solidFill>
+                      <a:srgbClr val="92D050"/>
+                    </a:solidFill>
+                  </a:tcPr>
+                </a:tc>
+                <a:tc>
+                  <a:txBody>
+                    <a:bodyPr/>
+                    <a:lstStyle/>
+                    <a:p>
+                      <a:endParaRPr lang="en-US" dirty="0"/>
+                    </a:p>
+                  </a:txBody>
+                  <a:tcPr>
+                    <a:lnL w="12700" cap="flat" cmpd="sng" algn="ctr">
+                      <a:solidFill>
+                        <a:schemeClr val="bg2">
+                          <a:lumMod val="50000"/>
+                        </a:schemeClr>
+                      </a:solidFill>
+                      <a:prstDash val="sysDot"/>
+                      <a:round/>
+                      <a:headEnd type="none" w="med" len="med"/>
+                      <a:tailEnd type="none" w="med" len="med"/>
+                    </a:lnL>
+                    <a:lnR w="12700" cap="flat" cmpd="sng" algn="ctr">
+                      <a:solidFill>
+                        <a:schemeClr val="bg2">
+                          <a:lumMod val="50000"/>
+                        </a:schemeClr>
+                      </a:solidFill>
+                      <a:prstDash val="sysDot"/>
+                      <a:round/>
+                      <a:headEnd type="none" w="med" len="med"/>
+                      <a:tailEnd type="none" w="med" len="med"/>
+                    </a:lnR>
+                    <a:lnT w="12700" cap="flat" cmpd="sng" algn="ctr">
+                      <a:solidFill>
+                        <a:schemeClr val="bg2">
+                          <a:lumMod val="50000"/>
+                        </a:schemeClr>
+                      </a:solidFill>
+                      <a:prstDash val="sysDot"/>
+                      <a:round/>
+                      <a:headEnd type="none" w="med" len="med"/>
+                      <a:tailEnd type="none" w="med" len="med"/>
+                    </a:lnT>
+                    <a:lnB w="12700" cap="flat" cmpd="sng" algn="ctr">
+                      <a:solidFill>
+                        <a:schemeClr val="bg2">
+                          <a:lumMod val="50000"/>
+                        </a:schemeClr>
+                      </a:solidFill>
+                      <a:prstDash val="sysDot"/>
+                      <a:round/>
+                      <a:headEnd type="none" w="med" len="med"/>
+                      <a:tailEnd type="none" w="med" len="med"/>
+                    </a:lnB>
+                    <a:solidFill>
+                      <a:srgbClr val="92D050"/>
+                    </a:solidFill>
+                  </a:tcPr>
+                </a:tc>
+                <a:tc>
+                  <a:txBody>
+                    <a:bodyPr/>
+                    <a:lstStyle/>
+                    <a:p>
+                      <a:endParaRPr lang="en-US" dirty="0"/>
+                    </a:p>
+                  </a:txBody>
+                  <a:tcPr>
+                    <a:lnL w="12700" cap="flat" cmpd="sng" algn="ctr">
+                      <a:solidFill>
+                        <a:schemeClr val="bg2">
+                          <a:lumMod val="50000"/>
+                        </a:schemeClr>
+                      </a:solidFill>
+                      <a:prstDash val="sysDot"/>
+                      <a:round/>
+                      <a:headEnd type="none" w="med" len="med"/>
+                      <a:tailEnd type="none" w="med" len="med"/>
+                    </a:lnL>
+                    <a:lnR w="12700" cap="flat" cmpd="sng" algn="ctr">
+                      <a:solidFill>
+                        <a:schemeClr val="bg2">
+                          <a:lumMod val="50000"/>
+                        </a:schemeClr>
+                      </a:solidFill>
+                      <a:prstDash val="sysDot"/>
+                      <a:round/>
+                      <a:headEnd type="none" w="med" len="med"/>
+                      <a:tailEnd type="none" w="med" len="med"/>
+                    </a:lnR>
+                    <a:lnT w="12700" cap="flat" cmpd="sng" algn="ctr">
+                      <a:solidFill>
+                        <a:schemeClr val="bg2">
+                          <a:lumMod val="50000"/>
+                        </a:schemeClr>
+                      </a:solidFill>
+                      <a:prstDash val="sysDot"/>
+                      <a:round/>
+                      <a:headEnd type="none" w="med" len="med"/>
+                      <a:tailEnd type="none" w="med" len="med"/>
+                    </a:lnT>
+                    <a:lnB w="12700" cap="flat" cmpd="sng" algn="ctr">
+                      <a:solidFill>
+                        <a:schemeClr val="bg2">
+                          <a:lumMod val="50000"/>
+                        </a:schemeClr>
+                      </a:solidFill>
+                      <a:prstDash val="sysDot"/>
+                      <a:round/>
+                      <a:headEnd type="none" w="med" len="med"/>
+                      <a:tailEnd type="none" w="med" len="med"/>
+                    </a:lnB>
+                    <a:solidFill>
+                      <a:srgbClr val="92D050"/>
+                    </a:solidFill>
+                  </a:tcPr>
+                </a:tc>
+                <a:tc>
+                  <a:txBody>
+                    <a:bodyPr/>
+                    <a:lstStyle/>
+                    <a:p>
+                      <a:endParaRPr lang="en-US" dirty="0"/>
+                    </a:p>
+                  </a:txBody>
+                  <a:tcPr>
+                    <a:lnL w="12700" cap="flat" cmpd="sng" algn="ctr">
+                      <a:solidFill>
+                        <a:schemeClr val="bg2">
+                          <a:lumMod val="50000"/>
+                        </a:schemeClr>
+                      </a:solidFill>
+                      <a:prstDash val="sysDot"/>
+                      <a:round/>
+                      <a:headEnd type="none" w="med" len="med"/>
+                      <a:tailEnd type="none" w="med" len="med"/>
+                    </a:lnL>
+                    <a:lnR w="12700" cap="flat" cmpd="sng" algn="ctr">
+                      <a:solidFill>
+                        <a:schemeClr val="bg2">
+                          <a:lumMod val="50000"/>
+                        </a:schemeClr>
+                      </a:solidFill>
+                      <a:prstDash val="sysDot"/>
+                      <a:round/>
+                      <a:headEnd type="none" w="med" len="med"/>
+                      <a:tailEnd type="none" w="med" len="med"/>
+                    </a:lnR>
+                    <a:lnT w="12700" cap="flat" cmpd="sng" algn="ctr">
+                      <a:solidFill>
+                        <a:schemeClr val="bg2">
+                          <a:lumMod val="50000"/>
+                        </a:schemeClr>
+                      </a:solidFill>
+                      <a:prstDash val="sysDot"/>
+                      <a:round/>
+                      <a:headEnd type="none" w="med" len="med"/>
+                      <a:tailEnd type="none" w="med" len="med"/>
+                    </a:lnT>
+                    <a:lnB w="12700" cap="flat" cmpd="sng" algn="ctr">
+                      <a:solidFill>
+                        <a:schemeClr val="bg2">
+                          <a:lumMod val="50000"/>
+                        </a:schemeClr>
+                      </a:solidFill>
+                      <a:prstDash val="sysDot"/>
+                      <a:round/>
+                      <a:headEnd type="none" w="med" len="med"/>
+                      <a:tailEnd type="none" w="med" len="med"/>
+                    </a:lnB>
+                    <a:noFill/>
+                  </a:tcPr>
+                </a:tc>
+                <a:tc>
+                  <a:txBody>
+                    <a:bodyPr/>
+                    <a:lstStyle/>
+                    <a:p>
+                      <a:endParaRPr lang="en-US" dirty="0"/>
+                    </a:p>
+                  </a:txBody>
+                  <a:tcPr>
+                    <a:lnL w="12700" cap="flat" cmpd="sng" algn="ctr">
+                      <a:solidFill>
+                        <a:schemeClr val="bg2">
+                          <a:lumMod val="50000"/>
+                        </a:schemeClr>
+                      </a:solidFill>
+                      <a:prstDash val="sysDot"/>
+                      <a:round/>
+                      <a:headEnd type="none" w="med" len="med"/>
+                      <a:tailEnd type="none" w="med" len="med"/>
+                    </a:lnL>
+                    <a:lnR w="12700" cap="flat" cmpd="sng" algn="ctr">
+                      <a:solidFill>
+                        <a:schemeClr val="bg2">
+                          <a:lumMod val="50000"/>
+                        </a:schemeClr>
+                      </a:solidFill>
+                      <a:prstDash val="sysDot"/>
+                      <a:round/>
+                      <a:headEnd type="none" w="med" len="med"/>
+                      <a:tailEnd type="none" w="med" len="med"/>
+                    </a:lnR>
+                    <a:lnT w="12700" cap="flat" cmpd="sng" algn="ctr">
+                      <a:solidFill>
+                        <a:schemeClr val="bg2">
+                          <a:lumMod val="50000"/>
+                        </a:schemeClr>
+                      </a:solidFill>
+                      <a:prstDash val="sysDot"/>
+                      <a:round/>
+                      <a:headEnd type="none" w="med" len="med"/>
+                      <a:tailEnd type="none" w="med" len="med"/>
+                    </a:lnT>
+                    <a:lnB w="12700" cap="flat" cmpd="sng" algn="ctr">
+                      <a:solidFill>
+                        <a:schemeClr val="bg2">
+                          <a:lumMod val="50000"/>
+                        </a:schemeClr>
+                      </a:solidFill>
+                      <a:prstDash val="sysDot"/>
+                      <a:round/>
+                      <a:headEnd type="none" w="med" len="med"/>
+                      <a:tailEnd type="none" w="med" len="med"/>
+                    </a:lnB>
+                    <a:noFill/>
+                  </a:tcPr>
+                </a:tc>
+                <a:tc>
+                  <a:txBody>
+                    <a:bodyPr/>
+                    <a:lstStyle/>
+                    <a:p>
+                      <a:endParaRPr lang="en-US" dirty="0"/>
+                    </a:p>
+                  </a:txBody>
+                  <a:tcPr>
+                    <a:lnL w="12700" cap="flat" cmpd="sng" algn="ctr">
+                      <a:solidFill>
+                        <a:schemeClr val="bg2">
+                          <a:lumMod val="50000"/>
+                        </a:schemeClr>
+                      </a:solidFill>
+                      <a:prstDash val="sysDot"/>
+                      <a:round/>
+                      <a:headEnd type="none" w="med" len="med"/>
+                      <a:tailEnd type="none" w="med" len="med"/>
+                    </a:lnL>
+                    <a:lnR w="12700" cap="flat" cmpd="sng" algn="ctr">
+                      <a:solidFill>
+                        <a:schemeClr val="bg2">
+                          <a:lumMod val="50000"/>
+                        </a:schemeClr>
+                      </a:solidFill>
+                      <a:prstDash val="sysDot"/>
+                      <a:round/>
+                      <a:headEnd type="none" w="med" len="med"/>
+                      <a:tailEnd type="none" w="med" len="med"/>
+                    </a:lnR>
+                    <a:lnT w="12700" cap="flat" cmpd="sng" algn="ctr">
+                      <a:solidFill>
+                        <a:schemeClr val="bg2">
+                          <a:lumMod val="50000"/>
+                        </a:schemeClr>
+                      </a:solidFill>
+                      <a:prstDash val="sysDot"/>
+                      <a:round/>
+                      <a:headEnd type="none" w="med" len="med"/>
+                      <a:tailEnd type="none" w="med" len="med"/>
+                    </a:lnT>
+                    <a:lnB w="12700" cap="flat" cmpd="sng" algn="ctr">
+                      <a:solidFill>
+                        <a:schemeClr val="bg2">
+                          <a:lumMod val="50000"/>
+                        </a:schemeClr>
+                      </a:solidFill>
+                      <a:prstDash val="sysDot"/>
+                      <a:round/>
+                      <a:headEnd type="none" w="med" len="med"/>
+                      <a:tailEnd type="none" w="med" len="med"/>
+                    </a:lnB>
+                    <a:noFill/>
+                  </a:tcPr>
+                </a:tc>
+                <a:tc>
+                  <a:txBody>
+                    <a:bodyPr/>
+                    <a:lstStyle/>
+                    <a:p>
+                      <a:endParaRPr lang="en-US" dirty="0"/>
+                    </a:p>
+                  </a:txBody>
+                  <a:tcPr>
+                    <a:lnL w="12700" cap="flat" cmpd="sng" algn="ctr">
+                      <a:solidFill>
+                        <a:schemeClr val="bg2">
+                          <a:lumMod val="50000"/>
+                        </a:schemeClr>
+                      </a:solidFill>
+                      <a:prstDash val="sysDot"/>
+                      <a:round/>
+                      <a:headEnd type="none" w="med" len="med"/>
+                      <a:tailEnd type="none" w="med" len="med"/>
+                    </a:lnL>
+                    <a:lnR w="12700" cap="flat" cmpd="sng" algn="ctr">
+                      <a:solidFill>
+                        <a:schemeClr val="bg2">
+                          <a:lumMod val="50000"/>
+                        </a:schemeClr>
+                      </a:solidFill>
+                      <a:prstDash val="sysDot"/>
+                      <a:round/>
+                      <a:headEnd type="none" w="med" len="med"/>
+                      <a:tailEnd type="none" w="med" len="med"/>
+                    </a:lnR>
+                    <a:lnT w="12700" cap="flat" cmpd="sng" algn="ctr">
+                      <a:solidFill>
+                        <a:schemeClr val="bg2">
+                          <a:lumMod val="50000"/>
+                        </a:schemeClr>
+                      </a:solidFill>
+                      <a:prstDash val="sysDot"/>
+                      <a:round/>
+                      <a:headEnd type="none" w="med" len="med"/>
+                      <a:tailEnd type="none" w="med" len="med"/>
+                    </a:lnT>
+                    <a:lnB w="12700" cap="flat" cmpd="sng" algn="ctr">
+                      <a:solidFill>
+                        <a:schemeClr val="bg2">
+                          <a:lumMod val="50000"/>
+                        </a:schemeClr>
+                      </a:solidFill>
+                      <a:prstDash val="sysDot"/>
+                      <a:round/>
+                      <a:headEnd type="none" w="med" len="med"/>
+                      <a:tailEnd type="none" w="med" len="med"/>
+                    </a:lnB>
+                    <a:noFill/>
+                  </a:tcPr>
+                </a:tc>
+                <a:tc>
+                  <a:txBody>
+                    <a:bodyPr/>
+                    <a:lstStyle/>
+                    <a:p>
+                      <a:endParaRPr lang="en-US" dirty="0"/>
+                    </a:p>
+                  </a:txBody>
+                  <a:tcPr>
+                    <a:lnL w="12700" cap="flat" cmpd="sng" algn="ctr">
+                      <a:solidFill>
+                        <a:schemeClr val="bg2">
+                          <a:lumMod val="50000"/>
+                        </a:schemeClr>
+                      </a:solidFill>
+                      <a:prstDash val="sysDot"/>
+                      <a:round/>
+                      <a:headEnd type="none" w="med" len="med"/>
+                      <a:tailEnd type="none" w="med" len="med"/>
+                    </a:lnL>
+                    <a:lnR w="12700" cap="flat" cmpd="sng" algn="ctr">
+                      <a:solidFill>
+                        <a:schemeClr val="bg2">
+                          <a:lumMod val="50000"/>
+                        </a:schemeClr>
+                      </a:solidFill>
+                      <a:prstDash val="sysDot"/>
+                      <a:round/>
+                      <a:headEnd type="none" w="med" len="med"/>
+                      <a:tailEnd type="none" w="med" len="med"/>
+                    </a:lnR>
+                    <a:lnT w="12700" cap="flat" cmpd="sng" algn="ctr">
+                      <a:solidFill>
+                        <a:schemeClr val="bg2">
+                          <a:lumMod val="50000"/>
+                        </a:schemeClr>
+                      </a:solidFill>
+                      <a:prstDash val="sysDot"/>
+                      <a:round/>
+                      <a:headEnd type="none" w="med" len="med"/>
+                      <a:tailEnd type="none" w="med" len="med"/>
+                    </a:lnT>
+                    <a:lnB w="12700" cap="flat" cmpd="sng" algn="ctr">
+                      <a:solidFill>
+                        <a:schemeClr val="bg2">
+                          <a:lumMod val="50000"/>
+                        </a:schemeClr>
+                      </a:solidFill>
+                      <a:prstDash val="sysDot"/>
+                      <a:round/>
+                      <a:headEnd type="none" w="med" len="med"/>
+                      <a:tailEnd type="none" w="med" len="med"/>
+                    </a:lnB>
+                    <a:noFill/>
+                  </a:tcPr>
+                </a:tc>
+                <a:tc>
+                  <a:txBody>
+                    <a:bodyPr/>
+                    <a:lstStyle/>
+                    <a:p>
+                      <a:endParaRPr lang="en-US" dirty="0"/>
+                    </a:p>
+                  </a:txBody>
+                  <a:tcPr>
+                    <a:lnL w="12700" cap="flat" cmpd="sng" algn="ctr">
+                      <a:solidFill>
+                        <a:schemeClr val="bg2">
+                          <a:lumMod val="50000"/>
+                        </a:schemeClr>
+                      </a:solidFill>
+                      <a:prstDash val="sysDot"/>
+                      <a:round/>
+                      <a:headEnd type="none" w="med" len="med"/>
+                      <a:tailEnd type="none" w="med" len="med"/>
+                    </a:lnL>
+                    <a:lnR w="12700" cap="flat" cmpd="sng" algn="ctr">
+                      <a:solidFill>
+                        <a:schemeClr val="bg2">
+                          <a:lumMod val="50000"/>
+                        </a:schemeClr>
+                      </a:solidFill>
+                      <a:prstDash val="sysDot"/>
+                      <a:round/>
+                      <a:headEnd type="none" w="med" len="med"/>
+                      <a:tailEnd type="none" w="med" len="med"/>
+                    </a:lnR>
+                    <a:lnT w="12700" cap="flat" cmpd="sng" algn="ctr">
+                      <a:solidFill>
+                        <a:schemeClr val="bg2">
+                          <a:lumMod val="50000"/>
+                        </a:schemeClr>
+                      </a:solidFill>
+                      <a:prstDash val="sysDot"/>
+                      <a:round/>
+                      <a:headEnd type="none" w="med" len="med"/>
+                      <a:tailEnd type="none" w="med" len="med"/>
+                    </a:lnT>
+                    <a:lnB w="12700" cap="flat" cmpd="sng" algn="ctr">
+                      <a:solidFill>
+                        <a:schemeClr val="bg2">
+                          <a:lumMod val="50000"/>
+                        </a:schemeClr>
+                      </a:solidFill>
+                      <a:prstDash val="sysDot"/>
+                      <a:round/>
+                      <a:headEnd type="none" w="med" len="med"/>
+                      <a:tailEnd type="none" w="med" len="med"/>
+                    </a:lnB>
+                    <a:noFill/>
+                  </a:tcPr>
+                </a:tc>
+                <a:tc>
+                  <a:txBody>
+                    <a:bodyPr/>
+                    <a:lstStyle/>
+                    <a:p>
+                      <a:endParaRPr lang="en-US" dirty="0"/>
+                    </a:p>
+                  </a:txBody>
+                  <a:tcPr>
+                    <a:lnL w="12700" cap="flat" cmpd="sng" algn="ctr">
+                      <a:solidFill>
+                        <a:schemeClr val="bg2">
+                          <a:lumMod val="50000"/>
+                        </a:schemeClr>
+                      </a:solidFill>
+                      <a:prstDash val="sysDot"/>
+                      <a:round/>
+                      <a:headEnd type="none" w="med" len="med"/>
+                      <a:tailEnd type="none" w="med" len="med"/>
+                    </a:lnL>
+                    <a:lnR w="12700" cap="flat" cmpd="sng" algn="ctr">
+                      <a:solidFill>
+                        <a:schemeClr val="tx1"/>
+                      </a:solidFill>
+                      <a:prstDash val="solid"/>
+                      <a:round/>
+                      <a:headEnd type="none" w="med" len="med"/>
+                      <a:tailEnd type="none" w="med" len="med"/>
+                    </a:lnR>
+                    <a:lnT w="12700" cap="flat" cmpd="sng" algn="ctr">
+                      <a:solidFill>
+                        <a:schemeClr val="bg2">
+                          <a:lumMod val="50000"/>
+                        </a:schemeClr>
+                      </a:solidFill>
+                      <a:prstDash val="sysDot"/>
+                      <a:round/>
+                      <a:headEnd type="none" w="med" len="med"/>
+                      <a:tailEnd type="none" w="med" len="med"/>
+                    </a:lnT>
+                    <a:lnB w="12700" cap="flat" cmpd="sng" algn="ctr">
+                      <a:solidFill>
+                        <a:schemeClr val="bg2">
+                          <a:lumMod val="50000"/>
+                        </a:schemeClr>
+                      </a:solidFill>
+                      <a:prstDash val="sysDot"/>
+                      <a:round/>
+                      <a:headEnd type="none" w="med" len="med"/>
+                      <a:tailEnd type="none" w="med" len="med"/>
+                    </a:lnB>
+                    <a:noFill/>
+                  </a:tcPr>
+                </a:tc>
+                <a:extLst>
+                  <a:ext uri="{0D108BD9-81ED-4DB2-BD59-A6C34878D82A}">
+                    <a16:rowId xmlns:a16="http://schemas.microsoft.com/office/drawing/2014/main" val="2595773261"/>
+                  </a:ext>
+                </a:extLst>
+              </a:tr>
+              <a:tr h="506571">
+                <a:tc>
+                  <a:txBody>
+                    <a:bodyPr/>
+                    <a:lstStyle/>
+                    <a:p>
+                      <a:endParaRPr lang="en-US" dirty="0"/>
+                    </a:p>
+                  </a:txBody>
+                  <a:tcPr>
+                    <a:lnL w="12700" cap="flat" cmpd="sng" algn="ctr">
+                      <a:solidFill>
+                        <a:schemeClr val="tx1"/>
+                      </a:solidFill>
+                      <a:prstDash val="solid"/>
+                      <a:round/>
+                      <a:headEnd type="none" w="med" len="med"/>
+                      <a:tailEnd type="none" w="med" len="med"/>
+                    </a:lnL>
+                    <a:lnR w="12700" cap="flat" cmpd="sng" algn="ctr">
+                      <a:solidFill>
+                        <a:schemeClr val="bg2">
+                          <a:lumMod val="50000"/>
+                        </a:schemeClr>
+                      </a:solidFill>
+                      <a:prstDash val="sysDot"/>
+                      <a:round/>
+                      <a:headEnd type="none" w="med" len="med"/>
+                      <a:tailEnd type="none" w="med" len="med"/>
+                    </a:lnR>
+                    <a:lnT w="12700" cap="flat" cmpd="sng" algn="ctr">
+                      <a:solidFill>
+                        <a:schemeClr val="bg2">
+                          <a:lumMod val="50000"/>
+                        </a:schemeClr>
+                      </a:solidFill>
+                      <a:prstDash val="sysDot"/>
+                      <a:round/>
+                      <a:headEnd type="none" w="med" len="med"/>
+                      <a:tailEnd type="none" w="med" len="med"/>
+                    </a:lnT>
+                    <a:lnB w="12700" cap="flat" cmpd="sng" algn="ctr">
+                      <a:solidFill>
+                        <a:schemeClr val="bg2">
+                          <a:lumMod val="50000"/>
+                        </a:schemeClr>
+                      </a:solidFill>
+                      <a:prstDash val="sysDot"/>
+                      <a:round/>
+                      <a:headEnd type="none" w="med" len="med"/>
+                      <a:tailEnd type="none" w="med" len="med"/>
+                    </a:lnB>
+                    <a:solidFill>
+                      <a:srgbClr val="92D050"/>
+                    </a:solidFill>
+                  </a:tcPr>
+                </a:tc>
+                <a:tc>
+                  <a:txBody>
+                    <a:bodyPr/>
+                    <a:lstStyle/>
+                    <a:p>
+                      <a:endParaRPr lang="en-US" dirty="0"/>
+                    </a:p>
+                  </a:txBody>
+                  <a:tcPr>
+                    <a:lnL w="12700" cap="flat" cmpd="sng" algn="ctr">
+                      <a:solidFill>
+                        <a:schemeClr val="bg2">
+                          <a:lumMod val="50000"/>
+                        </a:schemeClr>
+                      </a:solidFill>
+                      <a:prstDash val="sysDot"/>
+                      <a:round/>
+                      <a:headEnd type="none" w="med" len="med"/>
+                      <a:tailEnd type="none" w="med" len="med"/>
+                    </a:lnL>
+                    <a:lnR w="12700" cap="flat" cmpd="sng" algn="ctr">
+                      <a:solidFill>
+                        <a:schemeClr val="bg2">
+                          <a:lumMod val="50000"/>
+                        </a:schemeClr>
+                      </a:solidFill>
+                      <a:prstDash val="sysDot"/>
+                      <a:round/>
+                      <a:headEnd type="none" w="med" len="med"/>
+                      <a:tailEnd type="none" w="med" len="med"/>
+                    </a:lnR>
+                    <a:lnT w="12700" cap="flat" cmpd="sng" algn="ctr">
+                      <a:solidFill>
+                        <a:schemeClr val="bg2">
+                          <a:lumMod val="50000"/>
+                        </a:schemeClr>
+                      </a:solidFill>
+                      <a:prstDash val="sysDot"/>
+                      <a:round/>
+                      <a:headEnd type="none" w="med" len="med"/>
+                      <a:tailEnd type="none" w="med" len="med"/>
+                    </a:lnT>
+                    <a:lnB w="12700" cap="flat" cmpd="sng" algn="ctr">
+                      <a:solidFill>
+                        <a:schemeClr val="bg2">
+                          <a:lumMod val="50000"/>
+                        </a:schemeClr>
+                      </a:solidFill>
+                      <a:prstDash val="sysDot"/>
+                      <a:round/>
+                      <a:headEnd type="none" w="med" len="med"/>
+                      <a:tailEnd type="none" w="med" len="med"/>
+                    </a:lnB>
+                    <a:solidFill>
+                      <a:srgbClr val="92D050"/>
+                    </a:solidFill>
+                  </a:tcPr>
+                </a:tc>
+                <a:tc>
+                  <a:txBody>
+                    <a:bodyPr/>
+                    <a:lstStyle/>
+                    <a:p>
+                      <a:endParaRPr lang="en-US" dirty="0"/>
+                    </a:p>
+                  </a:txBody>
+                  <a:tcPr>
+                    <a:lnL w="12700" cap="flat" cmpd="sng" algn="ctr">
+                      <a:solidFill>
+                        <a:schemeClr val="bg2">
+                          <a:lumMod val="50000"/>
+                        </a:schemeClr>
+                      </a:solidFill>
+                      <a:prstDash val="sysDot"/>
+                      <a:round/>
+                      <a:headEnd type="none" w="med" len="med"/>
+                      <a:tailEnd type="none" w="med" len="med"/>
+                    </a:lnL>
+                    <a:lnR w="12700" cap="flat" cmpd="sng" algn="ctr">
+                      <a:solidFill>
+                        <a:schemeClr val="bg2">
+                          <a:lumMod val="50000"/>
+                        </a:schemeClr>
+                      </a:solidFill>
+                      <a:prstDash val="sysDot"/>
+                      <a:round/>
+                      <a:headEnd type="none" w="med" len="med"/>
+                      <a:tailEnd type="none" w="med" len="med"/>
+                    </a:lnR>
+                    <a:lnT w="12700" cap="flat" cmpd="sng" algn="ctr">
+                      <a:solidFill>
+                        <a:schemeClr val="bg2">
+                          <a:lumMod val="50000"/>
+                        </a:schemeClr>
+                      </a:solidFill>
+                      <a:prstDash val="sysDot"/>
+                      <a:round/>
+                      <a:headEnd type="none" w="med" len="med"/>
+                      <a:tailEnd type="none" w="med" len="med"/>
+                    </a:lnT>
+                    <a:lnB w="12700" cap="flat" cmpd="sng" algn="ctr">
+                      <a:solidFill>
+                        <a:schemeClr val="bg2">
+                          <a:lumMod val="50000"/>
+                        </a:schemeClr>
+                      </a:solidFill>
+                      <a:prstDash val="sysDot"/>
+                      <a:round/>
+                      <a:headEnd type="none" w="med" len="med"/>
+                      <a:tailEnd type="none" w="med" len="med"/>
+                    </a:lnB>
+                    <a:solidFill>
+                      <a:srgbClr val="92D050"/>
+                    </a:solidFill>
+                  </a:tcPr>
+                </a:tc>
+                <a:tc>
+                  <a:txBody>
+                    <a:bodyPr/>
+                    <a:lstStyle/>
+                    <a:p>
+                      <a:endParaRPr lang="en-US" dirty="0"/>
+                    </a:p>
+                  </a:txBody>
+                  <a:tcPr>
+                    <a:lnL w="12700" cap="flat" cmpd="sng" algn="ctr">
+                      <a:solidFill>
+                        <a:schemeClr val="bg2">
+                          <a:lumMod val="50000"/>
+                        </a:schemeClr>
+                      </a:solidFill>
+                      <a:prstDash val="sysDot"/>
+                      <a:round/>
+                      <a:headEnd type="none" w="med" len="med"/>
+                      <a:tailEnd type="none" w="med" len="med"/>
+                    </a:lnL>
+                    <a:lnR w="12700" cap="flat" cmpd="sng" algn="ctr">
+                      <a:solidFill>
+                        <a:schemeClr val="bg2">
+                          <a:lumMod val="50000"/>
+                        </a:schemeClr>
+                      </a:solidFill>
+                      <a:prstDash val="sysDot"/>
+                      <a:round/>
+                      <a:headEnd type="none" w="med" len="med"/>
+                      <a:tailEnd type="none" w="med" len="med"/>
+                    </a:lnR>
+                    <a:lnT w="12700" cap="flat" cmpd="sng" algn="ctr">
+                      <a:solidFill>
+                        <a:schemeClr val="bg2">
+                          <a:lumMod val="50000"/>
+                        </a:schemeClr>
+                      </a:solidFill>
+                      <a:prstDash val="sysDot"/>
+                      <a:round/>
+                      <a:headEnd type="none" w="med" len="med"/>
+                      <a:tailEnd type="none" w="med" len="med"/>
+                    </a:lnT>
+                    <a:lnB w="12700" cap="flat" cmpd="sng" algn="ctr">
+                      <a:solidFill>
+                        <a:schemeClr val="bg2">
+                          <a:lumMod val="50000"/>
+                        </a:schemeClr>
+                      </a:solidFill>
+                      <a:prstDash val="sysDot"/>
+                      <a:round/>
+                      <a:headEnd type="none" w="med" len="med"/>
+                      <a:tailEnd type="none" w="med" len="med"/>
+                    </a:lnB>
+                    <a:noFill/>
+                  </a:tcPr>
+                </a:tc>
+                <a:tc>
+                  <a:txBody>
+                    <a:bodyPr/>
+                    <a:lstStyle/>
+                    <a:p>
+                      <a:endParaRPr lang="en-US" dirty="0"/>
+                    </a:p>
+                  </a:txBody>
+                  <a:tcPr>
+                    <a:lnL w="12700" cap="flat" cmpd="sng" algn="ctr">
+                      <a:solidFill>
+                        <a:schemeClr val="bg2">
+                          <a:lumMod val="50000"/>
+                        </a:schemeClr>
+                      </a:solidFill>
+                      <a:prstDash val="sysDot"/>
+                      <a:round/>
+                      <a:headEnd type="none" w="med" len="med"/>
+                      <a:tailEnd type="none" w="med" len="med"/>
+                    </a:lnL>
+                    <a:lnR w="12700" cap="flat" cmpd="sng" algn="ctr">
+                      <a:solidFill>
+                        <a:schemeClr val="bg2">
+                          <a:lumMod val="50000"/>
+                        </a:schemeClr>
+                      </a:solidFill>
+                      <a:prstDash val="sysDot"/>
+                      <a:round/>
+                      <a:headEnd type="none" w="med" len="med"/>
+                      <a:tailEnd type="none" w="med" len="med"/>
+                    </a:lnR>
+                    <a:lnT w="12700" cap="flat" cmpd="sng" algn="ctr">
+                      <a:solidFill>
+                        <a:schemeClr val="bg2">
+                          <a:lumMod val="50000"/>
+                        </a:schemeClr>
+                      </a:solidFill>
+                      <a:prstDash val="sysDot"/>
+                      <a:round/>
+                      <a:headEnd type="none" w="med" len="med"/>
+                      <a:tailEnd type="none" w="med" len="med"/>
+                    </a:lnT>
+                    <a:lnB w="12700" cap="flat" cmpd="sng" algn="ctr">
+                      <a:solidFill>
+                        <a:schemeClr val="bg2">
+                          <a:lumMod val="50000"/>
+                        </a:schemeClr>
+                      </a:solidFill>
+                      <a:prstDash val="sysDot"/>
+                      <a:round/>
+                      <a:headEnd type="none" w="med" len="med"/>
+                      <a:tailEnd type="none" w="med" len="med"/>
+                    </a:lnB>
+                    <a:noFill/>
+                  </a:tcPr>
+                </a:tc>
+                <a:tc>
+                  <a:txBody>
+                    <a:bodyPr/>
+                    <a:lstStyle/>
+                    <a:p>
+                      <a:endParaRPr lang="en-US" dirty="0"/>
+                    </a:p>
+                  </a:txBody>
+                  <a:tcPr>
+                    <a:lnL w="12700" cap="flat" cmpd="sng" algn="ctr">
+                      <a:solidFill>
+                        <a:schemeClr val="bg2">
+                          <a:lumMod val="50000"/>
+                        </a:schemeClr>
+                      </a:solidFill>
+                      <a:prstDash val="sysDot"/>
+                      <a:round/>
+                      <a:headEnd type="none" w="med" len="med"/>
+                      <a:tailEnd type="none" w="med" len="med"/>
+                    </a:lnL>
+                    <a:lnR w="12700" cap="flat" cmpd="sng" algn="ctr">
+                      <a:solidFill>
+                        <a:schemeClr val="bg2">
+                          <a:lumMod val="50000"/>
+                        </a:schemeClr>
+                      </a:solidFill>
+                      <a:prstDash val="sysDot"/>
+                      <a:round/>
+                      <a:headEnd type="none" w="med" len="med"/>
+                      <a:tailEnd type="none" w="med" len="med"/>
+                    </a:lnR>
+                    <a:lnT w="12700" cap="flat" cmpd="sng" algn="ctr">
+                      <a:solidFill>
+                        <a:schemeClr val="bg2">
+                          <a:lumMod val="50000"/>
+                        </a:schemeClr>
+                      </a:solidFill>
+                      <a:prstDash val="sysDot"/>
+                      <a:round/>
+                      <a:headEnd type="none" w="med" len="med"/>
+                      <a:tailEnd type="none" w="med" len="med"/>
+                    </a:lnT>
+                    <a:lnB w="12700" cap="flat" cmpd="sng" algn="ctr">
+                      <a:solidFill>
+                        <a:schemeClr val="bg2">
+                          <a:lumMod val="50000"/>
+                        </a:schemeClr>
+                      </a:solidFill>
+                      <a:prstDash val="sysDot"/>
+                      <a:round/>
+                      <a:headEnd type="none" w="med" len="med"/>
+                      <a:tailEnd type="none" w="med" len="med"/>
+                    </a:lnB>
+                    <a:noFill/>
+                  </a:tcPr>
+                </a:tc>
+                <a:tc>
+                  <a:txBody>
+                    <a:bodyPr/>
+                    <a:lstStyle/>
+                    <a:p>
+                      <a:endParaRPr lang="en-US" dirty="0"/>
+                    </a:p>
+                  </a:txBody>
+                  <a:tcPr>
+                    <a:lnL w="12700" cap="flat" cmpd="sng" algn="ctr">
+                      <a:solidFill>
+                        <a:schemeClr val="bg2">
+                          <a:lumMod val="50000"/>
+                        </a:schemeClr>
+                      </a:solidFill>
+                      <a:prstDash val="sysDot"/>
+                      <a:round/>
+                      <a:headEnd type="none" w="med" len="med"/>
+                      <a:tailEnd type="none" w="med" len="med"/>
+                    </a:lnL>
+                    <a:lnR w="12700" cap="flat" cmpd="sng" algn="ctr">
+                      <a:solidFill>
+                        <a:schemeClr val="bg2">
+                          <a:lumMod val="50000"/>
+                        </a:schemeClr>
+                      </a:solidFill>
+                      <a:prstDash val="sysDot"/>
+                      <a:round/>
+                      <a:headEnd type="none" w="med" len="med"/>
+                      <a:tailEnd type="none" w="med" len="med"/>
+                    </a:lnR>
+                    <a:lnT w="12700" cap="flat" cmpd="sng" algn="ctr">
+                      <a:solidFill>
+                        <a:schemeClr val="bg2">
+                          <a:lumMod val="50000"/>
+                        </a:schemeClr>
+                      </a:solidFill>
+                      <a:prstDash val="sysDot"/>
+                      <a:round/>
+                      <a:headEnd type="none" w="med" len="med"/>
+                      <a:tailEnd type="none" w="med" len="med"/>
+                    </a:lnT>
+                    <a:lnB w="12700" cap="flat" cmpd="sng" algn="ctr">
+                      <a:solidFill>
+                        <a:schemeClr val="bg2">
+                          <a:lumMod val="50000"/>
+                        </a:schemeClr>
+                      </a:solidFill>
+                      <a:prstDash val="sysDot"/>
+                      <a:round/>
+                      <a:headEnd type="none" w="med" len="med"/>
+                      <a:tailEnd type="none" w="med" len="med"/>
+                    </a:lnB>
+                    <a:noFill/>
+                  </a:tcPr>
+                </a:tc>
+                <a:tc>
+                  <a:txBody>
+                    <a:bodyPr/>
+                    <a:lstStyle/>
+                    <a:p>
+                      <a:endParaRPr lang="en-US" dirty="0"/>
+                    </a:p>
+                  </a:txBody>
+                  <a:tcPr>
+                    <a:lnL w="12700" cap="flat" cmpd="sng" algn="ctr">
+                      <a:solidFill>
+                        <a:schemeClr val="bg2">
+                          <a:lumMod val="50000"/>
+                        </a:schemeClr>
+                      </a:solidFill>
+                      <a:prstDash val="sysDot"/>
+                      <a:round/>
+                      <a:headEnd type="none" w="med" len="med"/>
+                      <a:tailEnd type="none" w="med" len="med"/>
+                    </a:lnL>
+                    <a:lnR w="12700" cap="flat" cmpd="sng" algn="ctr">
+                      <a:solidFill>
+                        <a:schemeClr val="bg2">
+                          <a:lumMod val="50000"/>
+                        </a:schemeClr>
+                      </a:solidFill>
+                      <a:prstDash val="sysDot"/>
+                      <a:round/>
+                      <a:headEnd type="none" w="med" len="med"/>
+                      <a:tailEnd type="none" w="med" len="med"/>
+                    </a:lnR>
+                    <a:lnT w="12700" cap="flat" cmpd="sng" algn="ctr">
+                      <a:solidFill>
+                        <a:schemeClr val="bg2">
+                          <a:lumMod val="50000"/>
+                        </a:schemeClr>
+                      </a:solidFill>
+                      <a:prstDash val="sysDot"/>
+                      <a:round/>
+                      <a:headEnd type="none" w="med" len="med"/>
+                      <a:tailEnd type="none" w="med" len="med"/>
+                    </a:lnT>
+                    <a:lnB w="12700" cap="flat" cmpd="sng" algn="ctr">
+                      <a:solidFill>
+                        <a:schemeClr val="bg2">
+                          <a:lumMod val="50000"/>
+                        </a:schemeClr>
+                      </a:solidFill>
+                      <a:prstDash val="sysDot"/>
+                      <a:round/>
+                      <a:headEnd type="none" w="med" len="med"/>
+                      <a:tailEnd type="none" w="med" len="med"/>
+                    </a:lnB>
+                    <a:noFill/>
+                  </a:tcPr>
+                </a:tc>
+                <a:tc>
+                  <a:txBody>
+                    <a:bodyPr/>
+                    <a:lstStyle/>
+                    <a:p>
+                      <a:endParaRPr lang="en-US" dirty="0"/>
+                    </a:p>
+                  </a:txBody>
+                  <a:tcPr>
+                    <a:lnL w="12700" cap="flat" cmpd="sng" algn="ctr">
+                      <a:solidFill>
+                        <a:schemeClr val="bg2">
+                          <a:lumMod val="50000"/>
+                        </a:schemeClr>
+                      </a:solidFill>
+                      <a:prstDash val="sysDot"/>
+                      <a:round/>
+                      <a:headEnd type="none" w="med" len="med"/>
+                      <a:tailEnd type="none" w="med" len="med"/>
+                    </a:lnL>
+                    <a:lnR w="12700" cap="flat" cmpd="sng" algn="ctr">
+                      <a:solidFill>
+                        <a:schemeClr val="bg2">
+                          <a:lumMod val="50000"/>
+                        </a:schemeClr>
+                      </a:solidFill>
+                      <a:prstDash val="sysDot"/>
+                      <a:round/>
+                      <a:headEnd type="none" w="med" len="med"/>
+                      <a:tailEnd type="none" w="med" len="med"/>
+                    </a:lnR>
+                    <a:lnT w="12700" cap="flat" cmpd="sng" algn="ctr">
+                      <a:solidFill>
+                        <a:schemeClr val="bg2">
+                          <a:lumMod val="50000"/>
+                        </a:schemeClr>
+                      </a:solidFill>
+                      <a:prstDash val="sysDot"/>
+                      <a:round/>
+                      <a:headEnd type="none" w="med" len="med"/>
+                      <a:tailEnd type="none" w="med" len="med"/>
+                    </a:lnT>
+                    <a:lnB w="12700" cap="flat" cmpd="sng" algn="ctr">
+                      <a:solidFill>
+                        <a:schemeClr val="bg2">
+                          <a:lumMod val="50000"/>
+                        </a:schemeClr>
+                      </a:solidFill>
+                      <a:prstDash val="sysDot"/>
+                      <a:round/>
+                      <a:headEnd type="none" w="med" len="med"/>
+                      <a:tailEnd type="none" w="med" len="med"/>
+                    </a:lnB>
+                    <a:noFill/>
+                  </a:tcPr>
+                </a:tc>
+                <a:tc>
+                  <a:txBody>
+                    <a:bodyPr/>
+                    <a:lstStyle/>
+                    <a:p>
+                      <a:endParaRPr lang="en-US" dirty="0"/>
+                    </a:p>
+                  </a:txBody>
+                  <a:tcPr>
+                    <a:lnL w="12700" cap="flat" cmpd="sng" algn="ctr">
+                      <a:solidFill>
+                        <a:schemeClr val="bg2">
+                          <a:lumMod val="50000"/>
+                        </a:schemeClr>
+                      </a:solidFill>
+                      <a:prstDash val="sysDot"/>
+                      <a:round/>
+                      <a:headEnd type="none" w="med" len="med"/>
+                      <a:tailEnd type="none" w="med" len="med"/>
+                    </a:lnL>
+                    <a:lnR w="12700" cap="flat" cmpd="sng" algn="ctr">
+                      <a:solidFill>
+                        <a:schemeClr val="tx1"/>
+                      </a:solidFill>
+                      <a:prstDash val="solid"/>
+                      <a:round/>
+                      <a:headEnd type="none" w="med" len="med"/>
+                      <a:tailEnd type="none" w="med" len="med"/>
+                    </a:lnR>
+                    <a:lnT w="12700" cap="flat" cmpd="sng" algn="ctr">
+                      <a:solidFill>
+                        <a:schemeClr val="bg2">
+                          <a:lumMod val="50000"/>
+                        </a:schemeClr>
+                      </a:solidFill>
+                      <a:prstDash val="sysDot"/>
+                      <a:round/>
+                      <a:headEnd type="none" w="med" len="med"/>
+                      <a:tailEnd type="none" w="med" len="med"/>
+                    </a:lnT>
+                    <a:lnB w="12700" cap="flat" cmpd="sng" algn="ctr">
+                      <a:solidFill>
+                        <a:schemeClr val="bg2">
+                          <a:lumMod val="50000"/>
+                        </a:schemeClr>
+                      </a:solidFill>
+                      <a:prstDash val="sysDot"/>
+                      <a:round/>
+                      <a:headEnd type="none" w="med" len="med"/>
+                      <a:tailEnd type="none" w="med" len="med"/>
+                    </a:lnB>
+                    <a:noFill/>
+                  </a:tcPr>
+                </a:tc>
+                <a:extLst>
+                  <a:ext uri="{0D108BD9-81ED-4DB2-BD59-A6C34878D82A}">
+                    <a16:rowId xmlns:a16="http://schemas.microsoft.com/office/drawing/2014/main" val="2639090197"/>
+                  </a:ext>
+                </a:extLst>
+              </a:tr>
+              <a:tr h="506571">
+                <a:tc>
+                  <a:txBody>
+                    <a:bodyPr/>
+                    <a:lstStyle/>
+                    <a:p>
+                      <a:endParaRPr lang="en-US" dirty="0"/>
+                    </a:p>
+                  </a:txBody>
+                  <a:tcPr>
+                    <a:lnL w="12700" cap="flat" cmpd="sng" algn="ctr">
+                      <a:solidFill>
+                        <a:schemeClr val="tx1"/>
+                      </a:solidFill>
+                      <a:prstDash val="solid"/>
+                      <a:round/>
+                      <a:headEnd type="none" w="med" len="med"/>
+                      <a:tailEnd type="none" w="med" len="med"/>
+                    </a:lnL>
+                    <a:lnR w="12700" cap="flat" cmpd="sng" algn="ctr">
+                      <a:solidFill>
+                        <a:schemeClr val="bg2">
+                          <a:lumMod val="50000"/>
+                        </a:schemeClr>
+                      </a:solidFill>
+                      <a:prstDash val="sysDot"/>
+                      <a:round/>
+                      <a:headEnd type="none" w="med" len="med"/>
+                      <a:tailEnd type="none" w="med" len="med"/>
+                    </a:lnR>
+                    <a:lnT w="12700" cap="flat" cmpd="sng" algn="ctr">
+                      <a:solidFill>
+                        <a:schemeClr val="bg2">
+                          <a:lumMod val="50000"/>
+                        </a:schemeClr>
+                      </a:solidFill>
+                      <a:prstDash val="sysDot"/>
+                      <a:round/>
+                      <a:headEnd type="none" w="med" len="med"/>
+                      <a:tailEnd type="none" w="med" len="med"/>
+                    </a:lnT>
+                    <a:lnB w="12700" cap="flat" cmpd="sng" algn="ctr">
+                      <a:solidFill>
+                        <a:schemeClr val="bg2">
+                          <a:lumMod val="50000"/>
+                        </a:schemeClr>
+                      </a:solidFill>
+                      <a:prstDash val="sysDot"/>
+                      <a:round/>
+                      <a:headEnd type="none" w="med" len="med"/>
+                      <a:tailEnd type="none" w="med" len="med"/>
+                    </a:lnB>
+                    <a:solidFill>
+                      <a:srgbClr val="92D050"/>
+                    </a:solidFill>
+                  </a:tcPr>
+                </a:tc>
+                <a:tc>
+                  <a:txBody>
+                    <a:bodyPr/>
+                    <a:lstStyle/>
+                    <a:p>
+                      <a:endParaRPr lang="en-US" dirty="0"/>
+                    </a:p>
+                  </a:txBody>
+                  <a:tcPr>
+                    <a:lnL w="12700" cap="flat" cmpd="sng" algn="ctr">
+                      <a:solidFill>
+                        <a:schemeClr val="bg2">
+                          <a:lumMod val="50000"/>
+                        </a:schemeClr>
+                      </a:solidFill>
+                      <a:prstDash val="sysDot"/>
+                      <a:round/>
+                      <a:headEnd type="none" w="med" len="med"/>
+                      <a:tailEnd type="none" w="med" len="med"/>
+                    </a:lnL>
+                    <a:lnR w="12700" cap="flat" cmpd="sng" algn="ctr">
+                      <a:solidFill>
+                        <a:schemeClr val="bg2">
+                          <a:lumMod val="50000"/>
+                        </a:schemeClr>
+                      </a:solidFill>
+                      <a:prstDash val="sysDot"/>
+                      <a:round/>
+                      <a:headEnd type="none" w="med" len="med"/>
+                      <a:tailEnd type="none" w="med" len="med"/>
+                    </a:lnR>
+                    <a:lnT w="12700" cap="flat" cmpd="sng" algn="ctr">
+                      <a:solidFill>
+                        <a:schemeClr val="bg2">
+                          <a:lumMod val="50000"/>
+                        </a:schemeClr>
+                      </a:solidFill>
+                      <a:prstDash val="sysDot"/>
+                      <a:round/>
+                      <a:headEnd type="none" w="med" len="med"/>
+                      <a:tailEnd type="none" w="med" len="med"/>
+                    </a:lnT>
+                    <a:lnB w="12700" cap="flat" cmpd="sng" algn="ctr">
+                      <a:solidFill>
+                        <a:schemeClr val="bg2">
+                          <a:lumMod val="50000"/>
+                        </a:schemeClr>
+                      </a:solidFill>
+                      <a:prstDash val="sysDot"/>
+                      <a:round/>
+                      <a:headEnd type="none" w="med" len="med"/>
+                      <a:tailEnd type="none" w="med" len="med"/>
+                    </a:lnB>
+                    <a:solidFill>
+                      <a:srgbClr val="92D050"/>
+                    </a:solidFill>
+                  </a:tcPr>
+                </a:tc>
+                <a:tc>
+                  <a:txBody>
+                    <a:bodyPr/>
+                    <a:lstStyle/>
+                    <a:p>
+                      <a:endParaRPr lang="en-US" dirty="0"/>
+                    </a:p>
+                  </a:txBody>
+                  <a:tcPr>
+                    <a:lnL w="12700" cap="flat" cmpd="sng" algn="ctr">
+                      <a:solidFill>
+                        <a:schemeClr val="bg2">
+                          <a:lumMod val="50000"/>
+                        </a:schemeClr>
+                      </a:solidFill>
+                      <a:prstDash val="sysDot"/>
+                      <a:round/>
+                      <a:headEnd type="none" w="med" len="med"/>
+                      <a:tailEnd type="none" w="med" len="med"/>
+                    </a:lnL>
+                    <a:lnR w="12700" cap="flat" cmpd="sng" algn="ctr">
+                      <a:solidFill>
+                        <a:schemeClr val="bg2">
+                          <a:lumMod val="50000"/>
+                        </a:schemeClr>
+                      </a:solidFill>
+                      <a:prstDash val="sysDot"/>
+                      <a:round/>
+                      <a:headEnd type="none" w="med" len="med"/>
+                      <a:tailEnd type="none" w="med" len="med"/>
+                    </a:lnR>
+                    <a:lnT w="12700" cap="flat" cmpd="sng" algn="ctr">
+                      <a:solidFill>
+                        <a:schemeClr val="bg2">
+                          <a:lumMod val="50000"/>
+                        </a:schemeClr>
+                      </a:solidFill>
+                      <a:prstDash val="sysDot"/>
+                      <a:round/>
+                      <a:headEnd type="none" w="med" len="med"/>
+                      <a:tailEnd type="none" w="med" len="med"/>
+                    </a:lnT>
+                    <a:lnB w="12700" cap="flat" cmpd="sng" algn="ctr">
+                      <a:solidFill>
+                        <a:schemeClr val="bg2">
+                          <a:lumMod val="50000"/>
+                        </a:schemeClr>
+                      </a:solidFill>
+                      <a:prstDash val="sysDot"/>
+                      <a:round/>
+                      <a:headEnd type="none" w="med" len="med"/>
+                      <a:tailEnd type="none" w="med" len="med"/>
+                    </a:lnB>
+                    <a:solidFill>
+                      <a:srgbClr val="92D050"/>
+                    </a:solidFill>
+                  </a:tcPr>
+                </a:tc>
+                <a:tc>
+                  <a:txBody>
+                    <a:bodyPr/>
+                    <a:lstStyle/>
+                    <a:p>
+                      <a:endParaRPr lang="en-US" dirty="0"/>
+                    </a:p>
+                  </a:txBody>
+                  <a:tcPr>
+                    <a:lnL w="12700" cap="flat" cmpd="sng" algn="ctr">
+                      <a:solidFill>
+                        <a:schemeClr val="bg2">
+                          <a:lumMod val="50000"/>
+                        </a:schemeClr>
+                      </a:solidFill>
+                      <a:prstDash val="sysDot"/>
+                      <a:round/>
+                      <a:headEnd type="none" w="med" len="med"/>
+                      <a:tailEnd type="none" w="med" len="med"/>
+                    </a:lnL>
+                    <a:lnR w="12700" cap="flat" cmpd="sng" algn="ctr">
+                      <a:solidFill>
+                        <a:schemeClr val="bg2">
+                          <a:lumMod val="50000"/>
+                        </a:schemeClr>
+                      </a:solidFill>
+                      <a:prstDash val="sysDot"/>
+                      <a:round/>
+                      <a:headEnd type="none" w="med" len="med"/>
+                      <a:tailEnd type="none" w="med" len="med"/>
+                    </a:lnR>
+                    <a:lnT w="12700" cap="flat" cmpd="sng" algn="ctr">
+                      <a:solidFill>
+                        <a:schemeClr val="bg2">
+                          <a:lumMod val="50000"/>
+                        </a:schemeClr>
+                      </a:solidFill>
+                      <a:prstDash val="sysDot"/>
+                      <a:round/>
+                      <a:headEnd type="none" w="med" len="med"/>
+                      <a:tailEnd type="none" w="med" len="med"/>
+                    </a:lnT>
+                    <a:lnB w="12700" cap="flat" cmpd="sng" algn="ctr">
+                      <a:solidFill>
+                        <a:schemeClr val="bg2">
+                          <a:lumMod val="50000"/>
+                        </a:schemeClr>
+                      </a:solidFill>
+                      <a:prstDash val="sysDot"/>
+                      <a:round/>
+                      <a:headEnd type="none" w="med" len="med"/>
+                      <a:tailEnd type="none" w="med" len="med"/>
+                    </a:lnB>
+                    <a:solidFill>
+                      <a:srgbClr val="92D050"/>
+                    </a:solidFill>
+                  </a:tcPr>
+                </a:tc>
+                <a:tc>
+                  <a:txBody>
+                    <a:bodyPr/>
+                    <a:lstStyle/>
+                    <a:p>
+                      <a:endParaRPr lang="en-US" dirty="0"/>
+                    </a:p>
+                  </a:txBody>
+                  <a:tcPr>
+                    <a:lnL w="12700" cap="flat" cmpd="sng" algn="ctr">
+                      <a:solidFill>
+                        <a:schemeClr val="bg2">
+                          <a:lumMod val="50000"/>
+                        </a:schemeClr>
+                      </a:solidFill>
+                      <a:prstDash val="sysDot"/>
+                      <a:round/>
+                      <a:headEnd type="none" w="med" len="med"/>
+                      <a:tailEnd type="none" w="med" len="med"/>
+                    </a:lnL>
+                    <a:lnR w="12700" cap="flat" cmpd="sng" algn="ctr">
+                      <a:solidFill>
+                        <a:schemeClr val="bg2">
+                          <a:lumMod val="50000"/>
+                        </a:schemeClr>
+                      </a:solidFill>
+                      <a:prstDash val="sysDot"/>
+                      <a:round/>
+                      <a:headEnd type="none" w="med" len="med"/>
+                      <a:tailEnd type="none" w="med" len="med"/>
+                    </a:lnR>
+                    <a:lnT w="12700" cap="flat" cmpd="sng" algn="ctr">
+                      <a:solidFill>
+                        <a:schemeClr val="bg2">
+                          <a:lumMod val="50000"/>
+                        </a:schemeClr>
+                      </a:solidFill>
+                      <a:prstDash val="sysDot"/>
+                      <a:round/>
+                      <a:headEnd type="none" w="med" len="med"/>
+                      <a:tailEnd type="none" w="med" len="med"/>
+                    </a:lnT>
+                    <a:lnB w="12700" cap="flat" cmpd="sng" algn="ctr">
+                      <a:solidFill>
+                        <a:schemeClr val="bg2">
+                          <a:lumMod val="50000"/>
+                        </a:schemeClr>
+                      </a:solidFill>
+                      <a:prstDash val="sysDot"/>
+                      <a:round/>
+                      <a:headEnd type="none" w="med" len="med"/>
+                      <a:tailEnd type="none" w="med" len="med"/>
+                    </a:lnB>
+                    <a:solidFill>
+                      <a:srgbClr val="92D050"/>
+                    </a:solidFill>
+                  </a:tcPr>
+                </a:tc>
+                <a:tc>
+                  <a:txBody>
+                    <a:bodyPr/>
+                    <a:lstStyle/>
+                    <a:p>
+                      <a:endParaRPr lang="en-US" dirty="0"/>
+                    </a:p>
+                  </a:txBody>
+                  <a:tcPr>
+                    <a:lnL w="12700" cap="flat" cmpd="sng" algn="ctr">
+                      <a:solidFill>
+                        <a:schemeClr val="bg2">
+                          <a:lumMod val="50000"/>
+                        </a:schemeClr>
+                      </a:solidFill>
+                      <a:prstDash val="sysDot"/>
+                      <a:round/>
+                      <a:headEnd type="none" w="med" len="med"/>
+                      <a:tailEnd type="none" w="med" len="med"/>
+                    </a:lnL>
+                    <a:lnR w="12700" cap="flat" cmpd="sng" algn="ctr">
+                      <a:solidFill>
+                        <a:schemeClr val="bg2">
+                          <a:lumMod val="50000"/>
+                        </a:schemeClr>
+                      </a:solidFill>
+                      <a:prstDash val="sysDot"/>
+                      <a:round/>
+                      <a:headEnd type="none" w="med" len="med"/>
+                      <a:tailEnd type="none" w="med" len="med"/>
+                    </a:lnR>
+                    <a:lnT w="12700" cap="flat" cmpd="sng" algn="ctr">
+                      <a:solidFill>
+                        <a:schemeClr val="bg2">
+                          <a:lumMod val="50000"/>
+                        </a:schemeClr>
+                      </a:solidFill>
+                      <a:prstDash val="sysDot"/>
+                      <a:round/>
+                      <a:headEnd type="none" w="med" len="med"/>
+                      <a:tailEnd type="none" w="med" len="med"/>
+                    </a:lnT>
+                    <a:lnB w="12700" cap="flat" cmpd="sng" algn="ctr">
+                      <a:solidFill>
+                        <a:schemeClr val="bg2">
+                          <a:lumMod val="50000"/>
+                        </a:schemeClr>
+                      </a:solidFill>
+                      <a:prstDash val="sysDot"/>
+                      <a:round/>
+                      <a:headEnd type="none" w="med" len="med"/>
+                      <a:tailEnd type="none" w="med" len="med"/>
+                    </a:lnB>
+                    <a:solidFill>
+                      <a:srgbClr val="92D050"/>
+                    </a:solidFill>
+                  </a:tcPr>
+                </a:tc>
+                <a:tc>
+                  <a:txBody>
+                    <a:bodyPr/>
+                    <a:lstStyle/>
+                    <a:p>
+                      <a:endParaRPr lang="en-US" dirty="0"/>
+                    </a:p>
+                  </a:txBody>
+                  <a:tcPr>
+                    <a:lnL w="12700" cap="flat" cmpd="sng" algn="ctr">
+                      <a:solidFill>
+                        <a:schemeClr val="bg2">
+                          <a:lumMod val="50000"/>
+                        </a:schemeClr>
+                      </a:solidFill>
+                      <a:prstDash val="sysDot"/>
+                      <a:round/>
+                      <a:headEnd type="none" w="med" len="med"/>
+                      <a:tailEnd type="none" w="med" len="med"/>
+                    </a:lnL>
+                    <a:lnR w="12700" cap="flat" cmpd="sng" algn="ctr">
+                      <a:solidFill>
+                        <a:schemeClr val="bg2">
+                          <a:lumMod val="50000"/>
+                        </a:schemeClr>
+                      </a:solidFill>
+                      <a:prstDash val="sysDot"/>
+                      <a:round/>
+                      <a:headEnd type="none" w="med" len="med"/>
+                      <a:tailEnd type="none" w="med" len="med"/>
+                    </a:lnR>
+                    <a:lnT w="12700" cap="flat" cmpd="sng" algn="ctr">
+                      <a:solidFill>
+                        <a:schemeClr val="bg2">
+                          <a:lumMod val="50000"/>
+                        </a:schemeClr>
+                      </a:solidFill>
+                      <a:prstDash val="sysDot"/>
+                      <a:round/>
+                      <a:headEnd type="none" w="med" len="med"/>
+                      <a:tailEnd type="none" w="med" len="med"/>
+                    </a:lnT>
+                    <a:lnB w="12700" cap="flat" cmpd="sng" algn="ctr">
+                      <a:solidFill>
+                        <a:schemeClr val="bg2">
+                          <a:lumMod val="50000"/>
+                        </a:schemeClr>
+                      </a:solidFill>
+                      <a:prstDash val="sysDot"/>
+                      <a:round/>
+                      <a:headEnd type="none" w="med" len="med"/>
+                      <a:tailEnd type="none" w="med" len="med"/>
+                    </a:lnB>
+                    <a:noFill/>
+                  </a:tcPr>
+                </a:tc>
+                <a:tc>
+                  <a:txBody>
+                    <a:bodyPr/>
+                    <a:lstStyle/>
+                    <a:p>
+                      <a:endParaRPr lang="en-US" dirty="0"/>
+                    </a:p>
+                  </a:txBody>
+                  <a:tcPr>
+                    <a:lnL w="12700" cap="flat" cmpd="sng" algn="ctr">
+                      <a:solidFill>
+                        <a:schemeClr val="bg2">
+                          <a:lumMod val="50000"/>
+                        </a:schemeClr>
+                      </a:solidFill>
+                      <a:prstDash val="sysDot"/>
+                      <a:round/>
+                      <a:headEnd type="none" w="med" len="med"/>
+                      <a:tailEnd type="none" w="med" len="med"/>
+                    </a:lnL>
+                    <a:lnR w="12700" cap="flat" cmpd="sng" algn="ctr">
+                      <a:solidFill>
+                        <a:schemeClr val="bg2">
+                          <a:lumMod val="50000"/>
+                        </a:schemeClr>
+                      </a:solidFill>
+                      <a:prstDash val="sysDot"/>
+                      <a:round/>
+                      <a:headEnd type="none" w="med" len="med"/>
+                      <a:tailEnd type="none" w="med" len="med"/>
+                    </a:lnR>
+                    <a:lnT w="12700" cap="flat" cmpd="sng" algn="ctr">
+                      <a:solidFill>
+                        <a:schemeClr val="bg2">
+                          <a:lumMod val="50000"/>
+                        </a:schemeClr>
+                      </a:solidFill>
+                      <a:prstDash val="sysDot"/>
+                      <a:round/>
+                      <a:headEnd type="none" w="med" len="med"/>
+                      <a:tailEnd type="none" w="med" len="med"/>
+                    </a:lnT>
+                    <a:lnB w="12700" cap="flat" cmpd="sng" algn="ctr">
+                      <a:solidFill>
+                        <a:schemeClr val="bg2">
+                          <a:lumMod val="50000"/>
+                        </a:schemeClr>
+                      </a:solidFill>
+                      <a:prstDash val="sysDot"/>
+                      <a:round/>
+                      <a:headEnd type="none" w="med" len="med"/>
+                      <a:tailEnd type="none" w="med" len="med"/>
+                    </a:lnB>
+                    <a:noFill/>
+                  </a:tcPr>
+                </a:tc>
+                <a:tc>
+                  <a:txBody>
+                    <a:bodyPr/>
+                    <a:lstStyle/>
+                    <a:p>
+                      <a:endParaRPr lang="en-US" dirty="0"/>
+                    </a:p>
+                  </a:txBody>
+                  <a:tcPr>
+                    <a:lnL w="12700" cap="flat" cmpd="sng" algn="ctr">
+                      <a:solidFill>
+                        <a:schemeClr val="bg2">
+                          <a:lumMod val="50000"/>
+                        </a:schemeClr>
+                      </a:solidFill>
+                      <a:prstDash val="sysDot"/>
+                      <a:round/>
+                      <a:headEnd type="none" w="med" len="med"/>
+                      <a:tailEnd type="none" w="med" len="med"/>
+                    </a:lnL>
+                    <a:lnR w="12700" cap="flat" cmpd="sng" algn="ctr">
+                      <a:solidFill>
+                        <a:schemeClr val="bg2">
+                          <a:lumMod val="50000"/>
+                        </a:schemeClr>
+                      </a:solidFill>
+                      <a:prstDash val="sysDot"/>
+                      <a:round/>
+                      <a:headEnd type="none" w="med" len="med"/>
+                      <a:tailEnd type="none" w="med" len="med"/>
+                    </a:lnR>
+                    <a:lnT w="12700" cap="flat" cmpd="sng" algn="ctr">
+                      <a:solidFill>
+                        <a:schemeClr val="bg2">
+                          <a:lumMod val="50000"/>
+                        </a:schemeClr>
+                      </a:solidFill>
+                      <a:prstDash val="sysDot"/>
+                      <a:round/>
+                      <a:headEnd type="none" w="med" len="med"/>
+                      <a:tailEnd type="none" w="med" len="med"/>
+                    </a:lnT>
+                    <a:lnB w="12700" cap="flat" cmpd="sng" algn="ctr">
+                      <a:solidFill>
+                        <a:schemeClr val="bg2">
+                          <a:lumMod val="50000"/>
+                        </a:schemeClr>
+                      </a:solidFill>
+                      <a:prstDash val="sysDot"/>
+                      <a:round/>
+                      <a:headEnd type="none" w="med" len="med"/>
+                      <a:tailEnd type="none" w="med" len="med"/>
+                    </a:lnB>
+                    <a:noFill/>
+                  </a:tcPr>
+                </a:tc>
+                <a:tc>
+                  <a:txBody>
+                    <a:bodyPr/>
+                    <a:lstStyle/>
+                    <a:p>
+                      <a:endParaRPr lang="en-US" dirty="0"/>
+                    </a:p>
+                  </a:txBody>
+                  <a:tcPr>
+                    <a:lnL w="12700" cap="flat" cmpd="sng" algn="ctr">
+                      <a:solidFill>
+                        <a:schemeClr val="bg2">
+                          <a:lumMod val="50000"/>
+                        </a:schemeClr>
+                      </a:solidFill>
+                      <a:prstDash val="sysDot"/>
+                      <a:round/>
+                      <a:headEnd type="none" w="med" len="med"/>
+                      <a:tailEnd type="none" w="med" len="med"/>
+                    </a:lnL>
+                    <a:lnR w="12700" cap="flat" cmpd="sng" algn="ctr">
+                      <a:solidFill>
+                        <a:schemeClr val="tx1"/>
+                      </a:solidFill>
+                      <a:prstDash val="solid"/>
+                      <a:round/>
+                      <a:headEnd type="none" w="med" len="med"/>
+                      <a:tailEnd type="none" w="med" len="med"/>
+                    </a:lnR>
+                    <a:lnT w="12700" cap="flat" cmpd="sng" algn="ctr">
+                      <a:solidFill>
+                        <a:schemeClr val="bg2">
+                          <a:lumMod val="50000"/>
+                        </a:schemeClr>
+                      </a:solidFill>
+                      <a:prstDash val="sysDot"/>
+                      <a:round/>
+                      <a:headEnd type="none" w="med" len="med"/>
+                      <a:tailEnd type="none" w="med" len="med"/>
+                    </a:lnT>
+                    <a:lnB w="12700" cap="flat" cmpd="sng" algn="ctr">
+                      <a:solidFill>
+                        <a:schemeClr val="bg2">
+                          <a:lumMod val="50000"/>
+                        </a:schemeClr>
+                      </a:solidFill>
+                      <a:prstDash val="sysDot"/>
+                      <a:round/>
+                      <a:headEnd type="none" w="med" len="med"/>
+                      <a:tailEnd type="none" w="med" len="med"/>
+                    </a:lnB>
+                    <a:noFill/>
+                  </a:tcPr>
+                </a:tc>
+                <a:extLst>
+                  <a:ext uri="{0D108BD9-81ED-4DB2-BD59-A6C34878D82A}">
+                    <a16:rowId xmlns:a16="http://schemas.microsoft.com/office/drawing/2014/main" val="176627005"/>
+                  </a:ext>
+                </a:extLst>
+              </a:tr>
+              <a:tr h="506571">
+                <a:tc>
+                  <a:txBody>
+                    <a:bodyPr/>
+                    <a:lstStyle/>
+                    <a:p>
+                      <a:endParaRPr lang="en-US" dirty="0"/>
+                    </a:p>
+                  </a:txBody>
+                  <a:tcPr>
+                    <a:lnL w="12700" cap="flat" cmpd="sng" algn="ctr">
+                      <a:solidFill>
+                        <a:schemeClr val="tx1"/>
+                      </a:solidFill>
+                      <a:prstDash val="solid"/>
+                      <a:round/>
+                      <a:headEnd type="none" w="med" len="med"/>
+                      <a:tailEnd type="none" w="med" len="med"/>
+                    </a:lnL>
+                    <a:lnR w="12700" cap="flat" cmpd="sng" algn="ctr">
+                      <a:solidFill>
+                        <a:schemeClr val="bg2">
+                          <a:lumMod val="50000"/>
+                        </a:schemeClr>
+                      </a:solidFill>
+                      <a:prstDash val="sysDot"/>
+                      <a:round/>
+                      <a:headEnd type="none" w="med" len="med"/>
+                      <a:tailEnd type="none" w="med" len="med"/>
+                    </a:lnR>
+                    <a:lnT w="12700" cap="flat" cmpd="sng" algn="ctr">
+                      <a:solidFill>
+                        <a:schemeClr val="bg2">
+                          <a:lumMod val="50000"/>
+                        </a:schemeClr>
+                      </a:solidFill>
+                      <a:prstDash val="sysDot"/>
+                      <a:round/>
+                      <a:headEnd type="none" w="med" len="med"/>
+                      <a:tailEnd type="none" w="med" len="med"/>
+                    </a:lnT>
+                    <a:lnB w="12700" cap="flat" cmpd="sng" algn="ctr">
+                      <a:solidFill>
+                        <a:schemeClr val="bg2">
+                          <a:lumMod val="50000"/>
+                        </a:schemeClr>
+                      </a:solidFill>
+                      <a:prstDash val="sysDot"/>
+                      <a:round/>
+                      <a:headEnd type="none" w="med" len="med"/>
+                      <a:tailEnd type="none" w="med" len="med"/>
+                    </a:lnB>
+                    <a:solidFill>
+                      <a:srgbClr val="92D050"/>
+                    </a:solidFill>
+                  </a:tcPr>
+                </a:tc>
+                <a:tc>
+                  <a:txBody>
+                    <a:bodyPr/>
+                    <a:lstStyle/>
+                    <a:p>
+                      <a:endParaRPr lang="en-US" dirty="0"/>
+                    </a:p>
+                  </a:txBody>
+                  <a:tcPr>
+                    <a:lnL w="12700" cap="flat" cmpd="sng" algn="ctr">
+                      <a:solidFill>
+                        <a:schemeClr val="bg2">
+                          <a:lumMod val="50000"/>
+                        </a:schemeClr>
+                      </a:solidFill>
+                      <a:prstDash val="sysDot"/>
+                      <a:round/>
+                      <a:headEnd type="none" w="med" len="med"/>
+                      <a:tailEnd type="none" w="med" len="med"/>
+                    </a:lnL>
+                    <a:lnR w="12700" cap="flat" cmpd="sng" algn="ctr">
+                      <a:solidFill>
+                        <a:schemeClr val="bg2">
+                          <a:lumMod val="50000"/>
+                        </a:schemeClr>
+                      </a:solidFill>
+                      <a:prstDash val="sysDot"/>
+                      <a:round/>
+                      <a:headEnd type="none" w="med" len="med"/>
+                      <a:tailEnd type="none" w="med" len="med"/>
+                    </a:lnR>
+                    <a:lnT w="12700" cap="flat" cmpd="sng" algn="ctr">
+                      <a:solidFill>
+                        <a:schemeClr val="bg2">
+                          <a:lumMod val="50000"/>
+                        </a:schemeClr>
+                      </a:solidFill>
+                      <a:prstDash val="sysDot"/>
+                      <a:round/>
+                      <a:headEnd type="none" w="med" len="med"/>
+                      <a:tailEnd type="none" w="med" len="med"/>
+                    </a:lnT>
+                    <a:lnB w="12700" cap="flat" cmpd="sng" algn="ctr">
+                      <a:solidFill>
+                        <a:schemeClr val="bg2">
+                          <a:lumMod val="50000"/>
+                        </a:schemeClr>
+                      </a:solidFill>
+                      <a:prstDash val="sysDot"/>
+                      <a:round/>
+                      <a:headEnd type="none" w="med" len="med"/>
+                      <a:tailEnd type="none" w="med" len="med"/>
+                    </a:lnB>
+                    <a:solidFill>
+                      <a:srgbClr val="92D050"/>
+                    </a:solidFill>
+                  </a:tcPr>
+                </a:tc>
+                <a:tc>
+                  <a:txBody>
+                    <a:bodyPr/>
+                    <a:lstStyle/>
+                    <a:p>
+                      <a:endParaRPr lang="en-US" dirty="0"/>
+                    </a:p>
+                  </a:txBody>
+                  <a:tcPr>
+                    <a:lnL w="12700" cap="flat" cmpd="sng" algn="ctr">
+                      <a:solidFill>
+                        <a:schemeClr val="bg2">
+                          <a:lumMod val="50000"/>
+                        </a:schemeClr>
+                      </a:solidFill>
+                      <a:prstDash val="sysDot"/>
+                      <a:round/>
+                      <a:headEnd type="none" w="med" len="med"/>
+                      <a:tailEnd type="none" w="med" len="med"/>
+                    </a:lnL>
+                    <a:lnR w="12700" cap="flat" cmpd="sng" algn="ctr">
+                      <a:solidFill>
+                        <a:schemeClr val="bg2">
+                          <a:lumMod val="50000"/>
+                        </a:schemeClr>
+                      </a:solidFill>
+                      <a:prstDash val="sysDot"/>
+                      <a:round/>
+                      <a:headEnd type="none" w="med" len="med"/>
+                      <a:tailEnd type="none" w="med" len="med"/>
+                    </a:lnR>
+                    <a:lnT w="12700" cap="flat" cmpd="sng" algn="ctr">
+                      <a:solidFill>
+                        <a:schemeClr val="bg2">
+                          <a:lumMod val="50000"/>
+                        </a:schemeClr>
+                      </a:solidFill>
+                      <a:prstDash val="sysDot"/>
+                      <a:round/>
+                      <a:headEnd type="none" w="med" len="med"/>
+                      <a:tailEnd type="none" w="med" len="med"/>
+                    </a:lnT>
+                    <a:lnB w="12700" cap="flat" cmpd="sng" algn="ctr">
+                      <a:solidFill>
+                        <a:schemeClr val="bg2">
+                          <a:lumMod val="50000"/>
+                        </a:schemeClr>
+                      </a:solidFill>
+                      <a:prstDash val="sysDot"/>
+                      <a:round/>
+                      <a:headEnd type="none" w="med" len="med"/>
+                      <a:tailEnd type="none" w="med" len="med"/>
+                    </a:lnB>
+                    <a:solidFill>
+                      <a:srgbClr val="92D050"/>
+                    </a:solidFill>
+                  </a:tcPr>
+                </a:tc>
+                <a:tc>
+                  <a:txBody>
+                    <a:bodyPr/>
+                    <a:lstStyle/>
+                    <a:p>
+                      <a:endParaRPr lang="en-US" dirty="0"/>
+                    </a:p>
+                  </a:txBody>
+                  <a:tcPr>
+                    <a:lnL w="12700" cap="flat" cmpd="sng" algn="ctr">
+                      <a:solidFill>
+                        <a:schemeClr val="bg2">
+                          <a:lumMod val="50000"/>
+                        </a:schemeClr>
+                      </a:solidFill>
+                      <a:prstDash val="sysDot"/>
+                      <a:round/>
+                      <a:headEnd type="none" w="med" len="med"/>
+                      <a:tailEnd type="none" w="med" len="med"/>
+                    </a:lnL>
+                    <a:lnR w="12700" cap="flat" cmpd="sng" algn="ctr">
+                      <a:solidFill>
+                        <a:schemeClr val="bg2">
+                          <a:lumMod val="50000"/>
+                        </a:schemeClr>
+                      </a:solidFill>
+                      <a:prstDash val="sysDot"/>
+                      <a:round/>
+                      <a:headEnd type="none" w="med" len="med"/>
+                      <a:tailEnd type="none" w="med" len="med"/>
+                    </a:lnR>
+                    <a:lnT w="12700" cap="flat" cmpd="sng" algn="ctr">
+                      <a:solidFill>
+                        <a:schemeClr val="bg2">
+                          <a:lumMod val="50000"/>
+                        </a:schemeClr>
+                      </a:solidFill>
+                      <a:prstDash val="sysDot"/>
+                      <a:round/>
+                      <a:headEnd type="none" w="med" len="med"/>
+                      <a:tailEnd type="none" w="med" len="med"/>
+                    </a:lnT>
+                    <a:lnB w="12700" cap="flat" cmpd="sng" algn="ctr">
+                      <a:solidFill>
+                        <a:schemeClr val="bg2">
+                          <a:lumMod val="50000"/>
+                        </a:schemeClr>
+                      </a:solidFill>
+                      <a:prstDash val="sysDot"/>
+                      <a:round/>
+                      <a:headEnd type="none" w="med" len="med"/>
+                      <a:tailEnd type="none" w="med" len="med"/>
+                    </a:lnB>
+                    <a:solidFill>
+                      <a:srgbClr val="92D050"/>
+                    </a:solidFill>
+                  </a:tcPr>
+                </a:tc>
+                <a:tc>
+                  <a:txBody>
+                    <a:bodyPr/>
+                    <a:lstStyle/>
+                    <a:p>
+                      <a:endParaRPr lang="en-US" dirty="0"/>
+                    </a:p>
+                  </a:txBody>
+                  <a:tcPr>
+                    <a:lnL w="12700" cap="flat" cmpd="sng" algn="ctr">
+                      <a:solidFill>
+                        <a:schemeClr val="bg2">
+                          <a:lumMod val="50000"/>
+                        </a:schemeClr>
+                      </a:solidFill>
+                      <a:prstDash val="sysDot"/>
+                      <a:round/>
+                      <a:headEnd type="none" w="med" len="med"/>
+                      <a:tailEnd type="none" w="med" len="med"/>
+                    </a:lnL>
+                    <a:lnR w="12700" cap="flat" cmpd="sng" algn="ctr">
+                      <a:solidFill>
+                        <a:schemeClr val="bg2">
+                          <a:lumMod val="50000"/>
+                        </a:schemeClr>
+                      </a:solidFill>
+                      <a:prstDash val="sysDot"/>
+                      <a:round/>
+                      <a:headEnd type="none" w="med" len="med"/>
+                      <a:tailEnd type="none" w="med" len="med"/>
+                    </a:lnR>
+                    <a:lnT w="12700" cap="flat" cmpd="sng" algn="ctr">
+                      <a:solidFill>
+                        <a:schemeClr val="bg2">
+                          <a:lumMod val="50000"/>
+                        </a:schemeClr>
+                      </a:solidFill>
+                      <a:prstDash val="sysDot"/>
+                      <a:round/>
+                      <a:headEnd type="none" w="med" len="med"/>
+                      <a:tailEnd type="none" w="med" len="med"/>
+                    </a:lnT>
+                    <a:lnB w="12700" cap="flat" cmpd="sng" algn="ctr">
+                      <a:solidFill>
+                        <a:schemeClr val="bg2">
+                          <a:lumMod val="50000"/>
+                        </a:schemeClr>
+                      </a:solidFill>
+                      <a:prstDash val="sysDot"/>
+                      <a:round/>
+                      <a:headEnd type="none" w="med" len="med"/>
+                      <a:tailEnd type="none" w="med" len="med"/>
+                    </a:lnB>
+                    <a:solidFill>
+                      <a:srgbClr val="92D050"/>
+                    </a:solidFill>
+                  </a:tcPr>
+                </a:tc>
+                <a:tc>
+                  <a:txBody>
+                    <a:bodyPr/>
+                    <a:lstStyle/>
+                    <a:p>
+                      <a:endParaRPr lang="en-US" dirty="0"/>
+                    </a:p>
+                  </a:txBody>
+                  <a:tcPr>
+                    <a:lnL w="12700" cap="flat" cmpd="sng" algn="ctr">
+                      <a:solidFill>
+                        <a:schemeClr val="bg2">
+                          <a:lumMod val="50000"/>
+                        </a:schemeClr>
+                      </a:solidFill>
+                      <a:prstDash val="sysDot"/>
+                      <a:round/>
+                      <a:headEnd type="none" w="med" len="med"/>
+                      <a:tailEnd type="none" w="med" len="med"/>
+                    </a:lnL>
+                    <a:lnR w="12700" cap="flat" cmpd="sng" algn="ctr">
+                      <a:solidFill>
+                        <a:schemeClr val="bg2">
+                          <a:lumMod val="50000"/>
+                        </a:schemeClr>
+                      </a:solidFill>
+                      <a:prstDash val="sysDot"/>
+                      <a:round/>
+                      <a:headEnd type="none" w="med" len="med"/>
+                      <a:tailEnd type="none" w="med" len="med"/>
+                    </a:lnR>
+                    <a:lnT w="12700" cap="flat" cmpd="sng" algn="ctr">
+                      <a:solidFill>
+                        <a:schemeClr val="bg2">
+                          <a:lumMod val="50000"/>
+                        </a:schemeClr>
+                      </a:solidFill>
+                      <a:prstDash val="sysDot"/>
+                      <a:round/>
+                      <a:headEnd type="none" w="med" len="med"/>
+                      <a:tailEnd type="none" w="med" len="med"/>
+                    </a:lnT>
+                    <a:lnB w="12700" cap="flat" cmpd="sng" algn="ctr">
+                      <a:solidFill>
+                        <a:schemeClr val="bg2">
+                          <a:lumMod val="50000"/>
+                        </a:schemeClr>
+                      </a:solidFill>
+                      <a:prstDash val="sysDot"/>
+                      <a:round/>
+                      <a:headEnd type="none" w="med" len="med"/>
+                      <a:tailEnd type="none" w="med" len="med"/>
+                    </a:lnB>
+                    <a:solidFill>
+                      <a:srgbClr val="92D050"/>
+                    </a:solidFill>
+                  </a:tcPr>
+                </a:tc>
+                <a:tc>
+                  <a:txBody>
+                    <a:bodyPr/>
+                    <a:lstStyle/>
+                    <a:p>
+                      <a:endParaRPr lang="en-US" dirty="0"/>
+                    </a:p>
+                  </a:txBody>
+                  <a:tcPr>
+                    <a:lnL w="12700" cap="flat" cmpd="sng" algn="ctr">
+                      <a:solidFill>
+                        <a:schemeClr val="bg2">
+                          <a:lumMod val="50000"/>
+                        </a:schemeClr>
+                      </a:solidFill>
+                      <a:prstDash val="sysDot"/>
+                      <a:round/>
+                      <a:headEnd type="none" w="med" len="med"/>
+                      <a:tailEnd type="none" w="med" len="med"/>
+                    </a:lnL>
+                    <a:lnR w="12700" cap="flat" cmpd="sng" algn="ctr">
+                      <a:solidFill>
+                        <a:schemeClr val="bg2">
+                          <a:lumMod val="50000"/>
+                        </a:schemeClr>
+                      </a:solidFill>
+                      <a:prstDash val="sysDot"/>
+                      <a:round/>
+                      <a:headEnd type="none" w="med" len="med"/>
+                      <a:tailEnd type="none" w="med" len="med"/>
+                    </a:lnR>
+                    <a:lnT w="12700" cap="flat" cmpd="sng" algn="ctr">
+                      <a:solidFill>
+                        <a:schemeClr val="bg2">
+                          <a:lumMod val="50000"/>
+                        </a:schemeClr>
+                      </a:solidFill>
+                      <a:prstDash val="sysDot"/>
+                      <a:round/>
+                      <a:headEnd type="none" w="med" len="med"/>
+                      <a:tailEnd type="none" w="med" len="med"/>
+                    </a:lnT>
+                    <a:lnB w="12700" cap="flat" cmpd="sng" algn="ctr">
+                      <a:solidFill>
+                        <a:schemeClr val="bg2">
+                          <a:lumMod val="50000"/>
+                        </a:schemeClr>
+                      </a:solidFill>
+                      <a:prstDash val="sysDot"/>
+                      <a:round/>
+                      <a:headEnd type="none" w="med" len="med"/>
+                      <a:tailEnd type="none" w="med" len="med"/>
+                    </a:lnB>
+                    <a:solidFill>
+                      <a:srgbClr val="92D050"/>
+                    </a:solidFill>
+                  </a:tcPr>
+                </a:tc>
+                <a:tc>
+                  <a:txBody>
+                    <a:bodyPr/>
+                    <a:lstStyle/>
+                    <a:p>
+                      <a:endParaRPr lang="en-US" dirty="0"/>
+                    </a:p>
+                  </a:txBody>
+                  <a:tcPr>
+                    <a:lnL w="12700" cap="flat" cmpd="sng" algn="ctr">
+                      <a:solidFill>
+                        <a:schemeClr val="bg2">
+                          <a:lumMod val="50000"/>
+                        </a:schemeClr>
+                      </a:solidFill>
+                      <a:prstDash val="sysDot"/>
+                      <a:round/>
+                      <a:headEnd type="none" w="med" len="med"/>
+                      <a:tailEnd type="none" w="med" len="med"/>
+                    </a:lnL>
+                    <a:lnR w="12700" cap="flat" cmpd="sng" algn="ctr">
+                      <a:solidFill>
+                        <a:schemeClr val="bg2">
+                          <a:lumMod val="50000"/>
+                        </a:schemeClr>
+                      </a:solidFill>
+                      <a:prstDash val="sysDot"/>
+                      <a:round/>
+                      <a:headEnd type="none" w="med" len="med"/>
+                      <a:tailEnd type="none" w="med" len="med"/>
+                    </a:lnR>
+                    <a:lnT w="12700" cap="flat" cmpd="sng" algn="ctr">
+                      <a:solidFill>
+                        <a:schemeClr val="bg2">
+                          <a:lumMod val="50000"/>
+                        </a:schemeClr>
+                      </a:solidFill>
+                      <a:prstDash val="sysDot"/>
+                      <a:round/>
+                      <a:headEnd type="none" w="med" len="med"/>
+                      <a:tailEnd type="none" w="med" len="med"/>
+                    </a:lnT>
+                    <a:lnB w="12700" cap="flat" cmpd="sng" algn="ctr">
+                      <a:solidFill>
+                        <a:schemeClr val="bg2">
+                          <a:lumMod val="50000"/>
+                        </a:schemeClr>
+                      </a:solidFill>
+                      <a:prstDash val="sysDot"/>
+                      <a:round/>
+                      <a:headEnd type="none" w="med" len="med"/>
+                      <a:tailEnd type="none" w="med" len="med"/>
+                    </a:lnB>
+                    <a:solidFill>
+                      <a:srgbClr val="92D050"/>
+                    </a:solidFill>
+                  </a:tcPr>
+                </a:tc>
+                <a:tc>
+                  <a:txBody>
+                    <a:bodyPr/>
+                    <a:lstStyle/>
+                    <a:p>
+                      <a:endParaRPr lang="en-US" dirty="0"/>
+                    </a:p>
+                  </a:txBody>
+                  <a:tcPr>
+                    <a:lnL w="12700" cap="flat" cmpd="sng" algn="ctr">
+                      <a:solidFill>
+                        <a:schemeClr val="bg2">
+                          <a:lumMod val="50000"/>
+                        </a:schemeClr>
+                      </a:solidFill>
+                      <a:prstDash val="sysDot"/>
+                      <a:round/>
+                      <a:headEnd type="none" w="med" len="med"/>
+                      <a:tailEnd type="none" w="med" len="med"/>
+                    </a:lnL>
+                    <a:lnR w="12700" cap="flat" cmpd="sng" algn="ctr">
+                      <a:solidFill>
+                        <a:schemeClr val="bg2">
+                          <a:lumMod val="50000"/>
+                        </a:schemeClr>
+                      </a:solidFill>
+                      <a:prstDash val="sysDot"/>
+                      <a:round/>
+                      <a:headEnd type="none" w="med" len="med"/>
+                      <a:tailEnd type="none" w="med" len="med"/>
+                    </a:lnR>
+                    <a:lnT w="12700" cap="flat" cmpd="sng" algn="ctr">
+                      <a:solidFill>
+                        <a:schemeClr val="bg2">
+                          <a:lumMod val="50000"/>
+                        </a:schemeClr>
+                      </a:solidFill>
+                      <a:prstDash val="sysDot"/>
+                      <a:round/>
+                      <a:headEnd type="none" w="med" len="med"/>
+                      <a:tailEnd type="none" w="med" len="med"/>
+                    </a:lnT>
+                    <a:lnB w="12700" cap="flat" cmpd="sng" algn="ctr">
+                      <a:solidFill>
+                        <a:schemeClr val="bg2">
+                          <a:lumMod val="50000"/>
+                        </a:schemeClr>
+                      </a:solidFill>
+                      <a:prstDash val="sysDot"/>
+                      <a:round/>
+                      <a:headEnd type="none" w="med" len="med"/>
+                      <a:tailEnd type="none" w="med" len="med"/>
+                    </a:lnB>
+                    <a:solidFill>
+                      <a:srgbClr val="92D050"/>
+                    </a:solidFill>
+                  </a:tcPr>
+                </a:tc>
+                <a:tc>
+                  <a:txBody>
+                    <a:bodyPr/>
+                    <a:lstStyle/>
+                    <a:p>
+                      <a:endParaRPr lang="en-US" dirty="0"/>
+                    </a:p>
+                  </a:txBody>
+                  <a:tcPr>
+                    <a:lnL w="12700" cap="flat" cmpd="sng" algn="ctr">
+                      <a:solidFill>
+                        <a:schemeClr val="bg2">
+                          <a:lumMod val="50000"/>
+                        </a:schemeClr>
+                      </a:solidFill>
+                      <a:prstDash val="sysDot"/>
+                      <a:round/>
+                      <a:headEnd type="none" w="med" len="med"/>
+                      <a:tailEnd type="none" w="med" len="med"/>
+                    </a:lnL>
+                    <a:lnR w="12700" cap="flat" cmpd="sng" algn="ctr">
+                      <a:solidFill>
+                        <a:schemeClr val="tx1"/>
+                      </a:solidFill>
+                      <a:prstDash val="solid"/>
+                      <a:round/>
+                      <a:headEnd type="none" w="med" len="med"/>
+                      <a:tailEnd type="none" w="med" len="med"/>
+                    </a:lnR>
+                    <a:lnT w="12700" cap="flat" cmpd="sng" algn="ctr">
+                      <a:solidFill>
+                        <a:schemeClr val="bg2">
+                          <a:lumMod val="50000"/>
+                        </a:schemeClr>
+                      </a:solidFill>
+                      <a:prstDash val="sysDot"/>
+                      <a:round/>
+                      <a:headEnd type="none" w="med" len="med"/>
+                      <a:tailEnd type="none" w="med" len="med"/>
+                    </a:lnT>
+                    <a:lnB w="12700" cap="flat" cmpd="sng" algn="ctr">
+                      <a:solidFill>
+                        <a:schemeClr val="bg2">
+                          <a:lumMod val="50000"/>
+                        </a:schemeClr>
+                      </a:solidFill>
+                      <a:prstDash val="sysDot"/>
+                      <a:round/>
+                      <a:headEnd type="none" w="med" len="med"/>
+                      <a:tailEnd type="none" w="med" len="med"/>
+                    </a:lnB>
+                    <a:solidFill>
+                      <a:srgbClr val="92D050"/>
+                    </a:solidFill>
+                  </a:tcPr>
+                </a:tc>
+                <a:extLst>
+                  <a:ext uri="{0D108BD9-81ED-4DB2-BD59-A6C34878D82A}">
+                    <a16:rowId xmlns:a16="http://schemas.microsoft.com/office/drawing/2014/main" val="80838672"/>
+                  </a:ext>
+                </a:extLst>
+              </a:tr>
+              <a:tr h="506571">
+                <a:tc>
+                  <a:txBody>
+                    <a:bodyPr/>
+                    <a:lstStyle/>
+                    <a:p>
+                      <a:endParaRPr lang="en-US" dirty="0"/>
+                    </a:p>
+                  </a:txBody>
+                  <a:tcPr>
+                    <a:lnL w="12700" cap="flat" cmpd="sng" algn="ctr">
+                      <a:solidFill>
+                        <a:schemeClr val="tx1"/>
+                      </a:solidFill>
+                      <a:prstDash val="solid"/>
+                      <a:round/>
+                      <a:headEnd type="none" w="med" len="med"/>
+                      <a:tailEnd type="none" w="med" len="med"/>
+                    </a:lnL>
+                    <a:lnR w="12700" cap="flat" cmpd="sng" algn="ctr">
+                      <a:solidFill>
+                        <a:schemeClr val="bg2">
+                          <a:lumMod val="50000"/>
+                        </a:schemeClr>
+                      </a:solidFill>
+                      <a:prstDash val="sysDot"/>
+                      <a:round/>
+                      <a:headEnd type="none" w="med" len="med"/>
+                      <a:tailEnd type="none" w="med" len="med"/>
+                    </a:lnR>
+                    <a:lnT w="12700" cap="flat" cmpd="sng" algn="ctr">
+                      <a:solidFill>
+                        <a:schemeClr val="bg2">
+                          <a:lumMod val="50000"/>
+                        </a:schemeClr>
+                      </a:solidFill>
+                      <a:prstDash val="sysDot"/>
+                      <a:round/>
+                      <a:headEnd type="none" w="med" len="med"/>
+                      <a:tailEnd type="none" w="med" len="med"/>
+                    </a:lnT>
+                    <a:lnB w="12700" cap="flat" cmpd="sng" algn="ctr">
+                      <a:solidFill>
+                        <a:schemeClr val="bg2">
+                          <a:lumMod val="50000"/>
+                        </a:schemeClr>
+                      </a:solidFill>
+                      <a:prstDash val="sysDot"/>
+                      <a:round/>
+                      <a:headEnd type="none" w="med" len="med"/>
+                      <a:tailEnd type="none" w="med" len="med"/>
+                    </a:lnB>
+                    <a:solidFill>
+                      <a:srgbClr val="92D050"/>
+                    </a:solidFill>
+                  </a:tcPr>
+                </a:tc>
+                <a:tc>
+                  <a:txBody>
+                    <a:bodyPr/>
+                    <a:lstStyle/>
+                    <a:p>
+                      <a:endParaRPr lang="en-US" dirty="0"/>
+                    </a:p>
+                  </a:txBody>
+                  <a:tcPr>
+                    <a:lnL w="12700" cap="flat" cmpd="sng" algn="ctr">
+                      <a:solidFill>
+                        <a:schemeClr val="bg2">
+                          <a:lumMod val="50000"/>
+                        </a:schemeClr>
+                      </a:solidFill>
+                      <a:prstDash val="sysDot"/>
+                      <a:round/>
+                      <a:headEnd type="none" w="med" len="med"/>
+                      <a:tailEnd type="none" w="med" len="med"/>
+                    </a:lnL>
+                    <a:lnR w="12700" cap="flat" cmpd="sng" algn="ctr">
+                      <a:solidFill>
+                        <a:schemeClr val="bg2">
+                          <a:lumMod val="50000"/>
+                        </a:schemeClr>
+                      </a:solidFill>
+                      <a:prstDash val="sysDot"/>
+                      <a:round/>
+                      <a:headEnd type="none" w="med" len="med"/>
+                      <a:tailEnd type="none" w="med" len="med"/>
+                    </a:lnR>
+                    <a:lnT w="12700" cap="flat" cmpd="sng" algn="ctr">
+                      <a:solidFill>
+                        <a:schemeClr val="bg2">
+                          <a:lumMod val="50000"/>
+                        </a:schemeClr>
+                      </a:solidFill>
+                      <a:prstDash val="sysDot"/>
+                      <a:round/>
+                      <a:headEnd type="none" w="med" len="med"/>
+                      <a:tailEnd type="none" w="med" len="med"/>
+                    </a:lnT>
+                    <a:lnB w="12700" cap="flat" cmpd="sng" algn="ctr">
+                      <a:solidFill>
+                        <a:schemeClr val="bg2">
+                          <a:lumMod val="50000"/>
+                        </a:schemeClr>
+                      </a:solidFill>
+                      <a:prstDash val="sysDot"/>
+                      <a:round/>
+                      <a:headEnd type="none" w="med" len="med"/>
+                      <a:tailEnd type="none" w="med" len="med"/>
+                    </a:lnB>
+                    <a:solidFill>
+                      <a:srgbClr val="92D050"/>
+                    </a:solidFill>
+                  </a:tcPr>
+                </a:tc>
+                <a:tc>
+                  <a:txBody>
+                    <a:bodyPr/>
+                    <a:lstStyle/>
+                    <a:p>
+                      <a:endParaRPr lang="en-US" dirty="0"/>
+                    </a:p>
+                  </a:txBody>
+                  <a:tcPr>
+                    <a:lnL w="12700" cap="flat" cmpd="sng" algn="ctr">
+                      <a:solidFill>
+                        <a:schemeClr val="bg2">
+                          <a:lumMod val="50000"/>
+                        </a:schemeClr>
+                      </a:solidFill>
+                      <a:prstDash val="sysDot"/>
+                      <a:round/>
+                      <a:headEnd type="none" w="med" len="med"/>
+                      <a:tailEnd type="none" w="med" len="med"/>
+                    </a:lnL>
+                    <a:lnR w="12700" cap="flat" cmpd="sng" algn="ctr">
+                      <a:solidFill>
+                        <a:schemeClr val="bg2">
+                          <a:lumMod val="50000"/>
+                        </a:schemeClr>
+                      </a:solidFill>
+                      <a:prstDash val="sysDot"/>
+                      <a:round/>
+                      <a:headEnd type="none" w="med" len="med"/>
+                      <a:tailEnd type="none" w="med" len="med"/>
+                    </a:lnR>
+                    <a:lnT w="12700" cap="flat" cmpd="sng" algn="ctr">
+                      <a:solidFill>
+                        <a:schemeClr val="bg2">
+                          <a:lumMod val="50000"/>
+                        </a:schemeClr>
+                      </a:solidFill>
+                      <a:prstDash val="sysDot"/>
+                      <a:round/>
+                      <a:headEnd type="none" w="med" len="med"/>
+                      <a:tailEnd type="none" w="med" len="med"/>
+                    </a:lnT>
+                    <a:lnB w="12700" cap="flat" cmpd="sng" algn="ctr">
+                      <a:solidFill>
+                        <a:schemeClr val="bg2">
+                          <a:lumMod val="50000"/>
+                        </a:schemeClr>
+                      </a:solidFill>
+                      <a:prstDash val="sysDot"/>
+                      <a:round/>
+                      <a:headEnd type="none" w="med" len="med"/>
+                      <a:tailEnd type="none" w="med" len="med"/>
+                    </a:lnB>
+                    <a:solidFill>
+                      <a:srgbClr val="92D050"/>
+                    </a:solidFill>
+                  </a:tcPr>
+                </a:tc>
+                <a:tc>
+                  <a:txBody>
+                    <a:bodyPr/>
+                    <a:lstStyle/>
+                    <a:p>
+                      <a:endParaRPr lang="en-US" dirty="0"/>
+                    </a:p>
+                  </a:txBody>
+                  <a:tcPr>
+                    <a:lnL w="12700" cap="flat" cmpd="sng" algn="ctr">
+                      <a:solidFill>
+                        <a:schemeClr val="bg2">
+                          <a:lumMod val="50000"/>
+                        </a:schemeClr>
+                      </a:solidFill>
+                      <a:prstDash val="sysDot"/>
+                      <a:round/>
+                      <a:headEnd type="none" w="med" len="med"/>
+                      <a:tailEnd type="none" w="med" len="med"/>
+                    </a:lnL>
+                    <a:lnR w="12700" cap="flat" cmpd="sng" algn="ctr">
+                      <a:solidFill>
+                        <a:schemeClr val="bg2">
+                          <a:lumMod val="50000"/>
+                        </a:schemeClr>
+                      </a:solidFill>
+                      <a:prstDash val="sysDot"/>
+                      <a:round/>
+                      <a:headEnd type="none" w="med" len="med"/>
+                      <a:tailEnd type="none" w="med" len="med"/>
+                    </a:lnR>
+                    <a:lnT w="12700" cap="flat" cmpd="sng" algn="ctr">
+                      <a:solidFill>
+                        <a:schemeClr val="bg2">
+                          <a:lumMod val="50000"/>
+                        </a:schemeClr>
+                      </a:solidFill>
+                      <a:prstDash val="sysDot"/>
+                      <a:round/>
+                      <a:headEnd type="none" w="med" len="med"/>
+                      <a:tailEnd type="none" w="med" len="med"/>
+                    </a:lnT>
+                    <a:lnB w="12700" cap="flat" cmpd="sng" algn="ctr">
+                      <a:solidFill>
+                        <a:schemeClr val="bg2">
+                          <a:lumMod val="50000"/>
+                        </a:schemeClr>
+                      </a:solidFill>
+                      <a:prstDash val="sysDot"/>
+                      <a:round/>
+                      <a:headEnd type="none" w="med" len="med"/>
+                      <a:tailEnd type="none" w="med" len="med"/>
+                    </a:lnB>
+                    <a:solidFill>
+                      <a:srgbClr val="92D050"/>
+                    </a:solidFill>
+                  </a:tcPr>
+                </a:tc>
+                <a:tc>
+                  <a:txBody>
+                    <a:bodyPr/>
+                    <a:lstStyle/>
+                    <a:p>
+                      <a:endParaRPr lang="en-US" dirty="0"/>
+                    </a:p>
+                  </a:txBody>
+                  <a:tcPr>
+                    <a:lnL w="12700" cap="flat" cmpd="sng" algn="ctr">
+                      <a:solidFill>
+                        <a:schemeClr val="bg2">
+                          <a:lumMod val="50000"/>
+                        </a:schemeClr>
+                      </a:solidFill>
+                      <a:prstDash val="sysDot"/>
+                      <a:round/>
+                      <a:headEnd type="none" w="med" len="med"/>
+                      <a:tailEnd type="none" w="med" len="med"/>
+                    </a:lnL>
+                    <a:lnR w="12700" cap="flat" cmpd="sng" algn="ctr">
+                      <a:solidFill>
+                        <a:schemeClr val="bg2">
+                          <a:lumMod val="50000"/>
+                        </a:schemeClr>
+                      </a:solidFill>
+                      <a:prstDash val="sysDot"/>
+                      <a:round/>
+                      <a:headEnd type="none" w="med" len="med"/>
+                      <a:tailEnd type="none" w="med" len="med"/>
+                    </a:lnR>
+                    <a:lnT w="12700" cap="flat" cmpd="sng" algn="ctr">
+                      <a:solidFill>
+                        <a:schemeClr val="bg2">
+                          <a:lumMod val="50000"/>
+                        </a:schemeClr>
+                      </a:solidFill>
+                      <a:prstDash val="sysDot"/>
+                      <a:round/>
+                      <a:headEnd type="none" w="med" len="med"/>
+                      <a:tailEnd type="none" w="med" len="med"/>
+                    </a:lnT>
+                    <a:lnB w="12700" cap="flat" cmpd="sng" algn="ctr">
+                      <a:solidFill>
+                        <a:schemeClr val="bg2">
+                          <a:lumMod val="50000"/>
+                        </a:schemeClr>
+                      </a:solidFill>
+                      <a:prstDash val="sysDot"/>
+                      <a:round/>
+                      <a:headEnd type="none" w="med" len="med"/>
+                      <a:tailEnd type="none" w="med" len="med"/>
+                    </a:lnB>
+                    <a:solidFill>
+                      <a:srgbClr val="92D050"/>
+                    </a:solidFill>
+                  </a:tcPr>
+                </a:tc>
+                <a:tc>
+                  <a:txBody>
+                    <a:bodyPr/>
+                    <a:lstStyle/>
+                    <a:p>
+                      <a:endParaRPr lang="en-US" dirty="0"/>
+                    </a:p>
+                  </a:txBody>
+                  <a:tcPr>
+                    <a:lnL w="12700" cap="flat" cmpd="sng" algn="ctr">
+                      <a:solidFill>
+                        <a:schemeClr val="bg2">
+                          <a:lumMod val="50000"/>
+                        </a:schemeClr>
+                      </a:solidFill>
+                      <a:prstDash val="sysDot"/>
+                      <a:round/>
+                      <a:headEnd type="none" w="med" len="med"/>
+                      <a:tailEnd type="none" w="med" len="med"/>
+                    </a:lnL>
+                    <a:lnR w="12700" cap="flat" cmpd="sng" algn="ctr">
+                      <a:solidFill>
+                        <a:schemeClr val="bg2">
+                          <a:lumMod val="50000"/>
+                        </a:schemeClr>
+                      </a:solidFill>
+                      <a:prstDash val="sysDot"/>
+                      <a:round/>
+                      <a:headEnd type="none" w="med" len="med"/>
+                      <a:tailEnd type="none" w="med" len="med"/>
+                    </a:lnR>
+                    <a:lnT w="12700" cap="flat" cmpd="sng" algn="ctr">
+                      <a:solidFill>
+                        <a:schemeClr val="bg2">
+                          <a:lumMod val="50000"/>
+                        </a:schemeClr>
+                      </a:solidFill>
+                      <a:prstDash val="sysDot"/>
+                      <a:round/>
+                      <a:headEnd type="none" w="med" len="med"/>
+                      <a:tailEnd type="none" w="med" len="med"/>
+                    </a:lnT>
+                    <a:lnB w="12700" cap="flat" cmpd="sng" algn="ctr">
+                      <a:solidFill>
+                        <a:schemeClr val="bg2">
+                          <a:lumMod val="50000"/>
+                        </a:schemeClr>
+                      </a:solidFill>
+                      <a:prstDash val="sysDot"/>
+                      <a:round/>
+                      <a:headEnd type="none" w="med" len="med"/>
+                      <a:tailEnd type="none" w="med" len="med"/>
+                    </a:lnB>
+                    <a:solidFill>
+                      <a:srgbClr val="92D050"/>
+                    </a:solidFill>
+                  </a:tcPr>
+                </a:tc>
+                <a:tc>
+                  <a:txBody>
+                    <a:bodyPr/>
+                    <a:lstStyle/>
+                    <a:p>
+                      <a:endParaRPr lang="en-US" dirty="0"/>
+                    </a:p>
+                  </a:txBody>
+                  <a:tcPr>
+                    <a:lnL w="12700" cap="flat" cmpd="sng" algn="ctr">
+                      <a:solidFill>
+                        <a:schemeClr val="bg2">
+                          <a:lumMod val="50000"/>
+                        </a:schemeClr>
+                      </a:solidFill>
+                      <a:prstDash val="sysDot"/>
+                      <a:round/>
+                      <a:headEnd type="none" w="med" len="med"/>
+                      <a:tailEnd type="none" w="med" len="med"/>
+                    </a:lnL>
+                    <a:lnR w="12700" cap="flat" cmpd="sng" algn="ctr">
+                      <a:solidFill>
+                        <a:schemeClr val="bg2">
+                          <a:lumMod val="50000"/>
+                        </a:schemeClr>
+                      </a:solidFill>
+                      <a:prstDash val="sysDot"/>
+                      <a:round/>
+                      <a:headEnd type="none" w="med" len="med"/>
+                      <a:tailEnd type="none" w="med" len="med"/>
+                    </a:lnR>
+                    <a:lnT w="12700" cap="flat" cmpd="sng" algn="ctr">
+                      <a:solidFill>
+                        <a:schemeClr val="bg2">
+                          <a:lumMod val="50000"/>
+                        </a:schemeClr>
+                      </a:solidFill>
+                      <a:prstDash val="sysDot"/>
+                      <a:round/>
+                      <a:headEnd type="none" w="med" len="med"/>
+                      <a:tailEnd type="none" w="med" len="med"/>
+                    </a:lnT>
+                    <a:lnB w="12700" cap="flat" cmpd="sng" algn="ctr">
+                      <a:solidFill>
+                        <a:schemeClr val="bg2">
+                          <a:lumMod val="50000"/>
+                        </a:schemeClr>
+                      </a:solidFill>
+                      <a:prstDash val="sysDot"/>
+                      <a:round/>
+                      <a:headEnd type="none" w="med" len="med"/>
+                      <a:tailEnd type="none" w="med" len="med"/>
+                    </a:lnB>
+                    <a:solidFill>
+                      <a:srgbClr val="92D050"/>
+                    </a:solidFill>
+                  </a:tcPr>
+                </a:tc>
+                <a:tc>
+                  <a:txBody>
+                    <a:bodyPr/>
+                    <a:lstStyle/>
+                    <a:p>
+                      <a:endParaRPr lang="en-US" dirty="0"/>
+                    </a:p>
+                  </a:txBody>
+                  <a:tcPr>
+                    <a:lnL w="12700" cap="flat" cmpd="sng" algn="ctr">
+                      <a:solidFill>
+                        <a:schemeClr val="bg2">
+                          <a:lumMod val="50000"/>
+                        </a:schemeClr>
+                      </a:solidFill>
+                      <a:prstDash val="sysDot"/>
+                      <a:round/>
+                      <a:headEnd type="none" w="med" len="med"/>
+                      <a:tailEnd type="none" w="med" len="med"/>
+                    </a:lnL>
+                    <a:lnR w="12700" cap="flat" cmpd="sng" algn="ctr">
+                      <a:solidFill>
+                        <a:schemeClr val="bg2">
+                          <a:lumMod val="50000"/>
+                        </a:schemeClr>
+                      </a:solidFill>
+                      <a:prstDash val="sysDot"/>
+                      <a:round/>
+                      <a:headEnd type="none" w="med" len="med"/>
+                      <a:tailEnd type="none" w="med" len="med"/>
+                    </a:lnR>
+                    <a:lnT w="12700" cap="flat" cmpd="sng" algn="ctr">
+                      <a:solidFill>
+                        <a:schemeClr val="bg2">
+                          <a:lumMod val="50000"/>
+                        </a:schemeClr>
+                      </a:solidFill>
+                      <a:prstDash val="sysDot"/>
+                      <a:round/>
+                      <a:headEnd type="none" w="med" len="med"/>
+                      <a:tailEnd type="none" w="med" len="med"/>
+                    </a:lnT>
+                    <a:lnB w="12700" cap="flat" cmpd="sng" algn="ctr">
+                      <a:solidFill>
+                        <a:schemeClr val="bg2">
+                          <a:lumMod val="50000"/>
+                        </a:schemeClr>
+                      </a:solidFill>
+                      <a:prstDash val="sysDot"/>
+                      <a:round/>
+                      <a:headEnd type="none" w="med" len="med"/>
+                      <a:tailEnd type="none" w="med" len="med"/>
+                    </a:lnB>
+                    <a:solidFill>
+                      <a:srgbClr val="92D050"/>
+                    </a:solidFill>
+                  </a:tcPr>
+                </a:tc>
+                <a:tc>
+                  <a:txBody>
+                    <a:bodyPr/>
+                    <a:lstStyle/>
+                    <a:p>
+                      <a:endParaRPr lang="en-US" dirty="0"/>
+                    </a:p>
+                  </a:txBody>
+                  <a:tcPr>
+                    <a:lnL w="12700" cap="flat" cmpd="sng" algn="ctr">
+                      <a:solidFill>
+                        <a:schemeClr val="bg2">
+                          <a:lumMod val="50000"/>
+                        </a:schemeClr>
+                      </a:solidFill>
+                      <a:prstDash val="sysDot"/>
+                      <a:round/>
+                      <a:headEnd type="none" w="med" len="med"/>
+                      <a:tailEnd type="none" w="med" len="med"/>
+                    </a:lnL>
+                    <a:lnR w="12700" cap="flat" cmpd="sng" algn="ctr">
+                      <a:solidFill>
+                        <a:schemeClr val="bg2">
+                          <a:lumMod val="50000"/>
+                        </a:schemeClr>
+                      </a:solidFill>
+                      <a:prstDash val="sysDot"/>
+                      <a:round/>
+                      <a:headEnd type="none" w="med" len="med"/>
+                      <a:tailEnd type="none" w="med" len="med"/>
+                    </a:lnR>
+                    <a:lnT w="12700" cap="flat" cmpd="sng" algn="ctr">
+                      <a:solidFill>
+                        <a:schemeClr val="bg2">
+                          <a:lumMod val="50000"/>
+                        </a:schemeClr>
+                      </a:solidFill>
+                      <a:prstDash val="sysDot"/>
+                      <a:round/>
+                      <a:headEnd type="none" w="med" len="med"/>
+                      <a:tailEnd type="none" w="med" len="med"/>
+                    </a:lnT>
+                    <a:lnB w="12700" cap="flat" cmpd="sng" algn="ctr">
+                      <a:solidFill>
+                        <a:schemeClr val="bg2">
+                          <a:lumMod val="50000"/>
+                        </a:schemeClr>
+                      </a:solidFill>
+                      <a:prstDash val="sysDot"/>
+                      <a:round/>
+                      <a:headEnd type="none" w="med" len="med"/>
+                      <a:tailEnd type="none" w="med" len="med"/>
+                    </a:lnB>
+                    <a:solidFill>
+                      <a:srgbClr val="92D050"/>
+                    </a:solidFill>
+                  </a:tcPr>
+                </a:tc>
+                <a:tc>
+                  <a:txBody>
+                    <a:bodyPr/>
+                    <a:lstStyle/>
+                    <a:p>
+                      <a:endParaRPr lang="en-US" dirty="0"/>
+                    </a:p>
+                  </a:txBody>
+                  <a:tcPr>
+                    <a:lnL w="12700" cap="flat" cmpd="sng" algn="ctr">
+                      <a:solidFill>
+                        <a:schemeClr val="bg2">
+                          <a:lumMod val="50000"/>
+                        </a:schemeClr>
+                      </a:solidFill>
+                      <a:prstDash val="sysDot"/>
+                      <a:round/>
+                      <a:headEnd type="none" w="med" len="med"/>
+                      <a:tailEnd type="none" w="med" len="med"/>
+                    </a:lnL>
+                    <a:lnR w="12700" cap="flat" cmpd="sng" algn="ctr">
+                      <a:solidFill>
+                        <a:schemeClr val="tx1"/>
+                      </a:solidFill>
+                      <a:prstDash val="solid"/>
+                      <a:round/>
+                      <a:headEnd type="none" w="med" len="med"/>
+                      <a:tailEnd type="none" w="med" len="med"/>
+                    </a:lnR>
+                    <a:lnT w="12700" cap="flat" cmpd="sng" algn="ctr">
+                      <a:solidFill>
+                        <a:schemeClr val="bg2">
+                          <a:lumMod val="50000"/>
+                        </a:schemeClr>
+                      </a:solidFill>
+                      <a:prstDash val="sysDot"/>
+                      <a:round/>
+                      <a:headEnd type="none" w="med" len="med"/>
+                      <a:tailEnd type="none" w="med" len="med"/>
+                    </a:lnT>
+                    <a:lnB w="12700" cap="flat" cmpd="sng" algn="ctr">
+                      <a:solidFill>
+                        <a:schemeClr val="bg2">
+                          <a:lumMod val="50000"/>
+                        </a:schemeClr>
+                      </a:solidFill>
+                      <a:prstDash val="sysDot"/>
+                      <a:round/>
+                      <a:headEnd type="none" w="med" len="med"/>
+                      <a:tailEnd type="none" w="med" len="med"/>
+                    </a:lnB>
+                    <a:solidFill>
+                      <a:srgbClr val="92D050"/>
+                    </a:solidFill>
+                  </a:tcPr>
+                </a:tc>
+                <a:extLst>
+                  <a:ext uri="{0D108BD9-81ED-4DB2-BD59-A6C34878D82A}">
+                    <a16:rowId xmlns:a16="http://schemas.microsoft.com/office/drawing/2014/main" val="3208567422"/>
+                  </a:ext>
+                </a:extLst>
+              </a:tr>
+              <a:tr h="506571">
+                <a:tc>
+                  <a:txBody>
+                    <a:bodyPr/>
+                    <a:lstStyle/>
+                    <a:p>
+                      <a:endParaRPr lang="en-US" dirty="0"/>
+                    </a:p>
+                  </a:txBody>
+                  <a:tcPr>
+                    <a:lnL w="12700" cap="flat" cmpd="sng" algn="ctr">
+                      <a:solidFill>
+                        <a:schemeClr val="tx1"/>
+                      </a:solidFill>
+                      <a:prstDash val="solid"/>
+                      <a:round/>
+                      <a:headEnd type="none" w="med" len="med"/>
+                      <a:tailEnd type="none" w="med" len="med"/>
+                    </a:lnL>
+                    <a:lnR w="12700" cap="flat" cmpd="sng" algn="ctr">
+                      <a:solidFill>
+                        <a:schemeClr val="bg2">
+                          <a:lumMod val="50000"/>
+                        </a:schemeClr>
+                      </a:solidFill>
+                      <a:prstDash val="sysDot"/>
+                      <a:round/>
+                      <a:headEnd type="none" w="med" len="med"/>
+                      <a:tailEnd type="none" w="med" len="med"/>
+                    </a:lnR>
+                    <a:lnT w="12700" cap="flat" cmpd="sng" algn="ctr">
+                      <a:solidFill>
+                        <a:schemeClr val="bg2">
+                          <a:lumMod val="50000"/>
+                        </a:schemeClr>
+                      </a:solidFill>
+                      <a:prstDash val="sysDot"/>
+                      <a:round/>
+                      <a:headEnd type="none" w="med" len="med"/>
+                      <a:tailEnd type="none" w="med" len="med"/>
+                    </a:lnT>
+                    <a:lnB w="12700" cap="flat" cmpd="sng" algn="ctr">
+                      <a:solidFill>
+                        <a:schemeClr val="bg2">
+                          <a:lumMod val="50000"/>
+                        </a:schemeClr>
+                      </a:solidFill>
+                      <a:prstDash val="sysDot"/>
+                      <a:round/>
+                      <a:headEnd type="none" w="med" len="med"/>
+                      <a:tailEnd type="none" w="med" len="med"/>
+                    </a:lnB>
+                    <a:solidFill>
+                      <a:srgbClr val="92D050"/>
+                    </a:solidFill>
+                  </a:tcPr>
+                </a:tc>
+                <a:tc>
+                  <a:txBody>
+                    <a:bodyPr/>
+                    <a:lstStyle/>
+                    <a:p>
+                      <a:endParaRPr lang="en-US" dirty="0"/>
+                    </a:p>
+                  </a:txBody>
+                  <a:tcPr>
+                    <a:lnL w="12700" cap="flat" cmpd="sng" algn="ctr">
+                      <a:solidFill>
+                        <a:schemeClr val="bg2">
+                          <a:lumMod val="50000"/>
+                        </a:schemeClr>
+                      </a:solidFill>
+                      <a:prstDash val="sysDot"/>
+                      <a:round/>
+                      <a:headEnd type="none" w="med" len="med"/>
+                      <a:tailEnd type="none" w="med" len="med"/>
+                    </a:lnL>
+                    <a:lnR w="12700" cap="flat" cmpd="sng" algn="ctr">
+                      <a:solidFill>
+                        <a:schemeClr val="bg2">
+                          <a:lumMod val="50000"/>
+                        </a:schemeClr>
+                      </a:solidFill>
+                      <a:prstDash val="sysDot"/>
+                      <a:round/>
+                      <a:headEnd type="none" w="med" len="med"/>
+                      <a:tailEnd type="none" w="med" len="med"/>
+                    </a:lnR>
+                    <a:lnT w="12700" cap="flat" cmpd="sng" algn="ctr">
+                      <a:solidFill>
+                        <a:schemeClr val="bg2">
+                          <a:lumMod val="50000"/>
+                        </a:schemeClr>
+                      </a:solidFill>
+                      <a:prstDash val="sysDot"/>
+                      <a:round/>
+                      <a:headEnd type="none" w="med" len="med"/>
+                      <a:tailEnd type="none" w="med" len="med"/>
+                    </a:lnT>
+                    <a:lnB w="12700" cap="flat" cmpd="sng" algn="ctr">
+                      <a:solidFill>
+                        <a:schemeClr val="bg2">
+                          <a:lumMod val="50000"/>
+                        </a:schemeClr>
+                      </a:solidFill>
+                      <a:prstDash val="sysDot"/>
+                      <a:round/>
+                      <a:headEnd type="none" w="med" len="med"/>
+                      <a:tailEnd type="none" w="med" len="med"/>
+                    </a:lnB>
+                    <a:solidFill>
+                      <a:srgbClr val="92D050"/>
+                    </a:solidFill>
+                  </a:tcPr>
+                </a:tc>
+                <a:tc>
+                  <a:txBody>
+                    <a:bodyPr/>
+                    <a:lstStyle/>
+                    <a:p>
+                      <a:endParaRPr lang="en-US" dirty="0"/>
+                    </a:p>
+                  </a:txBody>
+                  <a:tcPr>
+                    <a:lnL w="12700" cap="flat" cmpd="sng" algn="ctr">
+                      <a:solidFill>
+                        <a:schemeClr val="bg2">
+                          <a:lumMod val="50000"/>
+                        </a:schemeClr>
+                      </a:solidFill>
+                      <a:prstDash val="sysDot"/>
+                      <a:round/>
+                      <a:headEnd type="none" w="med" len="med"/>
+                      <a:tailEnd type="none" w="med" len="med"/>
+                    </a:lnL>
+                    <a:lnR w="12700" cap="flat" cmpd="sng" algn="ctr">
+                      <a:solidFill>
+                        <a:schemeClr val="bg2">
+                          <a:lumMod val="50000"/>
+                        </a:schemeClr>
+                      </a:solidFill>
+                      <a:prstDash val="sysDot"/>
+                      <a:round/>
+                      <a:headEnd type="none" w="med" len="med"/>
+                      <a:tailEnd type="none" w="med" len="med"/>
+                    </a:lnR>
+                    <a:lnT w="12700" cap="flat" cmpd="sng" algn="ctr">
+                      <a:solidFill>
+                        <a:schemeClr val="bg2">
+                          <a:lumMod val="50000"/>
+                        </a:schemeClr>
+                      </a:solidFill>
+                      <a:prstDash val="sysDot"/>
+                      <a:round/>
+                      <a:headEnd type="none" w="med" len="med"/>
+                      <a:tailEnd type="none" w="med" len="med"/>
+                    </a:lnT>
+                    <a:lnB w="12700" cap="flat" cmpd="sng" algn="ctr">
+                      <a:solidFill>
+                        <a:schemeClr val="bg2">
+                          <a:lumMod val="50000"/>
+                        </a:schemeClr>
+                      </a:solidFill>
+                      <a:prstDash val="sysDot"/>
+                      <a:round/>
+                      <a:headEnd type="none" w="med" len="med"/>
+                      <a:tailEnd type="none" w="med" len="med"/>
+                    </a:lnB>
+                    <a:solidFill>
+                      <a:srgbClr val="92D050"/>
+                    </a:solidFill>
+                  </a:tcPr>
+                </a:tc>
+                <a:tc>
+                  <a:txBody>
+                    <a:bodyPr/>
+                    <a:lstStyle/>
+                    <a:p>
+                      <a:endParaRPr lang="en-US" dirty="0"/>
+                    </a:p>
+                  </a:txBody>
+                  <a:tcPr>
+                    <a:lnL w="12700" cap="flat" cmpd="sng" algn="ctr">
+                      <a:solidFill>
+                        <a:schemeClr val="bg2">
+                          <a:lumMod val="50000"/>
+                        </a:schemeClr>
+                      </a:solidFill>
+                      <a:prstDash val="sysDot"/>
+                      <a:round/>
+                      <a:headEnd type="none" w="med" len="med"/>
+                      <a:tailEnd type="none" w="med" len="med"/>
+                    </a:lnL>
+                    <a:lnR w="12700" cap="flat" cmpd="sng" algn="ctr">
+                      <a:solidFill>
+                        <a:schemeClr val="bg2">
+                          <a:lumMod val="50000"/>
+                        </a:schemeClr>
+                      </a:solidFill>
+                      <a:prstDash val="sysDot"/>
+                      <a:round/>
+                      <a:headEnd type="none" w="med" len="med"/>
+                      <a:tailEnd type="none" w="med" len="med"/>
+                    </a:lnR>
+                    <a:lnT w="12700" cap="flat" cmpd="sng" algn="ctr">
+                      <a:solidFill>
+                        <a:schemeClr val="bg2">
+                          <a:lumMod val="50000"/>
+                        </a:schemeClr>
+                      </a:solidFill>
+                      <a:prstDash val="sysDot"/>
+                      <a:round/>
+                      <a:headEnd type="none" w="med" len="med"/>
+                      <a:tailEnd type="none" w="med" len="med"/>
+                    </a:lnT>
+                    <a:lnB w="12700" cap="flat" cmpd="sng" algn="ctr">
+                      <a:solidFill>
+                        <a:schemeClr val="bg2">
+                          <a:lumMod val="50000"/>
+                        </a:schemeClr>
+                      </a:solidFill>
+                      <a:prstDash val="sysDot"/>
+                      <a:round/>
+                      <a:headEnd type="none" w="med" len="med"/>
+                      <a:tailEnd type="none" w="med" len="med"/>
+                    </a:lnB>
+                    <a:solidFill>
+                      <a:srgbClr val="92D050"/>
+                    </a:solidFill>
+                  </a:tcPr>
+                </a:tc>
+                <a:tc>
+                  <a:txBody>
+                    <a:bodyPr/>
+                    <a:lstStyle/>
+                    <a:p>
+                      <a:endParaRPr lang="en-US" dirty="0"/>
+                    </a:p>
+                  </a:txBody>
+                  <a:tcPr>
+                    <a:lnL w="12700" cap="flat" cmpd="sng" algn="ctr">
+                      <a:solidFill>
+                        <a:schemeClr val="bg2">
+                          <a:lumMod val="50000"/>
+                        </a:schemeClr>
+                      </a:solidFill>
+                      <a:prstDash val="sysDot"/>
+                      <a:round/>
+                      <a:headEnd type="none" w="med" len="med"/>
+                      <a:tailEnd type="none" w="med" len="med"/>
+                    </a:lnL>
+                    <a:lnR w="12700" cap="flat" cmpd="sng" algn="ctr">
+                      <a:solidFill>
+                        <a:schemeClr val="bg2">
+                          <a:lumMod val="50000"/>
+                        </a:schemeClr>
+                      </a:solidFill>
+                      <a:prstDash val="sysDot"/>
+                      <a:round/>
+                      <a:headEnd type="none" w="med" len="med"/>
+                      <a:tailEnd type="none" w="med" len="med"/>
+                    </a:lnR>
+                    <a:lnT w="12700" cap="flat" cmpd="sng" algn="ctr">
+                      <a:solidFill>
+                        <a:schemeClr val="bg2">
+                          <a:lumMod val="50000"/>
+                        </a:schemeClr>
+                      </a:solidFill>
+                      <a:prstDash val="sysDot"/>
+                      <a:round/>
+                      <a:headEnd type="none" w="med" len="med"/>
+                      <a:tailEnd type="none" w="med" len="med"/>
+                    </a:lnT>
+                    <a:lnB w="12700" cap="flat" cmpd="sng" algn="ctr">
+                      <a:solidFill>
+                        <a:schemeClr val="bg2">
+                          <a:lumMod val="50000"/>
+                        </a:schemeClr>
+                      </a:solidFill>
+                      <a:prstDash val="sysDot"/>
+                      <a:round/>
+                      <a:headEnd type="none" w="med" len="med"/>
+                      <a:tailEnd type="none" w="med" len="med"/>
+                    </a:lnB>
+                    <a:solidFill>
+                      <a:srgbClr val="92D050"/>
+                    </a:solidFill>
+                  </a:tcPr>
+                </a:tc>
+                <a:tc>
+                  <a:txBody>
+                    <a:bodyPr/>
+                    <a:lstStyle/>
+                    <a:p>
+                      <a:endParaRPr lang="en-US" dirty="0"/>
+                    </a:p>
+                  </a:txBody>
+                  <a:tcPr>
+                    <a:lnL w="12700" cap="flat" cmpd="sng" algn="ctr">
+                      <a:solidFill>
+                        <a:schemeClr val="bg2">
+                          <a:lumMod val="50000"/>
+                        </a:schemeClr>
+                      </a:solidFill>
+                      <a:prstDash val="sysDot"/>
+                      <a:round/>
+                      <a:headEnd type="none" w="med" len="med"/>
+                      <a:tailEnd type="none" w="med" len="med"/>
+                    </a:lnL>
+                    <a:lnR w="12700" cap="flat" cmpd="sng" algn="ctr">
+                      <a:solidFill>
+                        <a:schemeClr val="bg2">
+                          <a:lumMod val="50000"/>
+                        </a:schemeClr>
+                      </a:solidFill>
+                      <a:prstDash val="sysDot"/>
+                      <a:round/>
+                      <a:headEnd type="none" w="med" len="med"/>
+                      <a:tailEnd type="none" w="med" len="med"/>
+                    </a:lnR>
+                    <a:lnT w="12700" cap="flat" cmpd="sng" algn="ctr">
+                      <a:solidFill>
+                        <a:schemeClr val="bg2">
+                          <a:lumMod val="50000"/>
+                        </a:schemeClr>
+                      </a:solidFill>
+                      <a:prstDash val="sysDot"/>
+                      <a:round/>
+                      <a:headEnd type="none" w="med" len="med"/>
+                      <a:tailEnd type="none" w="med" len="med"/>
+                    </a:lnT>
+                    <a:lnB w="12700" cap="flat" cmpd="sng" algn="ctr">
+                      <a:solidFill>
+                        <a:schemeClr val="bg2">
+                          <a:lumMod val="50000"/>
+                        </a:schemeClr>
+                      </a:solidFill>
+                      <a:prstDash val="sysDot"/>
+                      <a:round/>
+                      <a:headEnd type="none" w="med" len="med"/>
+                      <a:tailEnd type="none" w="med" len="med"/>
+                    </a:lnB>
+                    <a:solidFill>
+                      <a:srgbClr val="92D050"/>
+                    </a:solidFill>
+                  </a:tcPr>
+                </a:tc>
+                <a:tc>
+                  <a:txBody>
+                    <a:bodyPr/>
+                    <a:lstStyle/>
+                    <a:p>
+                      <a:endParaRPr lang="en-US" dirty="0"/>
+                    </a:p>
+                  </a:txBody>
+                  <a:tcPr>
+                    <a:lnL w="12700" cap="flat" cmpd="sng" algn="ctr">
+                      <a:solidFill>
+                        <a:schemeClr val="bg2">
+                          <a:lumMod val="50000"/>
+                        </a:schemeClr>
+                      </a:solidFill>
+                      <a:prstDash val="sysDot"/>
+                      <a:round/>
+                      <a:headEnd type="none" w="med" len="med"/>
+                      <a:tailEnd type="none" w="med" len="med"/>
+                    </a:lnL>
+                    <a:lnR w="12700" cap="flat" cmpd="sng" algn="ctr">
+                      <a:solidFill>
+                        <a:schemeClr val="bg2">
+                          <a:lumMod val="50000"/>
+                        </a:schemeClr>
+                      </a:solidFill>
+                      <a:prstDash val="sysDot"/>
+                      <a:round/>
+                      <a:headEnd type="none" w="med" len="med"/>
+                      <a:tailEnd type="none" w="med" len="med"/>
+                    </a:lnR>
+                    <a:lnT w="12700" cap="flat" cmpd="sng" algn="ctr">
+                      <a:solidFill>
+                        <a:schemeClr val="bg2">
+                          <a:lumMod val="50000"/>
+                        </a:schemeClr>
+                      </a:solidFill>
+                      <a:prstDash val="sysDot"/>
+                      <a:round/>
+                      <a:headEnd type="none" w="med" len="med"/>
+                      <a:tailEnd type="none" w="med" len="med"/>
+                    </a:lnT>
+                    <a:lnB w="12700" cap="flat" cmpd="sng" algn="ctr">
+                      <a:solidFill>
+                        <a:schemeClr val="bg2">
+                          <a:lumMod val="50000"/>
+                        </a:schemeClr>
+                      </a:solidFill>
+                      <a:prstDash val="sysDot"/>
+                      <a:round/>
+                      <a:headEnd type="none" w="med" len="med"/>
+                      <a:tailEnd type="none" w="med" len="med"/>
+                    </a:lnB>
+                    <a:solidFill>
+                      <a:srgbClr val="92D050"/>
+                    </a:solidFill>
+                  </a:tcPr>
+                </a:tc>
+                <a:tc>
+                  <a:txBody>
+                    <a:bodyPr/>
+                    <a:lstStyle/>
+                    <a:p>
+                      <a:endParaRPr lang="en-US" dirty="0"/>
+                    </a:p>
+                  </a:txBody>
+                  <a:tcPr>
+                    <a:lnL w="12700" cap="flat" cmpd="sng" algn="ctr">
+                      <a:solidFill>
+                        <a:schemeClr val="bg2">
+                          <a:lumMod val="50000"/>
+                        </a:schemeClr>
+                      </a:solidFill>
+                      <a:prstDash val="sysDot"/>
+                      <a:round/>
+                      <a:headEnd type="none" w="med" len="med"/>
+                      <a:tailEnd type="none" w="med" len="med"/>
+                    </a:lnL>
+                    <a:lnR w="12700" cap="flat" cmpd="sng" algn="ctr">
+                      <a:solidFill>
+                        <a:schemeClr val="bg2">
+                          <a:lumMod val="50000"/>
+                        </a:schemeClr>
+                      </a:solidFill>
+                      <a:prstDash val="sysDot"/>
+                      <a:round/>
+                      <a:headEnd type="none" w="med" len="med"/>
+                      <a:tailEnd type="none" w="med" len="med"/>
+                    </a:lnR>
+                    <a:lnT w="12700" cap="flat" cmpd="sng" algn="ctr">
+                      <a:solidFill>
+                        <a:schemeClr val="bg2">
+                          <a:lumMod val="50000"/>
+                        </a:schemeClr>
+                      </a:solidFill>
+                      <a:prstDash val="sysDot"/>
+                      <a:round/>
+                      <a:headEnd type="none" w="med" len="med"/>
+                      <a:tailEnd type="none" w="med" len="med"/>
+                    </a:lnT>
+                    <a:lnB w="12700" cap="flat" cmpd="sng" algn="ctr">
+                      <a:solidFill>
+                        <a:schemeClr val="bg2">
+                          <a:lumMod val="50000"/>
+                        </a:schemeClr>
+                      </a:solidFill>
+                      <a:prstDash val="sysDot"/>
+                      <a:round/>
+                      <a:headEnd type="none" w="med" len="med"/>
+                      <a:tailEnd type="none" w="med" len="med"/>
+                    </a:lnB>
+                    <a:solidFill>
+                      <a:srgbClr val="92D050"/>
+                    </a:solidFill>
+                  </a:tcPr>
+                </a:tc>
+                <a:tc>
+                  <a:txBody>
+                    <a:bodyPr/>
+                    <a:lstStyle/>
+                    <a:p>
+                      <a:endParaRPr lang="en-US" dirty="0"/>
+                    </a:p>
+                  </a:txBody>
+                  <a:tcPr>
+                    <a:lnL w="12700" cap="flat" cmpd="sng" algn="ctr">
+                      <a:solidFill>
+                        <a:schemeClr val="bg2">
+                          <a:lumMod val="50000"/>
+                        </a:schemeClr>
+                      </a:solidFill>
+                      <a:prstDash val="sysDot"/>
+                      <a:round/>
+                      <a:headEnd type="none" w="med" len="med"/>
+                      <a:tailEnd type="none" w="med" len="med"/>
+                    </a:lnL>
+                    <a:lnR w="12700" cap="flat" cmpd="sng" algn="ctr">
+                      <a:solidFill>
+                        <a:schemeClr val="bg2">
+                          <a:lumMod val="50000"/>
+                        </a:schemeClr>
+                      </a:solidFill>
+                      <a:prstDash val="sysDot"/>
+                      <a:round/>
+                      <a:headEnd type="none" w="med" len="med"/>
+                      <a:tailEnd type="none" w="med" len="med"/>
+                    </a:lnR>
+                    <a:lnT w="12700" cap="flat" cmpd="sng" algn="ctr">
+                      <a:solidFill>
+                        <a:schemeClr val="bg2">
+                          <a:lumMod val="50000"/>
+                        </a:schemeClr>
+                      </a:solidFill>
+                      <a:prstDash val="sysDot"/>
+                      <a:round/>
+                      <a:headEnd type="none" w="med" len="med"/>
+                      <a:tailEnd type="none" w="med" len="med"/>
+                    </a:lnT>
+                    <a:lnB w="12700" cap="flat" cmpd="sng" algn="ctr">
+                      <a:solidFill>
+                        <a:schemeClr val="bg2">
+                          <a:lumMod val="50000"/>
+                        </a:schemeClr>
+                      </a:solidFill>
+                      <a:prstDash val="sysDot"/>
+                      <a:round/>
+                      <a:headEnd type="none" w="med" len="med"/>
+                      <a:tailEnd type="none" w="med" len="med"/>
+                    </a:lnB>
+                    <a:solidFill>
+                      <a:srgbClr val="92D050"/>
+                    </a:solidFill>
+                  </a:tcPr>
+                </a:tc>
+                <a:tc>
+                  <a:txBody>
+                    <a:bodyPr/>
+                    <a:lstStyle/>
+                    <a:p>
+                      <a:endParaRPr lang="en-US" dirty="0"/>
+                    </a:p>
+                  </a:txBody>
+                  <a:tcPr>
+                    <a:lnL w="12700" cap="flat" cmpd="sng" algn="ctr">
+                      <a:solidFill>
+                        <a:schemeClr val="bg2">
+                          <a:lumMod val="50000"/>
+                        </a:schemeClr>
+                      </a:solidFill>
+                      <a:prstDash val="sysDot"/>
+                      <a:round/>
+                      <a:headEnd type="none" w="med" len="med"/>
+                      <a:tailEnd type="none" w="med" len="med"/>
+                    </a:lnL>
+                    <a:lnR w="12700" cap="flat" cmpd="sng" algn="ctr">
+                      <a:solidFill>
+                        <a:schemeClr val="tx1"/>
+                      </a:solidFill>
+                      <a:prstDash val="solid"/>
+                      <a:round/>
+                      <a:headEnd type="none" w="med" len="med"/>
+                      <a:tailEnd type="none" w="med" len="med"/>
+                    </a:lnR>
+                    <a:lnT w="12700" cap="flat" cmpd="sng" algn="ctr">
+                      <a:solidFill>
+                        <a:schemeClr val="bg2">
+                          <a:lumMod val="50000"/>
+                        </a:schemeClr>
+                      </a:solidFill>
+                      <a:prstDash val="sysDot"/>
+                      <a:round/>
+                      <a:headEnd type="none" w="med" len="med"/>
+                      <a:tailEnd type="none" w="med" len="med"/>
+                    </a:lnT>
+                    <a:lnB w="12700" cap="flat" cmpd="sng" algn="ctr">
+                      <a:solidFill>
+                        <a:schemeClr val="bg2">
+                          <a:lumMod val="50000"/>
+                        </a:schemeClr>
+                      </a:solidFill>
+                      <a:prstDash val="sysDot"/>
+                      <a:round/>
+                      <a:headEnd type="none" w="med" len="med"/>
+                      <a:tailEnd type="none" w="med" len="med"/>
+                    </a:lnB>
+                    <a:solidFill>
+                      <a:srgbClr val="92D050"/>
+                    </a:solidFill>
+                  </a:tcPr>
+                </a:tc>
+                <a:extLst>
+                  <a:ext uri="{0D108BD9-81ED-4DB2-BD59-A6C34878D82A}">
+                    <a16:rowId xmlns:a16="http://schemas.microsoft.com/office/drawing/2014/main" val="127345044"/>
+                  </a:ext>
+                </a:extLst>
+              </a:tr>
+              <a:tr h="506571">
+                <a:tc>
+                  <a:txBody>
+                    <a:bodyPr/>
+                    <a:lstStyle/>
+                    <a:p>
+                      <a:endParaRPr lang="en-US" dirty="0"/>
+                    </a:p>
+                  </a:txBody>
+                  <a:tcPr>
+                    <a:lnL w="12700" cap="flat" cmpd="sng" algn="ctr">
+                      <a:solidFill>
+                        <a:schemeClr val="tx1"/>
+                      </a:solidFill>
+                      <a:prstDash val="solid"/>
+                      <a:round/>
+                      <a:headEnd type="none" w="med" len="med"/>
+                      <a:tailEnd type="none" w="med" len="med"/>
+                    </a:lnL>
+                    <a:lnR w="12700" cap="flat" cmpd="sng" algn="ctr">
+                      <a:solidFill>
+                        <a:schemeClr val="bg2">
+                          <a:lumMod val="50000"/>
+                        </a:schemeClr>
+                      </a:solidFill>
+                      <a:prstDash val="sysDot"/>
+                      <a:round/>
+                      <a:headEnd type="none" w="med" len="med"/>
+                      <a:tailEnd type="none" w="med" len="med"/>
+                    </a:lnR>
+                    <a:lnT w="12700" cap="flat" cmpd="sng" algn="ctr">
+                      <a:solidFill>
+                        <a:schemeClr val="bg2">
+                          <a:lumMod val="50000"/>
+                        </a:schemeClr>
+                      </a:solidFill>
+                      <a:prstDash val="sysDot"/>
+                      <a:round/>
+                      <a:headEnd type="none" w="med" len="med"/>
+                      <a:tailEnd type="none" w="med" len="med"/>
+                    </a:lnT>
+                    <a:lnB w="12700" cap="flat" cmpd="sng" algn="ctr">
+                      <a:solidFill>
+                        <a:schemeClr val="bg2">
+                          <a:lumMod val="50000"/>
+                        </a:schemeClr>
+                      </a:solidFill>
+                      <a:prstDash val="sysDot"/>
+                      <a:round/>
+                      <a:headEnd type="none" w="med" len="med"/>
+                      <a:tailEnd type="none" w="med" len="med"/>
+                    </a:lnB>
+                    <a:solidFill>
+                      <a:srgbClr val="92D050"/>
+                    </a:solidFill>
+                  </a:tcPr>
+                </a:tc>
+                <a:tc>
+                  <a:txBody>
+                    <a:bodyPr/>
+                    <a:lstStyle/>
+                    <a:p>
+                      <a:endParaRPr lang="en-US" dirty="0"/>
+                    </a:p>
+                  </a:txBody>
+                  <a:tcPr>
+                    <a:lnL w="12700" cap="flat" cmpd="sng" algn="ctr">
+                      <a:solidFill>
+                        <a:schemeClr val="bg2">
+                          <a:lumMod val="50000"/>
+                        </a:schemeClr>
+                      </a:solidFill>
+                      <a:prstDash val="sysDot"/>
+                      <a:round/>
+                      <a:headEnd type="none" w="med" len="med"/>
+                      <a:tailEnd type="none" w="med" len="med"/>
+                    </a:lnL>
+                    <a:lnR w="12700" cap="flat" cmpd="sng" algn="ctr">
+                      <a:solidFill>
+                        <a:schemeClr val="bg2">
+                          <a:lumMod val="50000"/>
+                        </a:schemeClr>
+                      </a:solidFill>
+                      <a:prstDash val="sysDot"/>
+                      <a:round/>
+                      <a:headEnd type="none" w="med" len="med"/>
+                      <a:tailEnd type="none" w="med" len="med"/>
+                    </a:lnR>
+                    <a:lnT w="12700" cap="flat" cmpd="sng" algn="ctr">
+                      <a:solidFill>
+                        <a:schemeClr val="bg2">
+                          <a:lumMod val="50000"/>
+                        </a:schemeClr>
+                      </a:solidFill>
+                      <a:prstDash val="sysDot"/>
+                      <a:round/>
+                      <a:headEnd type="none" w="med" len="med"/>
+                      <a:tailEnd type="none" w="med" len="med"/>
+                    </a:lnT>
+                    <a:lnB w="12700" cap="flat" cmpd="sng" algn="ctr">
+                      <a:solidFill>
+                        <a:schemeClr val="bg2">
+                          <a:lumMod val="50000"/>
+                        </a:schemeClr>
+                      </a:solidFill>
+                      <a:prstDash val="sysDot"/>
+                      <a:round/>
+                      <a:headEnd type="none" w="med" len="med"/>
+                      <a:tailEnd type="none" w="med" len="med"/>
+                    </a:lnB>
+                    <a:solidFill>
+                      <a:srgbClr val="92D050"/>
+                    </a:solidFill>
+                  </a:tcPr>
+                </a:tc>
+                <a:tc>
+                  <a:txBody>
+                    <a:bodyPr/>
+                    <a:lstStyle/>
+                    <a:p>
+                      <a:endParaRPr lang="en-US" dirty="0"/>
+                    </a:p>
+                  </a:txBody>
+                  <a:tcPr>
+                    <a:lnL w="12700" cap="flat" cmpd="sng" algn="ctr">
+                      <a:solidFill>
+                        <a:schemeClr val="bg2">
+                          <a:lumMod val="50000"/>
+                        </a:schemeClr>
+                      </a:solidFill>
+                      <a:prstDash val="sysDot"/>
+                      <a:round/>
+                      <a:headEnd type="none" w="med" len="med"/>
+                      <a:tailEnd type="none" w="med" len="med"/>
+                    </a:lnL>
+                    <a:lnR w="12700" cap="flat" cmpd="sng" algn="ctr">
+                      <a:solidFill>
+                        <a:schemeClr val="bg2">
+                          <a:lumMod val="50000"/>
+                        </a:schemeClr>
+                      </a:solidFill>
+                      <a:prstDash val="sysDot"/>
+                      <a:round/>
+                      <a:headEnd type="none" w="med" len="med"/>
+                      <a:tailEnd type="none" w="med" len="med"/>
+                    </a:lnR>
+                    <a:lnT w="12700" cap="flat" cmpd="sng" algn="ctr">
+                      <a:solidFill>
+                        <a:schemeClr val="bg2">
+                          <a:lumMod val="50000"/>
+                        </a:schemeClr>
+                      </a:solidFill>
+                      <a:prstDash val="sysDot"/>
+                      <a:round/>
+                      <a:headEnd type="none" w="med" len="med"/>
+                      <a:tailEnd type="none" w="med" len="med"/>
+                    </a:lnT>
+                    <a:lnB w="12700" cap="flat" cmpd="sng" algn="ctr">
+                      <a:solidFill>
+                        <a:schemeClr val="bg2">
+                          <a:lumMod val="50000"/>
+                        </a:schemeClr>
+                      </a:solidFill>
+                      <a:prstDash val="sysDot"/>
+                      <a:round/>
+                      <a:headEnd type="none" w="med" len="med"/>
+                      <a:tailEnd type="none" w="med" len="med"/>
+                    </a:lnB>
+                    <a:solidFill>
+                      <a:srgbClr val="92D050"/>
+                    </a:solidFill>
+                  </a:tcPr>
+                </a:tc>
+                <a:tc>
+                  <a:txBody>
+                    <a:bodyPr/>
+                    <a:lstStyle/>
+                    <a:p>
+                      <a:endParaRPr lang="en-US" dirty="0"/>
+                    </a:p>
+                  </a:txBody>
+                  <a:tcPr>
+                    <a:lnL w="12700" cap="flat" cmpd="sng" algn="ctr">
+                      <a:solidFill>
+                        <a:schemeClr val="bg2">
+                          <a:lumMod val="50000"/>
+                        </a:schemeClr>
+                      </a:solidFill>
+                      <a:prstDash val="sysDot"/>
+                      <a:round/>
+                      <a:headEnd type="none" w="med" len="med"/>
+                      <a:tailEnd type="none" w="med" len="med"/>
+                    </a:lnL>
+                    <a:lnR w="12700" cap="flat" cmpd="sng" algn="ctr">
+                      <a:solidFill>
+                        <a:schemeClr val="bg2">
+                          <a:lumMod val="50000"/>
+                        </a:schemeClr>
+                      </a:solidFill>
+                      <a:prstDash val="sysDot"/>
+                      <a:round/>
+                      <a:headEnd type="none" w="med" len="med"/>
+                      <a:tailEnd type="none" w="med" len="med"/>
+                    </a:lnR>
+                    <a:lnT w="12700" cap="flat" cmpd="sng" algn="ctr">
+                      <a:solidFill>
+                        <a:schemeClr val="bg2">
+                          <a:lumMod val="50000"/>
+                        </a:schemeClr>
+                      </a:solidFill>
+                      <a:prstDash val="sysDot"/>
+                      <a:round/>
+                      <a:headEnd type="none" w="med" len="med"/>
+                      <a:tailEnd type="none" w="med" len="med"/>
+                    </a:lnT>
+                    <a:lnB w="12700" cap="flat" cmpd="sng" algn="ctr">
+                      <a:solidFill>
+                        <a:schemeClr val="bg2">
+                          <a:lumMod val="50000"/>
+                        </a:schemeClr>
+                      </a:solidFill>
+                      <a:prstDash val="sysDot"/>
+                      <a:round/>
+                      <a:headEnd type="none" w="med" len="med"/>
+                      <a:tailEnd type="none" w="med" len="med"/>
+                    </a:lnB>
+                    <a:solidFill>
+                      <a:srgbClr val="92D050"/>
+                    </a:solidFill>
+                  </a:tcPr>
+                </a:tc>
+                <a:tc>
+                  <a:txBody>
+                    <a:bodyPr/>
+                    <a:lstStyle/>
+                    <a:p>
+                      <a:endParaRPr lang="en-US" dirty="0"/>
+                    </a:p>
+                  </a:txBody>
+                  <a:tcPr>
+                    <a:lnL w="12700" cap="flat" cmpd="sng" algn="ctr">
+                      <a:solidFill>
+                        <a:schemeClr val="bg2">
+                          <a:lumMod val="50000"/>
+                        </a:schemeClr>
+                      </a:solidFill>
+                      <a:prstDash val="sysDot"/>
+                      <a:round/>
+                      <a:headEnd type="none" w="med" len="med"/>
+                      <a:tailEnd type="none" w="med" len="med"/>
+                    </a:lnL>
+                    <a:lnR w="12700" cap="flat" cmpd="sng" algn="ctr">
+                      <a:solidFill>
+                        <a:schemeClr val="bg2">
+                          <a:lumMod val="50000"/>
+                        </a:schemeClr>
+                      </a:solidFill>
+                      <a:prstDash val="sysDot"/>
+                      <a:round/>
+                      <a:headEnd type="none" w="med" len="med"/>
+                      <a:tailEnd type="none" w="med" len="med"/>
+                    </a:lnR>
+                    <a:lnT w="12700" cap="flat" cmpd="sng" algn="ctr">
+                      <a:solidFill>
+                        <a:schemeClr val="bg2">
+                          <a:lumMod val="50000"/>
+                        </a:schemeClr>
+                      </a:solidFill>
+                      <a:prstDash val="sysDot"/>
+                      <a:round/>
+                      <a:headEnd type="none" w="med" len="med"/>
+                      <a:tailEnd type="none" w="med" len="med"/>
+                    </a:lnT>
+                    <a:lnB w="12700" cap="flat" cmpd="sng" algn="ctr">
+                      <a:solidFill>
+                        <a:schemeClr val="bg2">
+                          <a:lumMod val="50000"/>
+                        </a:schemeClr>
+                      </a:solidFill>
+                      <a:prstDash val="sysDot"/>
+                      <a:round/>
+                      <a:headEnd type="none" w="med" len="med"/>
+                      <a:tailEnd type="none" w="med" len="med"/>
+                    </a:lnB>
+                    <a:solidFill>
+                      <a:srgbClr val="92D050"/>
+                    </a:solidFill>
+                  </a:tcPr>
+                </a:tc>
+                <a:tc>
+                  <a:txBody>
+                    <a:bodyPr/>
+                    <a:lstStyle/>
+                    <a:p>
+                      <a:endParaRPr lang="en-US" dirty="0"/>
+                    </a:p>
+                  </a:txBody>
+                  <a:tcPr>
+                    <a:lnL w="12700" cap="flat" cmpd="sng" algn="ctr">
+                      <a:solidFill>
+                        <a:schemeClr val="bg2">
+                          <a:lumMod val="50000"/>
+                        </a:schemeClr>
+                      </a:solidFill>
+                      <a:prstDash val="sysDot"/>
+                      <a:round/>
+                      <a:headEnd type="none" w="med" len="med"/>
+                      <a:tailEnd type="none" w="med" len="med"/>
+                    </a:lnL>
+                    <a:lnR w="12700" cap="flat" cmpd="sng" algn="ctr">
+                      <a:solidFill>
+                        <a:schemeClr val="bg2">
+                          <a:lumMod val="50000"/>
+                        </a:schemeClr>
+                      </a:solidFill>
+                      <a:prstDash val="sysDot"/>
+                      <a:round/>
+                      <a:headEnd type="none" w="med" len="med"/>
+                      <a:tailEnd type="none" w="med" len="med"/>
+                    </a:lnR>
+                    <a:lnT w="12700" cap="flat" cmpd="sng" algn="ctr">
+                      <a:solidFill>
+                        <a:schemeClr val="bg2">
+                          <a:lumMod val="50000"/>
+                        </a:schemeClr>
+                      </a:solidFill>
+                      <a:prstDash val="sysDot"/>
+                      <a:round/>
+                      <a:headEnd type="none" w="med" len="med"/>
+                      <a:tailEnd type="none" w="med" len="med"/>
+                    </a:lnT>
+                    <a:lnB w="12700" cap="flat" cmpd="sng" algn="ctr">
+                      <a:solidFill>
+                        <a:schemeClr val="bg2">
+                          <a:lumMod val="50000"/>
+                        </a:schemeClr>
+                      </a:solidFill>
+                      <a:prstDash val="sysDot"/>
+                      <a:round/>
+                      <a:headEnd type="none" w="med" len="med"/>
+                      <a:tailEnd type="none" w="med" len="med"/>
+                    </a:lnB>
+                    <a:solidFill>
+                      <a:srgbClr val="92D050"/>
+                    </a:solidFill>
+                  </a:tcPr>
+                </a:tc>
+                <a:tc>
+                  <a:txBody>
+                    <a:bodyPr/>
+                    <a:lstStyle/>
+                    <a:p>
+                      <a:endParaRPr lang="en-US" dirty="0"/>
+                    </a:p>
+                  </a:txBody>
+                  <a:tcPr>
+                    <a:lnL w="12700" cap="flat" cmpd="sng" algn="ctr">
+                      <a:solidFill>
+                        <a:schemeClr val="bg2">
+                          <a:lumMod val="50000"/>
+                        </a:schemeClr>
+                      </a:solidFill>
+                      <a:prstDash val="sysDot"/>
+                      <a:round/>
+                      <a:headEnd type="none" w="med" len="med"/>
+                      <a:tailEnd type="none" w="med" len="med"/>
+                    </a:lnL>
+                    <a:lnR w="12700" cap="flat" cmpd="sng" algn="ctr">
+                      <a:solidFill>
+                        <a:schemeClr val="bg2">
+                          <a:lumMod val="50000"/>
+                        </a:schemeClr>
+                      </a:solidFill>
+                      <a:prstDash val="sysDot"/>
+                      <a:round/>
+                      <a:headEnd type="none" w="med" len="med"/>
+                      <a:tailEnd type="none" w="med" len="med"/>
+                    </a:lnR>
+                    <a:lnT w="12700" cap="flat" cmpd="sng" algn="ctr">
+                      <a:solidFill>
+                        <a:schemeClr val="bg2">
+                          <a:lumMod val="50000"/>
+                        </a:schemeClr>
+                      </a:solidFill>
+                      <a:prstDash val="sysDot"/>
+                      <a:round/>
+                      <a:headEnd type="none" w="med" len="med"/>
+                      <a:tailEnd type="none" w="med" len="med"/>
+                    </a:lnT>
+                    <a:lnB w="12700" cap="flat" cmpd="sng" algn="ctr">
+                      <a:solidFill>
+                        <a:schemeClr val="bg2">
+                          <a:lumMod val="50000"/>
+                        </a:schemeClr>
+                      </a:solidFill>
+                      <a:prstDash val="sysDot"/>
+                      <a:round/>
+                      <a:headEnd type="none" w="med" len="med"/>
+                      <a:tailEnd type="none" w="med" len="med"/>
+                    </a:lnB>
+                    <a:solidFill>
+                      <a:srgbClr val="92D050"/>
+                    </a:solidFill>
+                  </a:tcPr>
+                </a:tc>
+                <a:tc>
+                  <a:txBody>
+                    <a:bodyPr/>
+                    <a:lstStyle/>
+                    <a:p>
+                      <a:endParaRPr lang="en-US" dirty="0"/>
+                    </a:p>
+                  </a:txBody>
+                  <a:tcPr>
+                    <a:lnL w="12700" cap="flat" cmpd="sng" algn="ctr">
+                      <a:solidFill>
+                        <a:schemeClr val="bg2">
+                          <a:lumMod val="50000"/>
+                        </a:schemeClr>
+                      </a:solidFill>
+                      <a:prstDash val="sysDot"/>
+                      <a:round/>
+                      <a:headEnd type="none" w="med" len="med"/>
+                      <a:tailEnd type="none" w="med" len="med"/>
+                    </a:lnL>
+                    <a:lnR w="12700" cap="flat" cmpd="sng" algn="ctr">
+                      <a:solidFill>
+                        <a:schemeClr val="bg2">
+                          <a:lumMod val="50000"/>
+                        </a:schemeClr>
+                      </a:solidFill>
+                      <a:prstDash val="sysDot"/>
+                      <a:round/>
+                      <a:headEnd type="none" w="med" len="med"/>
+                      <a:tailEnd type="none" w="med" len="med"/>
+                    </a:lnR>
+                    <a:lnT w="12700" cap="flat" cmpd="sng" algn="ctr">
+                      <a:solidFill>
+                        <a:schemeClr val="bg2">
+                          <a:lumMod val="50000"/>
+                        </a:schemeClr>
+                      </a:solidFill>
+                      <a:prstDash val="sysDot"/>
+                      <a:round/>
+                      <a:headEnd type="none" w="med" len="med"/>
+                      <a:tailEnd type="none" w="med" len="med"/>
+                    </a:lnT>
+                    <a:lnB w="12700" cap="flat" cmpd="sng" algn="ctr">
+                      <a:solidFill>
+                        <a:schemeClr val="bg2">
+                          <a:lumMod val="50000"/>
+                        </a:schemeClr>
+                      </a:solidFill>
+                      <a:prstDash val="sysDot"/>
+                      <a:round/>
+                      <a:headEnd type="none" w="med" len="med"/>
+                      <a:tailEnd type="none" w="med" len="med"/>
+                    </a:lnB>
+                    <a:solidFill>
+                      <a:srgbClr val="92D050"/>
+                    </a:solidFill>
+                  </a:tcPr>
+                </a:tc>
+                <a:tc>
+                  <a:txBody>
+                    <a:bodyPr/>
+                    <a:lstStyle/>
+                    <a:p>
+                      <a:endParaRPr lang="en-US" dirty="0"/>
+                    </a:p>
+                  </a:txBody>
+                  <a:tcPr>
+                    <a:lnL w="12700" cap="flat" cmpd="sng" algn="ctr">
+                      <a:solidFill>
+                        <a:schemeClr val="bg2">
+                          <a:lumMod val="50000"/>
+                        </a:schemeClr>
+                      </a:solidFill>
+                      <a:prstDash val="sysDot"/>
+                      <a:round/>
+                      <a:headEnd type="none" w="med" len="med"/>
+                      <a:tailEnd type="none" w="med" len="med"/>
+                    </a:lnL>
+                    <a:lnR w="12700" cap="flat" cmpd="sng" algn="ctr">
+                      <a:solidFill>
+                        <a:schemeClr val="bg2">
+                          <a:lumMod val="50000"/>
+                        </a:schemeClr>
+                      </a:solidFill>
+                      <a:prstDash val="sysDot"/>
+                      <a:round/>
+                      <a:headEnd type="none" w="med" len="med"/>
+                      <a:tailEnd type="none" w="med" len="med"/>
+                    </a:lnR>
+                    <a:lnT w="12700" cap="flat" cmpd="sng" algn="ctr">
+                      <a:solidFill>
+                        <a:schemeClr val="bg2">
+                          <a:lumMod val="50000"/>
+                        </a:schemeClr>
+                      </a:solidFill>
+                      <a:prstDash val="sysDot"/>
+                      <a:round/>
+                      <a:headEnd type="none" w="med" len="med"/>
+                      <a:tailEnd type="none" w="med" len="med"/>
+                    </a:lnT>
+                    <a:lnB w="12700" cap="flat" cmpd="sng" algn="ctr">
+                      <a:solidFill>
+                        <a:schemeClr val="bg2">
+                          <a:lumMod val="50000"/>
+                        </a:schemeClr>
+                      </a:solidFill>
+                      <a:prstDash val="sysDot"/>
+                      <a:round/>
+                      <a:headEnd type="none" w="med" len="med"/>
+                      <a:tailEnd type="none" w="med" len="med"/>
+                    </a:lnB>
+                    <a:solidFill>
+                      <a:srgbClr val="92D050"/>
+                    </a:solidFill>
+                  </a:tcPr>
+                </a:tc>
+                <a:tc>
+                  <a:txBody>
+                    <a:bodyPr/>
+                    <a:lstStyle/>
+                    <a:p>
+                      <a:endParaRPr lang="en-US" dirty="0"/>
+                    </a:p>
+                  </a:txBody>
+                  <a:tcPr>
+                    <a:lnL w="12700" cap="flat" cmpd="sng" algn="ctr">
+                      <a:solidFill>
+                        <a:schemeClr val="bg2">
+                          <a:lumMod val="50000"/>
+                        </a:schemeClr>
+                      </a:solidFill>
+                      <a:prstDash val="sysDot"/>
+                      <a:round/>
+                      <a:headEnd type="none" w="med" len="med"/>
+                      <a:tailEnd type="none" w="med" len="med"/>
+                    </a:lnL>
+                    <a:lnR w="12700" cap="flat" cmpd="sng" algn="ctr">
+                      <a:solidFill>
+                        <a:schemeClr val="tx1"/>
+                      </a:solidFill>
+                      <a:prstDash val="solid"/>
+                      <a:round/>
+                      <a:headEnd type="none" w="med" len="med"/>
+                      <a:tailEnd type="none" w="med" len="med"/>
+                    </a:lnR>
+                    <a:lnT w="12700" cap="flat" cmpd="sng" algn="ctr">
+                      <a:solidFill>
+                        <a:schemeClr val="bg2">
+                          <a:lumMod val="50000"/>
+                        </a:schemeClr>
+                      </a:solidFill>
+                      <a:prstDash val="sysDot"/>
+                      <a:round/>
+                      <a:headEnd type="none" w="med" len="med"/>
+                      <a:tailEnd type="none" w="med" len="med"/>
+                    </a:lnT>
+                    <a:lnB w="12700" cap="flat" cmpd="sng" algn="ctr">
+                      <a:solidFill>
+                        <a:schemeClr val="bg2">
+                          <a:lumMod val="50000"/>
+                        </a:schemeClr>
+                      </a:solidFill>
+                      <a:prstDash val="sysDot"/>
+                      <a:round/>
+                      <a:headEnd type="none" w="med" len="med"/>
+                      <a:tailEnd type="none" w="med" len="med"/>
+                    </a:lnB>
+                    <a:solidFill>
+                      <a:srgbClr val="92D050"/>
+                    </a:solidFill>
+                  </a:tcPr>
+                </a:tc>
+                <a:extLst>
+                  <a:ext uri="{0D108BD9-81ED-4DB2-BD59-A6C34878D82A}">
+                    <a16:rowId xmlns:a16="http://schemas.microsoft.com/office/drawing/2014/main" val="471068735"/>
+                  </a:ext>
+                </a:extLst>
+              </a:tr>
+              <a:tr h="506571">
+                <a:tc>
+                  <a:txBody>
+                    <a:bodyPr/>
+                    <a:lstStyle/>
+                    <a:p>
+                      <a:endParaRPr lang="en-US" dirty="0"/>
+                    </a:p>
+                  </a:txBody>
+                  <a:tcPr>
+                    <a:lnL w="12700" cap="flat" cmpd="sng" algn="ctr">
+                      <a:solidFill>
+                        <a:schemeClr val="tx1"/>
+                      </a:solidFill>
+                      <a:prstDash val="solid"/>
+                      <a:round/>
+                      <a:headEnd type="none" w="med" len="med"/>
+                      <a:tailEnd type="none" w="med" len="med"/>
+                    </a:lnL>
+                    <a:lnR w="12700" cap="flat" cmpd="sng" algn="ctr">
+                      <a:solidFill>
+                        <a:schemeClr val="bg2">
+                          <a:lumMod val="50000"/>
+                        </a:schemeClr>
+                      </a:solidFill>
+                      <a:prstDash val="sysDot"/>
+                      <a:round/>
+                      <a:headEnd type="none" w="med" len="med"/>
+                      <a:tailEnd type="none" w="med" len="med"/>
+                    </a:lnR>
+                    <a:lnT w="12700" cap="flat" cmpd="sng" algn="ctr">
+                      <a:solidFill>
+                        <a:schemeClr val="bg2">
+                          <a:lumMod val="50000"/>
+                        </a:schemeClr>
+                      </a:solidFill>
+                      <a:prstDash val="sysDot"/>
+                      <a:round/>
+                      <a:headEnd type="none" w="med" len="med"/>
+                      <a:tailEnd type="none" w="med" len="med"/>
+                    </a:lnT>
+                    <a:lnB w="12700" cap="flat" cmpd="sng" algn="ctr">
+                      <a:solidFill>
+                        <a:schemeClr val="bg2">
+                          <a:lumMod val="50000"/>
+                        </a:schemeClr>
+                      </a:solidFill>
+                      <a:prstDash val="sysDot"/>
+                      <a:round/>
+                      <a:headEnd type="none" w="med" len="med"/>
+                      <a:tailEnd type="none" w="med" len="med"/>
+                    </a:lnB>
+                    <a:solidFill>
+                      <a:srgbClr val="92D050"/>
+                    </a:solidFill>
+                  </a:tcPr>
+                </a:tc>
+                <a:tc>
+                  <a:txBody>
+                    <a:bodyPr/>
+                    <a:lstStyle/>
+                    <a:p>
+                      <a:endParaRPr lang="en-US" dirty="0"/>
+                    </a:p>
+                  </a:txBody>
+                  <a:tcPr>
+                    <a:lnL w="12700" cap="flat" cmpd="sng" algn="ctr">
+                      <a:solidFill>
+                        <a:schemeClr val="bg2">
+                          <a:lumMod val="50000"/>
+                        </a:schemeClr>
+                      </a:solidFill>
+                      <a:prstDash val="sysDot"/>
+                      <a:round/>
+                      <a:headEnd type="none" w="med" len="med"/>
+                      <a:tailEnd type="none" w="med" len="med"/>
+                    </a:lnL>
+                    <a:lnR w="12700" cap="flat" cmpd="sng" algn="ctr">
+                      <a:solidFill>
+                        <a:schemeClr val="bg2">
+                          <a:lumMod val="50000"/>
+                        </a:schemeClr>
+                      </a:solidFill>
+                      <a:prstDash val="sysDot"/>
+                      <a:round/>
+                      <a:headEnd type="none" w="med" len="med"/>
+                      <a:tailEnd type="none" w="med" len="med"/>
+                    </a:lnR>
+                    <a:lnT w="12700" cap="flat" cmpd="sng" algn="ctr">
+                      <a:solidFill>
+                        <a:schemeClr val="bg2">
+                          <a:lumMod val="50000"/>
+                        </a:schemeClr>
+                      </a:solidFill>
+                      <a:prstDash val="sysDot"/>
+                      <a:round/>
+                      <a:headEnd type="none" w="med" len="med"/>
+                      <a:tailEnd type="none" w="med" len="med"/>
+                    </a:lnT>
+                    <a:lnB w="12700" cap="flat" cmpd="sng" algn="ctr">
+                      <a:solidFill>
+                        <a:schemeClr val="bg2">
+                          <a:lumMod val="50000"/>
+                        </a:schemeClr>
+                      </a:solidFill>
+                      <a:prstDash val="sysDot"/>
+                      <a:round/>
+                      <a:headEnd type="none" w="med" len="med"/>
+                      <a:tailEnd type="none" w="med" len="med"/>
+                    </a:lnB>
+                    <a:solidFill>
+                      <a:srgbClr val="92D050"/>
+                    </a:solidFill>
+                  </a:tcPr>
+                </a:tc>
+                <a:tc>
+                  <a:txBody>
+                    <a:bodyPr/>
+                    <a:lstStyle/>
+                    <a:p>
+                      <a:endParaRPr lang="en-US" dirty="0"/>
+                    </a:p>
+                  </a:txBody>
+                  <a:tcPr>
+                    <a:lnL w="12700" cap="flat" cmpd="sng" algn="ctr">
+                      <a:solidFill>
+                        <a:schemeClr val="bg2">
+                          <a:lumMod val="50000"/>
+                        </a:schemeClr>
+                      </a:solidFill>
+                      <a:prstDash val="sysDot"/>
+                      <a:round/>
+                      <a:headEnd type="none" w="med" len="med"/>
+                      <a:tailEnd type="none" w="med" len="med"/>
+                    </a:lnL>
+                    <a:lnR w="12700" cap="flat" cmpd="sng" algn="ctr">
+                      <a:solidFill>
+                        <a:schemeClr val="bg2">
+                          <a:lumMod val="50000"/>
+                        </a:schemeClr>
+                      </a:solidFill>
+                      <a:prstDash val="sysDot"/>
+                      <a:round/>
+                      <a:headEnd type="none" w="med" len="med"/>
+                      <a:tailEnd type="none" w="med" len="med"/>
+                    </a:lnR>
+                    <a:lnT w="12700" cap="flat" cmpd="sng" algn="ctr">
+                      <a:solidFill>
+                        <a:schemeClr val="bg2">
+                          <a:lumMod val="50000"/>
+                        </a:schemeClr>
+                      </a:solidFill>
+                      <a:prstDash val="sysDot"/>
+                      <a:round/>
+                      <a:headEnd type="none" w="med" len="med"/>
+                      <a:tailEnd type="none" w="med" len="med"/>
+                    </a:lnT>
+                    <a:lnB w="12700" cap="flat" cmpd="sng" algn="ctr">
+                      <a:solidFill>
+                        <a:schemeClr val="bg2">
+                          <a:lumMod val="50000"/>
+                        </a:schemeClr>
+                      </a:solidFill>
+                      <a:prstDash val="sysDot"/>
+                      <a:round/>
+                      <a:headEnd type="none" w="med" len="med"/>
+                      <a:tailEnd type="none" w="med" len="med"/>
+                    </a:lnB>
+                    <a:solidFill>
+                      <a:srgbClr val="92D050"/>
+                    </a:solidFill>
+                  </a:tcPr>
+                </a:tc>
+                <a:tc>
+                  <a:txBody>
+                    <a:bodyPr/>
+                    <a:lstStyle/>
+                    <a:p>
+                      <a:endParaRPr lang="en-US" dirty="0"/>
+                    </a:p>
+                  </a:txBody>
+                  <a:tcPr>
+                    <a:lnL w="12700" cap="flat" cmpd="sng" algn="ctr">
+                      <a:solidFill>
+                        <a:schemeClr val="bg2">
+                          <a:lumMod val="50000"/>
+                        </a:schemeClr>
+                      </a:solidFill>
+                      <a:prstDash val="sysDot"/>
+                      <a:round/>
+                      <a:headEnd type="none" w="med" len="med"/>
+                      <a:tailEnd type="none" w="med" len="med"/>
+                    </a:lnL>
+                    <a:lnR w="12700" cap="flat" cmpd="sng" algn="ctr">
+                      <a:solidFill>
+                        <a:schemeClr val="bg2">
+                          <a:lumMod val="50000"/>
+                        </a:schemeClr>
+                      </a:solidFill>
+                      <a:prstDash val="sysDot"/>
+                      <a:round/>
+                      <a:headEnd type="none" w="med" len="med"/>
+                      <a:tailEnd type="none" w="med" len="med"/>
+                    </a:lnR>
+                    <a:lnT w="12700" cap="flat" cmpd="sng" algn="ctr">
+                      <a:solidFill>
+                        <a:schemeClr val="bg2">
+                          <a:lumMod val="50000"/>
+                        </a:schemeClr>
+                      </a:solidFill>
+                      <a:prstDash val="sysDot"/>
+                      <a:round/>
+                      <a:headEnd type="none" w="med" len="med"/>
+                      <a:tailEnd type="none" w="med" len="med"/>
+                    </a:lnT>
+                    <a:lnB w="12700" cap="flat" cmpd="sng" algn="ctr">
+                      <a:solidFill>
+                        <a:schemeClr val="bg2">
+                          <a:lumMod val="50000"/>
+                        </a:schemeClr>
+                      </a:solidFill>
+                      <a:prstDash val="sysDot"/>
+                      <a:round/>
+                      <a:headEnd type="none" w="med" len="med"/>
+                      <a:tailEnd type="none" w="med" len="med"/>
+                    </a:lnB>
+                    <a:solidFill>
+                      <a:srgbClr val="92D050"/>
+                    </a:solidFill>
+                  </a:tcPr>
+                </a:tc>
+                <a:tc>
+                  <a:txBody>
+                    <a:bodyPr/>
+                    <a:lstStyle/>
+                    <a:p>
+                      <a:endParaRPr lang="en-US" dirty="0"/>
+                    </a:p>
+                  </a:txBody>
+                  <a:tcPr>
+                    <a:lnL w="12700" cap="flat" cmpd="sng" algn="ctr">
+                      <a:solidFill>
+                        <a:schemeClr val="bg2">
+                          <a:lumMod val="50000"/>
+                        </a:schemeClr>
+                      </a:solidFill>
+                      <a:prstDash val="sysDot"/>
+                      <a:round/>
+                      <a:headEnd type="none" w="med" len="med"/>
+                      <a:tailEnd type="none" w="med" len="med"/>
+                    </a:lnL>
+                    <a:lnR w="12700" cap="flat" cmpd="sng" algn="ctr">
+                      <a:solidFill>
+                        <a:schemeClr val="bg2">
+                          <a:lumMod val="50000"/>
+                        </a:schemeClr>
+                      </a:solidFill>
+                      <a:prstDash val="sysDot"/>
+                      <a:round/>
+                      <a:headEnd type="none" w="med" len="med"/>
+                      <a:tailEnd type="none" w="med" len="med"/>
+                    </a:lnR>
+                    <a:lnT w="12700" cap="flat" cmpd="sng" algn="ctr">
+                      <a:solidFill>
+                        <a:schemeClr val="bg2">
+                          <a:lumMod val="50000"/>
+                        </a:schemeClr>
+                      </a:solidFill>
+                      <a:prstDash val="sysDot"/>
+                      <a:round/>
+                      <a:headEnd type="none" w="med" len="med"/>
+                      <a:tailEnd type="none" w="med" len="med"/>
+                    </a:lnT>
+                    <a:lnB w="12700" cap="flat" cmpd="sng" algn="ctr">
+                      <a:solidFill>
+                        <a:schemeClr val="bg2">
+                          <a:lumMod val="50000"/>
+                        </a:schemeClr>
+                      </a:solidFill>
+                      <a:prstDash val="sysDot"/>
+                      <a:round/>
+                      <a:headEnd type="none" w="med" len="med"/>
+                      <a:tailEnd type="none" w="med" len="med"/>
+                    </a:lnB>
+                    <a:solidFill>
+                      <a:srgbClr val="92D050"/>
+                    </a:solidFill>
+                  </a:tcPr>
+                </a:tc>
+                <a:tc>
+                  <a:txBody>
+                    <a:bodyPr/>
+                    <a:lstStyle/>
+                    <a:p>
+                      <a:endParaRPr lang="en-US" dirty="0"/>
+                    </a:p>
+                  </a:txBody>
+                  <a:tcPr>
+                    <a:lnL w="12700" cap="flat" cmpd="sng" algn="ctr">
+                      <a:solidFill>
+                        <a:schemeClr val="bg2">
+                          <a:lumMod val="50000"/>
+                        </a:schemeClr>
+                      </a:solidFill>
+                      <a:prstDash val="sysDot"/>
+                      <a:round/>
+                      <a:headEnd type="none" w="med" len="med"/>
+                      <a:tailEnd type="none" w="med" len="med"/>
+                    </a:lnL>
+                    <a:lnR w="12700" cap="flat" cmpd="sng" algn="ctr">
+                      <a:solidFill>
+                        <a:schemeClr val="bg2">
+                          <a:lumMod val="50000"/>
+                        </a:schemeClr>
+                      </a:solidFill>
+                      <a:prstDash val="sysDot"/>
+                      <a:round/>
+                      <a:headEnd type="none" w="med" len="med"/>
+                      <a:tailEnd type="none" w="med" len="med"/>
+                    </a:lnR>
+                    <a:lnT w="12700" cap="flat" cmpd="sng" algn="ctr">
+                      <a:solidFill>
+                        <a:schemeClr val="bg2">
+                          <a:lumMod val="50000"/>
+                        </a:schemeClr>
+                      </a:solidFill>
+                      <a:prstDash val="sysDot"/>
+                      <a:round/>
+                      <a:headEnd type="none" w="med" len="med"/>
+                      <a:tailEnd type="none" w="med" len="med"/>
+                    </a:lnT>
+                    <a:lnB w="12700" cap="flat" cmpd="sng" algn="ctr">
+                      <a:solidFill>
+                        <a:schemeClr val="bg2">
+                          <a:lumMod val="50000"/>
+                        </a:schemeClr>
+                      </a:solidFill>
+                      <a:prstDash val="sysDot"/>
+                      <a:round/>
+                      <a:headEnd type="none" w="med" len="med"/>
+                      <a:tailEnd type="none" w="med" len="med"/>
+                    </a:lnB>
+                    <a:solidFill>
+                      <a:srgbClr val="92D050"/>
+                    </a:solidFill>
+                  </a:tcPr>
+                </a:tc>
+                <a:tc>
+                  <a:txBody>
+                    <a:bodyPr/>
+                    <a:lstStyle/>
+                    <a:p>
+                      <a:endParaRPr lang="en-US" dirty="0"/>
+                    </a:p>
+                  </a:txBody>
+                  <a:tcPr>
+                    <a:lnL w="12700" cap="flat" cmpd="sng" algn="ctr">
+                      <a:solidFill>
+                        <a:schemeClr val="bg2">
+                          <a:lumMod val="50000"/>
+                        </a:schemeClr>
+                      </a:solidFill>
+                      <a:prstDash val="sysDot"/>
+                      <a:round/>
+                      <a:headEnd type="none" w="med" len="med"/>
+                      <a:tailEnd type="none" w="med" len="med"/>
+                    </a:lnL>
+                    <a:lnR w="12700" cap="flat" cmpd="sng" algn="ctr">
+                      <a:solidFill>
+                        <a:schemeClr val="bg2">
+                          <a:lumMod val="50000"/>
+                        </a:schemeClr>
+                      </a:solidFill>
+                      <a:prstDash val="sysDot"/>
+                      <a:round/>
+                      <a:headEnd type="none" w="med" len="med"/>
+                      <a:tailEnd type="none" w="med" len="med"/>
+                    </a:lnR>
+                    <a:lnT w="12700" cap="flat" cmpd="sng" algn="ctr">
+                      <a:solidFill>
+                        <a:schemeClr val="bg2">
+                          <a:lumMod val="50000"/>
+                        </a:schemeClr>
+                      </a:solidFill>
+                      <a:prstDash val="sysDot"/>
+                      <a:round/>
+                      <a:headEnd type="none" w="med" len="med"/>
+                      <a:tailEnd type="none" w="med" len="med"/>
+                    </a:lnT>
+                    <a:lnB w="12700" cap="flat" cmpd="sng" algn="ctr">
+                      <a:solidFill>
+                        <a:schemeClr val="bg2">
+                          <a:lumMod val="50000"/>
+                        </a:schemeClr>
+                      </a:solidFill>
+                      <a:prstDash val="sysDot"/>
+                      <a:round/>
+                      <a:headEnd type="none" w="med" len="med"/>
+                      <a:tailEnd type="none" w="med" len="med"/>
+                    </a:lnB>
+                    <a:solidFill>
+                      <a:srgbClr val="92D050"/>
+                    </a:solidFill>
+                  </a:tcPr>
+                </a:tc>
+                <a:tc>
+                  <a:txBody>
+                    <a:bodyPr/>
+                    <a:lstStyle/>
+                    <a:p>
+                      <a:endParaRPr lang="en-US" dirty="0"/>
+                    </a:p>
+                  </a:txBody>
+                  <a:tcPr>
+                    <a:lnL w="12700" cap="flat" cmpd="sng" algn="ctr">
+                      <a:solidFill>
+                        <a:schemeClr val="bg2">
+                          <a:lumMod val="50000"/>
+                        </a:schemeClr>
+                      </a:solidFill>
+                      <a:prstDash val="sysDot"/>
+                      <a:round/>
+                      <a:headEnd type="none" w="med" len="med"/>
+                      <a:tailEnd type="none" w="med" len="med"/>
+                    </a:lnL>
+                    <a:lnR w="12700" cap="flat" cmpd="sng" algn="ctr">
+                      <a:solidFill>
+                        <a:schemeClr val="bg2">
+                          <a:lumMod val="50000"/>
+                        </a:schemeClr>
+                      </a:solidFill>
+                      <a:prstDash val="sysDot"/>
+                      <a:round/>
+                      <a:headEnd type="none" w="med" len="med"/>
+                      <a:tailEnd type="none" w="med" len="med"/>
+                    </a:lnR>
+                    <a:lnT w="12700" cap="flat" cmpd="sng" algn="ctr">
+                      <a:solidFill>
+                        <a:schemeClr val="bg2">
+                          <a:lumMod val="50000"/>
+                        </a:schemeClr>
+                      </a:solidFill>
+                      <a:prstDash val="sysDot"/>
+                      <a:round/>
+                      <a:headEnd type="none" w="med" len="med"/>
+                      <a:tailEnd type="none" w="med" len="med"/>
+                    </a:lnT>
+                    <a:lnB w="12700" cap="flat" cmpd="sng" algn="ctr">
+                      <a:solidFill>
+                        <a:schemeClr val="bg2">
+                          <a:lumMod val="50000"/>
+                        </a:schemeClr>
+                      </a:solidFill>
+                      <a:prstDash val="sysDot"/>
+                      <a:round/>
+                      <a:headEnd type="none" w="med" len="med"/>
+                      <a:tailEnd type="none" w="med" len="med"/>
+                    </a:lnB>
+                    <a:solidFill>
+                      <a:srgbClr val="92D050"/>
+                    </a:solidFill>
+                  </a:tcPr>
+                </a:tc>
+                <a:tc>
+                  <a:txBody>
+                    <a:bodyPr/>
+                    <a:lstStyle/>
+                    <a:p>
+                      <a:endParaRPr lang="en-US" dirty="0"/>
+                    </a:p>
+                  </a:txBody>
+                  <a:tcPr>
+                    <a:lnL w="12700" cap="flat" cmpd="sng" algn="ctr">
+                      <a:solidFill>
+                        <a:schemeClr val="bg2">
+                          <a:lumMod val="50000"/>
+                        </a:schemeClr>
+                      </a:solidFill>
+                      <a:prstDash val="sysDot"/>
+                      <a:round/>
+                      <a:headEnd type="none" w="med" len="med"/>
+                      <a:tailEnd type="none" w="med" len="med"/>
+                    </a:lnL>
+                    <a:lnR w="12700" cap="flat" cmpd="sng" algn="ctr">
+                      <a:solidFill>
+                        <a:schemeClr val="bg2">
+                          <a:lumMod val="50000"/>
+                        </a:schemeClr>
+                      </a:solidFill>
+                      <a:prstDash val="sysDot"/>
+                      <a:round/>
+                      <a:headEnd type="none" w="med" len="med"/>
+                      <a:tailEnd type="none" w="med" len="med"/>
+                    </a:lnR>
+                    <a:lnT w="12700" cap="flat" cmpd="sng" algn="ctr">
+                      <a:solidFill>
+                        <a:schemeClr val="bg2">
+                          <a:lumMod val="50000"/>
+                        </a:schemeClr>
+                      </a:solidFill>
+                      <a:prstDash val="sysDot"/>
+                      <a:round/>
+                      <a:headEnd type="none" w="med" len="med"/>
+                      <a:tailEnd type="none" w="med" len="med"/>
+                    </a:lnT>
+                    <a:lnB w="12700" cap="flat" cmpd="sng" algn="ctr">
+                      <a:solidFill>
+                        <a:schemeClr val="bg2">
+                          <a:lumMod val="50000"/>
+                        </a:schemeClr>
+                      </a:solidFill>
+                      <a:prstDash val="sysDot"/>
+                      <a:round/>
+                      <a:headEnd type="none" w="med" len="med"/>
+                      <a:tailEnd type="none" w="med" len="med"/>
+                    </a:lnB>
+                    <a:solidFill>
+                      <a:srgbClr val="92D050"/>
+                    </a:solidFill>
+                  </a:tcPr>
+                </a:tc>
+                <a:tc>
+                  <a:txBody>
+                    <a:bodyPr/>
+                    <a:lstStyle/>
+                    <a:p>
+                      <a:endParaRPr lang="en-US" dirty="0"/>
+                    </a:p>
+                  </a:txBody>
+                  <a:tcPr>
+                    <a:lnL w="12700" cap="flat" cmpd="sng" algn="ctr">
+                      <a:solidFill>
+                        <a:schemeClr val="bg2">
+                          <a:lumMod val="50000"/>
+                        </a:schemeClr>
+                      </a:solidFill>
+                      <a:prstDash val="sysDot"/>
+                      <a:round/>
+                      <a:headEnd type="none" w="med" len="med"/>
+                      <a:tailEnd type="none" w="med" len="med"/>
+                    </a:lnL>
+                    <a:lnR w="12700" cap="flat" cmpd="sng" algn="ctr">
+                      <a:solidFill>
+                        <a:schemeClr val="tx1"/>
+                      </a:solidFill>
+                      <a:prstDash val="solid"/>
+                      <a:round/>
+                      <a:headEnd type="none" w="med" len="med"/>
+                      <a:tailEnd type="none" w="med" len="med"/>
+                    </a:lnR>
+                    <a:lnT w="12700" cap="flat" cmpd="sng" algn="ctr">
+                      <a:solidFill>
+                        <a:schemeClr val="bg2">
+                          <a:lumMod val="50000"/>
+                        </a:schemeClr>
+                      </a:solidFill>
+                      <a:prstDash val="sysDot"/>
+                      <a:round/>
+                      <a:headEnd type="none" w="med" len="med"/>
+                      <a:tailEnd type="none" w="med" len="med"/>
+                    </a:lnT>
+                    <a:lnB w="12700" cap="flat" cmpd="sng" algn="ctr">
+                      <a:solidFill>
+                        <a:schemeClr val="bg2">
+                          <a:lumMod val="50000"/>
+                        </a:schemeClr>
+                      </a:solidFill>
+                      <a:prstDash val="sysDot"/>
+                      <a:round/>
+                      <a:headEnd type="none" w="med" len="med"/>
+                      <a:tailEnd type="none" w="med" len="med"/>
+                    </a:lnB>
+                    <a:solidFill>
+                      <a:srgbClr val="92D050"/>
+                    </a:solidFill>
+                  </a:tcPr>
+                </a:tc>
+                <a:extLst>
+                  <a:ext uri="{0D108BD9-81ED-4DB2-BD59-A6C34878D82A}">
+                    <a16:rowId xmlns:a16="http://schemas.microsoft.com/office/drawing/2014/main" val="1154238665"/>
+                  </a:ext>
+                </a:extLst>
+              </a:tr>
+              <a:tr h="506571">
+                <a:tc>
+                  <a:txBody>
+                    <a:bodyPr/>
+                    <a:lstStyle/>
+                    <a:p>
+                      <a:endParaRPr lang="en-US" dirty="0"/>
+                    </a:p>
+                  </a:txBody>
+                  <a:tcPr>
+                    <a:lnL w="12700" cap="flat" cmpd="sng" algn="ctr">
+                      <a:solidFill>
+                        <a:schemeClr val="tx1"/>
+                      </a:solidFill>
+                      <a:prstDash val="solid"/>
+                      <a:round/>
+                      <a:headEnd type="none" w="med" len="med"/>
+                      <a:tailEnd type="none" w="med" len="med"/>
+                    </a:lnL>
+                    <a:lnR w="12700" cap="flat" cmpd="sng" algn="ctr">
+                      <a:solidFill>
+                        <a:schemeClr val="bg2">
+                          <a:lumMod val="50000"/>
+                        </a:schemeClr>
+                      </a:solidFill>
+                      <a:prstDash val="sysDot"/>
+                      <a:round/>
+                      <a:headEnd type="none" w="med" len="med"/>
+                      <a:tailEnd type="none" w="med" len="med"/>
+                    </a:lnR>
+                    <a:lnT w="12700" cap="flat" cmpd="sng" algn="ctr">
+                      <a:solidFill>
+                        <a:schemeClr val="bg2">
+                          <a:lumMod val="50000"/>
+                        </a:schemeClr>
+                      </a:solidFill>
+                      <a:prstDash val="sysDot"/>
+                      <a:round/>
+                      <a:headEnd type="none" w="med" len="med"/>
+                      <a:tailEnd type="none" w="med" len="med"/>
+                    </a:lnT>
+                    <a:lnB w="12700" cap="flat" cmpd="sng" algn="ctr">
+                      <a:solidFill>
+                        <a:schemeClr val="tx1"/>
+                      </a:solidFill>
+                      <a:prstDash val="solid"/>
+                      <a:round/>
+                      <a:headEnd type="none" w="med" len="med"/>
+                      <a:tailEnd type="none" w="med" len="med"/>
+                    </a:lnB>
+                    <a:solidFill>
+                      <a:srgbClr val="92D050"/>
+                    </a:solidFill>
+                  </a:tcPr>
+                </a:tc>
+                <a:tc>
+                  <a:txBody>
+                    <a:bodyPr/>
+                    <a:lstStyle/>
+                    <a:p>
+                      <a:endParaRPr lang="en-US" dirty="0"/>
+                    </a:p>
+                  </a:txBody>
+                  <a:tcPr>
+                    <a:lnL w="12700" cap="flat" cmpd="sng" algn="ctr">
+                      <a:solidFill>
+                        <a:schemeClr val="bg2">
+                          <a:lumMod val="50000"/>
+                        </a:schemeClr>
+                      </a:solidFill>
+                      <a:prstDash val="sysDot"/>
+                      <a:round/>
+                      <a:headEnd type="none" w="med" len="med"/>
+                      <a:tailEnd type="none" w="med" len="med"/>
+                    </a:lnL>
+                    <a:lnR w="12700" cap="flat" cmpd="sng" algn="ctr">
+                      <a:solidFill>
+                        <a:schemeClr val="bg2">
+                          <a:lumMod val="50000"/>
+                        </a:schemeClr>
+                      </a:solidFill>
+                      <a:prstDash val="sysDot"/>
+                      <a:round/>
+                      <a:headEnd type="none" w="med" len="med"/>
+                      <a:tailEnd type="none" w="med" len="med"/>
+                    </a:lnR>
+                    <a:lnT w="12700" cap="flat" cmpd="sng" algn="ctr">
+                      <a:solidFill>
+                        <a:schemeClr val="bg2">
+                          <a:lumMod val="50000"/>
+                        </a:schemeClr>
+                      </a:solidFill>
+                      <a:prstDash val="sysDot"/>
+                      <a:round/>
+                      <a:headEnd type="none" w="med" len="med"/>
+                      <a:tailEnd type="none" w="med" len="med"/>
+                    </a:lnT>
+                    <a:lnB w="12700" cap="flat" cmpd="sng" algn="ctr">
+                      <a:solidFill>
+                        <a:schemeClr val="tx1"/>
+                      </a:solidFill>
+                      <a:prstDash val="solid"/>
+                      <a:round/>
+                      <a:headEnd type="none" w="med" len="med"/>
+                      <a:tailEnd type="none" w="med" len="med"/>
+                    </a:lnB>
+                    <a:solidFill>
+                      <a:srgbClr val="92D050"/>
+                    </a:solidFill>
+                  </a:tcPr>
+                </a:tc>
+                <a:tc>
+                  <a:txBody>
+                    <a:bodyPr/>
+                    <a:lstStyle/>
+                    <a:p>
+                      <a:endParaRPr lang="en-US" dirty="0"/>
+                    </a:p>
+                  </a:txBody>
+                  <a:tcPr>
+                    <a:lnL w="12700" cap="flat" cmpd="sng" algn="ctr">
+                      <a:solidFill>
+                        <a:schemeClr val="bg2">
+                          <a:lumMod val="50000"/>
+                        </a:schemeClr>
+                      </a:solidFill>
+                      <a:prstDash val="sysDot"/>
+                      <a:round/>
+                      <a:headEnd type="none" w="med" len="med"/>
+                      <a:tailEnd type="none" w="med" len="med"/>
+                    </a:lnL>
+                    <a:lnR w="12700" cap="flat" cmpd="sng" algn="ctr">
+                      <a:solidFill>
+                        <a:schemeClr val="bg2">
+                          <a:lumMod val="50000"/>
+                        </a:schemeClr>
+                      </a:solidFill>
+                      <a:prstDash val="sysDot"/>
+                      <a:round/>
+                      <a:headEnd type="none" w="med" len="med"/>
+                      <a:tailEnd type="none" w="med" len="med"/>
+                    </a:lnR>
+                    <a:lnT w="12700" cap="flat" cmpd="sng" algn="ctr">
+                      <a:solidFill>
+                        <a:schemeClr val="bg2">
+                          <a:lumMod val="50000"/>
+                        </a:schemeClr>
+                      </a:solidFill>
+                      <a:prstDash val="sysDot"/>
+                      <a:round/>
+                      <a:headEnd type="none" w="med" len="med"/>
+                      <a:tailEnd type="none" w="med" len="med"/>
+                    </a:lnT>
+                    <a:lnB w="12700" cap="flat" cmpd="sng" algn="ctr">
+                      <a:solidFill>
+                        <a:schemeClr val="tx1"/>
+                      </a:solidFill>
+                      <a:prstDash val="solid"/>
+                      <a:round/>
+                      <a:headEnd type="none" w="med" len="med"/>
+                      <a:tailEnd type="none" w="med" len="med"/>
+                    </a:lnB>
+                    <a:solidFill>
+                      <a:srgbClr val="92D050"/>
+                    </a:solidFill>
+                  </a:tcPr>
+                </a:tc>
+                <a:tc>
+                  <a:txBody>
+                    <a:bodyPr/>
+                    <a:lstStyle/>
+                    <a:p>
+                      <a:endParaRPr lang="en-US" dirty="0"/>
+                    </a:p>
+                  </a:txBody>
+                  <a:tcPr>
+                    <a:lnL w="12700" cap="flat" cmpd="sng" algn="ctr">
+                      <a:solidFill>
+                        <a:schemeClr val="bg2">
+                          <a:lumMod val="50000"/>
+                        </a:schemeClr>
+                      </a:solidFill>
+                      <a:prstDash val="sysDot"/>
+                      <a:round/>
+                      <a:headEnd type="none" w="med" len="med"/>
+                      <a:tailEnd type="none" w="med" len="med"/>
+                    </a:lnL>
+                    <a:lnR w="12700" cap="flat" cmpd="sng" algn="ctr">
+                      <a:solidFill>
+                        <a:schemeClr val="bg2">
+                          <a:lumMod val="50000"/>
+                        </a:schemeClr>
+                      </a:solidFill>
+                      <a:prstDash val="sysDot"/>
+                      <a:round/>
+                      <a:headEnd type="none" w="med" len="med"/>
+                      <a:tailEnd type="none" w="med" len="med"/>
+                    </a:lnR>
+                    <a:lnT w="12700" cap="flat" cmpd="sng" algn="ctr">
+                      <a:solidFill>
+                        <a:schemeClr val="bg2">
+                          <a:lumMod val="50000"/>
+                        </a:schemeClr>
+                      </a:solidFill>
+                      <a:prstDash val="sysDot"/>
+                      <a:round/>
+                      <a:headEnd type="none" w="med" len="med"/>
+                      <a:tailEnd type="none" w="med" len="med"/>
+                    </a:lnT>
+                    <a:lnB w="12700" cap="flat" cmpd="sng" algn="ctr">
+                      <a:solidFill>
+                        <a:schemeClr val="tx1"/>
+                      </a:solidFill>
+                      <a:prstDash val="solid"/>
+                      <a:round/>
+                      <a:headEnd type="none" w="med" len="med"/>
+                      <a:tailEnd type="none" w="med" len="med"/>
+                    </a:lnB>
+                    <a:solidFill>
+                      <a:srgbClr val="92D050"/>
+                    </a:solidFill>
+                  </a:tcPr>
+                </a:tc>
+                <a:tc>
+                  <a:txBody>
+                    <a:bodyPr/>
+                    <a:lstStyle/>
+                    <a:p>
+                      <a:endParaRPr lang="en-US" dirty="0"/>
+                    </a:p>
+                  </a:txBody>
+                  <a:tcPr>
+                    <a:lnL w="12700" cap="flat" cmpd="sng" algn="ctr">
+                      <a:solidFill>
+                        <a:schemeClr val="bg2">
+                          <a:lumMod val="50000"/>
+                        </a:schemeClr>
+                      </a:solidFill>
+                      <a:prstDash val="sysDot"/>
+                      <a:round/>
+                      <a:headEnd type="none" w="med" len="med"/>
+                      <a:tailEnd type="none" w="med" len="med"/>
+                    </a:lnL>
+                    <a:lnR w="12700" cap="flat" cmpd="sng" algn="ctr">
+                      <a:solidFill>
+                        <a:schemeClr val="bg2">
+                          <a:lumMod val="50000"/>
+                        </a:schemeClr>
+                      </a:solidFill>
+                      <a:prstDash val="sysDot"/>
+                      <a:round/>
+                      <a:headEnd type="none" w="med" len="med"/>
+                      <a:tailEnd type="none" w="med" len="med"/>
+                    </a:lnR>
+                    <a:lnT w="12700" cap="flat" cmpd="sng" algn="ctr">
+                      <a:solidFill>
+                        <a:schemeClr val="bg2">
+                          <a:lumMod val="50000"/>
+                        </a:schemeClr>
+                      </a:solidFill>
+                      <a:prstDash val="sysDot"/>
+                      <a:round/>
+                      <a:headEnd type="none" w="med" len="med"/>
+                      <a:tailEnd type="none" w="med" len="med"/>
+                    </a:lnT>
+                    <a:lnB w="12700" cap="flat" cmpd="sng" algn="ctr">
+                      <a:solidFill>
+                        <a:schemeClr val="tx1"/>
+                      </a:solidFill>
+                      <a:prstDash val="solid"/>
+                      <a:round/>
+                      <a:headEnd type="none" w="med" len="med"/>
+                      <a:tailEnd type="none" w="med" len="med"/>
+                    </a:lnB>
+                    <a:solidFill>
+                      <a:srgbClr val="92D050"/>
+                    </a:solidFill>
+                  </a:tcPr>
+                </a:tc>
+                <a:tc>
+                  <a:txBody>
+                    <a:bodyPr/>
+                    <a:lstStyle/>
+                    <a:p>
+                      <a:endParaRPr lang="en-US" dirty="0"/>
+                    </a:p>
+                  </a:txBody>
+                  <a:tcPr>
+                    <a:lnL w="12700" cap="flat" cmpd="sng" algn="ctr">
+                      <a:solidFill>
+                        <a:schemeClr val="bg2">
+                          <a:lumMod val="50000"/>
+                        </a:schemeClr>
+                      </a:solidFill>
+                      <a:prstDash val="sysDot"/>
+                      <a:round/>
+                      <a:headEnd type="none" w="med" len="med"/>
+                      <a:tailEnd type="none" w="med" len="med"/>
+                    </a:lnL>
+                    <a:lnR w="12700" cap="flat" cmpd="sng" algn="ctr">
+                      <a:solidFill>
+                        <a:schemeClr val="bg2">
+                          <a:lumMod val="50000"/>
+                        </a:schemeClr>
+                      </a:solidFill>
+                      <a:prstDash val="sysDot"/>
+                      <a:round/>
+                      <a:headEnd type="none" w="med" len="med"/>
+                      <a:tailEnd type="none" w="med" len="med"/>
+                    </a:lnR>
+                    <a:lnT w="12700" cap="flat" cmpd="sng" algn="ctr">
+                      <a:solidFill>
+                        <a:schemeClr val="bg2">
+                          <a:lumMod val="50000"/>
+                        </a:schemeClr>
+                      </a:solidFill>
+                      <a:prstDash val="sysDot"/>
+                      <a:round/>
+                      <a:headEnd type="none" w="med" len="med"/>
+                      <a:tailEnd type="none" w="med" len="med"/>
+                    </a:lnT>
+                    <a:lnB w="12700" cap="flat" cmpd="sng" algn="ctr">
+                      <a:solidFill>
+                        <a:schemeClr val="tx1"/>
+                      </a:solidFill>
+                      <a:prstDash val="solid"/>
+                      <a:round/>
+                      <a:headEnd type="none" w="med" len="med"/>
+                      <a:tailEnd type="none" w="med" len="med"/>
+                    </a:lnB>
+                    <a:solidFill>
+                      <a:srgbClr val="92D050"/>
+                    </a:solidFill>
+                  </a:tcPr>
+                </a:tc>
+                <a:tc>
+                  <a:txBody>
+                    <a:bodyPr/>
+                    <a:lstStyle/>
+                    <a:p>
+                      <a:endParaRPr lang="en-US" dirty="0"/>
+                    </a:p>
+                  </a:txBody>
+                  <a:tcPr>
+                    <a:lnL w="12700" cap="flat" cmpd="sng" algn="ctr">
+                      <a:solidFill>
+                        <a:schemeClr val="bg2">
+                          <a:lumMod val="50000"/>
+                        </a:schemeClr>
+                      </a:solidFill>
+                      <a:prstDash val="sysDot"/>
+                      <a:round/>
+                      <a:headEnd type="none" w="med" len="med"/>
+                      <a:tailEnd type="none" w="med" len="med"/>
+                    </a:lnL>
+                    <a:lnR w="12700" cap="flat" cmpd="sng" algn="ctr">
+                      <a:solidFill>
+                        <a:schemeClr val="bg2">
+                          <a:lumMod val="50000"/>
+                        </a:schemeClr>
+                      </a:solidFill>
+                      <a:prstDash val="sysDot"/>
+                      <a:round/>
+                      <a:headEnd type="none" w="med" len="med"/>
+                      <a:tailEnd type="none" w="med" len="med"/>
+                    </a:lnR>
+                    <a:lnT w="12700" cap="flat" cmpd="sng" algn="ctr">
+                      <a:solidFill>
+                        <a:schemeClr val="bg2">
+                          <a:lumMod val="50000"/>
+                        </a:schemeClr>
+                      </a:solidFill>
+                      <a:prstDash val="sysDot"/>
+                      <a:round/>
+                      <a:headEnd type="none" w="med" len="med"/>
+                      <a:tailEnd type="none" w="med" len="med"/>
+                    </a:lnT>
+                    <a:lnB w="12700" cap="flat" cmpd="sng" algn="ctr">
+                      <a:solidFill>
+                        <a:schemeClr val="tx1"/>
+                      </a:solidFill>
+                      <a:prstDash val="solid"/>
+                      <a:round/>
+                      <a:headEnd type="none" w="med" len="med"/>
+                      <a:tailEnd type="none" w="med" len="med"/>
+                    </a:lnB>
+                    <a:solidFill>
+                      <a:srgbClr val="92D050"/>
+                    </a:solidFill>
+                  </a:tcPr>
+                </a:tc>
+                <a:tc>
+                  <a:txBody>
+                    <a:bodyPr/>
+                    <a:lstStyle/>
+                    <a:p>
+                      <a:endParaRPr lang="en-US" dirty="0"/>
+                    </a:p>
+                  </a:txBody>
+                  <a:tcPr>
+                    <a:lnL w="12700" cap="flat" cmpd="sng" algn="ctr">
+                      <a:solidFill>
+                        <a:schemeClr val="bg2">
+                          <a:lumMod val="50000"/>
+                        </a:schemeClr>
+                      </a:solidFill>
+                      <a:prstDash val="sysDot"/>
+                      <a:round/>
+                      <a:headEnd type="none" w="med" len="med"/>
+                      <a:tailEnd type="none" w="med" len="med"/>
+                    </a:lnL>
+                    <a:lnR w="12700" cap="flat" cmpd="sng" algn="ctr">
+                      <a:solidFill>
+                        <a:schemeClr val="bg2">
+                          <a:lumMod val="50000"/>
+                        </a:schemeClr>
+                      </a:solidFill>
+                      <a:prstDash val="sysDot"/>
+                      <a:round/>
+                      <a:headEnd type="none" w="med" len="med"/>
+                      <a:tailEnd type="none" w="med" len="med"/>
+                    </a:lnR>
+                    <a:lnT w="12700" cap="flat" cmpd="sng" algn="ctr">
+                      <a:solidFill>
+                        <a:schemeClr val="bg2">
+                          <a:lumMod val="50000"/>
+                        </a:schemeClr>
+                      </a:solidFill>
+                      <a:prstDash val="sysDot"/>
+                      <a:round/>
+                      <a:headEnd type="none" w="med" len="med"/>
+                      <a:tailEnd type="none" w="med" len="med"/>
+                    </a:lnT>
+                    <a:lnB w="12700" cap="flat" cmpd="sng" algn="ctr">
+                      <a:solidFill>
+                        <a:schemeClr val="tx1"/>
+                      </a:solidFill>
+                      <a:prstDash val="solid"/>
+                      <a:round/>
+                      <a:headEnd type="none" w="med" len="med"/>
+                      <a:tailEnd type="none" w="med" len="med"/>
+                    </a:lnB>
+                    <a:solidFill>
+                      <a:srgbClr val="92D050"/>
+                    </a:solidFill>
+                  </a:tcPr>
+                </a:tc>
+                <a:tc>
+                  <a:txBody>
+                    <a:bodyPr/>
+                    <a:lstStyle/>
+                    <a:p>
+                      <a:endParaRPr lang="en-US" dirty="0"/>
+                    </a:p>
+                  </a:txBody>
+                  <a:tcPr>
+                    <a:lnL w="12700" cap="flat" cmpd="sng" algn="ctr">
+                      <a:solidFill>
+                        <a:schemeClr val="bg2">
+                          <a:lumMod val="50000"/>
+                        </a:schemeClr>
+                      </a:solidFill>
+                      <a:prstDash val="sysDot"/>
+                      <a:round/>
+                      <a:headEnd type="none" w="med" len="med"/>
+                      <a:tailEnd type="none" w="med" len="med"/>
+                    </a:lnL>
+                    <a:lnR w="12700" cap="flat" cmpd="sng" algn="ctr">
+                      <a:solidFill>
+                        <a:schemeClr val="bg2">
+                          <a:lumMod val="50000"/>
+                        </a:schemeClr>
+                      </a:solidFill>
+                      <a:prstDash val="sysDot"/>
+                      <a:round/>
+                      <a:headEnd type="none" w="med" len="med"/>
+                      <a:tailEnd type="none" w="med" len="med"/>
+                    </a:lnR>
+                    <a:lnT w="12700" cap="flat" cmpd="sng" algn="ctr">
+                      <a:solidFill>
+                        <a:schemeClr val="bg2">
+                          <a:lumMod val="50000"/>
+                        </a:schemeClr>
+                      </a:solidFill>
+                      <a:prstDash val="sysDot"/>
+                      <a:round/>
+                      <a:headEnd type="none" w="med" len="med"/>
+                      <a:tailEnd type="none" w="med" len="med"/>
+                    </a:lnT>
+                    <a:lnB w="12700" cap="flat" cmpd="sng" algn="ctr">
+                      <a:solidFill>
+                        <a:schemeClr val="tx1"/>
+                      </a:solidFill>
+                      <a:prstDash val="solid"/>
+                      <a:round/>
+                      <a:headEnd type="none" w="med" len="med"/>
+                      <a:tailEnd type="none" w="med" len="med"/>
+                    </a:lnB>
+                    <a:solidFill>
+                      <a:srgbClr val="92D050"/>
+                    </a:solidFill>
+                  </a:tcPr>
+                </a:tc>
+                <a:tc>
+                  <a:txBody>
+                    <a:bodyPr/>
+                    <a:lstStyle/>
+                    <a:p>
+                      <a:endParaRPr lang="en-US" dirty="0"/>
+                    </a:p>
+                  </a:txBody>
+                  <a:tcPr>
+                    <a:lnL w="12700" cap="flat" cmpd="sng" algn="ctr">
+                      <a:solidFill>
+                        <a:schemeClr val="bg2">
+                          <a:lumMod val="50000"/>
+                        </a:schemeClr>
+                      </a:solidFill>
+                      <a:prstDash val="sysDot"/>
+                      <a:round/>
+                      <a:headEnd type="none" w="med" len="med"/>
+                      <a:tailEnd type="none" w="med" len="med"/>
+                    </a:lnL>
+                    <a:lnR w="12700" cap="flat" cmpd="sng" algn="ctr">
+                      <a:solidFill>
+                        <a:schemeClr val="tx1"/>
+                      </a:solidFill>
+                      <a:prstDash val="solid"/>
+                      <a:round/>
+                      <a:headEnd type="none" w="med" len="med"/>
+                      <a:tailEnd type="none" w="med" len="med"/>
+                    </a:lnR>
+                    <a:lnT w="12700" cap="flat" cmpd="sng" algn="ctr">
+                      <a:solidFill>
+                        <a:schemeClr val="bg2">
+                          <a:lumMod val="50000"/>
+                        </a:schemeClr>
+                      </a:solidFill>
+                      <a:prstDash val="sysDot"/>
+                      <a:round/>
+                      <a:headEnd type="none" w="med" len="med"/>
+                      <a:tailEnd type="none" w="med" len="med"/>
+                    </a:lnT>
+                    <a:lnB w="12700" cap="flat" cmpd="sng" algn="ctr">
+                      <a:solidFill>
+                        <a:schemeClr val="tx1"/>
+                      </a:solidFill>
+                      <a:prstDash val="solid"/>
+                      <a:round/>
+                      <a:headEnd type="none" w="med" len="med"/>
+                      <a:tailEnd type="none" w="med" len="med"/>
+                    </a:lnB>
+                    <a:solidFill>
+                      <a:srgbClr val="92D050"/>
+                    </a:solidFill>
+                  </a:tcPr>
+                </a:tc>
+                <a:extLst>
+                  <a:ext uri="{0D108BD9-81ED-4DB2-BD59-A6C34878D82A}">
+                    <a16:rowId xmlns:a16="http://schemas.microsoft.com/office/drawing/2014/main" val="1436988424"/>
+                  </a:ext>
+                </a:extLst>
+              </a:tr>
+            </a:tbl>
+          </a:graphicData>
+        </a:graphic>
+      </p:graphicFrame>
+      <p:sp>
+        <p:nvSpPr>
+          <p:cNvPr id="5" name="TextBox 4">
+            <a:extLst>
+              <a:ext uri="{FF2B5EF4-FFF2-40B4-BE49-F238E27FC236}">
+                <a16:creationId xmlns:a16="http://schemas.microsoft.com/office/drawing/2014/main" id="{1DA4A735-A945-4742-A661-D3CB147176D0}"/>
+              </a:ext>
+            </a:extLst>
+          </p:cNvPr>
+          <p:cNvSpPr txBox="1"/>
+          <p:nvPr/>
+        </p:nvSpPr>
+        <p:spPr>
+          <a:xfrm>
+            <a:off x="3429000" y="5884860"/>
+            <a:ext cx="381000" cy="461665"/>
+          </a:xfrm>
+          <a:prstGeom prst="rect">
+            <a:avLst/>
+          </a:prstGeom>
+          <a:noFill/>
+        </p:spPr>
+        <p:txBody>
+          <a:bodyPr wrap="square" rtlCol="0">
+            <a:spAutoFit/>
+          </a:bodyPr>
+          <a:lstStyle/>
+          <a:p>
+            <a:r>
+              <a:rPr lang="en-US" sz="2400" dirty="0"/>
+              <a:t>0</a:t>
+            </a:r>
+          </a:p>
+        </p:txBody>
+      </p:sp>
+      <p:sp>
+        <p:nvSpPr>
+          <p:cNvPr id="6" name="TextBox 5">
+            <a:extLst>
+              <a:ext uri="{FF2B5EF4-FFF2-40B4-BE49-F238E27FC236}">
+                <a16:creationId xmlns:a16="http://schemas.microsoft.com/office/drawing/2014/main" id="{68AFFB86-E8BD-6544-B044-C70A809A7CF2}"/>
+              </a:ext>
+            </a:extLst>
+          </p:cNvPr>
+          <p:cNvSpPr txBox="1"/>
+          <p:nvPr/>
+        </p:nvSpPr>
+        <p:spPr>
+          <a:xfrm>
+            <a:off x="4343400" y="5884860"/>
+            <a:ext cx="609600" cy="461665"/>
+          </a:xfrm>
+          <a:prstGeom prst="rect">
+            <a:avLst/>
+          </a:prstGeom>
+          <a:noFill/>
+        </p:spPr>
+        <p:txBody>
+          <a:bodyPr wrap="square" rtlCol="0">
+            <a:spAutoFit/>
+          </a:bodyPr>
+          <a:lstStyle/>
+          <a:p>
+            <a:r>
+              <a:rPr lang="en-US" sz="2400" dirty="0"/>
+              <a:t>0.1</a:t>
+            </a:r>
+          </a:p>
+        </p:txBody>
+      </p:sp>
+      <p:sp>
+        <p:nvSpPr>
+          <p:cNvPr id="7" name="TextBox 6">
+            <a:extLst>
+              <a:ext uri="{FF2B5EF4-FFF2-40B4-BE49-F238E27FC236}">
+                <a16:creationId xmlns:a16="http://schemas.microsoft.com/office/drawing/2014/main" id="{6A311E98-29D9-2C44-A50D-D11D7534A51C}"/>
+              </a:ext>
+            </a:extLst>
+          </p:cNvPr>
+          <p:cNvSpPr txBox="1"/>
+          <p:nvPr/>
+        </p:nvSpPr>
+        <p:spPr>
+          <a:xfrm>
+            <a:off x="5410200" y="5884860"/>
+            <a:ext cx="609600" cy="461665"/>
+          </a:xfrm>
+          <a:prstGeom prst="rect">
+            <a:avLst/>
+          </a:prstGeom>
+          <a:noFill/>
+        </p:spPr>
+        <p:txBody>
+          <a:bodyPr wrap="square" rtlCol="0">
+            <a:spAutoFit/>
+          </a:bodyPr>
+          <a:lstStyle/>
+          <a:p>
+            <a:r>
+              <a:rPr lang="en-US" sz="2400" dirty="0"/>
+              <a:t>0.2</a:t>
+            </a:r>
+          </a:p>
+        </p:txBody>
+      </p:sp>
+      <p:sp>
+        <p:nvSpPr>
+          <p:cNvPr id="8" name="TextBox 7">
+            <a:extLst>
+              <a:ext uri="{FF2B5EF4-FFF2-40B4-BE49-F238E27FC236}">
+                <a16:creationId xmlns:a16="http://schemas.microsoft.com/office/drawing/2014/main" id="{B1F315AF-28E5-0E4A-9CA1-8E5D7115A9C5}"/>
+              </a:ext>
+            </a:extLst>
+          </p:cNvPr>
+          <p:cNvSpPr txBox="1"/>
+          <p:nvPr/>
+        </p:nvSpPr>
+        <p:spPr>
+          <a:xfrm>
+            <a:off x="6477000" y="5884860"/>
+            <a:ext cx="609600" cy="461665"/>
+          </a:xfrm>
+          <a:prstGeom prst="rect">
+            <a:avLst/>
+          </a:prstGeom>
+          <a:noFill/>
+        </p:spPr>
+        <p:txBody>
+          <a:bodyPr wrap="square" rtlCol="0">
+            <a:spAutoFit/>
+          </a:bodyPr>
+          <a:lstStyle/>
+          <a:p>
+            <a:r>
+              <a:rPr lang="en-US" sz="2400" dirty="0"/>
+              <a:t>0.3</a:t>
+            </a:r>
+          </a:p>
+        </p:txBody>
+      </p:sp>
+      <p:sp>
+        <p:nvSpPr>
+          <p:cNvPr id="9" name="TextBox 8">
+            <a:extLst>
+              <a:ext uri="{FF2B5EF4-FFF2-40B4-BE49-F238E27FC236}">
+                <a16:creationId xmlns:a16="http://schemas.microsoft.com/office/drawing/2014/main" id="{137F0040-909D-3349-9E78-5EE7ECED95DA}"/>
+              </a:ext>
+            </a:extLst>
+          </p:cNvPr>
+          <p:cNvSpPr txBox="1"/>
+          <p:nvPr/>
+        </p:nvSpPr>
+        <p:spPr>
+          <a:xfrm>
+            <a:off x="7543800" y="5884860"/>
+            <a:ext cx="609600" cy="461665"/>
+          </a:xfrm>
+          <a:prstGeom prst="rect">
+            <a:avLst/>
+          </a:prstGeom>
+          <a:noFill/>
+        </p:spPr>
+        <p:txBody>
+          <a:bodyPr wrap="square" rtlCol="0">
+            <a:spAutoFit/>
+          </a:bodyPr>
+          <a:lstStyle/>
+          <a:p>
+            <a:r>
+              <a:rPr lang="en-US" sz="2400" dirty="0"/>
+              <a:t>0.4</a:t>
+            </a:r>
+          </a:p>
+        </p:txBody>
+      </p:sp>
+      <p:sp>
+        <p:nvSpPr>
+          <p:cNvPr id="10" name="TextBox 9">
+            <a:extLst>
+              <a:ext uri="{FF2B5EF4-FFF2-40B4-BE49-F238E27FC236}">
+                <a16:creationId xmlns:a16="http://schemas.microsoft.com/office/drawing/2014/main" id="{540EDD12-385B-E043-A812-C40379205101}"/>
+              </a:ext>
+            </a:extLst>
+          </p:cNvPr>
+          <p:cNvSpPr txBox="1"/>
+          <p:nvPr/>
+        </p:nvSpPr>
+        <p:spPr>
+          <a:xfrm>
+            <a:off x="8610600" y="5884860"/>
+            <a:ext cx="609600" cy="461665"/>
+          </a:xfrm>
+          <a:prstGeom prst="rect">
+            <a:avLst/>
+          </a:prstGeom>
+          <a:noFill/>
+        </p:spPr>
+        <p:txBody>
+          <a:bodyPr wrap="square" rtlCol="0">
+            <a:spAutoFit/>
+          </a:bodyPr>
+          <a:lstStyle/>
+          <a:p>
+            <a:r>
+              <a:rPr lang="en-US" sz="2400" dirty="0"/>
+              <a:t>0.5</a:t>
+            </a:r>
+          </a:p>
+        </p:txBody>
+      </p:sp>
+      <p:sp>
+        <p:nvSpPr>
+          <p:cNvPr id="11" name="TextBox 10">
+            <a:extLst>
+              <a:ext uri="{FF2B5EF4-FFF2-40B4-BE49-F238E27FC236}">
+                <a16:creationId xmlns:a16="http://schemas.microsoft.com/office/drawing/2014/main" id="{B5C4DA9B-E587-B84C-BE7A-E7E286E96DFE}"/>
+              </a:ext>
+            </a:extLst>
+          </p:cNvPr>
+          <p:cNvSpPr txBox="1"/>
+          <p:nvPr/>
+        </p:nvSpPr>
+        <p:spPr>
+          <a:xfrm>
+            <a:off x="9686924" y="5884860"/>
+            <a:ext cx="609600" cy="461665"/>
+          </a:xfrm>
+          <a:prstGeom prst="rect">
+            <a:avLst/>
+          </a:prstGeom>
+          <a:noFill/>
+        </p:spPr>
+        <p:txBody>
+          <a:bodyPr wrap="square" rtlCol="0">
+            <a:spAutoFit/>
+          </a:bodyPr>
+          <a:lstStyle/>
+          <a:p>
+            <a:r>
+              <a:rPr lang="en-US" sz="2400" dirty="0"/>
+              <a:t>0.6</a:t>
+            </a:r>
+          </a:p>
+        </p:txBody>
+      </p:sp>
+      <p:sp>
+        <p:nvSpPr>
+          <p:cNvPr id="12" name="TextBox 11">
+            <a:extLst>
+              <a:ext uri="{FF2B5EF4-FFF2-40B4-BE49-F238E27FC236}">
+                <a16:creationId xmlns:a16="http://schemas.microsoft.com/office/drawing/2014/main" id="{4EEC48C4-39E4-1A4B-8839-98A56B7163F4}"/>
+              </a:ext>
+            </a:extLst>
+          </p:cNvPr>
+          <p:cNvSpPr txBox="1"/>
+          <p:nvPr/>
+        </p:nvSpPr>
+        <p:spPr>
+          <a:xfrm>
+            <a:off x="10757694" y="5884860"/>
+            <a:ext cx="609600" cy="461665"/>
+          </a:xfrm>
+          <a:prstGeom prst="rect">
+            <a:avLst/>
+          </a:prstGeom>
+          <a:noFill/>
+        </p:spPr>
+        <p:txBody>
+          <a:bodyPr wrap="square" rtlCol="0">
+            <a:spAutoFit/>
+          </a:bodyPr>
+          <a:lstStyle/>
+          <a:p>
+            <a:r>
+              <a:rPr lang="en-US" sz="2400" dirty="0"/>
+              <a:t>0.7</a:t>
+            </a:r>
+          </a:p>
+        </p:txBody>
+      </p:sp>
+      <p:sp>
+        <p:nvSpPr>
+          <p:cNvPr id="13" name="TextBox 12">
+            <a:extLst>
+              <a:ext uri="{FF2B5EF4-FFF2-40B4-BE49-F238E27FC236}">
+                <a16:creationId xmlns:a16="http://schemas.microsoft.com/office/drawing/2014/main" id="{9923B623-E79B-B749-AC1E-275516CE9D76}"/>
+              </a:ext>
+            </a:extLst>
+          </p:cNvPr>
+          <p:cNvSpPr txBox="1"/>
+          <p:nvPr/>
+        </p:nvSpPr>
+        <p:spPr>
+          <a:xfrm>
+            <a:off x="11828464" y="5884860"/>
+            <a:ext cx="609600" cy="461665"/>
+          </a:xfrm>
+          <a:prstGeom prst="rect">
+            <a:avLst/>
+          </a:prstGeom>
+          <a:noFill/>
+        </p:spPr>
+        <p:txBody>
+          <a:bodyPr wrap="square" rtlCol="0">
+            <a:spAutoFit/>
+          </a:bodyPr>
+          <a:lstStyle/>
+          <a:p>
+            <a:r>
+              <a:rPr lang="en-US" sz="2400" dirty="0"/>
+              <a:t>0.8</a:t>
+            </a:r>
+          </a:p>
+        </p:txBody>
+      </p:sp>
+      <p:sp>
+        <p:nvSpPr>
+          <p:cNvPr id="14" name="TextBox 13">
+            <a:extLst>
+              <a:ext uri="{FF2B5EF4-FFF2-40B4-BE49-F238E27FC236}">
+                <a16:creationId xmlns:a16="http://schemas.microsoft.com/office/drawing/2014/main" id="{2D488310-7E46-824E-8311-C8C56BD94084}"/>
+              </a:ext>
+            </a:extLst>
+          </p:cNvPr>
+          <p:cNvSpPr txBox="1"/>
+          <p:nvPr/>
+        </p:nvSpPr>
+        <p:spPr>
+          <a:xfrm>
+            <a:off x="12882561" y="5884860"/>
+            <a:ext cx="609600" cy="461665"/>
+          </a:xfrm>
+          <a:prstGeom prst="rect">
+            <a:avLst/>
+          </a:prstGeom>
+          <a:noFill/>
+        </p:spPr>
+        <p:txBody>
+          <a:bodyPr wrap="square" rtlCol="0">
+            <a:spAutoFit/>
+          </a:bodyPr>
+          <a:lstStyle/>
+          <a:p>
+            <a:r>
+              <a:rPr lang="en-US" sz="2400" dirty="0"/>
+              <a:t>0.9</a:t>
+            </a:r>
+          </a:p>
+        </p:txBody>
+      </p:sp>
+      <p:sp>
+        <p:nvSpPr>
+          <p:cNvPr id="15" name="TextBox 14">
+            <a:extLst>
+              <a:ext uri="{FF2B5EF4-FFF2-40B4-BE49-F238E27FC236}">
+                <a16:creationId xmlns:a16="http://schemas.microsoft.com/office/drawing/2014/main" id="{91E7FB7D-AF86-6341-BDCA-210DFF449B59}"/>
+              </a:ext>
+            </a:extLst>
+          </p:cNvPr>
+          <p:cNvSpPr txBox="1"/>
+          <p:nvPr/>
+        </p:nvSpPr>
+        <p:spPr>
+          <a:xfrm>
+            <a:off x="14096998" y="5884860"/>
+            <a:ext cx="609600" cy="461665"/>
+          </a:xfrm>
+          <a:prstGeom prst="rect">
+            <a:avLst/>
+          </a:prstGeom>
+          <a:noFill/>
+        </p:spPr>
+        <p:txBody>
+          <a:bodyPr wrap="square" rtlCol="0">
+            <a:spAutoFit/>
+          </a:bodyPr>
+          <a:lstStyle/>
+          <a:p>
+            <a:r>
+              <a:rPr lang="en-US" sz="2400" dirty="0"/>
+              <a:t>1</a:t>
+            </a:r>
+          </a:p>
+        </p:txBody>
+      </p:sp>
+      <p:sp>
+        <p:nvSpPr>
+          <p:cNvPr id="16" name="TextBox 15">
+            <a:extLst>
+              <a:ext uri="{FF2B5EF4-FFF2-40B4-BE49-F238E27FC236}">
+                <a16:creationId xmlns:a16="http://schemas.microsoft.com/office/drawing/2014/main" id="{9AAC5D7C-F84A-BE48-BF9F-C60960372DAC}"/>
+              </a:ext>
+            </a:extLst>
+          </p:cNvPr>
+          <p:cNvSpPr txBox="1"/>
+          <p:nvPr/>
+        </p:nvSpPr>
+        <p:spPr>
+          <a:xfrm>
+            <a:off x="2982648" y="5180010"/>
+            <a:ext cx="609600" cy="461665"/>
+          </a:xfrm>
+          <a:prstGeom prst="rect">
+            <a:avLst/>
+          </a:prstGeom>
+          <a:noFill/>
+        </p:spPr>
+        <p:txBody>
+          <a:bodyPr wrap="square" rtlCol="0">
+            <a:spAutoFit/>
+          </a:bodyPr>
+          <a:lstStyle/>
+          <a:p>
+            <a:r>
+              <a:rPr lang="en-US" sz="2400" dirty="0"/>
+              <a:t>0.1</a:t>
+            </a:r>
+          </a:p>
+        </p:txBody>
+      </p:sp>
+      <p:sp>
+        <p:nvSpPr>
+          <p:cNvPr id="17" name="TextBox 16">
+            <a:extLst>
+              <a:ext uri="{FF2B5EF4-FFF2-40B4-BE49-F238E27FC236}">
+                <a16:creationId xmlns:a16="http://schemas.microsoft.com/office/drawing/2014/main" id="{51205AE8-502E-954A-BA9C-3CEB9C8BBC3A}"/>
+              </a:ext>
+            </a:extLst>
+          </p:cNvPr>
+          <p:cNvSpPr txBox="1"/>
+          <p:nvPr/>
+        </p:nvSpPr>
+        <p:spPr>
+          <a:xfrm>
+            <a:off x="2982648" y="4648842"/>
+            <a:ext cx="609600" cy="461665"/>
+          </a:xfrm>
+          <a:prstGeom prst="rect">
+            <a:avLst/>
+          </a:prstGeom>
+          <a:noFill/>
+        </p:spPr>
+        <p:txBody>
+          <a:bodyPr wrap="square" rtlCol="0">
+            <a:spAutoFit/>
+          </a:bodyPr>
+          <a:lstStyle/>
+          <a:p>
+            <a:r>
+              <a:rPr lang="en-US" sz="2400" dirty="0"/>
+              <a:t>0.2</a:t>
+            </a:r>
+          </a:p>
+        </p:txBody>
+      </p:sp>
+      <p:sp>
+        <p:nvSpPr>
+          <p:cNvPr id="18" name="TextBox 17">
+            <a:extLst>
+              <a:ext uri="{FF2B5EF4-FFF2-40B4-BE49-F238E27FC236}">
+                <a16:creationId xmlns:a16="http://schemas.microsoft.com/office/drawing/2014/main" id="{54A2EFE6-DCC3-9E42-91AF-CDE6F6575A89}"/>
+              </a:ext>
+            </a:extLst>
+          </p:cNvPr>
+          <p:cNvSpPr txBox="1"/>
+          <p:nvPr/>
+        </p:nvSpPr>
+        <p:spPr>
+          <a:xfrm>
+            <a:off x="2974446" y="4117674"/>
+            <a:ext cx="609600" cy="461665"/>
+          </a:xfrm>
+          <a:prstGeom prst="rect">
+            <a:avLst/>
+          </a:prstGeom>
+          <a:noFill/>
+        </p:spPr>
+        <p:txBody>
+          <a:bodyPr wrap="square" rtlCol="0">
+            <a:spAutoFit/>
+          </a:bodyPr>
+          <a:lstStyle/>
+          <a:p>
+            <a:r>
+              <a:rPr lang="en-US" sz="2400" dirty="0"/>
+              <a:t>0.3</a:t>
+            </a:r>
+          </a:p>
+        </p:txBody>
+      </p:sp>
+      <p:sp>
+        <p:nvSpPr>
+          <p:cNvPr id="19" name="TextBox 18">
+            <a:extLst>
+              <a:ext uri="{FF2B5EF4-FFF2-40B4-BE49-F238E27FC236}">
+                <a16:creationId xmlns:a16="http://schemas.microsoft.com/office/drawing/2014/main" id="{4AA84F28-7B69-AB4C-A7A1-43B16739F864}"/>
+              </a:ext>
+            </a:extLst>
+          </p:cNvPr>
+          <p:cNvSpPr txBox="1"/>
+          <p:nvPr/>
+        </p:nvSpPr>
+        <p:spPr>
+          <a:xfrm>
+            <a:off x="2982648" y="3617909"/>
+            <a:ext cx="609600" cy="461665"/>
+          </a:xfrm>
+          <a:prstGeom prst="rect">
+            <a:avLst/>
+          </a:prstGeom>
+          <a:noFill/>
+        </p:spPr>
+        <p:txBody>
+          <a:bodyPr wrap="square" rtlCol="0">
+            <a:spAutoFit/>
+          </a:bodyPr>
+          <a:lstStyle/>
+          <a:p>
+            <a:r>
+              <a:rPr lang="en-US" sz="2400" dirty="0"/>
+              <a:t>0.4</a:t>
+            </a:r>
+          </a:p>
+        </p:txBody>
+      </p:sp>
+      <p:sp>
+        <p:nvSpPr>
+          <p:cNvPr id="20" name="TextBox 19">
+            <a:extLst>
+              <a:ext uri="{FF2B5EF4-FFF2-40B4-BE49-F238E27FC236}">
+                <a16:creationId xmlns:a16="http://schemas.microsoft.com/office/drawing/2014/main" id="{1F7AB270-A809-EB4B-8C4E-CAC790A43D68}"/>
+              </a:ext>
+            </a:extLst>
+          </p:cNvPr>
+          <p:cNvSpPr txBox="1"/>
+          <p:nvPr/>
+        </p:nvSpPr>
+        <p:spPr>
+          <a:xfrm>
+            <a:off x="2982648" y="3102443"/>
+            <a:ext cx="609600" cy="461665"/>
+          </a:xfrm>
+          <a:prstGeom prst="rect">
+            <a:avLst/>
+          </a:prstGeom>
+          <a:noFill/>
+        </p:spPr>
+        <p:txBody>
+          <a:bodyPr wrap="square" rtlCol="0">
+            <a:spAutoFit/>
+          </a:bodyPr>
+          <a:lstStyle/>
+          <a:p>
+            <a:r>
+              <a:rPr lang="en-US" sz="2400" dirty="0"/>
+              <a:t>0.5</a:t>
+            </a:r>
+          </a:p>
+        </p:txBody>
+      </p:sp>
+      <p:sp>
+        <p:nvSpPr>
+          <p:cNvPr id="21" name="TextBox 20">
+            <a:extLst>
+              <a:ext uri="{FF2B5EF4-FFF2-40B4-BE49-F238E27FC236}">
+                <a16:creationId xmlns:a16="http://schemas.microsoft.com/office/drawing/2014/main" id="{0E975261-3AF6-6449-B45B-0510CE33529F}"/>
+              </a:ext>
+            </a:extLst>
+          </p:cNvPr>
+          <p:cNvSpPr txBox="1"/>
+          <p:nvPr/>
+        </p:nvSpPr>
+        <p:spPr>
+          <a:xfrm>
+            <a:off x="2982648" y="2628425"/>
+            <a:ext cx="609600" cy="461665"/>
+          </a:xfrm>
+          <a:prstGeom prst="rect">
+            <a:avLst/>
+          </a:prstGeom>
+          <a:noFill/>
+        </p:spPr>
+        <p:txBody>
+          <a:bodyPr wrap="square" rtlCol="0">
+            <a:spAutoFit/>
+          </a:bodyPr>
+          <a:lstStyle/>
+          <a:p>
+            <a:r>
+              <a:rPr lang="en-US" sz="2400" dirty="0"/>
+              <a:t>0.6</a:t>
+            </a:r>
+          </a:p>
+        </p:txBody>
+      </p:sp>
+      <p:sp>
+        <p:nvSpPr>
+          <p:cNvPr id="22" name="TextBox 21">
+            <a:extLst>
+              <a:ext uri="{FF2B5EF4-FFF2-40B4-BE49-F238E27FC236}">
+                <a16:creationId xmlns:a16="http://schemas.microsoft.com/office/drawing/2014/main" id="{DEAF5E20-EFC0-D24D-988C-DF3E2F1902CE}"/>
+              </a:ext>
+            </a:extLst>
+          </p:cNvPr>
+          <p:cNvSpPr txBox="1"/>
+          <p:nvPr/>
+        </p:nvSpPr>
+        <p:spPr>
+          <a:xfrm>
+            <a:off x="2982648" y="2112959"/>
+            <a:ext cx="590550" cy="461665"/>
+          </a:xfrm>
+          <a:prstGeom prst="rect">
+            <a:avLst/>
+          </a:prstGeom>
+          <a:noFill/>
+        </p:spPr>
+        <p:txBody>
+          <a:bodyPr wrap="square" rtlCol="0">
+            <a:spAutoFit/>
+          </a:bodyPr>
+          <a:lstStyle/>
+          <a:p>
+            <a:r>
+              <a:rPr lang="en-US" sz="2400" dirty="0"/>
+              <a:t>0.7</a:t>
+            </a:r>
+          </a:p>
+        </p:txBody>
+      </p:sp>
+      <p:sp>
+        <p:nvSpPr>
+          <p:cNvPr id="23" name="TextBox 22">
+            <a:extLst>
+              <a:ext uri="{FF2B5EF4-FFF2-40B4-BE49-F238E27FC236}">
+                <a16:creationId xmlns:a16="http://schemas.microsoft.com/office/drawing/2014/main" id="{C5A42015-3E29-774F-BB99-14D61619D45D}"/>
+              </a:ext>
+            </a:extLst>
+          </p:cNvPr>
+          <p:cNvSpPr txBox="1"/>
+          <p:nvPr/>
+        </p:nvSpPr>
+        <p:spPr>
+          <a:xfrm>
+            <a:off x="2963598" y="1624393"/>
+            <a:ext cx="609600" cy="461665"/>
+          </a:xfrm>
+          <a:prstGeom prst="rect">
+            <a:avLst/>
+          </a:prstGeom>
+          <a:noFill/>
+        </p:spPr>
+        <p:txBody>
+          <a:bodyPr wrap="square" rtlCol="0">
+            <a:spAutoFit/>
+          </a:bodyPr>
+          <a:lstStyle/>
+          <a:p>
+            <a:r>
+              <a:rPr lang="en-US" sz="2400" dirty="0"/>
+              <a:t>0.8</a:t>
+            </a:r>
+          </a:p>
+        </p:txBody>
+      </p:sp>
+      <p:sp>
+        <p:nvSpPr>
+          <p:cNvPr id="24" name="TextBox 23">
+            <a:extLst>
+              <a:ext uri="{FF2B5EF4-FFF2-40B4-BE49-F238E27FC236}">
+                <a16:creationId xmlns:a16="http://schemas.microsoft.com/office/drawing/2014/main" id="{65E69884-BFBF-3D4E-B68F-736E5AFC8CB5}"/>
+              </a:ext>
+            </a:extLst>
+          </p:cNvPr>
+          <p:cNvSpPr txBox="1"/>
+          <p:nvPr/>
+        </p:nvSpPr>
+        <p:spPr>
+          <a:xfrm>
+            <a:off x="2982648" y="1124628"/>
+            <a:ext cx="609600" cy="461665"/>
+          </a:xfrm>
+          <a:prstGeom prst="rect">
+            <a:avLst/>
+          </a:prstGeom>
+          <a:noFill/>
+        </p:spPr>
+        <p:txBody>
+          <a:bodyPr wrap="square" rtlCol="0">
+            <a:spAutoFit/>
+          </a:bodyPr>
+          <a:lstStyle/>
+          <a:p>
+            <a:r>
+              <a:rPr lang="en-US" sz="2400" dirty="0"/>
+              <a:t>0.9</a:t>
+            </a:r>
+          </a:p>
+        </p:txBody>
+      </p:sp>
+      <p:sp>
+        <p:nvSpPr>
+          <p:cNvPr id="25" name="TextBox 24">
+            <a:extLst>
+              <a:ext uri="{FF2B5EF4-FFF2-40B4-BE49-F238E27FC236}">
+                <a16:creationId xmlns:a16="http://schemas.microsoft.com/office/drawing/2014/main" id="{95BF3537-6C91-C942-9B45-609FF359683B}"/>
+              </a:ext>
+            </a:extLst>
+          </p:cNvPr>
+          <p:cNvSpPr txBox="1"/>
+          <p:nvPr/>
+        </p:nvSpPr>
+        <p:spPr>
+          <a:xfrm>
+            <a:off x="3115998" y="591312"/>
+            <a:ext cx="609600" cy="461665"/>
+          </a:xfrm>
+          <a:prstGeom prst="rect">
+            <a:avLst/>
+          </a:prstGeom>
+          <a:noFill/>
+        </p:spPr>
+        <p:txBody>
+          <a:bodyPr wrap="square" rtlCol="0">
+            <a:spAutoFit/>
+          </a:bodyPr>
+          <a:lstStyle/>
+          <a:p>
+            <a:r>
+              <a:rPr lang="en-US" sz="2400" dirty="0"/>
+              <a:t>1</a:t>
+            </a:r>
+          </a:p>
+        </p:txBody>
+      </p:sp>
+      <p:sp>
+        <p:nvSpPr>
+          <p:cNvPr id="26" name="TextBox 25">
+            <a:extLst>
+              <a:ext uri="{FF2B5EF4-FFF2-40B4-BE49-F238E27FC236}">
+                <a16:creationId xmlns:a16="http://schemas.microsoft.com/office/drawing/2014/main" id="{AA9C4AC8-6E48-0F4F-B01B-CA1325501D8C}"/>
+              </a:ext>
+            </a:extLst>
+          </p:cNvPr>
+          <p:cNvSpPr txBox="1"/>
+          <p:nvPr/>
+        </p:nvSpPr>
+        <p:spPr>
+          <a:xfrm rot="16200000">
+            <a:off x="1683468" y="3167390"/>
+            <a:ext cx="1496748" cy="523220"/>
+          </a:xfrm>
+          <a:prstGeom prst="rect">
+            <a:avLst/>
+          </a:prstGeom>
+          <a:noFill/>
+        </p:spPr>
+        <p:txBody>
+          <a:bodyPr wrap="square" rtlCol="0">
+            <a:spAutoFit/>
+          </a:bodyPr>
+          <a:lstStyle/>
+          <a:p>
+            <a:r>
+              <a:rPr lang="en-US" sz="2800" dirty="0"/>
+              <a:t>Precision</a:t>
+            </a:r>
+          </a:p>
+        </p:txBody>
+      </p:sp>
+      <p:sp>
+        <p:nvSpPr>
+          <p:cNvPr id="27" name="TextBox 26">
+            <a:extLst>
+              <a:ext uri="{FF2B5EF4-FFF2-40B4-BE49-F238E27FC236}">
+                <a16:creationId xmlns:a16="http://schemas.microsoft.com/office/drawing/2014/main" id="{487AB28F-DC60-0548-B2A0-62626BF772C1}"/>
+              </a:ext>
+            </a:extLst>
+          </p:cNvPr>
+          <p:cNvSpPr txBox="1"/>
+          <p:nvPr/>
+        </p:nvSpPr>
+        <p:spPr>
+          <a:xfrm>
+            <a:off x="8153400" y="6349400"/>
+            <a:ext cx="1496748" cy="523220"/>
+          </a:xfrm>
+          <a:prstGeom prst="rect">
+            <a:avLst/>
+          </a:prstGeom>
+          <a:noFill/>
+        </p:spPr>
+        <p:txBody>
+          <a:bodyPr wrap="square" rtlCol="0">
+            <a:spAutoFit/>
+          </a:bodyPr>
+          <a:lstStyle/>
+          <a:p>
+            <a:pPr algn="ctr"/>
+            <a:r>
+              <a:rPr lang="en-US" sz="2800" dirty="0"/>
+              <a:t>Recall</a:t>
+            </a:r>
+          </a:p>
+        </p:txBody>
+      </p:sp>
+      <p:cxnSp>
+        <p:nvCxnSpPr>
+          <p:cNvPr id="29" name="Straight Connector 28">
+            <a:extLst>
+              <a:ext uri="{FF2B5EF4-FFF2-40B4-BE49-F238E27FC236}">
+                <a16:creationId xmlns:a16="http://schemas.microsoft.com/office/drawing/2014/main" id="{CA812079-38DA-4249-A267-6E03CC6D6B66}"/>
+              </a:ext>
+            </a:extLst>
+          </p:cNvPr>
+          <p:cNvCxnSpPr>
+            <a:cxnSpLocks/>
+          </p:cNvCxnSpPr>
+          <p:nvPr/>
+        </p:nvCxnSpPr>
+        <p:spPr>
+          <a:xfrm>
+            <a:off x="3573198" y="819150"/>
+            <a:ext cx="3208602" cy="0"/>
+          </a:xfrm>
+          <a:prstGeom prst="line">
+            <a:avLst/>
+          </a:prstGeom>
+          <a:ln w="28575">
+            <a:solidFill>
+              <a:srgbClr val="FF0000"/>
+            </a:solidFill>
+          </a:ln>
+        </p:spPr>
+        <p:style>
+          <a:lnRef idx="1">
+            <a:schemeClr val="accent1"/>
+          </a:lnRef>
+          <a:fillRef idx="0">
+            <a:schemeClr val="accent1"/>
+          </a:fillRef>
+          <a:effectRef idx="0">
+            <a:schemeClr val="accent1"/>
+          </a:effectRef>
+          <a:fontRef idx="minor">
+            <a:schemeClr val="tx1"/>
+          </a:fontRef>
+        </p:style>
+      </p:cxnSp>
+      <p:cxnSp>
+        <p:nvCxnSpPr>
+          <p:cNvPr id="31" name="Straight Connector 30">
+            <a:extLst>
+              <a:ext uri="{FF2B5EF4-FFF2-40B4-BE49-F238E27FC236}">
+                <a16:creationId xmlns:a16="http://schemas.microsoft.com/office/drawing/2014/main" id="{00889BEB-B081-F14A-9302-CC6CC35E56FB}"/>
+              </a:ext>
+            </a:extLst>
+          </p:cNvPr>
+          <p:cNvCxnSpPr>
+            <a:cxnSpLocks/>
+          </p:cNvCxnSpPr>
+          <p:nvPr/>
+        </p:nvCxnSpPr>
+        <p:spPr>
+          <a:xfrm>
+            <a:off x="6781800" y="819150"/>
+            <a:ext cx="0" cy="2040107"/>
+          </a:xfrm>
+          <a:prstGeom prst="line">
+            <a:avLst/>
+          </a:prstGeom>
+          <a:ln w="28575">
+            <a:solidFill>
+              <a:srgbClr val="FF0000"/>
+            </a:solidFill>
+          </a:ln>
+        </p:spPr>
+        <p:style>
+          <a:lnRef idx="1">
+            <a:schemeClr val="accent1"/>
+          </a:lnRef>
+          <a:fillRef idx="0">
+            <a:schemeClr val="accent1"/>
+          </a:fillRef>
+          <a:effectRef idx="0">
+            <a:schemeClr val="accent1"/>
+          </a:effectRef>
+          <a:fontRef idx="minor">
+            <a:schemeClr val="tx1"/>
+          </a:fontRef>
+        </p:style>
+      </p:cxnSp>
+      <p:cxnSp>
+        <p:nvCxnSpPr>
+          <p:cNvPr id="34" name="Straight Connector 33">
+            <a:extLst>
+              <a:ext uri="{FF2B5EF4-FFF2-40B4-BE49-F238E27FC236}">
+                <a16:creationId xmlns:a16="http://schemas.microsoft.com/office/drawing/2014/main" id="{2B83E29A-C555-7941-8CA8-D9F46D7B435D}"/>
+              </a:ext>
+            </a:extLst>
+          </p:cNvPr>
+          <p:cNvCxnSpPr>
+            <a:cxnSpLocks/>
+          </p:cNvCxnSpPr>
+          <p:nvPr/>
+        </p:nvCxnSpPr>
+        <p:spPr>
+          <a:xfrm flipV="1">
+            <a:off x="6781800" y="2343791"/>
+            <a:ext cx="3209924" cy="496416"/>
+          </a:xfrm>
+          <a:prstGeom prst="line">
+            <a:avLst/>
+          </a:prstGeom>
+          <a:ln w="28575">
+            <a:solidFill>
+              <a:srgbClr val="FF0000"/>
+            </a:solidFill>
+          </a:ln>
+        </p:spPr>
+        <p:style>
+          <a:lnRef idx="1">
+            <a:schemeClr val="accent1"/>
+          </a:lnRef>
+          <a:fillRef idx="0">
+            <a:schemeClr val="accent1"/>
+          </a:fillRef>
+          <a:effectRef idx="0">
+            <a:schemeClr val="accent1"/>
+          </a:effectRef>
+          <a:fontRef idx="minor">
+            <a:schemeClr val="tx1"/>
+          </a:fontRef>
+        </p:style>
+      </p:cxnSp>
+      <p:cxnSp>
+        <p:nvCxnSpPr>
+          <p:cNvPr id="36" name="Straight Connector 35">
+            <a:extLst>
+              <a:ext uri="{FF2B5EF4-FFF2-40B4-BE49-F238E27FC236}">
+                <a16:creationId xmlns:a16="http://schemas.microsoft.com/office/drawing/2014/main" id="{D9A0A79A-2F04-9D43-AE28-B6B9CF423DE4}"/>
+              </a:ext>
+            </a:extLst>
+          </p:cNvPr>
+          <p:cNvCxnSpPr>
+            <a:cxnSpLocks/>
+          </p:cNvCxnSpPr>
+          <p:nvPr/>
+        </p:nvCxnSpPr>
+        <p:spPr>
+          <a:xfrm>
+            <a:off x="9991724" y="2343791"/>
+            <a:ext cx="0" cy="1008000"/>
+          </a:xfrm>
+          <a:prstGeom prst="line">
+            <a:avLst/>
+          </a:prstGeom>
+          <a:ln w="28575">
+            <a:solidFill>
+              <a:srgbClr val="FF0000"/>
+            </a:solidFill>
+          </a:ln>
+        </p:spPr>
+        <p:style>
+          <a:lnRef idx="1">
+            <a:schemeClr val="accent1"/>
+          </a:lnRef>
+          <a:fillRef idx="0">
+            <a:schemeClr val="accent1"/>
+          </a:fillRef>
+          <a:effectRef idx="0">
+            <a:schemeClr val="accent1"/>
+          </a:effectRef>
+          <a:fontRef idx="minor">
+            <a:schemeClr val="tx1"/>
+          </a:fontRef>
+        </p:style>
+      </p:cxnSp>
+      <p:cxnSp>
+        <p:nvCxnSpPr>
+          <p:cNvPr id="38" name="Straight Connector 37">
+            <a:extLst>
+              <a:ext uri="{FF2B5EF4-FFF2-40B4-BE49-F238E27FC236}">
+                <a16:creationId xmlns:a16="http://schemas.microsoft.com/office/drawing/2014/main" id="{AAE1D727-137A-6F48-A0BB-0858D925B49C}"/>
+              </a:ext>
+            </a:extLst>
+          </p:cNvPr>
+          <p:cNvCxnSpPr>
+            <a:cxnSpLocks/>
+          </p:cNvCxnSpPr>
+          <p:nvPr/>
+        </p:nvCxnSpPr>
+        <p:spPr>
+          <a:xfrm flipV="1">
+            <a:off x="9978759" y="2859257"/>
+            <a:ext cx="2154505" cy="493068"/>
+          </a:xfrm>
+          <a:prstGeom prst="line">
+            <a:avLst/>
+          </a:prstGeom>
+          <a:ln w="28575">
+            <a:solidFill>
+              <a:srgbClr val="FF0000"/>
+            </a:solidFill>
+          </a:ln>
+        </p:spPr>
+        <p:style>
+          <a:lnRef idx="1">
+            <a:schemeClr val="accent1"/>
+          </a:lnRef>
+          <a:fillRef idx="0">
+            <a:schemeClr val="accent1"/>
+          </a:fillRef>
+          <a:effectRef idx="0">
+            <a:schemeClr val="accent1"/>
+          </a:effectRef>
+          <a:fontRef idx="minor">
+            <a:schemeClr val="tx1"/>
+          </a:fontRef>
+        </p:style>
+      </p:cxnSp>
+      <p:cxnSp>
+        <p:nvCxnSpPr>
+          <p:cNvPr id="40" name="Straight Connector 39">
+            <a:extLst>
+              <a:ext uri="{FF2B5EF4-FFF2-40B4-BE49-F238E27FC236}">
+                <a16:creationId xmlns:a16="http://schemas.microsoft.com/office/drawing/2014/main" id="{75D90025-B6A3-4749-BF38-9F04C1B28DD4}"/>
+              </a:ext>
+            </a:extLst>
+          </p:cNvPr>
+          <p:cNvCxnSpPr>
+            <a:cxnSpLocks/>
+          </p:cNvCxnSpPr>
+          <p:nvPr/>
+        </p:nvCxnSpPr>
+        <p:spPr>
+          <a:xfrm>
+            <a:off x="12133264" y="2859257"/>
+            <a:ext cx="2135184" cy="0"/>
+          </a:xfrm>
+          <a:prstGeom prst="line">
+            <a:avLst/>
+          </a:prstGeom>
+          <a:ln w="28575">
+            <a:solidFill>
+              <a:srgbClr val="FF0000"/>
+            </a:solidFill>
+          </a:ln>
+        </p:spPr>
+        <p:style>
+          <a:lnRef idx="1">
+            <a:schemeClr val="accent1"/>
+          </a:lnRef>
+          <a:fillRef idx="0">
+            <a:schemeClr val="accent1"/>
+          </a:fillRef>
+          <a:effectRef idx="0">
+            <a:schemeClr val="accent1"/>
+          </a:effectRef>
+          <a:fontRef idx="minor">
+            <a:schemeClr val="tx1"/>
+          </a:fontRef>
+        </p:style>
+      </p:cxnSp>
+      <p:cxnSp>
+        <p:nvCxnSpPr>
+          <p:cNvPr id="42" name="Straight Connector 41">
+            <a:extLst>
+              <a:ext uri="{FF2B5EF4-FFF2-40B4-BE49-F238E27FC236}">
+                <a16:creationId xmlns:a16="http://schemas.microsoft.com/office/drawing/2014/main" id="{F887FDA9-BEEF-2F49-86A6-65EFF3D036A0}"/>
+              </a:ext>
+            </a:extLst>
+          </p:cNvPr>
+          <p:cNvCxnSpPr>
+            <a:cxnSpLocks/>
+          </p:cNvCxnSpPr>
+          <p:nvPr/>
+        </p:nvCxnSpPr>
+        <p:spPr>
+          <a:xfrm>
+            <a:off x="6770157" y="2343791"/>
+            <a:ext cx="3208602" cy="0"/>
+          </a:xfrm>
+          <a:prstGeom prst="line">
+            <a:avLst/>
+          </a:prstGeom>
+          <a:ln w="76200">
+            <a:solidFill>
+              <a:srgbClr val="00B0F0"/>
+            </a:solidFill>
+          </a:ln>
+        </p:spPr>
+        <p:style>
+          <a:lnRef idx="1">
+            <a:schemeClr val="accent1"/>
+          </a:lnRef>
+          <a:fillRef idx="0">
+            <a:schemeClr val="accent1"/>
+          </a:fillRef>
+          <a:effectRef idx="0">
+            <a:schemeClr val="accent1"/>
+          </a:effectRef>
+          <a:fontRef idx="minor">
+            <a:schemeClr val="tx1"/>
+          </a:fontRef>
+        </p:style>
+      </p:cxnSp>
+      <p:cxnSp>
+        <p:nvCxnSpPr>
+          <p:cNvPr id="43" name="Straight Connector 42">
+            <a:extLst>
+              <a:ext uri="{FF2B5EF4-FFF2-40B4-BE49-F238E27FC236}">
+                <a16:creationId xmlns:a16="http://schemas.microsoft.com/office/drawing/2014/main" id="{C026ABA1-AD10-6943-8968-76F5AC49BCFF}"/>
+              </a:ext>
+            </a:extLst>
+          </p:cNvPr>
+          <p:cNvCxnSpPr>
+            <a:cxnSpLocks/>
+          </p:cNvCxnSpPr>
+          <p:nvPr/>
+        </p:nvCxnSpPr>
+        <p:spPr>
+          <a:xfrm>
+            <a:off x="9992254" y="2859257"/>
+            <a:ext cx="2141010" cy="0"/>
+          </a:xfrm>
+          <a:prstGeom prst="line">
+            <a:avLst/>
+          </a:prstGeom>
+          <a:ln w="76200">
+            <a:solidFill>
+              <a:srgbClr val="00B0F0"/>
+            </a:solidFill>
+          </a:ln>
+        </p:spPr>
+        <p:style>
+          <a:lnRef idx="1">
+            <a:schemeClr val="accent1"/>
+          </a:lnRef>
+          <a:fillRef idx="0">
+            <a:schemeClr val="accent1"/>
+          </a:fillRef>
+          <a:effectRef idx="0">
+            <a:schemeClr val="accent1"/>
+          </a:effectRef>
+          <a:fontRef idx="minor">
+            <a:schemeClr val="tx1"/>
+          </a:fontRef>
+        </p:style>
+      </p:cxnSp>
+    </p:spTree>
+    <p:extLst>
+      <p:ext uri="{BB962C8B-B14F-4D97-AF65-F5344CB8AC3E}">
+        <p14:creationId xmlns:p14="http://schemas.microsoft.com/office/powerpoint/2010/main" val="582137675"/>
+      </p:ext>
+    </p:extLst>
+  </p:cSld>
+  <p:clrMapOvr>
+    <a:masterClrMapping/>
+  </p:clrMapOvr>
+</p:sld>
+</file>
+
+<file path=ppt/slides/slide8.xml><?xml version="1.0" encoding="utf-8"?>
+<p:sld xmlns:a="http://schemas.openxmlformats.org/drawingml/2006/main" xmlns:r="http://schemas.openxmlformats.org/officeDocument/2006/relationships" xmlns:p="http://schemas.openxmlformats.org/presentationml/2006/main">
+  <p:cSld>
+    <p:spTree>
+      <p:nvGrpSpPr>
+        <p:cNvPr id="1" name=""/>
+        <p:cNvGrpSpPr/>
+        <p:nvPr/>
+      </p:nvGrpSpPr>
+      <p:grpSpPr>
+        <a:xfrm>
+          <a:off x="0" y="0"/>
+          <a:ext cx="0" cy="0"/>
+          <a:chOff x="0" y="0"/>
+          <a:chExt cx="0" cy="0"/>
+        </a:xfrm>
+      </p:grpSpPr>
+      <p:pic>
+        <p:nvPicPr>
+          <p:cNvPr id="5" name="Picture 4" descr="A picture containing table&#10;&#10;Description automatically generated">
+            <a:extLst>
+              <a:ext uri="{FF2B5EF4-FFF2-40B4-BE49-F238E27FC236}">
+                <a16:creationId xmlns:a16="http://schemas.microsoft.com/office/drawing/2014/main" id="{46BFF772-7C90-FD4C-8BC7-011B0D847174}"/>
+              </a:ext>
+            </a:extLst>
+          </p:cNvPr>
+          <p:cNvPicPr>
+            <a:picLocks noChangeAspect="1"/>
+          </p:cNvPicPr>
+          <p:nvPr/>
+        </p:nvPicPr>
+        <p:blipFill>
+          <a:blip r:embed="rId2"/>
+          <a:stretch>
+            <a:fillRect/>
+          </a:stretch>
+        </p:blipFill>
+        <p:spPr>
+          <a:xfrm>
+            <a:off x="1494822" y="1970024"/>
+            <a:ext cx="8724900" cy="1930400"/>
+          </a:xfrm>
+          <a:prstGeom prst="rect">
+            <a:avLst/>
+          </a:prstGeom>
+        </p:spPr>
+      </p:pic>
+      <p:pic>
+        <p:nvPicPr>
+          <p:cNvPr id="7" name="Picture 6" descr="A picture containing game&#10;&#10;Description automatically generated">
+            <a:extLst>
+              <a:ext uri="{FF2B5EF4-FFF2-40B4-BE49-F238E27FC236}">
+                <a16:creationId xmlns:a16="http://schemas.microsoft.com/office/drawing/2014/main" id="{AC4A88D1-5059-5B42-80B8-BE5760F55BBD}"/>
+              </a:ext>
+            </a:extLst>
+          </p:cNvPr>
+          <p:cNvPicPr>
+            <a:picLocks noChangeAspect="1"/>
+          </p:cNvPicPr>
+          <p:nvPr/>
+        </p:nvPicPr>
+        <p:blipFill>
+          <a:blip r:embed="rId3"/>
+          <a:stretch>
+            <a:fillRect/>
+          </a:stretch>
+        </p:blipFill>
+        <p:spPr>
+          <a:xfrm>
+            <a:off x="10776744" y="509270"/>
+            <a:ext cx="8763000" cy="5473700"/>
+          </a:xfrm>
+          <a:prstGeom prst="rect">
+            <a:avLst/>
+          </a:prstGeom>
+        </p:spPr>
+      </p:pic>
+      <p:sp>
+        <p:nvSpPr>
+          <p:cNvPr id="9" name="TextBox 8">
+            <a:extLst>
+              <a:ext uri="{FF2B5EF4-FFF2-40B4-BE49-F238E27FC236}">
+                <a16:creationId xmlns:a16="http://schemas.microsoft.com/office/drawing/2014/main" id="{72FEE84A-F8B5-3544-9C48-DDA1D3023D15}"/>
+              </a:ext>
+            </a:extLst>
+          </p:cNvPr>
+          <p:cNvSpPr txBox="1"/>
+          <p:nvPr/>
+        </p:nvSpPr>
+        <p:spPr>
+          <a:xfrm>
+            <a:off x="1494822" y="4151376"/>
+            <a:ext cx="8289258" cy="2031325"/>
+          </a:xfrm>
+          <a:prstGeom prst="rect">
+            <a:avLst/>
+          </a:prstGeom>
+          <a:noFill/>
+        </p:spPr>
+        <p:txBody>
+          <a:bodyPr wrap="square" rtlCol="0">
+            <a:spAutoFit/>
+          </a:bodyPr>
+          <a:lstStyle/>
+          <a:p>
+            <a:r>
+              <a:rPr lang="en-US" dirty="0"/>
+              <a:t>Workflow (green for training, black for inference, red for both):</a:t>
+            </a:r>
+          </a:p>
+          <a:p>
+            <a:pPr marL="342900" indent="-342900">
+              <a:buAutoNum type="arabicPeriod"/>
+            </a:pPr>
+            <a:r>
+              <a:rPr lang="en-US" dirty="0">
+                <a:solidFill>
+                  <a:srgbClr val="FF0000"/>
+                </a:solidFill>
+              </a:rPr>
+              <a:t>Resize image to 448x448;</a:t>
+            </a:r>
+          </a:p>
+          <a:p>
+            <a:pPr marL="342900" indent="-342900">
+              <a:buAutoNum type="arabicPeriod"/>
+            </a:pPr>
+            <a:r>
+              <a:rPr lang="en-US" dirty="0">
+                <a:solidFill>
+                  <a:srgbClr val="00B050"/>
+                </a:solidFill>
+              </a:rPr>
+              <a:t>Pre-train a single CNN on ImageNet;</a:t>
+            </a:r>
+          </a:p>
+          <a:p>
+            <a:pPr marL="342900" indent="-342900">
+              <a:buAutoNum type="arabicPeriod"/>
+            </a:pPr>
+            <a:r>
+              <a:rPr lang="en-US" dirty="0">
+                <a:solidFill>
+                  <a:srgbClr val="00B050"/>
+                </a:solidFill>
+              </a:rPr>
+              <a:t>Split the input image into SxS grid and compute loss for each grid;</a:t>
+            </a:r>
+          </a:p>
+          <a:p>
+            <a:pPr marL="342900" indent="-342900">
+              <a:buAutoNum type="arabicPeriod"/>
+            </a:pPr>
+            <a:r>
+              <a:rPr lang="en-US" dirty="0">
+                <a:solidFill>
+                  <a:srgbClr val="00B050"/>
+                </a:solidFill>
+              </a:rPr>
+              <a:t>Produce SxSx(5B + K) tensor for each image;</a:t>
+            </a:r>
+          </a:p>
+          <a:p>
+            <a:pPr marL="342900" indent="-342900">
+              <a:buAutoNum type="arabicPeriod"/>
+            </a:pPr>
+            <a:r>
+              <a:rPr lang="en-US" dirty="0"/>
+              <a:t>Inference with non-maximum suppression.</a:t>
+            </a:r>
+          </a:p>
+          <a:p>
+            <a:pPr marL="342900" indent="-342900">
+              <a:buAutoNum type="arabicPeriod"/>
+            </a:pPr>
+            <a:endParaRPr lang="en-US" dirty="0"/>
+          </a:p>
+        </p:txBody>
+      </p:sp>
+      <mc:AlternateContent xmlns:mc="http://schemas.openxmlformats.org/markup-compatibility/2006">
+        <mc:Choice xmlns:a14="http://schemas.microsoft.com/office/drawing/2010/main" Requires="a14">
+          <p:sp>
+            <p:nvSpPr>
+              <p:cNvPr id="12" name="TextBox 11">
+                <a:extLst>
+                  <a:ext uri="{FF2B5EF4-FFF2-40B4-BE49-F238E27FC236}">
+                    <a16:creationId xmlns:a16="http://schemas.microsoft.com/office/drawing/2014/main" id="{4C486178-420D-6C46-B25D-CA63BD4FA591}"/>
+                  </a:ext>
+                </a:extLst>
+              </p:cNvPr>
+              <p:cNvSpPr txBox="1"/>
+              <p:nvPr/>
+            </p:nvSpPr>
+            <p:spPr>
+              <a:xfrm>
+                <a:off x="10733880" y="361315"/>
+                <a:ext cx="3272631" cy="1477328"/>
+              </a:xfrm>
+              <a:prstGeom prst="rect">
+                <a:avLst/>
+              </a:prstGeom>
+              <a:noFill/>
+            </p:spPr>
+            <p:txBody>
+              <a:bodyPr wrap="square" rtlCol="0">
+                <a:spAutoFit/>
+              </a:bodyPr>
+              <a:lstStyle/>
+              <a:p>
+                <a:r>
+                  <a:rPr lang="en-US" dirty="0"/>
+                  <a:t>For each grid:</a:t>
+                </a:r>
+              </a:p>
+              <a:p>
+                <a:pPr marL="342900" indent="-342900">
+                  <a:buAutoNum type="arabicPeriod"/>
+                </a:pPr>
+                <a:r>
+                  <a:rPr lang="en-US" dirty="0"/>
+                  <a:t>Bounding box: </a:t>
+                </a:r>
+                <a14:m>
+                  <m:oMath xmlns:m="http://schemas.openxmlformats.org/officeDocument/2006/math">
+                    <m:d>
+                      <m:dPr>
+                        <m:ctrlPr>
+                          <a:rPr lang="en-US" i="1" smtClean="0">
+                            <a:latin typeface="Cambria Math" panose="02040503050406030204" pitchFamily="18" charset="0"/>
+                          </a:rPr>
+                        </m:ctrlPr>
+                      </m:dPr>
+                      <m:e>
+                        <m:r>
+                          <a:rPr lang="en-US" i="1" err="1" smtClean="0">
+                            <a:latin typeface="Cambria Math" panose="02040503050406030204" pitchFamily="18" charset="0"/>
+                          </a:rPr>
+                          <m:t>𝑥</m:t>
+                        </m:r>
+                        <m:r>
+                          <a:rPr lang="en-US" i="1" err="1" smtClean="0">
+                            <a:latin typeface="Cambria Math" panose="02040503050406030204" pitchFamily="18" charset="0"/>
+                          </a:rPr>
+                          <m:t>,</m:t>
+                        </m:r>
+                        <m:r>
+                          <a:rPr lang="en-US" i="1" err="1" smtClean="0">
+                            <a:latin typeface="Cambria Math" panose="02040503050406030204" pitchFamily="18" charset="0"/>
+                          </a:rPr>
+                          <m:t>𝑦</m:t>
+                        </m:r>
+                        <m:r>
+                          <a:rPr lang="en-US" i="1" smtClean="0">
+                            <a:latin typeface="Cambria Math" panose="02040503050406030204" pitchFamily="18" charset="0"/>
+                          </a:rPr>
+                          <m:t>, </m:t>
+                        </m:r>
+                        <m:r>
+                          <a:rPr lang="en-US" i="1" err="1" smtClean="0">
+                            <a:latin typeface="Cambria Math" panose="02040503050406030204" pitchFamily="18" charset="0"/>
+                          </a:rPr>
+                          <m:t>𝑤</m:t>
+                        </m:r>
+                        <m:r>
+                          <a:rPr lang="en-US" i="1" err="1" smtClean="0">
+                            <a:latin typeface="Cambria Math" panose="02040503050406030204" pitchFamily="18" charset="0"/>
+                          </a:rPr>
+                          <m:t>,</m:t>
+                        </m:r>
+                        <m:r>
+                          <a:rPr lang="en-US" i="1" err="1" smtClean="0">
+                            <a:latin typeface="Cambria Math" panose="02040503050406030204" pitchFamily="18" charset="0"/>
+                          </a:rPr>
+                          <m:t>h</m:t>
+                        </m:r>
+                      </m:e>
+                    </m:d>
+                    <m:r>
+                      <a:rPr lang="en-US" b="0" i="1" smtClean="0">
+                        <a:latin typeface="Cambria Math" panose="02040503050406030204" pitchFamily="18" charset="0"/>
+                      </a:rPr>
+                      <m:t>×</m:t>
+                    </m:r>
+                    <m:r>
+                      <a:rPr lang="en-US" b="0" i="1" smtClean="0">
+                        <a:latin typeface="Cambria Math" panose="02040503050406030204" pitchFamily="18" charset="0"/>
+                      </a:rPr>
+                      <m:t>𝐵</m:t>
+                    </m:r>
+                  </m:oMath>
+                </a14:m>
+                <a:endParaRPr lang="en-US" dirty="0"/>
+              </a:p>
+              <a:p>
+                <a:pPr marL="342900" indent="-342900">
+                  <a:buAutoNum type="arabicPeriod"/>
+                </a:pPr>
+                <a:r>
+                  <a:rPr lang="en-US" dirty="0"/>
+                  <a:t>Confidence score: </a:t>
+                </a:r>
+              </a:p>
+              <a:p>
+                <a:r>
+                  <a:rPr lang="en-US" dirty="0"/>
+                  <a:t>       </a:t>
+                </a:r>
+                <a14:m>
+                  <m:oMath xmlns:m="http://schemas.openxmlformats.org/officeDocument/2006/math">
+                    <m:r>
+                      <a:rPr lang="en-US" b="0" i="1" smtClean="0">
+                        <a:latin typeface="Cambria Math" panose="02040503050406030204" pitchFamily="18" charset="0"/>
+                      </a:rPr>
+                      <m:t>𝑃𝑟</m:t>
+                    </m:r>
+                    <m:d>
+                      <m:dPr>
+                        <m:ctrlPr>
+                          <a:rPr lang="en-US" b="0" i="1" smtClean="0">
+                            <a:latin typeface="Cambria Math" panose="02040503050406030204" pitchFamily="18" charset="0"/>
+                          </a:rPr>
+                        </m:ctrlPr>
+                      </m:dPr>
+                      <m:e>
+                        <m:r>
+                          <a:rPr lang="en-US" b="0" i="1" smtClean="0">
+                            <a:latin typeface="Cambria Math" panose="02040503050406030204" pitchFamily="18" charset="0"/>
+                          </a:rPr>
+                          <m:t>𝑜𝑏𝑗</m:t>
+                        </m:r>
+                      </m:e>
+                    </m:d>
+                    <m:r>
+                      <a:rPr lang="en-US" b="0" i="1" smtClean="0">
+                        <a:latin typeface="Cambria Math" panose="02040503050406030204" pitchFamily="18" charset="0"/>
+                      </a:rPr>
+                      <m:t>×</m:t>
+                    </m:r>
+                    <m:r>
+                      <a:rPr lang="en-US" b="0" i="1" smtClean="0">
+                        <a:latin typeface="Cambria Math" panose="02040503050406030204" pitchFamily="18" charset="0"/>
+                      </a:rPr>
+                      <m:t>𝐼𝑜𝑈</m:t>
+                    </m:r>
+                    <m:d>
+                      <m:dPr>
+                        <m:ctrlPr>
+                          <a:rPr lang="en-US" b="0" i="1" smtClean="0">
+                            <a:latin typeface="Cambria Math" panose="02040503050406030204" pitchFamily="18" charset="0"/>
+                          </a:rPr>
+                        </m:ctrlPr>
+                      </m:dPr>
+                      <m:e>
+                        <m:r>
+                          <a:rPr lang="en-US" b="0" i="1" smtClean="0">
+                            <a:latin typeface="Cambria Math" panose="02040503050406030204" pitchFamily="18" charset="0"/>
+                          </a:rPr>
+                          <m:t>𝑡𝑟𝑢𝑡h</m:t>
+                        </m:r>
+                        <m:r>
+                          <a:rPr lang="en-US" b="0" i="1" smtClean="0">
+                            <a:latin typeface="Cambria Math" panose="02040503050406030204" pitchFamily="18" charset="0"/>
+                          </a:rPr>
+                          <m:t>, </m:t>
+                        </m:r>
+                        <m:r>
+                          <a:rPr lang="en-US" b="0" i="1" smtClean="0">
+                            <a:latin typeface="Cambria Math" panose="02040503050406030204" pitchFamily="18" charset="0"/>
+                          </a:rPr>
+                          <m:t>𝑝𝑟𝑒𝑑</m:t>
+                        </m:r>
+                      </m:e>
+                    </m:d>
+                  </m:oMath>
+                </a14:m>
+                <a:endParaRPr lang="en-US" b="0" dirty="0"/>
+              </a:p>
+              <a:p>
+                <a:r>
+                  <a:rPr lang="en-US" dirty="0"/>
+                  <a:t>3. Class probability:  </a:t>
+                </a:r>
+                <a14:m>
+                  <m:oMath xmlns:m="http://schemas.openxmlformats.org/officeDocument/2006/math">
+                    <m:r>
+                      <a:rPr lang="en-US" b="0" i="1" smtClean="0">
+                        <a:latin typeface="Cambria Math" panose="02040503050406030204" pitchFamily="18" charset="0"/>
+                      </a:rPr>
+                      <m:t>𝑝</m:t>
+                    </m:r>
+                    <m:r>
+                      <a:rPr lang="en-US" b="0" i="1" smtClean="0">
+                        <a:latin typeface="Cambria Math" panose="02040503050406030204" pitchFamily="18" charset="0"/>
+                      </a:rPr>
+                      <m:t>(</m:t>
+                    </m:r>
+                    <m:sSub>
+                      <m:sSubPr>
+                        <m:ctrlPr>
+                          <a:rPr lang="en-US" b="0" i="1" smtClean="0">
+                            <a:latin typeface="Cambria Math" panose="02040503050406030204" pitchFamily="18" charset="0"/>
+                          </a:rPr>
+                        </m:ctrlPr>
+                      </m:sSubPr>
+                      <m:e>
+                        <m:r>
+                          <a:rPr lang="en-US" b="0" i="1" smtClean="0">
+                            <a:latin typeface="Cambria Math" panose="02040503050406030204" pitchFamily="18" charset="0"/>
+                          </a:rPr>
+                          <m:t>𝑐</m:t>
+                        </m:r>
+                      </m:e>
+                      <m:sub>
+                        <m:r>
+                          <a:rPr lang="en-US" b="0" i="1" smtClean="0">
+                            <a:latin typeface="Cambria Math" panose="02040503050406030204" pitchFamily="18" charset="0"/>
+                          </a:rPr>
+                          <m:t>𝑖</m:t>
+                        </m:r>
+                      </m:sub>
+                    </m:sSub>
+                    <m:r>
+                      <a:rPr lang="en-US" b="0" i="1" smtClean="0">
+                        <a:latin typeface="Cambria Math" panose="02040503050406030204" pitchFamily="18" charset="0"/>
+                      </a:rPr>
+                      <m:t>)</m:t>
+                    </m:r>
+                  </m:oMath>
+                </a14:m>
+                <a:endParaRPr lang="en-US" dirty="0"/>
+              </a:p>
+            </p:txBody>
+          </p:sp>
+        </mc:Choice>
+        <mc:Fallback>
+          <p:sp>
+            <p:nvSpPr>
+              <p:cNvPr id="12" name="TextBox 11">
+                <a:extLst>
+                  <a:ext uri="{FF2B5EF4-FFF2-40B4-BE49-F238E27FC236}">
+                    <a16:creationId xmlns:a16="http://schemas.microsoft.com/office/drawing/2014/main" id="{4C486178-420D-6C46-B25D-CA63BD4FA591}"/>
+                  </a:ext>
+                </a:extLst>
+              </p:cNvPr>
+              <p:cNvSpPr txBox="1">
+                <a:spLocks noRot="1" noChangeAspect="1" noMove="1" noResize="1" noEditPoints="1" noAdjustHandles="1" noChangeArrowheads="1" noChangeShapeType="1" noTextEdit="1"/>
+              </p:cNvSpPr>
+              <p:nvPr/>
+            </p:nvSpPr>
+            <p:spPr>
+              <a:xfrm>
+                <a:off x="10733880" y="361315"/>
+                <a:ext cx="3272631" cy="1477328"/>
+              </a:xfrm>
+              <a:prstGeom prst="rect">
+                <a:avLst/>
+              </a:prstGeom>
+              <a:blipFill>
+                <a:blip r:embed="rId4"/>
+                <a:stretch>
+                  <a:fillRect l="-1544" t="-847" b="-5085"/>
+                </a:stretch>
+              </a:blipFill>
+            </p:spPr>
+            <p:txBody>
+              <a:bodyPr/>
+              <a:lstStyle/>
+              <a:p>
+                <a:r>
+                  <a:rPr lang="en-US">
+                    <a:noFill/>
+                  </a:rPr>
+                  <a:t> </a:t>
+                </a:r>
+              </a:p>
+            </p:txBody>
+          </p:sp>
+        </mc:Fallback>
+      </mc:AlternateContent>
+      <p:sp>
+        <p:nvSpPr>
+          <p:cNvPr id="13" name="Rectangle 12">
+            <a:extLst>
+              <a:ext uri="{FF2B5EF4-FFF2-40B4-BE49-F238E27FC236}">
+                <a16:creationId xmlns:a16="http://schemas.microsoft.com/office/drawing/2014/main" id="{BEF31BD7-08E9-4B43-9DFA-614247CD1DB7}"/>
+              </a:ext>
+            </a:extLst>
+          </p:cNvPr>
+          <p:cNvSpPr/>
+          <p:nvPr/>
+        </p:nvSpPr>
+        <p:spPr>
+          <a:xfrm>
+            <a:off x="4381500" y="3086100"/>
+            <a:ext cx="2730500" cy="827024"/>
+          </a:xfrm>
+          <a:prstGeom prst="rect">
+            <a:avLst/>
+          </a:prstGeom>
+          <a:solidFill>
+            <a:schemeClr val="bg1"/>
+          </a:solidFill>
+          <a:ln>
+            <a:noFill/>
+          </a:ln>
+        </p:spPr>
+        <p:style>
+          <a:lnRef idx="2">
+            <a:schemeClr val="accent1">
+              <a:shade val="50000"/>
+            </a:schemeClr>
+          </a:lnRef>
+          <a:fillRef idx="1">
+            <a:schemeClr val="accent1"/>
+          </a:fillRef>
+          <a:effectRef idx="0">
+            <a:schemeClr val="accent1"/>
+          </a:effectRef>
+          <a:fontRef idx="minor">
+            <a:schemeClr val="lt1"/>
+          </a:fontRef>
+        </p:style>
+        <p:txBody>
+          <a:bodyPr rtlCol="0" anchor="ctr"/>
+          <a:lstStyle/>
+          <a:p>
+            <a:pPr algn="ctr"/>
+            <a:endParaRPr lang="en-US" dirty="0"/>
+          </a:p>
+        </p:txBody>
+      </p:sp>
+    </p:spTree>
+    <p:extLst>
+      <p:ext uri="{BB962C8B-B14F-4D97-AF65-F5344CB8AC3E}">
+        <p14:creationId xmlns:p14="http://schemas.microsoft.com/office/powerpoint/2010/main" val="112561644"/>
       </p:ext>
     </p:extLst>
   </p:cSld>

--- a/content/post/post_ppt.pptx
+++ b/content/post/post_ppt.pptx
@@ -13,6 +13,8 @@
     <p:sldId id="261" r:id="rId7"/>
     <p:sldId id="262" r:id="rId8"/>
     <p:sldId id="263" r:id="rId9"/>
+    <p:sldId id="264" r:id="rId10"/>
+    <p:sldId id="265" r:id="rId11"/>
   </p:sldIdLst>
   <p:sldSz cx="21553488" cy="6858000"/>
   <p:notesSz cx="6858000" cy="9144000"/>
@@ -250,7 +252,7 @@
           <a:p>
             <a:fld id="{AEE0242F-9983-5646-A2FB-42C1A5B688B5}" type="datetimeFigureOut">
               <a:rPr lang="en-US" smtClean="0"/>
-              <a:t>1/19/20</a:t>
+              <a:t>1/20/20</a:t>
             </a:fld>
             <a:endParaRPr lang="en-US" dirty="0"/>
           </a:p>
@@ -420,7 +422,7 @@
           <a:p>
             <a:fld id="{AEE0242F-9983-5646-A2FB-42C1A5B688B5}" type="datetimeFigureOut">
               <a:rPr lang="en-US" smtClean="0"/>
-              <a:t>1/19/20</a:t>
+              <a:t>1/20/20</a:t>
             </a:fld>
             <a:endParaRPr lang="en-US" dirty="0"/>
           </a:p>
@@ -600,7 +602,7 @@
           <a:p>
             <a:fld id="{AEE0242F-9983-5646-A2FB-42C1A5B688B5}" type="datetimeFigureOut">
               <a:rPr lang="en-US" smtClean="0"/>
-              <a:t>1/19/20</a:t>
+              <a:t>1/20/20</a:t>
             </a:fld>
             <a:endParaRPr lang="en-US" dirty="0"/>
           </a:p>
@@ -770,7 +772,7 @@
           <a:p>
             <a:fld id="{AEE0242F-9983-5646-A2FB-42C1A5B688B5}" type="datetimeFigureOut">
               <a:rPr lang="en-US" smtClean="0"/>
-              <a:t>1/19/20</a:t>
+              <a:t>1/20/20</a:t>
             </a:fld>
             <a:endParaRPr lang="en-US" dirty="0"/>
           </a:p>
@@ -1016,7 +1018,7 @@
           <a:p>
             <a:fld id="{AEE0242F-9983-5646-A2FB-42C1A5B688B5}" type="datetimeFigureOut">
               <a:rPr lang="en-US" smtClean="0"/>
-              <a:t>1/19/20</a:t>
+              <a:t>1/20/20</a:t>
             </a:fld>
             <a:endParaRPr lang="en-US" dirty="0"/>
           </a:p>
@@ -1248,7 +1250,7 @@
           <a:p>
             <a:fld id="{AEE0242F-9983-5646-A2FB-42C1A5B688B5}" type="datetimeFigureOut">
               <a:rPr lang="en-US" smtClean="0"/>
-              <a:t>1/19/20</a:t>
+              <a:t>1/20/20</a:t>
             </a:fld>
             <a:endParaRPr lang="en-US" dirty="0"/>
           </a:p>
@@ -1615,7 +1617,7 @@
           <a:p>
             <a:fld id="{AEE0242F-9983-5646-A2FB-42C1A5B688B5}" type="datetimeFigureOut">
               <a:rPr lang="en-US" smtClean="0"/>
-              <a:t>1/19/20</a:t>
+              <a:t>1/20/20</a:t>
             </a:fld>
             <a:endParaRPr lang="en-US" dirty="0"/>
           </a:p>
@@ -1733,7 +1735,7 @@
           <a:p>
             <a:fld id="{AEE0242F-9983-5646-A2FB-42C1A5B688B5}" type="datetimeFigureOut">
               <a:rPr lang="en-US" smtClean="0"/>
-              <a:t>1/19/20</a:t>
+              <a:t>1/20/20</a:t>
             </a:fld>
             <a:endParaRPr lang="en-US" dirty="0"/>
           </a:p>
@@ -1828,7 +1830,7 @@
           <a:p>
             <a:fld id="{AEE0242F-9983-5646-A2FB-42C1A5B688B5}" type="datetimeFigureOut">
               <a:rPr lang="en-US" smtClean="0"/>
-              <a:t>1/19/20</a:t>
+              <a:t>1/20/20</a:t>
             </a:fld>
             <a:endParaRPr lang="en-US" dirty="0"/>
           </a:p>
@@ -2105,7 +2107,7 @@
           <a:p>
             <a:fld id="{AEE0242F-9983-5646-A2FB-42C1A5B688B5}" type="datetimeFigureOut">
               <a:rPr lang="en-US" smtClean="0"/>
-              <a:t>1/19/20</a:t>
+              <a:t>1/20/20</a:t>
             </a:fld>
             <a:endParaRPr lang="en-US" dirty="0"/>
           </a:p>
@@ -2362,7 +2364,7 @@
           <a:p>
             <a:fld id="{AEE0242F-9983-5646-A2FB-42C1A5B688B5}" type="datetimeFigureOut">
               <a:rPr lang="en-US" smtClean="0"/>
-              <a:t>1/19/20</a:t>
+              <a:t>1/20/20</a:t>
             </a:fld>
             <a:endParaRPr lang="en-US" dirty="0"/>
           </a:p>
@@ -2575,7 +2577,7 @@
           <a:p>
             <a:fld id="{AEE0242F-9983-5646-A2FB-42C1A5B688B5}" type="datetimeFigureOut">
               <a:rPr lang="en-US" smtClean="0"/>
-              <a:t>1/19/20</a:t>
+              <a:t>1/20/20</a:t>
             </a:fld>
             <a:endParaRPr lang="en-US" dirty="0"/>
           </a:p>
@@ -6376,6 +6378,36 @@
 </p:sld>
 </file>
 
+<file path=ppt/slides/slide10.xml><?xml version="1.0" encoding="utf-8"?>
+<p:sld xmlns:a="http://schemas.openxmlformats.org/drawingml/2006/main" xmlns:r="http://schemas.openxmlformats.org/officeDocument/2006/relationships" xmlns:p="http://schemas.openxmlformats.org/presentationml/2006/main">
+  <p:cSld>
+    <p:spTree>
+      <p:nvGrpSpPr>
+        <p:cNvPr id="1" name=""/>
+        <p:cNvGrpSpPr/>
+        <p:nvPr/>
+      </p:nvGrpSpPr>
+      <p:grpSpPr>
+        <a:xfrm>
+          <a:off x="0" y="0"/>
+          <a:ext cx="0" cy="0"/>
+          <a:chOff x="0" y="0"/>
+          <a:chExt cx="0" cy="0"/>
+        </a:xfrm>
+      </p:grpSpPr>
+    </p:spTree>
+    <p:extLst>
+      <p:ext uri="{BB962C8B-B14F-4D97-AF65-F5344CB8AC3E}">
+        <p14:creationId xmlns:p14="http://schemas.microsoft.com/office/powerpoint/2010/main" val="131483630"/>
+      </p:ext>
+    </p:extLst>
+  </p:cSld>
+  <p:clrMapOvr>
+    <a:masterClrMapping/>
+  </p:clrMapOvr>
+</p:sld>
+</file>
+
 <file path=ppt/slides/slide2.xml><?xml version="1.0" encoding="utf-8"?>
 <p:sld xmlns:a="http://schemas.openxmlformats.org/drawingml/2006/main" xmlns:r="http://schemas.openxmlformats.org/officeDocument/2006/relationships" xmlns:p="http://schemas.openxmlformats.org/presentationml/2006/main">
   <p:cSld>
@@ -24052,8 +24084,8 @@
           </a:p>
         </p:txBody>
       </p:sp>
-      <mc:AlternateContent xmlns:mc="http://schemas.openxmlformats.org/markup-compatibility/2006">
-        <mc:Choice xmlns:a14="http://schemas.microsoft.com/office/drawing/2010/main" Requires="a14">
+      <mc:AlternateContent xmlns:mc="http://schemas.openxmlformats.org/markup-compatibility/2006" xmlns:a14="http://schemas.microsoft.com/office/drawing/2010/main">
+        <mc:Choice Requires="a14">
           <p:sp>
             <p:nvSpPr>
               <p:cNvPr id="12" name="TextBox 11">
@@ -24307,7 +24339,7 @@
             </p:txBody>
           </p:sp>
         </mc:Choice>
-        <mc:Fallback>
+        <mc:Fallback xmlns="">
           <p:sp>
             <p:nvSpPr>
               <p:cNvPr id="12" name="TextBox 11">
@@ -24408,6 +24440,2947 @@
     <p:extLst>
       <p:ext uri="{BB962C8B-B14F-4D97-AF65-F5344CB8AC3E}">
         <p14:creationId xmlns:p14="http://schemas.microsoft.com/office/powerpoint/2010/main" val="112561644"/>
+      </p:ext>
+    </p:extLst>
+  </p:cSld>
+  <p:clrMapOvr>
+    <a:masterClrMapping/>
+  </p:clrMapOvr>
+</p:sld>
+</file>
+
+<file path=ppt/slides/slide9.xml><?xml version="1.0" encoding="utf-8"?>
+<p:sld xmlns:a="http://schemas.openxmlformats.org/drawingml/2006/main" xmlns:r="http://schemas.openxmlformats.org/officeDocument/2006/relationships" xmlns:p="http://schemas.openxmlformats.org/presentationml/2006/main">
+  <p:cSld>
+    <p:spTree>
+      <p:nvGrpSpPr>
+        <p:cNvPr id="1" name=""/>
+        <p:cNvGrpSpPr/>
+        <p:nvPr/>
+      </p:nvGrpSpPr>
+      <p:grpSpPr>
+        <a:xfrm>
+          <a:off x="0" y="0"/>
+          <a:ext cx="0" cy="0"/>
+          <a:chOff x="0" y="0"/>
+          <a:chExt cx="0" cy="0"/>
+        </a:xfrm>
+      </p:grpSpPr>
+      <p:sp>
+        <p:nvSpPr>
+          <p:cNvPr id="8" name="Rectangle 7">
+            <a:extLst>
+              <a:ext uri="{FF2B5EF4-FFF2-40B4-BE49-F238E27FC236}">
+                <a16:creationId xmlns:a16="http://schemas.microsoft.com/office/drawing/2014/main" id="{2B743BA0-6DB2-1B49-921C-F990BD904CE4}"/>
+              </a:ext>
+            </a:extLst>
+          </p:cNvPr>
+          <p:cNvSpPr/>
+          <p:nvPr/>
+        </p:nvSpPr>
+        <p:spPr>
+          <a:xfrm>
+            <a:off x="4220305" y="803284"/>
+            <a:ext cx="346927" cy="3294668"/>
+          </a:xfrm>
+          <a:prstGeom prst="rect">
+            <a:avLst/>
+          </a:prstGeom>
+          <a:solidFill>
+            <a:srgbClr val="FFC000"/>
+          </a:solidFill>
+          <a:ln>
+            <a:noFill/>
+          </a:ln>
+        </p:spPr>
+        <p:style>
+          <a:lnRef idx="2">
+            <a:schemeClr val="accent1">
+              <a:shade val="50000"/>
+            </a:schemeClr>
+          </a:lnRef>
+          <a:fillRef idx="1">
+            <a:schemeClr val="accent1"/>
+          </a:fillRef>
+          <a:effectRef idx="0">
+            <a:schemeClr val="accent1"/>
+          </a:effectRef>
+          <a:fontRef idx="minor">
+            <a:schemeClr val="lt1"/>
+          </a:fontRef>
+        </p:style>
+        <p:txBody>
+          <a:bodyPr rtlCol="0" anchor="ctr"/>
+          <a:lstStyle/>
+          <a:p>
+            <a:pPr algn="ctr"/>
+            <a:endParaRPr lang="en-US"/>
+          </a:p>
+        </p:txBody>
+      </p:sp>
+      <p:sp>
+        <p:nvSpPr>
+          <p:cNvPr id="9" name="Rectangle 8">
+            <a:extLst>
+              <a:ext uri="{FF2B5EF4-FFF2-40B4-BE49-F238E27FC236}">
+                <a16:creationId xmlns:a16="http://schemas.microsoft.com/office/drawing/2014/main" id="{091376D1-79F4-5640-A55B-EDE642A8BEAD}"/>
+              </a:ext>
+            </a:extLst>
+          </p:cNvPr>
+          <p:cNvSpPr/>
+          <p:nvPr/>
+        </p:nvSpPr>
+        <p:spPr>
+          <a:xfrm>
+            <a:off x="5283032" y="787004"/>
+            <a:ext cx="370800" cy="3315096"/>
+          </a:xfrm>
+          <a:prstGeom prst="rect">
+            <a:avLst/>
+          </a:prstGeom>
+          <a:solidFill>
+            <a:srgbClr val="00B0F0"/>
+          </a:solidFill>
+          <a:ln>
+            <a:noFill/>
+          </a:ln>
+        </p:spPr>
+        <p:style>
+          <a:lnRef idx="2">
+            <a:schemeClr val="accent1">
+              <a:shade val="50000"/>
+            </a:schemeClr>
+          </a:lnRef>
+          <a:fillRef idx="1">
+            <a:schemeClr val="accent1"/>
+          </a:fillRef>
+          <a:effectRef idx="0">
+            <a:schemeClr val="accent1"/>
+          </a:effectRef>
+          <a:fontRef idx="minor">
+            <a:schemeClr val="lt1"/>
+          </a:fontRef>
+        </p:style>
+        <p:txBody>
+          <a:bodyPr rtlCol="0" anchor="ctr"/>
+          <a:lstStyle/>
+          <a:p>
+            <a:pPr algn="ctr"/>
+            <a:endParaRPr lang="en-US"/>
+          </a:p>
+        </p:txBody>
+      </p:sp>
+      <p:sp>
+        <p:nvSpPr>
+          <p:cNvPr id="10" name="Rectangle 9">
+            <a:extLst>
+              <a:ext uri="{FF2B5EF4-FFF2-40B4-BE49-F238E27FC236}">
+                <a16:creationId xmlns:a16="http://schemas.microsoft.com/office/drawing/2014/main" id="{B2C9FD59-23EA-DC4C-AB9A-E393FDBB1DA4}"/>
+              </a:ext>
+            </a:extLst>
+          </p:cNvPr>
+          <p:cNvSpPr/>
+          <p:nvPr/>
+        </p:nvSpPr>
+        <p:spPr>
+          <a:xfrm>
+            <a:off x="7330222" y="787004"/>
+            <a:ext cx="370800" cy="3315096"/>
+          </a:xfrm>
+          <a:prstGeom prst="rect">
+            <a:avLst/>
+          </a:prstGeom>
+          <a:solidFill>
+            <a:srgbClr val="00B0F0"/>
+          </a:solidFill>
+          <a:ln>
+            <a:noFill/>
+          </a:ln>
+        </p:spPr>
+        <p:style>
+          <a:lnRef idx="2">
+            <a:schemeClr val="accent1">
+              <a:shade val="50000"/>
+            </a:schemeClr>
+          </a:lnRef>
+          <a:fillRef idx="1">
+            <a:schemeClr val="accent1"/>
+          </a:fillRef>
+          <a:effectRef idx="0">
+            <a:schemeClr val="accent1"/>
+          </a:effectRef>
+          <a:fontRef idx="minor">
+            <a:schemeClr val="lt1"/>
+          </a:fontRef>
+        </p:style>
+        <p:txBody>
+          <a:bodyPr rtlCol="0" anchor="ctr"/>
+          <a:lstStyle/>
+          <a:p>
+            <a:pPr algn="ctr"/>
+            <a:endParaRPr lang="en-US"/>
+          </a:p>
+        </p:txBody>
+      </p:sp>
+      <p:sp>
+        <p:nvSpPr>
+          <p:cNvPr id="11" name="Rectangle 10">
+            <a:extLst>
+              <a:ext uri="{FF2B5EF4-FFF2-40B4-BE49-F238E27FC236}">
+                <a16:creationId xmlns:a16="http://schemas.microsoft.com/office/drawing/2014/main" id="{1E1E4074-A5E4-EF49-B3FD-BC5783FA76F9}"/>
+              </a:ext>
+            </a:extLst>
+          </p:cNvPr>
+          <p:cNvSpPr/>
+          <p:nvPr/>
+        </p:nvSpPr>
+        <p:spPr>
+          <a:xfrm>
+            <a:off x="5270500" y="787004"/>
+            <a:ext cx="2419350" cy="3315096"/>
+          </a:xfrm>
+          <a:prstGeom prst="rect">
+            <a:avLst/>
+          </a:prstGeom>
+          <a:noFill/>
+          <a:ln w="38100">
+            <a:solidFill>
+              <a:srgbClr val="00B0F0"/>
+            </a:solidFill>
+          </a:ln>
+        </p:spPr>
+        <p:style>
+          <a:lnRef idx="2">
+            <a:schemeClr val="accent1">
+              <a:shade val="50000"/>
+            </a:schemeClr>
+          </a:lnRef>
+          <a:fillRef idx="1">
+            <a:schemeClr val="accent1"/>
+          </a:fillRef>
+          <a:effectRef idx="0">
+            <a:schemeClr val="accent1"/>
+          </a:effectRef>
+          <a:fontRef idx="minor">
+            <a:schemeClr val="lt1"/>
+          </a:fontRef>
+        </p:style>
+        <p:txBody>
+          <a:bodyPr rtlCol="0" anchor="ctr"/>
+          <a:lstStyle/>
+          <a:p>
+            <a:pPr algn="ctr"/>
+            <a:endParaRPr lang="en-US"/>
+          </a:p>
+        </p:txBody>
+      </p:sp>
+      <mc:AlternateContent xmlns:mc="http://schemas.openxmlformats.org/markup-compatibility/2006">
+        <mc:Choice xmlns:a14="http://schemas.microsoft.com/office/drawing/2010/main" Requires="a14">
+          <p:sp>
+            <p:nvSpPr>
+              <p:cNvPr id="12" name="TextBox 11">
+                <a:extLst>
+                  <a:ext uri="{FF2B5EF4-FFF2-40B4-BE49-F238E27FC236}">
+                    <a16:creationId xmlns:a16="http://schemas.microsoft.com/office/drawing/2014/main" id="{2950F6B9-B159-8843-A013-E95DDDC0DF9C}"/>
+                  </a:ext>
+                </a:extLst>
+              </p:cNvPr>
+              <p:cNvSpPr txBox="1"/>
+              <p:nvPr/>
+            </p:nvSpPr>
+            <p:spPr>
+              <a:xfrm>
+                <a:off x="6191016" y="2159026"/>
+                <a:ext cx="554639" cy="615553"/>
+              </a:xfrm>
+              <a:prstGeom prst="rect">
+                <a:avLst/>
+              </a:prstGeom>
+              <a:noFill/>
+            </p:spPr>
+            <p:txBody>
+              <a:bodyPr wrap="none" lIns="0" tIns="0" rIns="0" bIns="0" rtlCol="0">
+                <a:spAutoFit/>
+              </a:bodyPr>
+              <a:lstStyle/>
+              <a:p>
+                <a14:m>
+                  <m:oMathPara xmlns:m="http://schemas.openxmlformats.org/officeDocument/2006/math">
+                    <m:oMathParaPr>
+                      <m:jc m:val="centerGroup"/>
+                    </m:oMathParaPr>
+                    <m:oMath xmlns:m="http://schemas.openxmlformats.org/officeDocument/2006/math">
+                      <m:r>
+                        <a:rPr lang="en-US" sz="4000" i="1">
+                          <a:solidFill>
+                            <a:srgbClr val="00B0F0"/>
+                          </a:solidFill>
+                          <a:latin typeface="Cambria Math" panose="02040503050406030204" pitchFamily="18" charset="0"/>
+                        </a:rPr>
+                        <m:t>⋯</m:t>
+                      </m:r>
+                    </m:oMath>
+                  </m:oMathPara>
+                </a14:m>
+                <a:endParaRPr lang="en-US" sz="4000">
+                  <a:solidFill>
+                    <a:srgbClr val="00B0F0"/>
+                  </a:solidFill>
+                </a:endParaRPr>
+              </a:p>
+            </p:txBody>
+          </p:sp>
+        </mc:Choice>
+        <mc:Fallback>
+          <p:sp>
+            <p:nvSpPr>
+              <p:cNvPr id="12" name="TextBox 11">
+                <a:extLst>
+                  <a:ext uri="{FF2B5EF4-FFF2-40B4-BE49-F238E27FC236}">
+                    <a16:creationId xmlns:a16="http://schemas.microsoft.com/office/drawing/2014/main" id="{2950F6B9-B159-8843-A013-E95DDDC0DF9C}"/>
+                  </a:ext>
+                </a:extLst>
+              </p:cNvPr>
+              <p:cNvSpPr txBox="1">
+                <a:spLocks noRot="1" noChangeAspect="1" noMove="1" noResize="1" noEditPoints="1" noAdjustHandles="1" noChangeArrowheads="1" noChangeShapeType="1" noTextEdit="1"/>
+              </p:cNvSpPr>
+              <p:nvPr/>
+            </p:nvSpPr>
+            <p:spPr>
+              <a:xfrm>
+                <a:off x="6191016" y="2159026"/>
+                <a:ext cx="554639" cy="615553"/>
+              </a:xfrm>
+              <a:prstGeom prst="rect">
+                <a:avLst/>
+              </a:prstGeom>
+              <a:blipFill>
+                <a:blip r:embed="rId2"/>
+                <a:stretch>
+                  <a:fillRect l="-4444" r="-4444"/>
+                </a:stretch>
+              </a:blipFill>
+            </p:spPr>
+            <p:txBody>
+              <a:bodyPr/>
+              <a:lstStyle/>
+              <a:p>
+                <a:r>
+                  <a:rPr lang="en-US">
+                    <a:noFill/>
+                  </a:rPr>
+                  <a:t> </a:t>
+                </a:r>
+              </a:p>
+            </p:txBody>
+          </p:sp>
+        </mc:Fallback>
+      </mc:AlternateContent>
+      <p:sp>
+        <p:nvSpPr>
+          <p:cNvPr id="13" name="TextBox 12">
+            <a:extLst>
+              <a:ext uri="{FF2B5EF4-FFF2-40B4-BE49-F238E27FC236}">
+                <a16:creationId xmlns:a16="http://schemas.microsoft.com/office/drawing/2014/main" id="{8E5C5E02-D107-194B-92E7-552539EBD4AF}"/>
+              </a:ext>
+            </a:extLst>
+          </p:cNvPr>
+          <p:cNvSpPr txBox="1"/>
+          <p:nvPr/>
+        </p:nvSpPr>
+        <p:spPr>
+          <a:xfrm>
+            <a:off x="5234025" y="4678262"/>
+            <a:ext cx="2419350" cy="646331"/>
+          </a:xfrm>
+          <a:prstGeom prst="rect">
+            <a:avLst/>
+          </a:prstGeom>
+          <a:noFill/>
+        </p:spPr>
+        <p:txBody>
+          <a:bodyPr wrap="square" rtlCol="0">
+            <a:spAutoFit/>
+          </a:bodyPr>
+          <a:lstStyle/>
+          <a:p>
+            <a:pPr algn="ctr"/>
+            <a:r>
+              <a:rPr lang="en-US" altLang="zh-CN">
+                <a:latin typeface="Times New Roman" panose="02020603050405020304" pitchFamily="18" charset="0"/>
+                <a:cs typeface="Times New Roman" panose="02020603050405020304" pitchFamily="18" charset="0"/>
+              </a:rPr>
+              <a:t>Pre-trained</a:t>
+            </a:r>
+            <a:r>
+              <a:rPr lang="zh-CN" altLang="en-US">
+                <a:latin typeface="Times New Roman" panose="02020603050405020304" pitchFamily="18" charset="0"/>
+                <a:cs typeface="Times New Roman" panose="02020603050405020304" pitchFamily="18" charset="0"/>
+              </a:rPr>
+              <a:t> </a:t>
+            </a:r>
+            <a:r>
+              <a:rPr lang="en-US" altLang="zh-CN">
+                <a:latin typeface="Times New Roman" panose="02020603050405020304" pitchFamily="18" charset="0"/>
+                <a:cs typeface="Times New Roman" panose="02020603050405020304" pitchFamily="18" charset="0"/>
+              </a:rPr>
+              <a:t>VGG16</a:t>
+            </a:r>
+          </a:p>
+          <a:p>
+            <a:pPr algn="ctr"/>
+            <a:r>
+              <a:rPr lang="en-US" altLang="zh-CN">
+                <a:latin typeface="Times New Roman" panose="02020603050405020304" pitchFamily="18" charset="0"/>
+                <a:cs typeface="Times New Roman" panose="02020603050405020304" pitchFamily="18" charset="0"/>
+              </a:rPr>
+              <a:t>Through</a:t>
+            </a:r>
+            <a:r>
+              <a:rPr lang="zh-CN" altLang="en-US">
+                <a:latin typeface="Times New Roman" panose="02020603050405020304" pitchFamily="18" charset="0"/>
+                <a:cs typeface="Times New Roman" panose="02020603050405020304" pitchFamily="18" charset="0"/>
+              </a:rPr>
+              <a:t> </a:t>
+            </a:r>
+            <a:r>
+              <a:rPr lang="en-US" altLang="zh-CN">
+                <a:latin typeface="Times New Roman" panose="02020603050405020304" pitchFamily="18" charset="0"/>
+                <a:cs typeface="Times New Roman" panose="02020603050405020304" pitchFamily="18" charset="0"/>
+              </a:rPr>
+              <a:t>conv5_3</a:t>
+            </a:r>
+            <a:r>
+              <a:rPr lang="zh-CN" altLang="en-US">
+                <a:latin typeface="Times New Roman" panose="02020603050405020304" pitchFamily="18" charset="0"/>
+                <a:cs typeface="Times New Roman" panose="02020603050405020304" pitchFamily="18" charset="0"/>
+              </a:rPr>
+              <a:t> </a:t>
+            </a:r>
+            <a:r>
+              <a:rPr lang="en-US" altLang="zh-CN">
+                <a:latin typeface="Times New Roman" panose="02020603050405020304" pitchFamily="18" charset="0"/>
+                <a:cs typeface="Times New Roman" panose="02020603050405020304" pitchFamily="18" charset="0"/>
+              </a:rPr>
+              <a:t>layer</a:t>
+            </a:r>
+            <a:endParaRPr lang="en-US">
+              <a:latin typeface="Times New Roman" panose="02020603050405020304" pitchFamily="18" charset="0"/>
+              <a:cs typeface="Times New Roman" panose="02020603050405020304" pitchFamily="18" charset="0"/>
+            </a:endParaRPr>
+          </a:p>
+        </p:txBody>
+      </p:sp>
+      <p:sp>
+        <p:nvSpPr>
+          <p:cNvPr id="14" name="Rectangle 13">
+            <a:extLst>
+              <a:ext uri="{FF2B5EF4-FFF2-40B4-BE49-F238E27FC236}">
+                <a16:creationId xmlns:a16="http://schemas.microsoft.com/office/drawing/2014/main" id="{A4FD76FE-83DF-B449-909B-31D7268FB5D3}"/>
+              </a:ext>
+            </a:extLst>
+          </p:cNvPr>
+          <p:cNvSpPr/>
+          <p:nvPr/>
+        </p:nvSpPr>
+        <p:spPr>
+          <a:xfrm>
+            <a:off x="8077895" y="2013045"/>
+            <a:ext cx="439200" cy="2108530"/>
+          </a:xfrm>
+          <a:prstGeom prst="rect">
+            <a:avLst/>
+          </a:prstGeom>
+          <a:solidFill>
+            <a:srgbClr val="92D050"/>
+          </a:solidFill>
+          <a:ln>
+            <a:noFill/>
+          </a:ln>
+        </p:spPr>
+        <p:style>
+          <a:lnRef idx="2">
+            <a:schemeClr val="accent1">
+              <a:shade val="50000"/>
+            </a:schemeClr>
+          </a:lnRef>
+          <a:fillRef idx="1">
+            <a:schemeClr val="accent1"/>
+          </a:fillRef>
+          <a:effectRef idx="0">
+            <a:schemeClr val="accent1"/>
+          </a:effectRef>
+          <a:fontRef idx="minor">
+            <a:schemeClr val="lt1"/>
+          </a:fontRef>
+        </p:style>
+        <p:txBody>
+          <a:bodyPr rtlCol="0" anchor="ctr"/>
+          <a:lstStyle/>
+          <a:p>
+            <a:pPr algn="ctr"/>
+            <a:endParaRPr lang="en-US"/>
+          </a:p>
+        </p:txBody>
+      </p:sp>
+      <p:sp>
+        <p:nvSpPr>
+          <p:cNvPr id="15" name="Rectangle 14">
+            <a:extLst>
+              <a:ext uri="{FF2B5EF4-FFF2-40B4-BE49-F238E27FC236}">
+                <a16:creationId xmlns:a16="http://schemas.microsoft.com/office/drawing/2014/main" id="{D756BB49-D762-5641-8FEC-506468C600ED}"/>
+              </a:ext>
+            </a:extLst>
+          </p:cNvPr>
+          <p:cNvSpPr/>
+          <p:nvPr/>
+        </p:nvSpPr>
+        <p:spPr>
+          <a:xfrm>
+            <a:off x="8770045" y="2022455"/>
+            <a:ext cx="439200" cy="2104647"/>
+          </a:xfrm>
+          <a:prstGeom prst="rect">
+            <a:avLst/>
+          </a:prstGeom>
+          <a:solidFill>
+            <a:srgbClr val="92D050"/>
+          </a:solidFill>
+          <a:ln>
+            <a:noFill/>
+          </a:ln>
+        </p:spPr>
+        <p:style>
+          <a:lnRef idx="2">
+            <a:schemeClr val="accent1">
+              <a:shade val="50000"/>
+            </a:schemeClr>
+          </a:lnRef>
+          <a:fillRef idx="1">
+            <a:schemeClr val="accent1"/>
+          </a:fillRef>
+          <a:effectRef idx="0">
+            <a:schemeClr val="accent1"/>
+          </a:effectRef>
+          <a:fontRef idx="minor">
+            <a:schemeClr val="lt1"/>
+          </a:fontRef>
+        </p:style>
+        <p:txBody>
+          <a:bodyPr rtlCol="0" anchor="ctr"/>
+          <a:lstStyle/>
+          <a:p>
+            <a:pPr algn="ctr"/>
+            <a:endParaRPr lang="en-US"/>
+          </a:p>
+        </p:txBody>
+      </p:sp>
+      <p:sp>
+        <p:nvSpPr>
+          <p:cNvPr id="16" name="TextBox 15">
+            <a:extLst>
+              <a:ext uri="{FF2B5EF4-FFF2-40B4-BE49-F238E27FC236}">
+                <a16:creationId xmlns:a16="http://schemas.microsoft.com/office/drawing/2014/main" id="{BA0E7819-DB5F-6F4B-A070-03878DAE875D}"/>
+              </a:ext>
+            </a:extLst>
+          </p:cNvPr>
+          <p:cNvSpPr txBox="1"/>
+          <p:nvPr/>
+        </p:nvSpPr>
+        <p:spPr>
+          <a:xfrm>
+            <a:off x="7656684" y="4678754"/>
+            <a:ext cx="1873250" cy="923330"/>
+          </a:xfrm>
+          <a:prstGeom prst="rect">
+            <a:avLst/>
+          </a:prstGeom>
+          <a:noFill/>
+        </p:spPr>
+        <p:txBody>
+          <a:bodyPr wrap="square" rtlCol="0">
+            <a:spAutoFit/>
+          </a:bodyPr>
+          <a:lstStyle/>
+          <a:p>
+            <a:pPr algn="ctr"/>
+            <a:r>
+              <a:rPr lang="en-US" altLang="zh-CN">
+                <a:latin typeface="Times New Roman" panose="02020603050405020304" pitchFamily="18" charset="0"/>
+                <a:cs typeface="Times New Roman" panose="02020603050405020304" pitchFamily="18" charset="0"/>
+              </a:rPr>
+              <a:t>Conv6</a:t>
+            </a:r>
+            <a:r>
+              <a:rPr lang="zh-CN" altLang="en-US">
+                <a:latin typeface="Times New Roman" panose="02020603050405020304" pitchFamily="18" charset="0"/>
+                <a:cs typeface="Times New Roman" panose="02020603050405020304" pitchFamily="18" charset="0"/>
+              </a:rPr>
+              <a:t> </a:t>
+            </a:r>
+            <a:r>
+              <a:rPr lang="en-US" altLang="zh-CN">
+                <a:latin typeface="Times New Roman" panose="02020603050405020304" pitchFamily="18" charset="0"/>
+                <a:cs typeface="Times New Roman" panose="02020603050405020304" pitchFamily="18" charset="0"/>
+              </a:rPr>
+              <a:t>and</a:t>
+            </a:r>
+            <a:r>
+              <a:rPr lang="zh-CN" altLang="en-US">
+                <a:latin typeface="Times New Roman" panose="02020603050405020304" pitchFamily="18" charset="0"/>
+                <a:cs typeface="Times New Roman" panose="02020603050405020304" pitchFamily="18" charset="0"/>
+              </a:rPr>
+              <a:t> </a:t>
+            </a:r>
+            <a:r>
+              <a:rPr lang="en-US" altLang="zh-CN">
+                <a:latin typeface="Times New Roman" panose="02020603050405020304" pitchFamily="18" charset="0"/>
+                <a:cs typeface="Times New Roman" panose="02020603050405020304" pitchFamily="18" charset="0"/>
+              </a:rPr>
+              <a:t>Conv7</a:t>
+            </a:r>
+            <a:r>
+              <a:rPr lang="zh-CN" altLang="en-US">
+                <a:latin typeface="Times New Roman" panose="02020603050405020304" pitchFamily="18" charset="0"/>
+                <a:cs typeface="Times New Roman" panose="02020603050405020304" pitchFamily="18" charset="0"/>
+              </a:rPr>
+              <a:t> </a:t>
+            </a:r>
+            <a:r>
+              <a:rPr lang="en-US" altLang="zh-CN">
+                <a:latin typeface="Times New Roman" panose="02020603050405020304" pitchFamily="18" charset="0"/>
+                <a:cs typeface="Times New Roman" panose="02020603050405020304" pitchFamily="18" charset="0"/>
+              </a:rPr>
+              <a:t>replace</a:t>
+            </a:r>
+            <a:r>
+              <a:rPr lang="zh-CN" altLang="en-US">
+                <a:latin typeface="Times New Roman" panose="02020603050405020304" pitchFamily="18" charset="0"/>
+                <a:cs typeface="Times New Roman" panose="02020603050405020304" pitchFamily="18" charset="0"/>
+              </a:rPr>
+              <a:t> </a:t>
+            </a:r>
+            <a:r>
+              <a:rPr lang="en-US" altLang="zh-CN">
+                <a:latin typeface="Times New Roman" panose="02020603050405020304" pitchFamily="18" charset="0"/>
+                <a:cs typeface="Times New Roman" panose="02020603050405020304" pitchFamily="18" charset="0"/>
+              </a:rPr>
+              <a:t>original</a:t>
+            </a:r>
+            <a:r>
+              <a:rPr lang="zh-CN" altLang="en-US">
+                <a:latin typeface="Times New Roman" panose="02020603050405020304" pitchFamily="18" charset="0"/>
+                <a:cs typeface="Times New Roman" panose="02020603050405020304" pitchFamily="18" charset="0"/>
+              </a:rPr>
+              <a:t> </a:t>
+            </a:r>
+            <a:r>
+              <a:rPr lang="en-US" altLang="zh-CN">
+                <a:latin typeface="Times New Roman" panose="02020603050405020304" pitchFamily="18" charset="0"/>
+                <a:cs typeface="Times New Roman" panose="02020603050405020304" pitchFamily="18" charset="0"/>
+              </a:rPr>
+              <a:t>fc6</a:t>
+            </a:r>
+            <a:r>
+              <a:rPr lang="zh-CN" altLang="en-US">
+                <a:latin typeface="Times New Roman" panose="02020603050405020304" pitchFamily="18" charset="0"/>
+                <a:cs typeface="Times New Roman" panose="02020603050405020304" pitchFamily="18" charset="0"/>
+              </a:rPr>
+              <a:t> </a:t>
+            </a:r>
+            <a:r>
+              <a:rPr lang="en-US" altLang="zh-CN">
+                <a:latin typeface="Times New Roman" panose="02020603050405020304" pitchFamily="18" charset="0"/>
+                <a:cs typeface="Times New Roman" panose="02020603050405020304" pitchFamily="18" charset="0"/>
+              </a:rPr>
+              <a:t>and</a:t>
+            </a:r>
+            <a:r>
+              <a:rPr lang="zh-CN" altLang="en-US">
+                <a:latin typeface="Times New Roman" panose="02020603050405020304" pitchFamily="18" charset="0"/>
+                <a:cs typeface="Times New Roman" panose="02020603050405020304" pitchFamily="18" charset="0"/>
+              </a:rPr>
+              <a:t> </a:t>
+            </a:r>
+            <a:r>
+              <a:rPr lang="en-US" altLang="zh-CN">
+                <a:latin typeface="Times New Roman" panose="02020603050405020304" pitchFamily="18" charset="0"/>
+                <a:cs typeface="Times New Roman" panose="02020603050405020304" pitchFamily="18" charset="0"/>
+              </a:rPr>
+              <a:t>fc7</a:t>
+            </a:r>
+            <a:endParaRPr lang="en-US">
+              <a:latin typeface="Times New Roman" panose="02020603050405020304" pitchFamily="18" charset="0"/>
+              <a:cs typeface="Times New Roman" panose="02020603050405020304" pitchFamily="18" charset="0"/>
+            </a:endParaRPr>
+          </a:p>
+        </p:txBody>
+      </p:sp>
+      <mc:AlternateContent xmlns:mc="http://schemas.openxmlformats.org/markup-compatibility/2006">
+        <mc:Choice xmlns:a14="http://schemas.microsoft.com/office/drawing/2010/main" Requires="a14">
+          <p:sp>
+            <p:nvSpPr>
+              <p:cNvPr id="17" name="TextBox 16">
+                <a:extLst>
+                  <a:ext uri="{FF2B5EF4-FFF2-40B4-BE49-F238E27FC236}">
+                    <a16:creationId xmlns:a16="http://schemas.microsoft.com/office/drawing/2014/main" id="{7AC16123-8476-DE4A-A757-587D2045E3AE}"/>
+                  </a:ext>
+                </a:extLst>
+              </p:cNvPr>
+              <p:cNvSpPr txBox="1"/>
+              <p:nvPr/>
+            </p:nvSpPr>
+            <p:spPr>
+              <a:xfrm rot="16200000">
+                <a:off x="2749016" y="2267669"/>
+                <a:ext cx="3298911" cy="369332"/>
+              </a:xfrm>
+              <a:prstGeom prst="rect">
+                <a:avLst/>
+              </a:prstGeom>
+              <a:noFill/>
+            </p:spPr>
+            <p:txBody>
+              <a:bodyPr wrap="square" rtlCol="0">
+                <a:spAutoFit/>
+              </a:bodyPr>
+              <a:lstStyle/>
+              <a:p>
+                <a:pPr algn="ctr"/>
+                <a:r>
+                  <a:rPr lang="en-US" altLang="zh-CN">
+                    <a:latin typeface="Times New Roman" panose="02020603050405020304" pitchFamily="18" charset="0"/>
+                    <a:cs typeface="Times New Roman" panose="02020603050405020304" pitchFamily="18" charset="0"/>
+                  </a:rPr>
+                  <a:t>Input</a:t>
+                </a:r>
+                <a:r>
+                  <a:rPr lang="zh-CN" altLang="en-US">
+                    <a:latin typeface="Times New Roman" panose="02020603050405020304" pitchFamily="18" charset="0"/>
+                    <a:cs typeface="Times New Roman" panose="02020603050405020304" pitchFamily="18" charset="0"/>
+                  </a:rPr>
+                  <a:t> </a:t>
+                </a:r>
+                <a:r>
+                  <a:rPr lang="en-US" altLang="zh-CN">
+                    <a:latin typeface="Times New Roman" panose="02020603050405020304" pitchFamily="18" charset="0"/>
+                    <a:cs typeface="Times New Roman" panose="02020603050405020304" pitchFamily="18" charset="0"/>
+                  </a:rPr>
+                  <a:t>image</a:t>
+                </a:r>
+                <a:r>
+                  <a:rPr lang="zh-CN" altLang="en-US">
+                    <a:latin typeface="Times New Roman" panose="02020603050405020304" pitchFamily="18" charset="0"/>
+                    <a:cs typeface="Times New Roman" panose="02020603050405020304" pitchFamily="18" charset="0"/>
+                  </a:rPr>
+                  <a:t> </a:t>
+                </a:r>
+                <a14:m>
+                  <m:oMath xmlns:m="http://schemas.openxmlformats.org/officeDocument/2006/math">
+                    <m:r>
+                      <a:rPr lang="en-US" altLang="zh-CN" i="1">
+                        <a:latin typeface="Cambria Math" panose="02040503050406030204" pitchFamily="18" charset="0"/>
+                      </a:rPr>
+                      <m:t>300</m:t>
+                    </m:r>
+                    <m:r>
+                      <a:rPr lang="en-US" altLang="zh-CN" b="0" i="1">
+                        <a:latin typeface="Cambria Math" panose="02040503050406030204" pitchFamily="18" charset="0"/>
+                      </a:rPr>
+                      <m:t>×</m:t>
+                    </m:r>
+                    <m:r>
+                      <a:rPr lang="en-US" altLang="zh-CN" i="1">
+                        <a:latin typeface="Cambria Math" panose="02040503050406030204" pitchFamily="18" charset="0"/>
+                      </a:rPr>
+                      <m:t>300</m:t>
+                    </m:r>
+                  </m:oMath>
+                </a14:m>
+                <a:endParaRPr lang="en-US">
+                  <a:latin typeface="Times New Roman" panose="02020603050405020304" pitchFamily="18" charset="0"/>
+                  <a:cs typeface="Times New Roman" panose="02020603050405020304" pitchFamily="18" charset="0"/>
+                </a:endParaRPr>
+              </a:p>
+            </p:txBody>
+          </p:sp>
+        </mc:Choice>
+        <mc:Fallback>
+          <p:sp>
+            <p:nvSpPr>
+              <p:cNvPr id="17" name="TextBox 16">
+                <a:extLst>
+                  <a:ext uri="{FF2B5EF4-FFF2-40B4-BE49-F238E27FC236}">
+                    <a16:creationId xmlns:a16="http://schemas.microsoft.com/office/drawing/2014/main" id="{7AC16123-8476-DE4A-A757-587D2045E3AE}"/>
+                  </a:ext>
+                </a:extLst>
+              </p:cNvPr>
+              <p:cNvSpPr txBox="1">
+                <a:spLocks noRot="1" noChangeAspect="1" noMove="1" noResize="1" noEditPoints="1" noAdjustHandles="1" noChangeArrowheads="1" noChangeShapeType="1" noTextEdit="1"/>
+              </p:cNvSpPr>
+              <p:nvPr/>
+            </p:nvSpPr>
+            <p:spPr>
+              <a:xfrm rot="16200000">
+                <a:off x="2749016" y="2267669"/>
+                <a:ext cx="3298911" cy="369332"/>
+              </a:xfrm>
+              <a:prstGeom prst="rect">
+                <a:avLst/>
+              </a:prstGeom>
+              <a:blipFill>
+                <a:blip r:embed="rId3"/>
+                <a:stretch>
+                  <a:fillRect l="-6667" r="-20000"/>
+                </a:stretch>
+              </a:blipFill>
+            </p:spPr>
+            <p:txBody>
+              <a:bodyPr/>
+              <a:lstStyle/>
+              <a:p>
+                <a:r>
+                  <a:rPr lang="en-US">
+                    <a:noFill/>
+                  </a:rPr>
+                  <a:t> </a:t>
+                </a:r>
+              </a:p>
+            </p:txBody>
+          </p:sp>
+        </mc:Fallback>
+      </mc:AlternateContent>
+      <p:sp>
+        <p:nvSpPr>
+          <p:cNvPr id="18" name="TextBox 17">
+            <a:extLst>
+              <a:ext uri="{FF2B5EF4-FFF2-40B4-BE49-F238E27FC236}">
+                <a16:creationId xmlns:a16="http://schemas.microsoft.com/office/drawing/2014/main" id="{04A2DD29-D239-B047-A4FC-2B7D62F20728}"/>
+              </a:ext>
+            </a:extLst>
+          </p:cNvPr>
+          <p:cNvSpPr txBox="1"/>
+          <p:nvPr/>
+        </p:nvSpPr>
+        <p:spPr>
+          <a:xfrm rot="16200000">
+            <a:off x="3801844" y="2262239"/>
+            <a:ext cx="3360633" cy="369332"/>
+          </a:xfrm>
+          <a:prstGeom prst="rect">
+            <a:avLst/>
+          </a:prstGeom>
+          <a:noFill/>
+        </p:spPr>
+        <p:txBody>
+          <a:bodyPr wrap="square" rtlCol="0">
+            <a:spAutoFit/>
+          </a:bodyPr>
+          <a:lstStyle/>
+          <a:p>
+            <a:pPr algn="ctr"/>
+            <a:r>
+              <a:rPr lang="en-US" altLang="zh-CN">
+                <a:latin typeface="Times New Roman" panose="02020603050405020304" pitchFamily="18" charset="0"/>
+                <a:cs typeface="Times New Roman" panose="02020603050405020304" pitchFamily="18" charset="0"/>
+              </a:rPr>
+              <a:t>Conv1_1</a:t>
+            </a:r>
+            <a:endParaRPr lang="en-US">
+              <a:latin typeface="Times New Roman" panose="02020603050405020304" pitchFamily="18" charset="0"/>
+              <a:cs typeface="Times New Roman" panose="02020603050405020304" pitchFamily="18" charset="0"/>
+            </a:endParaRPr>
+          </a:p>
+        </p:txBody>
+      </p:sp>
+      <p:sp>
+        <p:nvSpPr>
+          <p:cNvPr id="19" name="TextBox 18">
+            <a:extLst>
+              <a:ext uri="{FF2B5EF4-FFF2-40B4-BE49-F238E27FC236}">
+                <a16:creationId xmlns:a16="http://schemas.microsoft.com/office/drawing/2014/main" id="{539AF362-2F92-B54D-A89D-F62F7FFF37A7}"/>
+              </a:ext>
+            </a:extLst>
+          </p:cNvPr>
+          <p:cNvSpPr txBox="1"/>
+          <p:nvPr/>
+        </p:nvSpPr>
+        <p:spPr>
+          <a:xfrm rot="16200000">
+            <a:off x="5872210" y="2269436"/>
+            <a:ext cx="3278967" cy="369332"/>
+          </a:xfrm>
+          <a:prstGeom prst="rect">
+            <a:avLst/>
+          </a:prstGeom>
+          <a:noFill/>
+        </p:spPr>
+        <p:txBody>
+          <a:bodyPr wrap="square" rtlCol="0">
+            <a:spAutoFit/>
+          </a:bodyPr>
+          <a:lstStyle/>
+          <a:p>
+            <a:pPr algn="ctr"/>
+            <a:r>
+              <a:rPr lang="en-US" altLang="zh-CN">
+                <a:latin typeface="Times New Roman" panose="02020603050405020304" pitchFamily="18" charset="0"/>
+                <a:cs typeface="Times New Roman" panose="02020603050405020304" pitchFamily="18" charset="0"/>
+              </a:rPr>
+              <a:t>Conv5_3</a:t>
+            </a:r>
+            <a:endParaRPr lang="en-US">
+              <a:latin typeface="Times New Roman" panose="02020603050405020304" pitchFamily="18" charset="0"/>
+              <a:cs typeface="Times New Roman" panose="02020603050405020304" pitchFamily="18" charset="0"/>
+            </a:endParaRPr>
+          </a:p>
+        </p:txBody>
+      </p:sp>
+      <p:sp>
+        <p:nvSpPr>
+          <p:cNvPr id="20" name="TextBox 19">
+            <a:extLst>
+              <a:ext uri="{FF2B5EF4-FFF2-40B4-BE49-F238E27FC236}">
+                <a16:creationId xmlns:a16="http://schemas.microsoft.com/office/drawing/2014/main" id="{A2B9D19B-F0EE-6B47-945C-0626F71644C8}"/>
+              </a:ext>
+            </a:extLst>
+          </p:cNvPr>
+          <p:cNvSpPr txBox="1"/>
+          <p:nvPr/>
+        </p:nvSpPr>
+        <p:spPr>
+          <a:xfrm rot="16200000">
+            <a:off x="7257001" y="2882362"/>
+            <a:ext cx="2089147" cy="369332"/>
+          </a:xfrm>
+          <a:prstGeom prst="rect">
+            <a:avLst/>
+          </a:prstGeom>
+          <a:noFill/>
+        </p:spPr>
+        <p:txBody>
+          <a:bodyPr wrap="square" rtlCol="0">
+            <a:spAutoFit/>
+          </a:bodyPr>
+          <a:lstStyle/>
+          <a:p>
+            <a:pPr algn="ctr"/>
+            <a:r>
+              <a:rPr lang="en-US" altLang="zh-CN">
+                <a:latin typeface="Times New Roman" panose="02020603050405020304" pitchFamily="18" charset="0"/>
+                <a:cs typeface="Times New Roman" panose="02020603050405020304" pitchFamily="18" charset="0"/>
+              </a:rPr>
+              <a:t>Conv6</a:t>
+            </a:r>
+            <a:endParaRPr lang="en-US">
+              <a:latin typeface="Times New Roman" panose="02020603050405020304" pitchFamily="18" charset="0"/>
+              <a:cs typeface="Times New Roman" panose="02020603050405020304" pitchFamily="18" charset="0"/>
+            </a:endParaRPr>
+          </a:p>
+        </p:txBody>
+      </p:sp>
+      <p:sp>
+        <p:nvSpPr>
+          <p:cNvPr id="21" name="TextBox 20">
+            <a:extLst>
+              <a:ext uri="{FF2B5EF4-FFF2-40B4-BE49-F238E27FC236}">
+                <a16:creationId xmlns:a16="http://schemas.microsoft.com/office/drawing/2014/main" id="{969A738F-8A35-EC42-B7E2-89C523CDE8B5}"/>
+              </a:ext>
+            </a:extLst>
+          </p:cNvPr>
+          <p:cNvSpPr txBox="1"/>
+          <p:nvPr/>
+        </p:nvSpPr>
+        <p:spPr>
+          <a:xfrm rot="16200000">
+            <a:off x="7939971" y="2880985"/>
+            <a:ext cx="2104647" cy="369332"/>
+          </a:xfrm>
+          <a:prstGeom prst="rect">
+            <a:avLst/>
+          </a:prstGeom>
+          <a:noFill/>
+        </p:spPr>
+        <p:txBody>
+          <a:bodyPr wrap="square" rtlCol="0">
+            <a:spAutoFit/>
+          </a:bodyPr>
+          <a:lstStyle/>
+          <a:p>
+            <a:pPr algn="ctr"/>
+            <a:r>
+              <a:rPr lang="en-US" altLang="zh-CN">
+                <a:latin typeface="Times New Roman" panose="02020603050405020304" pitchFamily="18" charset="0"/>
+                <a:cs typeface="Times New Roman" panose="02020603050405020304" pitchFamily="18" charset="0"/>
+              </a:rPr>
+              <a:t>Conv7</a:t>
+            </a:r>
+            <a:endParaRPr lang="en-US">
+              <a:latin typeface="Times New Roman" panose="02020603050405020304" pitchFamily="18" charset="0"/>
+              <a:cs typeface="Times New Roman" panose="02020603050405020304" pitchFamily="18" charset="0"/>
+            </a:endParaRPr>
+          </a:p>
+        </p:txBody>
+      </p:sp>
+      <p:sp>
+        <p:nvSpPr>
+          <p:cNvPr id="23" name="TextBox 22">
+            <a:extLst>
+              <a:ext uri="{FF2B5EF4-FFF2-40B4-BE49-F238E27FC236}">
+                <a16:creationId xmlns:a16="http://schemas.microsoft.com/office/drawing/2014/main" id="{61837272-12E8-FC41-9616-85ED22CB3658}"/>
+              </a:ext>
+            </a:extLst>
+          </p:cNvPr>
+          <p:cNvSpPr txBox="1"/>
+          <p:nvPr/>
+        </p:nvSpPr>
+        <p:spPr>
+          <a:xfrm rot="16200000">
+            <a:off x="9222017" y="3216100"/>
+            <a:ext cx="1285893" cy="475200"/>
+          </a:xfrm>
+          <a:prstGeom prst="rect">
+            <a:avLst/>
+          </a:prstGeom>
+          <a:solidFill>
+            <a:srgbClr val="00FB92"/>
+          </a:solidFill>
+        </p:spPr>
+        <p:txBody>
+          <a:bodyPr wrap="square" rtlCol="0">
+            <a:spAutoFit/>
+          </a:bodyPr>
+          <a:lstStyle/>
+          <a:p>
+            <a:pPr algn="ctr"/>
+            <a:r>
+              <a:rPr lang="en-US" altLang="zh-CN">
+                <a:latin typeface="Times New Roman" panose="02020603050405020304" pitchFamily="18" charset="0"/>
+                <a:cs typeface="Times New Roman" panose="02020603050405020304" pitchFamily="18" charset="0"/>
+              </a:rPr>
+              <a:t>Conv8</a:t>
+            </a:r>
+            <a:endParaRPr lang="en-US">
+              <a:latin typeface="Times New Roman" panose="02020603050405020304" pitchFamily="18" charset="0"/>
+              <a:cs typeface="Times New Roman" panose="02020603050405020304" pitchFamily="18" charset="0"/>
+            </a:endParaRPr>
+          </a:p>
+        </p:txBody>
+      </p:sp>
+      <p:sp>
+        <p:nvSpPr>
+          <p:cNvPr id="28" name="TextBox 27">
+            <a:extLst>
+              <a:ext uri="{FF2B5EF4-FFF2-40B4-BE49-F238E27FC236}">
+                <a16:creationId xmlns:a16="http://schemas.microsoft.com/office/drawing/2014/main" id="{6222B8E7-4D2F-1849-82CB-AE4C1BF4E744}"/>
+              </a:ext>
+            </a:extLst>
+          </p:cNvPr>
+          <p:cNvSpPr txBox="1"/>
+          <p:nvPr/>
+        </p:nvSpPr>
+        <p:spPr>
+          <a:xfrm rot="16200000">
+            <a:off x="10894162" y="3627163"/>
+            <a:ext cx="456822" cy="500400"/>
+          </a:xfrm>
+          <a:prstGeom prst="rect">
+            <a:avLst/>
+          </a:prstGeom>
+          <a:solidFill>
+            <a:srgbClr val="00FB92"/>
+          </a:solidFill>
+        </p:spPr>
+        <p:txBody>
+          <a:bodyPr wrap="square" rtlCol="0">
+            <a:spAutoFit/>
+          </a:bodyPr>
+          <a:lstStyle/>
+          <a:p>
+            <a:pPr algn="ctr"/>
+            <a:endParaRPr lang="en-US" sz="600">
+              <a:latin typeface="Times New Roman" panose="02020603050405020304" pitchFamily="18" charset="0"/>
+              <a:cs typeface="Times New Roman" panose="02020603050405020304" pitchFamily="18" charset="0"/>
+            </a:endParaRPr>
+          </a:p>
+        </p:txBody>
+      </p:sp>
+      <p:sp>
+        <p:nvSpPr>
+          <p:cNvPr id="29" name="Rectangle 28">
+            <a:extLst>
+              <a:ext uri="{FF2B5EF4-FFF2-40B4-BE49-F238E27FC236}">
+                <a16:creationId xmlns:a16="http://schemas.microsoft.com/office/drawing/2014/main" id="{7D0097CD-EFB4-7B43-9EDA-4316D3C04627}"/>
+              </a:ext>
+            </a:extLst>
+          </p:cNvPr>
+          <p:cNvSpPr/>
+          <p:nvPr/>
+        </p:nvSpPr>
+        <p:spPr>
+          <a:xfrm>
+            <a:off x="11616295" y="3889488"/>
+            <a:ext cx="511200" cy="223200"/>
+          </a:xfrm>
+          <a:prstGeom prst="rect">
+            <a:avLst/>
+          </a:prstGeom>
+          <a:solidFill>
+            <a:srgbClr val="00FB92"/>
+          </a:solidFill>
+          <a:ln>
+            <a:noFill/>
+          </a:ln>
+        </p:spPr>
+        <p:style>
+          <a:lnRef idx="2">
+            <a:schemeClr val="accent1">
+              <a:shade val="50000"/>
+            </a:schemeClr>
+          </a:lnRef>
+          <a:fillRef idx="1">
+            <a:schemeClr val="accent1"/>
+          </a:fillRef>
+          <a:effectRef idx="0">
+            <a:schemeClr val="accent1"/>
+          </a:effectRef>
+          <a:fontRef idx="minor">
+            <a:schemeClr val="lt1"/>
+          </a:fontRef>
+        </p:style>
+        <p:txBody>
+          <a:bodyPr rtlCol="0" anchor="ctr"/>
+          <a:lstStyle/>
+          <a:p>
+            <a:pPr algn="ctr"/>
+            <a:endParaRPr lang="en-US"/>
+          </a:p>
+        </p:txBody>
+      </p:sp>
+      <p:sp>
+        <p:nvSpPr>
+          <p:cNvPr id="31" name="Rectangle 30">
+            <a:extLst>
+              <a:ext uri="{FF2B5EF4-FFF2-40B4-BE49-F238E27FC236}">
+                <a16:creationId xmlns:a16="http://schemas.microsoft.com/office/drawing/2014/main" id="{78A321BD-CD4B-E045-99DB-08C0DC168474}"/>
+              </a:ext>
+            </a:extLst>
+          </p:cNvPr>
+          <p:cNvSpPr/>
+          <p:nvPr/>
+        </p:nvSpPr>
+        <p:spPr>
+          <a:xfrm>
+            <a:off x="13189995" y="819469"/>
+            <a:ext cx="411618" cy="3294668"/>
+          </a:xfrm>
+          <a:prstGeom prst="rect">
+            <a:avLst/>
+          </a:prstGeom>
+          <a:solidFill>
+            <a:srgbClr val="FFC000"/>
+          </a:solidFill>
+          <a:ln>
+            <a:noFill/>
+          </a:ln>
+        </p:spPr>
+        <p:style>
+          <a:lnRef idx="2">
+            <a:schemeClr val="accent1">
+              <a:shade val="50000"/>
+            </a:schemeClr>
+          </a:lnRef>
+          <a:fillRef idx="1">
+            <a:schemeClr val="accent1"/>
+          </a:fillRef>
+          <a:effectRef idx="0">
+            <a:schemeClr val="accent1"/>
+          </a:effectRef>
+          <a:fontRef idx="minor">
+            <a:schemeClr val="lt1"/>
+          </a:fontRef>
+        </p:style>
+        <p:txBody>
+          <a:bodyPr rtlCol="0" anchor="ctr"/>
+          <a:lstStyle/>
+          <a:p>
+            <a:pPr algn="ctr"/>
+            <a:endParaRPr lang="en-US"/>
+          </a:p>
+        </p:txBody>
+      </p:sp>
+      <p:sp>
+        <p:nvSpPr>
+          <p:cNvPr id="33" name="TextBox 32">
+            <a:extLst>
+              <a:ext uri="{FF2B5EF4-FFF2-40B4-BE49-F238E27FC236}">
+                <a16:creationId xmlns:a16="http://schemas.microsoft.com/office/drawing/2014/main" id="{35583D70-CD37-D942-B6A3-5C704206E676}"/>
+              </a:ext>
+            </a:extLst>
+          </p:cNvPr>
+          <p:cNvSpPr txBox="1"/>
+          <p:nvPr/>
+        </p:nvSpPr>
+        <p:spPr>
+          <a:xfrm>
+            <a:off x="11516661" y="3880483"/>
+            <a:ext cx="680816" cy="246221"/>
+          </a:xfrm>
+          <a:prstGeom prst="rect">
+            <a:avLst/>
+          </a:prstGeom>
+          <a:noFill/>
+        </p:spPr>
+        <p:txBody>
+          <a:bodyPr wrap="square" rtlCol="0">
+            <a:spAutoFit/>
+          </a:bodyPr>
+          <a:lstStyle/>
+          <a:p>
+            <a:pPr algn="ctr"/>
+            <a:r>
+              <a:rPr lang="en-US" altLang="zh-CN" sz="1000">
+                <a:latin typeface="Times New Roman" panose="02020603050405020304" pitchFamily="18" charset="0"/>
+                <a:cs typeface="Times New Roman" panose="02020603050405020304" pitchFamily="18" charset="0"/>
+              </a:rPr>
+              <a:t>Conv11</a:t>
+            </a:r>
+            <a:endParaRPr lang="en-US" sz="1000">
+              <a:latin typeface="Times New Roman" panose="02020603050405020304" pitchFamily="18" charset="0"/>
+              <a:cs typeface="Times New Roman" panose="02020603050405020304" pitchFamily="18" charset="0"/>
+            </a:endParaRPr>
+          </a:p>
+        </p:txBody>
+      </p:sp>
+      <p:sp>
+        <p:nvSpPr>
+          <p:cNvPr id="34" name="TextBox 33">
+            <a:extLst>
+              <a:ext uri="{FF2B5EF4-FFF2-40B4-BE49-F238E27FC236}">
+                <a16:creationId xmlns:a16="http://schemas.microsoft.com/office/drawing/2014/main" id="{F6CC9994-5AC2-DB4B-AE7C-2B100DC24EE2}"/>
+              </a:ext>
+            </a:extLst>
+          </p:cNvPr>
+          <p:cNvSpPr txBox="1"/>
+          <p:nvPr/>
+        </p:nvSpPr>
+        <p:spPr>
+          <a:xfrm>
+            <a:off x="10791795" y="3743406"/>
+            <a:ext cx="680816" cy="246221"/>
+          </a:xfrm>
+          <a:prstGeom prst="rect">
+            <a:avLst/>
+          </a:prstGeom>
+          <a:noFill/>
+        </p:spPr>
+        <p:txBody>
+          <a:bodyPr wrap="square" rtlCol="0">
+            <a:spAutoFit/>
+          </a:bodyPr>
+          <a:lstStyle/>
+          <a:p>
+            <a:pPr algn="ctr"/>
+            <a:r>
+              <a:rPr lang="en-US" altLang="zh-CN" sz="1000">
+                <a:latin typeface="Times New Roman" panose="02020603050405020304" pitchFamily="18" charset="0"/>
+                <a:cs typeface="Times New Roman" panose="02020603050405020304" pitchFamily="18" charset="0"/>
+              </a:rPr>
+              <a:t>Conv10</a:t>
+            </a:r>
+            <a:endParaRPr lang="en-US" sz="1000">
+              <a:latin typeface="Times New Roman" panose="02020603050405020304" pitchFamily="18" charset="0"/>
+              <a:cs typeface="Times New Roman" panose="02020603050405020304" pitchFamily="18" charset="0"/>
+            </a:endParaRPr>
+          </a:p>
+        </p:txBody>
+      </p:sp>
+      <p:cxnSp>
+        <p:nvCxnSpPr>
+          <p:cNvPr id="36" name="Straight Arrow Connector 35">
+            <a:extLst>
+              <a:ext uri="{FF2B5EF4-FFF2-40B4-BE49-F238E27FC236}">
+                <a16:creationId xmlns:a16="http://schemas.microsoft.com/office/drawing/2014/main" id="{A6DF9D5E-D30E-F546-A411-0B0901BD511F}"/>
+              </a:ext>
+            </a:extLst>
+          </p:cNvPr>
+          <p:cNvCxnSpPr>
+            <a:cxnSpLocks/>
+          </p:cNvCxnSpPr>
+          <p:nvPr/>
+        </p:nvCxnSpPr>
+        <p:spPr>
+          <a:xfrm>
+            <a:off x="7689850" y="990600"/>
+            <a:ext cx="5493645" cy="0"/>
+          </a:xfrm>
+          <a:prstGeom prst="straightConnector1">
+            <a:avLst/>
+          </a:prstGeom>
+          <a:ln w="38100">
+            <a:solidFill>
+              <a:srgbClr val="00B0F0"/>
+            </a:solidFill>
+            <a:tailEnd type="triangle"/>
+          </a:ln>
+        </p:spPr>
+        <p:style>
+          <a:lnRef idx="1">
+            <a:schemeClr val="accent1"/>
+          </a:lnRef>
+          <a:fillRef idx="0">
+            <a:schemeClr val="accent1"/>
+          </a:fillRef>
+          <a:effectRef idx="0">
+            <a:schemeClr val="accent1"/>
+          </a:effectRef>
+          <a:fontRef idx="minor">
+            <a:schemeClr val="tx1"/>
+          </a:fontRef>
+        </p:style>
+      </p:cxnSp>
+      <p:cxnSp>
+        <p:nvCxnSpPr>
+          <p:cNvPr id="38" name="Straight Arrow Connector 37">
+            <a:extLst>
+              <a:ext uri="{FF2B5EF4-FFF2-40B4-BE49-F238E27FC236}">
+                <a16:creationId xmlns:a16="http://schemas.microsoft.com/office/drawing/2014/main" id="{FE408DFC-D1A0-4840-8E80-928BDA2A92BE}"/>
+              </a:ext>
+            </a:extLst>
+          </p:cNvPr>
+          <p:cNvCxnSpPr>
+            <a:cxnSpLocks/>
+          </p:cNvCxnSpPr>
+          <p:nvPr/>
+        </p:nvCxnSpPr>
+        <p:spPr>
+          <a:xfrm>
+            <a:off x="9062145" y="2292151"/>
+            <a:ext cx="4127850" cy="0"/>
+          </a:xfrm>
+          <a:prstGeom prst="straightConnector1">
+            <a:avLst/>
+          </a:prstGeom>
+          <a:ln w="38100">
+            <a:solidFill>
+              <a:srgbClr val="92D050"/>
+            </a:solidFill>
+            <a:tailEnd type="triangle"/>
+          </a:ln>
+        </p:spPr>
+        <p:style>
+          <a:lnRef idx="1">
+            <a:schemeClr val="accent1"/>
+          </a:lnRef>
+          <a:fillRef idx="0">
+            <a:schemeClr val="accent1"/>
+          </a:fillRef>
+          <a:effectRef idx="0">
+            <a:schemeClr val="accent1"/>
+          </a:effectRef>
+          <a:fontRef idx="minor">
+            <a:schemeClr val="tx1"/>
+          </a:fontRef>
+        </p:style>
+      </p:cxnSp>
+      <p:cxnSp>
+        <p:nvCxnSpPr>
+          <p:cNvPr id="40" name="Straight Arrow Connector 39">
+            <a:extLst>
+              <a:ext uri="{FF2B5EF4-FFF2-40B4-BE49-F238E27FC236}">
+                <a16:creationId xmlns:a16="http://schemas.microsoft.com/office/drawing/2014/main" id="{E6FD8D01-6CB3-9B45-9F06-78DB32A1F13E}"/>
+              </a:ext>
+            </a:extLst>
+          </p:cNvPr>
+          <p:cNvCxnSpPr>
+            <a:cxnSpLocks/>
+          </p:cNvCxnSpPr>
+          <p:nvPr/>
+        </p:nvCxnSpPr>
+        <p:spPr>
+          <a:xfrm>
+            <a:off x="10102564" y="2982902"/>
+            <a:ext cx="3087431" cy="0"/>
+          </a:xfrm>
+          <a:prstGeom prst="straightConnector1">
+            <a:avLst/>
+          </a:prstGeom>
+          <a:ln w="38100">
+            <a:solidFill>
+              <a:srgbClr val="00FB92"/>
+            </a:solidFill>
+            <a:tailEnd type="triangle"/>
+          </a:ln>
+        </p:spPr>
+        <p:style>
+          <a:lnRef idx="1">
+            <a:schemeClr val="accent1"/>
+          </a:lnRef>
+          <a:fillRef idx="0">
+            <a:schemeClr val="accent1"/>
+          </a:fillRef>
+          <a:effectRef idx="0">
+            <a:schemeClr val="accent1"/>
+          </a:effectRef>
+          <a:fontRef idx="minor">
+            <a:schemeClr val="tx1"/>
+          </a:fontRef>
+        </p:style>
+      </p:cxnSp>
+      <p:cxnSp>
+        <p:nvCxnSpPr>
+          <p:cNvPr id="42" name="Straight Arrow Connector 41">
+            <a:extLst>
+              <a:ext uri="{FF2B5EF4-FFF2-40B4-BE49-F238E27FC236}">
+                <a16:creationId xmlns:a16="http://schemas.microsoft.com/office/drawing/2014/main" id="{F10997F7-DE64-5D42-B53C-73D554104360}"/>
+              </a:ext>
+            </a:extLst>
+          </p:cNvPr>
+          <p:cNvCxnSpPr>
+            <a:cxnSpLocks/>
+          </p:cNvCxnSpPr>
+          <p:nvPr/>
+        </p:nvCxnSpPr>
+        <p:spPr>
+          <a:xfrm flipV="1">
+            <a:off x="10728485" y="3429000"/>
+            <a:ext cx="2461510" cy="24700"/>
+          </a:xfrm>
+          <a:prstGeom prst="straightConnector1">
+            <a:avLst/>
+          </a:prstGeom>
+          <a:ln w="38100">
+            <a:solidFill>
+              <a:srgbClr val="00FB92"/>
+            </a:solidFill>
+            <a:tailEnd type="triangle"/>
+          </a:ln>
+        </p:spPr>
+        <p:style>
+          <a:lnRef idx="1">
+            <a:schemeClr val="accent1"/>
+          </a:lnRef>
+          <a:fillRef idx="0">
+            <a:schemeClr val="accent1"/>
+          </a:fillRef>
+          <a:effectRef idx="0">
+            <a:schemeClr val="accent1"/>
+          </a:effectRef>
+          <a:fontRef idx="minor">
+            <a:schemeClr val="tx1"/>
+          </a:fontRef>
+        </p:style>
+      </p:cxnSp>
+      <p:cxnSp>
+        <p:nvCxnSpPr>
+          <p:cNvPr id="44" name="Straight Arrow Connector 43">
+            <a:extLst>
+              <a:ext uri="{FF2B5EF4-FFF2-40B4-BE49-F238E27FC236}">
+                <a16:creationId xmlns:a16="http://schemas.microsoft.com/office/drawing/2014/main" id="{8D4C8246-489F-8D4E-82F0-0B53B6FD9398}"/>
+              </a:ext>
+            </a:extLst>
+          </p:cNvPr>
+          <p:cNvCxnSpPr>
+            <a:cxnSpLocks/>
+          </p:cNvCxnSpPr>
+          <p:nvPr/>
+        </p:nvCxnSpPr>
+        <p:spPr>
+          <a:xfrm>
+            <a:off x="11372773" y="3723176"/>
+            <a:ext cx="1817222" cy="0"/>
+          </a:xfrm>
+          <a:prstGeom prst="straightConnector1">
+            <a:avLst/>
+          </a:prstGeom>
+          <a:ln w="38100">
+            <a:solidFill>
+              <a:srgbClr val="00FB92"/>
+            </a:solidFill>
+            <a:tailEnd type="triangle"/>
+          </a:ln>
+        </p:spPr>
+        <p:style>
+          <a:lnRef idx="1">
+            <a:schemeClr val="accent1"/>
+          </a:lnRef>
+          <a:fillRef idx="0">
+            <a:schemeClr val="accent1"/>
+          </a:fillRef>
+          <a:effectRef idx="0">
+            <a:schemeClr val="accent1"/>
+          </a:effectRef>
+          <a:fontRef idx="minor">
+            <a:schemeClr val="tx1"/>
+          </a:fontRef>
+        </p:style>
+      </p:cxnSp>
+      <p:cxnSp>
+        <p:nvCxnSpPr>
+          <p:cNvPr id="46" name="Straight Arrow Connector 45">
+            <a:extLst>
+              <a:ext uri="{FF2B5EF4-FFF2-40B4-BE49-F238E27FC236}">
+                <a16:creationId xmlns:a16="http://schemas.microsoft.com/office/drawing/2014/main" id="{B1575C96-C1A5-0F47-B131-6EBD3023CD66}"/>
+              </a:ext>
+            </a:extLst>
+          </p:cNvPr>
+          <p:cNvCxnSpPr>
+            <a:cxnSpLocks/>
+          </p:cNvCxnSpPr>
+          <p:nvPr/>
+        </p:nvCxnSpPr>
+        <p:spPr>
+          <a:xfrm>
+            <a:off x="12111139" y="4001812"/>
+            <a:ext cx="1078856" cy="0"/>
+          </a:xfrm>
+          <a:prstGeom prst="straightConnector1">
+            <a:avLst/>
+          </a:prstGeom>
+          <a:ln w="38100">
+            <a:solidFill>
+              <a:srgbClr val="00FB92"/>
+            </a:solidFill>
+            <a:tailEnd type="triangle"/>
+          </a:ln>
+        </p:spPr>
+        <p:style>
+          <a:lnRef idx="1">
+            <a:schemeClr val="accent1"/>
+          </a:lnRef>
+          <a:fillRef idx="0">
+            <a:schemeClr val="accent1"/>
+          </a:fillRef>
+          <a:effectRef idx="0">
+            <a:schemeClr val="accent1"/>
+          </a:effectRef>
+          <a:fontRef idx="minor">
+            <a:schemeClr val="tx1"/>
+          </a:fontRef>
+        </p:style>
+      </p:cxnSp>
+      <p:sp>
+        <p:nvSpPr>
+          <p:cNvPr id="49" name="Left Brace 48">
+            <a:extLst>
+              <a:ext uri="{FF2B5EF4-FFF2-40B4-BE49-F238E27FC236}">
+                <a16:creationId xmlns:a16="http://schemas.microsoft.com/office/drawing/2014/main" id="{57B33A3E-B0B0-5E43-BD2A-A12E43BDB111}"/>
+              </a:ext>
+            </a:extLst>
+          </p:cNvPr>
+          <p:cNvSpPr/>
+          <p:nvPr/>
+        </p:nvSpPr>
+        <p:spPr>
+          <a:xfrm rot="16200000">
+            <a:off x="10733727" y="3082722"/>
+            <a:ext cx="335613" cy="2743198"/>
+          </a:xfrm>
+          <a:prstGeom prst="leftBrace">
+            <a:avLst/>
+          </a:prstGeom>
+          <a:ln w="38100">
+            <a:solidFill>
+              <a:srgbClr val="00FB92"/>
+            </a:solidFill>
+          </a:ln>
+        </p:spPr>
+        <p:style>
+          <a:lnRef idx="1">
+            <a:schemeClr val="accent1"/>
+          </a:lnRef>
+          <a:fillRef idx="0">
+            <a:schemeClr val="accent1"/>
+          </a:fillRef>
+          <a:effectRef idx="0">
+            <a:schemeClr val="accent1"/>
+          </a:effectRef>
+          <a:fontRef idx="minor">
+            <a:schemeClr val="tx1"/>
+          </a:fontRef>
+        </p:style>
+        <p:txBody>
+          <a:bodyPr rtlCol="0" anchor="ctr"/>
+          <a:lstStyle/>
+          <a:p>
+            <a:pPr algn="ctr"/>
+            <a:endParaRPr lang="en-US"/>
+          </a:p>
+        </p:txBody>
+      </p:sp>
+      <p:sp>
+        <p:nvSpPr>
+          <p:cNvPr id="51" name="Left Brace 50">
+            <a:extLst>
+              <a:ext uri="{FF2B5EF4-FFF2-40B4-BE49-F238E27FC236}">
+                <a16:creationId xmlns:a16="http://schemas.microsoft.com/office/drawing/2014/main" id="{BDCF7296-27CF-BA45-86D5-B24FC2FBAFD8}"/>
+              </a:ext>
+            </a:extLst>
+          </p:cNvPr>
+          <p:cNvSpPr/>
+          <p:nvPr/>
+        </p:nvSpPr>
+        <p:spPr>
+          <a:xfrm rot="16200000">
+            <a:off x="8416557" y="3828525"/>
+            <a:ext cx="335613" cy="1251590"/>
+          </a:xfrm>
+          <a:prstGeom prst="leftBrace">
+            <a:avLst/>
+          </a:prstGeom>
+          <a:ln w="38100">
+            <a:solidFill>
+              <a:srgbClr val="92D050"/>
+            </a:solidFill>
+          </a:ln>
+        </p:spPr>
+        <p:style>
+          <a:lnRef idx="1">
+            <a:schemeClr val="accent1"/>
+          </a:lnRef>
+          <a:fillRef idx="0">
+            <a:schemeClr val="accent1"/>
+          </a:fillRef>
+          <a:effectRef idx="0">
+            <a:schemeClr val="accent1"/>
+          </a:effectRef>
+          <a:fontRef idx="minor">
+            <a:schemeClr val="tx1"/>
+          </a:fontRef>
+        </p:style>
+        <p:txBody>
+          <a:bodyPr rtlCol="0" anchor="ctr"/>
+          <a:lstStyle/>
+          <a:p>
+            <a:pPr algn="ctr"/>
+            <a:endParaRPr lang="en-US"/>
+          </a:p>
+        </p:txBody>
+      </p:sp>
+      <p:sp>
+        <p:nvSpPr>
+          <p:cNvPr id="52" name="Left Brace 51">
+            <a:extLst>
+              <a:ext uri="{FF2B5EF4-FFF2-40B4-BE49-F238E27FC236}">
+                <a16:creationId xmlns:a16="http://schemas.microsoft.com/office/drawing/2014/main" id="{3201FDFB-5086-7849-B02B-D81898FE359F}"/>
+              </a:ext>
+            </a:extLst>
+          </p:cNvPr>
+          <p:cNvSpPr/>
+          <p:nvPr/>
+        </p:nvSpPr>
+        <p:spPr>
+          <a:xfrm rot="16200000">
+            <a:off x="6283795" y="3082720"/>
+            <a:ext cx="335613" cy="2743197"/>
+          </a:xfrm>
+          <a:prstGeom prst="leftBrace">
+            <a:avLst/>
+          </a:prstGeom>
+          <a:ln w="38100">
+            <a:solidFill>
+              <a:srgbClr val="00B0F0"/>
+            </a:solidFill>
+          </a:ln>
+        </p:spPr>
+        <p:style>
+          <a:lnRef idx="1">
+            <a:schemeClr val="accent1"/>
+          </a:lnRef>
+          <a:fillRef idx="0">
+            <a:schemeClr val="accent1"/>
+          </a:fillRef>
+          <a:effectRef idx="0">
+            <a:schemeClr val="accent1"/>
+          </a:effectRef>
+          <a:fontRef idx="minor">
+            <a:schemeClr val="tx1"/>
+          </a:fontRef>
+        </p:style>
+        <p:txBody>
+          <a:bodyPr rtlCol="0" anchor="ctr"/>
+          <a:lstStyle/>
+          <a:p>
+            <a:pPr algn="ctr"/>
+            <a:endParaRPr lang="en-US"/>
+          </a:p>
+        </p:txBody>
+      </p:sp>
+      <p:sp>
+        <p:nvSpPr>
+          <p:cNvPr id="53" name="TextBox 52">
+            <a:extLst>
+              <a:ext uri="{FF2B5EF4-FFF2-40B4-BE49-F238E27FC236}">
+                <a16:creationId xmlns:a16="http://schemas.microsoft.com/office/drawing/2014/main" id="{A680CA39-1A44-514B-882E-CEADC7EF4FE3}"/>
+              </a:ext>
+            </a:extLst>
+          </p:cNvPr>
+          <p:cNvSpPr txBox="1"/>
+          <p:nvPr/>
+        </p:nvSpPr>
+        <p:spPr>
+          <a:xfrm>
+            <a:off x="9969648" y="4666945"/>
+            <a:ext cx="1873250" cy="646331"/>
+          </a:xfrm>
+          <a:prstGeom prst="rect">
+            <a:avLst/>
+          </a:prstGeom>
+          <a:noFill/>
+        </p:spPr>
+        <p:txBody>
+          <a:bodyPr wrap="square" rtlCol="0">
+            <a:spAutoFit/>
+          </a:bodyPr>
+          <a:lstStyle/>
+          <a:p>
+            <a:pPr algn="ctr"/>
+            <a:r>
+              <a:rPr lang="en-US" altLang="zh-CN">
+                <a:latin typeface="Times New Roman" panose="02020603050405020304" pitchFamily="18" charset="0"/>
+                <a:cs typeface="Times New Roman" panose="02020603050405020304" pitchFamily="18" charset="0"/>
+              </a:rPr>
+              <a:t>Extra</a:t>
+            </a:r>
+            <a:r>
+              <a:rPr lang="zh-CN" altLang="en-US">
+                <a:latin typeface="Times New Roman" panose="02020603050405020304" pitchFamily="18" charset="0"/>
+                <a:cs typeface="Times New Roman" panose="02020603050405020304" pitchFamily="18" charset="0"/>
+              </a:rPr>
+              <a:t> </a:t>
+            </a:r>
+            <a:r>
+              <a:rPr lang="en-US" altLang="zh-CN">
+                <a:latin typeface="Times New Roman" panose="02020603050405020304" pitchFamily="18" charset="0"/>
+                <a:cs typeface="Times New Roman" panose="02020603050405020304" pitchFamily="18" charset="0"/>
+              </a:rPr>
+              <a:t>multi-scale</a:t>
+            </a:r>
+            <a:r>
+              <a:rPr lang="zh-CN" altLang="en-US">
+                <a:latin typeface="Times New Roman" panose="02020603050405020304" pitchFamily="18" charset="0"/>
+                <a:cs typeface="Times New Roman" panose="02020603050405020304" pitchFamily="18" charset="0"/>
+              </a:rPr>
+              <a:t> </a:t>
+            </a:r>
+            <a:r>
+              <a:rPr lang="en-US" altLang="zh-CN">
+                <a:latin typeface="Times New Roman" panose="02020603050405020304" pitchFamily="18" charset="0"/>
+                <a:cs typeface="Times New Roman" panose="02020603050405020304" pitchFamily="18" charset="0"/>
+              </a:rPr>
+              <a:t>conv</a:t>
+            </a:r>
+            <a:r>
+              <a:rPr lang="zh-CN" altLang="en-US">
+                <a:latin typeface="Times New Roman" panose="02020603050405020304" pitchFamily="18" charset="0"/>
+                <a:cs typeface="Times New Roman" panose="02020603050405020304" pitchFamily="18" charset="0"/>
+              </a:rPr>
+              <a:t> </a:t>
+            </a:r>
+            <a:r>
+              <a:rPr lang="en-US" altLang="zh-CN">
+                <a:latin typeface="Times New Roman" panose="02020603050405020304" pitchFamily="18" charset="0"/>
+                <a:cs typeface="Times New Roman" panose="02020603050405020304" pitchFamily="18" charset="0"/>
+              </a:rPr>
+              <a:t>features</a:t>
+            </a:r>
+            <a:r>
+              <a:rPr lang="zh-CN" altLang="en-US">
+                <a:latin typeface="Times New Roman" panose="02020603050405020304" pitchFamily="18" charset="0"/>
+                <a:cs typeface="Times New Roman" panose="02020603050405020304" pitchFamily="18" charset="0"/>
+              </a:rPr>
+              <a:t> </a:t>
+            </a:r>
+            <a:endParaRPr lang="en-US">
+              <a:latin typeface="Times New Roman" panose="02020603050405020304" pitchFamily="18" charset="0"/>
+              <a:cs typeface="Times New Roman" panose="02020603050405020304" pitchFamily="18" charset="0"/>
+            </a:endParaRPr>
+          </a:p>
+        </p:txBody>
+      </p:sp>
+      <p:sp>
+        <p:nvSpPr>
+          <p:cNvPr id="57" name="Rectangle 56">
+            <a:extLst>
+              <a:ext uri="{FF2B5EF4-FFF2-40B4-BE49-F238E27FC236}">
+                <a16:creationId xmlns:a16="http://schemas.microsoft.com/office/drawing/2014/main" id="{641C452B-48B9-2749-8941-229B599B6580}"/>
+              </a:ext>
+            </a:extLst>
+          </p:cNvPr>
+          <p:cNvSpPr/>
+          <p:nvPr/>
+        </p:nvSpPr>
+        <p:spPr>
+          <a:xfrm>
+            <a:off x="10249736" y="3328391"/>
+            <a:ext cx="492242" cy="765195"/>
+          </a:xfrm>
+          <a:prstGeom prst="rect">
+            <a:avLst/>
+          </a:prstGeom>
+          <a:solidFill>
+            <a:srgbClr val="00FB92"/>
+          </a:solidFill>
+          <a:ln>
+            <a:noFill/>
+          </a:ln>
+        </p:spPr>
+        <p:style>
+          <a:lnRef idx="2">
+            <a:schemeClr val="accent1">
+              <a:shade val="50000"/>
+            </a:schemeClr>
+          </a:lnRef>
+          <a:fillRef idx="1">
+            <a:schemeClr val="accent1"/>
+          </a:fillRef>
+          <a:effectRef idx="0">
+            <a:schemeClr val="accent1"/>
+          </a:effectRef>
+          <a:fontRef idx="minor">
+            <a:schemeClr val="lt1"/>
+          </a:fontRef>
+        </p:style>
+        <p:txBody>
+          <a:bodyPr rtlCol="0" anchor="ctr"/>
+          <a:lstStyle/>
+          <a:p>
+            <a:pPr algn="ctr"/>
+            <a:endParaRPr lang="en-US"/>
+          </a:p>
+        </p:txBody>
+      </p:sp>
+      <p:sp>
+        <p:nvSpPr>
+          <p:cNvPr id="26" name="TextBox 25">
+            <a:extLst>
+              <a:ext uri="{FF2B5EF4-FFF2-40B4-BE49-F238E27FC236}">
+                <a16:creationId xmlns:a16="http://schemas.microsoft.com/office/drawing/2014/main" id="{BAA448F5-628C-2741-9650-E2D14346D676}"/>
+              </a:ext>
+            </a:extLst>
+          </p:cNvPr>
+          <p:cNvSpPr txBox="1"/>
+          <p:nvPr/>
+        </p:nvSpPr>
+        <p:spPr>
+          <a:xfrm rot="16200000">
+            <a:off x="10110174" y="3572488"/>
+            <a:ext cx="765195" cy="276999"/>
+          </a:xfrm>
+          <a:prstGeom prst="rect">
+            <a:avLst/>
+          </a:prstGeom>
+          <a:noFill/>
+        </p:spPr>
+        <p:txBody>
+          <a:bodyPr wrap="square" rtlCol="0">
+            <a:spAutoFit/>
+          </a:bodyPr>
+          <a:lstStyle/>
+          <a:p>
+            <a:pPr algn="ctr"/>
+            <a:r>
+              <a:rPr lang="en-US" altLang="zh-CN" sz="1200">
+                <a:latin typeface="Times New Roman" panose="02020603050405020304" pitchFamily="18" charset="0"/>
+                <a:cs typeface="Times New Roman" panose="02020603050405020304" pitchFamily="18" charset="0"/>
+              </a:rPr>
+              <a:t>Conv9</a:t>
+            </a:r>
+            <a:endParaRPr lang="en-US" sz="1200">
+              <a:latin typeface="Times New Roman" panose="02020603050405020304" pitchFamily="18" charset="0"/>
+              <a:cs typeface="Times New Roman" panose="02020603050405020304" pitchFamily="18" charset="0"/>
+            </a:endParaRPr>
+          </a:p>
+        </p:txBody>
+      </p:sp>
+      <p:sp>
+        <p:nvSpPr>
+          <p:cNvPr id="58" name="Rectangle 57">
+            <a:extLst>
+              <a:ext uri="{FF2B5EF4-FFF2-40B4-BE49-F238E27FC236}">
+                <a16:creationId xmlns:a16="http://schemas.microsoft.com/office/drawing/2014/main" id="{11975A9E-942D-4049-9AF0-A5BEA012E457}"/>
+              </a:ext>
+            </a:extLst>
+          </p:cNvPr>
+          <p:cNvSpPr/>
+          <p:nvPr/>
+        </p:nvSpPr>
+        <p:spPr>
+          <a:xfrm>
+            <a:off x="14278493" y="807123"/>
+            <a:ext cx="369333" cy="3294668"/>
+          </a:xfrm>
+          <a:prstGeom prst="rect">
+            <a:avLst/>
+          </a:prstGeom>
+          <a:solidFill>
+            <a:srgbClr val="00B050"/>
+          </a:solidFill>
+          <a:ln>
+            <a:noFill/>
+          </a:ln>
+        </p:spPr>
+        <p:style>
+          <a:lnRef idx="2">
+            <a:schemeClr val="accent1">
+              <a:shade val="50000"/>
+            </a:schemeClr>
+          </a:lnRef>
+          <a:fillRef idx="1">
+            <a:schemeClr val="accent1"/>
+          </a:fillRef>
+          <a:effectRef idx="0">
+            <a:schemeClr val="accent1"/>
+          </a:effectRef>
+          <a:fontRef idx="minor">
+            <a:schemeClr val="lt1"/>
+          </a:fontRef>
+        </p:style>
+        <p:txBody>
+          <a:bodyPr rtlCol="0" anchor="ctr"/>
+          <a:lstStyle/>
+          <a:p>
+            <a:pPr algn="ctr"/>
+            <a:endParaRPr lang="en-US"/>
+          </a:p>
+        </p:txBody>
+      </p:sp>
+      <p:sp>
+        <p:nvSpPr>
+          <p:cNvPr id="59" name="TextBox 58">
+            <a:extLst>
+              <a:ext uri="{FF2B5EF4-FFF2-40B4-BE49-F238E27FC236}">
+                <a16:creationId xmlns:a16="http://schemas.microsoft.com/office/drawing/2014/main" id="{D7ACDD68-5847-FC47-B655-6E20EFC6C29E}"/>
+              </a:ext>
+            </a:extLst>
+          </p:cNvPr>
+          <p:cNvSpPr txBox="1"/>
+          <p:nvPr/>
+        </p:nvSpPr>
+        <p:spPr>
+          <a:xfrm rot="16200000">
+            <a:off x="11750147" y="2288261"/>
+            <a:ext cx="3278967" cy="369332"/>
+          </a:xfrm>
+          <a:prstGeom prst="rect">
+            <a:avLst/>
+          </a:prstGeom>
+          <a:noFill/>
+        </p:spPr>
+        <p:txBody>
+          <a:bodyPr wrap="square" rtlCol="0">
+            <a:spAutoFit/>
+          </a:bodyPr>
+          <a:lstStyle/>
+          <a:p>
+            <a:pPr algn="ctr"/>
+            <a:r>
+              <a:rPr lang="en-US" altLang="zh-CN">
+                <a:latin typeface="Times New Roman" panose="02020603050405020304" pitchFamily="18" charset="0"/>
+                <a:cs typeface="Times New Roman" panose="02020603050405020304" pitchFamily="18" charset="0"/>
+              </a:rPr>
+              <a:t>Detections:</a:t>
+            </a:r>
+            <a:r>
+              <a:rPr lang="zh-CN" altLang="en-US">
+                <a:latin typeface="Times New Roman" panose="02020603050405020304" pitchFamily="18" charset="0"/>
+                <a:cs typeface="Times New Roman" panose="02020603050405020304" pitchFamily="18" charset="0"/>
+              </a:rPr>
+              <a:t> </a:t>
+            </a:r>
+            <a:r>
+              <a:rPr lang="en-US" altLang="zh-CN">
+                <a:latin typeface="Times New Roman" panose="02020603050405020304" pitchFamily="18" charset="0"/>
+                <a:cs typeface="Times New Roman" panose="02020603050405020304" pitchFamily="18" charset="0"/>
+              </a:rPr>
+              <a:t>8732</a:t>
+            </a:r>
+            <a:r>
+              <a:rPr lang="zh-CN" altLang="en-US">
+                <a:latin typeface="Times New Roman" panose="02020603050405020304" pitchFamily="18" charset="0"/>
+                <a:cs typeface="Times New Roman" panose="02020603050405020304" pitchFamily="18" charset="0"/>
+              </a:rPr>
+              <a:t> </a:t>
+            </a:r>
+            <a:r>
+              <a:rPr lang="en-US" altLang="zh-CN">
+                <a:latin typeface="Times New Roman" panose="02020603050405020304" pitchFamily="18" charset="0"/>
+                <a:cs typeface="Times New Roman" panose="02020603050405020304" pitchFamily="18" charset="0"/>
+              </a:rPr>
+              <a:t>per</a:t>
+            </a:r>
+            <a:r>
+              <a:rPr lang="zh-CN" altLang="en-US">
+                <a:latin typeface="Times New Roman" panose="02020603050405020304" pitchFamily="18" charset="0"/>
+                <a:cs typeface="Times New Roman" panose="02020603050405020304" pitchFamily="18" charset="0"/>
+              </a:rPr>
+              <a:t> </a:t>
+            </a:r>
+            <a:r>
+              <a:rPr lang="en-US" altLang="zh-CN">
+                <a:latin typeface="Times New Roman" panose="02020603050405020304" pitchFamily="18" charset="0"/>
+                <a:cs typeface="Times New Roman" panose="02020603050405020304" pitchFamily="18" charset="0"/>
+              </a:rPr>
+              <a:t>class</a:t>
+            </a:r>
+            <a:r>
+              <a:rPr lang="zh-CN" altLang="en-US">
+                <a:latin typeface="Times New Roman" panose="02020603050405020304" pitchFamily="18" charset="0"/>
+                <a:cs typeface="Times New Roman" panose="02020603050405020304" pitchFamily="18" charset="0"/>
+              </a:rPr>
+              <a:t> </a:t>
+            </a:r>
+            <a:endParaRPr lang="en-US">
+              <a:latin typeface="Times New Roman" panose="02020603050405020304" pitchFamily="18" charset="0"/>
+              <a:cs typeface="Times New Roman" panose="02020603050405020304" pitchFamily="18" charset="0"/>
+            </a:endParaRPr>
+          </a:p>
+        </p:txBody>
+      </p:sp>
+      <p:sp>
+        <p:nvSpPr>
+          <p:cNvPr id="60" name="TextBox 59">
+            <a:extLst>
+              <a:ext uri="{FF2B5EF4-FFF2-40B4-BE49-F238E27FC236}">
+                <a16:creationId xmlns:a16="http://schemas.microsoft.com/office/drawing/2014/main" id="{C0F37EE1-C2F6-1B42-B8A6-96995F2A3B56}"/>
+              </a:ext>
+            </a:extLst>
+          </p:cNvPr>
+          <p:cNvSpPr txBox="1"/>
+          <p:nvPr/>
+        </p:nvSpPr>
+        <p:spPr>
+          <a:xfrm rot="16200000">
+            <a:off x="12804654" y="2261585"/>
+            <a:ext cx="3294667" cy="369332"/>
+          </a:xfrm>
+          <a:prstGeom prst="rect">
+            <a:avLst/>
+          </a:prstGeom>
+          <a:noFill/>
+        </p:spPr>
+        <p:txBody>
+          <a:bodyPr wrap="square" rtlCol="0">
+            <a:spAutoFit/>
+          </a:bodyPr>
+          <a:lstStyle/>
+          <a:p>
+            <a:pPr algn="ctr"/>
+            <a:r>
+              <a:rPr lang="en-US" altLang="zh-CN">
+                <a:latin typeface="Times New Roman" panose="02020603050405020304" pitchFamily="18" charset="0"/>
+                <a:cs typeface="Times New Roman" panose="02020603050405020304" pitchFamily="18" charset="0"/>
+              </a:rPr>
+              <a:t>Non-maximum</a:t>
+            </a:r>
+            <a:r>
+              <a:rPr lang="zh-CN" altLang="en-US">
+                <a:latin typeface="Times New Roman" panose="02020603050405020304" pitchFamily="18" charset="0"/>
+                <a:cs typeface="Times New Roman" panose="02020603050405020304" pitchFamily="18" charset="0"/>
+              </a:rPr>
+              <a:t> </a:t>
+            </a:r>
+            <a:r>
+              <a:rPr lang="en-US" altLang="zh-CN">
+                <a:latin typeface="Times New Roman" panose="02020603050405020304" pitchFamily="18" charset="0"/>
+                <a:cs typeface="Times New Roman" panose="02020603050405020304" pitchFamily="18" charset="0"/>
+              </a:rPr>
+              <a:t>Suppression</a:t>
+            </a:r>
+            <a:endParaRPr lang="en-US">
+              <a:latin typeface="Times New Roman" panose="02020603050405020304" pitchFamily="18" charset="0"/>
+              <a:cs typeface="Times New Roman" panose="02020603050405020304" pitchFamily="18" charset="0"/>
+            </a:endParaRPr>
+          </a:p>
+        </p:txBody>
+      </p:sp>
+      <p:sp>
+        <p:nvSpPr>
+          <p:cNvPr id="61" name="TextBox 60">
+            <a:extLst>
+              <a:ext uri="{FF2B5EF4-FFF2-40B4-BE49-F238E27FC236}">
+                <a16:creationId xmlns:a16="http://schemas.microsoft.com/office/drawing/2014/main" id="{902971B7-AEA8-E24D-9892-6FC984BFE225}"/>
+              </a:ext>
+            </a:extLst>
+          </p:cNvPr>
+          <p:cNvSpPr txBox="1"/>
+          <p:nvPr/>
+        </p:nvSpPr>
+        <p:spPr>
+          <a:xfrm>
+            <a:off x="14604208" y="2022454"/>
+            <a:ext cx="1233836" cy="646331"/>
+          </a:xfrm>
+          <a:prstGeom prst="rect">
+            <a:avLst/>
+          </a:prstGeom>
+          <a:noFill/>
+        </p:spPr>
+        <p:txBody>
+          <a:bodyPr wrap="square" rtlCol="0">
+            <a:spAutoFit/>
+          </a:bodyPr>
+          <a:lstStyle/>
+          <a:p>
+            <a:pPr algn="ctr"/>
+            <a:r>
+              <a:rPr lang="en-US" altLang="zh-CN">
+                <a:latin typeface="Times New Roman" panose="02020603050405020304" pitchFamily="18" charset="0"/>
+                <a:cs typeface="Times New Roman" panose="02020603050405020304" pitchFamily="18" charset="0"/>
+              </a:rPr>
+              <a:t>74.3</a:t>
+            </a:r>
+            <a:r>
+              <a:rPr lang="zh-CN" altLang="en-US">
+                <a:latin typeface="Times New Roman" panose="02020603050405020304" pitchFamily="18" charset="0"/>
+                <a:cs typeface="Times New Roman" panose="02020603050405020304" pitchFamily="18" charset="0"/>
+              </a:rPr>
+              <a:t> </a:t>
+            </a:r>
+            <a:r>
+              <a:rPr lang="en-US" altLang="zh-CN">
+                <a:latin typeface="Times New Roman" panose="02020603050405020304" pitchFamily="18" charset="0"/>
+                <a:cs typeface="Times New Roman" panose="02020603050405020304" pitchFamily="18" charset="0"/>
+              </a:rPr>
+              <a:t>mAP</a:t>
+            </a:r>
+          </a:p>
+          <a:p>
+            <a:pPr algn="ctr"/>
+            <a:r>
+              <a:rPr lang="en-US" altLang="zh-CN">
+                <a:latin typeface="Times New Roman" panose="02020603050405020304" pitchFamily="18" charset="0"/>
+                <a:cs typeface="Times New Roman" panose="02020603050405020304" pitchFamily="18" charset="0"/>
+              </a:rPr>
+              <a:t>59</a:t>
+            </a:r>
+            <a:r>
+              <a:rPr lang="zh-CN" altLang="en-US">
+                <a:latin typeface="Times New Roman" panose="02020603050405020304" pitchFamily="18" charset="0"/>
+                <a:cs typeface="Times New Roman" panose="02020603050405020304" pitchFamily="18" charset="0"/>
+              </a:rPr>
+              <a:t> </a:t>
+            </a:r>
+            <a:r>
+              <a:rPr lang="en-US" altLang="zh-CN">
+                <a:latin typeface="Times New Roman" panose="02020603050405020304" pitchFamily="18" charset="0"/>
+                <a:cs typeface="Times New Roman" panose="02020603050405020304" pitchFamily="18" charset="0"/>
+              </a:rPr>
+              <a:t>FPS</a:t>
+            </a:r>
+            <a:endParaRPr lang="en-US">
+              <a:latin typeface="Times New Roman" panose="02020603050405020304" pitchFamily="18" charset="0"/>
+              <a:cs typeface="Times New Roman" panose="02020603050405020304" pitchFamily="18" charset="0"/>
+            </a:endParaRPr>
+          </a:p>
+        </p:txBody>
+      </p:sp>
+      <p:sp>
+        <p:nvSpPr>
+          <p:cNvPr id="62" name="Right Arrow 61">
+            <a:extLst>
+              <a:ext uri="{FF2B5EF4-FFF2-40B4-BE49-F238E27FC236}">
+                <a16:creationId xmlns:a16="http://schemas.microsoft.com/office/drawing/2014/main" id="{2983E7E6-816F-A841-BAB5-DAC50A6C9E2C}"/>
+              </a:ext>
+            </a:extLst>
+          </p:cNvPr>
+          <p:cNvSpPr/>
+          <p:nvPr/>
+        </p:nvSpPr>
+        <p:spPr>
+          <a:xfrm>
+            <a:off x="4674767" y="2292151"/>
+            <a:ext cx="499523" cy="390620"/>
+          </a:xfrm>
+          <a:prstGeom prst="rightArrow">
+            <a:avLst/>
+          </a:prstGeom>
+          <a:solidFill>
+            <a:srgbClr val="00B0F0"/>
+          </a:solidFill>
+          <a:ln>
+            <a:noFill/>
+          </a:ln>
+        </p:spPr>
+        <p:style>
+          <a:lnRef idx="2">
+            <a:schemeClr val="accent1">
+              <a:shade val="50000"/>
+            </a:schemeClr>
+          </a:lnRef>
+          <a:fillRef idx="1">
+            <a:schemeClr val="accent1"/>
+          </a:fillRef>
+          <a:effectRef idx="0">
+            <a:schemeClr val="accent1"/>
+          </a:effectRef>
+          <a:fontRef idx="minor">
+            <a:schemeClr val="lt1"/>
+          </a:fontRef>
+        </p:style>
+        <p:txBody>
+          <a:bodyPr rtlCol="0" anchor="ctr"/>
+          <a:lstStyle/>
+          <a:p>
+            <a:pPr algn="ctr"/>
+            <a:endParaRPr lang="en-US"/>
+          </a:p>
+        </p:txBody>
+      </p:sp>
+      <p:sp>
+        <p:nvSpPr>
+          <p:cNvPr id="63" name="Right Arrow 62">
+            <a:extLst>
+              <a:ext uri="{FF2B5EF4-FFF2-40B4-BE49-F238E27FC236}">
+                <a16:creationId xmlns:a16="http://schemas.microsoft.com/office/drawing/2014/main" id="{F70F46F2-83A2-C14F-89A5-D39A12430046}"/>
+              </a:ext>
+            </a:extLst>
+          </p:cNvPr>
+          <p:cNvSpPr/>
+          <p:nvPr/>
+        </p:nvSpPr>
+        <p:spPr>
+          <a:xfrm>
+            <a:off x="13698801" y="2249242"/>
+            <a:ext cx="499523" cy="390620"/>
+          </a:xfrm>
+          <a:prstGeom prst="rightArrow">
+            <a:avLst/>
+          </a:prstGeom>
+          <a:solidFill>
+            <a:srgbClr val="00B050"/>
+          </a:solidFill>
+          <a:ln>
+            <a:noFill/>
+          </a:ln>
+        </p:spPr>
+        <p:style>
+          <a:lnRef idx="2">
+            <a:schemeClr val="accent1">
+              <a:shade val="50000"/>
+            </a:schemeClr>
+          </a:lnRef>
+          <a:fillRef idx="1">
+            <a:schemeClr val="accent1"/>
+          </a:fillRef>
+          <a:effectRef idx="0">
+            <a:schemeClr val="accent1"/>
+          </a:effectRef>
+          <a:fontRef idx="minor">
+            <a:schemeClr val="lt1"/>
+          </a:fontRef>
+        </p:style>
+        <p:txBody>
+          <a:bodyPr rtlCol="0" anchor="ctr"/>
+          <a:lstStyle/>
+          <a:p>
+            <a:pPr algn="ctr"/>
+            <a:endParaRPr lang="en-US"/>
+          </a:p>
+        </p:txBody>
+      </p:sp>
+      <mc:AlternateContent xmlns:mc="http://schemas.openxmlformats.org/markup-compatibility/2006">
+        <mc:Choice xmlns:a14="http://schemas.microsoft.com/office/drawing/2010/main" Requires="a14">
+          <p:sp>
+            <p:nvSpPr>
+              <p:cNvPr id="64" name="TextBox 63">
+                <a:extLst>
+                  <a:ext uri="{FF2B5EF4-FFF2-40B4-BE49-F238E27FC236}">
+                    <a16:creationId xmlns:a16="http://schemas.microsoft.com/office/drawing/2014/main" id="{46B88C58-A0FB-F749-B3EB-B98C21478775}"/>
+                  </a:ext>
+                </a:extLst>
+              </p:cNvPr>
+              <p:cNvSpPr txBox="1"/>
+              <p:nvPr/>
+            </p:nvSpPr>
+            <p:spPr>
+              <a:xfrm>
+                <a:off x="118955" y="791772"/>
+                <a:ext cx="4012598" cy="4801314"/>
+              </a:xfrm>
+              <a:prstGeom prst="rect">
+                <a:avLst/>
+              </a:prstGeom>
+              <a:noFill/>
+            </p:spPr>
+            <p:txBody>
+              <a:bodyPr wrap="square" rtlCol="0">
+                <a:spAutoFit/>
+              </a:bodyPr>
+              <a:lstStyle/>
+              <a:p>
+                <a:r>
+                  <a:rPr lang="en-US" altLang="zh-CN" sz="2000" b="1"/>
+                  <a:t>Workflow:</a:t>
+                </a:r>
+              </a:p>
+              <a:p>
+                <a:pPr marL="342900" indent="-342900">
+                  <a:buAutoNum type="arabicPeriod"/>
+                </a:pPr>
+                <a:r>
+                  <a:rPr lang="en-US" altLang="zh-CN"/>
+                  <a:t>Modify</a:t>
+                </a:r>
+                <a:r>
+                  <a:rPr lang="zh-CN" altLang="en-US"/>
+                  <a:t> </a:t>
+                </a:r>
+                <a:r>
+                  <a:rPr lang="en-US" altLang="zh-CN"/>
+                  <a:t>the</a:t>
+                </a:r>
+                <a:r>
+                  <a:rPr lang="zh-CN" altLang="en-US"/>
+                  <a:t> </a:t>
+                </a:r>
+                <a:r>
+                  <a:rPr lang="en-US" altLang="zh-CN"/>
+                  <a:t>pre-trained</a:t>
+                </a:r>
+                <a:r>
+                  <a:rPr lang="zh-CN" altLang="en-US"/>
+                  <a:t> </a:t>
+                </a:r>
+                <a:r>
+                  <a:rPr lang="en-US" altLang="zh-CN"/>
+                  <a:t>VGG16</a:t>
+                </a:r>
+                <a:r>
+                  <a:rPr lang="zh-CN" altLang="en-US"/>
+                  <a:t> </a:t>
+                </a:r>
+                <a:r>
+                  <a:rPr lang="en-US" altLang="zh-CN"/>
+                  <a:t>architecture,</a:t>
+                </a:r>
+                <a:r>
+                  <a:rPr lang="zh-CN" altLang="en-US"/>
+                  <a:t> </a:t>
+                </a:r>
+                <a:r>
+                  <a:rPr lang="en-US" altLang="zh-CN"/>
+                  <a:t>replace</a:t>
+                </a:r>
+                <a:r>
+                  <a:rPr lang="zh-CN" altLang="en-US"/>
+                  <a:t> </a:t>
+                </a:r>
+                <a:r>
+                  <a:rPr lang="en-US" altLang="zh-CN"/>
+                  <a:t>fc6-7</a:t>
+                </a:r>
+                <a:r>
+                  <a:rPr lang="zh-CN" altLang="en-US"/>
+                  <a:t> </a:t>
+                </a:r>
+                <a:r>
+                  <a:rPr lang="en-US" altLang="zh-CN"/>
+                  <a:t>with</a:t>
+                </a:r>
+                <a:r>
+                  <a:rPr lang="zh-CN" altLang="en-US"/>
+                  <a:t> </a:t>
+                </a:r>
+                <a:r>
+                  <a:rPr lang="en-US" altLang="zh-CN"/>
+                  <a:t>conv6-7</a:t>
+                </a:r>
+                <a:r>
+                  <a:rPr lang="zh-CN" altLang="en-US"/>
+                  <a:t> </a:t>
+                </a:r>
+                <a:r>
+                  <a:rPr lang="en-US" altLang="zh-CN"/>
+                  <a:t>add</a:t>
+                </a:r>
+                <a:r>
+                  <a:rPr lang="zh-CN" altLang="en-US"/>
+                  <a:t> </a:t>
+                </a:r>
+                <a:r>
+                  <a:rPr lang="en-US" altLang="zh-CN" b="1"/>
+                  <a:t>extra</a:t>
+                </a:r>
+                <a:r>
+                  <a:rPr lang="zh-CN" altLang="en-US" b="1"/>
+                  <a:t> </a:t>
+                </a:r>
+                <a:r>
+                  <a:rPr lang="en-US" altLang="zh-CN" b="1"/>
+                  <a:t>multi-scale</a:t>
+                </a:r>
+                <a:r>
+                  <a:rPr lang="zh-CN" altLang="en-US" b="1"/>
+                  <a:t> </a:t>
+                </a:r>
+                <a:r>
+                  <a:rPr lang="en-US" altLang="zh-CN" b="1"/>
+                  <a:t>conv</a:t>
+                </a:r>
+                <a:r>
+                  <a:rPr lang="zh-CN" altLang="en-US" b="1"/>
+                  <a:t> </a:t>
+                </a:r>
+                <a:r>
+                  <a:rPr lang="en-US" altLang="zh-CN" b="1"/>
+                  <a:t>layers</a:t>
+                </a:r>
+                <a:r>
+                  <a:rPr lang="en-US" altLang="zh-CN"/>
+                  <a:t>.</a:t>
+                </a:r>
+              </a:p>
+              <a:p>
+                <a:pPr marL="342900" indent="-342900">
+                  <a:buAutoNum type="arabicPeriod"/>
+                </a:pPr>
+                <a:r>
+                  <a:rPr lang="en-US" altLang="zh-CN"/>
+                  <a:t>Set</a:t>
+                </a:r>
+                <a:r>
+                  <a:rPr lang="zh-CN" altLang="en-US"/>
+                  <a:t> </a:t>
+                </a:r>
+                <a:r>
+                  <a:rPr lang="en-US" altLang="zh-CN" b="1"/>
+                  <a:t>default</a:t>
+                </a:r>
+                <a:r>
+                  <a:rPr lang="zh-CN" altLang="en-US" b="1"/>
+                  <a:t> </a:t>
+                </a:r>
+                <a:r>
+                  <a:rPr lang="en-US" altLang="zh-CN" b="1"/>
+                  <a:t>anchor</a:t>
+                </a:r>
+                <a:r>
+                  <a:rPr lang="zh-CN" altLang="en-US" b="1"/>
+                  <a:t> </a:t>
+                </a:r>
+                <a:r>
+                  <a:rPr lang="en-US" altLang="zh-CN" b="1"/>
+                  <a:t>boxes</a:t>
+                </a:r>
+                <a:r>
+                  <a:rPr lang="zh-CN" altLang="en-US" b="1"/>
+                  <a:t> </a:t>
+                </a:r>
+                <a:r>
+                  <a:rPr lang="en-US" altLang="zh-CN" b="1"/>
+                  <a:t>with</a:t>
+                </a:r>
+                <a:r>
+                  <a:rPr lang="zh-CN" altLang="en-US" b="1"/>
+                  <a:t> </a:t>
+                </a:r>
+                <a:r>
+                  <a:rPr lang="en-US" altLang="zh-CN" b="1"/>
+                  <a:t>different</a:t>
+                </a:r>
+                <a:r>
+                  <a:rPr lang="zh-CN" altLang="en-US" b="1"/>
+                  <a:t> </a:t>
+                </a:r>
+                <a:r>
+                  <a:rPr lang="en-US" altLang="zh-CN" b="1"/>
+                  <a:t>scales</a:t>
+                </a:r>
+                <a:r>
+                  <a:rPr lang="zh-CN" altLang="en-US" b="1"/>
+                  <a:t> </a:t>
+                </a:r>
+                <a:r>
+                  <a:rPr lang="en-US" altLang="zh-CN" b="1"/>
+                  <a:t>and</a:t>
+                </a:r>
+                <a:r>
+                  <a:rPr lang="zh-CN" altLang="en-US" b="1"/>
+                  <a:t> </a:t>
+                </a:r>
+                <a:r>
+                  <a:rPr lang="en-US" altLang="zh-CN" b="1"/>
+                  <a:t>ratios</a:t>
+                </a:r>
+                <a:r>
+                  <a:rPr lang="zh-CN" altLang="en-US" b="1"/>
+                  <a:t> </a:t>
+                </a:r>
+                <a:r>
+                  <a:rPr lang="en-US" altLang="zh-CN"/>
+                  <a:t>for</a:t>
+                </a:r>
+                <a:r>
+                  <a:rPr lang="zh-CN" altLang="en-US"/>
+                  <a:t> </a:t>
+                </a:r>
+                <a:r>
+                  <a:rPr lang="en-US" altLang="zh-CN"/>
+                  <a:t>each</a:t>
+                </a:r>
+                <a:r>
+                  <a:rPr lang="zh-CN" altLang="en-US"/>
+                  <a:t> </a:t>
+                </a:r>
+                <a:r>
+                  <a:rPr lang="en-US" altLang="zh-CN"/>
+                  <a:t>cell</a:t>
+                </a:r>
+                <a:r>
+                  <a:rPr lang="zh-CN" altLang="en-US"/>
+                  <a:t> </a:t>
+                </a:r>
+                <a:r>
+                  <a:rPr lang="en-US" altLang="zh-CN"/>
+                  <a:t>in</a:t>
+                </a:r>
+                <a:r>
+                  <a:rPr lang="zh-CN" altLang="en-US"/>
+                  <a:t>  </a:t>
+                </a:r>
+                <a:r>
+                  <a:rPr lang="en-US" altLang="zh-CN"/>
+                  <a:t>the</a:t>
+                </a:r>
+                <a:r>
+                  <a:rPr lang="zh-CN" altLang="en-US"/>
+                  <a:t> </a:t>
+                </a:r>
+                <a:r>
+                  <a:rPr lang="en-US" altLang="zh-CN"/>
+                  <a:t>all</a:t>
+                </a:r>
+                <a:r>
+                  <a:rPr lang="zh-CN" altLang="en-US"/>
+                  <a:t> </a:t>
+                </a:r>
+                <a:r>
+                  <a:rPr lang="en-US" altLang="zh-CN"/>
+                  <a:t>feature</a:t>
+                </a:r>
+                <a:r>
+                  <a:rPr lang="zh-CN" altLang="en-US"/>
+                  <a:t> </a:t>
+                </a:r>
+                <a:r>
+                  <a:rPr lang="en-US" altLang="zh-CN"/>
+                  <a:t>maps.</a:t>
+                </a:r>
+              </a:p>
+              <a:p>
+                <a:pPr marL="342900" indent="-342900">
+                  <a:buAutoNum type="arabicPeriod"/>
+                </a:pPr>
+                <a:r>
+                  <a:rPr lang="en-US" altLang="zh-CN" b="1"/>
+                  <a:t>Negative</a:t>
+                </a:r>
+                <a:r>
+                  <a:rPr lang="zh-CN" altLang="en-US" b="1"/>
+                  <a:t> </a:t>
+                </a:r>
+                <a:r>
+                  <a:rPr lang="en-US" altLang="zh-CN" b="1"/>
+                  <a:t>sample</a:t>
+                </a:r>
+                <a:r>
+                  <a:rPr lang="zh-CN" altLang="en-US" b="1"/>
+                  <a:t> </a:t>
+                </a:r>
+                <a:r>
+                  <a:rPr lang="en-US" altLang="zh-CN" b="1"/>
+                  <a:t>mining.</a:t>
+                </a:r>
+                <a:r>
+                  <a:rPr lang="zh-CN" altLang="en-US" b="1"/>
+                  <a:t> </a:t>
+                </a:r>
+                <a:r>
+                  <a:rPr lang="en-US" altLang="zh-CN"/>
+                  <a:t>Keep</a:t>
+                </a:r>
+                <a:r>
+                  <a:rPr lang="zh-CN" altLang="en-US"/>
+                  <a:t> </a:t>
+                </a:r>
+                <a:r>
+                  <a:rPr lang="en-US" altLang="zh-CN"/>
+                  <a:t>the</a:t>
+                </a:r>
+                <a:r>
+                  <a:rPr lang="zh-CN" altLang="en-US"/>
+                  <a:t> </a:t>
+                </a:r>
+                <a:r>
+                  <a:rPr lang="en-US" altLang="zh-CN"/>
+                  <a:t>negative</a:t>
+                </a:r>
+                <a:r>
+                  <a:rPr lang="zh-CN" altLang="en-US"/>
+                  <a:t> </a:t>
+                </a:r>
+                <a:r>
+                  <a:rPr lang="en-US" altLang="zh-CN"/>
+                  <a:t>vs</a:t>
+                </a:r>
+                <a:r>
+                  <a:rPr lang="zh-CN" altLang="en-US"/>
+                  <a:t> </a:t>
+                </a:r>
+                <a:r>
+                  <a:rPr lang="en-US" altLang="zh-CN"/>
+                  <a:t>positive</a:t>
+                </a:r>
+                <a:r>
+                  <a:rPr lang="zh-CN" altLang="en-US"/>
+                  <a:t> </a:t>
+                </a:r>
+                <a:r>
+                  <a:rPr lang="en-US" altLang="zh-CN"/>
+                  <a:t>samples:</a:t>
+                </a:r>
+                <a:r>
+                  <a:rPr lang="zh-CN" altLang="en-US"/>
+                  <a:t> </a:t>
+                </a:r>
+                <a:r>
+                  <a:rPr lang="en-US" altLang="zh-CN"/>
+                  <a:t>3:1</a:t>
+                </a:r>
+              </a:p>
+              <a:p>
+                <a:pPr marL="342900" indent="-342900">
+                  <a:buAutoNum type="arabicPeriod"/>
+                </a:pPr>
+                <a:r>
+                  <a:rPr lang="en-US" altLang="zh-CN" b="1"/>
+                  <a:t>Data</a:t>
+                </a:r>
+                <a:r>
+                  <a:rPr lang="zh-CN" altLang="en-US" b="1"/>
+                  <a:t> </a:t>
+                </a:r>
+                <a:r>
+                  <a:rPr lang="en-US" altLang="zh-CN" b="1"/>
+                  <a:t>augment</a:t>
+                </a:r>
+                <a:r>
+                  <a:rPr lang="zh-CN" altLang="en-US" b="1"/>
+                  <a:t> </a:t>
+                </a:r>
+                <a:r>
+                  <a:rPr lang="en-US" altLang="zh-CN" b="1"/>
+                  <a:t>strategy</a:t>
+                </a:r>
+                <a:r>
+                  <a:rPr lang="zh-CN" altLang="en-US" b="1"/>
+                  <a:t> </a:t>
+                </a:r>
+                <a:r>
+                  <a:rPr lang="en-US" altLang="zh-CN"/>
+                  <a:t>for</a:t>
+                </a:r>
+                <a:r>
+                  <a:rPr lang="zh-CN" altLang="en-US"/>
+                  <a:t> </a:t>
+                </a:r>
+                <a:r>
+                  <a:rPr lang="en-US" altLang="zh-CN"/>
+                  <a:t>robust</a:t>
+                </a:r>
+                <a:r>
+                  <a:rPr lang="zh-CN" altLang="en-US"/>
+                  <a:t> </a:t>
+                </a:r>
+                <a:r>
+                  <a:rPr lang="en-US" altLang="zh-CN"/>
+                  <a:t>to</a:t>
+                </a:r>
+                <a:r>
+                  <a:rPr lang="zh-CN" altLang="en-US"/>
+                  <a:t> </a:t>
+                </a:r>
+                <a:r>
+                  <a:rPr lang="en-US" altLang="zh-CN"/>
+                  <a:t>various</a:t>
+                </a:r>
+                <a:r>
+                  <a:rPr lang="zh-CN" altLang="en-US"/>
+                  <a:t> </a:t>
+                </a:r>
+                <a:r>
+                  <a:rPr lang="en-US" altLang="zh-CN"/>
+                  <a:t>input</a:t>
+                </a:r>
+                <a:r>
+                  <a:rPr lang="zh-CN" altLang="en-US"/>
+                  <a:t> </a:t>
+                </a:r>
+                <a:r>
+                  <a:rPr lang="en-US" altLang="zh-CN"/>
+                  <a:t>object</a:t>
+                </a:r>
+                <a:r>
+                  <a:rPr lang="zh-CN" altLang="en-US"/>
+                  <a:t> </a:t>
+                </a:r>
+                <a:r>
+                  <a:rPr lang="en-US" altLang="zh-CN"/>
+                  <a:t>sizes,</a:t>
+                </a:r>
+                <a:r>
+                  <a:rPr lang="zh-CN" altLang="en-US"/>
+                  <a:t> </a:t>
+                </a:r>
+                <a:r>
+                  <a:rPr lang="en-US" altLang="zh-CN"/>
+                  <a:t>each</a:t>
+                </a:r>
+                <a:r>
+                  <a:rPr lang="zh-CN" altLang="en-US"/>
+                  <a:t> </a:t>
+                </a:r>
+                <a:r>
+                  <a:rPr lang="en-US" altLang="zh-CN"/>
+                  <a:t>training</a:t>
+                </a:r>
+                <a:r>
+                  <a:rPr lang="zh-CN" altLang="en-US"/>
+                  <a:t> </a:t>
+                </a:r>
+                <a:r>
+                  <a:rPr lang="en-US" altLang="zh-CN"/>
+                  <a:t>image</a:t>
+                </a:r>
+                <a:r>
+                  <a:rPr lang="zh-CN" altLang="en-US"/>
+                  <a:t> </a:t>
+                </a:r>
+                <a:r>
+                  <a:rPr lang="en-US" altLang="zh-CN"/>
+                  <a:t>is</a:t>
+                </a:r>
+                <a:r>
+                  <a:rPr lang="zh-CN" altLang="en-US"/>
+                  <a:t> </a:t>
+                </a:r>
+                <a:r>
+                  <a:rPr lang="en-US" altLang="zh-CN"/>
+                  <a:t>randomly</a:t>
+                </a:r>
+                <a:r>
+                  <a:rPr lang="zh-CN" altLang="en-US"/>
+                  <a:t> </a:t>
+                </a:r>
+                <a:r>
+                  <a:rPr lang="en-US" altLang="zh-CN"/>
+                  <a:t>sampled</a:t>
+                </a:r>
+                <a:r>
+                  <a:rPr lang="zh-CN" altLang="en-US"/>
+                  <a:t> </a:t>
+                </a:r>
+                <a:r>
+                  <a:rPr lang="en-US" altLang="zh-CN"/>
+                  <a:t>by</a:t>
+                </a:r>
+                <a:r>
+                  <a:rPr lang="zh-CN" altLang="en-US"/>
+                  <a:t> </a:t>
+                </a:r>
+                <a:r>
+                  <a:rPr lang="en-US" altLang="zh-CN"/>
+                  <a:t>three</a:t>
+                </a:r>
+                <a:r>
+                  <a:rPr lang="zh-CN" altLang="en-US"/>
+                  <a:t> </a:t>
+                </a:r>
+                <a:r>
+                  <a:rPr lang="en-US" altLang="zh-CN"/>
+                  <a:t>options.</a:t>
+                </a:r>
+              </a:p>
+              <a:p>
+                <a:pPr marL="342900" indent="-342900">
+                  <a:buAutoNum type="arabicPeriod"/>
+                </a:pPr>
+                <a:r>
+                  <a:rPr lang="en-US" altLang="zh-CN"/>
+                  <a:t>Compute</a:t>
+                </a:r>
+                <a:r>
+                  <a:rPr lang="zh-CN" altLang="en-US"/>
+                  <a:t> </a:t>
+                </a:r>
+                <a:r>
+                  <a:rPr lang="en-US" altLang="zh-CN"/>
+                  <a:t>loss:</a:t>
+                </a:r>
+                <a:r>
+                  <a:rPr lang="zh-CN" altLang="en-US"/>
+                  <a:t> </a:t>
+                </a:r>
+                <a14:m>
+                  <m:oMath xmlns:m="http://schemas.openxmlformats.org/officeDocument/2006/math">
+                    <m:r>
+                      <a:rPr lang="en-US" altLang="zh-CN" b="0" i="1">
+                        <a:latin typeface="Cambria Math" panose="02040503050406030204" pitchFamily="18" charset="0"/>
+                      </a:rPr>
+                      <m:t>𝐿</m:t>
+                    </m:r>
+                    <m:r>
+                      <a:rPr lang="en-US" altLang="zh-CN" b="0" i="1">
+                        <a:latin typeface="Cambria Math" panose="02040503050406030204" pitchFamily="18" charset="0"/>
+                      </a:rPr>
+                      <m:t>=</m:t>
+                    </m:r>
+                    <m:sSub>
+                      <m:sSubPr>
+                        <m:ctrlPr>
+                          <a:rPr lang="en-US" altLang="zh-CN" b="0" i="1">
+                            <a:latin typeface="Cambria Math" panose="02040503050406030204" pitchFamily="18" charset="0"/>
+                          </a:rPr>
+                        </m:ctrlPr>
+                      </m:sSubPr>
+                      <m:e>
+                        <m:r>
+                          <a:rPr lang="en-US" altLang="zh-CN" b="0" i="1">
+                            <a:latin typeface="Cambria Math" panose="02040503050406030204" pitchFamily="18" charset="0"/>
+                          </a:rPr>
+                          <m:t>𝐿</m:t>
+                        </m:r>
+                      </m:e>
+                      <m:sub>
+                        <m:r>
+                          <a:rPr lang="en-US" altLang="zh-CN" b="0" i="1">
+                            <a:latin typeface="Cambria Math" panose="02040503050406030204" pitchFamily="18" charset="0"/>
+                          </a:rPr>
+                          <m:t>𝑙𝑜𝑐</m:t>
+                        </m:r>
+                      </m:sub>
+                    </m:sSub>
+                    <m:r>
+                      <a:rPr lang="en-US" altLang="zh-CN" b="0" i="1">
+                        <a:latin typeface="Cambria Math" panose="02040503050406030204" pitchFamily="18" charset="0"/>
+                      </a:rPr>
+                      <m:t>+</m:t>
+                    </m:r>
+                    <m:r>
+                      <a:rPr lang="en-US" altLang="zh-CN" b="0" i="1">
+                        <a:latin typeface="Cambria Math" panose="02040503050406030204" pitchFamily="18" charset="0"/>
+                      </a:rPr>
+                      <m:t>𝛼</m:t>
+                    </m:r>
+                    <m:sSub>
+                      <m:sSubPr>
+                        <m:ctrlPr>
+                          <a:rPr lang="en-US" altLang="zh-CN" b="0" i="1">
+                            <a:latin typeface="Cambria Math" panose="02040503050406030204" pitchFamily="18" charset="0"/>
+                          </a:rPr>
+                        </m:ctrlPr>
+                      </m:sSubPr>
+                      <m:e>
+                        <m:r>
+                          <a:rPr lang="en-US" altLang="zh-CN" b="0" i="1">
+                            <a:latin typeface="Cambria Math" panose="02040503050406030204" pitchFamily="18" charset="0"/>
+                          </a:rPr>
+                          <m:t>𝐿</m:t>
+                        </m:r>
+                      </m:e>
+                      <m:sub>
+                        <m:r>
+                          <a:rPr lang="en-US" altLang="zh-CN" b="0" i="1">
+                            <a:latin typeface="Cambria Math" panose="02040503050406030204" pitchFamily="18" charset="0"/>
+                          </a:rPr>
+                          <m:t>𝑐𝑙𝑠</m:t>
+                        </m:r>
+                      </m:sub>
+                    </m:sSub>
+                  </m:oMath>
+                </a14:m>
+                <a:endParaRPr lang="en-US" altLang="zh-CN"/>
+              </a:p>
+              <a:p>
+                <a:pPr marL="342900" indent="-342900">
+                  <a:buAutoNum type="arabicPeriod"/>
+                </a:pPr>
+                <a:r>
+                  <a:rPr lang="en-US" altLang="zh-CN" b="1"/>
+                  <a:t>Non-maximum</a:t>
+                </a:r>
+                <a:r>
+                  <a:rPr lang="zh-CN" altLang="en-US" b="1"/>
+                  <a:t> </a:t>
+                </a:r>
+                <a:r>
+                  <a:rPr lang="en-US" altLang="zh-CN" b="1"/>
+                  <a:t>suppression</a:t>
+                </a:r>
+                <a:r>
+                  <a:rPr lang="en-US" altLang="zh-CN"/>
+                  <a:t>.</a:t>
+                </a:r>
+              </a:p>
+              <a:p>
+                <a:pPr marL="342900" indent="-342900">
+                  <a:buAutoNum type="arabicPeriod"/>
+                </a:pPr>
+                <a:endParaRPr lang="en-US"/>
+              </a:p>
+            </p:txBody>
+          </p:sp>
+        </mc:Choice>
+        <mc:Fallback>
+          <p:sp>
+            <p:nvSpPr>
+              <p:cNvPr id="64" name="TextBox 63">
+                <a:extLst>
+                  <a:ext uri="{FF2B5EF4-FFF2-40B4-BE49-F238E27FC236}">
+                    <a16:creationId xmlns:a16="http://schemas.microsoft.com/office/drawing/2014/main" id="{46B88C58-A0FB-F749-B3EB-B98C21478775}"/>
+                  </a:ext>
+                </a:extLst>
+              </p:cNvPr>
+              <p:cNvSpPr txBox="1">
+                <a:spLocks noRot="1" noChangeAspect="1" noMove="1" noResize="1" noEditPoints="1" noAdjustHandles="1" noChangeArrowheads="1" noChangeShapeType="1" noTextEdit="1"/>
+              </p:cNvSpPr>
+              <p:nvPr/>
+            </p:nvSpPr>
+            <p:spPr>
+              <a:xfrm>
+                <a:off x="118955" y="791772"/>
+                <a:ext cx="4012598" cy="4801314"/>
+              </a:xfrm>
+              <a:prstGeom prst="rect">
+                <a:avLst/>
+              </a:prstGeom>
+              <a:blipFill>
+                <a:blip r:embed="rId4"/>
+                <a:stretch>
+                  <a:fillRect l="-1262" t="-528"/>
+                </a:stretch>
+              </a:blipFill>
+            </p:spPr>
+            <p:txBody>
+              <a:bodyPr/>
+              <a:lstStyle/>
+              <a:p>
+                <a:r>
+                  <a:rPr lang="en-US">
+                    <a:noFill/>
+                  </a:rPr>
+                  <a:t> </a:t>
+                </a:r>
+              </a:p>
+            </p:txBody>
+          </p:sp>
+        </mc:Fallback>
+      </mc:AlternateContent>
+    </p:spTree>
+    <p:extLst>
+      <p:ext uri="{BB962C8B-B14F-4D97-AF65-F5344CB8AC3E}">
+        <p14:creationId xmlns:p14="http://schemas.microsoft.com/office/powerpoint/2010/main" val="2285508547"/>
       </p:ext>
     </p:extLst>
   </p:cSld>

--- a/content/post/post_ppt.pptx
+++ b/content/post/post_ppt.pptx
@@ -252,7 +252,7 @@
           <a:p>
             <a:fld id="{AEE0242F-9983-5646-A2FB-42C1A5B688B5}" type="datetimeFigureOut">
               <a:rPr lang="en-US" smtClean="0"/>
-              <a:t>1/20/20</a:t>
+              <a:t>1/22/20</a:t>
             </a:fld>
             <a:endParaRPr lang="en-US" dirty="0"/>
           </a:p>
@@ -422,7 +422,7 @@
           <a:p>
             <a:fld id="{AEE0242F-9983-5646-A2FB-42C1A5B688B5}" type="datetimeFigureOut">
               <a:rPr lang="en-US" smtClean="0"/>
-              <a:t>1/20/20</a:t>
+              <a:t>1/22/20</a:t>
             </a:fld>
             <a:endParaRPr lang="en-US" dirty="0"/>
           </a:p>
@@ -602,7 +602,7 @@
           <a:p>
             <a:fld id="{AEE0242F-9983-5646-A2FB-42C1A5B688B5}" type="datetimeFigureOut">
               <a:rPr lang="en-US" smtClean="0"/>
-              <a:t>1/20/20</a:t>
+              <a:t>1/22/20</a:t>
             </a:fld>
             <a:endParaRPr lang="en-US" dirty="0"/>
           </a:p>
@@ -772,7 +772,7 @@
           <a:p>
             <a:fld id="{AEE0242F-9983-5646-A2FB-42C1A5B688B5}" type="datetimeFigureOut">
               <a:rPr lang="en-US" smtClean="0"/>
-              <a:t>1/20/20</a:t>
+              <a:t>1/22/20</a:t>
             </a:fld>
             <a:endParaRPr lang="en-US" dirty="0"/>
           </a:p>
@@ -1018,7 +1018,7 @@
           <a:p>
             <a:fld id="{AEE0242F-9983-5646-A2FB-42C1A5B688B5}" type="datetimeFigureOut">
               <a:rPr lang="en-US" smtClean="0"/>
-              <a:t>1/20/20</a:t>
+              <a:t>1/22/20</a:t>
             </a:fld>
             <a:endParaRPr lang="en-US" dirty="0"/>
           </a:p>
@@ -1250,7 +1250,7 @@
           <a:p>
             <a:fld id="{AEE0242F-9983-5646-A2FB-42C1A5B688B5}" type="datetimeFigureOut">
               <a:rPr lang="en-US" smtClean="0"/>
-              <a:t>1/20/20</a:t>
+              <a:t>1/22/20</a:t>
             </a:fld>
             <a:endParaRPr lang="en-US" dirty="0"/>
           </a:p>
@@ -1617,7 +1617,7 @@
           <a:p>
             <a:fld id="{AEE0242F-9983-5646-A2FB-42C1A5B688B5}" type="datetimeFigureOut">
               <a:rPr lang="en-US" smtClean="0"/>
-              <a:t>1/20/20</a:t>
+              <a:t>1/22/20</a:t>
             </a:fld>
             <a:endParaRPr lang="en-US" dirty="0"/>
           </a:p>
@@ -1735,7 +1735,7 @@
           <a:p>
             <a:fld id="{AEE0242F-9983-5646-A2FB-42C1A5B688B5}" type="datetimeFigureOut">
               <a:rPr lang="en-US" smtClean="0"/>
-              <a:t>1/20/20</a:t>
+              <a:t>1/22/20</a:t>
             </a:fld>
             <a:endParaRPr lang="en-US" dirty="0"/>
           </a:p>
@@ -1830,7 +1830,7 @@
           <a:p>
             <a:fld id="{AEE0242F-9983-5646-A2FB-42C1A5B688B5}" type="datetimeFigureOut">
               <a:rPr lang="en-US" smtClean="0"/>
-              <a:t>1/20/20</a:t>
+              <a:t>1/22/20</a:t>
             </a:fld>
             <a:endParaRPr lang="en-US" dirty="0"/>
           </a:p>
@@ -2107,7 +2107,7 @@
           <a:p>
             <a:fld id="{AEE0242F-9983-5646-A2FB-42C1A5B688B5}" type="datetimeFigureOut">
               <a:rPr lang="en-US" smtClean="0"/>
-              <a:t>1/20/20</a:t>
+              <a:t>1/22/20</a:t>
             </a:fld>
             <a:endParaRPr lang="en-US" dirty="0"/>
           </a:p>
@@ -2364,7 +2364,7 @@
           <a:p>
             <a:fld id="{AEE0242F-9983-5646-A2FB-42C1A5B688B5}" type="datetimeFigureOut">
               <a:rPr lang="en-US" smtClean="0"/>
-              <a:t>1/20/20</a:t>
+              <a:t>1/22/20</a:t>
             </a:fld>
             <a:endParaRPr lang="en-US" dirty="0"/>
           </a:p>
@@ -2577,7 +2577,7 @@
           <a:p>
             <a:fld id="{AEE0242F-9983-5646-A2FB-42C1A5B688B5}" type="datetimeFigureOut">
               <a:rPr lang="en-US" smtClean="0"/>
-              <a:t>1/20/20</a:t>
+              <a:t>1/22/20</a:t>
             </a:fld>
             <a:endParaRPr lang="en-US" dirty="0"/>
           </a:p>
@@ -6395,6 +6395,2792 @@
           <a:chExt cx="0" cy="0"/>
         </a:xfrm>
       </p:grpSpPr>
+      <p:graphicFrame>
+        <p:nvGraphicFramePr>
+          <p:cNvPr id="2" name="Table 1">
+            <a:extLst>
+              <a:ext uri="{FF2B5EF4-FFF2-40B4-BE49-F238E27FC236}">
+                <a16:creationId xmlns:a16="http://schemas.microsoft.com/office/drawing/2014/main" id="{838EE6C8-C130-FC47-84A7-C79941BE648B}"/>
+              </a:ext>
+            </a:extLst>
+          </p:cNvPr>
+          <p:cNvGraphicFramePr>
+            <a:graphicFrameLocks noGrp="1"/>
+          </p:cNvGraphicFramePr>
+          <p:nvPr>
+            <p:extLst>
+              <p:ext uri="{D42A27DB-BD31-4B8C-83A1-F6EECF244321}">
+                <p14:modId xmlns:p14="http://schemas.microsoft.com/office/powerpoint/2010/main" val="3603417922"/>
+              </p:ext>
+            </p:extLst>
+          </p:nvPr>
+        </p:nvGraphicFramePr>
+        <p:xfrm>
+          <a:off x="3592248" y="876300"/>
+          <a:ext cx="5608904" cy="5429252"/>
+        </p:xfrm>
+        <a:graphic>
+          <a:graphicData uri="http://schemas.openxmlformats.org/drawingml/2006/table">
+            <a:tbl>
+              <a:tblPr firstRow="1" bandRow="1">
+                <a:tableStyleId>{5C22544A-7EE6-4342-B048-85BDC9FD1C3A}</a:tableStyleId>
+              </a:tblPr>
+              <a:tblGrid>
+                <a:gridCol w="1402226">
+                  <a:extLst>
+                    <a:ext uri="{9D8B030D-6E8A-4147-A177-3AD203B41FA5}">
+                      <a16:colId xmlns:a16="http://schemas.microsoft.com/office/drawing/2014/main" val="2293066379"/>
+                    </a:ext>
+                  </a:extLst>
+                </a:gridCol>
+                <a:gridCol w="1402226">
+                  <a:extLst>
+                    <a:ext uri="{9D8B030D-6E8A-4147-A177-3AD203B41FA5}">
+                      <a16:colId xmlns:a16="http://schemas.microsoft.com/office/drawing/2014/main" val="394187874"/>
+                    </a:ext>
+                  </a:extLst>
+                </a:gridCol>
+                <a:gridCol w="1402226">
+                  <a:extLst>
+                    <a:ext uri="{9D8B030D-6E8A-4147-A177-3AD203B41FA5}">
+                      <a16:colId xmlns:a16="http://schemas.microsoft.com/office/drawing/2014/main" val="210966711"/>
+                    </a:ext>
+                  </a:extLst>
+                </a:gridCol>
+                <a:gridCol w="1402226">
+                  <a:extLst>
+                    <a:ext uri="{9D8B030D-6E8A-4147-A177-3AD203B41FA5}">
+                      <a16:colId xmlns:a16="http://schemas.microsoft.com/office/drawing/2014/main" val="2130112537"/>
+                    </a:ext>
+                  </a:extLst>
+                </a:gridCol>
+              </a:tblGrid>
+              <a:tr h="1357313">
+                <a:tc>
+                  <a:txBody>
+                    <a:bodyPr/>
+                    <a:lstStyle/>
+                    <a:p>
+                      <a:endParaRPr lang="en-US"/>
+                    </a:p>
+                  </a:txBody>
+                  <a:tcPr>
+                    <a:lnL w="12700" cap="flat" cmpd="sng" algn="ctr">
+                      <a:solidFill>
+                        <a:schemeClr val="tx1"/>
+                      </a:solidFill>
+                      <a:prstDash val="solid"/>
+                      <a:round/>
+                      <a:headEnd type="none" w="med" len="med"/>
+                      <a:tailEnd type="none" w="med" len="med"/>
+                    </a:lnL>
+                    <a:lnR w="12700" cap="flat" cmpd="sng" algn="ctr">
+                      <a:solidFill>
+                        <a:schemeClr val="tx1"/>
+                      </a:solidFill>
+                      <a:prstDash val="solid"/>
+                      <a:round/>
+                      <a:headEnd type="none" w="med" len="med"/>
+                      <a:tailEnd type="none" w="med" len="med"/>
+                    </a:lnR>
+                    <a:lnT w="12700" cap="flat" cmpd="sng" algn="ctr">
+                      <a:solidFill>
+                        <a:schemeClr val="tx1"/>
+                      </a:solidFill>
+                      <a:prstDash val="solid"/>
+                      <a:round/>
+                      <a:headEnd type="none" w="med" len="med"/>
+                      <a:tailEnd type="none" w="med" len="med"/>
+                    </a:lnT>
+                    <a:lnB w="12700" cap="flat" cmpd="sng" algn="ctr">
+                      <a:solidFill>
+                        <a:schemeClr val="tx1"/>
+                      </a:solidFill>
+                      <a:prstDash val="solid"/>
+                      <a:round/>
+                      <a:headEnd type="none" w="med" len="med"/>
+                      <a:tailEnd type="none" w="med" len="med"/>
+                    </a:lnB>
+                    <a:noFill/>
+                  </a:tcPr>
+                </a:tc>
+                <a:tc>
+                  <a:txBody>
+                    <a:bodyPr/>
+                    <a:lstStyle/>
+                    <a:p>
+                      <a:endParaRPr lang="en-US"/>
+                    </a:p>
+                  </a:txBody>
+                  <a:tcPr>
+                    <a:lnL w="12700" cap="flat" cmpd="sng" algn="ctr">
+                      <a:solidFill>
+                        <a:schemeClr val="tx1"/>
+                      </a:solidFill>
+                      <a:prstDash val="solid"/>
+                      <a:round/>
+                      <a:headEnd type="none" w="med" len="med"/>
+                      <a:tailEnd type="none" w="med" len="med"/>
+                    </a:lnL>
+                    <a:lnR w="12700" cap="flat" cmpd="sng" algn="ctr">
+                      <a:solidFill>
+                        <a:schemeClr val="tx1"/>
+                      </a:solidFill>
+                      <a:prstDash val="solid"/>
+                      <a:round/>
+                      <a:headEnd type="none" w="med" len="med"/>
+                      <a:tailEnd type="none" w="med" len="med"/>
+                    </a:lnR>
+                    <a:lnT w="12700" cap="flat" cmpd="sng" algn="ctr">
+                      <a:solidFill>
+                        <a:schemeClr val="tx1"/>
+                      </a:solidFill>
+                      <a:prstDash val="solid"/>
+                      <a:round/>
+                      <a:headEnd type="none" w="med" len="med"/>
+                      <a:tailEnd type="none" w="med" len="med"/>
+                    </a:lnT>
+                    <a:lnB w="12700" cap="flat" cmpd="sng" algn="ctr">
+                      <a:solidFill>
+                        <a:schemeClr val="tx1"/>
+                      </a:solidFill>
+                      <a:prstDash val="solid"/>
+                      <a:round/>
+                      <a:headEnd type="none" w="med" len="med"/>
+                      <a:tailEnd type="none" w="med" len="med"/>
+                    </a:lnB>
+                    <a:noFill/>
+                  </a:tcPr>
+                </a:tc>
+                <a:tc>
+                  <a:txBody>
+                    <a:bodyPr/>
+                    <a:lstStyle/>
+                    <a:p>
+                      <a:endParaRPr lang="en-US"/>
+                    </a:p>
+                  </a:txBody>
+                  <a:tcPr>
+                    <a:lnL w="12700" cap="flat" cmpd="sng" algn="ctr">
+                      <a:solidFill>
+                        <a:schemeClr val="tx1"/>
+                      </a:solidFill>
+                      <a:prstDash val="solid"/>
+                      <a:round/>
+                      <a:headEnd type="none" w="med" len="med"/>
+                      <a:tailEnd type="none" w="med" len="med"/>
+                    </a:lnL>
+                    <a:lnR w="12700" cap="flat" cmpd="sng" algn="ctr">
+                      <a:solidFill>
+                        <a:schemeClr val="tx1"/>
+                      </a:solidFill>
+                      <a:prstDash val="solid"/>
+                      <a:round/>
+                      <a:headEnd type="none" w="med" len="med"/>
+                      <a:tailEnd type="none" w="med" len="med"/>
+                    </a:lnR>
+                    <a:lnT w="12700" cap="flat" cmpd="sng" algn="ctr">
+                      <a:solidFill>
+                        <a:schemeClr val="tx1"/>
+                      </a:solidFill>
+                      <a:prstDash val="solid"/>
+                      <a:round/>
+                      <a:headEnd type="none" w="med" len="med"/>
+                      <a:tailEnd type="none" w="med" len="med"/>
+                    </a:lnT>
+                    <a:lnB w="12700" cap="flat" cmpd="sng" algn="ctr">
+                      <a:solidFill>
+                        <a:schemeClr val="tx1"/>
+                      </a:solidFill>
+                      <a:prstDash val="solid"/>
+                      <a:round/>
+                      <a:headEnd type="none" w="med" len="med"/>
+                      <a:tailEnd type="none" w="med" len="med"/>
+                    </a:lnB>
+                    <a:noFill/>
+                  </a:tcPr>
+                </a:tc>
+                <a:tc>
+                  <a:txBody>
+                    <a:bodyPr/>
+                    <a:lstStyle/>
+                    <a:p>
+                      <a:endParaRPr lang="en-US"/>
+                    </a:p>
+                  </a:txBody>
+                  <a:tcPr>
+                    <a:lnL w="12700" cap="flat" cmpd="sng" algn="ctr">
+                      <a:solidFill>
+                        <a:schemeClr val="tx1"/>
+                      </a:solidFill>
+                      <a:prstDash val="solid"/>
+                      <a:round/>
+                      <a:headEnd type="none" w="med" len="med"/>
+                      <a:tailEnd type="none" w="med" len="med"/>
+                    </a:lnL>
+                    <a:lnR w="12700" cap="flat" cmpd="sng" algn="ctr">
+                      <a:solidFill>
+                        <a:schemeClr val="tx1"/>
+                      </a:solidFill>
+                      <a:prstDash val="solid"/>
+                      <a:round/>
+                      <a:headEnd type="none" w="med" len="med"/>
+                      <a:tailEnd type="none" w="med" len="med"/>
+                    </a:lnR>
+                    <a:lnT w="12700" cap="flat" cmpd="sng" algn="ctr">
+                      <a:solidFill>
+                        <a:schemeClr val="tx1"/>
+                      </a:solidFill>
+                      <a:prstDash val="solid"/>
+                      <a:round/>
+                      <a:headEnd type="none" w="med" len="med"/>
+                      <a:tailEnd type="none" w="med" len="med"/>
+                    </a:lnT>
+                    <a:lnB w="12700" cap="flat" cmpd="sng" algn="ctr">
+                      <a:solidFill>
+                        <a:schemeClr val="tx1"/>
+                      </a:solidFill>
+                      <a:prstDash val="solid"/>
+                      <a:round/>
+                      <a:headEnd type="none" w="med" len="med"/>
+                      <a:tailEnd type="none" w="med" len="med"/>
+                    </a:lnB>
+                    <a:noFill/>
+                  </a:tcPr>
+                </a:tc>
+                <a:extLst>
+                  <a:ext uri="{0D108BD9-81ED-4DB2-BD59-A6C34878D82A}">
+                    <a16:rowId xmlns:a16="http://schemas.microsoft.com/office/drawing/2014/main" val="533146199"/>
+                  </a:ext>
+                </a:extLst>
+              </a:tr>
+              <a:tr h="1357313">
+                <a:tc>
+                  <a:txBody>
+                    <a:bodyPr/>
+                    <a:lstStyle/>
+                    <a:p>
+                      <a:endParaRPr lang="en-US"/>
+                    </a:p>
+                  </a:txBody>
+                  <a:tcPr>
+                    <a:lnL w="12700" cap="flat" cmpd="sng" algn="ctr">
+                      <a:solidFill>
+                        <a:schemeClr val="tx1"/>
+                      </a:solidFill>
+                      <a:prstDash val="solid"/>
+                      <a:round/>
+                      <a:headEnd type="none" w="med" len="med"/>
+                      <a:tailEnd type="none" w="med" len="med"/>
+                    </a:lnL>
+                    <a:lnR w="12700" cap="flat" cmpd="sng" algn="ctr">
+                      <a:solidFill>
+                        <a:schemeClr val="tx1"/>
+                      </a:solidFill>
+                      <a:prstDash val="solid"/>
+                      <a:round/>
+                      <a:headEnd type="none" w="med" len="med"/>
+                      <a:tailEnd type="none" w="med" len="med"/>
+                    </a:lnR>
+                    <a:lnT w="12700" cap="flat" cmpd="sng" algn="ctr">
+                      <a:solidFill>
+                        <a:schemeClr val="tx1"/>
+                      </a:solidFill>
+                      <a:prstDash val="solid"/>
+                      <a:round/>
+                      <a:headEnd type="none" w="med" len="med"/>
+                      <a:tailEnd type="none" w="med" len="med"/>
+                    </a:lnT>
+                    <a:lnB w="12700" cap="flat" cmpd="sng" algn="ctr">
+                      <a:solidFill>
+                        <a:schemeClr val="tx1"/>
+                      </a:solidFill>
+                      <a:prstDash val="solid"/>
+                      <a:round/>
+                      <a:headEnd type="none" w="med" len="med"/>
+                      <a:tailEnd type="none" w="med" len="med"/>
+                    </a:lnB>
+                    <a:noFill/>
+                  </a:tcPr>
+                </a:tc>
+                <a:tc>
+                  <a:txBody>
+                    <a:bodyPr/>
+                    <a:lstStyle/>
+                    <a:p>
+                      <a:endParaRPr lang="en-US"/>
+                    </a:p>
+                  </a:txBody>
+                  <a:tcPr>
+                    <a:lnL w="12700" cap="flat" cmpd="sng" algn="ctr">
+                      <a:solidFill>
+                        <a:schemeClr val="tx1"/>
+                      </a:solidFill>
+                      <a:prstDash val="solid"/>
+                      <a:round/>
+                      <a:headEnd type="none" w="med" len="med"/>
+                      <a:tailEnd type="none" w="med" len="med"/>
+                    </a:lnL>
+                    <a:lnR w="12700" cap="flat" cmpd="sng" algn="ctr">
+                      <a:solidFill>
+                        <a:schemeClr val="tx1"/>
+                      </a:solidFill>
+                      <a:prstDash val="solid"/>
+                      <a:round/>
+                      <a:headEnd type="none" w="med" len="med"/>
+                      <a:tailEnd type="none" w="med" len="med"/>
+                    </a:lnR>
+                    <a:lnT w="12700" cap="flat" cmpd="sng" algn="ctr">
+                      <a:solidFill>
+                        <a:schemeClr val="tx1"/>
+                      </a:solidFill>
+                      <a:prstDash val="solid"/>
+                      <a:round/>
+                      <a:headEnd type="none" w="med" len="med"/>
+                      <a:tailEnd type="none" w="med" len="med"/>
+                    </a:lnT>
+                    <a:lnB w="12700" cap="flat" cmpd="sng" algn="ctr">
+                      <a:solidFill>
+                        <a:schemeClr val="tx1"/>
+                      </a:solidFill>
+                      <a:prstDash val="solid"/>
+                      <a:round/>
+                      <a:headEnd type="none" w="med" len="med"/>
+                      <a:tailEnd type="none" w="med" len="med"/>
+                    </a:lnB>
+                    <a:noFill/>
+                  </a:tcPr>
+                </a:tc>
+                <a:tc>
+                  <a:txBody>
+                    <a:bodyPr/>
+                    <a:lstStyle/>
+                    <a:p>
+                      <a:endParaRPr lang="en-US"/>
+                    </a:p>
+                  </a:txBody>
+                  <a:tcPr>
+                    <a:lnL w="12700" cap="flat" cmpd="sng" algn="ctr">
+                      <a:solidFill>
+                        <a:schemeClr val="tx1"/>
+                      </a:solidFill>
+                      <a:prstDash val="solid"/>
+                      <a:round/>
+                      <a:headEnd type="none" w="med" len="med"/>
+                      <a:tailEnd type="none" w="med" len="med"/>
+                    </a:lnL>
+                    <a:lnR w="12700" cap="flat" cmpd="sng" algn="ctr">
+                      <a:solidFill>
+                        <a:schemeClr val="tx1"/>
+                      </a:solidFill>
+                      <a:prstDash val="solid"/>
+                      <a:round/>
+                      <a:headEnd type="none" w="med" len="med"/>
+                      <a:tailEnd type="none" w="med" len="med"/>
+                    </a:lnR>
+                    <a:lnT w="12700" cap="flat" cmpd="sng" algn="ctr">
+                      <a:solidFill>
+                        <a:schemeClr val="tx1"/>
+                      </a:solidFill>
+                      <a:prstDash val="solid"/>
+                      <a:round/>
+                      <a:headEnd type="none" w="med" len="med"/>
+                      <a:tailEnd type="none" w="med" len="med"/>
+                    </a:lnT>
+                    <a:lnB w="12700" cap="flat" cmpd="sng" algn="ctr">
+                      <a:solidFill>
+                        <a:schemeClr val="tx1"/>
+                      </a:solidFill>
+                      <a:prstDash val="solid"/>
+                      <a:round/>
+                      <a:headEnd type="none" w="med" len="med"/>
+                      <a:tailEnd type="none" w="med" len="med"/>
+                    </a:lnB>
+                    <a:noFill/>
+                  </a:tcPr>
+                </a:tc>
+                <a:tc>
+                  <a:txBody>
+                    <a:bodyPr/>
+                    <a:lstStyle/>
+                    <a:p>
+                      <a:endParaRPr lang="en-US"/>
+                    </a:p>
+                  </a:txBody>
+                  <a:tcPr>
+                    <a:lnL w="12700" cap="flat" cmpd="sng" algn="ctr">
+                      <a:solidFill>
+                        <a:schemeClr val="tx1"/>
+                      </a:solidFill>
+                      <a:prstDash val="solid"/>
+                      <a:round/>
+                      <a:headEnd type="none" w="med" len="med"/>
+                      <a:tailEnd type="none" w="med" len="med"/>
+                    </a:lnL>
+                    <a:lnR w="12700" cap="flat" cmpd="sng" algn="ctr">
+                      <a:solidFill>
+                        <a:schemeClr val="tx1"/>
+                      </a:solidFill>
+                      <a:prstDash val="solid"/>
+                      <a:round/>
+                      <a:headEnd type="none" w="med" len="med"/>
+                      <a:tailEnd type="none" w="med" len="med"/>
+                    </a:lnR>
+                    <a:lnT w="12700" cap="flat" cmpd="sng" algn="ctr">
+                      <a:solidFill>
+                        <a:schemeClr val="tx1"/>
+                      </a:solidFill>
+                      <a:prstDash val="solid"/>
+                      <a:round/>
+                      <a:headEnd type="none" w="med" len="med"/>
+                      <a:tailEnd type="none" w="med" len="med"/>
+                    </a:lnT>
+                    <a:lnB w="12700" cap="flat" cmpd="sng" algn="ctr">
+                      <a:solidFill>
+                        <a:schemeClr val="tx1"/>
+                      </a:solidFill>
+                      <a:prstDash val="solid"/>
+                      <a:round/>
+                      <a:headEnd type="none" w="med" len="med"/>
+                      <a:tailEnd type="none" w="med" len="med"/>
+                    </a:lnB>
+                    <a:noFill/>
+                  </a:tcPr>
+                </a:tc>
+                <a:extLst>
+                  <a:ext uri="{0D108BD9-81ED-4DB2-BD59-A6C34878D82A}">
+                    <a16:rowId xmlns:a16="http://schemas.microsoft.com/office/drawing/2014/main" val="3791963856"/>
+                  </a:ext>
+                </a:extLst>
+              </a:tr>
+              <a:tr h="1357313">
+                <a:tc>
+                  <a:txBody>
+                    <a:bodyPr/>
+                    <a:lstStyle/>
+                    <a:p>
+                      <a:endParaRPr lang="en-US"/>
+                    </a:p>
+                  </a:txBody>
+                  <a:tcPr>
+                    <a:lnL w="12700" cap="flat" cmpd="sng" algn="ctr">
+                      <a:solidFill>
+                        <a:schemeClr val="tx1"/>
+                      </a:solidFill>
+                      <a:prstDash val="solid"/>
+                      <a:round/>
+                      <a:headEnd type="none" w="med" len="med"/>
+                      <a:tailEnd type="none" w="med" len="med"/>
+                    </a:lnL>
+                    <a:lnR w="12700" cap="flat" cmpd="sng" algn="ctr">
+                      <a:solidFill>
+                        <a:schemeClr val="tx1"/>
+                      </a:solidFill>
+                      <a:prstDash val="solid"/>
+                      <a:round/>
+                      <a:headEnd type="none" w="med" len="med"/>
+                      <a:tailEnd type="none" w="med" len="med"/>
+                    </a:lnR>
+                    <a:lnT w="12700" cap="flat" cmpd="sng" algn="ctr">
+                      <a:solidFill>
+                        <a:schemeClr val="tx1"/>
+                      </a:solidFill>
+                      <a:prstDash val="solid"/>
+                      <a:round/>
+                      <a:headEnd type="none" w="med" len="med"/>
+                      <a:tailEnd type="none" w="med" len="med"/>
+                    </a:lnT>
+                    <a:lnB w="12700" cap="flat" cmpd="sng" algn="ctr">
+                      <a:solidFill>
+                        <a:schemeClr val="tx1"/>
+                      </a:solidFill>
+                      <a:prstDash val="solid"/>
+                      <a:round/>
+                      <a:headEnd type="none" w="med" len="med"/>
+                      <a:tailEnd type="none" w="med" len="med"/>
+                    </a:lnB>
+                    <a:noFill/>
+                  </a:tcPr>
+                </a:tc>
+                <a:tc>
+                  <a:txBody>
+                    <a:bodyPr/>
+                    <a:lstStyle/>
+                    <a:p>
+                      <a:endParaRPr lang="en-US"/>
+                    </a:p>
+                  </a:txBody>
+                  <a:tcPr>
+                    <a:lnL w="12700" cap="flat" cmpd="sng" algn="ctr">
+                      <a:solidFill>
+                        <a:schemeClr val="tx1"/>
+                      </a:solidFill>
+                      <a:prstDash val="solid"/>
+                      <a:round/>
+                      <a:headEnd type="none" w="med" len="med"/>
+                      <a:tailEnd type="none" w="med" len="med"/>
+                    </a:lnL>
+                    <a:lnR w="12700" cap="flat" cmpd="sng" algn="ctr">
+                      <a:solidFill>
+                        <a:schemeClr val="tx1"/>
+                      </a:solidFill>
+                      <a:prstDash val="solid"/>
+                      <a:round/>
+                      <a:headEnd type="none" w="med" len="med"/>
+                      <a:tailEnd type="none" w="med" len="med"/>
+                    </a:lnR>
+                    <a:lnT w="12700" cap="flat" cmpd="sng" algn="ctr">
+                      <a:solidFill>
+                        <a:schemeClr val="tx1"/>
+                      </a:solidFill>
+                      <a:prstDash val="solid"/>
+                      <a:round/>
+                      <a:headEnd type="none" w="med" len="med"/>
+                      <a:tailEnd type="none" w="med" len="med"/>
+                    </a:lnT>
+                    <a:lnB w="12700" cap="flat" cmpd="sng" algn="ctr">
+                      <a:solidFill>
+                        <a:schemeClr val="tx1"/>
+                      </a:solidFill>
+                      <a:prstDash val="solid"/>
+                      <a:round/>
+                      <a:headEnd type="none" w="med" len="med"/>
+                      <a:tailEnd type="none" w="med" len="med"/>
+                    </a:lnB>
+                    <a:noFill/>
+                  </a:tcPr>
+                </a:tc>
+                <a:tc>
+                  <a:txBody>
+                    <a:bodyPr/>
+                    <a:lstStyle/>
+                    <a:p>
+                      <a:endParaRPr lang="en-US"/>
+                    </a:p>
+                  </a:txBody>
+                  <a:tcPr>
+                    <a:lnL w="12700" cap="flat" cmpd="sng" algn="ctr">
+                      <a:solidFill>
+                        <a:schemeClr val="tx1"/>
+                      </a:solidFill>
+                      <a:prstDash val="solid"/>
+                      <a:round/>
+                      <a:headEnd type="none" w="med" len="med"/>
+                      <a:tailEnd type="none" w="med" len="med"/>
+                    </a:lnL>
+                    <a:lnR w="12700" cap="flat" cmpd="sng" algn="ctr">
+                      <a:solidFill>
+                        <a:schemeClr val="tx1"/>
+                      </a:solidFill>
+                      <a:prstDash val="solid"/>
+                      <a:round/>
+                      <a:headEnd type="none" w="med" len="med"/>
+                      <a:tailEnd type="none" w="med" len="med"/>
+                    </a:lnR>
+                    <a:lnT w="12700" cap="flat" cmpd="sng" algn="ctr">
+                      <a:solidFill>
+                        <a:schemeClr val="tx1"/>
+                      </a:solidFill>
+                      <a:prstDash val="solid"/>
+                      <a:round/>
+                      <a:headEnd type="none" w="med" len="med"/>
+                      <a:tailEnd type="none" w="med" len="med"/>
+                    </a:lnT>
+                    <a:lnB w="12700" cap="flat" cmpd="sng" algn="ctr">
+                      <a:solidFill>
+                        <a:schemeClr val="tx1"/>
+                      </a:solidFill>
+                      <a:prstDash val="solid"/>
+                      <a:round/>
+                      <a:headEnd type="none" w="med" len="med"/>
+                      <a:tailEnd type="none" w="med" len="med"/>
+                    </a:lnB>
+                    <a:noFill/>
+                  </a:tcPr>
+                </a:tc>
+                <a:tc>
+                  <a:txBody>
+                    <a:bodyPr/>
+                    <a:lstStyle/>
+                    <a:p>
+                      <a:endParaRPr lang="en-US"/>
+                    </a:p>
+                  </a:txBody>
+                  <a:tcPr>
+                    <a:lnL w="12700" cap="flat" cmpd="sng" algn="ctr">
+                      <a:solidFill>
+                        <a:schemeClr val="tx1"/>
+                      </a:solidFill>
+                      <a:prstDash val="solid"/>
+                      <a:round/>
+                      <a:headEnd type="none" w="med" len="med"/>
+                      <a:tailEnd type="none" w="med" len="med"/>
+                    </a:lnL>
+                    <a:lnR w="12700" cap="flat" cmpd="sng" algn="ctr">
+                      <a:solidFill>
+                        <a:schemeClr val="tx1"/>
+                      </a:solidFill>
+                      <a:prstDash val="solid"/>
+                      <a:round/>
+                      <a:headEnd type="none" w="med" len="med"/>
+                      <a:tailEnd type="none" w="med" len="med"/>
+                    </a:lnR>
+                    <a:lnT w="12700" cap="flat" cmpd="sng" algn="ctr">
+                      <a:solidFill>
+                        <a:schemeClr val="tx1"/>
+                      </a:solidFill>
+                      <a:prstDash val="solid"/>
+                      <a:round/>
+                      <a:headEnd type="none" w="med" len="med"/>
+                      <a:tailEnd type="none" w="med" len="med"/>
+                    </a:lnT>
+                    <a:lnB w="12700" cap="flat" cmpd="sng" algn="ctr">
+                      <a:solidFill>
+                        <a:schemeClr val="tx1"/>
+                      </a:solidFill>
+                      <a:prstDash val="solid"/>
+                      <a:round/>
+                      <a:headEnd type="none" w="med" len="med"/>
+                      <a:tailEnd type="none" w="med" len="med"/>
+                    </a:lnB>
+                    <a:noFill/>
+                  </a:tcPr>
+                </a:tc>
+                <a:extLst>
+                  <a:ext uri="{0D108BD9-81ED-4DB2-BD59-A6C34878D82A}">
+                    <a16:rowId xmlns:a16="http://schemas.microsoft.com/office/drawing/2014/main" val="1652028078"/>
+                  </a:ext>
+                </a:extLst>
+              </a:tr>
+              <a:tr h="1357313">
+                <a:tc>
+                  <a:txBody>
+                    <a:bodyPr/>
+                    <a:lstStyle/>
+                    <a:p>
+                      <a:endParaRPr lang="en-US"/>
+                    </a:p>
+                  </a:txBody>
+                  <a:tcPr>
+                    <a:lnL w="12700" cap="flat" cmpd="sng" algn="ctr">
+                      <a:solidFill>
+                        <a:schemeClr val="tx1"/>
+                      </a:solidFill>
+                      <a:prstDash val="solid"/>
+                      <a:round/>
+                      <a:headEnd type="none" w="med" len="med"/>
+                      <a:tailEnd type="none" w="med" len="med"/>
+                    </a:lnL>
+                    <a:lnR w="12700" cap="flat" cmpd="sng" algn="ctr">
+                      <a:solidFill>
+                        <a:schemeClr val="tx1"/>
+                      </a:solidFill>
+                      <a:prstDash val="solid"/>
+                      <a:round/>
+                      <a:headEnd type="none" w="med" len="med"/>
+                      <a:tailEnd type="none" w="med" len="med"/>
+                    </a:lnR>
+                    <a:lnT w="12700" cap="flat" cmpd="sng" algn="ctr">
+                      <a:solidFill>
+                        <a:schemeClr val="tx1"/>
+                      </a:solidFill>
+                      <a:prstDash val="solid"/>
+                      <a:round/>
+                      <a:headEnd type="none" w="med" len="med"/>
+                      <a:tailEnd type="none" w="med" len="med"/>
+                    </a:lnT>
+                    <a:lnB w="12700" cap="flat" cmpd="sng" algn="ctr">
+                      <a:solidFill>
+                        <a:schemeClr val="tx1"/>
+                      </a:solidFill>
+                      <a:prstDash val="solid"/>
+                      <a:round/>
+                      <a:headEnd type="none" w="med" len="med"/>
+                      <a:tailEnd type="none" w="med" len="med"/>
+                    </a:lnB>
+                    <a:noFill/>
+                  </a:tcPr>
+                </a:tc>
+                <a:tc>
+                  <a:txBody>
+                    <a:bodyPr/>
+                    <a:lstStyle/>
+                    <a:p>
+                      <a:endParaRPr lang="en-US"/>
+                    </a:p>
+                  </a:txBody>
+                  <a:tcPr>
+                    <a:lnL w="12700" cap="flat" cmpd="sng" algn="ctr">
+                      <a:solidFill>
+                        <a:schemeClr val="tx1"/>
+                      </a:solidFill>
+                      <a:prstDash val="solid"/>
+                      <a:round/>
+                      <a:headEnd type="none" w="med" len="med"/>
+                      <a:tailEnd type="none" w="med" len="med"/>
+                    </a:lnL>
+                    <a:lnR w="12700" cap="flat" cmpd="sng" algn="ctr">
+                      <a:solidFill>
+                        <a:schemeClr val="tx1"/>
+                      </a:solidFill>
+                      <a:prstDash val="solid"/>
+                      <a:round/>
+                      <a:headEnd type="none" w="med" len="med"/>
+                      <a:tailEnd type="none" w="med" len="med"/>
+                    </a:lnR>
+                    <a:lnT w="12700" cap="flat" cmpd="sng" algn="ctr">
+                      <a:solidFill>
+                        <a:schemeClr val="tx1"/>
+                      </a:solidFill>
+                      <a:prstDash val="solid"/>
+                      <a:round/>
+                      <a:headEnd type="none" w="med" len="med"/>
+                      <a:tailEnd type="none" w="med" len="med"/>
+                    </a:lnT>
+                    <a:lnB w="12700" cap="flat" cmpd="sng" algn="ctr">
+                      <a:solidFill>
+                        <a:schemeClr val="tx1"/>
+                      </a:solidFill>
+                      <a:prstDash val="solid"/>
+                      <a:round/>
+                      <a:headEnd type="none" w="med" len="med"/>
+                      <a:tailEnd type="none" w="med" len="med"/>
+                    </a:lnB>
+                    <a:noFill/>
+                  </a:tcPr>
+                </a:tc>
+                <a:tc>
+                  <a:txBody>
+                    <a:bodyPr/>
+                    <a:lstStyle/>
+                    <a:p>
+                      <a:endParaRPr lang="en-US"/>
+                    </a:p>
+                  </a:txBody>
+                  <a:tcPr>
+                    <a:lnL w="12700" cap="flat" cmpd="sng" algn="ctr">
+                      <a:solidFill>
+                        <a:schemeClr val="tx1"/>
+                      </a:solidFill>
+                      <a:prstDash val="solid"/>
+                      <a:round/>
+                      <a:headEnd type="none" w="med" len="med"/>
+                      <a:tailEnd type="none" w="med" len="med"/>
+                    </a:lnL>
+                    <a:lnR w="12700" cap="flat" cmpd="sng" algn="ctr">
+                      <a:solidFill>
+                        <a:schemeClr val="tx1"/>
+                      </a:solidFill>
+                      <a:prstDash val="solid"/>
+                      <a:round/>
+                      <a:headEnd type="none" w="med" len="med"/>
+                      <a:tailEnd type="none" w="med" len="med"/>
+                    </a:lnR>
+                    <a:lnT w="12700" cap="flat" cmpd="sng" algn="ctr">
+                      <a:solidFill>
+                        <a:schemeClr val="tx1"/>
+                      </a:solidFill>
+                      <a:prstDash val="solid"/>
+                      <a:round/>
+                      <a:headEnd type="none" w="med" len="med"/>
+                      <a:tailEnd type="none" w="med" len="med"/>
+                    </a:lnT>
+                    <a:lnB w="12700" cap="flat" cmpd="sng" algn="ctr">
+                      <a:solidFill>
+                        <a:schemeClr val="tx1"/>
+                      </a:solidFill>
+                      <a:prstDash val="solid"/>
+                      <a:round/>
+                      <a:headEnd type="none" w="med" len="med"/>
+                      <a:tailEnd type="none" w="med" len="med"/>
+                    </a:lnB>
+                    <a:noFill/>
+                  </a:tcPr>
+                </a:tc>
+                <a:tc>
+                  <a:txBody>
+                    <a:bodyPr/>
+                    <a:lstStyle/>
+                    <a:p>
+                      <a:endParaRPr lang="en-US"/>
+                    </a:p>
+                  </a:txBody>
+                  <a:tcPr>
+                    <a:lnL w="12700" cap="flat" cmpd="sng" algn="ctr">
+                      <a:solidFill>
+                        <a:schemeClr val="tx1"/>
+                      </a:solidFill>
+                      <a:prstDash val="solid"/>
+                      <a:round/>
+                      <a:headEnd type="none" w="med" len="med"/>
+                      <a:tailEnd type="none" w="med" len="med"/>
+                    </a:lnL>
+                    <a:lnR w="12700" cap="flat" cmpd="sng" algn="ctr">
+                      <a:solidFill>
+                        <a:schemeClr val="tx1"/>
+                      </a:solidFill>
+                      <a:prstDash val="solid"/>
+                      <a:round/>
+                      <a:headEnd type="none" w="med" len="med"/>
+                      <a:tailEnd type="none" w="med" len="med"/>
+                    </a:lnR>
+                    <a:lnT w="12700" cap="flat" cmpd="sng" algn="ctr">
+                      <a:solidFill>
+                        <a:schemeClr val="tx1"/>
+                      </a:solidFill>
+                      <a:prstDash val="solid"/>
+                      <a:round/>
+                      <a:headEnd type="none" w="med" len="med"/>
+                      <a:tailEnd type="none" w="med" len="med"/>
+                    </a:lnT>
+                    <a:lnB w="12700" cap="flat" cmpd="sng" algn="ctr">
+                      <a:solidFill>
+                        <a:schemeClr val="tx1"/>
+                      </a:solidFill>
+                      <a:prstDash val="solid"/>
+                      <a:round/>
+                      <a:headEnd type="none" w="med" len="med"/>
+                      <a:tailEnd type="none" w="med" len="med"/>
+                    </a:lnB>
+                    <a:noFill/>
+                  </a:tcPr>
+                </a:tc>
+                <a:extLst>
+                  <a:ext uri="{0D108BD9-81ED-4DB2-BD59-A6C34878D82A}">
+                    <a16:rowId xmlns:a16="http://schemas.microsoft.com/office/drawing/2014/main" val="2627886925"/>
+                  </a:ext>
+                </a:extLst>
+              </a:tr>
+            </a:tbl>
+          </a:graphicData>
+        </a:graphic>
+      </p:graphicFrame>
+      <p:sp>
+        <p:nvSpPr>
+          <p:cNvPr id="4" name="Left Brace 3">
+            <a:extLst>
+              <a:ext uri="{FF2B5EF4-FFF2-40B4-BE49-F238E27FC236}">
+                <a16:creationId xmlns:a16="http://schemas.microsoft.com/office/drawing/2014/main" id="{7CD004AD-DB53-1846-A58D-08DBC309A4F8}"/>
+              </a:ext>
+            </a:extLst>
+          </p:cNvPr>
+          <p:cNvSpPr/>
+          <p:nvPr/>
+        </p:nvSpPr>
+        <p:spPr>
+          <a:xfrm>
+            <a:off x="3320124" y="876300"/>
+            <a:ext cx="100674" cy="1371600"/>
+          </a:xfrm>
+          <a:prstGeom prst="leftBrace">
+            <a:avLst/>
+          </a:prstGeom>
+          <a:ln w="38100"/>
+        </p:spPr>
+        <p:style>
+          <a:lnRef idx="1">
+            <a:schemeClr val="dk1"/>
+          </a:lnRef>
+          <a:fillRef idx="0">
+            <a:schemeClr val="dk1"/>
+          </a:fillRef>
+          <a:effectRef idx="0">
+            <a:schemeClr val="dk1"/>
+          </a:effectRef>
+          <a:fontRef idx="minor">
+            <a:schemeClr val="tx1"/>
+          </a:fontRef>
+        </p:style>
+        <p:txBody>
+          <a:bodyPr rtlCol="0" anchor="ctr"/>
+          <a:lstStyle/>
+          <a:p>
+            <a:pPr algn="ctr"/>
+            <a:endParaRPr lang="en-US"/>
+          </a:p>
+        </p:txBody>
+      </p:sp>
+      <p:sp>
+        <p:nvSpPr>
+          <p:cNvPr id="5" name="Left Brace 4">
+            <a:extLst>
+              <a:ext uri="{FF2B5EF4-FFF2-40B4-BE49-F238E27FC236}">
+                <a16:creationId xmlns:a16="http://schemas.microsoft.com/office/drawing/2014/main" id="{0626E1FC-E886-614A-941F-2C7C5B93F256}"/>
+              </a:ext>
+            </a:extLst>
+          </p:cNvPr>
+          <p:cNvSpPr/>
+          <p:nvPr/>
+        </p:nvSpPr>
+        <p:spPr>
+          <a:xfrm rot="5400000">
+            <a:off x="4177374" y="-38100"/>
+            <a:ext cx="201348" cy="1371600"/>
+          </a:xfrm>
+          <a:prstGeom prst="leftBrace">
+            <a:avLst/>
+          </a:prstGeom>
+          <a:ln w="38100"/>
+        </p:spPr>
+        <p:style>
+          <a:lnRef idx="1">
+            <a:schemeClr val="dk1"/>
+          </a:lnRef>
+          <a:fillRef idx="0">
+            <a:schemeClr val="dk1"/>
+          </a:fillRef>
+          <a:effectRef idx="0">
+            <a:schemeClr val="dk1"/>
+          </a:effectRef>
+          <a:fontRef idx="minor">
+            <a:schemeClr val="tx1"/>
+          </a:fontRef>
+        </p:style>
+        <p:txBody>
+          <a:bodyPr rtlCol="0" anchor="ctr"/>
+          <a:lstStyle/>
+          <a:p>
+            <a:pPr algn="ctr"/>
+            <a:endParaRPr lang="en-US"/>
+          </a:p>
+        </p:txBody>
+      </p:sp>
+      <mc:AlternateContent xmlns:mc="http://schemas.openxmlformats.org/markup-compatibility/2006">
+        <mc:Choice xmlns:a14="http://schemas.microsoft.com/office/drawing/2010/main" Requires="a14">
+          <p:sp>
+            <p:nvSpPr>
+              <p:cNvPr id="6" name="TextBox 5">
+                <a:extLst>
+                  <a:ext uri="{FF2B5EF4-FFF2-40B4-BE49-F238E27FC236}">
+                    <a16:creationId xmlns:a16="http://schemas.microsoft.com/office/drawing/2014/main" id="{A6C71653-83B9-FE40-B4A6-5BD6087C2F51}"/>
+                  </a:ext>
+                </a:extLst>
+              </p:cNvPr>
+              <p:cNvSpPr txBox="1"/>
+              <p:nvPr/>
+            </p:nvSpPr>
+            <p:spPr>
+              <a:xfrm>
+                <a:off x="2634324" y="1226348"/>
+                <a:ext cx="933450" cy="557204"/>
+              </a:xfrm>
+              <a:prstGeom prst="rect">
+                <a:avLst/>
+              </a:prstGeom>
+              <a:noFill/>
+            </p:spPr>
+            <p:txBody>
+              <a:bodyPr wrap="square" rtlCol="0">
+                <a:spAutoFit/>
+              </a:bodyPr>
+              <a:lstStyle/>
+              <a:p>
+                <a14:m>
+                  <m:oMathPara xmlns:m="http://schemas.openxmlformats.org/officeDocument/2006/math">
+                    <m:oMathParaPr>
+                      <m:jc m:val="centerGroup"/>
+                    </m:oMathParaPr>
+                    <m:oMath xmlns:m="http://schemas.openxmlformats.org/officeDocument/2006/math">
+                      <m:sSub>
+                        <m:sSubPr>
+                          <m:ctrlPr>
+                            <a:rPr lang="en-US" sz="2800" b="0" i="1">
+                              <a:latin typeface="Cambria Math" panose="02040503050406030204" pitchFamily="18" charset="0"/>
+                            </a:rPr>
+                          </m:ctrlPr>
+                        </m:sSubPr>
+                        <m:e>
+                          <m:r>
+                            <a:rPr lang="en-US" sz="2800" b="0" i="1">
+                              <a:latin typeface="Cambria Math" panose="02040503050406030204" pitchFamily="18" charset="0"/>
+                            </a:rPr>
+                            <m:t>𝑐</m:t>
+                          </m:r>
+                        </m:e>
+                        <m:sub>
+                          <m:r>
+                            <a:rPr lang="en-US" sz="2800" b="0" i="1">
+                              <a:latin typeface="Cambria Math" panose="02040503050406030204" pitchFamily="18" charset="0"/>
+                            </a:rPr>
+                            <m:t>𝑦</m:t>
+                          </m:r>
+                        </m:sub>
+                      </m:sSub>
+                    </m:oMath>
+                  </m:oMathPara>
+                </a14:m>
+                <a:endParaRPr lang="en-US" sz="2800"/>
+              </a:p>
+            </p:txBody>
+          </p:sp>
+        </mc:Choice>
+        <mc:Fallback>
+          <p:sp>
+            <p:nvSpPr>
+              <p:cNvPr id="6" name="TextBox 5">
+                <a:extLst>
+                  <a:ext uri="{FF2B5EF4-FFF2-40B4-BE49-F238E27FC236}">
+                    <a16:creationId xmlns:a16="http://schemas.microsoft.com/office/drawing/2014/main" id="{A6C71653-83B9-FE40-B4A6-5BD6087C2F51}"/>
+                  </a:ext>
+                </a:extLst>
+              </p:cNvPr>
+              <p:cNvSpPr txBox="1">
+                <a:spLocks noRot="1" noChangeAspect="1" noMove="1" noResize="1" noEditPoints="1" noAdjustHandles="1" noChangeArrowheads="1" noChangeShapeType="1" noTextEdit="1"/>
+              </p:cNvSpPr>
+              <p:nvPr/>
+            </p:nvSpPr>
+            <p:spPr>
+              <a:xfrm>
+                <a:off x="2634324" y="1226348"/>
+                <a:ext cx="933450" cy="557204"/>
+              </a:xfrm>
+              <a:prstGeom prst="rect">
+                <a:avLst/>
+              </a:prstGeom>
+              <a:blipFill>
+                <a:blip r:embed="rId2"/>
+                <a:stretch>
+                  <a:fillRect b="-9091"/>
+                </a:stretch>
+              </a:blipFill>
+            </p:spPr>
+            <p:txBody>
+              <a:bodyPr/>
+              <a:lstStyle/>
+              <a:p>
+                <a:r>
+                  <a:rPr lang="en-US">
+                    <a:noFill/>
+                  </a:rPr>
+                  <a:t> </a:t>
+                </a:r>
+              </a:p>
+            </p:txBody>
+          </p:sp>
+        </mc:Fallback>
+      </mc:AlternateContent>
+      <mc:AlternateContent xmlns:mc="http://schemas.openxmlformats.org/markup-compatibility/2006">
+        <mc:Choice xmlns:a14="http://schemas.microsoft.com/office/drawing/2010/main" Requires="a14">
+          <p:sp>
+            <p:nvSpPr>
+              <p:cNvPr id="7" name="TextBox 6">
+                <a:extLst>
+                  <a:ext uri="{FF2B5EF4-FFF2-40B4-BE49-F238E27FC236}">
+                    <a16:creationId xmlns:a16="http://schemas.microsoft.com/office/drawing/2014/main" id="{33A9A131-10DA-0F48-9691-880CF017A73C}"/>
+                  </a:ext>
+                </a:extLst>
+              </p:cNvPr>
+              <p:cNvSpPr txBox="1"/>
+              <p:nvPr/>
+            </p:nvSpPr>
+            <p:spPr>
+              <a:xfrm>
+                <a:off x="3811323" y="52396"/>
+                <a:ext cx="933450" cy="523220"/>
+              </a:xfrm>
+              <a:prstGeom prst="rect">
+                <a:avLst/>
+              </a:prstGeom>
+              <a:noFill/>
+            </p:spPr>
+            <p:txBody>
+              <a:bodyPr wrap="square" rtlCol="0">
+                <a:spAutoFit/>
+              </a:bodyPr>
+              <a:lstStyle/>
+              <a:p>
+                <a14:m>
+                  <m:oMathPara xmlns:m="http://schemas.openxmlformats.org/officeDocument/2006/math">
+                    <m:oMathParaPr>
+                      <m:jc m:val="centerGroup"/>
+                    </m:oMathParaPr>
+                    <m:oMath xmlns:m="http://schemas.openxmlformats.org/officeDocument/2006/math">
+                      <m:sSub>
+                        <m:sSubPr>
+                          <m:ctrlPr>
+                            <a:rPr lang="en-US" sz="2800" b="0" i="1">
+                              <a:latin typeface="Cambria Math" panose="02040503050406030204" pitchFamily="18" charset="0"/>
+                            </a:rPr>
+                          </m:ctrlPr>
+                        </m:sSubPr>
+                        <m:e>
+                          <m:r>
+                            <a:rPr lang="en-US" sz="2800" b="0" i="1">
+                              <a:latin typeface="Cambria Math" panose="02040503050406030204" pitchFamily="18" charset="0"/>
+                            </a:rPr>
+                            <m:t>𝑐</m:t>
+                          </m:r>
+                        </m:e>
+                        <m:sub>
+                          <m:r>
+                            <a:rPr lang="en-US" sz="2800" b="0" i="1">
+                              <a:latin typeface="Cambria Math" panose="02040503050406030204" pitchFamily="18" charset="0"/>
+                            </a:rPr>
+                            <m:t>𝑥</m:t>
+                          </m:r>
+                        </m:sub>
+                      </m:sSub>
+                    </m:oMath>
+                  </m:oMathPara>
+                </a14:m>
+                <a:endParaRPr lang="en-US" sz="2800"/>
+              </a:p>
+            </p:txBody>
+          </p:sp>
+        </mc:Choice>
+        <mc:Fallback>
+          <p:sp>
+            <p:nvSpPr>
+              <p:cNvPr id="7" name="TextBox 6">
+                <a:extLst>
+                  <a:ext uri="{FF2B5EF4-FFF2-40B4-BE49-F238E27FC236}">
+                    <a16:creationId xmlns:a16="http://schemas.microsoft.com/office/drawing/2014/main" id="{33A9A131-10DA-0F48-9691-880CF017A73C}"/>
+                  </a:ext>
+                </a:extLst>
+              </p:cNvPr>
+              <p:cNvSpPr txBox="1">
+                <a:spLocks noRot="1" noChangeAspect="1" noMove="1" noResize="1" noEditPoints="1" noAdjustHandles="1" noChangeArrowheads="1" noChangeShapeType="1" noTextEdit="1"/>
+              </p:cNvSpPr>
+              <p:nvPr/>
+            </p:nvSpPr>
+            <p:spPr>
+              <a:xfrm>
+                <a:off x="3811323" y="52396"/>
+                <a:ext cx="933450" cy="523220"/>
+              </a:xfrm>
+              <a:prstGeom prst="rect">
+                <a:avLst/>
+              </a:prstGeom>
+              <a:blipFill>
+                <a:blip r:embed="rId3"/>
+                <a:stretch>
+                  <a:fillRect/>
+                </a:stretch>
+              </a:blipFill>
+            </p:spPr>
+            <p:txBody>
+              <a:bodyPr/>
+              <a:lstStyle/>
+              <a:p>
+                <a:r>
+                  <a:rPr lang="en-US">
+                    <a:noFill/>
+                  </a:rPr>
+                  <a:t> </a:t>
+                </a:r>
+              </a:p>
+            </p:txBody>
+          </p:sp>
+        </mc:Fallback>
+      </mc:AlternateContent>
+      <p:sp>
+        <p:nvSpPr>
+          <p:cNvPr id="8" name="Rectangle 7">
+            <a:extLst>
+              <a:ext uri="{FF2B5EF4-FFF2-40B4-BE49-F238E27FC236}">
+                <a16:creationId xmlns:a16="http://schemas.microsoft.com/office/drawing/2014/main" id="{4C9FF3A5-7474-D74A-80F3-8358E33766BB}"/>
+              </a:ext>
+            </a:extLst>
+          </p:cNvPr>
+          <p:cNvSpPr/>
+          <p:nvPr/>
+        </p:nvSpPr>
+        <p:spPr>
+          <a:xfrm>
+            <a:off x="4343400" y="1466850"/>
+            <a:ext cx="2705100" cy="3086100"/>
+          </a:xfrm>
+          <a:prstGeom prst="rect">
+            <a:avLst/>
+          </a:prstGeom>
+          <a:noFill/>
+          <a:ln w="76200">
+            <a:solidFill>
+              <a:schemeClr val="tx1"/>
+            </a:solidFill>
+            <a:prstDash val="sysDash"/>
+          </a:ln>
+        </p:spPr>
+        <p:style>
+          <a:lnRef idx="2">
+            <a:schemeClr val="accent1">
+              <a:shade val="50000"/>
+            </a:schemeClr>
+          </a:lnRef>
+          <a:fillRef idx="1">
+            <a:schemeClr val="accent1"/>
+          </a:fillRef>
+          <a:effectRef idx="0">
+            <a:schemeClr val="accent1"/>
+          </a:effectRef>
+          <a:fontRef idx="minor">
+            <a:schemeClr val="lt1"/>
+          </a:fontRef>
+        </p:style>
+        <p:txBody>
+          <a:bodyPr rtlCol="0" anchor="ctr"/>
+          <a:lstStyle/>
+          <a:p>
+            <a:pPr algn="ctr"/>
+            <a:endParaRPr lang="en-US"/>
+          </a:p>
+        </p:txBody>
+      </p:sp>
+      <p:sp>
+        <p:nvSpPr>
+          <p:cNvPr id="9" name="Rectangle 8">
+            <a:extLst>
+              <a:ext uri="{FF2B5EF4-FFF2-40B4-BE49-F238E27FC236}">
+                <a16:creationId xmlns:a16="http://schemas.microsoft.com/office/drawing/2014/main" id="{1CCC1037-56D6-B14F-9AD5-85FFDA6B3B6B}"/>
+              </a:ext>
+            </a:extLst>
+          </p:cNvPr>
+          <p:cNvSpPr/>
+          <p:nvPr/>
+        </p:nvSpPr>
+        <p:spPr>
+          <a:xfrm>
+            <a:off x="4591050" y="1726402"/>
+            <a:ext cx="1948459" cy="2083598"/>
+          </a:xfrm>
+          <a:prstGeom prst="rect">
+            <a:avLst/>
+          </a:prstGeom>
+          <a:noFill/>
+          <a:ln w="76200">
+            <a:solidFill>
+              <a:srgbClr val="00B0F0"/>
+            </a:solidFill>
+            <a:prstDash val="solid"/>
+          </a:ln>
+        </p:spPr>
+        <p:style>
+          <a:lnRef idx="2">
+            <a:schemeClr val="accent1">
+              <a:shade val="50000"/>
+            </a:schemeClr>
+          </a:lnRef>
+          <a:fillRef idx="1">
+            <a:schemeClr val="accent1"/>
+          </a:fillRef>
+          <a:effectRef idx="0">
+            <a:schemeClr val="accent1"/>
+          </a:effectRef>
+          <a:fontRef idx="minor">
+            <a:schemeClr val="lt1"/>
+          </a:fontRef>
+        </p:style>
+        <p:txBody>
+          <a:bodyPr rtlCol="0" anchor="ctr"/>
+          <a:lstStyle/>
+          <a:p>
+            <a:pPr algn="ctr"/>
+            <a:endParaRPr lang="en-US"/>
+          </a:p>
+        </p:txBody>
+      </p:sp>
+      <mc:AlternateContent xmlns:mc="http://schemas.openxmlformats.org/markup-compatibility/2006">
+        <mc:Choice xmlns:a14="http://schemas.microsoft.com/office/drawing/2010/main" Requires="a14">
+          <p:sp>
+            <p:nvSpPr>
+              <p:cNvPr id="10" name="TextBox 9">
+                <a:extLst>
+                  <a:ext uri="{FF2B5EF4-FFF2-40B4-BE49-F238E27FC236}">
+                    <a16:creationId xmlns:a16="http://schemas.microsoft.com/office/drawing/2014/main" id="{963FD8D8-0649-AF4C-81ED-670F95491828}"/>
+                  </a:ext>
+                </a:extLst>
+              </p:cNvPr>
+              <p:cNvSpPr txBox="1"/>
+              <p:nvPr/>
+            </p:nvSpPr>
+            <p:spPr>
+              <a:xfrm>
+                <a:off x="5238750" y="868946"/>
+                <a:ext cx="933450" cy="523220"/>
+              </a:xfrm>
+              <a:prstGeom prst="rect">
+                <a:avLst/>
+              </a:prstGeom>
+              <a:noFill/>
+            </p:spPr>
+            <p:txBody>
+              <a:bodyPr wrap="square" rtlCol="0">
+                <a:spAutoFit/>
+              </a:bodyPr>
+              <a:lstStyle/>
+              <a:p>
+                <a14:m>
+                  <m:oMathPara xmlns:m="http://schemas.openxmlformats.org/officeDocument/2006/math">
+                    <m:oMathParaPr>
+                      <m:jc m:val="centerGroup"/>
+                    </m:oMathParaPr>
+                    <m:oMath xmlns:m="http://schemas.openxmlformats.org/officeDocument/2006/math">
+                      <m:sSub>
+                        <m:sSubPr>
+                          <m:ctrlPr>
+                            <a:rPr lang="en-US" sz="2800" b="0" i="1">
+                              <a:latin typeface="Cambria Math" panose="02040503050406030204" pitchFamily="18" charset="0"/>
+                            </a:rPr>
+                          </m:ctrlPr>
+                        </m:sSubPr>
+                        <m:e>
+                          <m:r>
+                            <a:rPr lang="en-US" sz="2800" b="0" i="1">
+                              <a:latin typeface="Cambria Math" panose="02040503050406030204" pitchFamily="18" charset="0"/>
+                            </a:rPr>
+                            <m:t>𝑎</m:t>
+                          </m:r>
+                        </m:e>
+                        <m:sub>
+                          <m:r>
+                            <a:rPr lang="en-US" sz="2800" b="0" i="1">
+                              <a:latin typeface="Cambria Math" panose="02040503050406030204" pitchFamily="18" charset="0"/>
+                            </a:rPr>
+                            <m:t>𝑤</m:t>
+                          </m:r>
+                        </m:sub>
+                      </m:sSub>
+                    </m:oMath>
+                  </m:oMathPara>
+                </a14:m>
+                <a:endParaRPr lang="en-US" sz="2800"/>
+              </a:p>
+            </p:txBody>
+          </p:sp>
+        </mc:Choice>
+        <mc:Fallback>
+          <p:sp>
+            <p:nvSpPr>
+              <p:cNvPr id="10" name="TextBox 9">
+                <a:extLst>
+                  <a:ext uri="{FF2B5EF4-FFF2-40B4-BE49-F238E27FC236}">
+                    <a16:creationId xmlns:a16="http://schemas.microsoft.com/office/drawing/2014/main" id="{963FD8D8-0649-AF4C-81ED-670F95491828}"/>
+                  </a:ext>
+                </a:extLst>
+              </p:cNvPr>
+              <p:cNvSpPr txBox="1">
+                <a:spLocks noRot="1" noChangeAspect="1" noMove="1" noResize="1" noEditPoints="1" noAdjustHandles="1" noChangeArrowheads="1" noChangeShapeType="1" noTextEdit="1"/>
+              </p:cNvSpPr>
+              <p:nvPr/>
+            </p:nvSpPr>
+            <p:spPr>
+              <a:xfrm>
+                <a:off x="5238750" y="868946"/>
+                <a:ext cx="933450" cy="523220"/>
+              </a:xfrm>
+              <a:prstGeom prst="rect">
+                <a:avLst/>
+              </a:prstGeom>
+              <a:blipFill>
+                <a:blip r:embed="rId4"/>
+                <a:stretch>
+                  <a:fillRect/>
+                </a:stretch>
+              </a:blipFill>
+            </p:spPr>
+            <p:txBody>
+              <a:bodyPr/>
+              <a:lstStyle/>
+              <a:p>
+                <a:r>
+                  <a:rPr lang="en-US">
+                    <a:noFill/>
+                  </a:rPr>
+                  <a:t> </a:t>
+                </a:r>
+              </a:p>
+            </p:txBody>
+          </p:sp>
+        </mc:Fallback>
+      </mc:AlternateContent>
+      <mc:AlternateContent xmlns:mc="http://schemas.openxmlformats.org/markup-compatibility/2006">
+        <mc:Choice xmlns:a14="http://schemas.microsoft.com/office/drawing/2010/main" Requires="a14">
+          <p:sp>
+            <p:nvSpPr>
+              <p:cNvPr id="11" name="TextBox 10">
+                <a:extLst>
+                  <a:ext uri="{FF2B5EF4-FFF2-40B4-BE49-F238E27FC236}">
+                    <a16:creationId xmlns:a16="http://schemas.microsoft.com/office/drawing/2014/main" id="{5F26D09A-9695-2341-9B6A-AB50D3CBCEF1}"/>
+                  </a:ext>
+                </a:extLst>
+              </p:cNvPr>
+              <p:cNvSpPr txBox="1"/>
+              <p:nvPr/>
+            </p:nvSpPr>
+            <p:spPr>
+              <a:xfrm>
+                <a:off x="3501099" y="2546207"/>
+                <a:ext cx="933450" cy="523220"/>
+              </a:xfrm>
+              <a:prstGeom prst="rect">
+                <a:avLst/>
+              </a:prstGeom>
+              <a:noFill/>
+            </p:spPr>
+            <p:txBody>
+              <a:bodyPr wrap="square" rtlCol="0">
+                <a:spAutoFit/>
+              </a:bodyPr>
+              <a:lstStyle/>
+              <a:p>
+                <a14:m>
+                  <m:oMathPara xmlns:m="http://schemas.openxmlformats.org/officeDocument/2006/math">
+                    <m:oMathParaPr>
+                      <m:jc m:val="centerGroup"/>
+                    </m:oMathParaPr>
+                    <m:oMath xmlns:m="http://schemas.openxmlformats.org/officeDocument/2006/math">
+                      <m:sSub>
+                        <m:sSubPr>
+                          <m:ctrlPr>
+                            <a:rPr lang="en-US" sz="2800" b="0" i="1">
+                              <a:latin typeface="Cambria Math" panose="02040503050406030204" pitchFamily="18" charset="0"/>
+                            </a:rPr>
+                          </m:ctrlPr>
+                        </m:sSubPr>
+                        <m:e>
+                          <m:r>
+                            <a:rPr lang="en-US" sz="2800" b="0" i="1">
+                              <a:latin typeface="Cambria Math" panose="02040503050406030204" pitchFamily="18" charset="0"/>
+                            </a:rPr>
+                            <m:t>𝑎</m:t>
+                          </m:r>
+                        </m:e>
+                        <m:sub>
+                          <m:r>
+                            <a:rPr lang="en-US" sz="2800" b="0" i="1">
+                              <a:latin typeface="Cambria Math" panose="02040503050406030204" pitchFamily="18" charset="0"/>
+                            </a:rPr>
+                            <m:t>h</m:t>
+                          </m:r>
+                        </m:sub>
+                      </m:sSub>
+                    </m:oMath>
+                  </m:oMathPara>
+                </a14:m>
+                <a:endParaRPr lang="en-US" sz="2800"/>
+              </a:p>
+            </p:txBody>
+          </p:sp>
+        </mc:Choice>
+        <mc:Fallback>
+          <p:sp>
+            <p:nvSpPr>
+              <p:cNvPr id="11" name="TextBox 10">
+                <a:extLst>
+                  <a:ext uri="{FF2B5EF4-FFF2-40B4-BE49-F238E27FC236}">
+                    <a16:creationId xmlns:a16="http://schemas.microsoft.com/office/drawing/2014/main" id="{5F26D09A-9695-2341-9B6A-AB50D3CBCEF1}"/>
+                  </a:ext>
+                </a:extLst>
+              </p:cNvPr>
+              <p:cNvSpPr txBox="1">
+                <a:spLocks noRot="1" noChangeAspect="1" noMove="1" noResize="1" noEditPoints="1" noAdjustHandles="1" noChangeArrowheads="1" noChangeShapeType="1" noTextEdit="1"/>
+              </p:cNvSpPr>
+              <p:nvPr/>
+            </p:nvSpPr>
+            <p:spPr>
+              <a:xfrm>
+                <a:off x="3501099" y="2546207"/>
+                <a:ext cx="933450" cy="523220"/>
+              </a:xfrm>
+              <a:prstGeom prst="rect">
+                <a:avLst/>
+              </a:prstGeom>
+              <a:blipFill>
+                <a:blip r:embed="rId5"/>
+                <a:stretch>
+                  <a:fillRect/>
+                </a:stretch>
+              </a:blipFill>
+            </p:spPr>
+            <p:txBody>
+              <a:bodyPr/>
+              <a:lstStyle/>
+              <a:p>
+                <a:r>
+                  <a:rPr lang="en-US">
+                    <a:noFill/>
+                  </a:rPr>
+                  <a:t> </a:t>
+                </a:r>
+              </a:p>
+            </p:txBody>
+          </p:sp>
+        </mc:Fallback>
+      </mc:AlternateContent>
+      <p:sp>
+        <p:nvSpPr>
+          <p:cNvPr id="12" name="Left Brace 11">
+            <a:extLst>
+              <a:ext uri="{FF2B5EF4-FFF2-40B4-BE49-F238E27FC236}">
+                <a16:creationId xmlns:a16="http://schemas.microsoft.com/office/drawing/2014/main" id="{C82A2942-347D-1D43-9399-77BD31A26CA4}"/>
+              </a:ext>
+            </a:extLst>
+          </p:cNvPr>
+          <p:cNvSpPr/>
+          <p:nvPr/>
+        </p:nvSpPr>
+        <p:spPr>
+          <a:xfrm rot="10800000">
+            <a:off x="5732661" y="2257426"/>
+            <a:ext cx="100674" cy="543600"/>
+          </a:xfrm>
+          <a:prstGeom prst="leftBrace">
+            <a:avLst/>
+          </a:prstGeom>
+          <a:ln w="38100"/>
+        </p:spPr>
+        <p:style>
+          <a:lnRef idx="1">
+            <a:schemeClr val="dk1"/>
+          </a:lnRef>
+          <a:fillRef idx="0">
+            <a:schemeClr val="dk1"/>
+          </a:fillRef>
+          <a:effectRef idx="0">
+            <a:schemeClr val="dk1"/>
+          </a:effectRef>
+          <a:fontRef idx="minor">
+            <a:schemeClr val="tx1"/>
+          </a:fontRef>
+        </p:style>
+        <p:txBody>
+          <a:bodyPr rtlCol="0" anchor="ctr"/>
+          <a:lstStyle/>
+          <a:p>
+            <a:pPr algn="ctr"/>
+            <a:endParaRPr lang="en-US"/>
+          </a:p>
+        </p:txBody>
+      </p:sp>
+      <p:sp>
+        <p:nvSpPr>
+          <p:cNvPr id="13" name="Left Brace 12">
+            <a:extLst>
+              <a:ext uri="{FF2B5EF4-FFF2-40B4-BE49-F238E27FC236}">
+                <a16:creationId xmlns:a16="http://schemas.microsoft.com/office/drawing/2014/main" id="{49B5D65A-0877-6F4D-8E07-29C413605A26}"/>
+              </a:ext>
+            </a:extLst>
+          </p:cNvPr>
+          <p:cNvSpPr/>
+          <p:nvPr/>
+        </p:nvSpPr>
+        <p:spPr>
+          <a:xfrm rot="5400000">
+            <a:off x="5246562" y="1894924"/>
+            <a:ext cx="100674" cy="543600"/>
+          </a:xfrm>
+          <a:prstGeom prst="leftBrace">
+            <a:avLst/>
+          </a:prstGeom>
+          <a:ln w="38100"/>
+        </p:spPr>
+        <p:style>
+          <a:lnRef idx="1">
+            <a:schemeClr val="dk1"/>
+          </a:lnRef>
+          <a:fillRef idx="0">
+            <a:schemeClr val="dk1"/>
+          </a:fillRef>
+          <a:effectRef idx="0">
+            <a:schemeClr val="dk1"/>
+          </a:effectRef>
+          <a:fontRef idx="minor">
+            <a:schemeClr val="tx1"/>
+          </a:fontRef>
+        </p:style>
+        <p:txBody>
+          <a:bodyPr rtlCol="0" anchor="ctr"/>
+          <a:lstStyle/>
+          <a:p>
+            <a:pPr algn="ctr"/>
+            <a:endParaRPr lang="en-US"/>
+          </a:p>
+        </p:txBody>
+      </p:sp>
+      <p:sp>
+        <p:nvSpPr>
+          <p:cNvPr id="14" name="Connector 13">
+            <a:extLst>
+              <a:ext uri="{FF2B5EF4-FFF2-40B4-BE49-F238E27FC236}">
+                <a16:creationId xmlns:a16="http://schemas.microsoft.com/office/drawing/2014/main" id="{40C39E48-8898-5E43-9D3F-14A1C5D5BBBA}"/>
+              </a:ext>
+            </a:extLst>
+          </p:cNvPr>
+          <p:cNvSpPr/>
+          <p:nvPr/>
+        </p:nvSpPr>
+        <p:spPr>
+          <a:xfrm>
+            <a:off x="5432125" y="2632129"/>
+            <a:ext cx="271800" cy="254819"/>
+          </a:xfrm>
+          <a:prstGeom prst="flowChartConnector">
+            <a:avLst/>
+          </a:prstGeom>
+          <a:solidFill>
+            <a:srgbClr val="00B0F0"/>
+          </a:solidFill>
+          <a:ln>
+            <a:noFill/>
+          </a:ln>
+        </p:spPr>
+        <p:style>
+          <a:lnRef idx="2">
+            <a:schemeClr val="accent1">
+              <a:shade val="50000"/>
+            </a:schemeClr>
+          </a:lnRef>
+          <a:fillRef idx="1">
+            <a:schemeClr val="accent1"/>
+          </a:fillRef>
+          <a:effectRef idx="0">
+            <a:schemeClr val="accent1"/>
+          </a:effectRef>
+          <a:fontRef idx="minor">
+            <a:schemeClr val="lt1"/>
+          </a:fontRef>
+        </p:style>
+        <p:txBody>
+          <a:bodyPr rtlCol="0" anchor="ctr"/>
+          <a:lstStyle/>
+          <a:p>
+            <a:pPr algn="ctr"/>
+            <a:endParaRPr lang="en-US"/>
+          </a:p>
+        </p:txBody>
+      </p:sp>
+      <mc:AlternateContent xmlns:mc="http://schemas.openxmlformats.org/markup-compatibility/2006">
+        <mc:Choice xmlns:a14="http://schemas.microsoft.com/office/drawing/2010/main" Requires="a14">
+          <p:sp>
+            <p:nvSpPr>
+              <p:cNvPr id="15" name="TextBox 14">
+                <a:extLst>
+                  <a:ext uri="{FF2B5EF4-FFF2-40B4-BE49-F238E27FC236}">
+                    <a16:creationId xmlns:a16="http://schemas.microsoft.com/office/drawing/2014/main" id="{BFE4CF47-C984-CD41-83C6-422648E4CFA3}"/>
+                  </a:ext>
+                </a:extLst>
+              </p:cNvPr>
+              <p:cNvSpPr txBox="1"/>
+              <p:nvPr/>
+            </p:nvSpPr>
+            <p:spPr>
+              <a:xfrm>
+                <a:off x="4875411" y="1628831"/>
+                <a:ext cx="933450" cy="523220"/>
+              </a:xfrm>
+              <a:prstGeom prst="rect">
+                <a:avLst/>
+              </a:prstGeom>
+              <a:noFill/>
+            </p:spPr>
+            <p:txBody>
+              <a:bodyPr wrap="square" rtlCol="0">
+                <a:spAutoFit/>
+              </a:bodyPr>
+              <a:lstStyle/>
+              <a:p>
+                <a14:m>
+                  <m:oMathPara xmlns:m="http://schemas.openxmlformats.org/officeDocument/2006/math">
+                    <m:oMathParaPr>
+                      <m:jc m:val="centerGroup"/>
+                    </m:oMathParaPr>
+                    <m:oMath xmlns:m="http://schemas.openxmlformats.org/officeDocument/2006/math">
+                      <m:r>
+                        <m:rPr>
+                          <m:sty m:val="p"/>
+                        </m:rPr>
+                        <a:rPr lang="en-US" sz="2800" b="0" i="0">
+                          <a:latin typeface="Cambria Math" panose="02040503050406030204" pitchFamily="18" charset="0"/>
+                        </a:rPr>
+                        <m:t>Δ</m:t>
+                      </m:r>
+                      <m:r>
+                        <a:rPr lang="en-US" sz="2800" b="0" i="1">
+                          <a:latin typeface="Cambria Math" panose="02040503050406030204" pitchFamily="18" charset="0"/>
+                        </a:rPr>
+                        <m:t>𝑥</m:t>
+                      </m:r>
+                    </m:oMath>
+                  </m:oMathPara>
+                </a14:m>
+                <a:endParaRPr lang="en-US" sz="2800"/>
+              </a:p>
+            </p:txBody>
+          </p:sp>
+        </mc:Choice>
+        <mc:Fallback>
+          <p:sp>
+            <p:nvSpPr>
+              <p:cNvPr id="15" name="TextBox 14">
+                <a:extLst>
+                  <a:ext uri="{FF2B5EF4-FFF2-40B4-BE49-F238E27FC236}">
+                    <a16:creationId xmlns:a16="http://schemas.microsoft.com/office/drawing/2014/main" id="{BFE4CF47-C984-CD41-83C6-422648E4CFA3}"/>
+                  </a:ext>
+                </a:extLst>
+              </p:cNvPr>
+              <p:cNvSpPr txBox="1">
+                <a:spLocks noRot="1" noChangeAspect="1" noMove="1" noResize="1" noEditPoints="1" noAdjustHandles="1" noChangeArrowheads="1" noChangeShapeType="1" noTextEdit="1"/>
+              </p:cNvSpPr>
+              <p:nvPr/>
+            </p:nvSpPr>
+            <p:spPr>
+              <a:xfrm>
+                <a:off x="4875411" y="1628831"/>
+                <a:ext cx="933450" cy="523220"/>
+              </a:xfrm>
+              <a:prstGeom prst="rect">
+                <a:avLst/>
+              </a:prstGeom>
+              <a:blipFill>
+                <a:blip r:embed="rId6"/>
+                <a:stretch>
+                  <a:fillRect/>
+                </a:stretch>
+              </a:blipFill>
+            </p:spPr>
+            <p:txBody>
+              <a:bodyPr/>
+              <a:lstStyle/>
+              <a:p>
+                <a:r>
+                  <a:rPr lang="en-US">
+                    <a:noFill/>
+                  </a:rPr>
+                  <a:t> </a:t>
+                </a:r>
+              </a:p>
+            </p:txBody>
+          </p:sp>
+        </mc:Fallback>
+      </mc:AlternateContent>
+      <mc:AlternateContent xmlns:mc="http://schemas.openxmlformats.org/markup-compatibility/2006">
+        <mc:Choice xmlns:a14="http://schemas.microsoft.com/office/drawing/2010/main" Requires="a14">
+          <p:sp>
+            <p:nvSpPr>
+              <p:cNvPr id="16" name="TextBox 15">
+                <a:extLst>
+                  <a:ext uri="{FF2B5EF4-FFF2-40B4-BE49-F238E27FC236}">
+                    <a16:creationId xmlns:a16="http://schemas.microsoft.com/office/drawing/2014/main" id="{87639552-AEF4-CB4A-B1A2-E2BE933F6C81}"/>
+                  </a:ext>
+                </a:extLst>
+              </p:cNvPr>
+              <p:cNvSpPr txBox="1"/>
+              <p:nvPr/>
+            </p:nvSpPr>
+            <p:spPr>
+              <a:xfrm>
+                <a:off x="5606059" y="2239706"/>
+                <a:ext cx="933450" cy="523220"/>
+              </a:xfrm>
+              <a:prstGeom prst="rect">
+                <a:avLst/>
+              </a:prstGeom>
+              <a:noFill/>
+            </p:spPr>
+            <p:txBody>
+              <a:bodyPr wrap="square" rtlCol="0">
+                <a:spAutoFit/>
+              </a:bodyPr>
+              <a:lstStyle/>
+              <a:p>
+                <a14:m>
+                  <m:oMathPara xmlns:m="http://schemas.openxmlformats.org/officeDocument/2006/math">
+                    <m:oMathParaPr>
+                      <m:jc m:val="centerGroup"/>
+                    </m:oMathParaPr>
+                    <m:oMath xmlns:m="http://schemas.openxmlformats.org/officeDocument/2006/math">
+                      <m:r>
+                        <m:rPr>
+                          <m:sty m:val="p"/>
+                        </m:rPr>
+                        <a:rPr lang="en-US" sz="2800" b="0" i="0">
+                          <a:latin typeface="Cambria Math" panose="02040503050406030204" pitchFamily="18" charset="0"/>
+                        </a:rPr>
+                        <m:t>Δy</m:t>
+                      </m:r>
+                    </m:oMath>
+                  </m:oMathPara>
+                </a14:m>
+                <a:endParaRPr lang="en-US" sz="2800"/>
+              </a:p>
+            </p:txBody>
+          </p:sp>
+        </mc:Choice>
+        <mc:Fallback>
+          <p:sp>
+            <p:nvSpPr>
+              <p:cNvPr id="16" name="TextBox 15">
+                <a:extLst>
+                  <a:ext uri="{FF2B5EF4-FFF2-40B4-BE49-F238E27FC236}">
+                    <a16:creationId xmlns:a16="http://schemas.microsoft.com/office/drawing/2014/main" id="{87639552-AEF4-CB4A-B1A2-E2BE933F6C81}"/>
+                  </a:ext>
+                </a:extLst>
+              </p:cNvPr>
+              <p:cNvSpPr txBox="1">
+                <a:spLocks noRot="1" noChangeAspect="1" noMove="1" noResize="1" noEditPoints="1" noAdjustHandles="1" noChangeArrowheads="1" noChangeShapeType="1" noTextEdit="1"/>
+              </p:cNvSpPr>
+              <p:nvPr/>
+            </p:nvSpPr>
+            <p:spPr>
+              <a:xfrm>
+                <a:off x="5606059" y="2239706"/>
+                <a:ext cx="933450" cy="523220"/>
+              </a:xfrm>
+              <a:prstGeom prst="rect">
+                <a:avLst/>
+              </a:prstGeom>
+              <a:blipFill>
+                <a:blip r:embed="rId7"/>
+                <a:stretch>
+                  <a:fillRect b="-13953"/>
+                </a:stretch>
+              </a:blipFill>
+            </p:spPr>
+            <p:txBody>
+              <a:bodyPr/>
+              <a:lstStyle/>
+              <a:p>
+                <a:r>
+                  <a:rPr lang="en-US">
+                    <a:noFill/>
+                  </a:rPr>
+                  <a:t> </a:t>
+                </a:r>
+              </a:p>
+            </p:txBody>
+          </p:sp>
+        </mc:Fallback>
+      </mc:AlternateContent>
+      <mc:AlternateContent xmlns:mc="http://schemas.openxmlformats.org/markup-compatibility/2006">
+        <mc:Choice xmlns:a14="http://schemas.microsoft.com/office/drawing/2010/main" Requires="a14">
+          <p:sp>
+            <p:nvSpPr>
+              <p:cNvPr id="17" name="TextBox 16">
+                <a:extLst>
+                  <a:ext uri="{FF2B5EF4-FFF2-40B4-BE49-F238E27FC236}">
+                    <a16:creationId xmlns:a16="http://schemas.microsoft.com/office/drawing/2014/main" id="{DF68EACC-C3D9-C844-8752-FE2BAB7C0879}"/>
+                  </a:ext>
+                </a:extLst>
+              </p:cNvPr>
+              <p:cNvSpPr txBox="1"/>
+              <p:nvPr/>
+            </p:nvSpPr>
+            <p:spPr>
+              <a:xfrm>
+                <a:off x="5098554" y="3709443"/>
+                <a:ext cx="933450" cy="523220"/>
+              </a:xfrm>
+              <a:prstGeom prst="rect">
+                <a:avLst/>
+              </a:prstGeom>
+              <a:noFill/>
+            </p:spPr>
+            <p:txBody>
+              <a:bodyPr wrap="square" rtlCol="0">
+                <a:spAutoFit/>
+              </a:bodyPr>
+              <a:lstStyle/>
+              <a:p>
+                <a14:m>
+                  <m:oMathPara xmlns:m="http://schemas.openxmlformats.org/officeDocument/2006/math">
+                    <m:oMathParaPr>
+                      <m:jc m:val="centerGroup"/>
+                    </m:oMathParaPr>
+                    <m:oMath xmlns:m="http://schemas.openxmlformats.org/officeDocument/2006/math">
+                      <m:sSub>
+                        <m:sSubPr>
+                          <m:ctrlPr>
+                            <a:rPr lang="en-US" sz="2800" b="0" i="1">
+                              <a:solidFill>
+                                <a:srgbClr val="00B0F0"/>
+                              </a:solidFill>
+                              <a:latin typeface="Cambria Math" panose="02040503050406030204" pitchFamily="18" charset="0"/>
+                            </a:rPr>
+                          </m:ctrlPr>
+                        </m:sSubPr>
+                        <m:e>
+                          <m:r>
+                            <a:rPr lang="en-US" sz="2800" b="0" i="1">
+                              <a:solidFill>
+                                <a:srgbClr val="00B0F0"/>
+                              </a:solidFill>
+                              <a:latin typeface="Cambria Math" panose="02040503050406030204" pitchFamily="18" charset="0"/>
+                            </a:rPr>
+                            <m:t>𝑏</m:t>
+                          </m:r>
+                        </m:e>
+                        <m:sub>
+                          <m:r>
+                            <a:rPr lang="en-US" sz="2800" b="0" i="1">
+                              <a:solidFill>
+                                <a:srgbClr val="00B0F0"/>
+                              </a:solidFill>
+                              <a:latin typeface="Cambria Math" panose="02040503050406030204" pitchFamily="18" charset="0"/>
+                            </a:rPr>
+                            <m:t>𝑤</m:t>
+                          </m:r>
+                        </m:sub>
+                      </m:sSub>
+                    </m:oMath>
+                  </m:oMathPara>
+                </a14:m>
+                <a:endParaRPr lang="en-US" sz="2800"/>
+              </a:p>
+            </p:txBody>
+          </p:sp>
+        </mc:Choice>
+        <mc:Fallback>
+          <p:sp>
+            <p:nvSpPr>
+              <p:cNvPr id="17" name="TextBox 16">
+                <a:extLst>
+                  <a:ext uri="{FF2B5EF4-FFF2-40B4-BE49-F238E27FC236}">
+                    <a16:creationId xmlns:a16="http://schemas.microsoft.com/office/drawing/2014/main" id="{DF68EACC-C3D9-C844-8752-FE2BAB7C0879}"/>
+                  </a:ext>
+                </a:extLst>
+              </p:cNvPr>
+              <p:cNvSpPr txBox="1">
+                <a:spLocks noRot="1" noChangeAspect="1" noMove="1" noResize="1" noEditPoints="1" noAdjustHandles="1" noChangeArrowheads="1" noChangeShapeType="1" noTextEdit="1"/>
+              </p:cNvSpPr>
+              <p:nvPr/>
+            </p:nvSpPr>
+            <p:spPr>
+              <a:xfrm>
+                <a:off x="5098554" y="3709443"/>
+                <a:ext cx="933450" cy="523220"/>
+              </a:xfrm>
+              <a:prstGeom prst="rect">
+                <a:avLst/>
+              </a:prstGeom>
+              <a:blipFill>
+                <a:blip r:embed="rId8"/>
+                <a:stretch>
+                  <a:fillRect/>
+                </a:stretch>
+              </a:blipFill>
+            </p:spPr>
+            <p:txBody>
+              <a:bodyPr/>
+              <a:lstStyle/>
+              <a:p>
+                <a:r>
+                  <a:rPr lang="en-US">
+                    <a:noFill/>
+                  </a:rPr>
+                  <a:t> </a:t>
+                </a:r>
+              </a:p>
+            </p:txBody>
+          </p:sp>
+        </mc:Fallback>
+      </mc:AlternateContent>
+      <mc:AlternateContent xmlns:mc="http://schemas.openxmlformats.org/markup-compatibility/2006">
+        <mc:Choice xmlns:a14="http://schemas.microsoft.com/office/drawing/2010/main" Requires="a14">
+          <p:sp>
+            <p:nvSpPr>
+              <p:cNvPr id="18" name="TextBox 17">
+                <a:extLst>
+                  <a:ext uri="{FF2B5EF4-FFF2-40B4-BE49-F238E27FC236}">
+                    <a16:creationId xmlns:a16="http://schemas.microsoft.com/office/drawing/2014/main" id="{346C174C-B95C-1F46-BD11-E7D35647C931}"/>
+                  </a:ext>
+                </a:extLst>
+              </p:cNvPr>
+              <p:cNvSpPr txBox="1"/>
+              <p:nvPr/>
+            </p:nvSpPr>
+            <p:spPr>
+              <a:xfrm>
+                <a:off x="6320434" y="2449184"/>
+                <a:ext cx="933450" cy="523220"/>
+              </a:xfrm>
+              <a:prstGeom prst="rect">
+                <a:avLst/>
+              </a:prstGeom>
+              <a:noFill/>
+            </p:spPr>
+            <p:txBody>
+              <a:bodyPr wrap="square" rtlCol="0">
+                <a:spAutoFit/>
+              </a:bodyPr>
+              <a:lstStyle/>
+              <a:p>
+                <a14:m>
+                  <m:oMathPara xmlns:m="http://schemas.openxmlformats.org/officeDocument/2006/math">
+                    <m:oMathParaPr>
+                      <m:jc m:val="centerGroup"/>
+                    </m:oMathParaPr>
+                    <m:oMath xmlns:m="http://schemas.openxmlformats.org/officeDocument/2006/math">
+                      <m:sSub>
+                        <m:sSubPr>
+                          <m:ctrlPr>
+                            <a:rPr lang="en-US" sz="2800" b="0" i="1">
+                              <a:solidFill>
+                                <a:srgbClr val="00B0F0"/>
+                              </a:solidFill>
+                              <a:latin typeface="Cambria Math" panose="02040503050406030204" pitchFamily="18" charset="0"/>
+                            </a:rPr>
+                          </m:ctrlPr>
+                        </m:sSubPr>
+                        <m:e>
+                          <m:r>
+                            <a:rPr lang="en-US" sz="2800" b="0" i="1">
+                              <a:solidFill>
+                                <a:srgbClr val="00B0F0"/>
+                              </a:solidFill>
+                              <a:latin typeface="Cambria Math" panose="02040503050406030204" pitchFamily="18" charset="0"/>
+                            </a:rPr>
+                            <m:t>𝑏</m:t>
+                          </m:r>
+                        </m:e>
+                        <m:sub>
+                          <m:r>
+                            <a:rPr lang="en-US" sz="2800" b="0" i="1">
+                              <a:solidFill>
+                                <a:srgbClr val="00B0F0"/>
+                              </a:solidFill>
+                              <a:latin typeface="Cambria Math" panose="02040503050406030204" pitchFamily="18" charset="0"/>
+                            </a:rPr>
+                            <m:t>h</m:t>
+                          </m:r>
+                        </m:sub>
+                      </m:sSub>
+                    </m:oMath>
+                  </m:oMathPara>
+                </a14:m>
+                <a:endParaRPr lang="en-US" sz="2800">
+                  <a:solidFill>
+                    <a:srgbClr val="00B0F0"/>
+                  </a:solidFill>
+                </a:endParaRPr>
+              </a:p>
+            </p:txBody>
+          </p:sp>
+        </mc:Choice>
+        <mc:Fallback>
+          <p:sp>
+            <p:nvSpPr>
+              <p:cNvPr id="18" name="TextBox 17">
+                <a:extLst>
+                  <a:ext uri="{FF2B5EF4-FFF2-40B4-BE49-F238E27FC236}">
+                    <a16:creationId xmlns:a16="http://schemas.microsoft.com/office/drawing/2014/main" id="{346C174C-B95C-1F46-BD11-E7D35647C931}"/>
+                  </a:ext>
+                </a:extLst>
+              </p:cNvPr>
+              <p:cNvSpPr txBox="1">
+                <a:spLocks noRot="1" noChangeAspect="1" noMove="1" noResize="1" noEditPoints="1" noAdjustHandles="1" noChangeArrowheads="1" noChangeShapeType="1" noTextEdit="1"/>
+              </p:cNvSpPr>
+              <p:nvPr/>
+            </p:nvSpPr>
+            <p:spPr>
+              <a:xfrm>
+                <a:off x="6320434" y="2449184"/>
+                <a:ext cx="933450" cy="523220"/>
+              </a:xfrm>
+              <a:prstGeom prst="rect">
+                <a:avLst/>
+              </a:prstGeom>
+              <a:blipFill>
+                <a:blip r:embed="rId9"/>
+                <a:stretch>
+                  <a:fillRect/>
+                </a:stretch>
+              </a:blipFill>
+            </p:spPr>
+            <p:txBody>
+              <a:bodyPr/>
+              <a:lstStyle/>
+              <a:p>
+                <a:r>
+                  <a:rPr lang="en-US">
+                    <a:noFill/>
+                  </a:rPr>
+                  <a:t> </a:t>
+                </a:r>
+              </a:p>
+            </p:txBody>
+          </p:sp>
+        </mc:Fallback>
+      </mc:AlternateContent>
+      <mc:AlternateContent xmlns:mc="http://schemas.openxmlformats.org/markup-compatibility/2006">
+        <mc:Choice xmlns:a14="http://schemas.microsoft.com/office/drawing/2010/main" Requires="a14">
+          <p:sp>
+            <p:nvSpPr>
+              <p:cNvPr id="19" name="TextBox 18">
+                <a:extLst>
+                  <a:ext uri="{FF2B5EF4-FFF2-40B4-BE49-F238E27FC236}">
+                    <a16:creationId xmlns:a16="http://schemas.microsoft.com/office/drawing/2014/main" id="{86473D13-7EE1-464C-A9C9-8B800CB0A10D}"/>
+                  </a:ext>
+                </a:extLst>
+              </p:cNvPr>
+              <p:cNvSpPr txBox="1"/>
+              <p:nvPr/>
+            </p:nvSpPr>
+            <p:spPr>
+              <a:xfrm>
+                <a:off x="4921648" y="2850581"/>
+                <a:ext cx="933450" cy="557204"/>
+              </a:xfrm>
+              <a:prstGeom prst="rect">
+                <a:avLst/>
+              </a:prstGeom>
+              <a:noFill/>
+            </p:spPr>
+            <p:txBody>
+              <a:bodyPr wrap="square" rtlCol="0">
+                <a:spAutoFit/>
+              </a:bodyPr>
+              <a:lstStyle/>
+              <a:p>
+                <a14:m>
+                  <m:oMathPara xmlns:m="http://schemas.openxmlformats.org/officeDocument/2006/math">
+                    <m:oMathParaPr>
+                      <m:jc m:val="centerGroup"/>
+                    </m:oMathParaPr>
+                    <m:oMath xmlns:m="http://schemas.openxmlformats.org/officeDocument/2006/math">
+                      <m:sSub>
+                        <m:sSubPr>
+                          <m:ctrlPr>
+                            <a:rPr lang="en-US" sz="2800" b="0" i="1">
+                              <a:solidFill>
+                                <a:srgbClr val="00B0F0"/>
+                              </a:solidFill>
+                              <a:latin typeface="Cambria Math" panose="02040503050406030204" pitchFamily="18" charset="0"/>
+                            </a:rPr>
+                          </m:ctrlPr>
+                        </m:sSubPr>
+                        <m:e>
+                          <m:r>
+                            <a:rPr lang="en-US" sz="2800" b="0" i="1">
+                              <a:solidFill>
+                                <a:srgbClr val="00B0F0"/>
+                              </a:solidFill>
+                              <a:latin typeface="Cambria Math" panose="02040503050406030204" pitchFamily="18" charset="0"/>
+                            </a:rPr>
+                            <m:t>(</m:t>
+                          </m:r>
+                          <m:r>
+                            <a:rPr lang="en-US" sz="2800" b="0" i="1">
+                              <a:solidFill>
+                                <a:srgbClr val="00B0F0"/>
+                              </a:solidFill>
+                              <a:latin typeface="Cambria Math" panose="02040503050406030204" pitchFamily="18" charset="0"/>
+                            </a:rPr>
+                            <m:t>𝑏</m:t>
+                          </m:r>
+                        </m:e>
+                        <m:sub>
+                          <m:r>
+                            <a:rPr lang="en-US" sz="2800" b="0" i="1">
+                              <a:solidFill>
+                                <a:srgbClr val="00B0F0"/>
+                              </a:solidFill>
+                              <a:latin typeface="Cambria Math" panose="02040503050406030204" pitchFamily="18" charset="0"/>
+                            </a:rPr>
+                            <m:t>𝑥</m:t>
+                          </m:r>
+                          <m:r>
+                            <a:rPr lang="en-US" sz="2800" b="0" i="1">
+                              <a:solidFill>
+                                <a:srgbClr val="00B0F0"/>
+                              </a:solidFill>
+                              <a:latin typeface="Cambria Math" panose="02040503050406030204" pitchFamily="18" charset="0"/>
+                            </a:rPr>
+                            <m:t>,</m:t>
+                          </m:r>
+                        </m:sub>
+                      </m:sSub>
+                      <m:sSub>
+                        <m:sSubPr>
+                          <m:ctrlPr>
+                            <a:rPr lang="en-US" sz="2800" b="0" i="1">
+                              <a:solidFill>
+                                <a:srgbClr val="00B0F0"/>
+                              </a:solidFill>
+                              <a:latin typeface="Cambria Math" panose="02040503050406030204" pitchFamily="18" charset="0"/>
+                            </a:rPr>
+                          </m:ctrlPr>
+                        </m:sSubPr>
+                        <m:e>
+                          <m:r>
+                            <a:rPr lang="en-US" sz="2800" b="0" i="1">
+                              <a:solidFill>
+                                <a:srgbClr val="00B0F0"/>
+                              </a:solidFill>
+                              <a:latin typeface="Cambria Math" panose="02040503050406030204" pitchFamily="18" charset="0"/>
+                            </a:rPr>
+                            <m:t>𝑏</m:t>
+                          </m:r>
+                        </m:e>
+                        <m:sub>
+                          <m:r>
+                            <a:rPr lang="en-US" sz="2800" b="0" i="1">
+                              <a:solidFill>
+                                <a:srgbClr val="00B0F0"/>
+                              </a:solidFill>
+                              <a:latin typeface="Cambria Math" panose="02040503050406030204" pitchFamily="18" charset="0"/>
+                            </a:rPr>
+                            <m:t>𝑦</m:t>
+                          </m:r>
+                        </m:sub>
+                      </m:sSub>
+                      <m:r>
+                        <a:rPr lang="en-US" sz="2800" b="0" i="1">
+                          <a:solidFill>
+                            <a:srgbClr val="00B0F0"/>
+                          </a:solidFill>
+                          <a:latin typeface="Cambria Math" panose="02040503050406030204" pitchFamily="18" charset="0"/>
+                        </a:rPr>
+                        <m:t>)</m:t>
+                      </m:r>
+                    </m:oMath>
+                  </m:oMathPara>
+                </a14:m>
+                <a:endParaRPr lang="en-US" sz="2800"/>
+              </a:p>
+            </p:txBody>
+          </p:sp>
+        </mc:Choice>
+        <mc:Fallback>
+          <p:sp>
+            <p:nvSpPr>
+              <p:cNvPr id="19" name="TextBox 18">
+                <a:extLst>
+                  <a:ext uri="{FF2B5EF4-FFF2-40B4-BE49-F238E27FC236}">
+                    <a16:creationId xmlns:a16="http://schemas.microsoft.com/office/drawing/2014/main" id="{86473D13-7EE1-464C-A9C9-8B800CB0A10D}"/>
+                  </a:ext>
+                </a:extLst>
+              </p:cNvPr>
+              <p:cNvSpPr txBox="1">
+                <a:spLocks noRot="1" noChangeAspect="1" noMove="1" noResize="1" noEditPoints="1" noAdjustHandles="1" noChangeArrowheads="1" noChangeShapeType="1" noTextEdit="1"/>
+              </p:cNvSpPr>
+              <p:nvPr/>
+            </p:nvSpPr>
+            <p:spPr>
+              <a:xfrm>
+                <a:off x="4921648" y="2850581"/>
+                <a:ext cx="933450" cy="557204"/>
+              </a:xfrm>
+              <a:prstGeom prst="rect">
+                <a:avLst/>
+              </a:prstGeom>
+              <a:blipFill>
+                <a:blip r:embed="rId10"/>
+                <a:stretch>
+                  <a:fillRect l="-8108" r="-41892" b="-13333"/>
+                </a:stretch>
+              </a:blipFill>
+            </p:spPr>
+            <p:txBody>
+              <a:bodyPr/>
+              <a:lstStyle/>
+              <a:p>
+                <a:r>
+                  <a:rPr lang="en-US">
+                    <a:noFill/>
+                  </a:rPr>
+                  <a:t> </a:t>
+                </a:r>
+              </a:p>
+            </p:txBody>
+          </p:sp>
+        </mc:Fallback>
+      </mc:AlternateContent>
+      <mc:AlternateContent xmlns:mc="http://schemas.openxmlformats.org/markup-compatibility/2006">
+        <mc:Choice xmlns:a14="http://schemas.microsoft.com/office/drawing/2010/main" Requires="a14">
+          <p:sp>
+            <p:nvSpPr>
+              <p:cNvPr id="20" name="TextBox 19">
+                <a:extLst>
+                  <a:ext uri="{FF2B5EF4-FFF2-40B4-BE49-F238E27FC236}">
+                    <a16:creationId xmlns:a16="http://schemas.microsoft.com/office/drawing/2014/main" id="{D20B5913-EDEF-9342-B2EA-EE6CA81DAE07}"/>
+                  </a:ext>
+                </a:extLst>
+              </p:cNvPr>
+              <p:cNvSpPr txBox="1"/>
+              <p:nvPr/>
+            </p:nvSpPr>
+            <p:spPr>
+              <a:xfrm>
+                <a:off x="8362950" y="2172617"/>
+                <a:ext cx="4438650" cy="1872179"/>
+              </a:xfrm>
+              <a:prstGeom prst="rect">
+                <a:avLst/>
+              </a:prstGeom>
+              <a:noFill/>
+            </p:spPr>
+            <p:txBody>
+              <a:bodyPr wrap="square" rtlCol="0">
+                <a:spAutoFit/>
+              </a:bodyPr>
+              <a:lstStyle/>
+              <a:p>
+                <a14:m>
+                  <m:oMathPara xmlns:m="http://schemas.openxmlformats.org/officeDocument/2006/math">
+                    <m:oMathParaPr>
+                      <m:jc m:val="centerGroup"/>
+                    </m:oMathParaPr>
+                    <m:oMath xmlns:m="http://schemas.openxmlformats.org/officeDocument/2006/math">
+                      <m:sSub>
+                        <m:sSubPr>
+                          <m:ctrlPr>
+                            <a:rPr lang="en-US" sz="2800" b="0" i="1">
+                              <a:latin typeface="Cambria Math" panose="02040503050406030204" pitchFamily="18" charset="0"/>
+                            </a:rPr>
+                          </m:ctrlPr>
+                        </m:sSubPr>
+                        <m:e>
+                          <m:r>
+                            <a:rPr lang="en-US" sz="2800" b="0" i="1">
+                              <a:latin typeface="Cambria Math" panose="02040503050406030204" pitchFamily="18" charset="0"/>
+                            </a:rPr>
+                            <m:t>𝑏</m:t>
+                          </m:r>
+                        </m:e>
+                        <m:sub>
+                          <m:r>
+                            <a:rPr lang="en-US" sz="2800" b="0" i="1">
+                              <a:latin typeface="Cambria Math" panose="02040503050406030204" pitchFamily="18" charset="0"/>
+                            </a:rPr>
+                            <m:t>𝑥</m:t>
+                          </m:r>
+                        </m:sub>
+                      </m:sSub>
+                      <m:r>
+                        <a:rPr lang="en-US" sz="2800" b="0" i="1">
+                          <a:latin typeface="Cambria Math" panose="02040503050406030204" pitchFamily="18" charset="0"/>
+                        </a:rPr>
+                        <m:t>=</m:t>
+                      </m:r>
+                      <m:r>
+                        <a:rPr lang="en-US" sz="2800" b="0" i="1">
+                          <a:latin typeface="Cambria Math" panose="02040503050406030204" pitchFamily="18" charset="0"/>
+                        </a:rPr>
+                        <m:t>𝜎</m:t>
+                      </m:r>
+                      <m:d>
+                        <m:dPr>
+                          <m:ctrlPr>
+                            <a:rPr lang="en-US" sz="2800" b="0" i="1">
+                              <a:latin typeface="Cambria Math" panose="02040503050406030204" pitchFamily="18" charset="0"/>
+                            </a:rPr>
+                          </m:ctrlPr>
+                        </m:dPr>
+                        <m:e>
+                          <m:r>
+                            <m:rPr>
+                              <m:sty m:val="p"/>
+                            </m:rPr>
+                            <a:rPr lang="en-US" sz="2800" b="0" i="0">
+                              <a:latin typeface="Cambria Math" panose="02040503050406030204" pitchFamily="18" charset="0"/>
+                            </a:rPr>
+                            <m:t>Δ</m:t>
+                          </m:r>
+                          <m:r>
+                            <a:rPr lang="en-US" sz="2800" b="0" i="1">
+                              <a:latin typeface="Cambria Math" panose="02040503050406030204" pitchFamily="18" charset="0"/>
+                            </a:rPr>
+                            <m:t>𝑥</m:t>
+                          </m:r>
+                        </m:e>
+                      </m:d>
+                      <m:r>
+                        <a:rPr lang="en-US" sz="2800" b="0" i="1">
+                          <a:latin typeface="Cambria Math" panose="02040503050406030204" pitchFamily="18" charset="0"/>
+                        </a:rPr>
+                        <m:t>+</m:t>
+                      </m:r>
+                      <m:sSub>
+                        <m:sSubPr>
+                          <m:ctrlPr>
+                            <a:rPr lang="en-US" sz="2800" b="0" i="1">
+                              <a:latin typeface="Cambria Math" panose="02040503050406030204" pitchFamily="18" charset="0"/>
+                            </a:rPr>
+                          </m:ctrlPr>
+                        </m:sSubPr>
+                        <m:e>
+                          <m:r>
+                            <a:rPr lang="en-US" sz="2800" b="0" i="1">
+                              <a:latin typeface="Cambria Math" panose="02040503050406030204" pitchFamily="18" charset="0"/>
+                            </a:rPr>
+                            <m:t>𝑐</m:t>
+                          </m:r>
+                        </m:e>
+                        <m:sub>
+                          <m:r>
+                            <a:rPr lang="en-US" sz="2800" b="0" i="1">
+                              <a:latin typeface="Cambria Math" panose="02040503050406030204" pitchFamily="18" charset="0"/>
+                            </a:rPr>
+                            <m:t>𝑥</m:t>
+                          </m:r>
+                        </m:sub>
+                      </m:sSub>
+                    </m:oMath>
+                  </m:oMathPara>
+                </a14:m>
+                <a:endParaRPr lang="en-US" sz="2800" b="0"/>
+              </a:p>
+              <a:p>
+                <a:pPr algn="ctr"/>
+                <a14:m>
+                  <m:oMathPara xmlns:m="http://schemas.openxmlformats.org/officeDocument/2006/math">
+                    <m:oMathParaPr>
+                      <m:jc m:val="centerGroup"/>
+                    </m:oMathParaPr>
+                    <m:oMath xmlns:m="http://schemas.openxmlformats.org/officeDocument/2006/math">
+                      <m:sSub>
+                        <m:sSubPr>
+                          <m:ctrlPr>
+                            <a:rPr lang="en-US" sz="2800" b="0" i="1">
+                              <a:latin typeface="Cambria Math" panose="02040503050406030204" pitchFamily="18" charset="0"/>
+                            </a:rPr>
+                          </m:ctrlPr>
+                        </m:sSubPr>
+                        <m:e>
+                          <m:r>
+                            <a:rPr lang="en-US" sz="2800" b="0" i="1">
+                              <a:latin typeface="Cambria Math" panose="02040503050406030204" pitchFamily="18" charset="0"/>
+                            </a:rPr>
+                            <m:t>𝑏</m:t>
+                          </m:r>
+                        </m:e>
+                        <m:sub>
+                          <m:r>
+                            <a:rPr lang="en-US" sz="2800" b="0" i="1">
+                              <a:latin typeface="Cambria Math" panose="02040503050406030204" pitchFamily="18" charset="0"/>
+                            </a:rPr>
+                            <m:t>𝑦</m:t>
+                          </m:r>
+                        </m:sub>
+                      </m:sSub>
+                      <m:r>
+                        <a:rPr lang="en-US" sz="2800" b="0" i="1">
+                          <a:latin typeface="Cambria Math" panose="02040503050406030204" pitchFamily="18" charset="0"/>
+                        </a:rPr>
+                        <m:t>=</m:t>
+                      </m:r>
+                      <m:r>
+                        <a:rPr lang="en-US" sz="2800" b="0" i="1">
+                          <a:latin typeface="Cambria Math" panose="02040503050406030204" pitchFamily="18" charset="0"/>
+                        </a:rPr>
+                        <m:t>𝜎</m:t>
+                      </m:r>
+                      <m:d>
+                        <m:dPr>
+                          <m:ctrlPr>
+                            <a:rPr lang="en-US" sz="2800" b="0" i="1">
+                              <a:latin typeface="Cambria Math" panose="02040503050406030204" pitchFamily="18" charset="0"/>
+                            </a:rPr>
+                          </m:ctrlPr>
+                        </m:dPr>
+                        <m:e>
+                          <m:r>
+                            <m:rPr>
+                              <m:sty m:val="p"/>
+                            </m:rPr>
+                            <a:rPr lang="en-US" sz="2800" b="0" i="0">
+                              <a:latin typeface="Cambria Math" panose="02040503050406030204" pitchFamily="18" charset="0"/>
+                            </a:rPr>
+                            <m:t>Δ</m:t>
+                          </m:r>
+                          <m:r>
+                            <a:rPr lang="en-US" sz="2800" b="0" i="1">
+                              <a:latin typeface="Cambria Math" panose="02040503050406030204" pitchFamily="18" charset="0"/>
+                            </a:rPr>
+                            <m:t>𝑦</m:t>
+                          </m:r>
+                        </m:e>
+                      </m:d>
+                      <m:r>
+                        <a:rPr lang="en-US" sz="2800" b="0" i="1">
+                          <a:latin typeface="Cambria Math" panose="02040503050406030204" pitchFamily="18" charset="0"/>
+                        </a:rPr>
+                        <m:t>+</m:t>
+                      </m:r>
+                      <m:sSub>
+                        <m:sSubPr>
+                          <m:ctrlPr>
+                            <a:rPr lang="en-US" sz="2800" b="0" i="1">
+                              <a:latin typeface="Cambria Math" panose="02040503050406030204" pitchFamily="18" charset="0"/>
+                            </a:rPr>
+                          </m:ctrlPr>
+                        </m:sSubPr>
+                        <m:e>
+                          <m:r>
+                            <a:rPr lang="en-US" sz="2800" b="0" i="1">
+                              <a:latin typeface="Cambria Math" panose="02040503050406030204" pitchFamily="18" charset="0"/>
+                            </a:rPr>
+                            <m:t>𝑐</m:t>
+                          </m:r>
+                        </m:e>
+                        <m:sub>
+                          <m:r>
+                            <a:rPr lang="en-US" sz="2800" b="0" i="1">
+                              <a:latin typeface="Cambria Math" panose="02040503050406030204" pitchFamily="18" charset="0"/>
+                            </a:rPr>
+                            <m:t>𝑦</m:t>
+                          </m:r>
+                        </m:sub>
+                      </m:sSub>
+                    </m:oMath>
+                  </m:oMathPara>
+                </a14:m>
+                <a:endParaRPr lang="en-US" sz="2800" b="0"/>
+              </a:p>
+              <a:p>
+                <a:pPr algn="ctr"/>
+                <a14:m>
+                  <m:oMathPara xmlns:m="http://schemas.openxmlformats.org/officeDocument/2006/math">
+                    <m:oMathParaPr>
+                      <m:jc m:val="centerGroup"/>
+                    </m:oMathParaPr>
+                    <m:oMath xmlns:m="http://schemas.openxmlformats.org/officeDocument/2006/math">
+                      <m:sSub>
+                        <m:sSubPr>
+                          <m:ctrlPr>
+                            <a:rPr lang="en-US" sz="2800" b="0" i="1">
+                              <a:latin typeface="Cambria Math" panose="02040503050406030204" pitchFamily="18" charset="0"/>
+                            </a:rPr>
+                          </m:ctrlPr>
+                        </m:sSubPr>
+                        <m:e>
+                          <m:r>
+                            <a:rPr lang="en-US" sz="2800" b="0" i="1">
+                              <a:latin typeface="Cambria Math" panose="02040503050406030204" pitchFamily="18" charset="0"/>
+                            </a:rPr>
+                            <m:t>𝑏</m:t>
+                          </m:r>
+                        </m:e>
+                        <m:sub>
+                          <m:r>
+                            <a:rPr lang="en-US" sz="2800" b="0" i="1">
+                              <a:latin typeface="Cambria Math" panose="02040503050406030204" pitchFamily="18" charset="0"/>
+                            </a:rPr>
+                            <m:t>𝑤</m:t>
+                          </m:r>
+                        </m:sub>
+                      </m:sSub>
+                      <m:r>
+                        <a:rPr lang="en-US" sz="2800" b="0" i="1">
+                          <a:latin typeface="Cambria Math" panose="02040503050406030204" pitchFamily="18" charset="0"/>
+                        </a:rPr>
+                        <m:t>=</m:t>
+                      </m:r>
+                      <m:sSub>
+                        <m:sSubPr>
+                          <m:ctrlPr>
+                            <a:rPr lang="en-US" sz="2800" b="0" i="1">
+                              <a:latin typeface="Cambria Math" panose="02040503050406030204" pitchFamily="18" charset="0"/>
+                            </a:rPr>
+                          </m:ctrlPr>
+                        </m:sSubPr>
+                        <m:e>
+                          <m:r>
+                            <a:rPr lang="en-US" sz="2800" b="0" i="1">
+                              <a:latin typeface="Cambria Math" panose="02040503050406030204" pitchFamily="18" charset="0"/>
+                            </a:rPr>
+                            <m:t>𝑎</m:t>
+                          </m:r>
+                        </m:e>
+                        <m:sub>
+                          <m:r>
+                            <a:rPr lang="en-US" sz="2800" b="0" i="1">
+                              <a:latin typeface="Cambria Math" panose="02040503050406030204" pitchFamily="18" charset="0"/>
+                            </a:rPr>
+                            <m:t>𝑤</m:t>
+                          </m:r>
+                        </m:sub>
+                      </m:sSub>
+                      <m:sSup>
+                        <m:sSupPr>
+                          <m:ctrlPr>
+                            <a:rPr lang="en-US" sz="2800" b="0" i="1">
+                              <a:latin typeface="Cambria Math" panose="02040503050406030204" pitchFamily="18" charset="0"/>
+                            </a:rPr>
+                          </m:ctrlPr>
+                        </m:sSupPr>
+                        <m:e>
+                          <m:r>
+                            <a:rPr lang="en-US" sz="2800" b="0" i="1">
+                              <a:latin typeface="Cambria Math" panose="02040503050406030204" pitchFamily="18" charset="0"/>
+                            </a:rPr>
+                            <m:t>𝑒</m:t>
+                          </m:r>
+                        </m:e>
+                        <m:sup>
+                          <m:r>
+                            <m:rPr>
+                              <m:sty m:val="p"/>
+                            </m:rPr>
+                            <a:rPr lang="en-US" sz="2800" b="0" i="0">
+                              <a:latin typeface="Cambria Math" panose="02040503050406030204" pitchFamily="18" charset="0"/>
+                            </a:rPr>
+                            <m:t>Δ</m:t>
+                          </m:r>
+                          <m:r>
+                            <a:rPr lang="en-US" sz="2800" b="0" i="1">
+                              <a:latin typeface="Cambria Math" panose="02040503050406030204" pitchFamily="18" charset="0"/>
+                            </a:rPr>
+                            <m:t>𝑤</m:t>
+                          </m:r>
+                        </m:sup>
+                      </m:sSup>
+                    </m:oMath>
+                  </m:oMathPara>
+                </a14:m>
+                <a:endParaRPr lang="en-US" sz="2800" b="0"/>
+              </a:p>
+              <a:p>
+                <a:pPr algn="ctr"/>
+                <a14:m>
+                  <m:oMathPara xmlns:m="http://schemas.openxmlformats.org/officeDocument/2006/math">
+                    <m:oMathParaPr>
+                      <m:jc m:val="centerGroup"/>
+                    </m:oMathParaPr>
+                    <m:oMath xmlns:m="http://schemas.openxmlformats.org/officeDocument/2006/math">
+                      <m:sSub>
+                        <m:sSubPr>
+                          <m:ctrlPr>
+                            <a:rPr lang="en-US" sz="2800" b="0" i="1">
+                              <a:latin typeface="Cambria Math" panose="02040503050406030204" pitchFamily="18" charset="0"/>
+                            </a:rPr>
+                          </m:ctrlPr>
+                        </m:sSubPr>
+                        <m:e>
+                          <m:r>
+                            <a:rPr lang="en-US" sz="2800" b="0" i="1">
+                              <a:latin typeface="Cambria Math" panose="02040503050406030204" pitchFamily="18" charset="0"/>
+                            </a:rPr>
+                            <m:t>𝑏</m:t>
+                          </m:r>
+                        </m:e>
+                        <m:sub>
+                          <m:r>
+                            <a:rPr lang="en-US" sz="2800" b="0" i="1">
+                              <a:latin typeface="Cambria Math" panose="02040503050406030204" pitchFamily="18" charset="0"/>
+                            </a:rPr>
+                            <m:t>h</m:t>
+                          </m:r>
+                        </m:sub>
+                      </m:sSub>
+                      <m:r>
+                        <a:rPr lang="en-US" sz="2800" b="0" i="1">
+                          <a:latin typeface="Cambria Math" panose="02040503050406030204" pitchFamily="18" charset="0"/>
+                        </a:rPr>
+                        <m:t>=</m:t>
+                      </m:r>
+                      <m:sSub>
+                        <m:sSubPr>
+                          <m:ctrlPr>
+                            <a:rPr lang="en-US" sz="2800" b="0" i="1">
+                              <a:latin typeface="Cambria Math" panose="02040503050406030204" pitchFamily="18" charset="0"/>
+                            </a:rPr>
+                          </m:ctrlPr>
+                        </m:sSubPr>
+                        <m:e>
+                          <m:r>
+                            <a:rPr lang="en-US" sz="2800" b="0" i="1">
+                              <a:latin typeface="Cambria Math" panose="02040503050406030204" pitchFamily="18" charset="0"/>
+                            </a:rPr>
+                            <m:t>𝑎</m:t>
+                          </m:r>
+                        </m:e>
+                        <m:sub>
+                          <m:r>
+                            <a:rPr lang="en-US" sz="2800" b="0" i="1">
+                              <a:latin typeface="Cambria Math" panose="02040503050406030204" pitchFamily="18" charset="0"/>
+                            </a:rPr>
+                            <m:t>h</m:t>
+                          </m:r>
+                        </m:sub>
+                      </m:sSub>
+                      <m:sSup>
+                        <m:sSupPr>
+                          <m:ctrlPr>
+                            <a:rPr lang="en-US" sz="2800" b="0" i="1">
+                              <a:latin typeface="Cambria Math" panose="02040503050406030204" pitchFamily="18" charset="0"/>
+                            </a:rPr>
+                          </m:ctrlPr>
+                        </m:sSupPr>
+                        <m:e>
+                          <m:r>
+                            <a:rPr lang="en-US" sz="2800" b="0" i="1">
+                              <a:latin typeface="Cambria Math" panose="02040503050406030204" pitchFamily="18" charset="0"/>
+                            </a:rPr>
+                            <m:t>𝑒</m:t>
+                          </m:r>
+                        </m:e>
+                        <m:sup>
+                          <m:r>
+                            <m:rPr>
+                              <m:sty m:val="p"/>
+                            </m:rPr>
+                            <a:rPr lang="en-US" sz="2800" b="0" i="0">
+                              <a:latin typeface="Cambria Math" panose="02040503050406030204" pitchFamily="18" charset="0"/>
+                            </a:rPr>
+                            <m:t>Δ</m:t>
+                          </m:r>
+                          <m:r>
+                            <a:rPr lang="en-US" sz="2800" b="0" i="1">
+                              <a:latin typeface="Cambria Math" panose="02040503050406030204" pitchFamily="18" charset="0"/>
+                            </a:rPr>
+                            <m:t>h</m:t>
+                          </m:r>
+                        </m:sup>
+                      </m:sSup>
+                    </m:oMath>
+                  </m:oMathPara>
+                </a14:m>
+                <a:endParaRPr lang="en-US" sz="2800"/>
+              </a:p>
+            </p:txBody>
+          </p:sp>
+        </mc:Choice>
+        <mc:Fallback>
+          <p:sp>
+            <p:nvSpPr>
+              <p:cNvPr id="20" name="TextBox 19">
+                <a:extLst>
+                  <a:ext uri="{FF2B5EF4-FFF2-40B4-BE49-F238E27FC236}">
+                    <a16:creationId xmlns:a16="http://schemas.microsoft.com/office/drawing/2014/main" id="{D20B5913-EDEF-9342-B2EA-EE6CA81DAE07}"/>
+                  </a:ext>
+                </a:extLst>
+              </p:cNvPr>
+              <p:cNvSpPr txBox="1">
+                <a:spLocks noRot="1" noChangeAspect="1" noMove="1" noResize="1" noEditPoints="1" noAdjustHandles="1" noChangeArrowheads="1" noChangeShapeType="1" noTextEdit="1"/>
+              </p:cNvSpPr>
+              <p:nvPr/>
+            </p:nvSpPr>
+            <p:spPr>
+              <a:xfrm>
+                <a:off x="8362950" y="2172617"/>
+                <a:ext cx="4438650" cy="1872179"/>
+              </a:xfrm>
+              <a:prstGeom prst="rect">
+                <a:avLst/>
+              </a:prstGeom>
+              <a:blipFill>
+                <a:blip r:embed="rId11"/>
+                <a:stretch>
+                  <a:fillRect b="-676"/>
+                </a:stretch>
+              </a:blipFill>
+            </p:spPr>
+            <p:txBody>
+              <a:bodyPr/>
+              <a:lstStyle/>
+              <a:p>
+                <a:r>
+                  <a:rPr lang="en-US">
+                    <a:noFill/>
+                  </a:rPr>
+                  <a:t> </a:t>
+                </a:r>
+              </a:p>
+            </p:txBody>
+          </p:sp>
+        </mc:Fallback>
+      </mc:AlternateContent>
     </p:spTree>
     <p:extLst>
       <p:ext uri="{BB962C8B-B14F-4D97-AF65-F5344CB8AC3E}">
@@ -24674,8 +27460,8 @@
           </a:p>
         </p:txBody>
       </p:sp>
-      <mc:AlternateContent xmlns:mc="http://schemas.openxmlformats.org/markup-compatibility/2006">
-        <mc:Choice xmlns:a14="http://schemas.microsoft.com/office/drawing/2010/main" Requires="a14">
+      <mc:AlternateContent xmlns:mc="http://schemas.openxmlformats.org/markup-compatibility/2006" xmlns:a14="http://schemas.microsoft.com/office/drawing/2010/main">
+        <mc:Choice Requires="a14">
           <p:sp>
             <p:nvSpPr>
               <p:cNvPr id="12" name="TextBox 11">
@@ -24704,6 +27490,7 @@
               </a:bodyPr>
               <a:lstStyle/>
               <a:p>
+                <a:pPr/>
                 <a14:m>
                   <m:oMathPara xmlns:m="http://schemas.openxmlformats.org/officeDocument/2006/math">
                     <m:oMathParaPr>
@@ -24731,7 +27518,7 @@
             </p:txBody>
           </p:sp>
         </mc:Choice>
-        <mc:Fallback>
+        <mc:Fallback xmlns="">
           <p:sp>
             <p:nvSpPr>
               <p:cNvPr id="12" name="TextBox 11">
@@ -25116,8 +27903,8 @@
           </a:p>
         </p:txBody>
       </p:sp>
-      <mc:AlternateContent xmlns:mc="http://schemas.openxmlformats.org/markup-compatibility/2006">
-        <mc:Choice xmlns:a14="http://schemas.microsoft.com/office/drawing/2010/main" Requires="a14">
+      <mc:AlternateContent xmlns:mc="http://schemas.openxmlformats.org/markup-compatibility/2006" xmlns:a14="http://schemas.microsoft.com/office/drawing/2010/main">
+        <mc:Choice Requires="a14">
           <p:sp>
             <p:nvSpPr>
               <p:cNvPr id="17" name="TextBox 16">
@@ -25205,7 +27992,7 @@
             </p:txBody>
           </p:sp>
         </mc:Choice>
-        <mc:Fallback>
+        <mc:Fallback xmlns="">
           <p:sp>
             <p:nvSpPr>
               <p:cNvPr id="17" name="TextBox 16">
@@ -26679,8 +29466,8 @@
           </a:p>
         </p:txBody>
       </p:sp>
-      <mc:AlternateContent xmlns:mc="http://schemas.openxmlformats.org/markup-compatibility/2006">
-        <mc:Choice xmlns:a14="http://schemas.microsoft.com/office/drawing/2010/main" Requires="a14">
+      <mc:AlternateContent xmlns:mc="http://schemas.openxmlformats.org/markup-compatibility/2006" xmlns:a14="http://schemas.microsoft.com/office/drawing/2010/main">
+        <mc:Choice Requires="a14">
           <p:sp>
             <p:nvSpPr>
               <p:cNvPr id="64" name="TextBox 63">
@@ -27332,7 +30119,7 @@
             </p:txBody>
           </p:sp>
         </mc:Choice>
-        <mc:Fallback>
+        <mc:Fallback xmlns="">
           <p:sp>
             <p:nvSpPr>
               <p:cNvPr id="64" name="TextBox 63">

--- a/content/post/post_ppt.pptx
+++ b/content/post/post_ppt.pptx
@@ -15,6 +15,8 @@
     <p:sldId id="263" r:id="rId9"/>
     <p:sldId id="264" r:id="rId10"/>
     <p:sldId id="265" r:id="rId11"/>
+    <p:sldId id="266" r:id="rId12"/>
+    <p:sldId id="267" r:id="rId13"/>
   </p:sldIdLst>
   <p:sldSz cx="21553488" cy="6858000"/>
   <p:notesSz cx="6858000" cy="9144000"/>
@@ -252,7 +254,7 @@
           <a:p>
             <a:fld id="{AEE0242F-9983-5646-A2FB-42C1A5B688B5}" type="datetimeFigureOut">
               <a:rPr lang="en-US" smtClean="0"/>
-              <a:t>1/22/20</a:t>
+              <a:t>1/23/20</a:t>
             </a:fld>
             <a:endParaRPr lang="en-US" dirty="0"/>
           </a:p>
@@ -422,7 +424,7 @@
           <a:p>
             <a:fld id="{AEE0242F-9983-5646-A2FB-42C1A5B688B5}" type="datetimeFigureOut">
               <a:rPr lang="en-US" smtClean="0"/>
-              <a:t>1/22/20</a:t>
+              <a:t>1/23/20</a:t>
             </a:fld>
             <a:endParaRPr lang="en-US" dirty="0"/>
           </a:p>
@@ -602,7 +604,7 @@
           <a:p>
             <a:fld id="{AEE0242F-9983-5646-A2FB-42C1A5B688B5}" type="datetimeFigureOut">
               <a:rPr lang="en-US" smtClean="0"/>
-              <a:t>1/22/20</a:t>
+              <a:t>1/23/20</a:t>
             </a:fld>
             <a:endParaRPr lang="en-US" dirty="0"/>
           </a:p>
@@ -772,7 +774,7 @@
           <a:p>
             <a:fld id="{AEE0242F-9983-5646-A2FB-42C1A5B688B5}" type="datetimeFigureOut">
               <a:rPr lang="en-US" smtClean="0"/>
-              <a:t>1/22/20</a:t>
+              <a:t>1/23/20</a:t>
             </a:fld>
             <a:endParaRPr lang="en-US" dirty="0"/>
           </a:p>
@@ -1018,7 +1020,7 @@
           <a:p>
             <a:fld id="{AEE0242F-9983-5646-A2FB-42C1A5B688B5}" type="datetimeFigureOut">
               <a:rPr lang="en-US" smtClean="0"/>
-              <a:t>1/22/20</a:t>
+              <a:t>1/23/20</a:t>
             </a:fld>
             <a:endParaRPr lang="en-US" dirty="0"/>
           </a:p>
@@ -1250,7 +1252,7 @@
           <a:p>
             <a:fld id="{AEE0242F-9983-5646-A2FB-42C1A5B688B5}" type="datetimeFigureOut">
               <a:rPr lang="en-US" smtClean="0"/>
-              <a:t>1/22/20</a:t>
+              <a:t>1/23/20</a:t>
             </a:fld>
             <a:endParaRPr lang="en-US" dirty="0"/>
           </a:p>
@@ -1617,7 +1619,7 @@
           <a:p>
             <a:fld id="{AEE0242F-9983-5646-A2FB-42C1A5B688B5}" type="datetimeFigureOut">
               <a:rPr lang="en-US" smtClean="0"/>
-              <a:t>1/22/20</a:t>
+              <a:t>1/23/20</a:t>
             </a:fld>
             <a:endParaRPr lang="en-US" dirty="0"/>
           </a:p>
@@ -1735,7 +1737,7 @@
           <a:p>
             <a:fld id="{AEE0242F-9983-5646-A2FB-42C1A5B688B5}" type="datetimeFigureOut">
               <a:rPr lang="en-US" smtClean="0"/>
-              <a:t>1/22/20</a:t>
+              <a:t>1/23/20</a:t>
             </a:fld>
             <a:endParaRPr lang="en-US" dirty="0"/>
           </a:p>
@@ -1830,7 +1832,7 @@
           <a:p>
             <a:fld id="{AEE0242F-9983-5646-A2FB-42C1A5B688B5}" type="datetimeFigureOut">
               <a:rPr lang="en-US" smtClean="0"/>
-              <a:t>1/22/20</a:t>
+              <a:t>1/23/20</a:t>
             </a:fld>
             <a:endParaRPr lang="en-US" dirty="0"/>
           </a:p>
@@ -2107,7 +2109,7 @@
           <a:p>
             <a:fld id="{AEE0242F-9983-5646-A2FB-42C1A5B688B5}" type="datetimeFigureOut">
               <a:rPr lang="en-US" smtClean="0"/>
-              <a:t>1/22/20</a:t>
+              <a:t>1/23/20</a:t>
             </a:fld>
             <a:endParaRPr lang="en-US" dirty="0"/>
           </a:p>
@@ -2364,7 +2366,7 @@
           <a:p>
             <a:fld id="{AEE0242F-9983-5646-A2FB-42C1A5B688B5}" type="datetimeFigureOut">
               <a:rPr lang="en-US" smtClean="0"/>
-              <a:t>1/22/20</a:t>
+              <a:t>1/23/20</a:t>
             </a:fld>
             <a:endParaRPr lang="en-US" dirty="0"/>
           </a:p>
@@ -2577,7 +2579,7 @@
           <a:p>
             <a:fld id="{AEE0242F-9983-5646-A2FB-42C1A5B688B5}" type="datetimeFigureOut">
               <a:rPr lang="en-US" smtClean="0"/>
-              <a:t>1/22/20</a:t>
+              <a:t>1/23/20</a:t>
             </a:fld>
             <a:endParaRPr lang="en-US" dirty="0"/>
           </a:p>
@@ -7345,8 +7347,8 @@
           </a:p>
         </p:txBody>
       </p:sp>
-      <mc:AlternateContent xmlns:mc="http://schemas.openxmlformats.org/markup-compatibility/2006">
-        <mc:Choice xmlns:a14="http://schemas.microsoft.com/office/drawing/2010/main" Requires="a14">
+      <mc:AlternateContent xmlns:mc="http://schemas.openxmlformats.org/markup-compatibility/2006" xmlns:a14="http://schemas.microsoft.com/office/drawing/2010/main">
+        <mc:Choice Requires="a14">
           <p:sp>
             <p:nvSpPr>
               <p:cNvPr id="6" name="TextBox 5">
@@ -7375,6 +7377,7 @@
               </a:bodyPr>
               <a:lstStyle/>
               <a:p>
+                <a:pPr/>
                 <a14:m>
                   <m:oMathPara xmlns:m="http://schemas.openxmlformats.org/officeDocument/2006/math">
                     <m:oMathParaPr>
@@ -7414,7 +7417,7 @@
             </p:txBody>
           </p:sp>
         </mc:Choice>
-        <mc:Fallback>
+        <mc:Fallback xmlns="">
           <p:sp>
             <p:nvSpPr>
               <p:cNvPr id="6" name="TextBox 5">
@@ -7459,8 +7462,8 @@
           </p:sp>
         </mc:Fallback>
       </mc:AlternateContent>
-      <mc:AlternateContent xmlns:mc="http://schemas.openxmlformats.org/markup-compatibility/2006">
-        <mc:Choice xmlns:a14="http://schemas.microsoft.com/office/drawing/2010/main" Requires="a14">
+      <mc:AlternateContent xmlns:mc="http://schemas.openxmlformats.org/markup-compatibility/2006" xmlns:a14="http://schemas.microsoft.com/office/drawing/2010/main">
+        <mc:Choice Requires="a14">
           <p:sp>
             <p:nvSpPr>
               <p:cNvPr id="7" name="TextBox 6">
@@ -7489,6 +7492,7 @@
               </a:bodyPr>
               <a:lstStyle/>
               <a:p>
+                <a:pPr/>
                 <a14:m>
                   <m:oMathPara xmlns:m="http://schemas.openxmlformats.org/officeDocument/2006/math">
                     <m:oMathParaPr>
@@ -7528,7 +7532,7 @@
             </p:txBody>
           </p:sp>
         </mc:Choice>
-        <mc:Fallback>
+        <mc:Fallback xmlns="">
           <p:sp>
             <p:nvSpPr>
               <p:cNvPr id="7" name="TextBox 6">
@@ -7679,8 +7683,8 @@
           </a:p>
         </p:txBody>
       </p:sp>
-      <mc:AlternateContent xmlns:mc="http://schemas.openxmlformats.org/markup-compatibility/2006">
-        <mc:Choice xmlns:a14="http://schemas.microsoft.com/office/drawing/2010/main" Requires="a14">
+      <mc:AlternateContent xmlns:mc="http://schemas.openxmlformats.org/markup-compatibility/2006" xmlns:a14="http://schemas.microsoft.com/office/drawing/2010/main">
+        <mc:Choice Requires="a14">
           <p:sp>
             <p:nvSpPr>
               <p:cNvPr id="10" name="TextBox 9">
@@ -7709,6 +7713,7 @@
               </a:bodyPr>
               <a:lstStyle/>
               <a:p>
+                <a:pPr/>
                 <a14:m>
                   <m:oMathPara xmlns:m="http://schemas.openxmlformats.org/officeDocument/2006/math">
                     <m:oMathParaPr>
@@ -7748,7 +7753,7 @@
             </p:txBody>
           </p:sp>
         </mc:Choice>
-        <mc:Fallback>
+        <mc:Fallback xmlns="">
           <p:sp>
             <p:nvSpPr>
               <p:cNvPr id="10" name="TextBox 9">
@@ -7793,8 +7798,8 @@
           </p:sp>
         </mc:Fallback>
       </mc:AlternateContent>
-      <mc:AlternateContent xmlns:mc="http://schemas.openxmlformats.org/markup-compatibility/2006">
-        <mc:Choice xmlns:a14="http://schemas.microsoft.com/office/drawing/2010/main" Requires="a14">
+      <mc:AlternateContent xmlns:mc="http://schemas.openxmlformats.org/markup-compatibility/2006" xmlns:a14="http://schemas.microsoft.com/office/drawing/2010/main">
+        <mc:Choice Requires="a14">
           <p:sp>
             <p:nvSpPr>
               <p:cNvPr id="11" name="TextBox 10">
@@ -7823,6 +7828,7 @@
               </a:bodyPr>
               <a:lstStyle/>
               <a:p>
+                <a:pPr/>
                 <a14:m>
                   <m:oMathPara xmlns:m="http://schemas.openxmlformats.org/officeDocument/2006/math">
                     <m:oMathParaPr>
@@ -7862,7 +7868,7 @@
             </p:txBody>
           </p:sp>
         </mc:Choice>
-        <mc:Fallback>
+        <mc:Fallback xmlns="">
           <p:sp>
             <p:nvSpPr>
               <p:cNvPr id="11" name="TextBox 10">
@@ -8049,8 +8055,8 @@
           </a:p>
         </p:txBody>
       </p:sp>
-      <mc:AlternateContent xmlns:mc="http://schemas.openxmlformats.org/markup-compatibility/2006">
-        <mc:Choice xmlns:a14="http://schemas.microsoft.com/office/drawing/2010/main" Requires="a14">
+      <mc:AlternateContent xmlns:mc="http://schemas.openxmlformats.org/markup-compatibility/2006" xmlns:a14="http://schemas.microsoft.com/office/drawing/2010/main">
+        <mc:Choice Requires="a14">
           <p:sp>
             <p:nvSpPr>
               <p:cNvPr id="15" name="TextBox 14">
@@ -8079,6 +8085,7 @@
               </a:bodyPr>
               <a:lstStyle/>
               <a:p>
+                <a:pPr/>
                 <a14:m>
                   <m:oMathPara xmlns:m="http://schemas.openxmlformats.org/officeDocument/2006/math">
                     <m:oMathParaPr>
@@ -8108,7 +8115,7 @@
             </p:txBody>
           </p:sp>
         </mc:Choice>
-        <mc:Fallback>
+        <mc:Fallback xmlns="">
           <p:sp>
             <p:nvSpPr>
               <p:cNvPr id="15" name="TextBox 14">
@@ -8153,8 +8160,8 @@
           </p:sp>
         </mc:Fallback>
       </mc:AlternateContent>
-      <mc:AlternateContent xmlns:mc="http://schemas.openxmlformats.org/markup-compatibility/2006">
-        <mc:Choice xmlns:a14="http://schemas.microsoft.com/office/drawing/2010/main" Requires="a14">
+      <mc:AlternateContent xmlns:mc="http://schemas.openxmlformats.org/markup-compatibility/2006" xmlns:a14="http://schemas.microsoft.com/office/drawing/2010/main">
+        <mc:Choice Requires="a14">
           <p:sp>
             <p:nvSpPr>
               <p:cNvPr id="16" name="TextBox 15">
@@ -8183,6 +8190,7 @@
               </a:bodyPr>
               <a:lstStyle/>
               <a:p>
+                <a:pPr/>
                 <a14:m>
                   <m:oMathPara xmlns:m="http://schemas.openxmlformats.org/officeDocument/2006/math">
                     <m:oMathParaPr>
@@ -8206,7 +8214,7 @@
             </p:txBody>
           </p:sp>
         </mc:Choice>
-        <mc:Fallback>
+        <mc:Fallback xmlns="">
           <p:sp>
             <p:nvSpPr>
               <p:cNvPr id="16" name="TextBox 15">
@@ -8251,8 +8259,8 @@
           </p:sp>
         </mc:Fallback>
       </mc:AlternateContent>
-      <mc:AlternateContent xmlns:mc="http://schemas.openxmlformats.org/markup-compatibility/2006">
-        <mc:Choice xmlns:a14="http://schemas.microsoft.com/office/drawing/2010/main" Requires="a14">
+      <mc:AlternateContent xmlns:mc="http://schemas.openxmlformats.org/markup-compatibility/2006" xmlns:a14="http://schemas.microsoft.com/office/drawing/2010/main">
+        <mc:Choice Requires="a14">
           <p:sp>
             <p:nvSpPr>
               <p:cNvPr id="17" name="TextBox 16">
@@ -8281,6 +8289,7 @@
               </a:bodyPr>
               <a:lstStyle/>
               <a:p>
+                <a:pPr/>
                 <a14:m>
                   <m:oMathPara xmlns:m="http://schemas.openxmlformats.org/officeDocument/2006/math">
                     <m:oMathParaPr>
@@ -8329,7 +8338,7 @@
             </p:txBody>
           </p:sp>
         </mc:Choice>
-        <mc:Fallback>
+        <mc:Fallback xmlns="">
           <p:sp>
             <p:nvSpPr>
               <p:cNvPr id="17" name="TextBox 16">
@@ -8374,8 +8383,8 @@
           </p:sp>
         </mc:Fallback>
       </mc:AlternateContent>
-      <mc:AlternateContent xmlns:mc="http://schemas.openxmlformats.org/markup-compatibility/2006">
-        <mc:Choice xmlns:a14="http://schemas.microsoft.com/office/drawing/2010/main" Requires="a14">
+      <mc:AlternateContent xmlns:mc="http://schemas.openxmlformats.org/markup-compatibility/2006" xmlns:a14="http://schemas.microsoft.com/office/drawing/2010/main">
+        <mc:Choice Requires="a14">
           <p:sp>
             <p:nvSpPr>
               <p:cNvPr id="18" name="TextBox 17">
@@ -8404,6 +8413,7 @@
               </a:bodyPr>
               <a:lstStyle/>
               <a:p>
+                <a:pPr/>
                 <a14:m>
                   <m:oMathPara xmlns:m="http://schemas.openxmlformats.org/officeDocument/2006/math">
                     <m:oMathParaPr>
@@ -8456,7 +8466,7 @@
             </p:txBody>
           </p:sp>
         </mc:Choice>
-        <mc:Fallback>
+        <mc:Fallback xmlns="">
           <p:sp>
             <p:nvSpPr>
               <p:cNvPr id="18" name="TextBox 17">
@@ -8501,8 +8511,8 @@
           </p:sp>
         </mc:Fallback>
       </mc:AlternateContent>
-      <mc:AlternateContent xmlns:mc="http://schemas.openxmlformats.org/markup-compatibility/2006">
-        <mc:Choice xmlns:a14="http://schemas.microsoft.com/office/drawing/2010/main" Requires="a14">
+      <mc:AlternateContent xmlns:mc="http://schemas.openxmlformats.org/markup-compatibility/2006" xmlns:a14="http://schemas.microsoft.com/office/drawing/2010/main">
+        <mc:Choice Requires="a14">
           <p:sp>
             <p:nvSpPr>
               <p:cNvPr id="19" name="TextBox 18">
@@ -8531,6 +8541,7 @@
               </a:bodyPr>
               <a:lstStyle/>
               <a:p>
+                <a:pPr/>
                 <a14:m>
                   <m:oMathPara xmlns:m="http://schemas.openxmlformats.org/officeDocument/2006/math">
                     <m:oMathParaPr>
@@ -8640,7 +8651,7 @@
             </p:txBody>
           </p:sp>
         </mc:Choice>
-        <mc:Fallback>
+        <mc:Fallback xmlns="">
           <p:sp>
             <p:nvSpPr>
               <p:cNvPr id="19" name="TextBox 18">
@@ -8685,8 +8696,8 @@
           </p:sp>
         </mc:Fallback>
       </mc:AlternateContent>
-      <mc:AlternateContent xmlns:mc="http://schemas.openxmlformats.org/markup-compatibility/2006">
-        <mc:Choice xmlns:a14="http://schemas.microsoft.com/office/drawing/2010/main" Requires="a14">
+      <mc:AlternateContent xmlns:mc="http://schemas.openxmlformats.org/markup-compatibility/2006" xmlns:a14="http://schemas.microsoft.com/office/drawing/2010/main">
+        <mc:Choice Requires="a14">
           <p:sp>
             <p:nvSpPr>
               <p:cNvPr id="20" name="TextBox 19">
@@ -8715,6 +8726,7 @@
               </a:bodyPr>
               <a:lstStyle/>
               <a:p>
+                <a:pPr/>
                 <a14:m>
                   <m:oMathPara xmlns:m="http://schemas.openxmlformats.org/officeDocument/2006/math">
                     <m:oMathParaPr>
@@ -9136,7 +9148,7 @@
             </p:txBody>
           </p:sp>
         </mc:Choice>
-        <mc:Fallback>
+        <mc:Fallback xmlns="">
           <p:sp>
             <p:nvSpPr>
               <p:cNvPr id="20" name="TextBox 19">
@@ -9185,6 +9197,2485 @@
     <p:extLst>
       <p:ext uri="{BB962C8B-B14F-4D97-AF65-F5344CB8AC3E}">
         <p14:creationId xmlns:p14="http://schemas.microsoft.com/office/powerpoint/2010/main" val="131483630"/>
+      </p:ext>
+    </p:extLst>
+  </p:cSld>
+  <p:clrMapOvr>
+    <a:masterClrMapping/>
+  </p:clrMapOvr>
+</p:sld>
+</file>
+
+<file path=ppt/slides/slide11.xml><?xml version="1.0" encoding="utf-8"?>
+<p:sld xmlns:a="http://schemas.openxmlformats.org/drawingml/2006/main" xmlns:r="http://schemas.openxmlformats.org/officeDocument/2006/relationships" xmlns:p="http://schemas.openxmlformats.org/presentationml/2006/main">
+  <p:cSld>
+    <p:spTree>
+      <p:nvGrpSpPr>
+        <p:cNvPr id="1" name=""/>
+        <p:cNvGrpSpPr/>
+        <p:nvPr/>
+      </p:nvGrpSpPr>
+      <p:grpSpPr>
+        <a:xfrm>
+          <a:off x="0" y="0"/>
+          <a:ext cx="0" cy="0"/>
+          <a:chOff x="0" y="0"/>
+          <a:chExt cx="0" cy="0"/>
+        </a:xfrm>
+      </p:grpSpPr>
+      <p:sp>
+        <p:nvSpPr>
+          <p:cNvPr id="26" name="Rectangle 25">
+            <a:extLst>
+              <a:ext uri="{FF2B5EF4-FFF2-40B4-BE49-F238E27FC236}">
+                <a16:creationId xmlns:a16="http://schemas.microsoft.com/office/drawing/2014/main" id="{2397A759-3CF9-1240-8719-84DC4E6D9354}"/>
+              </a:ext>
+            </a:extLst>
+          </p:cNvPr>
+          <p:cNvSpPr/>
+          <p:nvPr/>
+        </p:nvSpPr>
+        <p:spPr>
+          <a:xfrm rot="21095648">
+            <a:off x="5752617" y="2801074"/>
+            <a:ext cx="2880000" cy="2880000"/>
+          </a:xfrm>
+          <a:prstGeom prst="rect">
+            <a:avLst/>
+          </a:prstGeom>
+          <a:noFill/>
+          <a:ln w="76200">
+            <a:solidFill>
+              <a:srgbClr val="7A81FF"/>
+            </a:solidFill>
+          </a:ln>
+          <a:scene3d>
+            <a:camera prst="isometricOffAxis2Top"/>
+            <a:lightRig rig="threePt" dir="t"/>
+          </a:scene3d>
+        </p:spPr>
+        <p:style>
+          <a:lnRef idx="2">
+            <a:schemeClr val="accent1">
+              <a:shade val="50000"/>
+            </a:schemeClr>
+          </a:lnRef>
+          <a:fillRef idx="1">
+            <a:schemeClr val="accent1"/>
+          </a:fillRef>
+          <a:effectRef idx="0">
+            <a:schemeClr val="accent1"/>
+          </a:effectRef>
+          <a:fontRef idx="minor">
+            <a:schemeClr val="lt1"/>
+          </a:fontRef>
+        </p:style>
+        <p:txBody>
+          <a:bodyPr rtlCol="0" anchor="ctr"/>
+          <a:lstStyle/>
+          <a:p>
+            <a:pPr algn="ctr"/>
+            <a:endParaRPr lang="en-US"/>
+          </a:p>
+        </p:txBody>
+      </p:sp>
+      <p:sp>
+        <p:nvSpPr>
+          <p:cNvPr id="28" name="Rectangle 27">
+            <a:extLst>
+              <a:ext uri="{FF2B5EF4-FFF2-40B4-BE49-F238E27FC236}">
+                <a16:creationId xmlns:a16="http://schemas.microsoft.com/office/drawing/2014/main" id="{89E1F35E-1160-0C44-ACAE-3C238D120E4E}"/>
+              </a:ext>
+            </a:extLst>
+          </p:cNvPr>
+          <p:cNvSpPr/>
+          <p:nvPr/>
+        </p:nvSpPr>
+        <p:spPr>
+          <a:xfrm rot="21095648">
+            <a:off x="6022617" y="2039074"/>
+            <a:ext cx="2340000" cy="2340000"/>
+          </a:xfrm>
+          <a:prstGeom prst="rect">
+            <a:avLst/>
+          </a:prstGeom>
+          <a:noFill/>
+          <a:ln w="76200">
+            <a:solidFill>
+              <a:srgbClr val="7A81FF"/>
+            </a:solidFill>
+          </a:ln>
+          <a:scene3d>
+            <a:camera prst="isometricOffAxis2Top"/>
+            <a:lightRig rig="threePt" dir="t"/>
+          </a:scene3d>
+        </p:spPr>
+        <p:style>
+          <a:lnRef idx="2">
+            <a:schemeClr val="accent1">
+              <a:shade val="50000"/>
+            </a:schemeClr>
+          </a:lnRef>
+          <a:fillRef idx="1">
+            <a:schemeClr val="accent1"/>
+          </a:fillRef>
+          <a:effectRef idx="0">
+            <a:schemeClr val="accent1"/>
+          </a:effectRef>
+          <a:fontRef idx="minor">
+            <a:schemeClr val="lt1"/>
+          </a:fontRef>
+        </p:style>
+        <p:txBody>
+          <a:bodyPr rtlCol="0" anchor="ctr"/>
+          <a:lstStyle/>
+          <a:p>
+            <a:pPr algn="ctr"/>
+            <a:endParaRPr lang="en-US"/>
+          </a:p>
+        </p:txBody>
+      </p:sp>
+      <p:sp>
+        <p:nvSpPr>
+          <p:cNvPr id="29" name="Rectangle 28">
+            <a:extLst>
+              <a:ext uri="{FF2B5EF4-FFF2-40B4-BE49-F238E27FC236}">
+                <a16:creationId xmlns:a16="http://schemas.microsoft.com/office/drawing/2014/main" id="{B643570A-2C2E-C64C-9DE9-6208D2D7B000}"/>
+              </a:ext>
+            </a:extLst>
+          </p:cNvPr>
+          <p:cNvSpPr/>
+          <p:nvPr/>
+        </p:nvSpPr>
+        <p:spPr>
+          <a:xfrm rot="21095648">
+            <a:off x="6292616" y="1299790"/>
+            <a:ext cx="1800000" cy="1800000"/>
+          </a:xfrm>
+          <a:prstGeom prst="rect">
+            <a:avLst/>
+          </a:prstGeom>
+          <a:noFill/>
+          <a:ln w="76200">
+            <a:solidFill>
+              <a:srgbClr val="7A81FF"/>
+            </a:solidFill>
+          </a:ln>
+          <a:scene3d>
+            <a:camera prst="isometricOffAxis2Top"/>
+            <a:lightRig rig="threePt" dir="t"/>
+          </a:scene3d>
+        </p:spPr>
+        <p:style>
+          <a:lnRef idx="2">
+            <a:schemeClr val="accent1">
+              <a:shade val="50000"/>
+            </a:schemeClr>
+          </a:lnRef>
+          <a:fillRef idx="1">
+            <a:schemeClr val="accent1"/>
+          </a:fillRef>
+          <a:effectRef idx="0">
+            <a:schemeClr val="accent1"/>
+          </a:effectRef>
+          <a:fontRef idx="minor">
+            <a:schemeClr val="lt1"/>
+          </a:fontRef>
+        </p:style>
+        <p:txBody>
+          <a:bodyPr rtlCol="0" anchor="ctr"/>
+          <a:lstStyle/>
+          <a:p>
+            <a:pPr algn="ctr"/>
+            <a:endParaRPr lang="en-US"/>
+          </a:p>
+        </p:txBody>
+      </p:sp>
+      <p:sp>
+        <p:nvSpPr>
+          <p:cNvPr id="27" name="Rectangle 26">
+            <a:extLst>
+              <a:ext uri="{FF2B5EF4-FFF2-40B4-BE49-F238E27FC236}">
+                <a16:creationId xmlns:a16="http://schemas.microsoft.com/office/drawing/2014/main" id="{1DF4F170-5F7E-6E41-B67A-E1FC17D76C5D}"/>
+              </a:ext>
+            </a:extLst>
+          </p:cNvPr>
+          <p:cNvSpPr/>
+          <p:nvPr/>
+        </p:nvSpPr>
+        <p:spPr>
+          <a:xfrm rot="21095648">
+            <a:off x="6562617" y="756516"/>
+            <a:ext cx="1260000" cy="1260000"/>
+          </a:xfrm>
+          <a:prstGeom prst="rect">
+            <a:avLst/>
+          </a:prstGeom>
+          <a:noFill/>
+          <a:ln w="76200">
+            <a:solidFill>
+              <a:srgbClr val="7A81FF"/>
+            </a:solidFill>
+          </a:ln>
+          <a:scene3d>
+            <a:camera prst="isometricOffAxis2Top"/>
+            <a:lightRig rig="threePt" dir="t"/>
+          </a:scene3d>
+        </p:spPr>
+        <p:style>
+          <a:lnRef idx="2">
+            <a:schemeClr val="accent1">
+              <a:shade val="50000"/>
+            </a:schemeClr>
+          </a:lnRef>
+          <a:fillRef idx="1">
+            <a:schemeClr val="accent1"/>
+          </a:fillRef>
+          <a:effectRef idx="0">
+            <a:schemeClr val="accent1"/>
+          </a:effectRef>
+          <a:fontRef idx="minor">
+            <a:schemeClr val="lt1"/>
+          </a:fontRef>
+        </p:style>
+        <p:txBody>
+          <a:bodyPr rtlCol="0" anchor="ctr"/>
+          <a:lstStyle/>
+          <a:p>
+            <a:pPr algn="ctr"/>
+            <a:endParaRPr lang="en-US"/>
+          </a:p>
+        </p:txBody>
+      </p:sp>
+      <p:sp>
+        <p:nvSpPr>
+          <p:cNvPr id="30" name="Up Arrow 29">
+            <a:extLst>
+              <a:ext uri="{FF2B5EF4-FFF2-40B4-BE49-F238E27FC236}">
+                <a16:creationId xmlns:a16="http://schemas.microsoft.com/office/drawing/2014/main" id="{7DDF382D-133F-5A44-BBAD-8F3D5E5D73D6}"/>
+              </a:ext>
+            </a:extLst>
+          </p:cNvPr>
+          <p:cNvSpPr/>
+          <p:nvPr/>
+        </p:nvSpPr>
+        <p:spPr>
+          <a:xfrm>
+            <a:off x="4675090" y="2349661"/>
+            <a:ext cx="486137" cy="872027"/>
+          </a:xfrm>
+          <a:prstGeom prst="upArrow">
+            <a:avLst/>
+          </a:prstGeom>
+          <a:solidFill>
+            <a:srgbClr val="00B0F0"/>
+          </a:solidFill>
+          <a:ln>
+            <a:noFill/>
+          </a:ln>
+        </p:spPr>
+        <p:style>
+          <a:lnRef idx="2">
+            <a:schemeClr val="accent1">
+              <a:shade val="50000"/>
+            </a:schemeClr>
+          </a:lnRef>
+          <a:fillRef idx="1">
+            <a:schemeClr val="accent1"/>
+          </a:fillRef>
+          <a:effectRef idx="0">
+            <a:schemeClr val="accent1"/>
+          </a:effectRef>
+          <a:fontRef idx="minor">
+            <a:schemeClr val="lt1"/>
+          </a:fontRef>
+        </p:style>
+        <p:txBody>
+          <a:bodyPr rtlCol="0" anchor="ctr"/>
+          <a:lstStyle/>
+          <a:p>
+            <a:pPr algn="ctr"/>
+            <a:endParaRPr lang="en-US"/>
+          </a:p>
+        </p:txBody>
+      </p:sp>
+      <p:sp>
+        <p:nvSpPr>
+          <p:cNvPr id="31" name="TextBox 30">
+            <a:extLst>
+              <a:ext uri="{FF2B5EF4-FFF2-40B4-BE49-F238E27FC236}">
+                <a16:creationId xmlns:a16="http://schemas.microsoft.com/office/drawing/2014/main" id="{73470DD0-FBD5-C246-9BCB-DE675B528530}"/>
+              </a:ext>
+            </a:extLst>
+          </p:cNvPr>
+          <p:cNvSpPr txBox="1"/>
+          <p:nvPr/>
+        </p:nvSpPr>
+        <p:spPr>
+          <a:xfrm>
+            <a:off x="4305782" y="1721910"/>
+            <a:ext cx="1251798" cy="646331"/>
+          </a:xfrm>
+          <a:prstGeom prst="rect">
+            <a:avLst/>
+          </a:prstGeom>
+          <a:noFill/>
+        </p:spPr>
+        <p:txBody>
+          <a:bodyPr wrap="square" rtlCol="0">
+            <a:spAutoFit/>
+          </a:bodyPr>
+          <a:lstStyle/>
+          <a:p>
+            <a:r>
+              <a:rPr lang="en-US">
+                <a:latin typeface="Times New Roman" panose="02020603050405020304" pitchFamily="18" charset="0"/>
+                <a:cs typeface="Times New Roman" panose="02020603050405020304" pitchFamily="18" charset="0"/>
+              </a:rPr>
+              <a:t>Bottom-Up</a:t>
+            </a:r>
+          </a:p>
+          <a:p>
+            <a:pPr algn="ctr"/>
+            <a:r>
+              <a:rPr lang="en-US">
+                <a:latin typeface="Times New Roman" panose="02020603050405020304" pitchFamily="18" charset="0"/>
+                <a:cs typeface="Times New Roman" panose="02020603050405020304" pitchFamily="18" charset="0"/>
+              </a:rPr>
+              <a:t>Pathway</a:t>
+            </a:r>
+          </a:p>
+        </p:txBody>
+      </p:sp>
+      <p:sp>
+        <p:nvSpPr>
+          <p:cNvPr id="32" name="Rectangle 31">
+            <a:extLst>
+              <a:ext uri="{FF2B5EF4-FFF2-40B4-BE49-F238E27FC236}">
+                <a16:creationId xmlns:a16="http://schemas.microsoft.com/office/drawing/2014/main" id="{89C37F00-081C-9641-9312-6EFFB97CE86B}"/>
+              </a:ext>
+            </a:extLst>
+          </p:cNvPr>
+          <p:cNvSpPr/>
+          <p:nvPr/>
+        </p:nvSpPr>
+        <p:spPr>
+          <a:xfrm rot="21095648">
+            <a:off x="10867305" y="1168546"/>
+            <a:ext cx="1260000" cy="1260000"/>
+          </a:xfrm>
+          <a:prstGeom prst="rect">
+            <a:avLst/>
+          </a:prstGeom>
+          <a:noFill/>
+          <a:ln w="76200">
+            <a:solidFill>
+              <a:srgbClr val="7A81FF"/>
+            </a:solidFill>
+          </a:ln>
+          <a:scene3d>
+            <a:camera prst="isometricOffAxis2Top"/>
+            <a:lightRig rig="threePt" dir="t"/>
+          </a:scene3d>
+        </p:spPr>
+        <p:style>
+          <a:lnRef idx="2">
+            <a:schemeClr val="accent1">
+              <a:shade val="50000"/>
+            </a:schemeClr>
+          </a:lnRef>
+          <a:fillRef idx="1">
+            <a:schemeClr val="accent1"/>
+          </a:fillRef>
+          <a:effectRef idx="0">
+            <a:schemeClr val="accent1"/>
+          </a:effectRef>
+          <a:fontRef idx="minor">
+            <a:schemeClr val="lt1"/>
+          </a:fontRef>
+        </p:style>
+        <p:txBody>
+          <a:bodyPr rtlCol="0" anchor="ctr"/>
+          <a:lstStyle/>
+          <a:p>
+            <a:pPr algn="ctr"/>
+            <a:endParaRPr lang="en-US"/>
+          </a:p>
+        </p:txBody>
+      </p:sp>
+      <p:sp>
+        <p:nvSpPr>
+          <p:cNvPr id="41" name="Rectangle 40">
+            <a:extLst>
+              <a:ext uri="{FF2B5EF4-FFF2-40B4-BE49-F238E27FC236}">
+                <a16:creationId xmlns:a16="http://schemas.microsoft.com/office/drawing/2014/main" id="{B979E66C-5EC2-A746-BFFD-48768940D3E0}"/>
+              </a:ext>
+            </a:extLst>
+          </p:cNvPr>
+          <p:cNvSpPr/>
+          <p:nvPr/>
+        </p:nvSpPr>
+        <p:spPr>
+          <a:xfrm rot="21095648">
+            <a:off x="10597307" y="1774523"/>
+            <a:ext cx="1800000" cy="1800000"/>
+          </a:xfrm>
+          <a:prstGeom prst="rect">
+            <a:avLst/>
+          </a:prstGeom>
+          <a:noFill/>
+          <a:ln w="76200">
+            <a:solidFill>
+              <a:srgbClr val="7A81FF"/>
+            </a:solidFill>
+          </a:ln>
+          <a:scene3d>
+            <a:camera prst="isometricOffAxis2Top"/>
+            <a:lightRig rig="threePt" dir="t"/>
+          </a:scene3d>
+        </p:spPr>
+        <p:style>
+          <a:lnRef idx="2">
+            <a:schemeClr val="accent1">
+              <a:shade val="50000"/>
+            </a:schemeClr>
+          </a:lnRef>
+          <a:fillRef idx="1">
+            <a:schemeClr val="accent1"/>
+          </a:fillRef>
+          <a:effectRef idx="0">
+            <a:schemeClr val="accent1"/>
+          </a:effectRef>
+          <a:fontRef idx="minor">
+            <a:schemeClr val="lt1"/>
+          </a:fontRef>
+        </p:style>
+        <p:txBody>
+          <a:bodyPr rtlCol="0" anchor="ctr"/>
+          <a:lstStyle/>
+          <a:p>
+            <a:pPr algn="ctr"/>
+            <a:endParaRPr lang="en-US"/>
+          </a:p>
+        </p:txBody>
+      </p:sp>
+      <p:cxnSp>
+        <p:nvCxnSpPr>
+          <p:cNvPr id="43" name="Straight Arrow Connector 42">
+            <a:extLst>
+              <a:ext uri="{FF2B5EF4-FFF2-40B4-BE49-F238E27FC236}">
+                <a16:creationId xmlns:a16="http://schemas.microsoft.com/office/drawing/2014/main" id="{639736BA-50D9-DC49-9561-120DCB69D7D8}"/>
+              </a:ext>
+            </a:extLst>
+          </p:cNvPr>
+          <p:cNvCxnSpPr>
+            <a:cxnSpLocks/>
+          </p:cNvCxnSpPr>
+          <p:nvPr/>
+        </p:nvCxnSpPr>
+        <p:spPr>
+          <a:xfrm>
+            <a:off x="11497307" y="2002417"/>
+            <a:ext cx="0" cy="666000"/>
+          </a:xfrm>
+          <a:prstGeom prst="straightConnector1">
+            <a:avLst/>
+          </a:prstGeom>
+          <a:ln w="38100">
+            <a:solidFill>
+              <a:srgbClr val="00B0F0"/>
+            </a:solidFill>
+            <a:tailEnd type="triangle"/>
+          </a:ln>
+        </p:spPr>
+        <p:style>
+          <a:lnRef idx="1">
+            <a:schemeClr val="accent1"/>
+          </a:lnRef>
+          <a:fillRef idx="0">
+            <a:schemeClr val="accent1"/>
+          </a:fillRef>
+          <a:effectRef idx="0">
+            <a:schemeClr val="accent1"/>
+          </a:effectRef>
+          <a:fontRef idx="minor">
+            <a:schemeClr val="tx1"/>
+          </a:fontRef>
+        </p:style>
+      </p:cxnSp>
+      <p:cxnSp>
+        <p:nvCxnSpPr>
+          <p:cNvPr id="46" name="Straight Arrow Connector 45">
+            <a:extLst>
+              <a:ext uri="{FF2B5EF4-FFF2-40B4-BE49-F238E27FC236}">
+                <a16:creationId xmlns:a16="http://schemas.microsoft.com/office/drawing/2014/main" id="{11A07A9F-8DFD-A34C-95F5-4C6D0DA25BF0}"/>
+              </a:ext>
+            </a:extLst>
+          </p:cNvPr>
+          <p:cNvCxnSpPr>
+            <a:cxnSpLocks/>
+          </p:cNvCxnSpPr>
+          <p:nvPr/>
+        </p:nvCxnSpPr>
+        <p:spPr>
+          <a:xfrm>
+            <a:off x="8037197" y="2199790"/>
+            <a:ext cx="3460110" cy="0"/>
+          </a:xfrm>
+          <a:prstGeom prst="straightConnector1">
+            <a:avLst/>
+          </a:prstGeom>
+          <a:ln w="38100">
+            <a:solidFill>
+              <a:srgbClr val="00B0F0"/>
+            </a:solidFill>
+            <a:tailEnd type="triangle"/>
+          </a:ln>
+        </p:spPr>
+        <p:style>
+          <a:lnRef idx="1">
+            <a:schemeClr val="accent1"/>
+          </a:lnRef>
+          <a:fillRef idx="0">
+            <a:schemeClr val="accent1"/>
+          </a:fillRef>
+          <a:effectRef idx="0">
+            <a:schemeClr val="accent1"/>
+          </a:effectRef>
+          <a:fontRef idx="minor">
+            <a:schemeClr val="tx1"/>
+          </a:fontRef>
+        </p:style>
+      </p:cxnSp>
+      <p:sp>
+        <p:nvSpPr>
+          <p:cNvPr id="48" name="Rectangle 47">
+            <a:extLst>
+              <a:ext uri="{FF2B5EF4-FFF2-40B4-BE49-F238E27FC236}">
+                <a16:creationId xmlns:a16="http://schemas.microsoft.com/office/drawing/2014/main" id="{AB17BF0F-5F94-8D47-80D0-65D7322F18DC}"/>
+              </a:ext>
+            </a:extLst>
+          </p:cNvPr>
+          <p:cNvSpPr/>
+          <p:nvPr/>
+        </p:nvSpPr>
+        <p:spPr>
+          <a:xfrm rot="21095648">
+            <a:off x="10327306" y="2533441"/>
+            <a:ext cx="2340000" cy="2340000"/>
+          </a:xfrm>
+          <a:prstGeom prst="rect">
+            <a:avLst/>
+          </a:prstGeom>
+          <a:noFill/>
+          <a:ln w="76200">
+            <a:solidFill>
+              <a:srgbClr val="7A81FF"/>
+            </a:solidFill>
+          </a:ln>
+          <a:scene3d>
+            <a:camera prst="isometricOffAxis2Top"/>
+            <a:lightRig rig="threePt" dir="t"/>
+          </a:scene3d>
+        </p:spPr>
+        <p:style>
+          <a:lnRef idx="2">
+            <a:schemeClr val="accent1">
+              <a:shade val="50000"/>
+            </a:schemeClr>
+          </a:lnRef>
+          <a:fillRef idx="1">
+            <a:schemeClr val="accent1"/>
+          </a:fillRef>
+          <a:effectRef idx="0">
+            <a:schemeClr val="accent1"/>
+          </a:effectRef>
+          <a:fontRef idx="minor">
+            <a:schemeClr val="lt1"/>
+          </a:fontRef>
+        </p:style>
+        <p:txBody>
+          <a:bodyPr rtlCol="0" anchor="ctr"/>
+          <a:lstStyle/>
+          <a:p>
+            <a:pPr algn="ctr"/>
+            <a:endParaRPr lang="en-US"/>
+          </a:p>
+        </p:txBody>
+      </p:sp>
+      <p:cxnSp>
+        <p:nvCxnSpPr>
+          <p:cNvPr id="49" name="Straight Arrow Connector 48">
+            <a:extLst>
+              <a:ext uri="{FF2B5EF4-FFF2-40B4-BE49-F238E27FC236}">
+                <a16:creationId xmlns:a16="http://schemas.microsoft.com/office/drawing/2014/main" id="{07FAE4E7-A258-574F-86A8-1E3BD1ECC921}"/>
+              </a:ext>
+            </a:extLst>
+          </p:cNvPr>
+          <p:cNvCxnSpPr>
+            <a:cxnSpLocks/>
+          </p:cNvCxnSpPr>
+          <p:nvPr/>
+        </p:nvCxnSpPr>
+        <p:spPr>
+          <a:xfrm>
+            <a:off x="11497306" y="2995534"/>
+            <a:ext cx="0" cy="666000"/>
+          </a:xfrm>
+          <a:prstGeom prst="straightConnector1">
+            <a:avLst/>
+          </a:prstGeom>
+          <a:ln w="38100">
+            <a:solidFill>
+              <a:srgbClr val="00B0F0"/>
+            </a:solidFill>
+            <a:tailEnd type="triangle"/>
+          </a:ln>
+        </p:spPr>
+        <p:style>
+          <a:lnRef idx="1">
+            <a:schemeClr val="accent1"/>
+          </a:lnRef>
+          <a:fillRef idx="0">
+            <a:schemeClr val="accent1"/>
+          </a:fillRef>
+          <a:effectRef idx="0">
+            <a:schemeClr val="accent1"/>
+          </a:effectRef>
+          <a:fontRef idx="minor">
+            <a:schemeClr val="tx1"/>
+          </a:fontRef>
+        </p:style>
+      </p:cxnSp>
+      <p:cxnSp>
+        <p:nvCxnSpPr>
+          <p:cNvPr id="50" name="Straight Arrow Connector 49">
+            <a:extLst>
+              <a:ext uri="{FF2B5EF4-FFF2-40B4-BE49-F238E27FC236}">
+                <a16:creationId xmlns:a16="http://schemas.microsoft.com/office/drawing/2014/main" id="{D8ED3AB3-5415-384A-A03C-D231C6FA2852}"/>
+              </a:ext>
+            </a:extLst>
+          </p:cNvPr>
+          <p:cNvCxnSpPr>
+            <a:cxnSpLocks/>
+          </p:cNvCxnSpPr>
+          <p:nvPr/>
+        </p:nvCxnSpPr>
+        <p:spPr>
+          <a:xfrm>
+            <a:off x="8237664" y="3209074"/>
+            <a:ext cx="3240000" cy="0"/>
+          </a:xfrm>
+          <a:prstGeom prst="straightConnector1">
+            <a:avLst/>
+          </a:prstGeom>
+          <a:ln w="38100">
+            <a:solidFill>
+              <a:srgbClr val="00B0F0"/>
+            </a:solidFill>
+            <a:tailEnd type="triangle"/>
+          </a:ln>
+        </p:spPr>
+        <p:style>
+          <a:lnRef idx="1">
+            <a:schemeClr val="accent1"/>
+          </a:lnRef>
+          <a:fillRef idx="0">
+            <a:schemeClr val="accent1"/>
+          </a:fillRef>
+          <a:effectRef idx="0">
+            <a:schemeClr val="accent1"/>
+          </a:effectRef>
+          <a:fontRef idx="minor">
+            <a:schemeClr val="tx1"/>
+          </a:fontRef>
+        </p:style>
+      </p:cxnSp>
+      <p:cxnSp>
+        <p:nvCxnSpPr>
+          <p:cNvPr id="53" name="Straight Connector 52">
+            <a:extLst>
+              <a:ext uri="{FF2B5EF4-FFF2-40B4-BE49-F238E27FC236}">
+                <a16:creationId xmlns:a16="http://schemas.microsoft.com/office/drawing/2014/main" id="{A518FF11-24E7-E948-BB4E-ED85A6D008CC}"/>
+              </a:ext>
+            </a:extLst>
+          </p:cNvPr>
+          <p:cNvCxnSpPr>
+            <a:cxnSpLocks/>
+          </p:cNvCxnSpPr>
+          <p:nvPr/>
+        </p:nvCxnSpPr>
+        <p:spPr>
+          <a:xfrm>
+            <a:off x="7778187" y="1386516"/>
+            <a:ext cx="3719119" cy="0"/>
+          </a:xfrm>
+          <a:prstGeom prst="line">
+            <a:avLst/>
+          </a:prstGeom>
+          <a:ln w="38100">
+            <a:solidFill>
+              <a:srgbClr val="00B0F0"/>
+            </a:solidFill>
+          </a:ln>
+        </p:spPr>
+        <p:style>
+          <a:lnRef idx="1">
+            <a:schemeClr val="accent1"/>
+          </a:lnRef>
+          <a:fillRef idx="0">
+            <a:schemeClr val="accent1"/>
+          </a:fillRef>
+          <a:effectRef idx="0">
+            <a:schemeClr val="accent1"/>
+          </a:effectRef>
+          <a:fontRef idx="minor">
+            <a:schemeClr val="tx1"/>
+          </a:fontRef>
+        </p:style>
+      </p:cxnSp>
+      <p:cxnSp>
+        <p:nvCxnSpPr>
+          <p:cNvPr id="55" name="Straight Arrow Connector 54">
+            <a:extLst>
+              <a:ext uri="{FF2B5EF4-FFF2-40B4-BE49-F238E27FC236}">
+                <a16:creationId xmlns:a16="http://schemas.microsoft.com/office/drawing/2014/main" id="{259AE5EE-8752-7B4E-837D-1ADD0CA1FDA9}"/>
+              </a:ext>
+            </a:extLst>
+          </p:cNvPr>
+          <p:cNvCxnSpPr>
+            <a:cxnSpLocks/>
+          </p:cNvCxnSpPr>
+          <p:nvPr/>
+        </p:nvCxnSpPr>
+        <p:spPr>
+          <a:xfrm>
+            <a:off x="11497306" y="1379075"/>
+            <a:ext cx="0" cy="360000"/>
+          </a:xfrm>
+          <a:prstGeom prst="straightConnector1">
+            <a:avLst/>
+          </a:prstGeom>
+          <a:ln w="38100">
+            <a:solidFill>
+              <a:srgbClr val="00B0F0"/>
+            </a:solidFill>
+            <a:tailEnd type="triangle"/>
+          </a:ln>
+        </p:spPr>
+        <p:style>
+          <a:lnRef idx="1">
+            <a:schemeClr val="accent1"/>
+          </a:lnRef>
+          <a:fillRef idx="0">
+            <a:schemeClr val="accent1"/>
+          </a:fillRef>
+          <a:effectRef idx="0">
+            <a:schemeClr val="accent1"/>
+          </a:effectRef>
+          <a:fontRef idx="minor">
+            <a:schemeClr val="tx1"/>
+          </a:fontRef>
+        </p:style>
+      </p:cxnSp>
+      <p:cxnSp>
+        <p:nvCxnSpPr>
+          <p:cNvPr id="59" name="Straight Arrow Connector 58">
+            <a:extLst>
+              <a:ext uri="{FF2B5EF4-FFF2-40B4-BE49-F238E27FC236}">
+                <a16:creationId xmlns:a16="http://schemas.microsoft.com/office/drawing/2014/main" id="{856D82A0-C05E-7740-AC98-CA79C904525E}"/>
+              </a:ext>
+            </a:extLst>
+          </p:cNvPr>
+          <p:cNvCxnSpPr>
+            <a:cxnSpLocks/>
+          </p:cNvCxnSpPr>
+          <p:nvPr/>
+        </p:nvCxnSpPr>
+        <p:spPr>
+          <a:xfrm flipV="1">
+            <a:off x="7192616" y="3626812"/>
+            <a:ext cx="0" cy="537633"/>
+          </a:xfrm>
+          <a:prstGeom prst="straightConnector1">
+            <a:avLst/>
+          </a:prstGeom>
+          <a:ln w="38100">
+            <a:solidFill>
+              <a:srgbClr val="00B0F0"/>
+            </a:solidFill>
+            <a:tailEnd type="triangle"/>
+          </a:ln>
+        </p:spPr>
+        <p:style>
+          <a:lnRef idx="1">
+            <a:schemeClr val="accent1"/>
+          </a:lnRef>
+          <a:fillRef idx="0">
+            <a:schemeClr val="accent1"/>
+          </a:fillRef>
+          <a:effectRef idx="0">
+            <a:schemeClr val="accent1"/>
+          </a:effectRef>
+          <a:fontRef idx="minor">
+            <a:schemeClr val="tx1"/>
+          </a:fontRef>
+        </p:style>
+      </p:cxnSp>
+      <p:cxnSp>
+        <p:nvCxnSpPr>
+          <p:cNvPr id="61" name="Straight Arrow Connector 60">
+            <a:extLst>
+              <a:ext uri="{FF2B5EF4-FFF2-40B4-BE49-F238E27FC236}">
+                <a16:creationId xmlns:a16="http://schemas.microsoft.com/office/drawing/2014/main" id="{ABC4FE43-73FD-9341-8702-55E8DDB61101}"/>
+              </a:ext>
+            </a:extLst>
+          </p:cNvPr>
+          <p:cNvCxnSpPr>
+            <a:cxnSpLocks/>
+          </p:cNvCxnSpPr>
+          <p:nvPr/>
+        </p:nvCxnSpPr>
+        <p:spPr>
+          <a:xfrm flipV="1">
+            <a:off x="7192616" y="2513875"/>
+            <a:ext cx="0" cy="537633"/>
+          </a:xfrm>
+          <a:prstGeom prst="straightConnector1">
+            <a:avLst/>
+          </a:prstGeom>
+          <a:ln w="38100">
+            <a:solidFill>
+              <a:srgbClr val="00B0F0"/>
+            </a:solidFill>
+            <a:tailEnd type="triangle"/>
+          </a:ln>
+        </p:spPr>
+        <p:style>
+          <a:lnRef idx="1">
+            <a:schemeClr val="accent1"/>
+          </a:lnRef>
+          <a:fillRef idx="0">
+            <a:schemeClr val="accent1"/>
+          </a:fillRef>
+          <a:effectRef idx="0">
+            <a:schemeClr val="accent1"/>
+          </a:effectRef>
+          <a:fontRef idx="minor">
+            <a:schemeClr val="tx1"/>
+          </a:fontRef>
+        </p:style>
+      </p:cxnSp>
+      <p:cxnSp>
+        <p:nvCxnSpPr>
+          <p:cNvPr id="62" name="Straight Arrow Connector 61">
+            <a:extLst>
+              <a:ext uri="{FF2B5EF4-FFF2-40B4-BE49-F238E27FC236}">
+                <a16:creationId xmlns:a16="http://schemas.microsoft.com/office/drawing/2014/main" id="{43E1D47D-0E39-5E44-A7AD-4A76E68D4886}"/>
+              </a:ext>
+            </a:extLst>
+          </p:cNvPr>
+          <p:cNvCxnSpPr>
+            <a:cxnSpLocks/>
+          </p:cNvCxnSpPr>
+          <p:nvPr/>
+        </p:nvCxnSpPr>
+        <p:spPr>
+          <a:xfrm flipV="1">
+            <a:off x="7192616" y="1617900"/>
+            <a:ext cx="0" cy="537633"/>
+          </a:xfrm>
+          <a:prstGeom prst="straightConnector1">
+            <a:avLst/>
+          </a:prstGeom>
+          <a:ln w="38100">
+            <a:solidFill>
+              <a:srgbClr val="00B0F0"/>
+            </a:solidFill>
+            <a:tailEnd type="triangle"/>
+          </a:ln>
+        </p:spPr>
+        <p:style>
+          <a:lnRef idx="1">
+            <a:schemeClr val="accent1"/>
+          </a:lnRef>
+          <a:fillRef idx="0">
+            <a:schemeClr val="accent1"/>
+          </a:fillRef>
+          <a:effectRef idx="0">
+            <a:schemeClr val="accent1"/>
+          </a:effectRef>
+          <a:fontRef idx="minor">
+            <a:schemeClr val="tx1"/>
+          </a:fontRef>
+        </p:style>
+      </p:cxnSp>
+      <p:sp>
+        <p:nvSpPr>
+          <p:cNvPr id="63" name="TextBox 62">
+            <a:extLst>
+              <a:ext uri="{FF2B5EF4-FFF2-40B4-BE49-F238E27FC236}">
+                <a16:creationId xmlns:a16="http://schemas.microsoft.com/office/drawing/2014/main" id="{7E0C0540-0261-FC49-8C24-68C38CE392EC}"/>
+              </a:ext>
+            </a:extLst>
+          </p:cNvPr>
+          <p:cNvSpPr txBox="1"/>
+          <p:nvPr/>
+        </p:nvSpPr>
+        <p:spPr>
+          <a:xfrm>
+            <a:off x="10871406" y="416898"/>
+            <a:ext cx="1251798" cy="646331"/>
+          </a:xfrm>
+          <a:prstGeom prst="rect">
+            <a:avLst/>
+          </a:prstGeom>
+          <a:noFill/>
+        </p:spPr>
+        <p:txBody>
+          <a:bodyPr wrap="square" rtlCol="0">
+            <a:spAutoFit/>
+          </a:bodyPr>
+          <a:lstStyle/>
+          <a:p>
+            <a:pPr algn="ctr"/>
+            <a:r>
+              <a:rPr lang="en-US" altLang="zh-CN">
+                <a:latin typeface="Times New Roman" panose="02020603050405020304" pitchFamily="18" charset="0"/>
+                <a:cs typeface="Times New Roman" panose="02020603050405020304" pitchFamily="18" charset="0"/>
+              </a:rPr>
+              <a:t>Top-down</a:t>
+            </a:r>
+            <a:endParaRPr lang="en-US">
+              <a:latin typeface="Times New Roman" panose="02020603050405020304" pitchFamily="18" charset="0"/>
+              <a:cs typeface="Times New Roman" panose="02020603050405020304" pitchFamily="18" charset="0"/>
+            </a:endParaRPr>
+          </a:p>
+          <a:p>
+            <a:pPr algn="ctr"/>
+            <a:r>
+              <a:rPr lang="en-US">
+                <a:latin typeface="Times New Roman" panose="02020603050405020304" pitchFamily="18" charset="0"/>
+                <a:cs typeface="Times New Roman" panose="02020603050405020304" pitchFamily="18" charset="0"/>
+              </a:rPr>
+              <a:t>Pathway</a:t>
+            </a:r>
+          </a:p>
+        </p:txBody>
+      </p:sp>
+      <p:sp>
+        <p:nvSpPr>
+          <p:cNvPr id="64" name="Up Arrow 63">
+            <a:extLst>
+              <a:ext uri="{FF2B5EF4-FFF2-40B4-BE49-F238E27FC236}">
+                <a16:creationId xmlns:a16="http://schemas.microsoft.com/office/drawing/2014/main" id="{329255D5-BEB4-5944-AC0C-D48A898BEB9B}"/>
+              </a:ext>
+            </a:extLst>
+          </p:cNvPr>
+          <p:cNvSpPr/>
+          <p:nvPr/>
+        </p:nvSpPr>
+        <p:spPr>
+          <a:xfrm rot="10800000">
+            <a:off x="10528356" y="426875"/>
+            <a:ext cx="486137" cy="795159"/>
+          </a:xfrm>
+          <a:prstGeom prst="upArrow">
+            <a:avLst/>
+          </a:prstGeom>
+          <a:solidFill>
+            <a:srgbClr val="00B0F0"/>
+          </a:solidFill>
+          <a:ln>
+            <a:noFill/>
+          </a:ln>
+        </p:spPr>
+        <p:style>
+          <a:lnRef idx="2">
+            <a:schemeClr val="accent1">
+              <a:shade val="50000"/>
+            </a:schemeClr>
+          </a:lnRef>
+          <a:fillRef idx="1">
+            <a:schemeClr val="accent1"/>
+          </a:fillRef>
+          <a:effectRef idx="0">
+            <a:schemeClr val="accent1"/>
+          </a:effectRef>
+          <a:fontRef idx="minor">
+            <a:schemeClr val="lt1"/>
+          </a:fontRef>
+        </p:style>
+        <p:txBody>
+          <a:bodyPr rtlCol="0" anchor="ctr"/>
+          <a:lstStyle/>
+          <a:p>
+            <a:pPr algn="ctr"/>
+            <a:endParaRPr lang="en-US"/>
+          </a:p>
+        </p:txBody>
+      </p:sp>
+      <p:sp>
+        <p:nvSpPr>
+          <p:cNvPr id="65" name="Rectangle 64">
+            <a:extLst>
+              <a:ext uri="{FF2B5EF4-FFF2-40B4-BE49-F238E27FC236}">
+                <a16:creationId xmlns:a16="http://schemas.microsoft.com/office/drawing/2014/main" id="{E0B9C38C-E4A6-A14C-9489-DEF83A0D2440}"/>
+              </a:ext>
+            </a:extLst>
+          </p:cNvPr>
+          <p:cNvSpPr/>
+          <p:nvPr/>
+        </p:nvSpPr>
+        <p:spPr>
+          <a:xfrm>
+            <a:off x="9051403" y="4468091"/>
+            <a:ext cx="4085863" cy="2106329"/>
+          </a:xfrm>
+          <a:prstGeom prst="rect">
+            <a:avLst/>
+          </a:prstGeom>
+          <a:noFill/>
+          <a:ln w="38100">
+            <a:solidFill>
+              <a:schemeClr val="tx1"/>
+            </a:solidFill>
+            <a:prstDash val="sysDash"/>
+          </a:ln>
+        </p:spPr>
+        <p:style>
+          <a:lnRef idx="2">
+            <a:schemeClr val="accent1">
+              <a:shade val="50000"/>
+            </a:schemeClr>
+          </a:lnRef>
+          <a:fillRef idx="1">
+            <a:schemeClr val="accent1"/>
+          </a:fillRef>
+          <a:effectRef idx="0">
+            <a:schemeClr val="accent1"/>
+          </a:effectRef>
+          <a:fontRef idx="minor">
+            <a:schemeClr val="lt1"/>
+          </a:fontRef>
+        </p:style>
+        <p:txBody>
+          <a:bodyPr rtlCol="0" anchor="ctr"/>
+          <a:lstStyle/>
+          <a:p>
+            <a:pPr algn="ctr"/>
+            <a:endParaRPr lang="en-US"/>
+          </a:p>
+        </p:txBody>
+      </p:sp>
+      <p:sp>
+        <p:nvSpPr>
+          <p:cNvPr id="66" name="Rectangle 65">
+            <a:extLst>
+              <a:ext uri="{FF2B5EF4-FFF2-40B4-BE49-F238E27FC236}">
+                <a16:creationId xmlns:a16="http://schemas.microsoft.com/office/drawing/2014/main" id="{2FCA34BC-DAB1-2845-9428-A8231B06A6A4}"/>
+              </a:ext>
+            </a:extLst>
+          </p:cNvPr>
+          <p:cNvSpPr/>
+          <p:nvPr/>
+        </p:nvSpPr>
+        <p:spPr>
+          <a:xfrm>
+            <a:off x="11254591" y="4952807"/>
+            <a:ext cx="1737225" cy="358815"/>
+          </a:xfrm>
+          <a:prstGeom prst="rect">
+            <a:avLst/>
+          </a:prstGeom>
+          <a:noFill/>
+          <a:ln w="38100">
+            <a:solidFill>
+              <a:schemeClr val="tx1"/>
+            </a:solidFill>
+          </a:ln>
+        </p:spPr>
+        <p:style>
+          <a:lnRef idx="2">
+            <a:schemeClr val="accent1">
+              <a:shade val="50000"/>
+            </a:schemeClr>
+          </a:lnRef>
+          <a:fillRef idx="1">
+            <a:schemeClr val="accent1"/>
+          </a:fillRef>
+          <a:effectRef idx="0">
+            <a:schemeClr val="accent1"/>
+          </a:effectRef>
+          <a:fontRef idx="minor">
+            <a:schemeClr val="lt1"/>
+          </a:fontRef>
+        </p:style>
+        <p:txBody>
+          <a:bodyPr rtlCol="0" anchor="ctr"/>
+          <a:lstStyle/>
+          <a:p>
+            <a:pPr algn="ctr"/>
+            <a:r>
+              <a:rPr lang="en-US" altLang="zh-CN">
+                <a:solidFill>
+                  <a:schemeClr val="tx1"/>
+                </a:solidFill>
+              </a:rPr>
+              <a:t>x2</a:t>
+            </a:r>
+            <a:r>
+              <a:rPr lang="zh-CN" altLang="en-US">
+                <a:solidFill>
+                  <a:schemeClr val="tx1"/>
+                </a:solidFill>
+              </a:rPr>
+              <a:t> </a:t>
+            </a:r>
+            <a:r>
+              <a:rPr lang="en-US" altLang="zh-CN">
+                <a:solidFill>
+                  <a:schemeClr val="tx1"/>
+                </a:solidFill>
+              </a:rPr>
+              <a:t>up-sampling</a:t>
+            </a:r>
+            <a:r>
+              <a:rPr lang="zh-CN" altLang="en-US">
+                <a:solidFill>
+                  <a:schemeClr val="tx1"/>
+                </a:solidFill>
+              </a:rPr>
+              <a:t> </a:t>
+            </a:r>
+            <a:endParaRPr lang="en-US">
+              <a:solidFill>
+                <a:schemeClr val="tx1"/>
+              </a:solidFill>
+            </a:endParaRPr>
+          </a:p>
+        </p:txBody>
+      </p:sp>
+      <p:sp>
+        <p:nvSpPr>
+          <p:cNvPr id="67" name="Rectangle 66">
+            <a:extLst>
+              <a:ext uri="{FF2B5EF4-FFF2-40B4-BE49-F238E27FC236}">
+                <a16:creationId xmlns:a16="http://schemas.microsoft.com/office/drawing/2014/main" id="{19E168C8-7CFC-C14E-9BB7-FDC714D79FAA}"/>
+              </a:ext>
+            </a:extLst>
+          </p:cNvPr>
+          <p:cNvSpPr/>
+          <p:nvPr/>
+        </p:nvSpPr>
+        <p:spPr>
+          <a:xfrm>
+            <a:off x="9501237" y="5661978"/>
+            <a:ext cx="1280739" cy="358815"/>
+          </a:xfrm>
+          <a:prstGeom prst="rect">
+            <a:avLst/>
+          </a:prstGeom>
+          <a:noFill/>
+          <a:ln w="38100">
+            <a:solidFill>
+              <a:schemeClr val="tx1"/>
+            </a:solidFill>
+          </a:ln>
+        </p:spPr>
+        <p:style>
+          <a:lnRef idx="2">
+            <a:schemeClr val="accent1">
+              <a:shade val="50000"/>
+            </a:schemeClr>
+          </a:lnRef>
+          <a:fillRef idx="1">
+            <a:schemeClr val="accent1"/>
+          </a:fillRef>
+          <a:effectRef idx="0">
+            <a:schemeClr val="accent1"/>
+          </a:effectRef>
+          <a:fontRef idx="minor">
+            <a:schemeClr val="lt1"/>
+          </a:fontRef>
+        </p:style>
+        <p:txBody>
+          <a:bodyPr rtlCol="0" anchor="ctr"/>
+          <a:lstStyle/>
+          <a:p>
+            <a:pPr algn="ctr"/>
+            <a:r>
+              <a:rPr lang="en-US" altLang="zh-CN">
+                <a:solidFill>
+                  <a:schemeClr val="tx1"/>
+                </a:solidFill>
+              </a:rPr>
+              <a:t>conv</a:t>
+            </a:r>
+            <a:r>
+              <a:rPr lang="zh-CN" altLang="en-US">
+                <a:solidFill>
+                  <a:schemeClr val="tx1"/>
+                </a:solidFill>
+              </a:rPr>
+              <a:t> </a:t>
+            </a:r>
+            <a:r>
+              <a:rPr lang="en-US" altLang="zh-CN">
+                <a:solidFill>
+                  <a:schemeClr val="tx1"/>
+                </a:solidFill>
+              </a:rPr>
+              <a:t>1x1</a:t>
+            </a:r>
+            <a:endParaRPr lang="en-US">
+              <a:solidFill>
+                <a:schemeClr val="tx1"/>
+              </a:solidFill>
+            </a:endParaRPr>
+          </a:p>
+        </p:txBody>
+      </p:sp>
+      <p:cxnSp>
+        <p:nvCxnSpPr>
+          <p:cNvPr id="68" name="Straight Arrow Connector 67">
+            <a:extLst>
+              <a:ext uri="{FF2B5EF4-FFF2-40B4-BE49-F238E27FC236}">
+                <a16:creationId xmlns:a16="http://schemas.microsoft.com/office/drawing/2014/main" id="{CDA13C42-37D4-364A-B67B-DD6D6B7E68F2}"/>
+              </a:ext>
+            </a:extLst>
+          </p:cNvPr>
+          <p:cNvCxnSpPr>
+            <a:cxnSpLocks/>
+            <a:endCxn id="66" idx="0"/>
+          </p:cNvCxnSpPr>
+          <p:nvPr/>
+        </p:nvCxnSpPr>
+        <p:spPr>
+          <a:xfrm>
+            <a:off x="12123204" y="4468091"/>
+            <a:ext cx="0" cy="484716"/>
+          </a:xfrm>
+          <a:prstGeom prst="straightConnector1">
+            <a:avLst/>
+          </a:prstGeom>
+          <a:ln w="38100">
+            <a:solidFill>
+              <a:srgbClr val="00B0F0"/>
+            </a:solidFill>
+            <a:tailEnd type="triangle"/>
+          </a:ln>
+        </p:spPr>
+        <p:style>
+          <a:lnRef idx="1">
+            <a:schemeClr val="accent1"/>
+          </a:lnRef>
+          <a:fillRef idx="0">
+            <a:schemeClr val="accent1"/>
+          </a:fillRef>
+          <a:effectRef idx="0">
+            <a:schemeClr val="accent1"/>
+          </a:effectRef>
+          <a:fontRef idx="minor">
+            <a:schemeClr val="tx1"/>
+          </a:fontRef>
+        </p:style>
+      </p:cxnSp>
+      <p:sp>
+        <p:nvSpPr>
+          <p:cNvPr id="71" name="Oval 70">
+            <a:extLst>
+              <a:ext uri="{FF2B5EF4-FFF2-40B4-BE49-F238E27FC236}">
+                <a16:creationId xmlns:a16="http://schemas.microsoft.com/office/drawing/2014/main" id="{749FBCB5-37FE-0B47-B8AB-9E851FBFD741}"/>
+              </a:ext>
+            </a:extLst>
+          </p:cNvPr>
+          <p:cNvSpPr/>
+          <p:nvPr/>
+        </p:nvSpPr>
+        <p:spPr>
+          <a:xfrm>
+            <a:off x="11902068" y="5623518"/>
+            <a:ext cx="432000" cy="432000"/>
+          </a:xfrm>
+          <a:prstGeom prst="ellipse">
+            <a:avLst/>
+          </a:prstGeom>
+          <a:noFill/>
+          <a:ln w="38100">
+            <a:solidFill>
+              <a:schemeClr val="tx1"/>
+            </a:solidFill>
+          </a:ln>
+        </p:spPr>
+        <p:style>
+          <a:lnRef idx="2">
+            <a:schemeClr val="accent1">
+              <a:shade val="50000"/>
+            </a:schemeClr>
+          </a:lnRef>
+          <a:fillRef idx="1">
+            <a:schemeClr val="accent1"/>
+          </a:fillRef>
+          <a:effectRef idx="0">
+            <a:schemeClr val="accent1"/>
+          </a:effectRef>
+          <a:fontRef idx="minor">
+            <a:schemeClr val="lt1"/>
+          </a:fontRef>
+        </p:style>
+        <p:txBody>
+          <a:bodyPr rtlCol="0" anchor="ctr"/>
+          <a:lstStyle/>
+          <a:p>
+            <a:pPr algn="ctr"/>
+            <a:endParaRPr lang="en-US"/>
+          </a:p>
+        </p:txBody>
+      </p:sp>
+      <p:cxnSp>
+        <p:nvCxnSpPr>
+          <p:cNvPr id="72" name="Straight Arrow Connector 71">
+            <a:extLst>
+              <a:ext uri="{FF2B5EF4-FFF2-40B4-BE49-F238E27FC236}">
+                <a16:creationId xmlns:a16="http://schemas.microsoft.com/office/drawing/2014/main" id="{D6BB4ADC-77AD-1648-9FD1-79D5D04C990A}"/>
+              </a:ext>
+            </a:extLst>
+          </p:cNvPr>
+          <p:cNvCxnSpPr>
+            <a:cxnSpLocks/>
+          </p:cNvCxnSpPr>
+          <p:nvPr/>
+        </p:nvCxnSpPr>
+        <p:spPr>
+          <a:xfrm>
+            <a:off x="12118068" y="5311622"/>
+            <a:ext cx="0" cy="306000"/>
+          </a:xfrm>
+          <a:prstGeom prst="straightConnector1">
+            <a:avLst/>
+          </a:prstGeom>
+          <a:ln w="38100">
+            <a:solidFill>
+              <a:srgbClr val="00B0F0"/>
+            </a:solidFill>
+            <a:tailEnd type="triangle"/>
+          </a:ln>
+        </p:spPr>
+        <p:style>
+          <a:lnRef idx="1">
+            <a:schemeClr val="accent1"/>
+          </a:lnRef>
+          <a:fillRef idx="0">
+            <a:schemeClr val="accent1"/>
+          </a:fillRef>
+          <a:effectRef idx="0">
+            <a:schemeClr val="accent1"/>
+          </a:effectRef>
+          <a:fontRef idx="minor">
+            <a:schemeClr val="tx1"/>
+          </a:fontRef>
+        </p:style>
+      </p:cxnSp>
+      <p:sp>
+        <p:nvSpPr>
+          <p:cNvPr id="73" name="Plus 72">
+            <a:extLst>
+              <a:ext uri="{FF2B5EF4-FFF2-40B4-BE49-F238E27FC236}">
+                <a16:creationId xmlns:a16="http://schemas.microsoft.com/office/drawing/2014/main" id="{B5E268AE-7C34-2B42-9142-9380B16A255B}"/>
+              </a:ext>
+            </a:extLst>
+          </p:cNvPr>
+          <p:cNvSpPr/>
+          <p:nvPr/>
+        </p:nvSpPr>
+        <p:spPr>
+          <a:xfrm>
+            <a:off x="11956081" y="5685128"/>
+            <a:ext cx="324000" cy="324000"/>
+          </a:xfrm>
+          <a:prstGeom prst="mathPlus">
+            <a:avLst/>
+          </a:prstGeom>
+          <a:noFill/>
+          <a:ln>
+            <a:solidFill>
+              <a:schemeClr val="tx1"/>
+            </a:solidFill>
+          </a:ln>
+        </p:spPr>
+        <p:style>
+          <a:lnRef idx="2">
+            <a:schemeClr val="accent1">
+              <a:shade val="50000"/>
+            </a:schemeClr>
+          </a:lnRef>
+          <a:fillRef idx="1">
+            <a:schemeClr val="accent1"/>
+          </a:fillRef>
+          <a:effectRef idx="0">
+            <a:schemeClr val="accent1"/>
+          </a:effectRef>
+          <a:fontRef idx="minor">
+            <a:schemeClr val="lt1"/>
+          </a:fontRef>
+        </p:style>
+        <p:txBody>
+          <a:bodyPr rtlCol="0" anchor="ctr"/>
+          <a:lstStyle/>
+          <a:p>
+            <a:pPr algn="ctr"/>
+            <a:endParaRPr lang="en-US"/>
+          </a:p>
+        </p:txBody>
+      </p:sp>
+      <p:cxnSp>
+        <p:nvCxnSpPr>
+          <p:cNvPr id="74" name="Straight Arrow Connector 73">
+            <a:extLst>
+              <a:ext uri="{FF2B5EF4-FFF2-40B4-BE49-F238E27FC236}">
+                <a16:creationId xmlns:a16="http://schemas.microsoft.com/office/drawing/2014/main" id="{CCCABD40-F947-DC41-A39A-6AA565083F9A}"/>
+              </a:ext>
+            </a:extLst>
+          </p:cNvPr>
+          <p:cNvCxnSpPr>
+            <a:cxnSpLocks/>
+            <a:stCxn id="67" idx="3"/>
+            <a:endCxn id="71" idx="2"/>
+          </p:cNvCxnSpPr>
+          <p:nvPr/>
+        </p:nvCxnSpPr>
+        <p:spPr>
+          <a:xfrm flipV="1">
+            <a:off x="10781976" y="5839518"/>
+            <a:ext cx="1120092" cy="1868"/>
+          </a:xfrm>
+          <a:prstGeom prst="straightConnector1">
+            <a:avLst/>
+          </a:prstGeom>
+          <a:ln w="38100">
+            <a:solidFill>
+              <a:srgbClr val="00B0F0"/>
+            </a:solidFill>
+            <a:tailEnd type="triangle"/>
+          </a:ln>
+        </p:spPr>
+        <p:style>
+          <a:lnRef idx="1">
+            <a:schemeClr val="accent1"/>
+          </a:lnRef>
+          <a:fillRef idx="0">
+            <a:schemeClr val="accent1"/>
+          </a:fillRef>
+          <a:effectRef idx="0">
+            <a:schemeClr val="accent1"/>
+          </a:effectRef>
+          <a:fontRef idx="minor">
+            <a:schemeClr val="tx1"/>
+          </a:fontRef>
+        </p:style>
+      </p:cxnSp>
+      <p:cxnSp>
+        <p:nvCxnSpPr>
+          <p:cNvPr id="78" name="Straight Arrow Connector 77">
+            <a:extLst>
+              <a:ext uri="{FF2B5EF4-FFF2-40B4-BE49-F238E27FC236}">
+                <a16:creationId xmlns:a16="http://schemas.microsoft.com/office/drawing/2014/main" id="{23B98D15-6C8C-9E46-871B-DA368535C602}"/>
+              </a:ext>
+            </a:extLst>
+          </p:cNvPr>
+          <p:cNvCxnSpPr>
+            <a:cxnSpLocks/>
+          </p:cNvCxnSpPr>
+          <p:nvPr/>
+        </p:nvCxnSpPr>
+        <p:spPr>
+          <a:xfrm>
+            <a:off x="9051403" y="5835400"/>
+            <a:ext cx="430582" cy="5939"/>
+          </a:xfrm>
+          <a:prstGeom prst="straightConnector1">
+            <a:avLst/>
+          </a:prstGeom>
+          <a:ln w="38100">
+            <a:solidFill>
+              <a:srgbClr val="00B0F0"/>
+            </a:solidFill>
+            <a:tailEnd type="triangle"/>
+          </a:ln>
+        </p:spPr>
+        <p:style>
+          <a:lnRef idx="1">
+            <a:schemeClr val="accent1"/>
+          </a:lnRef>
+          <a:fillRef idx="0">
+            <a:schemeClr val="accent1"/>
+          </a:fillRef>
+          <a:effectRef idx="0">
+            <a:schemeClr val="accent1"/>
+          </a:effectRef>
+          <a:fontRef idx="minor">
+            <a:schemeClr val="tx1"/>
+          </a:fontRef>
+        </p:style>
+      </p:cxnSp>
+      <p:cxnSp>
+        <p:nvCxnSpPr>
+          <p:cNvPr id="80" name="Straight Arrow Connector 79">
+            <a:extLst>
+              <a:ext uri="{FF2B5EF4-FFF2-40B4-BE49-F238E27FC236}">
+                <a16:creationId xmlns:a16="http://schemas.microsoft.com/office/drawing/2014/main" id="{D3A2EB03-1F96-D34F-9AB8-45AD061774FC}"/>
+              </a:ext>
+            </a:extLst>
+          </p:cNvPr>
+          <p:cNvCxnSpPr>
+            <a:cxnSpLocks/>
+          </p:cNvCxnSpPr>
+          <p:nvPr/>
+        </p:nvCxnSpPr>
+        <p:spPr>
+          <a:xfrm>
+            <a:off x="12118068" y="6078668"/>
+            <a:ext cx="0" cy="453600"/>
+          </a:xfrm>
+          <a:prstGeom prst="straightConnector1">
+            <a:avLst/>
+          </a:prstGeom>
+          <a:ln w="38100">
+            <a:solidFill>
+              <a:srgbClr val="00B0F0"/>
+            </a:solidFill>
+            <a:tailEnd type="triangle"/>
+          </a:ln>
+        </p:spPr>
+        <p:style>
+          <a:lnRef idx="1">
+            <a:schemeClr val="accent1"/>
+          </a:lnRef>
+          <a:fillRef idx="0">
+            <a:schemeClr val="accent1"/>
+          </a:fillRef>
+          <a:effectRef idx="0">
+            <a:schemeClr val="accent1"/>
+          </a:effectRef>
+          <a:fontRef idx="minor">
+            <a:schemeClr val="tx1"/>
+          </a:fontRef>
+        </p:style>
+      </p:cxnSp>
+      <p:sp>
+        <p:nvSpPr>
+          <p:cNvPr id="81" name="Rectangle 80">
+            <a:extLst>
+              <a:ext uri="{FF2B5EF4-FFF2-40B4-BE49-F238E27FC236}">
+                <a16:creationId xmlns:a16="http://schemas.microsoft.com/office/drawing/2014/main" id="{718516BA-C3AE-4F42-967D-90FA8F926936}"/>
+              </a:ext>
+            </a:extLst>
+          </p:cNvPr>
+          <p:cNvSpPr/>
+          <p:nvPr/>
+        </p:nvSpPr>
+        <p:spPr>
+          <a:xfrm>
+            <a:off x="10776744" y="3067541"/>
+            <a:ext cx="1007490" cy="323225"/>
+          </a:xfrm>
+          <a:prstGeom prst="rect">
+            <a:avLst/>
+          </a:prstGeom>
+          <a:noFill/>
+          <a:ln w="38100">
+            <a:solidFill>
+              <a:schemeClr val="tx1"/>
+            </a:solidFill>
+            <a:prstDash val="sysDash"/>
+          </a:ln>
+        </p:spPr>
+        <p:style>
+          <a:lnRef idx="2">
+            <a:schemeClr val="accent1">
+              <a:shade val="50000"/>
+            </a:schemeClr>
+          </a:lnRef>
+          <a:fillRef idx="1">
+            <a:schemeClr val="accent1"/>
+          </a:fillRef>
+          <a:effectRef idx="0">
+            <a:schemeClr val="accent1"/>
+          </a:effectRef>
+          <a:fontRef idx="minor">
+            <a:schemeClr val="lt1"/>
+          </a:fontRef>
+        </p:style>
+        <p:txBody>
+          <a:bodyPr rtlCol="0" anchor="ctr"/>
+          <a:lstStyle/>
+          <a:p>
+            <a:pPr algn="ctr"/>
+            <a:endParaRPr lang="en-US"/>
+          </a:p>
+        </p:txBody>
+      </p:sp>
+      <p:cxnSp>
+        <p:nvCxnSpPr>
+          <p:cNvPr id="86" name="Straight Arrow Connector 85">
+            <a:extLst>
+              <a:ext uri="{FF2B5EF4-FFF2-40B4-BE49-F238E27FC236}">
+                <a16:creationId xmlns:a16="http://schemas.microsoft.com/office/drawing/2014/main" id="{E651BB89-6749-A542-B3D2-3CF40E904419}"/>
+              </a:ext>
+            </a:extLst>
+          </p:cNvPr>
+          <p:cNvCxnSpPr>
+            <a:cxnSpLocks/>
+            <a:stCxn id="81" idx="1"/>
+          </p:cNvCxnSpPr>
+          <p:nvPr/>
+        </p:nvCxnSpPr>
+        <p:spPr>
+          <a:xfrm flipH="1">
+            <a:off x="9034210" y="3229154"/>
+            <a:ext cx="1742534" cy="1238937"/>
+          </a:xfrm>
+          <a:prstGeom prst="straightConnector1">
+            <a:avLst/>
+          </a:prstGeom>
+          <a:ln w="38100">
+            <a:solidFill>
+              <a:schemeClr val="tx1"/>
+            </a:solidFill>
+            <a:prstDash val="sysDash"/>
+            <a:tailEnd type="triangle"/>
+          </a:ln>
+        </p:spPr>
+        <p:style>
+          <a:lnRef idx="1">
+            <a:schemeClr val="accent1"/>
+          </a:lnRef>
+          <a:fillRef idx="0">
+            <a:schemeClr val="accent1"/>
+          </a:fillRef>
+          <a:effectRef idx="0">
+            <a:schemeClr val="accent1"/>
+          </a:effectRef>
+          <a:fontRef idx="minor">
+            <a:schemeClr val="tx1"/>
+          </a:fontRef>
+        </p:style>
+      </p:cxnSp>
+      <p:cxnSp>
+        <p:nvCxnSpPr>
+          <p:cNvPr id="90" name="Straight Arrow Connector 89">
+            <a:extLst>
+              <a:ext uri="{FF2B5EF4-FFF2-40B4-BE49-F238E27FC236}">
+                <a16:creationId xmlns:a16="http://schemas.microsoft.com/office/drawing/2014/main" id="{31D90C91-CE06-7A47-B29D-BE4CA02A31D8}"/>
+              </a:ext>
+            </a:extLst>
+          </p:cNvPr>
+          <p:cNvCxnSpPr>
+            <a:cxnSpLocks/>
+            <a:stCxn id="81" idx="3"/>
+          </p:cNvCxnSpPr>
+          <p:nvPr/>
+        </p:nvCxnSpPr>
+        <p:spPr>
+          <a:xfrm>
+            <a:off x="11784234" y="3229154"/>
+            <a:ext cx="1353032" cy="1238937"/>
+          </a:xfrm>
+          <a:prstGeom prst="straightConnector1">
+            <a:avLst/>
+          </a:prstGeom>
+          <a:ln w="38100">
+            <a:solidFill>
+              <a:schemeClr val="tx1"/>
+            </a:solidFill>
+            <a:prstDash val="sysDash"/>
+            <a:tailEnd type="triangle"/>
+          </a:ln>
+        </p:spPr>
+        <p:style>
+          <a:lnRef idx="1">
+            <a:schemeClr val="accent1"/>
+          </a:lnRef>
+          <a:fillRef idx="0">
+            <a:schemeClr val="accent1"/>
+          </a:fillRef>
+          <a:effectRef idx="0">
+            <a:schemeClr val="accent1"/>
+          </a:effectRef>
+          <a:fontRef idx="minor">
+            <a:schemeClr val="tx1"/>
+          </a:fontRef>
+        </p:style>
+      </p:cxnSp>
+      <p:cxnSp>
+        <p:nvCxnSpPr>
+          <p:cNvPr id="93" name="Straight Connector 92">
+            <a:extLst>
+              <a:ext uri="{FF2B5EF4-FFF2-40B4-BE49-F238E27FC236}">
+                <a16:creationId xmlns:a16="http://schemas.microsoft.com/office/drawing/2014/main" id="{1FD0033E-4FA7-2D44-9B3A-9014B1251210}"/>
+              </a:ext>
+            </a:extLst>
+          </p:cNvPr>
+          <p:cNvCxnSpPr>
+            <a:cxnSpLocks/>
+          </p:cNvCxnSpPr>
+          <p:nvPr/>
+        </p:nvCxnSpPr>
+        <p:spPr>
+          <a:xfrm>
+            <a:off x="12118068" y="1739075"/>
+            <a:ext cx="1922400" cy="0"/>
+          </a:xfrm>
+          <a:prstGeom prst="line">
+            <a:avLst/>
+          </a:prstGeom>
+          <a:ln w="38100">
+            <a:solidFill>
+              <a:srgbClr val="00B0F0"/>
+            </a:solidFill>
+          </a:ln>
+        </p:spPr>
+        <p:style>
+          <a:lnRef idx="1">
+            <a:schemeClr val="accent1"/>
+          </a:lnRef>
+          <a:fillRef idx="0">
+            <a:schemeClr val="accent1"/>
+          </a:fillRef>
+          <a:effectRef idx="0">
+            <a:schemeClr val="accent1"/>
+          </a:effectRef>
+          <a:fontRef idx="minor">
+            <a:schemeClr val="tx1"/>
+          </a:fontRef>
+        </p:style>
+      </p:cxnSp>
+      <p:sp>
+        <p:nvSpPr>
+          <p:cNvPr id="94" name="Rectangle 93">
+            <a:extLst>
+              <a:ext uri="{FF2B5EF4-FFF2-40B4-BE49-F238E27FC236}">
+                <a16:creationId xmlns:a16="http://schemas.microsoft.com/office/drawing/2014/main" id="{C664657A-6136-FC43-A92D-D29A83E15356}"/>
+              </a:ext>
+            </a:extLst>
+          </p:cNvPr>
+          <p:cNvSpPr/>
+          <p:nvPr/>
+        </p:nvSpPr>
+        <p:spPr>
+          <a:xfrm>
+            <a:off x="14079176" y="1583536"/>
+            <a:ext cx="1297383" cy="323225"/>
+          </a:xfrm>
+          <a:prstGeom prst="rect">
+            <a:avLst/>
+          </a:prstGeom>
+          <a:noFill/>
+          <a:ln w="38100">
+            <a:solidFill>
+              <a:schemeClr val="tx1"/>
+            </a:solidFill>
+            <a:prstDash val="solid"/>
+          </a:ln>
+        </p:spPr>
+        <p:style>
+          <a:lnRef idx="2">
+            <a:schemeClr val="accent1">
+              <a:shade val="50000"/>
+            </a:schemeClr>
+          </a:lnRef>
+          <a:fillRef idx="1">
+            <a:schemeClr val="accent1"/>
+          </a:fillRef>
+          <a:effectRef idx="0">
+            <a:schemeClr val="accent1"/>
+          </a:effectRef>
+          <a:fontRef idx="minor">
+            <a:schemeClr val="lt1"/>
+          </a:fontRef>
+        </p:style>
+        <p:txBody>
+          <a:bodyPr rtlCol="0" anchor="ctr"/>
+          <a:lstStyle/>
+          <a:p>
+            <a:pPr algn="ctr"/>
+            <a:r>
+              <a:rPr lang="en-US" altLang="zh-CN">
+                <a:solidFill>
+                  <a:schemeClr val="tx1"/>
+                </a:solidFill>
+              </a:rPr>
+              <a:t>conv</a:t>
+            </a:r>
+            <a:r>
+              <a:rPr lang="zh-CN" altLang="en-US">
+                <a:solidFill>
+                  <a:schemeClr val="tx1"/>
+                </a:solidFill>
+              </a:rPr>
+              <a:t> </a:t>
+            </a:r>
+            <a:r>
+              <a:rPr lang="en-US" altLang="zh-CN">
+                <a:solidFill>
+                  <a:schemeClr val="tx1"/>
+                </a:solidFill>
+              </a:rPr>
+              <a:t>3x3</a:t>
+            </a:r>
+            <a:endParaRPr lang="en-US">
+              <a:solidFill>
+                <a:schemeClr val="tx1"/>
+              </a:solidFill>
+            </a:endParaRPr>
+          </a:p>
+        </p:txBody>
+      </p:sp>
+      <p:cxnSp>
+        <p:nvCxnSpPr>
+          <p:cNvPr id="95" name="Straight Arrow Connector 94">
+            <a:extLst>
+              <a:ext uri="{FF2B5EF4-FFF2-40B4-BE49-F238E27FC236}">
+                <a16:creationId xmlns:a16="http://schemas.microsoft.com/office/drawing/2014/main" id="{4C06606A-284B-924D-9278-AE1E340B50F9}"/>
+              </a:ext>
+            </a:extLst>
+          </p:cNvPr>
+          <p:cNvCxnSpPr>
+            <a:cxnSpLocks/>
+          </p:cNvCxnSpPr>
+          <p:nvPr/>
+        </p:nvCxnSpPr>
+        <p:spPr>
+          <a:xfrm>
+            <a:off x="15388134" y="1739075"/>
+            <a:ext cx="576000" cy="0"/>
+          </a:xfrm>
+          <a:prstGeom prst="straightConnector1">
+            <a:avLst/>
+          </a:prstGeom>
+          <a:ln w="38100">
+            <a:solidFill>
+              <a:srgbClr val="00B0F0"/>
+            </a:solidFill>
+            <a:tailEnd type="triangle"/>
+          </a:ln>
+        </p:spPr>
+        <p:style>
+          <a:lnRef idx="1">
+            <a:schemeClr val="accent1"/>
+          </a:lnRef>
+          <a:fillRef idx="0">
+            <a:schemeClr val="accent1"/>
+          </a:fillRef>
+          <a:effectRef idx="0">
+            <a:schemeClr val="accent1"/>
+          </a:effectRef>
+          <a:fontRef idx="minor">
+            <a:schemeClr val="tx1"/>
+          </a:fontRef>
+        </p:style>
+      </p:cxnSp>
+      <p:sp>
+        <p:nvSpPr>
+          <p:cNvPr id="96" name="TextBox 95">
+            <a:extLst>
+              <a:ext uri="{FF2B5EF4-FFF2-40B4-BE49-F238E27FC236}">
+                <a16:creationId xmlns:a16="http://schemas.microsoft.com/office/drawing/2014/main" id="{2755BB6F-4DD2-A445-B496-9F441DA3293A}"/>
+              </a:ext>
+            </a:extLst>
+          </p:cNvPr>
+          <p:cNvSpPr txBox="1"/>
+          <p:nvPr/>
+        </p:nvSpPr>
+        <p:spPr>
+          <a:xfrm>
+            <a:off x="15964134" y="1493134"/>
+            <a:ext cx="853881" cy="369332"/>
+          </a:xfrm>
+          <a:prstGeom prst="rect">
+            <a:avLst/>
+          </a:prstGeom>
+          <a:noFill/>
+        </p:spPr>
+        <p:txBody>
+          <a:bodyPr wrap="square" rtlCol="0">
+            <a:spAutoFit/>
+          </a:bodyPr>
+          <a:lstStyle/>
+          <a:p>
+            <a:r>
+              <a:rPr lang="en-US" altLang="zh-CN"/>
+              <a:t>P</a:t>
+            </a:r>
+            <a:endParaRPr lang="en-US"/>
+          </a:p>
+        </p:txBody>
+      </p:sp>
+    </p:spTree>
+    <p:extLst>
+      <p:ext uri="{BB962C8B-B14F-4D97-AF65-F5344CB8AC3E}">
+        <p14:creationId xmlns:p14="http://schemas.microsoft.com/office/powerpoint/2010/main" val="3349663403"/>
+      </p:ext>
+    </p:extLst>
+  </p:cSld>
+  <p:clrMapOvr>
+    <a:masterClrMapping/>
+  </p:clrMapOvr>
+</p:sld>
+</file>
+
+<file path=ppt/slides/slide12.xml><?xml version="1.0" encoding="utf-8"?>
+<p:sld xmlns:a="http://schemas.openxmlformats.org/drawingml/2006/main" xmlns:r="http://schemas.openxmlformats.org/officeDocument/2006/relationships" xmlns:p="http://schemas.openxmlformats.org/presentationml/2006/main">
+  <p:cSld>
+    <p:spTree>
+      <p:nvGrpSpPr>
+        <p:cNvPr id="1" name=""/>
+        <p:cNvGrpSpPr/>
+        <p:nvPr/>
+      </p:nvGrpSpPr>
+      <p:grpSpPr>
+        <a:xfrm>
+          <a:off x="0" y="0"/>
+          <a:ext cx="0" cy="0"/>
+          <a:chOff x="0" y="0"/>
+          <a:chExt cx="0" cy="0"/>
+        </a:xfrm>
+      </p:grpSpPr>
+      <p:pic>
+        <p:nvPicPr>
+          <p:cNvPr id="5" name="Picture 4" descr="A close up of a map&#10;&#10;Description automatically generated">
+            <a:extLst>
+              <a:ext uri="{FF2B5EF4-FFF2-40B4-BE49-F238E27FC236}">
+                <a16:creationId xmlns:a16="http://schemas.microsoft.com/office/drawing/2014/main" id="{00E61FF1-97A9-1D4D-9E8A-8B384FE5F0DE}"/>
+              </a:ext>
+            </a:extLst>
+          </p:cNvPr>
+          <p:cNvPicPr>
+            <a:picLocks noChangeAspect="1"/>
+          </p:cNvPicPr>
+          <p:nvPr/>
+        </p:nvPicPr>
+        <p:blipFill>
+          <a:blip r:embed="rId2"/>
+          <a:stretch>
+            <a:fillRect/>
+          </a:stretch>
+        </p:blipFill>
+        <p:spPr>
+          <a:xfrm>
+            <a:off x="4864894" y="1898650"/>
+            <a:ext cx="11823700" cy="3060700"/>
+          </a:xfrm>
+          <a:prstGeom prst="rect">
+            <a:avLst/>
+          </a:prstGeom>
+        </p:spPr>
+      </p:pic>
+      <p:sp>
+        <p:nvSpPr>
+          <p:cNvPr id="6" name="TextBox 5">
+            <a:extLst>
+              <a:ext uri="{FF2B5EF4-FFF2-40B4-BE49-F238E27FC236}">
+                <a16:creationId xmlns:a16="http://schemas.microsoft.com/office/drawing/2014/main" id="{FA6B9B04-3351-DD4C-9BC8-C1D3C9D1D3D8}"/>
+              </a:ext>
+            </a:extLst>
+          </p:cNvPr>
+          <p:cNvSpPr txBox="1"/>
+          <p:nvPr/>
+        </p:nvSpPr>
+        <p:spPr>
+          <a:xfrm>
+            <a:off x="17020672" y="2436076"/>
+            <a:ext cx="2165685" cy="646331"/>
+          </a:xfrm>
+          <a:prstGeom prst="rect">
+            <a:avLst/>
+          </a:prstGeom>
+          <a:noFill/>
+          <a:ln w="38100">
+            <a:solidFill>
+              <a:srgbClr val="F79B00"/>
+            </a:solidFill>
+          </a:ln>
+        </p:spPr>
+        <p:txBody>
+          <a:bodyPr wrap="square" rtlCol="0">
+            <a:spAutoFit/>
+          </a:bodyPr>
+          <a:lstStyle/>
+          <a:p>
+            <a:pPr algn="ctr"/>
+            <a:r>
+              <a:rPr lang="en-US" altLang="zh-CN">
+                <a:latin typeface="Times New Roman" panose="02020603050405020304" pitchFamily="18" charset="0"/>
+                <a:cs typeface="Times New Roman" panose="02020603050405020304" pitchFamily="18" charset="0"/>
+              </a:rPr>
+              <a:t>Classification</a:t>
+            </a:r>
+            <a:r>
+              <a:rPr lang="zh-CN" altLang="en-US">
+                <a:latin typeface="Times New Roman" panose="02020603050405020304" pitchFamily="18" charset="0"/>
+                <a:cs typeface="Times New Roman" panose="02020603050405020304" pitchFamily="18" charset="0"/>
+              </a:rPr>
+              <a:t> </a:t>
+            </a:r>
+            <a:r>
+              <a:rPr lang="en-US" altLang="zh-CN">
+                <a:latin typeface="Times New Roman" panose="02020603050405020304" pitchFamily="18" charset="0"/>
+                <a:cs typeface="Times New Roman" panose="02020603050405020304" pitchFamily="18" charset="0"/>
+              </a:rPr>
+              <a:t>(sigmoid</a:t>
+            </a:r>
+            <a:r>
+              <a:rPr lang="zh-CN" altLang="en-US">
+                <a:latin typeface="Times New Roman" panose="02020603050405020304" pitchFamily="18" charset="0"/>
+                <a:cs typeface="Times New Roman" panose="02020603050405020304" pitchFamily="18" charset="0"/>
+              </a:rPr>
+              <a:t> </a:t>
+            </a:r>
+            <a:r>
+              <a:rPr lang="en-US" altLang="zh-CN">
+                <a:latin typeface="Times New Roman" panose="02020603050405020304" pitchFamily="18" charset="0"/>
+                <a:cs typeface="Times New Roman" panose="02020603050405020304" pitchFamily="18" charset="0"/>
+              </a:rPr>
+              <a:t>+</a:t>
+            </a:r>
+            <a:r>
+              <a:rPr lang="zh-CN" altLang="en-US">
+                <a:latin typeface="Times New Roman" panose="02020603050405020304" pitchFamily="18" charset="0"/>
+                <a:cs typeface="Times New Roman" panose="02020603050405020304" pitchFamily="18" charset="0"/>
+              </a:rPr>
+              <a:t> </a:t>
+            </a:r>
+            <a:r>
+              <a:rPr lang="en-US" altLang="zh-CN" b="1" i="1">
+                <a:latin typeface="Times New Roman" panose="02020603050405020304" pitchFamily="18" charset="0"/>
+                <a:cs typeface="Times New Roman" panose="02020603050405020304" pitchFamily="18" charset="0"/>
+              </a:rPr>
+              <a:t>focal</a:t>
+            </a:r>
+            <a:r>
+              <a:rPr lang="zh-CN" altLang="en-US" b="1" i="1">
+                <a:latin typeface="Times New Roman" panose="02020603050405020304" pitchFamily="18" charset="0"/>
+                <a:cs typeface="Times New Roman" panose="02020603050405020304" pitchFamily="18" charset="0"/>
+              </a:rPr>
+              <a:t> </a:t>
+            </a:r>
+            <a:r>
+              <a:rPr lang="en-US" altLang="zh-CN" b="1" i="1">
+                <a:latin typeface="Times New Roman" panose="02020603050405020304" pitchFamily="18" charset="0"/>
+                <a:cs typeface="Times New Roman" panose="02020603050405020304" pitchFamily="18" charset="0"/>
+              </a:rPr>
+              <a:t>loss</a:t>
+            </a:r>
+            <a:r>
+              <a:rPr lang="en-US" altLang="zh-CN">
+                <a:latin typeface="Times New Roman" panose="02020603050405020304" pitchFamily="18" charset="0"/>
+                <a:cs typeface="Times New Roman" panose="02020603050405020304" pitchFamily="18" charset="0"/>
+              </a:rPr>
+              <a:t>)</a:t>
+            </a:r>
+            <a:endParaRPr lang="en-US">
+              <a:latin typeface="Times New Roman" panose="02020603050405020304" pitchFamily="18" charset="0"/>
+              <a:cs typeface="Times New Roman" panose="02020603050405020304" pitchFamily="18" charset="0"/>
+            </a:endParaRPr>
+          </a:p>
+        </p:txBody>
+      </p:sp>
+      <p:sp>
+        <p:nvSpPr>
+          <p:cNvPr id="7" name="TextBox 6">
+            <a:extLst>
+              <a:ext uri="{FF2B5EF4-FFF2-40B4-BE49-F238E27FC236}">
+                <a16:creationId xmlns:a16="http://schemas.microsoft.com/office/drawing/2014/main" id="{230BFD16-894F-7F4E-A019-35F828BF6151}"/>
+              </a:ext>
+            </a:extLst>
+          </p:cNvPr>
+          <p:cNvSpPr txBox="1"/>
+          <p:nvPr/>
+        </p:nvSpPr>
+        <p:spPr>
+          <a:xfrm>
+            <a:off x="17020673" y="3528355"/>
+            <a:ext cx="2165683" cy="646331"/>
+          </a:xfrm>
+          <a:prstGeom prst="rect">
+            <a:avLst/>
+          </a:prstGeom>
+          <a:noFill/>
+          <a:ln w="38100">
+            <a:solidFill>
+              <a:srgbClr val="8C96CC"/>
+            </a:solidFill>
+          </a:ln>
+        </p:spPr>
+        <p:txBody>
+          <a:bodyPr wrap="square" rtlCol="0">
+            <a:spAutoFit/>
+          </a:bodyPr>
+          <a:lstStyle/>
+          <a:p>
+            <a:pPr algn="ctr"/>
+            <a:r>
+              <a:rPr lang="en-US" altLang="zh-CN">
+                <a:latin typeface="Times New Roman" panose="02020603050405020304" pitchFamily="18" charset="0"/>
+                <a:cs typeface="Times New Roman" panose="02020603050405020304" pitchFamily="18" charset="0"/>
+              </a:rPr>
+              <a:t>Bounding</a:t>
+            </a:r>
+            <a:r>
+              <a:rPr lang="zh-CN" altLang="en-US">
+                <a:latin typeface="Times New Roman" panose="02020603050405020304" pitchFamily="18" charset="0"/>
+                <a:cs typeface="Times New Roman" panose="02020603050405020304" pitchFamily="18" charset="0"/>
+              </a:rPr>
+              <a:t> </a:t>
+            </a:r>
+            <a:r>
+              <a:rPr lang="en-US" altLang="zh-CN">
+                <a:latin typeface="Times New Roman" panose="02020603050405020304" pitchFamily="18" charset="0"/>
+                <a:cs typeface="Times New Roman" panose="02020603050405020304" pitchFamily="18" charset="0"/>
+              </a:rPr>
+              <a:t>box</a:t>
+            </a:r>
+            <a:r>
+              <a:rPr lang="zh-CN" altLang="en-US">
+                <a:latin typeface="Times New Roman" panose="02020603050405020304" pitchFamily="18" charset="0"/>
+                <a:cs typeface="Times New Roman" panose="02020603050405020304" pitchFamily="18" charset="0"/>
+              </a:rPr>
+              <a:t> </a:t>
+            </a:r>
+            <a:r>
+              <a:rPr lang="en-US" altLang="zh-CN">
+                <a:latin typeface="Times New Roman" panose="02020603050405020304" pitchFamily="18" charset="0"/>
+                <a:cs typeface="Times New Roman" panose="02020603050405020304" pitchFamily="18" charset="0"/>
+              </a:rPr>
+              <a:t>regression</a:t>
+            </a:r>
+            <a:endParaRPr lang="en-US">
+              <a:latin typeface="Times New Roman" panose="02020603050405020304" pitchFamily="18" charset="0"/>
+              <a:cs typeface="Times New Roman" panose="02020603050405020304" pitchFamily="18" charset="0"/>
+            </a:endParaRPr>
+          </a:p>
+        </p:txBody>
+      </p:sp>
+      <p:sp>
+        <p:nvSpPr>
+          <p:cNvPr id="8" name="Rectangle 7">
+            <a:extLst>
+              <a:ext uri="{FF2B5EF4-FFF2-40B4-BE49-F238E27FC236}">
+                <a16:creationId xmlns:a16="http://schemas.microsoft.com/office/drawing/2014/main" id="{AC21530C-DDF9-3D48-8902-3CE4C8DD0F19}"/>
+              </a:ext>
+            </a:extLst>
+          </p:cNvPr>
+          <p:cNvSpPr/>
+          <p:nvPr/>
+        </p:nvSpPr>
+        <p:spPr>
+          <a:xfrm>
+            <a:off x="12801600" y="2310063"/>
+            <a:ext cx="641684" cy="401053"/>
+          </a:xfrm>
+          <a:prstGeom prst="rect">
+            <a:avLst/>
+          </a:prstGeom>
+          <a:solidFill>
+            <a:schemeClr val="bg1"/>
+          </a:solidFill>
+          <a:ln>
+            <a:noFill/>
+          </a:ln>
+        </p:spPr>
+        <p:style>
+          <a:lnRef idx="2">
+            <a:schemeClr val="accent1">
+              <a:shade val="50000"/>
+            </a:schemeClr>
+          </a:lnRef>
+          <a:fillRef idx="1">
+            <a:schemeClr val="accent1"/>
+          </a:fillRef>
+          <a:effectRef idx="0">
+            <a:schemeClr val="accent1"/>
+          </a:effectRef>
+          <a:fontRef idx="minor">
+            <a:schemeClr val="lt1"/>
+          </a:fontRef>
+        </p:style>
+        <p:txBody>
+          <a:bodyPr rtlCol="0" anchor="ctr"/>
+          <a:lstStyle/>
+          <a:p>
+            <a:pPr algn="ctr"/>
+            <a:endParaRPr lang="en-US"/>
+          </a:p>
+        </p:txBody>
+      </p:sp>
+      <p:sp>
+        <p:nvSpPr>
+          <p:cNvPr id="9" name="Rectangle 8">
+            <a:extLst>
+              <a:ext uri="{FF2B5EF4-FFF2-40B4-BE49-F238E27FC236}">
+                <a16:creationId xmlns:a16="http://schemas.microsoft.com/office/drawing/2014/main" id="{3D83C4CD-0F8E-2C49-A3F0-A894AF510904}"/>
+              </a:ext>
+            </a:extLst>
+          </p:cNvPr>
+          <p:cNvSpPr/>
+          <p:nvPr/>
+        </p:nvSpPr>
+        <p:spPr>
+          <a:xfrm>
+            <a:off x="12801600" y="3982363"/>
+            <a:ext cx="641684" cy="401053"/>
+          </a:xfrm>
+          <a:prstGeom prst="rect">
+            <a:avLst/>
+          </a:prstGeom>
+          <a:solidFill>
+            <a:schemeClr val="bg1"/>
+          </a:solidFill>
+          <a:ln>
+            <a:noFill/>
+          </a:ln>
+        </p:spPr>
+        <p:style>
+          <a:lnRef idx="2">
+            <a:schemeClr val="accent1">
+              <a:shade val="50000"/>
+            </a:schemeClr>
+          </a:lnRef>
+          <a:fillRef idx="1">
+            <a:schemeClr val="accent1"/>
+          </a:fillRef>
+          <a:effectRef idx="0">
+            <a:schemeClr val="accent1"/>
+          </a:effectRef>
+          <a:fontRef idx="minor">
+            <a:schemeClr val="lt1"/>
+          </a:fontRef>
+        </p:style>
+        <p:txBody>
+          <a:bodyPr rtlCol="0" anchor="ctr"/>
+          <a:lstStyle/>
+          <a:p>
+            <a:pPr algn="ctr"/>
+            <a:endParaRPr lang="en-US"/>
+          </a:p>
+        </p:txBody>
+      </p:sp>
+      <p:cxnSp>
+        <p:nvCxnSpPr>
+          <p:cNvPr id="11" name="Straight Arrow Connector 10">
+            <a:extLst>
+              <a:ext uri="{FF2B5EF4-FFF2-40B4-BE49-F238E27FC236}">
+                <a16:creationId xmlns:a16="http://schemas.microsoft.com/office/drawing/2014/main" id="{F5AD6F52-62BD-3646-B55F-EF8332019E76}"/>
+              </a:ext>
+            </a:extLst>
+          </p:cNvPr>
+          <p:cNvCxnSpPr>
+            <a:cxnSpLocks/>
+          </p:cNvCxnSpPr>
+          <p:nvPr/>
+        </p:nvCxnSpPr>
+        <p:spPr>
+          <a:xfrm>
+            <a:off x="16395032" y="2759241"/>
+            <a:ext cx="577514" cy="1"/>
+          </a:xfrm>
+          <a:prstGeom prst="straightConnector1">
+            <a:avLst/>
+          </a:prstGeom>
+          <a:ln w="38100">
+            <a:solidFill>
+              <a:srgbClr val="F79B00"/>
+            </a:solidFill>
+            <a:tailEnd type="triangle"/>
+          </a:ln>
+        </p:spPr>
+        <p:style>
+          <a:lnRef idx="1">
+            <a:schemeClr val="accent1"/>
+          </a:lnRef>
+          <a:fillRef idx="0">
+            <a:schemeClr val="accent1"/>
+          </a:fillRef>
+          <a:effectRef idx="0">
+            <a:schemeClr val="accent1"/>
+          </a:effectRef>
+          <a:fontRef idx="minor">
+            <a:schemeClr val="tx1"/>
+          </a:fontRef>
+        </p:style>
+      </p:cxnSp>
+      <p:cxnSp>
+        <p:nvCxnSpPr>
+          <p:cNvPr id="14" name="Straight Arrow Connector 13">
+            <a:extLst>
+              <a:ext uri="{FF2B5EF4-FFF2-40B4-BE49-F238E27FC236}">
+                <a16:creationId xmlns:a16="http://schemas.microsoft.com/office/drawing/2014/main" id="{B2C65CA7-7333-9A49-B9E8-3CBE69B58F45}"/>
+              </a:ext>
+            </a:extLst>
+          </p:cNvPr>
+          <p:cNvCxnSpPr>
+            <a:cxnSpLocks/>
+          </p:cNvCxnSpPr>
+          <p:nvPr/>
+        </p:nvCxnSpPr>
+        <p:spPr>
+          <a:xfrm>
+            <a:off x="16399837" y="3859295"/>
+            <a:ext cx="577514" cy="1"/>
+          </a:xfrm>
+          <a:prstGeom prst="straightConnector1">
+            <a:avLst/>
+          </a:prstGeom>
+          <a:ln w="38100">
+            <a:solidFill>
+              <a:srgbClr val="8C96CC"/>
+            </a:solidFill>
+            <a:tailEnd type="triangle"/>
+          </a:ln>
+        </p:spPr>
+        <p:style>
+          <a:lnRef idx="1">
+            <a:schemeClr val="accent1"/>
+          </a:lnRef>
+          <a:fillRef idx="0">
+            <a:schemeClr val="accent1"/>
+          </a:fillRef>
+          <a:effectRef idx="0">
+            <a:schemeClr val="accent1"/>
+          </a:effectRef>
+          <a:fontRef idx="minor">
+            <a:schemeClr val="tx1"/>
+          </a:fontRef>
+        </p:style>
+      </p:cxnSp>
+      <p:sp>
+        <p:nvSpPr>
+          <p:cNvPr id="15" name="Left Brace 14">
+            <a:extLst>
+              <a:ext uri="{FF2B5EF4-FFF2-40B4-BE49-F238E27FC236}">
+                <a16:creationId xmlns:a16="http://schemas.microsoft.com/office/drawing/2014/main" id="{03F65251-529C-CD42-9E83-19CB689F2DBC}"/>
+              </a:ext>
+            </a:extLst>
+          </p:cNvPr>
+          <p:cNvSpPr/>
+          <p:nvPr/>
+        </p:nvSpPr>
+        <p:spPr>
+          <a:xfrm rot="5400000">
+            <a:off x="14310901" y="942630"/>
+            <a:ext cx="278397" cy="1922400"/>
+          </a:xfrm>
+          <a:prstGeom prst="leftBrace">
+            <a:avLst/>
+          </a:prstGeom>
+          <a:ln w="38100">
+            <a:solidFill>
+              <a:srgbClr val="00B050"/>
+            </a:solidFill>
+          </a:ln>
+        </p:spPr>
+        <p:style>
+          <a:lnRef idx="1">
+            <a:schemeClr val="accent1"/>
+          </a:lnRef>
+          <a:fillRef idx="0">
+            <a:schemeClr val="accent1"/>
+          </a:fillRef>
+          <a:effectRef idx="0">
+            <a:schemeClr val="accent1"/>
+          </a:effectRef>
+          <a:fontRef idx="minor">
+            <a:schemeClr val="tx1"/>
+          </a:fontRef>
+        </p:style>
+        <p:txBody>
+          <a:bodyPr rtlCol="0" anchor="ctr"/>
+          <a:lstStyle/>
+          <a:p>
+            <a:pPr algn="ctr"/>
+            <a:endParaRPr lang="en-US"/>
+          </a:p>
+        </p:txBody>
+      </p:sp>
+      <p:sp>
+        <p:nvSpPr>
+          <p:cNvPr id="16" name="TextBox 15">
+            <a:extLst>
+              <a:ext uri="{FF2B5EF4-FFF2-40B4-BE49-F238E27FC236}">
+                <a16:creationId xmlns:a16="http://schemas.microsoft.com/office/drawing/2014/main" id="{7B73A1B7-8DA9-CF4D-AB57-F88D00938ABE}"/>
+              </a:ext>
+            </a:extLst>
+          </p:cNvPr>
+          <p:cNvSpPr txBox="1"/>
+          <p:nvPr/>
+        </p:nvSpPr>
+        <p:spPr>
+          <a:xfrm>
+            <a:off x="13475368" y="1384619"/>
+            <a:ext cx="1968016" cy="369332"/>
+          </a:xfrm>
+          <a:prstGeom prst="rect">
+            <a:avLst/>
+          </a:prstGeom>
+          <a:noFill/>
+        </p:spPr>
+        <p:txBody>
+          <a:bodyPr wrap="square" rtlCol="0">
+            <a:spAutoFit/>
+          </a:bodyPr>
+          <a:lstStyle/>
+          <a:p>
+            <a:r>
+              <a:rPr lang="en-US" altLang="zh-CN"/>
+              <a:t>{conv</a:t>
+            </a:r>
+            <a:r>
+              <a:rPr lang="zh-CN" altLang="en-US"/>
+              <a:t> </a:t>
+            </a:r>
+            <a:r>
+              <a:rPr lang="en-US" altLang="zh-CN"/>
+              <a:t>3x3,</a:t>
+            </a:r>
+            <a:r>
+              <a:rPr lang="zh-CN" altLang="en-US"/>
+              <a:t> </a:t>
+            </a:r>
+            <a:r>
+              <a:rPr lang="en-US" altLang="zh-CN"/>
+              <a:t>relu}</a:t>
+            </a:r>
+            <a:r>
+              <a:rPr lang="zh-CN" altLang="en-US"/>
+              <a:t> </a:t>
+            </a:r>
+            <a:r>
+              <a:rPr lang="en-US" altLang="zh-CN"/>
+              <a:t>x</a:t>
+            </a:r>
+            <a:r>
+              <a:rPr lang="zh-CN" altLang="en-US"/>
+              <a:t> </a:t>
+            </a:r>
+            <a:r>
+              <a:rPr lang="en-US" altLang="zh-CN"/>
+              <a:t>4</a:t>
+            </a:r>
+            <a:r>
+              <a:rPr lang="zh-CN" altLang="en-US"/>
+              <a:t> </a:t>
+            </a:r>
+            <a:endParaRPr lang="en-US"/>
+          </a:p>
+        </p:txBody>
+      </p:sp>
+    </p:spTree>
+    <p:extLst>
+      <p:ext uri="{BB962C8B-B14F-4D97-AF65-F5344CB8AC3E}">
+        <p14:creationId xmlns:p14="http://schemas.microsoft.com/office/powerpoint/2010/main" val="461754402"/>
       </p:ext>
     </p:extLst>
   </p:cSld>

--- a/content/post/post_ppt.pptx
+++ b/content/post/post_ppt.pptx
@@ -17,6 +17,8 @@
     <p:sldId id="265" r:id="rId11"/>
     <p:sldId id="266" r:id="rId12"/>
     <p:sldId id="267" r:id="rId13"/>
+    <p:sldId id="268" r:id="rId14"/>
+    <p:sldId id="269" r:id="rId15"/>
   </p:sldIdLst>
   <p:sldSz cx="21553488" cy="6858000"/>
   <p:notesSz cx="6858000" cy="9144000"/>
@@ -123,6 +125,33 @@
 </p:presentation>
 </file>
 
+<file path=ppt/ink/ink1.xml><?xml version="1.0" encoding="utf-8"?>
+<inkml:ink xmlns:inkml="http://www.w3.org/2003/InkML">
+  <inkml:definitions>
+    <inkml:context xml:id="ctx0">
+      <inkml:inkSource xml:id="inkSrc0">
+        <inkml:traceFormat>
+          <inkml:channel name="X" type="integer" min="-2.14748E9" max="2.14748E9" units="cm"/>
+          <inkml:channel name="Y" type="integer" min="-2.14748E9" max="2.14748E9" units="cm"/>
+          <inkml:channel name="F" type="integer" max="32767" units="dev"/>
+        </inkml:traceFormat>
+        <inkml:channelProperties>
+          <inkml:channelProperty channel="X" name="resolution" value="1000" units="1/cm"/>
+          <inkml:channelProperty channel="Y" name="resolution" value="1000" units="1/cm"/>
+          <inkml:channelProperty channel="F" name="resolution" value="0" units="1/dev"/>
+        </inkml:channelProperties>
+      </inkml:inkSource>
+      <inkml:timestamp xml:id="ts0" timeString="2020-01-30T18:37:05.592"/>
+    </inkml:context>
+    <inkml:brush xml:id="br0">
+      <inkml:brushProperty name="width" value="0.05" units="cm"/>
+      <inkml:brushProperty name="height" value="0.05" units="cm"/>
+    </inkml:brush>
+  </inkml:definitions>
+  <inkml:trace contextRef="#ctx0" brushRef="#br0">1 164 24575,'0'4'0,"0"13"0,0 9 0,0 15 0,0-20 0,0 19 0,6-10 0,-4 0 0,5 1 0,-7 13 0,0-14 0,0 15 0,5-23 0,-4 5 0,11 8 0,-11 0 0,6 7 0,-7-22 0,0 6 0,0-9 0,0 1 0,6 14 0,-4-11 0,4 5 0,1 0 0,-5-11 0,11 26 0,-12-12 0,6 6 0,4 41 0,-9-47 0,9 63 0,2-58 0,-10 27 0,10-26 0,-13 24 0,6-29 0,-5 19 0,4-26 0,-5 27 0,5-20 0,-4 14 0,4-22 0,2 5 0,-5-1 0,4 7 0,-1-15 0,-3 30 0,3-24 0,-5 26 0,0-27 0,6 10 0,-4 2 0,9 0 0,-4-3 0,-1-9 0,-1 1 0,-5-6 0,0 4 0,10 22 0,-8-14 0,12 19 0,-6-16 0,-1 2 0,4 0 0,-3 7 0,-1-22 0,9 38 0,-14-39 0,7 39 0,-2-29 0,-6 16 0,11-10 0,-1-3 0,-3 1 0,2-8 0,-3 17 0,1-7 0,0 0 0,5 7 0,-11-22 0,4 21 0,1-11 0,-5-1 0,14 2 0,-13-3 0,7-3 0,-10 8 0,5-10 0,3 10 0,-1-8 0,5 8 0,-11-15 0,13 30 0,-6-23 0,2 19 0,0-22 0,-8-4 0,3 15 0,1 2 0,-4-6 0,14 29 0,-14-34 0,12 26 0,-13-27 0,18 10 0,-16-8 0,10 8 0,-8-10 0,6 27 0,-4-26 0,2 34 0,0-11 0,-6-8 0,12 20 0,-8-34 0,1 34 0,2-29 0,-3 20 0,-1-1 0,6-10 0,-11 8 0,6-16 0,-1-3 0,-4-8 0,4 21 0,0-26 0,-5 26 0,9-26 0,-9 16 0,5-4 0,0 8 0,1 0 0,1-2 0,2-15 0,-9 4 0,11 5 0,0-1 0,-3 6 0,10 18 0,-16-20 0,11 19 0,-13-26 0,17 10 0,-14-13 0,9 21 0,-8-21 0,-4 22 0,9-16 0,-8 1 0,8-5 0,-9-4 0,4 32 0,6-21 0,-9 21 0,15-17 0,-15-8 0,17 17 0,-15 10 0,14-13 0,-17 11 0,4-27 0,2 9 0,0-6 0,14 16 0,-13-22 0,14 38 0,-13-24 0,7 18 0,-8-10 0,2-17 0,-4 8 0,6-15 0,-6 30 0,5-28 0,-4 37 0,5-37 0,-4 8 0,4 3 0,2-1 0,-4 0 0,9 1 0,-9 13 0,2-19 0,-1 18 0,4-26 0,1 10 0,-2-2 0,9 8 0,-15-15 0,17 24 0,-10-10 0,6 22 0,-8-19 0,0-2 0,-7-10 0,10 0 0,-4 27 0,28-3 0,-19 2 0,13-10 0,-28-21 0,4 0 0,-3 4 0,-1-9 0,4 3 0,2 1 0,-4 1 0,7 5 0,-3 0 0,-5-5 0,9-1 0,-10-5 0,6 4 0,-1-3 0,1 4 0,5-6 0,-5 1 0,5 5 0,-5-5 0,4 10 0,-3-9 0,4 4 0,0-6 0,1 6 0,0-4 0,-2 4 0,1-1 0,10-1 0,-6 2 0,10-4 0,-13-2 0,5 1 0,0-1 0,10 2 0,-7 4 0,15-1 0,-6 2 0,0-10 0,7 12 0,-21-17 0,19 17 0,-25-18 0,11 9 0,17 0 0,-18-4 0,34 15 0,-33-13 0,6 10 0,-9-12 0,27-2 0,-20 5 0,29-1 0,-34 3 0,17 1 0,10-2 0,-3 11 0,12-10 0,-32 7 0,3-18 0,-5 11 0,-7-6 0,12 2 0,-5 4 0,25-11 0,-18 11 0,14-5 0,-30-1 0,32 8 0,-20-12 0,39 25 0,-32-23 0,18 13 0,-25-17 0,10 6 0,-10 2 0,14 7 0,0-7 0,-14-1 0,28-7 0,-39 5 0,30 1 0,-31 6 0,5-6 0,0-1 0,10-5 0,-13 0 0,11 0 0,-13 10 0,5-7 0,1 7 0,-1-10 0,9 0 0,-6 0 0,16 0 0,-17 0 0,17 0 0,-7 0 0,26 0 0,-12 0 0,12 0 0,1 0 0,-14 0 0,4 0 0,24 0 0,-33 0 0,26 0 0,-36 0 0,-15 0 0,13 0 0,16 0 0,1 0 0,14-6 0,-18 4 0,0-5 0,-9 2 0,7 4 0,-16-9 0,6 8 0,-9-3 0,10-2 0,-8 6 0,17-6 0,27-4 0,-25 4 0,32-6 0,-51 3 0,3 9 0,3-4 0,-1-9 0,4 11 0,8-17 0,-16 13 0,16-1 0,-22 3 0,38-13 0,-24 7 0,27-16 0,7-14 0,-18 27 0,17-32 0,11 32 0,-39-2 0,43-22 0,-60 31 0,19-26 0,-23 32 0,4-15 0,-9 8 0,35-13 0,-23 14 0,33-16 0,-32 15 0,33-25 0,-12-5 0,33-5 0,-33 5 0,12 5 0,-1-7 0,-22 13 0,14 4 0,-2 2 0,-25 8 0,43-5 0,-48 1 0,22-18 0,-12 12 0,22-19 0,-25 23 0,17-10 0,-7 2 0,-5 6 0,10-7 0,-19 9 0,44-40 0,-8 20 0,6-14 0,4 5 0,-23 9 0,10-9 0,-11 7 0,22-8 0,-30 11 0,21-9 0,-30 14 0,-3 9 0,23-32 0,-15 15 0,10-12 0,-10 11 0,-1 4 0,-8 13 0,8-12 0,2-6 0,11-38 0,-8 24 0,9-24 0,3 6 0,-28 37 0,14-12 0,0-2 0,-5 2 0,13-9 0,5-17 0,-26 33 0,19-27 0,1-6 0,-27 47 0,24-36 0,-14 3 0,-12 33 0,20-36 0,4 3 0,-16 33 0,6-14 0,0-6 0,1-19 0,11-2-353,-13 14 0,-2-1 353,6-13 0,1 17 0,-2 0 0,-10-14 0,19 21 0,3 1 0,-10-22-184,25-5 184,-25-7 0,-10 40 0,-7-6 0,-1 23 0,-6 9 700,14-35-700,-9 28 190,13-28-190,-21 35 0,13-53 0,-7 42 0,4-51 0,-2 55 0,-8-13 0,13 15 0,-6-14 0,3 12 0,-5-22 0,-2 16 0,9-16 0,-5 16 0,22-33 0,-21 29 0,9-20 0,19-17 0,-24 24 0,25-26 0,-22 9 0,0 4 0,27-33 0,-27 31 0,15-7 0,0-4 0,-24 16 0,24-17 0,-32 28 0,19-10 0,-15 13 0,21-20 0,-5 7 0,-9 17 0,17-39 0,-19 39 0,1-17 0,6-7 0,-14 20 0,14-23 0,-14-16 0,4 25 0,0-4 0,-1 1 0,-2 13 0,12-24 0,-13 34 0,3-2 0,0 0 0,-4 2 0,4-17 0,-5 11 0,0-13 0,0 19 0,0 0 0,0-2 0,0-26 0,13 12 0,-9-12 0,18-1 0,-20 23 0,7-6 0,-9 23 0,0-5 0,0 1 0,0-7 0,0 10 0,0-10 0,0 7 0,0-7 0,0 10 0,0 0 0,0-1 0,0 1 0,0 5 0,0-5 0,0 5 0,0 0 0,0-4 0,7-6 0,-5-24 0,17 3 0,-15-3 0,14 25 0,-17-5 0,4 7 0,0-9 0,-3 10 0,3 2 0,-5 9 0,0-4 0,5 0 0,-4 4 0,4-4 0,-5 6 0,0 4 0,0 2 0</inkml:trace>
+</inkml:ink>
+</file>
+
 <file path=ppt/slideLayouts/slideLayout1.xml><?xml version="1.0" encoding="utf-8"?>
 <p:sldLayout xmlns:a="http://schemas.openxmlformats.org/drawingml/2006/main" xmlns:r="http://schemas.openxmlformats.org/officeDocument/2006/relationships" xmlns:p="http://schemas.openxmlformats.org/presentationml/2006/main" type="title" preserve="1">
   <p:cSld name="Title Slide">
@@ -254,7 +283,7 @@
           <a:p>
             <a:fld id="{AEE0242F-9983-5646-A2FB-42C1A5B688B5}" type="datetimeFigureOut">
               <a:rPr lang="en-US" smtClean="0"/>
-              <a:t>1/23/20</a:t>
+              <a:t>1/30/20</a:t>
             </a:fld>
             <a:endParaRPr lang="en-US" dirty="0"/>
           </a:p>
@@ -424,7 +453,7 @@
           <a:p>
             <a:fld id="{AEE0242F-9983-5646-A2FB-42C1A5B688B5}" type="datetimeFigureOut">
               <a:rPr lang="en-US" smtClean="0"/>
-              <a:t>1/23/20</a:t>
+              <a:t>1/30/20</a:t>
             </a:fld>
             <a:endParaRPr lang="en-US" dirty="0"/>
           </a:p>
@@ -604,7 +633,7 @@
           <a:p>
             <a:fld id="{AEE0242F-9983-5646-A2FB-42C1A5B688B5}" type="datetimeFigureOut">
               <a:rPr lang="en-US" smtClean="0"/>
-              <a:t>1/23/20</a:t>
+              <a:t>1/30/20</a:t>
             </a:fld>
             <a:endParaRPr lang="en-US" dirty="0"/>
           </a:p>
@@ -774,7 +803,7 @@
           <a:p>
             <a:fld id="{AEE0242F-9983-5646-A2FB-42C1A5B688B5}" type="datetimeFigureOut">
               <a:rPr lang="en-US" smtClean="0"/>
-              <a:t>1/23/20</a:t>
+              <a:t>1/30/20</a:t>
             </a:fld>
             <a:endParaRPr lang="en-US" dirty="0"/>
           </a:p>
@@ -1020,7 +1049,7 @@
           <a:p>
             <a:fld id="{AEE0242F-9983-5646-A2FB-42C1A5B688B5}" type="datetimeFigureOut">
               <a:rPr lang="en-US" smtClean="0"/>
-              <a:t>1/23/20</a:t>
+              <a:t>1/30/20</a:t>
             </a:fld>
             <a:endParaRPr lang="en-US" dirty="0"/>
           </a:p>
@@ -1252,7 +1281,7 @@
           <a:p>
             <a:fld id="{AEE0242F-9983-5646-A2FB-42C1A5B688B5}" type="datetimeFigureOut">
               <a:rPr lang="en-US" smtClean="0"/>
-              <a:t>1/23/20</a:t>
+              <a:t>1/30/20</a:t>
             </a:fld>
             <a:endParaRPr lang="en-US" dirty="0"/>
           </a:p>
@@ -1619,7 +1648,7 @@
           <a:p>
             <a:fld id="{AEE0242F-9983-5646-A2FB-42C1A5B688B5}" type="datetimeFigureOut">
               <a:rPr lang="en-US" smtClean="0"/>
-              <a:t>1/23/20</a:t>
+              <a:t>1/30/20</a:t>
             </a:fld>
             <a:endParaRPr lang="en-US" dirty="0"/>
           </a:p>
@@ -1737,7 +1766,7 @@
           <a:p>
             <a:fld id="{AEE0242F-9983-5646-A2FB-42C1A5B688B5}" type="datetimeFigureOut">
               <a:rPr lang="en-US" smtClean="0"/>
-              <a:t>1/23/20</a:t>
+              <a:t>1/30/20</a:t>
             </a:fld>
             <a:endParaRPr lang="en-US" dirty="0"/>
           </a:p>
@@ -1832,7 +1861,7 @@
           <a:p>
             <a:fld id="{AEE0242F-9983-5646-A2FB-42C1A5B688B5}" type="datetimeFigureOut">
               <a:rPr lang="en-US" smtClean="0"/>
-              <a:t>1/23/20</a:t>
+              <a:t>1/30/20</a:t>
             </a:fld>
             <a:endParaRPr lang="en-US" dirty="0"/>
           </a:p>
@@ -2109,7 +2138,7 @@
           <a:p>
             <a:fld id="{AEE0242F-9983-5646-A2FB-42C1A5B688B5}" type="datetimeFigureOut">
               <a:rPr lang="en-US" smtClean="0"/>
-              <a:t>1/23/20</a:t>
+              <a:t>1/30/20</a:t>
             </a:fld>
             <a:endParaRPr lang="en-US" dirty="0"/>
           </a:p>
@@ -2366,7 +2395,7 @@
           <a:p>
             <a:fld id="{AEE0242F-9983-5646-A2FB-42C1A5B688B5}" type="datetimeFigureOut">
               <a:rPr lang="en-US" smtClean="0"/>
-              <a:t>1/23/20</a:t>
+              <a:t>1/30/20</a:t>
             </a:fld>
             <a:endParaRPr lang="en-US" dirty="0"/>
           </a:p>
@@ -2579,7 +2608,7 @@
           <a:p>
             <a:fld id="{AEE0242F-9983-5646-A2FB-42C1A5B688B5}" type="datetimeFigureOut">
               <a:rPr lang="en-US" smtClean="0"/>
-              <a:t>1/23/20</a:t>
+              <a:t>1/30/20</a:t>
             </a:fld>
             <a:endParaRPr lang="en-US" dirty="0"/>
           </a:p>
@@ -11685,6 +11714,4952 @@
 </p:sld>
 </file>
 
+<file path=ppt/slides/slide13.xml><?xml version="1.0" encoding="utf-8"?>
+<p:sld xmlns:a="http://schemas.openxmlformats.org/drawingml/2006/main" xmlns:r="http://schemas.openxmlformats.org/officeDocument/2006/relationships" xmlns:p="http://schemas.openxmlformats.org/presentationml/2006/main">
+  <p:cSld>
+    <p:spTree>
+      <p:nvGrpSpPr>
+        <p:cNvPr id="1" name=""/>
+        <p:cNvGrpSpPr/>
+        <p:nvPr/>
+      </p:nvGrpSpPr>
+      <p:grpSpPr>
+        <a:xfrm>
+          <a:off x="0" y="0"/>
+          <a:ext cx="0" cy="0"/>
+          <a:chOff x="0" y="0"/>
+          <a:chExt cx="0" cy="0"/>
+        </a:xfrm>
+      </p:grpSpPr>
+      <p:sp>
+        <p:nvSpPr>
+          <p:cNvPr id="4" name="Regular Pentagon 3">
+            <a:extLst>
+              <a:ext uri="{FF2B5EF4-FFF2-40B4-BE49-F238E27FC236}">
+                <a16:creationId xmlns:a16="http://schemas.microsoft.com/office/drawing/2014/main" id="{01FB0E55-CE44-834B-B3A6-5E3183762D48}"/>
+              </a:ext>
+            </a:extLst>
+          </p:cNvPr>
+          <p:cNvSpPr/>
+          <p:nvPr/>
+        </p:nvSpPr>
+        <p:spPr>
+          <a:xfrm>
+            <a:off x="2152650" y="704850"/>
+            <a:ext cx="5124450" cy="4591050"/>
+          </a:xfrm>
+          <a:prstGeom prst="pentagon">
+            <a:avLst/>
+          </a:prstGeom>
+          <a:noFill/>
+          <a:ln w="38100">
+            <a:solidFill>
+              <a:schemeClr val="tx1"/>
+            </a:solidFill>
+          </a:ln>
+        </p:spPr>
+        <p:style>
+          <a:lnRef idx="2">
+            <a:schemeClr val="accent1">
+              <a:shade val="50000"/>
+            </a:schemeClr>
+          </a:lnRef>
+          <a:fillRef idx="1">
+            <a:schemeClr val="accent1"/>
+          </a:fillRef>
+          <a:effectRef idx="0">
+            <a:schemeClr val="accent1"/>
+          </a:effectRef>
+          <a:fontRef idx="minor">
+            <a:schemeClr val="lt1"/>
+          </a:fontRef>
+        </p:style>
+        <p:txBody>
+          <a:bodyPr rtlCol="0" anchor="ctr"/>
+          <a:lstStyle/>
+          <a:p>
+            <a:pPr algn="ctr"/>
+            <a:endParaRPr lang="en-US"/>
+          </a:p>
+        </p:txBody>
+      </p:sp>
+      <p:cxnSp>
+        <p:nvCxnSpPr>
+          <p:cNvPr id="6" name="Straight Connector 5">
+            <a:extLst>
+              <a:ext uri="{FF2B5EF4-FFF2-40B4-BE49-F238E27FC236}">
+                <a16:creationId xmlns:a16="http://schemas.microsoft.com/office/drawing/2014/main" id="{71F841F3-69D0-AC49-9CA8-C84078060A4C}"/>
+              </a:ext>
+            </a:extLst>
+          </p:cNvPr>
+          <p:cNvCxnSpPr>
+            <a:cxnSpLocks/>
+          </p:cNvCxnSpPr>
+          <p:nvPr/>
+        </p:nvCxnSpPr>
+        <p:spPr>
+          <a:xfrm>
+            <a:off x="5581650" y="704850"/>
+            <a:ext cx="1695450" cy="3600450"/>
+          </a:xfrm>
+          <a:prstGeom prst="line">
+            <a:avLst/>
+          </a:prstGeom>
+          <a:ln w="38100">
+            <a:solidFill>
+              <a:srgbClr val="FF0000"/>
+            </a:solidFill>
+            <a:prstDash val="sysDash"/>
+          </a:ln>
+        </p:spPr>
+        <p:style>
+          <a:lnRef idx="1">
+            <a:schemeClr val="accent1"/>
+          </a:lnRef>
+          <a:fillRef idx="0">
+            <a:schemeClr val="accent1"/>
+          </a:fillRef>
+          <a:effectRef idx="0">
+            <a:schemeClr val="accent1"/>
+          </a:effectRef>
+          <a:fontRef idx="minor">
+            <a:schemeClr val="tx1"/>
+          </a:fontRef>
+        </p:style>
+      </p:cxnSp>
+      <p:sp>
+        <p:nvSpPr>
+          <p:cNvPr id="8" name="Connector 7">
+            <a:extLst>
+              <a:ext uri="{FF2B5EF4-FFF2-40B4-BE49-F238E27FC236}">
+                <a16:creationId xmlns:a16="http://schemas.microsoft.com/office/drawing/2014/main" id="{95256CEE-4C14-6741-A8D2-CDF8025867D7}"/>
+              </a:ext>
+            </a:extLst>
+          </p:cNvPr>
+          <p:cNvSpPr/>
+          <p:nvPr/>
+        </p:nvSpPr>
+        <p:spPr>
+          <a:xfrm>
+            <a:off x="5899150" y="1484800"/>
+            <a:ext cx="180000" cy="180000"/>
+          </a:xfrm>
+          <a:prstGeom prst="flowChartConnector">
+            <a:avLst/>
+          </a:prstGeom>
+          <a:solidFill>
+            <a:schemeClr val="tx1"/>
+          </a:solidFill>
+        </p:spPr>
+        <p:style>
+          <a:lnRef idx="2">
+            <a:schemeClr val="accent1">
+              <a:shade val="50000"/>
+            </a:schemeClr>
+          </a:lnRef>
+          <a:fillRef idx="1">
+            <a:schemeClr val="accent1"/>
+          </a:fillRef>
+          <a:effectRef idx="0">
+            <a:schemeClr val="accent1"/>
+          </a:effectRef>
+          <a:fontRef idx="minor">
+            <a:schemeClr val="lt1"/>
+          </a:fontRef>
+        </p:style>
+        <p:txBody>
+          <a:bodyPr rtlCol="0" anchor="ctr"/>
+          <a:lstStyle/>
+          <a:p>
+            <a:pPr algn="ctr"/>
+            <a:endParaRPr lang="en-US"/>
+          </a:p>
+        </p:txBody>
+      </p:sp>
+      <p:sp>
+        <p:nvSpPr>
+          <p:cNvPr id="9" name="Connector 8">
+            <a:extLst>
+              <a:ext uri="{FF2B5EF4-FFF2-40B4-BE49-F238E27FC236}">
+                <a16:creationId xmlns:a16="http://schemas.microsoft.com/office/drawing/2014/main" id="{409F275C-1DBB-384B-892D-8B060DC61BCE}"/>
+              </a:ext>
+            </a:extLst>
+          </p:cNvPr>
+          <p:cNvSpPr/>
+          <p:nvPr/>
+        </p:nvSpPr>
+        <p:spPr>
+          <a:xfrm>
+            <a:off x="6800850" y="3429000"/>
+            <a:ext cx="180000" cy="180000"/>
+          </a:xfrm>
+          <a:prstGeom prst="flowChartConnector">
+            <a:avLst/>
+          </a:prstGeom>
+          <a:solidFill>
+            <a:schemeClr val="tx1"/>
+          </a:solidFill>
+        </p:spPr>
+        <p:style>
+          <a:lnRef idx="2">
+            <a:schemeClr val="accent1">
+              <a:shade val="50000"/>
+            </a:schemeClr>
+          </a:lnRef>
+          <a:fillRef idx="1">
+            <a:schemeClr val="accent1"/>
+          </a:fillRef>
+          <a:effectRef idx="0">
+            <a:schemeClr val="accent1"/>
+          </a:effectRef>
+          <a:fontRef idx="minor">
+            <a:schemeClr val="lt1"/>
+          </a:fontRef>
+        </p:style>
+        <p:txBody>
+          <a:bodyPr rtlCol="0" anchor="ctr"/>
+          <a:lstStyle/>
+          <a:p>
+            <a:pPr algn="ctr"/>
+            <a:endParaRPr lang="en-US"/>
+          </a:p>
+        </p:txBody>
+      </p:sp>
+      <mc:AlternateContent xmlns:mc="http://schemas.openxmlformats.org/markup-compatibility/2006">
+        <mc:Choice xmlns:a14="http://schemas.microsoft.com/office/drawing/2010/main" Requires="a14">
+          <p:sp>
+            <p:nvSpPr>
+              <p:cNvPr id="11" name="TextBox 10">
+                <a:extLst>
+                  <a:ext uri="{FF2B5EF4-FFF2-40B4-BE49-F238E27FC236}">
+                    <a16:creationId xmlns:a16="http://schemas.microsoft.com/office/drawing/2014/main" id="{61ECACE2-A3D3-5149-B904-7AAF85275C60}"/>
+                  </a:ext>
+                </a:extLst>
+              </p:cNvPr>
+              <p:cNvSpPr txBox="1"/>
+              <p:nvPr/>
+            </p:nvSpPr>
+            <p:spPr>
+              <a:xfrm>
+                <a:off x="5578689" y="1476375"/>
+                <a:ext cx="323422" cy="492443"/>
+              </a:xfrm>
+              <a:prstGeom prst="rect">
+                <a:avLst/>
+              </a:prstGeom>
+              <a:noFill/>
+            </p:spPr>
+            <p:txBody>
+              <a:bodyPr wrap="none" lIns="0" tIns="0" rIns="0" bIns="0" rtlCol="0">
+                <a:spAutoFit/>
+              </a:bodyPr>
+              <a:lstStyle/>
+              <a:p>
+                <a14:m>
+                  <m:oMathPara xmlns:m="http://schemas.openxmlformats.org/officeDocument/2006/math">
+                    <m:oMathParaPr>
+                      <m:jc m:val="centerGroup"/>
+                    </m:oMathParaPr>
+                    <m:oMath xmlns:m="http://schemas.openxmlformats.org/officeDocument/2006/math">
+                      <m:r>
+                        <a:rPr lang="en-US" sz="3200" b="0" i="1">
+                          <a:latin typeface="Cambria Math" panose="02040503050406030204" pitchFamily="18" charset="0"/>
+                        </a:rPr>
+                        <m:t>𝑥</m:t>
+                      </m:r>
+                    </m:oMath>
+                  </m:oMathPara>
+                </a14:m>
+                <a:endParaRPr lang="en-US" sz="3200"/>
+              </a:p>
+            </p:txBody>
+          </p:sp>
+        </mc:Choice>
+        <mc:Fallback>
+          <p:sp>
+            <p:nvSpPr>
+              <p:cNvPr id="11" name="TextBox 10">
+                <a:extLst>
+                  <a:ext uri="{FF2B5EF4-FFF2-40B4-BE49-F238E27FC236}">
+                    <a16:creationId xmlns:a16="http://schemas.microsoft.com/office/drawing/2014/main" id="{61ECACE2-A3D3-5149-B904-7AAF85275C60}"/>
+                  </a:ext>
+                </a:extLst>
+              </p:cNvPr>
+              <p:cNvSpPr txBox="1">
+                <a:spLocks noRot="1" noChangeAspect="1" noMove="1" noResize="1" noEditPoints="1" noAdjustHandles="1" noChangeArrowheads="1" noChangeShapeType="1" noTextEdit="1"/>
+              </p:cNvSpPr>
+              <p:nvPr/>
+            </p:nvSpPr>
+            <p:spPr>
+              <a:xfrm>
+                <a:off x="5578689" y="1476375"/>
+                <a:ext cx="323422" cy="492443"/>
+              </a:xfrm>
+              <a:prstGeom prst="rect">
+                <a:avLst/>
+              </a:prstGeom>
+              <a:blipFill>
+                <a:blip r:embed="rId2"/>
+                <a:stretch>
+                  <a:fillRect l="-11111" r="-7407"/>
+                </a:stretch>
+              </a:blipFill>
+            </p:spPr>
+            <p:txBody>
+              <a:bodyPr/>
+              <a:lstStyle/>
+              <a:p>
+                <a:r>
+                  <a:rPr lang="en-US">
+                    <a:noFill/>
+                  </a:rPr>
+                  <a:t> </a:t>
+                </a:r>
+              </a:p>
+            </p:txBody>
+          </p:sp>
+        </mc:Fallback>
+      </mc:AlternateContent>
+      <mc:AlternateContent xmlns:mc="http://schemas.openxmlformats.org/markup-compatibility/2006">
+        <mc:Choice xmlns:a14="http://schemas.microsoft.com/office/drawing/2010/main" Requires="a14">
+          <p:sp>
+            <p:nvSpPr>
+              <p:cNvPr id="12" name="TextBox 11">
+                <a:extLst>
+                  <a:ext uri="{FF2B5EF4-FFF2-40B4-BE49-F238E27FC236}">
+                    <a16:creationId xmlns:a16="http://schemas.microsoft.com/office/drawing/2014/main" id="{1A85CFB7-23D4-F842-A3AE-0C9E2E7E562D}"/>
+                  </a:ext>
+                </a:extLst>
+              </p:cNvPr>
+              <p:cNvSpPr txBox="1"/>
+              <p:nvPr/>
+            </p:nvSpPr>
+            <p:spPr>
+              <a:xfrm>
+                <a:off x="6424125" y="3429000"/>
+                <a:ext cx="329193" cy="492443"/>
+              </a:xfrm>
+              <a:prstGeom prst="rect">
+                <a:avLst/>
+              </a:prstGeom>
+              <a:noFill/>
+            </p:spPr>
+            <p:txBody>
+              <a:bodyPr wrap="none" lIns="0" tIns="0" rIns="0" bIns="0" rtlCol="0">
+                <a:spAutoFit/>
+              </a:bodyPr>
+              <a:lstStyle/>
+              <a:p>
+                <a14:m>
+                  <m:oMathPara xmlns:m="http://schemas.openxmlformats.org/officeDocument/2006/math">
+                    <m:oMathParaPr>
+                      <m:jc m:val="centerGroup"/>
+                    </m:oMathParaPr>
+                    <m:oMath xmlns:m="http://schemas.openxmlformats.org/officeDocument/2006/math">
+                      <m:r>
+                        <a:rPr lang="en-US" sz="3200" b="0" i="1">
+                          <a:latin typeface="Cambria Math" panose="02040503050406030204" pitchFamily="18" charset="0"/>
+                        </a:rPr>
+                        <m:t>𝑦</m:t>
+                      </m:r>
+                    </m:oMath>
+                  </m:oMathPara>
+                </a14:m>
+                <a:endParaRPr lang="en-US" sz="3200"/>
+              </a:p>
+            </p:txBody>
+          </p:sp>
+        </mc:Choice>
+        <mc:Fallback>
+          <p:sp>
+            <p:nvSpPr>
+              <p:cNvPr id="12" name="TextBox 11">
+                <a:extLst>
+                  <a:ext uri="{FF2B5EF4-FFF2-40B4-BE49-F238E27FC236}">
+                    <a16:creationId xmlns:a16="http://schemas.microsoft.com/office/drawing/2014/main" id="{1A85CFB7-23D4-F842-A3AE-0C9E2E7E562D}"/>
+                  </a:ext>
+                </a:extLst>
+              </p:cNvPr>
+              <p:cNvSpPr txBox="1">
+                <a:spLocks noRot="1" noChangeAspect="1" noMove="1" noResize="1" noEditPoints="1" noAdjustHandles="1" noChangeArrowheads="1" noChangeShapeType="1" noTextEdit="1"/>
+              </p:cNvSpPr>
+              <p:nvPr/>
+            </p:nvSpPr>
+            <p:spPr>
+              <a:xfrm>
+                <a:off x="6424125" y="3429000"/>
+                <a:ext cx="329193" cy="492443"/>
+              </a:xfrm>
+              <a:prstGeom prst="rect">
+                <a:avLst/>
+              </a:prstGeom>
+              <a:blipFill>
+                <a:blip r:embed="rId3"/>
+                <a:stretch>
+                  <a:fillRect l="-25926" r="-22222" b="-22500"/>
+                </a:stretch>
+              </a:blipFill>
+            </p:spPr>
+            <p:txBody>
+              <a:bodyPr/>
+              <a:lstStyle/>
+              <a:p>
+                <a:r>
+                  <a:rPr lang="en-US">
+                    <a:noFill/>
+                  </a:rPr>
+                  <a:t> </a:t>
+                </a:r>
+              </a:p>
+            </p:txBody>
+          </p:sp>
+        </mc:Fallback>
+      </mc:AlternateContent>
+      <p:sp>
+        <p:nvSpPr>
+          <p:cNvPr id="13" name="Connector 12">
+            <a:extLst>
+              <a:ext uri="{FF2B5EF4-FFF2-40B4-BE49-F238E27FC236}">
+                <a16:creationId xmlns:a16="http://schemas.microsoft.com/office/drawing/2014/main" id="{971D184D-408A-2B4A-846D-3BDDB22F742C}"/>
+              </a:ext>
+            </a:extLst>
+          </p:cNvPr>
+          <p:cNvSpPr/>
+          <p:nvPr/>
+        </p:nvSpPr>
+        <p:spPr>
+          <a:xfrm>
+            <a:off x="6304236" y="2345871"/>
+            <a:ext cx="180000" cy="180000"/>
+          </a:xfrm>
+          <a:prstGeom prst="flowChartConnector">
+            <a:avLst/>
+          </a:prstGeom>
+          <a:solidFill>
+            <a:srgbClr val="FF0000"/>
+          </a:solidFill>
+          <a:ln>
+            <a:noFill/>
+          </a:ln>
+        </p:spPr>
+        <p:style>
+          <a:lnRef idx="2">
+            <a:schemeClr val="accent1">
+              <a:shade val="50000"/>
+            </a:schemeClr>
+          </a:lnRef>
+          <a:fillRef idx="1">
+            <a:schemeClr val="accent1"/>
+          </a:fillRef>
+          <a:effectRef idx="0">
+            <a:schemeClr val="accent1"/>
+          </a:effectRef>
+          <a:fontRef idx="minor">
+            <a:schemeClr val="lt1"/>
+          </a:fontRef>
+        </p:style>
+        <p:txBody>
+          <a:bodyPr rtlCol="0" anchor="ctr"/>
+          <a:lstStyle/>
+          <a:p>
+            <a:pPr algn="ctr"/>
+            <a:endParaRPr lang="en-US"/>
+          </a:p>
+        </p:txBody>
+      </p:sp>
+      <mc:AlternateContent xmlns:mc="http://schemas.openxmlformats.org/markup-compatibility/2006">
+        <mc:Choice xmlns:a14="http://schemas.microsoft.com/office/drawing/2010/main" Requires="a14">
+          <p:sp>
+            <p:nvSpPr>
+              <p:cNvPr id="14" name="TextBox 13">
+                <a:extLst>
+                  <a:ext uri="{FF2B5EF4-FFF2-40B4-BE49-F238E27FC236}">
+                    <a16:creationId xmlns:a16="http://schemas.microsoft.com/office/drawing/2014/main" id="{165C824C-2DD1-BA4C-9D6B-C5D4AA876589}"/>
+                  </a:ext>
+                </a:extLst>
+              </p:cNvPr>
+              <p:cNvSpPr txBox="1"/>
+              <p:nvPr/>
+            </p:nvSpPr>
+            <p:spPr>
+              <a:xfrm>
+                <a:off x="3905581" y="2502546"/>
+                <a:ext cx="2578655" cy="492443"/>
+              </a:xfrm>
+              <a:prstGeom prst="rect">
+                <a:avLst/>
+              </a:prstGeom>
+              <a:noFill/>
+            </p:spPr>
+            <p:txBody>
+              <a:bodyPr wrap="none" lIns="0" tIns="0" rIns="0" bIns="0" rtlCol="0">
+                <a:spAutoFit/>
+              </a:bodyPr>
+              <a:lstStyle/>
+              <a:p>
+                <a14:m>
+                  <m:oMathPara xmlns:m="http://schemas.openxmlformats.org/officeDocument/2006/math">
+                    <m:oMathParaPr>
+                      <m:jc m:val="centerGroup"/>
+                    </m:oMathParaPr>
+                    <m:oMath xmlns:m="http://schemas.openxmlformats.org/officeDocument/2006/math">
+                      <m:r>
+                        <a:rPr lang="en-US" sz="3200" b="0" i="1">
+                          <a:ln>
+                            <a:noFill/>
+                          </a:ln>
+                          <a:solidFill>
+                            <a:srgbClr val="FF0000"/>
+                          </a:solidFill>
+                          <a:latin typeface="Cambria Math" panose="02040503050406030204" pitchFamily="18" charset="0"/>
+                        </a:rPr>
+                        <m:t>𝜃</m:t>
+                      </m:r>
+                      <m:r>
+                        <a:rPr lang="en-US" sz="3200" b="0" i="1">
+                          <a:ln>
+                            <a:noFill/>
+                          </a:ln>
+                          <a:solidFill>
+                            <a:srgbClr val="FF0000"/>
+                          </a:solidFill>
+                          <a:latin typeface="Cambria Math" panose="02040503050406030204" pitchFamily="18" charset="0"/>
+                        </a:rPr>
+                        <m:t>𝑥</m:t>
+                      </m:r>
+                      <m:r>
+                        <a:rPr lang="en-US" sz="3200" b="0" i="1">
+                          <a:ln>
+                            <a:noFill/>
+                          </a:ln>
+                          <a:solidFill>
+                            <a:srgbClr val="FF0000"/>
+                          </a:solidFill>
+                          <a:latin typeface="Cambria Math" panose="02040503050406030204" pitchFamily="18" charset="0"/>
+                        </a:rPr>
+                        <m:t>+</m:t>
+                      </m:r>
+                      <m:d>
+                        <m:dPr>
+                          <m:ctrlPr>
+                            <a:rPr lang="en-US" sz="3200" b="0" i="1">
+                              <a:ln>
+                                <a:noFill/>
+                              </a:ln>
+                              <a:solidFill>
+                                <a:srgbClr val="FF0000"/>
+                              </a:solidFill>
+                              <a:latin typeface="Cambria Math" panose="02040503050406030204" pitchFamily="18" charset="0"/>
+                            </a:rPr>
+                          </m:ctrlPr>
+                        </m:dPr>
+                        <m:e>
+                          <m:r>
+                            <a:rPr lang="en-US" sz="3200" b="0" i="1">
+                              <a:ln>
+                                <a:noFill/>
+                              </a:ln>
+                              <a:solidFill>
+                                <a:srgbClr val="FF0000"/>
+                              </a:solidFill>
+                              <a:latin typeface="Cambria Math" panose="02040503050406030204" pitchFamily="18" charset="0"/>
+                            </a:rPr>
+                            <m:t>1−</m:t>
+                          </m:r>
+                          <m:r>
+                            <a:rPr lang="en-US" sz="3200" b="0" i="1">
+                              <a:ln>
+                                <a:noFill/>
+                              </a:ln>
+                              <a:solidFill>
+                                <a:srgbClr val="FF0000"/>
+                              </a:solidFill>
+                              <a:latin typeface="Cambria Math" panose="02040503050406030204" pitchFamily="18" charset="0"/>
+                            </a:rPr>
+                            <m:t>𝜃</m:t>
+                          </m:r>
+                        </m:e>
+                      </m:d>
+                      <m:r>
+                        <a:rPr lang="en-US" sz="3200" b="0" i="1">
+                          <a:ln>
+                            <a:noFill/>
+                          </a:ln>
+                          <a:solidFill>
+                            <a:srgbClr val="FF0000"/>
+                          </a:solidFill>
+                          <a:latin typeface="Cambria Math" panose="02040503050406030204" pitchFamily="18" charset="0"/>
+                        </a:rPr>
+                        <m:t>𝑦</m:t>
+                      </m:r>
+                    </m:oMath>
+                  </m:oMathPara>
+                </a14:m>
+                <a:endParaRPr lang="en-US" sz="3200">
+                  <a:ln>
+                    <a:noFill/>
+                  </a:ln>
+                  <a:solidFill>
+                    <a:srgbClr val="FF0000"/>
+                  </a:solidFill>
+                </a:endParaRPr>
+              </a:p>
+            </p:txBody>
+          </p:sp>
+        </mc:Choice>
+        <mc:Fallback>
+          <p:sp>
+            <p:nvSpPr>
+              <p:cNvPr id="14" name="TextBox 13">
+                <a:extLst>
+                  <a:ext uri="{FF2B5EF4-FFF2-40B4-BE49-F238E27FC236}">
+                    <a16:creationId xmlns:a16="http://schemas.microsoft.com/office/drawing/2014/main" id="{165C824C-2DD1-BA4C-9D6B-C5D4AA876589}"/>
+                  </a:ext>
+                </a:extLst>
+              </p:cNvPr>
+              <p:cNvSpPr txBox="1">
+                <a:spLocks noRot="1" noChangeAspect="1" noMove="1" noResize="1" noEditPoints="1" noAdjustHandles="1" noChangeArrowheads="1" noChangeShapeType="1" noTextEdit="1"/>
+              </p:cNvSpPr>
+              <p:nvPr/>
+            </p:nvSpPr>
+            <p:spPr>
+              <a:xfrm>
+                <a:off x="3905581" y="2502546"/>
+                <a:ext cx="2578655" cy="492443"/>
+              </a:xfrm>
+              <a:prstGeom prst="rect">
+                <a:avLst/>
+              </a:prstGeom>
+              <a:blipFill>
+                <a:blip r:embed="rId4"/>
+                <a:stretch>
+                  <a:fillRect l="-3431" r="-2451" b="-22500"/>
+                </a:stretch>
+              </a:blipFill>
+            </p:spPr>
+            <p:txBody>
+              <a:bodyPr/>
+              <a:lstStyle/>
+              <a:p>
+                <a:r>
+                  <a:rPr lang="en-US">
+                    <a:noFill/>
+                  </a:rPr>
+                  <a:t> </a:t>
+                </a:r>
+              </a:p>
+            </p:txBody>
+          </p:sp>
+        </mc:Fallback>
+      </mc:AlternateContent>
+      <mc:AlternateContent xmlns:mc="http://schemas.openxmlformats.org/markup-compatibility/2006">
+        <mc:Choice xmlns:a14="http://schemas.microsoft.com/office/drawing/2010/main" Requires="a14">
+          <p:sp>
+            <p:nvSpPr>
+              <p:cNvPr id="15" name="TextBox 14">
+                <a:extLst>
+                  <a:ext uri="{FF2B5EF4-FFF2-40B4-BE49-F238E27FC236}">
+                    <a16:creationId xmlns:a16="http://schemas.microsoft.com/office/drawing/2014/main" id="{94926EAE-6F5A-8B4C-9F79-6612C7DDB779}"/>
+                  </a:ext>
+                </a:extLst>
+              </p:cNvPr>
+              <p:cNvSpPr txBox="1"/>
+              <p:nvPr/>
+            </p:nvSpPr>
+            <p:spPr>
+              <a:xfrm>
+                <a:off x="2333018" y="2345871"/>
+                <a:ext cx="489686" cy="677108"/>
+              </a:xfrm>
+              <a:prstGeom prst="rect">
+                <a:avLst/>
+              </a:prstGeom>
+              <a:noFill/>
+            </p:spPr>
+            <p:txBody>
+              <a:bodyPr wrap="none" lIns="0" tIns="0" rIns="0" bIns="0" rtlCol="0">
+                <a:spAutoFit/>
+              </a:bodyPr>
+              <a:lstStyle/>
+              <a:p>
+                <a14:m>
+                  <m:oMathPara xmlns:m="http://schemas.openxmlformats.org/officeDocument/2006/math">
+                    <m:oMathParaPr>
+                      <m:jc m:val="centerGroup"/>
+                    </m:oMathParaPr>
+                    <m:oMath xmlns:m="http://schemas.openxmlformats.org/officeDocument/2006/math">
+                      <m:r>
+                        <a:rPr lang="en-US" sz="4400" b="0" i="1">
+                          <a:latin typeface="Cambria Math" panose="02040503050406030204" pitchFamily="18" charset="0"/>
+                        </a:rPr>
+                        <m:t>𝐶</m:t>
+                      </m:r>
+                    </m:oMath>
+                  </m:oMathPara>
+                </a14:m>
+                <a:endParaRPr lang="en-US" sz="4400"/>
+              </a:p>
+            </p:txBody>
+          </p:sp>
+        </mc:Choice>
+        <mc:Fallback>
+          <p:sp>
+            <p:nvSpPr>
+              <p:cNvPr id="15" name="TextBox 14">
+                <a:extLst>
+                  <a:ext uri="{FF2B5EF4-FFF2-40B4-BE49-F238E27FC236}">
+                    <a16:creationId xmlns:a16="http://schemas.microsoft.com/office/drawing/2014/main" id="{94926EAE-6F5A-8B4C-9F79-6612C7DDB779}"/>
+                  </a:ext>
+                </a:extLst>
+              </p:cNvPr>
+              <p:cNvSpPr txBox="1">
+                <a:spLocks noRot="1" noChangeAspect="1" noMove="1" noResize="1" noEditPoints="1" noAdjustHandles="1" noChangeArrowheads="1" noChangeShapeType="1" noTextEdit="1"/>
+              </p:cNvSpPr>
+              <p:nvPr/>
+            </p:nvSpPr>
+            <p:spPr>
+              <a:xfrm>
+                <a:off x="2333018" y="2345871"/>
+                <a:ext cx="489686" cy="677108"/>
+              </a:xfrm>
+              <a:prstGeom prst="rect">
+                <a:avLst/>
+              </a:prstGeom>
+              <a:blipFill>
+                <a:blip r:embed="rId5"/>
+                <a:stretch>
+                  <a:fillRect l="-25641" r="-20513" b="-3704"/>
+                </a:stretch>
+              </a:blipFill>
+            </p:spPr>
+            <p:txBody>
+              <a:bodyPr/>
+              <a:lstStyle/>
+              <a:p>
+                <a:r>
+                  <a:rPr lang="en-US">
+                    <a:noFill/>
+                  </a:rPr>
+                  <a:t> </a:t>
+                </a:r>
+              </a:p>
+            </p:txBody>
+          </p:sp>
+        </mc:Fallback>
+      </mc:AlternateContent>
+      <p:cxnSp>
+        <p:nvCxnSpPr>
+          <p:cNvPr id="17" name="Straight Connector 16">
+            <a:extLst>
+              <a:ext uri="{FF2B5EF4-FFF2-40B4-BE49-F238E27FC236}">
+                <a16:creationId xmlns:a16="http://schemas.microsoft.com/office/drawing/2014/main" id="{E0E62AD4-EA6E-2940-B2C0-452B1D160D32}"/>
+              </a:ext>
+            </a:extLst>
+          </p:cNvPr>
+          <p:cNvCxnSpPr>
+            <a:cxnSpLocks/>
+          </p:cNvCxnSpPr>
+          <p:nvPr/>
+        </p:nvCxnSpPr>
+        <p:spPr>
+          <a:xfrm flipV="1">
+            <a:off x="8744282" y="704850"/>
+            <a:ext cx="3060700" cy="1162050"/>
+          </a:xfrm>
+          <a:prstGeom prst="line">
+            <a:avLst/>
+          </a:prstGeom>
+          <a:ln w="38100">
+            <a:solidFill>
+              <a:schemeClr val="tx1"/>
+            </a:solidFill>
+          </a:ln>
+        </p:spPr>
+        <p:style>
+          <a:lnRef idx="1">
+            <a:schemeClr val="accent1"/>
+          </a:lnRef>
+          <a:fillRef idx="0">
+            <a:schemeClr val="accent1"/>
+          </a:fillRef>
+          <a:effectRef idx="0">
+            <a:schemeClr val="accent1"/>
+          </a:effectRef>
+          <a:fontRef idx="minor">
+            <a:schemeClr val="tx1"/>
+          </a:fontRef>
+        </p:style>
+      </p:cxnSp>
+      <p:cxnSp>
+        <p:nvCxnSpPr>
+          <p:cNvPr id="19" name="Straight Connector 18">
+            <a:extLst>
+              <a:ext uri="{FF2B5EF4-FFF2-40B4-BE49-F238E27FC236}">
+                <a16:creationId xmlns:a16="http://schemas.microsoft.com/office/drawing/2014/main" id="{AB88D476-C526-5649-9EB7-FEA6DB726EDD}"/>
+              </a:ext>
+            </a:extLst>
+          </p:cNvPr>
+          <p:cNvCxnSpPr>
+            <a:cxnSpLocks/>
+          </p:cNvCxnSpPr>
+          <p:nvPr/>
+        </p:nvCxnSpPr>
+        <p:spPr>
+          <a:xfrm flipH="1" flipV="1">
+            <a:off x="8744282" y="1866902"/>
+            <a:ext cx="609600" cy="3428998"/>
+          </a:xfrm>
+          <a:prstGeom prst="line">
+            <a:avLst/>
+          </a:prstGeom>
+          <a:ln w="38100">
+            <a:solidFill>
+              <a:schemeClr val="tx1"/>
+            </a:solidFill>
+          </a:ln>
+        </p:spPr>
+        <p:style>
+          <a:lnRef idx="1">
+            <a:schemeClr val="accent1"/>
+          </a:lnRef>
+          <a:fillRef idx="0">
+            <a:schemeClr val="accent1"/>
+          </a:fillRef>
+          <a:effectRef idx="0">
+            <a:schemeClr val="accent1"/>
+          </a:effectRef>
+          <a:fontRef idx="minor">
+            <a:schemeClr val="tx1"/>
+          </a:fontRef>
+        </p:style>
+      </p:cxnSp>
+      <p:cxnSp>
+        <p:nvCxnSpPr>
+          <p:cNvPr id="23" name="Straight Connector 22">
+            <a:extLst>
+              <a:ext uri="{FF2B5EF4-FFF2-40B4-BE49-F238E27FC236}">
+                <a16:creationId xmlns:a16="http://schemas.microsoft.com/office/drawing/2014/main" id="{FEFA5159-3C08-884A-9481-6192A24CAF62}"/>
+              </a:ext>
+            </a:extLst>
+          </p:cNvPr>
+          <p:cNvCxnSpPr>
+            <a:cxnSpLocks/>
+          </p:cNvCxnSpPr>
+          <p:nvPr/>
+        </p:nvCxnSpPr>
+        <p:spPr>
+          <a:xfrm flipV="1">
+            <a:off x="9353882" y="4699000"/>
+            <a:ext cx="3187700" cy="596900"/>
+          </a:xfrm>
+          <a:prstGeom prst="line">
+            <a:avLst/>
+          </a:prstGeom>
+          <a:ln w="38100">
+            <a:solidFill>
+              <a:schemeClr val="tx1"/>
+            </a:solidFill>
+          </a:ln>
+        </p:spPr>
+        <p:style>
+          <a:lnRef idx="1">
+            <a:schemeClr val="accent1"/>
+          </a:lnRef>
+          <a:fillRef idx="0">
+            <a:schemeClr val="accent1"/>
+          </a:fillRef>
+          <a:effectRef idx="0">
+            <a:schemeClr val="accent1"/>
+          </a:effectRef>
+          <a:fontRef idx="minor">
+            <a:schemeClr val="tx1"/>
+          </a:fontRef>
+        </p:style>
+      </p:cxnSp>
+      <p:cxnSp>
+        <p:nvCxnSpPr>
+          <p:cNvPr id="26" name="Straight Connector 25">
+            <a:extLst>
+              <a:ext uri="{FF2B5EF4-FFF2-40B4-BE49-F238E27FC236}">
+                <a16:creationId xmlns:a16="http://schemas.microsoft.com/office/drawing/2014/main" id="{C6540E14-75A6-9A4B-B48E-1ED6ADDA79DE}"/>
+              </a:ext>
+            </a:extLst>
+          </p:cNvPr>
+          <p:cNvCxnSpPr>
+            <a:cxnSpLocks/>
+          </p:cNvCxnSpPr>
+          <p:nvPr/>
+        </p:nvCxnSpPr>
+        <p:spPr>
+          <a:xfrm flipH="1" flipV="1">
+            <a:off x="11677982" y="2844800"/>
+            <a:ext cx="863600" cy="1854200"/>
+          </a:xfrm>
+          <a:prstGeom prst="line">
+            <a:avLst/>
+          </a:prstGeom>
+          <a:ln w="38100">
+            <a:solidFill>
+              <a:schemeClr val="tx1"/>
+            </a:solidFill>
+          </a:ln>
+        </p:spPr>
+        <p:style>
+          <a:lnRef idx="1">
+            <a:schemeClr val="accent1"/>
+          </a:lnRef>
+          <a:fillRef idx="0">
+            <a:schemeClr val="accent1"/>
+          </a:fillRef>
+          <a:effectRef idx="0">
+            <a:schemeClr val="accent1"/>
+          </a:effectRef>
+          <a:fontRef idx="minor">
+            <a:schemeClr val="tx1"/>
+          </a:fontRef>
+        </p:style>
+      </p:cxnSp>
+      <p:cxnSp>
+        <p:nvCxnSpPr>
+          <p:cNvPr id="29" name="Straight Connector 28">
+            <a:extLst>
+              <a:ext uri="{FF2B5EF4-FFF2-40B4-BE49-F238E27FC236}">
+                <a16:creationId xmlns:a16="http://schemas.microsoft.com/office/drawing/2014/main" id="{620C61E8-E108-5445-B2BB-A66453A40013}"/>
+              </a:ext>
+            </a:extLst>
+          </p:cNvPr>
+          <p:cNvCxnSpPr>
+            <a:cxnSpLocks/>
+          </p:cNvCxnSpPr>
+          <p:nvPr/>
+        </p:nvCxnSpPr>
+        <p:spPr>
+          <a:xfrm flipV="1">
+            <a:off x="11677982" y="1664800"/>
+            <a:ext cx="1841500" cy="1180000"/>
+          </a:xfrm>
+          <a:prstGeom prst="line">
+            <a:avLst/>
+          </a:prstGeom>
+          <a:ln w="38100">
+            <a:solidFill>
+              <a:schemeClr val="tx1"/>
+            </a:solidFill>
+          </a:ln>
+        </p:spPr>
+        <p:style>
+          <a:lnRef idx="1">
+            <a:schemeClr val="accent1"/>
+          </a:lnRef>
+          <a:fillRef idx="0">
+            <a:schemeClr val="accent1"/>
+          </a:fillRef>
+          <a:effectRef idx="0">
+            <a:schemeClr val="accent1"/>
+          </a:effectRef>
+          <a:fontRef idx="minor">
+            <a:schemeClr val="tx1"/>
+          </a:fontRef>
+        </p:style>
+      </p:cxnSp>
+      <p:cxnSp>
+        <p:nvCxnSpPr>
+          <p:cNvPr id="32" name="Straight Connector 31">
+            <a:extLst>
+              <a:ext uri="{FF2B5EF4-FFF2-40B4-BE49-F238E27FC236}">
+                <a16:creationId xmlns:a16="http://schemas.microsoft.com/office/drawing/2014/main" id="{558374F7-9AE5-174B-B280-85A5A0062217}"/>
+              </a:ext>
+            </a:extLst>
+          </p:cNvPr>
+          <p:cNvCxnSpPr>
+            <a:cxnSpLocks/>
+          </p:cNvCxnSpPr>
+          <p:nvPr/>
+        </p:nvCxnSpPr>
+        <p:spPr>
+          <a:xfrm flipH="1" flipV="1">
+            <a:off x="11804982" y="704849"/>
+            <a:ext cx="1714500" cy="959951"/>
+          </a:xfrm>
+          <a:prstGeom prst="line">
+            <a:avLst/>
+          </a:prstGeom>
+          <a:ln w="38100">
+            <a:solidFill>
+              <a:schemeClr val="tx1"/>
+            </a:solidFill>
+          </a:ln>
+        </p:spPr>
+        <p:style>
+          <a:lnRef idx="1">
+            <a:schemeClr val="accent1"/>
+          </a:lnRef>
+          <a:fillRef idx="0">
+            <a:schemeClr val="accent1"/>
+          </a:fillRef>
+          <a:effectRef idx="0">
+            <a:schemeClr val="accent1"/>
+          </a:effectRef>
+          <a:fontRef idx="minor">
+            <a:schemeClr val="tx1"/>
+          </a:fontRef>
+        </p:style>
+      </p:cxnSp>
+      <p:cxnSp>
+        <p:nvCxnSpPr>
+          <p:cNvPr id="36" name="Straight Connector 35">
+            <a:extLst>
+              <a:ext uri="{FF2B5EF4-FFF2-40B4-BE49-F238E27FC236}">
+                <a16:creationId xmlns:a16="http://schemas.microsoft.com/office/drawing/2014/main" id="{5939B787-BDE1-F247-96A2-2B870901BCBC}"/>
+              </a:ext>
+            </a:extLst>
+          </p:cNvPr>
+          <p:cNvCxnSpPr>
+            <a:cxnSpLocks/>
+          </p:cNvCxnSpPr>
+          <p:nvPr/>
+        </p:nvCxnSpPr>
+        <p:spPr>
+          <a:xfrm flipH="1">
+            <a:off x="12097754" y="1384300"/>
+            <a:ext cx="553640" cy="3314699"/>
+          </a:xfrm>
+          <a:prstGeom prst="line">
+            <a:avLst/>
+          </a:prstGeom>
+          <a:ln w="38100">
+            <a:solidFill>
+              <a:srgbClr val="FF0000"/>
+            </a:solidFill>
+            <a:prstDash val="sysDash"/>
+          </a:ln>
+        </p:spPr>
+        <p:style>
+          <a:lnRef idx="1">
+            <a:schemeClr val="accent1"/>
+          </a:lnRef>
+          <a:fillRef idx="0">
+            <a:schemeClr val="accent1"/>
+          </a:fillRef>
+          <a:effectRef idx="0">
+            <a:schemeClr val="accent1"/>
+          </a:effectRef>
+          <a:fontRef idx="minor">
+            <a:schemeClr val="tx1"/>
+          </a:fontRef>
+        </p:style>
+      </p:cxnSp>
+      <p:sp>
+        <p:nvSpPr>
+          <p:cNvPr id="38" name="Connector 37">
+            <a:extLst>
+              <a:ext uri="{FF2B5EF4-FFF2-40B4-BE49-F238E27FC236}">
+                <a16:creationId xmlns:a16="http://schemas.microsoft.com/office/drawing/2014/main" id="{E73E2960-E593-3248-82B0-8CF2AA711FA8}"/>
+              </a:ext>
+            </a:extLst>
+          </p:cNvPr>
+          <p:cNvSpPr/>
+          <p:nvPr/>
+        </p:nvSpPr>
+        <p:spPr>
+          <a:xfrm>
+            <a:off x="12406032" y="2222375"/>
+            <a:ext cx="180000" cy="180000"/>
+          </a:xfrm>
+          <a:prstGeom prst="flowChartConnector">
+            <a:avLst/>
+          </a:prstGeom>
+          <a:solidFill>
+            <a:schemeClr val="tx1"/>
+          </a:solidFill>
+        </p:spPr>
+        <p:style>
+          <a:lnRef idx="2">
+            <a:schemeClr val="accent1">
+              <a:shade val="50000"/>
+            </a:schemeClr>
+          </a:lnRef>
+          <a:fillRef idx="1">
+            <a:schemeClr val="accent1"/>
+          </a:fillRef>
+          <a:effectRef idx="0">
+            <a:schemeClr val="accent1"/>
+          </a:effectRef>
+          <a:fontRef idx="minor">
+            <a:schemeClr val="lt1"/>
+          </a:fontRef>
+        </p:style>
+        <p:txBody>
+          <a:bodyPr rtlCol="0" anchor="ctr"/>
+          <a:lstStyle/>
+          <a:p>
+            <a:pPr algn="ctr"/>
+            <a:endParaRPr lang="en-US"/>
+          </a:p>
+        </p:txBody>
+      </p:sp>
+      <mc:AlternateContent xmlns:mc="http://schemas.openxmlformats.org/markup-compatibility/2006">
+        <mc:Choice xmlns:a14="http://schemas.microsoft.com/office/drawing/2010/main" Requires="a14">
+          <p:sp>
+            <p:nvSpPr>
+              <p:cNvPr id="39" name="TextBox 38">
+                <a:extLst>
+                  <a:ext uri="{FF2B5EF4-FFF2-40B4-BE49-F238E27FC236}">
+                    <a16:creationId xmlns:a16="http://schemas.microsoft.com/office/drawing/2014/main" id="{0FCB2AD9-3F95-424D-85BC-83DA68B05E52}"/>
+                  </a:ext>
+                </a:extLst>
+              </p:cNvPr>
+              <p:cNvSpPr txBox="1"/>
+              <p:nvPr/>
+            </p:nvSpPr>
+            <p:spPr>
+              <a:xfrm>
+                <a:off x="12108010" y="1922632"/>
+                <a:ext cx="323422" cy="492443"/>
+              </a:xfrm>
+              <a:prstGeom prst="rect">
+                <a:avLst/>
+              </a:prstGeom>
+              <a:noFill/>
+            </p:spPr>
+            <p:txBody>
+              <a:bodyPr wrap="none" lIns="0" tIns="0" rIns="0" bIns="0" rtlCol="0">
+                <a:spAutoFit/>
+              </a:bodyPr>
+              <a:lstStyle/>
+              <a:p>
+                <a14:m>
+                  <m:oMathPara xmlns:m="http://schemas.openxmlformats.org/officeDocument/2006/math">
+                    <m:oMathParaPr>
+                      <m:jc m:val="centerGroup"/>
+                    </m:oMathParaPr>
+                    <m:oMath xmlns:m="http://schemas.openxmlformats.org/officeDocument/2006/math">
+                      <m:r>
+                        <a:rPr lang="en-US" sz="3200" b="0" i="1">
+                          <a:latin typeface="Cambria Math" panose="02040503050406030204" pitchFamily="18" charset="0"/>
+                        </a:rPr>
+                        <m:t>𝑥</m:t>
+                      </m:r>
+                    </m:oMath>
+                  </m:oMathPara>
+                </a14:m>
+                <a:endParaRPr lang="en-US" sz="3200"/>
+              </a:p>
+            </p:txBody>
+          </p:sp>
+        </mc:Choice>
+        <mc:Fallback>
+          <p:sp>
+            <p:nvSpPr>
+              <p:cNvPr id="39" name="TextBox 38">
+                <a:extLst>
+                  <a:ext uri="{FF2B5EF4-FFF2-40B4-BE49-F238E27FC236}">
+                    <a16:creationId xmlns:a16="http://schemas.microsoft.com/office/drawing/2014/main" id="{0FCB2AD9-3F95-424D-85BC-83DA68B05E52}"/>
+                  </a:ext>
+                </a:extLst>
+              </p:cNvPr>
+              <p:cNvSpPr txBox="1">
+                <a:spLocks noRot="1" noChangeAspect="1" noMove="1" noResize="1" noEditPoints="1" noAdjustHandles="1" noChangeArrowheads="1" noChangeShapeType="1" noTextEdit="1"/>
+              </p:cNvSpPr>
+              <p:nvPr/>
+            </p:nvSpPr>
+            <p:spPr>
+              <a:xfrm>
+                <a:off x="12108010" y="1922632"/>
+                <a:ext cx="323422" cy="492443"/>
+              </a:xfrm>
+              <a:prstGeom prst="rect">
+                <a:avLst/>
+              </a:prstGeom>
+              <a:blipFill>
+                <a:blip r:embed="rId2"/>
+                <a:stretch>
+                  <a:fillRect l="-11111" r="-7407"/>
+                </a:stretch>
+              </a:blipFill>
+            </p:spPr>
+            <p:txBody>
+              <a:bodyPr/>
+              <a:lstStyle/>
+              <a:p>
+                <a:r>
+                  <a:rPr lang="en-US">
+                    <a:noFill/>
+                  </a:rPr>
+                  <a:t> </a:t>
+                </a:r>
+              </a:p>
+            </p:txBody>
+          </p:sp>
+        </mc:Fallback>
+      </mc:AlternateContent>
+      <p:sp>
+        <p:nvSpPr>
+          <p:cNvPr id="42" name="Connector 41">
+            <a:extLst>
+              <a:ext uri="{FF2B5EF4-FFF2-40B4-BE49-F238E27FC236}">
+                <a16:creationId xmlns:a16="http://schemas.microsoft.com/office/drawing/2014/main" id="{BAACD421-DC4D-FD49-A29F-456D263E3F32}"/>
+              </a:ext>
+            </a:extLst>
+          </p:cNvPr>
+          <p:cNvSpPr/>
+          <p:nvPr/>
+        </p:nvSpPr>
+        <p:spPr>
+          <a:xfrm>
+            <a:off x="12117870" y="3926364"/>
+            <a:ext cx="180000" cy="180000"/>
+          </a:xfrm>
+          <a:prstGeom prst="flowChartConnector">
+            <a:avLst/>
+          </a:prstGeom>
+          <a:solidFill>
+            <a:schemeClr val="tx1"/>
+          </a:solidFill>
+        </p:spPr>
+        <p:style>
+          <a:lnRef idx="2">
+            <a:schemeClr val="accent1">
+              <a:shade val="50000"/>
+            </a:schemeClr>
+          </a:lnRef>
+          <a:fillRef idx="1">
+            <a:schemeClr val="accent1"/>
+          </a:fillRef>
+          <a:effectRef idx="0">
+            <a:schemeClr val="accent1"/>
+          </a:effectRef>
+          <a:fontRef idx="minor">
+            <a:schemeClr val="lt1"/>
+          </a:fontRef>
+        </p:style>
+        <p:txBody>
+          <a:bodyPr rtlCol="0" anchor="ctr"/>
+          <a:lstStyle/>
+          <a:p>
+            <a:pPr algn="ctr"/>
+            <a:endParaRPr lang="en-US"/>
+          </a:p>
+        </p:txBody>
+      </p:sp>
+      <mc:AlternateContent xmlns:mc="http://schemas.openxmlformats.org/markup-compatibility/2006">
+        <mc:Choice xmlns:a14="http://schemas.microsoft.com/office/drawing/2010/main" Requires="a14">
+          <p:sp>
+            <p:nvSpPr>
+              <p:cNvPr id="43" name="TextBox 42">
+                <a:extLst>
+                  <a:ext uri="{FF2B5EF4-FFF2-40B4-BE49-F238E27FC236}">
+                    <a16:creationId xmlns:a16="http://schemas.microsoft.com/office/drawing/2014/main" id="{470255DE-0CF3-7245-A709-B30023306D23}"/>
+                  </a:ext>
+                </a:extLst>
+              </p:cNvPr>
+              <p:cNvSpPr txBox="1"/>
+              <p:nvPr/>
+            </p:nvSpPr>
+            <p:spPr>
+              <a:xfrm>
+                <a:off x="11753845" y="3913664"/>
+                <a:ext cx="329193" cy="492443"/>
+              </a:xfrm>
+              <a:prstGeom prst="rect">
+                <a:avLst/>
+              </a:prstGeom>
+              <a:noFill/>
+            </p:spPr>
+            <p:txBody>
+              <a:bodyPr wrap="none" lIns="0" tIns="0" rIns="0" bIns="0" rtlCol="0">
+                <a:spAutoFit/>
+              </a:bodyPr>
+              <a:lstStyle/>
+              <a:p>
+                <a14:m>
+                  <m:oMathPara xmlns:m="http://schemas.openxmlformats.org/officeDocument/2006/math">
+                    <m:oMathParaPr>
+                      <m:jc m:val="centerGroup"/>
+                    </m:oMathParaPr>
+                    <m:oMath xmlns:m="http://schemas.openxmlformats.org/officeDocument/2006/math">
+                      <m:r>
+                        <a:rPr lang="en-US" sz="3200" b="0" i="1">
+                          <a:latin typeface="Cambria Math" panose="02040503050406030204" pitchFamily="18" charset="0"/>
+                        </a:rPr>
+                        <m:t>𝑦</m:t>
+                      </m:r>
+                    </m:oMath>
+                  </m:oMathPara>
+                </a14:m>
+                <a:endParaRPr lang="en-US" sz="3200"/>
+              </a:p>
+            </p:txBody>
+          </p:sp>
+        </mc:Choice>
+        <mc:Fallback>
+          <p:sp>
+            <p:nvSpPr>
+              <p:cNvPr id="43" name="TextBox 42">
+                <a:extLst>
+                  <a:ext uri="{FF2B5EF4-FFF2-40B4-BE49-F238E27FC236}">
+                    <a16:creationId xmlns:a16="http://schemas.microsoft.com/office/drawing/2014/main" id="{470255DE-0CF3-7245-A709-B30023306D23}"/>
+                  </a:ext>
+                </a:extLst>
+              </p:cNvPr>
+              <p:cNvSpPr txBox="1">
+                <a:spLocks noRot="1" noChangeAspect="1" noMove="1" noResize="1" noEditPoints="1" noAdjustHandles="1" noChangeArrowheads="1" noChangeShapeType="1" noTextEdit="1"/>
+              </p:cNvSpPr>
+              <p:nvPr/>
+            </p:nvSpPr>
+            <p:spPr>
+              <a:xfrm>
+                <a:off x="11753845" y="3913664"/>
+                <a:ext cx="329193" cy="492443"/>
+              </a:xfrm>
+              <a:prstGeom prst="rect">
+                <a:avLst/>
+              </a:prstGeom>
+              <a:blipFill>
+                <a:blip r:embed="rId6"/>
+                <a:stretch>
+                  <a:fillRect l="-25926" r="-25926" b="-22500"/>
+                </a:stretch>
+              </a:blipFill>
+            </p:spPr>
+            <p:txBody>
+              <a:bodyPr/>
+              <a:lstStyle/>
+              <a:p>
+                <a:r>
+                  <a:rPr lang="en-US">
+                    <a:noFill/>
+                  </a:rPr>
+                  <a:t> </a:t>
+                </a:r>
+              </a:p>
+            </p:txBody>
+          </p:sp>
+        </mc:Fallback>
+      </mc:AlternateContent>
+      <p:sp>
+        <p:nvSpPr>
+          <p:cNvPr id="46" name="Connector 45">
+            <a:extLst>
+              <a:ext uri="{FF2B5EF4-FFF2-40B4-BE49-F238E27FC236}">
+                <a16:creationId xmlns:a16="http://schemas.microsoft.com/office/drawing/2014/main" id="{0078E23C-C891-D642-B475-2B527D02D3BE}"/>
+              </a:ext>
+            </a:extLst>
+          </p:cNvPr>
+          <p:cNvSpPr/>
+          <p:nvPr/>
+        </p:nvSpPr>
+        <p:spPr>
+          <a:xfrm>
+            <a:off x="12272306" y="3068342"/>
+            <a:ext cx="180000" cy="180000"/>
+          </a:xfrm>
+          <a:prstGeom prst="flowChartConnector">
+            <a:avLst/>
+          </a:prstGeom>
+          <a:solidFill>
+            <a:srgbClr val="FF0000"/>
+          </a:solidFill>
+          <a:ln>
+            <a:noFill/>
+          </a:ln>
+        </p:spPr>
+        <p:style>
+          <a:lnRef idx="2">
+            <a:schemeClr val="accent1">
+              <a:shade val="50000"/>
+            </a:schemeClr>
+          </a:lnRef>
+          <a:fillRef idx="1">
+            <a:schemeClr val="accent1"/>
+          </a:fillRef>
+          <a:effectRef idx="0">
+            <a:schemeClr val="accent1"/>
+          </a:effectRef>
+          <a:fontRef idx="minor">
+            <a:schemeClr val="lt1"/>
+          </a:fontRef>
+        </p:style>
+        <p:txBody>
+          <a:bodyPr rtlCol="0" anchor="ctr"/>
+          <a:lstStyle/>
+          <a:p>
+            <a:pPr algn="ctr"/>
+            <a:endParaRPr lang="en-US"/>
+          </a:p>
+        </p:txBody>
+      </p:sp>
+      <mc:AlternateContent xmlns:mc="http://schemas.openxmlformats.org/markup-compatibility/2006">
+        <mc:Choice xmlns:a14="http://schemas.microsoft.com/office/drawing/2010/main" Requires="a14">
+          <p:sp>
+            <p:nvSpPr>
+              <p:cNvPr id="47" name="TextBox 46">
+                <a:extLst>
+                  <a:ext uri="{FF2B5EF4-FFF2-40B4-BE49-F238E27FC236}">
+                    <a16:creationId xmlns:a16="http://schemas.microsoft.com/office/drawing/2014/main" id="{611C6174-F4D8-684F-AA09-01CCEA557BF5}"/>
+                  </a:ext>
+                </a:extLst>
+              </p:cNvPr>
+              <p:cNvSpPr txBox="1"/>
+              <p:nvPr/>
+            </p:nvSpPr>
+            <p:spPr>
+              <a:xfrm>
+                <a:off x="12399793" y="3198324"/>
+                <a:ext cx="2578655" cy="492443"/>
+              </a:xfrm>
+              <a:prstGeom prst="rect">
+                <a:avLst/>
+              </a:prstGeom>
+              <a:noFill/>
+            </p:spPr>
+            <p:txBody>
+              <a:bodyPr wrap="none" lIns="0" tIns="0" rIns="0" bIns="0" rtlCol="0">
+                <a:spAutoFit/>
+              </a:bodyPr>
+              <a:lstStyle/>
+              <a:p>
+                <a14:m>
+                  <m:oMathPara xmlns:m="http://schemas.openxmlformats.org/officeDocument/2006/math">
+                    <m:oMathParaPr>
+                      <m:jc m:val="centerGroup"/>
+                    </m:oMathParaPr>
+                    <m:oMath xmlns:m="http://schemas.openxmlformats.org/officeDocument/2006/math">
+                      <m:r>
+                        <a:rPr lang="en-US" sz="3200" b="0" i="1">
+                          <a:ln>
+                            <a:noFill/>
+                          </a:ln>
+                          <a:solidFill>
+                            <a:srgbClr val="FF0000"/>
+                          </a:solidFill>
+                          <a:latin typeface="Cambria Math" panose="02040503050406030204" pitchFamily="18" charset="0"/>
+                        </a:rPr>
+                        <m:t>𝜃</m:t>
+                      </m:r>
+                      <m:r>
+                        <a:rPr lang="en-US" sz="3200" b="0" i="1">
+                          <a:ln>
+                            <a:noFill/>
+                          </a:ln>
+                          <a:solidFill>
+                            <a:srgbClr val="FF0000"/>
+                          </a:solidFill>
+                          <a:latin typeface="Cambria Math" panose="02040503050406030204" pitchFamily="18" charset="0"/>
+                        </a:rPr>
+                        <m:t>𝑥</m:t>
+                      </m:r>
+                      <m:r>
+                        <a:rPr lang="en-US" sz="3200" b="0" i="1">
+                          <a:ln>
+                            <a:noFill/>
+                          </a:ln>
+                          <a:solidFill>
+                            <a:srgbClr val="FF0000"/>
+                          </a:solidFill>
+                          <a:latin typeface="Cambria Math" panose="02040503050406030204" pitchFamily="18" charset="0"/>
+                        </a:rPr>
+                        <m:t>+</m:t>
+                      </m:r>
+                      <m:d>
+                        <m:dPr>
+                          <m:ctrlPr>
+                            <a:rPr lang="en-US" sz="3200" b="0" i="1">
+                              <a:ln>
+                                <a:noFill/>
+                              </a:ln>
+                              <a:solidFill>
+                                <a:srgbClr val="FF0000"/>
+                              </a:solidFill>
+                              <a:latin typeface="Cambria Math" panose="02040503050406030204" pitchFamily="18" charset="0"/>
+                            </a:rPr>
+                          </m:ctrlPr>
+                        </m:dPr>
+                        <m:e>
+                          <m:r>
+                            <a:rPr lang="en-US" sz="3200" b="0" i="1">
+                              <a:ln>
+                                <a:noFill/>
+                              </a:ln>
+                              <a:solidFill>
+                                <a:srgbClr val="FF0000"/>
+                              </a:solidFill>
+                              <a:latin typeface="Cambria Math" panose="02040503050406030204" pitchFamily="18" charset="0"/>
+                            </a:rPr>
+                            <m:t>1−</m:t>
+                          </m:r>
+                          <m:r>
+                            <a:rPr lang="en-US" sz="3200" b="0" i="1">
+                              <a:ln>
+                                <a:noFill/>
+                              </a:ln>
+                              <a:solidFill>
+                                <a:srgbClr val="FF0000"/>
+                              </a:solidFill>
+                              <a:latin typeface="Cambria Math" panose="02040503050406030204" pitchFamily="18" charset="0"/>
+                            </a:rPr>
+                            <m:t>𝜃</m:t>
+                          </m:r>
+                        </m:e>
+                      </m:d>
+                      <m:r>
+                        <a:rPr lang="en-US" sz="3200" b="0" i="1">
+                          <a:ln>
+                            <a:noFill/>
+                          </a:ln>
+                          <a:solidFill>
+                            <a:srgbClr val="FF0000"/>
+                          </a:solidFill>
+                          <a:latin typeface="Cambria Math" panose="02040503050406030204" pitchFamily="18" charset="0"/>
+                        </a:rPr>
+                        <m:t>𝑦</m:t>
+                      </m:r>
+                    </m:oMath>
+                  </m:oMathPara>
+                </a14:m>
+                <a:endParaRPr lang="en-US" sz="3200">
+                  <a:ln>
+                    <a:noFill/>
+                  </a:ln>
+                  <a:solidFill>
+                    <a:srgbClr val="FF0000"/>
+                  </a:solidFill>
+                </a:endParaRPr>
+              </a:p>
+            </p:txBody>
+          </p:sp>
+        </mc:Choice>
+        <mc:Fallback>
+          <p:sp>
+            <p:nvSpPr>
+              <p:cNvPr id="47" name="TextBox 46">
+                <a:extLst>
+                  <a:ext uri="{FF2B5EF4-FFF2-40B4-BE49-F238E27FC236}">
+                    <a16:creationId xmlns:a16="http://schemas.microsoft.com/office/drawing/2014/main" id="{611C6174-F4D8-684F-AA09-01CCEA557BF5}"/>
+                  </a:ext>
+                </a:extLst>
+              </p:cNvPr>
+              <p:cNvSpPr txBox="1">
+                <a:spLocks noRot="1" noChangeAspect="1" noMove="1" noResize="1" noEditPoints="1" noAdjustHandles="1" noChangeArrowheads="1" noChangeShapeType="1" noTextEdit="1"/>
+              </p:cNvSpPr>
+              <p:nvPr/>
+            </p:nvSpPr>
+            <p:spPr>
+              <a:xfrm>
+                <a:off x="12399793" y="3198324"/>
+                <a:ext cx="2578655" cy="492443"/>
+              </a:xfrm>
+              <a:prstGeom prst="rect">
+                <a:avLst/>
+              </a:prstGeom>
+              <a:blipFill>
+                <a:blip r:embed="rId7"/>
+                <a:stretch>
+                  <a:fillRect l="-2941" r="-2941" b="-23077"/>
+                </a:stretch>
+              </a:blipFill>
+            </p:spPr>
+            <p:txBody>
+              <a:bodyPr/>
+              <a:lstStyle/>
+              <a:p>
+                <a:r>
+                  <a:rPr lang="en-US">
+                    <a:noFill/>
+                  </a:rPr>
+                  <a:t> </a:t>
+                </a:r>
+              </a:p>
+            </p:txBody>
+          </p:sp>
+        </mc:Fallback>
+      </mc:AlternateContent>
+      <mc:AlternateContent xmlns:mc="http://schemas.openxmlformats.org/markup-compatibility/2006">
+        <mc:Choice xmlns:a14="http://schemas.microsoft.com/office/drawing/2010/main" Requires="a14">
+          <p:sp>
+            <p:nvSpPr>
+              <p:cNvPr id="48" name="TextBox 47">
+                <a:extLst>
+                  <a:ext uri="{FF2B5EF4-FFF2-40B4-BE49-F238E27FC236}">
+                    <a16:creationId xmlns:a16="http://schemas.microsoft.com/office/drawing/2014/main" id="{7F670FCF-0E3F-A142-97B0-E93CA0589551}"/>
+                  </a:ext>
+                </a:extLst>
+              </p:cNvPr>
+              <p:cNvSpPr txBox="1"/>
+              <p:nvPr/>
+            </p:nvSpPr>
+            <p:spPr>
+              <a:xfrm>
+                <a:off x="8941496" y="1820446"/>
+                <a:ext cx="489686" cy="677108"/>
+              </a:xfrm>
+              <a:prstGeom prst="rect">
+                <a:avLst/>
+              </a:prstGeom>
+              <a:noFill/>
+            </p:spPr>
+            <p:txBody>
+              <a:bodyPr wrap="none" lIns="0" tIns="0" rIns="0" bIns="0" rtlCol="0">
+                <a:spAutoFit/>
+              </a:bodyPr>
+              <a:lstStyle/>
+              <a:p>
+                <a14:m>
+                  <m:oMathPara xmlns:m="http://schemas.openxmlformats.org/officeDocument/2006/math">
+                    <m:oMathParaPr>
+                      <m:jc m:val="centerGroup"/>
+                    </m:oMathParaPr>
+                    <m:oMath xmlns:m="http://schemas.openxmlformats.org/officeDocument/2006/math">
+                      <m:r>
+                        <a:rPr lang="en-US" sz="4400" b="0" i="1">
+                          <a:latin typeface="Cambria Math" panose="02040503050406030204" pitchFamily="18" charset="0"/>
+                        </a:rPr>
+                        <m:t>𝐶</m:t>
+                      </m:r>
+                    </m:oMath>
+                  </m:oMathPara>
+                </a14:m>
+                <a:endParaRPr lang="en-US" sz="4400"/>
+              </a:p>
+            </p:txBody>
+          </p:sp>
+        </mc:Choice>
+        <mc:Fallback>
+          <p:sp>
+            <p:nvSpPr>
+              <p:cNvPr id="48" name="TextBox 47">
+                <a:extLst>
+                  <a:ext uri="{FF2B5EF4-FFF2-40B4-BE49-F238E27FC236}">
+                    <a16:creationId xmlns:a16="http://schemas.microsoft.com/office/drawing/2014/main" id="{7F670FCF-0E3F-A142-97B0-E93CA0589551}"/>
+                  </a:ext>
+                </a:extLst>
+              </p:cNvPr>
+              <p:cNvSpPr txBox="1">
+                <a:spLocks noRot="1" noChangeAspect="1" noMove="1" noResize="1" noEditPoints="1" noAdjustHandles="1" noChangeArrowheads="1" noChangeShapeType="1" noTextEdit="1"/>
+              </p:cNvSpPr>
+              <p:nvPr/>
+            </p:nvSpPr>
+            <p:spPr>
+              <a:xfrm>
+                <a:off x="8941496" y="1820446"/>
+                <a:ext cx="489686" cy="677108"/>
+              </a:xfrm>
+              <a:prstGeom prst="rect">
+                <a:avLst/>
+              </a:prstGeom>
+              <a:blipFill>
+                <a:blip r:embed="rId8"/>
+                <a:stretch>
+                  <a:fillRect l="-22500" r="-17500" b="-3636"/>
+                </a:stretch>
+              </a:blipFill>
+            </p:spPr>
+            <p:txBody>
+              <a:bodyPr/>
+              <a:lstStyle/>
+              <a:p>
+                <a:r>
+                  <a:rPr lang="en-US">
+                    <a:noFill/>
+                  </a:rPr>
+                  <a:t> </a:t>
+                </a:r>
+              </a:p>
+            </p:txBody>
+          </p:sp>
+        </mc:Fallback>
+      </mc:AlternateContent>
+      <mc:AlternateContent xmlns:mc="http://schemas.openxmlformats.org/markup-compatibility/2006">
+        <mc:Choice xmlns:a14="http://schemas.microsoft.com/office/drawing/2010/main" Requires="a14">
+          <p:sp>
+            <p:nvSpPr>
+              <p:cNvPr id="50" name="TextBox 49">
+                <a:extLst>
+                  <a:ext uri="{FF2B5EF4-FFF2-40B4-BE49-F238E27FC236}">
+                    <a16:creationId xmlns:a16="http://schemas.microsoft.com/office/drawing/2014/main" id="{2CA2CD30-41DA-C84A-B1BD-DA1EA0EAC114}"/>
+                  </a:ext>
+                </a:extLst>
+              </p:cNvPr>
+              <p:cNvSpPr txBox="1"/>
+              <p:nvPr/>
+            </p:nvSpPr>
+            <p:spPr>
+              <a:xfrm>
+                <a:off x="2333018" y="5529590"/>
+                <a:ext cx="4719431" cy="523220"/>
+              </a:xfrm>
+              <a:prstGeom prst="rect">
+                <a:avLst/>
+              </a:prstGeom>
+              <a:noFill/>
+            </p:spPr>
+            <p:txBody>
+              <a:bodyPr wrap="square" rtlCol="0">
+                <a:spAutoFit/>
+              </a:bodyPr>
+              <a:lstStyle/>
+              <a:p>
+                <a:pPr algn="ctr"/>
+                <a:r>
+                  <a:rPr lang="en-US" sz="2800">
+                    <a:latin typeface="Times New Roman" panose="02020603050405020304" pitchFamily="18" charset="0"/>
+                    <a:cs typeface="Times New Roman" panose="02020603050405020304" pitchFamily="18" charset="0"/>
+                  </a:rPr>
+                  <a:t>(a) </a:t>
+                </a:r>
+                <a14:m>
+                  <m:oMath xmlns:m="http://schemas.openxmlformats.org/officeDocument/2006/math">
+                    <m:r>
+                      <a:rPr lang="en-US" sz="2800" i="1">
+                        <a:latin typeface="Cambria Math" panose="02040503050406030204" pitchFamily="18" charset="0"/>
+                        <a:cs typeface="Times New Roman" panose="02020603050405020304" pitchFamily="18" charset="0"/>
+                      </a:rPr>
+                      <m:t>𝐶</m:t>
+                    </m:r>
+                  </m:oMath>
+                </a14:m>
+                <a:r>
+                  <a:rPr lang="en-US" sz="2800">
+                    <a:latin typeface="Times New Roman" panose="02020603050405020304" pitchFamily="18" charset="0"/>
+                    <a:cs typeface="Times New Roman" panose="02020603050405020304" pitchFamily="18" charset="0"/>
+                  </a:rPr>
+                  <a:t> is a convex set/domain</a:t>
+                </a:r>
+              </a:p>
+            </p:txBody>
+          </p:sp>
+        </mc:Choice>
+        <mc:Fallback>
+          <p:sp>
+            <p:nvSpPr>
+              <p:cNvPr id="50" name="TextBox 49">
+                <a:extLst>
+                  <a:ext uri="{FF2B5EF4-FFF2-40B4-BE49-F238E27FC236}">
+                    <a16:creationId xmlns:a16="http://schemas.microsoft.com/office/drawing/2014/main" id="{2CA2CD30-41DA-C84A-B1BD-DA1EA0EAC114}"/>
+                  </a:ext>
+                </a:extLst>
+              </p:cNvPr>
+              <p:cNvSpPr txBox="1">
+                <a:spLocks noRot="1" noChangeAspect="1" noMove="1" noResize="1" noEditPoints="1" noAdjustHandles="1" noChangeArrowheads="1" noChangeShapeType="1" noTextEdit="1"/>
+              </p:cNvSpPr>
+              <p:nvPr/>
+            </p:nvSpPr>
+            <p:spPr>
+              <a:xfrm>
+                <a:off x="2333018" y="5529590"/>
+                <a:ext cx="4719431" cy="523220"/>
+              </a:xfrm>
+              <a:prstGeom prst="rect">
+                <a:avLst/>
+              </a:prstGeom>
+              <a:blipFill>
+                <a:blip r:embed="rId9"/>
+                <a:stretch>
+                  <a:fillRect t="-9302" b="-30233"/>
+                </a:stretch>
+              </a:blipFill>
+            </p:spPr>
+            <p:txBody>
+              <a:bodyPr/>
+              <a:lstStyle/>
+              <a:p>
+                <a:r>
+                  <a:rPr lang="en-US">
+                    <a:noFill/>
+                  </a:rPr>
+                  <a:t> </a:t>
+                </a:r>
+              </a:p>
+            </p:txBody>
+          </p:sp>
+        </mc:Fallback>
+      </mc:AlternateContent>
+      <mc:AlternateContent xmlns:mc="http://schemas.openxmlformats.org/markup-compatibility/2006">
+        <mc:Choice xmlns:a14="http://schemas.microsoft.com/office/drawing/2010/main" Requires="a14">
+          <p:sp>
+            <p:nvSpPr>
+              <p:cNvPr id="51" name="TextBox 50">
+                <a:extLst>
+                  <a:ext uri="{FF2B5EF4-FFF2-40B4-BE49-F238E27FC236}">
+                    <a16:creationId xmlns:a16="http://schemas.microsoft.com/office/drawing/2014/main" id="{8725E62A-6924-6345-BB0F-E398F3DBAF48}"/>
+                  </a:ext>
+                </a:extLst>
+              </p:cNvPr>
+              <p:cNvSpPr txBox="1"/>
+              <p:nvPr/>
+            </p:nvSpPr>
+            <p:spPr>
+              <a:xfrm>
+                <a:off x="8955045" y="5532986"/>
+                <a:ext cx="5075587" cy="523220"/>
+              </a:xfrm>
+              <a:prstGeom prst="rect">
+                <a:avLst/>
+              </a:prstGeom>
+              <a:noFill/>
+            </p:spPr>
+            <p:txBody>
+              <a:bodyPr wrap="square" rtlCol="0">
+                <a:spAutoFit/>
+              </a:bodyPr>
+              <a:lstStyle/>
+              <a:p>
+                <a:pPr algn="ctr"/>
+                <a:r>
+                  <a:rPr lang="en-US" sz="2800">
+                    <a:latin typeface="Times New Roman" panose="02020603050405020304" pitchFamily="18" charset="0"/>
+                    <a:cs typeface="Times New Roman" panose="02020603050405020304" pitchFamily="18" charset="0"/>
+                  </a:rPr>
+                  <a:t>(b) </a:t>
+                </a:r>
+                <a14:m>
+                  <m:oMath xmlns:m="http://schemas.openxmlformats.org/officeDocument/2006/math">
+                    <m:r>
+                      <a:rPr lang="en-US" sz="2800" i="1">
+                        <a:latin typeface="Cambria Math" panose="02040503050406030204" pitchFamily="18" charset="0"/>
+                        <a:cs typeface="Times New Roman" panose="02020603050405020304" pitchFamily="18" charset="0"/>
+                      </a:rPr>
+                      <m:t>𝐶</m:t>
+                    </m:r>
+                  </m:oMath>
+                </a14:m>
+                <a:r>
+                  <a:rPr lang="en-US" sz="2800">
+                    <a:latin typeface="Times New Roman" panose="02020603050405020304" pitchFamily="18" charset="0"/>
+                    <a:cs typeface="Times New Roman" panose="02020603050405020304" pitchFamily="18" charset="0"/>
+                  </a:rPr>
+                  <a:t> is not a convex set/domain</a:t>
+                </a:r>
+              </a:p>
+            </p:txBody>
+          </p:sp>
+        </mc:Choice>
+        <mc:Fallback>
+          <p:sp>
+            <p:nvSpPr>
+              <p:cNvPr id="51" name="TextBox 50">
+                <a:extLst>
+                  <a:ext uri="{FF2B5EF4-FFF2-40B4-BE49-F238E27FC236}">
+                    <a16:creationId xmlns:a16="http://schemas.microsoft.com/office/drawing/2014/main" id="{8725E62A-6924-6345-BB0F-E398F3DBAF48}"/>
+                  </a:ext>
+                </a:extLst>
+              </p:cNvPr>
+              <p:cNvSpPr txBox="1">
+                <a:spLocks noRot="1" noChangeAspect="1" noMove="1" noResize="1" noEditPoints="1" noAdjustHandles="1" noChangeArrowheads="1" noChangeShapeType="1" noTextEdit="1"/>
+              </p:cNvSpPr>
+              <p:nvPr/>
+            </p:nvSpPr>
+            <p:spPr>
+              <a:xfrm>
+                <a:off x="8955045" y="5532986"/>
+                <a:ext cx="5075587" cy="523220"/>
+              </a:xfrm>
+              <a:prstGeom prst="rect">
+                <a:avLst/>
+              </a:prstGeom>
+              <a:blipFill>
+                <a:blip r:embed="rId10"/>
+                <a:stretch>
+                  <a:fillRect t="-11905" b="-30952"/>
+                </a:stretch>
+              </a:blipFill>
+            </p:spPr>
+            <p:txBody>
+              <a:bodyPr/>
+              <a:lstStyle/>
+              <a:p>
+                <a:r>
+                  <a:rPr lang="en-US">
+                    <a:noFill/>
+                  </a:rPr>
+                  <a:t> </a:t>
+                </a:r>
+              </a:p>
+            </p:txBody>
+          </p:sp>
+        </mc:Fallback>
+      </mc:AlternateContent>
+    </p:spTree>
+    <p:extLst>
+      <p:ext uri="{BB962C8B-B14F-4D97-AF65-F5344CB8AC3E}">
+        <p14:creationId xmlns:p14="http://schemas.microsoft.com/office/powerpoint/2010/main" val="292817485"/>
+      </p:ext>
+    </p:extLst>
+  </p:cSld>
+  <p:clrMapOvr>
+    <a:masterClrMapping/>
+  </p:clrMapOvr>
+</p:sld>
+</file>
+
+<file path=ppt/slides/slide14.xml><?xml version="1.0" encoding="utf-8"?>
+<p:sld xmlns:a="http://schemas.openxmlformats.org/drawingml/2006/main" xmlns:r="http://schemas.openxmlformats.org/officeDocument/2006/relationships" xmlns:p="http://schemas.openxmlformats.org/presentationml/2006/main">
+  <p:cSld>
+    <p:spTree>
+      <p:nvGrpSpPr>
+        <p:cNvPr id="1" name=""/>
+        <p:cNvGrpSpPr/>
+        <p:nvPr/>
+      </p:nvGrpSpPr>
+      <p:grpSpPr>
+        <a:xfrm>
+          <a:off x="0" y="0"/>
+          <a:ext cx="0" cy="0"/>
+          <a:chOff x="0" y="0"/>
+          <a:chExt cx="0" cy="0"/>
+        </a:xfrm>
+      </p:grpSpPr>
+      <p:cxnSp>
+        <p:nvCxnSpPr>
+          <p:cNvPr id="29" name="Straight Connector 28">
+            <a:extLst>
+              <a:ext uri="{FF2B5EF4-FFF2-40B4-BE49-F238E27FC236}">
+                <a16:creationId xmlns:a16="http://schemas.microsoft.com/office/drawing/2014/main" id="{A03ED574-432C-EF45-AC89-C844855889EA}"/>
+              </a:ext>
+            </a:extLst>
+          </p:cNvPr>
+          <p:cNvCxnSpPr>
+            <a:cxnSpLocks/>
+          </p:cNvCxnSpPr>
+          <p:nvPr/>
+        </p:nvCxnSpPr>
+        <p:spPr>
+          <a:xfrm>
+            <a:off x="8888731" y="2542984"/>
+            <a:ext cx="0" cy="3034856"/>
+          </a:xfrm>
+          <a:prstGeom prst="line">
+            <a:avLst/>
+          </a:prstGeom>
+          <a:ln w="38100">
+            <a:solidFill>
+              <a:schemeClr val="tx1"/>
+            </a:solidFill>
+            <a:prstDash val="sysDash"/>
+          </a:ln>
+        </p:spPr>
+        <p:style>
+          <a:lnRef idx="1">
+            <a:schemeClr val="accent1"/>
+          </a:lnRef>
+          <a:fillRef idx="0">
+            <a:schemeClr val="accent1"/>
+          </a:fillRef>
+          <a:effectRef idx="0">
+            <a:schemeClr val="accent1"/>
+          </a:effectRef>
+          <a:fontRef idx="minor">
+            <a:schemeClr val="tx1"/>
+          </a:fontRef>
+        </p:style>
+      </p:cxnSp>
+      <p:cxnSp>
+        <p:nvCxnSpPr>
+          <p:cNvPr id="24" name="Straight Connector 23">
+            <a:extLst>
+              <a:ext uri="{FF2B5EF4-FFF2-40B4-BE49-F238E27FC236}">
+                <a16:creationId xmlns:a16="http://schemas.microsoft.com/office/drawing/2014/main" id="{98A8E723-A3E5-9D49-AD86-540C12DB2D75}"/>
+              </a:ext>
+            </a:extLst>
+          </p:cNvPr>
+          <p:cNvCxnSpPr>
+            <a:cxnSpLocks/>
+          </p:cNvCxnSpPr>
+          <p:nvPr/>
+        </p:nvCxnSpPr>
+        <p:spPr>
+          <a:xfrm>
+            <a:off x="5848688" y="2639568"/>
+            <a:ext cx="0" cy="2938272"/>
+          </a:xfrm>
+          <a:prstGeom prst="line">
+            <a:avLst/>
+          </a:prstGeom>
+          <a:ln w="38100">
+            <a:solidFill>
+              <a:schemeClr val="tx1"/>
+            </a:solidFill>
+            <a:prstDash val="sysDash"/>
+          </a:ln>
+        </p:spPr>
+        <p:style>
+          <a:lnRef idx="1">
+            <a:schemeClr val="accent1"/>
+          </a:lnRef>
+          <a:fillRef idx="0">
+            <a:schemeClr val="accent1"/>
+          </a:fillRef>
+          <a:effectRef idx="0">
+            <a:schemeClr val="accent1"/>
+          </a:effectRef>
+          <a:fontRef idx="minor">
+            <a:schemeClr val="tx1"/>
+          </a:fontRef>
+        </p:style>
+      </p:cxnSp>
+      <p:cxnSp>
+        <p:nvCxnSpPr>
+          <p:cNvPr id="10" name="Straight Arrow Connector 9">
+            <a:extLst>
+              <a:ext uri="{FF2B5EF4-FFF2-40B4-BE49-F238E27FC236}">
+                <a16:creationId xmlns:a16="http://schemas.microsoft.com/office/drawing/2014/main" id="{CA115930-7DE4-4D46-B6EF-DCF6C5F98E7F}"/>
+              </a:ext>
+            </a:extLst>
+          </p:cNvPr>
+          <p:cNvCxnSpPr>
+            <a:cxnSpLocks/>
+          </p:cNvCxnSpPr>
+          <p:nvPr/>
+        </p:nvCxnSpPr>
+        <p:spPr>
+          <a:xfrm>
+            <a:off x="4535424" y="4663440"/>
+            <a:ext cx="4882896" cy="0"/>
+          </a:xfrm>
+          <a:prstGeom prst="straightConnector1">
+            <a:avLst/>
+          </a:prstGeom>
+          <a:ln w="38100">
+            <a:solidFill>
+              <a:schemeClr val="tx1"/>
+            </a:solidFill>
+            <a:tailEnd type="triangle"/>
+          </a:ln>
+        </p:spPr>
+        <p:style>
+          <a:lnRef idx="1">
+            <a:schemeClr val="accent1"/>
+          </a:lnRef>
+          <a:fillRef idx="0">
+            <a:schemeClr val="accent1"/>
+          </a:fillRef>
+          <a:effectRef idx="0">
+            <a:schemeClr val="accent1"/>
+          </a:effectRef>
+          <a:fontRef idx="minor">
+            <a:schemeClr val="tx1"/>
+          </a:fontRef>
+        </p:style>
+      </p:cxnSp>
+      <p:cxnSp>
+        <p:nvCxnSpPr>
+          <p:cNvPr id="13" name="Straight Arrow Connector 12">
+            <a:extLst>
+              <a:ext uri="{FF2B5EF4-FFF2-40B4-BE49-F238E27FC236}">
+                <a16:creationId xmlns:a16="http://schemas.microsoft.com/office/drawing/2014/main" id="{1EC28AC4-8A8B-564A-A75D-301DB5DE3167}"/>
+              </a:ext>
+            </a:extLst>
+          </p:cNvPr>
+          <p:cNvCxnSpPr>
+            <a:cxnSpLocks/>
+          </p:cNvCxnSpPr>
+          <p:nvPr/>
+        </p:nvCxnSpPr>
+        <p:spPr>
+          <a:xfrm flipV="1">
+            <a:off x="5163312" y="1042416"/>
+            <a:ext cx="0" cy="4337304"/>
+          </a:xfrm>
+          <a:prstGeom prst="straightConnector1">
+            <a:avLst/>
+          </a:prstGeom>
+          <a:ln w="38100">
+            <a:solidFill>
+              <a:schemeClr val="tx1"/>
+            </a:solidFill>
+            <a:tailEnd type="triangle"/>
+          </a:ln>
+        </p:spPr>
+        <p:style>
+          <a:lnRef idx="1">
+            <a:schemeClr val="accent1"/>
+          </a:lnRef>
+          <a:fillRef idx="0">
+            <a:schemeClr val="accent1"/>
+          </a:fillRef>
+          <a:effectRef idx="0">
+            <a:schemeClr val="accent1"/>
+          </a:effectRef>
+          <a:fontRef idx="minor">
+            <a:schemeClr val="tx1"/>
+          </a:fontRef>
+        </p:style>
+      </p:cxnSp>
+      <mc:AlternateContent xmlns:mc="http://schemas.openxmlformats.org/markup-compatibility/2006">
+        <mc:Choice xmlns:p14="http://schemas.microsoft.com/office/powerpoint/2010/main" Requires="p14">
+          <p:contentPart p14:bwMode="auto" r:id="rId2">
+            <p14:nvContentPartPr>
+              <p14:cNvPr id="17" name="Ink 16">
+                <a:extLst>
+                  <a:ext uri="{FF2B5EF4-FFF2-40B4-BE49-F238E27FC236}">
+                    <a16:creationId xmlns:a16="http://schemas.microsoft.com/office/drawing/2014/main" id="{6BE1A617-8578-F94C-B868-2E39C3E5972F}"/>
+                  </a:ext>
+                </a:extLst>
+              </p14:cNvPr>
+              <p14:cNvContentPartPr/>
+              <p14:nvPr/>
+            </p14:nvContentPartPr>
+            <p14:xfrm>
+              <a:off x="5524584" y="1410948"/>
+              <a:ext cx="3751920" cy="2883960"/>
+            </p14:xfrm>
+          </p:contentPart>
+        </mc:Choice>
+        <mc:Fallback>
+          <p:pic>
+            <p:nvPicPr>
+              <p:cNvPr id="17" name="Ink 16">
+                <a:extLst>
+                  <a:ext uri="{FF2B5EF4-FFF2-40B4-BE49-F238E27FC236}">
+                    <a16:creationId xmlns:a16="http://schemas.microsoft.com/office/drawing/2014/main" id="{6BE1A617-8578-F94C-B868-2E39C3E5972F}"/>
+                  </a:ext>
+                </a:extLst>
+              </p:cNvPr>
+              <p:cNvPicPr/>
+              <p:nvPr/>
+            </p:nvPicPr>
+            <p:blipFill>
+              <a:blip r:embed="rId3"/>
+              <a:stretch>
+                <a:fillRect/>
+              </a:stretch>
+            </p:blipFill>
+            <p:spPr>
+              <a:xfrm>
+                <a:off x="5515944" y="1402308"/>
+                <a:ext cx="3769560" cy="2901600"/>
+              </a:xfrm>
+              <a:prstGeom prst="rect">
+                <a:avLst/>
+              </a:prstGeom>
+            </p:spPr>
+          </p:pic>
+        </mc:Fallback>
+      </mc:AlternateContent>
+      <p:cxnSp>
+        <p:nvCxnSpPr>
+          <p:cNvPr id="20" name="Straight Connector 19">
+            <a:extLst>
+              <a:ext uri="{FF2B5EF4-FFF2-40B4-BE49-F238E27FC236}">
+                <a16:creationId xmlns:a16="http://schemas.microsoft.com/office/drawing/2014/main" id="{3BB22BAA-81A6-B645-A70C-0E16D6B1FBFC}"/>
+              </a:ext>
+            </a:extLst>
+          </p:cNvPr>
+          <p:cNvCxnSpPr>
+            <a:cxnSpLocks/>
+          </p:cNvCxnSpPr>
+          <p:nvPr/>
+        </p:nvCxnSpPr>
+        <p:spPr>
+          <a:xfrm flipV="1">
+            <a:off x="5408064" y="2827720"/>
+            <a:ext cx="4632048" cy="464120"/>
+          </a:xfrm>
+          <a:prstGeom prst="line">
+            <a:avLst/>
+          </a:prstGeom>
+          <a:ln w="38100">
+            <a:solidFill>
+              <a:srgbClr val="FF0000"/>
+            </a:solidFill>
+            <a:prstDash val="sysDash"/>
+          </a:ln>
+        </p:spPr>
+        <p:style>
+          <a:lnRef idx="1">
+            <a:schemeClr val="accent1"/>
+          </a:lnRef>
+          <a:fillRef idx="0">
+            <a:schemeClr val="accent1"/>
+          </a:fillRef>
+          <a:effectRef idx="0">
+            <a:schemeClr val="accent1"/>
+          </a:effectRef>
+          <a:fontRef idx="minor">
+            <a:schemeClr val="tx1"/>
+          </a:fontRef>
+        </p:style>
+      </p:cxnSp>
+      <p:sp>
+        <p:nvSpPr>
+          <p:cNvPr id="22" name="Connector 21">
+            <a:extLst>
+              <a:ext uri="{FF2B5EF4-FFF2-40B4-BE49-F238E27FC236}">
+                <a16:creationId xmlns:a16="http://schemas.microsoft.com/office/drawing/2014/main" id="{0E51F211-371F-8C4B-BE77-52127C338095}"/>
+              </a:ext>
+            </a:extLst>
+          </p:cNvPr>
+          <p:cNvSpPr/>
+          <p:nvPr/>
+        </p:nvSpPr>
+        <p:spPr>
+          <a:xfrm>
+            <a:off x="5758688" y="3196252"/>
+            <a:ext cx="180000" cy="180000"/>
+          </a:xfrm>
+          <a:prstGeom prst="flowChartConnector">
+            <a:avLst/>
+          </a:prstGeom>
+          <a:solidFill>
+            <a:schemeClr val="tx1"/>
+          </a:solidFill>
+        </p:spPr>
+        <p:style>
+          <a:lnRef idx="2">
+            <a:schemeClr val="accent1">
+              <a:shade val="50000"/>
+            </a:schemeClr>
+          </a:lnRef>
+          <a:fillRef idx="1">
+            <a:schemeClr val="accent1"/>
+          </a:fillRef>
+          <a:effectRef idx="0">
+            <a:schemeClr val="accent1"/>
+          </a:effectRef>
+          <a:fontRef idx="minor">
+            <a:schemeClr val="lt1"/>
+          </a:fontRef>
+        </p:style>
+        <p:txBody>
+          <a:bodyPr rtlCol="0" anchor="ctr"/>
+          <a:lstStyle/>
+          <a:p>
+            <a:pPr algn="ctr"/>
+            <a:endParaRPr lang="en-US"/>
+          </a:p>
+        </p:txBody>
+      </p:sp>
+      <mc:AlternateContent xmlns:mc="http://schemas.openxmlformats.org/markup-compatibility/2006">
+        <mc:Choice xmlns:a14="http://schemas.microsoft.com/office/drawing/2010/main" Requires="a14">
+          <p:sp>
+            <p:nvSpPr>
+              <p:cNvPr id="23" name="TextBox 22">
+                <a:extLst>
+                  <a:ext uri="{FF2B5EF4-FFF2-40B4-BE49-F238E27FC236}">
+                    <a16:creationId xmlns:a16="http://schemas.microsoft.com/office/drawing/2014/main" id="{DFD28EBE-77B0-4646-A8C5-14B185D3B483}"/>
+                  </a:ext>
+                </a:extLst>
+              </p:cNvPr>
+              <p:cNvSpPr txBox="1"/>
+              <p:nvPr/>
+            </p:nvSpPr>
+            <p:spPr>
+              <a:xfrm>
+                <a:off x="5589984" y="4615148"/>
+                <a:ext cx="241733" cy="369332"/>
+              </a:xfrm>
+              <a:prstGeom prst="rect">
+                <a:avLst/>
+              </a:prstGeom>
+              <a:noFill/>
+            </p:spPr>
+            <p:txBody>
+              <a:bodyPr wrap="none" lIns="0" tIns="0" rIns="0" bIns="0" rtlCol="0">
+                <a:spAutoFit/>
+              </a:bodyPr>
+              <a:lstStyle/>
+              <a:p>
+                <a14:m>
+                  <m:oMathPara xmlns:m="http://schemas.openxmlformats.org/officeDocument/2006/math">
+                    <m:oMathParaPr>
+                      <m:jc m:val="centerGroup"/>
+                    </m:oMathParaPr>
+                    <m:oMath xmlns:m="http://schemas.openxmlformats.org/officeDocument/2006/math">
+                      <m:r>
+                        <a:rPr lang="en-US" sz="2400" b="0" i="1">
+                          <a:latin typeface="Cambria Math" panose="02040503050406030204" pitchFamily="18" charset="0"/>
+                        </a:rPr>
+                        <m:t>𝑥</m:t>
+                      </m:r>
+                    </m:oMath>
+                  </m:oMathPara>
+                </a14:m>
+                <a:endParaRPr lang="en-US" sz="2400"/>
+              </a:p>
+            </p:txBody>
+          </p:sp>
+        </mc:Choice>
+        <mc:Fallback>
+          <p:sp>
+            <p:nvSpPr>
+              <p:cNvPr id="23" name="TextBox 22">
+                <a:extLst>
+                  <a:ext uri="{FF2B5EF4-FFF2-40B4-BE49-F238E27FC236}">
+                    <a16:creationId xmlns:a16="http://schemas.microsoft.com/office/drawing/2014/main" id="{DFD28EBE-77B0-4646-A8C5-14B185D3B483}"/>
+                  </a:ext>
+                </a:extLst>
+              </p:cNvPr>
+              <p:cNvSpPr txBox="1">
+                <a:spLocks noRot="1" noChangeAspect="1" noMove="1" noResize="1" noEditPoints="1" noAdjustHandles="1" noChangeArrowheads="1" noChangeShapeType="1" noTextEdit="1"/>
+              </p:cNvSpPr>
+              <p:nvPr/>
+            </p:nvSpPr>
+            <p:spPr>
+              <a:xfrm>
+                <a:off x="5589984" y="4615148"/>
+                <a:ext cx="241733" cy="369332"/>
+              </a:xfrm>
+              <a:prstGeom prst="rect">
+                <a:avLst/>
+              </a:prstGeom>
+              <a:blipFill>
+                <a:blip r:embed="rId4"/>
+                <a:stretch>
+                  <a:fillRect l="-10000" r="-10000"/>
+                </a:stretch>
+              </a:blipFill>
+            </p:spPr>
+            <p:txBody>
+              <a:bodyPr/>
+              <a:lstStyle/>
+              <a:p>
+                <a:r>
+                  <a:rPr lang="en-US">
+                    <a:noFill/>
+                  </a:rPr>
+                  <a:t> </a:t>
+                </a:r>
+              </a:p>
+            </p:txBody>
+          </p:sp>
+        </mc:Fallback>
+      </mc:AlternateContent>
+      <p:sp>
+        <p:nvSpPr>
+          <p:cNvPr id="26" name="Connector 25">
+            <a:extLst>
+              <a:ext uri="{FF2B5EF4-FFF2-40B4-BE49-F238E27FC236}">
+                <a16:creationId xmlns:a16="http://schemas.microsoft.com/office/drawing/2014/main" id="{D83B1A3F-D450-724B-A512-B3E6C11B7BD6}"/>
+              </a:ext>
+            </a:extLst>
+          </p:cNvPr>
+          <p:cNvSpPr/>
+          <p:nvPr/>
+        </p:nvSpPr>
+        <p:spPr>
+          <a:xfrm>
+            <a:off x="8798731" y="2852928"/>
+            <a:ext cx="180000" cy="180000"/>
+          </a:xfrm>
+          <a:prstGeom prst="flowChartConnector">
+            <a:avLst/>
+          </a:prstGeom>
+          <a:solidFill>
+            <a:schemeClr val="tx1"/>
+          </a:solidFill>
+        </p:spPr>
+        <p:style>
+          <a:lnRef idx="2">
+            <a:schemeClr val="accent1">
+              <a:shade val="50000"/>
+            </a:schemeClr>
+          </a:lnRef>
+          <a:fillRef idx="1">
+            <a:schemeClr val="accent1"/>
+          </a:fillRef>
+          <a:effectRef idx="0">
+            <a:schemeClr val="accent1"/>
+          </a:effectRef>
+          <a:fontRef idx="minor">
+            <a:schemeClr val="lt1"/>
+          </a:fontRef>
+        </p:style>
+        <p:txBody>
+          <a:bodyPr rtlCol="0" anchor="ctr"/>
+          <a:lstStyle/>
+          <a:p>
+            <a:pPr algn="ctr"/>
+            <a:endParaRPr lang="en-US"/>
+          </a:p>
+        </p:txBody>
+      </p:sp>
+      <mc:AlternateContent xmlns:mc="http://schemas.openxmlformats.org/markup-compatibility/2006">
+        <mc:Choice xmlns:a14="http://schemas.microsoft.com/office/drawing/2010/main" Requires="a14">
+          <p:sp>
+            <p:nvSpPr>
+              <p:cNvPr id="31" name="TextBox 30">
+                <a:extLst>
+                  <a:ext uri="{FF2B5EF4-FFF2-40B4-BE49-F238E27FC236}">
+                    <a16:creationId xmlns:a16="http://schemas.microsoft.com/office/drawing/2014/main" id="{6C987D91-832B-0048-A96C-244D0F8CF6BC}"/>
+                  </a:ext>
+                </a:extLst>
+              </p:cNvPr>
+              <p:cNvSpPr txBox="1"/>
+              <p:nvPr/>
+            </p:nvSpPr>
+            <p:spPr>
+              <a:xfrm>
+                <a:off x="8604989" y="4615146"/>
+                <a:ext cx="245708" cy="369332"/>
+              </a:xfrm>
+              <a:prstGeom prst="rect">
+                <a:avLst/>
+              </a:prstGeom>
+              <a:noFill/>
+            </p:spPr>
+            <p:txBody>
+              <a:bodyPr wrap="none" lIns="0" tIns="0" rIns="0" bIns="0" rtlCol="0">
+                <a:spAutoFit/>
+              </a:bodyPr>
+              <a:lstStyle/>
+              <a:p>
+                <a14:m>
+                  <m:oMathPara xmlns:m="http://schemas.openxmlformats.org/officeDocument/2006/math">
+                    <m:oMathParaPr>
+                      <m:jc m:val="centerGroup"/>
+                    </m:oMathParaPr>
+                    <m:oMath xmlns:m="http://schemas.openxmlformats.org/officeDocument/2006/math">
+                      <m:r>
+                        <a:rPr lang="en-US" sz="2400" b="0" i="1">
+                          <a:latin typeface="Cambria Math" panose="02040503050406030204" pitchFamily="18" charset="0"/>
+                        </a:rPr>
+                        <m:t>𝑦</m:t>
+                      </m:r>
+                    </m:oMath>
+                  </m:oMathPara>
+                </a14:m>
+                <a:endParaRPr lang="en-US" sz="2400"/>
+              </a:p>
+            </p:txBody>
+          </p:sp>
+        </mc:Choice>
+        <mc:Fallback>
+          <p:sp>
+            <p:nvSpPr>
+              <p:cNvPr id="31" name="TextBox 30">
+                <a:extLst>
+                  <a:ext uri="{FF2B5EF4-FFF2-40B4-BE49-F238E27FC236}">
+                    <a16:creationId xmlns:a16="http://schemas.microsoft.com/office/drawing/2014/main" id="{6C987D91-832B-0048-A96C-244D0F8CF6BC}"/>
+                  </a:ext>
+                </a:extLst>
+              </p:cNvPr>
+              <p:cNvSpPr txBox="1">
+                <a:spLocks noRot="1" noChangeAspect="1" noMove="1" noResize="1" noEditPoints="1" noAdjustHandles="1" noChangeArrowheads="1" noChangeShapeType="1" noTextEdit="1"/>
+              </p:cNvSpPr>
+              <p:nvPr/>
+            </p:nvSpPr>
+            <p:spPr>
+              <a:xfrm>
+                <a:off x="8604989" y="4615146"/>
+                <a:ext cx="245708" cy="369332"/>
+              </a:xfrm>
+              <a:prstGeom prst="rect">
+                <a:avLst/>
+              </a:prstGeom>
+              <a:blipFill>
+                <a:blip r:embed="rId5"/>
+                <a:stretch>
+                  <a:fillRect l="-25000" r="-20000" b="-23333"/>
+                </a:stretch>
+              </a:blipFill>
+            </p:spPr>
+            <p:txBody>
+              <a:bodyPr/>
+              <a:lstStyle/>
+              <a:p>
+                <a:r>
+                  <a:rPr lang="en-US">
+                    <a:noFill/>
+                  </a:rPr>
+                  <a:t> </a:t>
+                </a:r>
+              </a:p>
+            </p:txBody>
+          </p:sp>
+        </mc:Fallback>
+      </mc:AlternateContent>
+      <p:cxnSp>
+        <p:nvCxnSpPr>
+          <p:cNvPr id="33" name="Straight Connector 32">
+            <a:extLst>
+              <a:ext uri="{FF2B5EF4-FFF2-40B4-BE49-F238E27FC236}">
+                <a16:creationId xmlns:a16="http://schemas.microsoft.com/office/drawing/2014/main" id="{060AFE7A-46D8-9945-9FC0-7F4F59769B36}"/>
+              </a:ext>
+            </a:extLst>
+          </p:cNvPr>
+          <p:cNvCxnSpPr>
+            <a:cxnSpLocks/>
+          </p:cNvCxnSpPr>
+          <p:nvPr/>
+        </p:nvCxnSpPr>
+        <p:spPr>
+          <a:xfrm>
+            <a:off x="7183756" y="2777480"/>
+            <a:ext cx="0" cy="2199637"/>
+          </a:xfrm>
+          <a:prstGeom prst="line">
+            <a:avLst/>
+          </a:prstGeom>
+          <a:ln w="38100">
+            <a:solidFill>
+              <a:srgbClr val="FF0000"/>
+            </a:solidFill>
+            <a:prstDash val="sysDash"/>
+          </a:ln>
+        </p:spPr>
+        <p:style>
+          <a:lnRef idx="1">
+            <a:schemeClr val="accent1"/>
+          </a:lnRef>
+          <a:fillRef idx="0">
+            <a:schemeClr val="accent1"/>
+          </a:fillRef>
+          <a:effectRef idx="0">
+            <a:schemeClr val="accent1"/>
+          </a:effectRef>
+          <a:fontRef idx="minor">
+            <a:schemeClr val="tx1"/>
+          </a:fontRef>
+        </p:style>
+      </p:cxnSp>
+      <p:sp>
+        <p:nvSpPr>
+          <p:cNvPr id="34" name="Connector 33">
+            <a:extLst>
+              <a:ext uri="{FF2B5EF4-FFF2-40B4-BE49-F238E27FC236}">
+                <a16:creationId xmlns:a16="http://schemas.microsoft.com/office/drawing/2014/main" id="{ED548116-508C-A148-B657-06CD6CDE8B76}"/>
+              </a:ext>
+            </a:extLst>
+          </p:cNvPr>
+          <p:cNvSpPr/>
+          <p:nvPr/>
+        </p:nvSpPr>
+        <p:spPr>
+          <a:xfrm>
+            <a:off x="7105331" y="4204908"/>
+            <a:ext cx="180000" cy="180000"/>
+          </a:xfrm>
+          <a:prstGeom prst="flowChartConnector">
+            <a:avLst/>
+          </a:prstGeom>
+          <a:solidFill>
+            <a:srgbClr val="FF0000"/>
+          </a:solidFill>
+          <a:ln>
+            <a:noFill/>
+          </a:ln>
+        </p:spPr>
+        <p:style>
+          <a:lnRef idx="2">
+            <a:schemeClr val="accent1">
+              <a:shade val="50000"/>
+            </a:schemeClr>
+          </a:lnRef>
+          <a:fillRef idx="1">
+            <a:schemeClr val="accent1"/>
+          </a:fillRef>
+          <a:effectRef idx="0">
+            <a:schemeClr val="accent1"/>
+          </a:effectRef>
+          <a:fontRef idx="minor">
+            <a:schemeClr val="lt1"/>
+          </a:fontRef>
+        </p:style>
+        <p:txBody>
+          <a:bodyPr rtlCol="0" anchor="ctr"/>
+          <a:lstStyle/>
+          <a:p>
+            <a:pPr algn="ctr"/>
+            <a:endParaRPr lang="en-US"/>
+          </a:p>
+        </p:txBody>
+      </p:sp>
+      <mc:AlternateContent xmlns:mc="http://schemas.openxmlformats.org/markup-compatibility/2006">
+        <mc:Choice xmlns:a14="http://schemas.microsoft.com/office/drawing/2010/main" Requires="a14">
+          <p:sp>
+            <p:nvSpPr>
+              <p:cNvPr id="35" name="TextBox 34">
+                <a:extLst>
+                  <a:ext uri="{FF2B5EF4-FFF2-40B4-BE49-F238E27FC236}">
+                    <a16:creationId xmlns:a16="http://schemas.microsoft.com/office/drawing/2014/main" id="{26B24362-8444-7248-BD04-E953E95B978E}"/>
+                  </a:ext>
+                </a:extLst>
+              </p:cNvPr>
+              <p:cNvSpPr txBox="1"/>
+              <p:nvPr/>
+            </p:nvSpPr>
+            <p:spPr>
+              <a:xfrm>
+                <a:off x="5984429" y="5027358"/>
+                <a:ext cx="2488502" cy="369332"/>
+              </a:xfrm>
+              <a:prstGeom prst="rect">
+                <a:avLst/>
+              </a:prstGeom>
+              <a:noFill/>
+            </p:spPr>
+            <p:txBody>
+              <a:bodyPr wrap="square" lIns="0" tIns="0" rIns="0" bIns="0" rtlCol="0">
+                <a:spAutoFit/>
+              </a:bodyPr>
+              <a:lstStyle/>
+              <a:p>
+                <a14:m>
+                  <m:oMathPara xmlns:m="http://schemas.openxmlformats.org/officeDocument/2006/math">
+                    <m:oMathParaPr>
+                      <m:jc m:val="centerGroup"/>
+                    </m:oMathParaPr>
+                    <m:oMath xmlns:m="http://schemas.openxmlformats.org/officeDocument/2006/math">
+                      <m:r>
+                        <a:rPr lang="en-US" sz="2400" b="0" i="1">
+                          <a:ln>
+                            <a:noFill/>
+                          </a:ln>
+                          <a:solidFill>
+                            <a:srgbClr val="FF0000"/>
+                          </a:solidFill>
+                          <a:latin typeface="Cambria Math" panose="02040503050406030204" pitchFamily="18" charset="0"/>
+                        </a:rPr>
+                        <m:t>𝜃</m:t>
+                      </m:r>
+                      <m:r>
+                        <a:rPr lang="en-US" sz="2400" b="0" i="1">
+                          <a:ln>
+                            <a:noFill/>
+                          </a:ln>
+                          <a:solidFill>
+                            <a:srgbClr val="FF0000"/>
+                          </a:solidFill>
+                          <a:latin typeface="Cambria Math" panose="02040503050406030204" pitchFamily="18" charset="0"/>
+                        </a:rPr>
+                        <m:t>𝑥</m:t>
+                      </m:r>
+                      <m:r>
+                        <a:rPr lang="en-US" sz="2400" b="0" i="1">
+                          <a:ln>
+                            <a:noFill/>
+                          </a:ln>
+                          <a:solidFill>
+                            <a:srgbClr val="FF0000"/>
+                          </a:solidFill>
+                          <a:latin typeface="Cambria Math" panose="02040503050406030204" pitchFamily="18" charset="0"/>
+                        </a:rPr>
+                        <m:t>+</m:t>
+                      </m:r>
+                      <m:d>
+                        <m:dPr>
+                          <m:ctrlPr>
+                            <a:rPr lang="en-US" sz="2400" b="0" i="1">
+                              <a:ln>
+                                <a:noFill/>
+                              </a:ln>
+                              <a:solidFill>
+                                <a:srgbClr val="FF0000"/>
+                              </a:solidFill>
+                              <a:latin typeface="Cambria Math" panose="02040503050406030204" pitchFamily="18" charset="0"/>
+                            </a:rPr>
+                          </m:ctrlPr>
+                        </m:dPr>
+                        <m:e>
+                          <m:r>
+                            <a:rPr lang="en-US" sz="2400" b="0" i="1">
+                              <a:ln>
+                                <a:noFill/>
+                              </a:ln>
+                              <a:solidFill>
+                                <a:srgbClr val="FF0000"/>
+                              </a:solidFill>
+                              <a:latin typeface="Cambria Math" panose="02040503050406030204" pitchFamily="18" charset="0"/>
+                            </a:rPr>
+                            <m:t>1−</m:t>
+                          </m:r>
+                          <m:r>
+                            <a:rPr lang="en-US" sz="2400" b="0" i="1">
+                              <a:ln>
+                                <a:noFill/>
+                              </a:ln>
+                              <a:solidFill>
+                                <a:srgbClr val="FF0000"/>
+                              </a:solidFill>
+                              <a:latin typeface="Cambria Math" panose="02040503050406030204" pitchFamily="18" charset="0"/>
+                            </a:rPr>
+                            <m:t>𝜃</m:t>
+                          </m:r>
+                        </m:e>
+                      </m:d>
+                      <m:r>
+                        <a:rPr lang="en-US" sz="2400" b="0" i="1">
+                          <a:ln>
+                            <a:noFill/>
+                          </a:ln>
+                          <a:solidFill>
+                            <a:srgbClr val="FF0000"/>
+                          </a:solidFill>
+                          <a:latin typeface="Cambria Math" panose="02040503050406030204" pitchFamily="18" charset="0"/>
+                        </a:rPr>
+                        <m:t>𝑦</m:t>
+                      </m:r>
+                    </m:oMath>
+                  </m:oMathPara>
+                </a14:m>
+                <a:endParaRPr lang="en-US" sz="2400">
+                  <a:ln>
+                    <a:noFill/>
+                  </a:ln>
+                  <a:solidFill>
+                    <a:srgbClr val="FF0000"/>
+                  </a:solidFill>
+                </a:endParaRPr>
+              </a:p>
+            </p:txBody>
+          </p:sp>
+        </mc:Choice>
+        <mc:Fallback>
+          <p:sp>
+            <p:nvSpPr>
+              <p:cNvPr id="35" name="TextBox 34">
+                <a:extLst>
+                  <a:ext uri="{FF2B5EF4-FFF2-40B4-BE49-F238E27FC236}">
+                    <a16:creationId xmlns:a16="http://schemas.microsoft.com/office/drawing/2014/main" id="{26B24362-8444-7248-BD04-E953E95B978E}"/>
+                  </a:ext>
+                </a:extLst>
+              </p:cNvPr>
+              <p:cNvSpPr txBox="1">
+                <a:spLocks noRot="1" noChangeAspect="1" noMove="1" noResize="1" noEditPoints="1" noAdjustHandles="1" noChangeArrowheads="1" noChangeShapeType="1" noTextEdit="1"/>
+              </p:cNvSpPr>
+              <p:nvPr/>
+            </p:nvSpPr>
+            <p:spPr>
+              <a:xfrm>
+                <a:off x="5984429" y="5027358"/>
+                <a:ext cx="2488502" cy="369332"/>
+              </a:xfrm>
+              <a:prstGeom prst="rect">
+                <a:avLst/>
+              </a:prstGeom>
+              <a:blipFill>
+                <a:blip r:embed="rId6"/>
+                <a:stretch>
+                  <a:fillRect b="-24138"/>
+                </a:stretch>
+              </a:blipFill>
+            </p:spPr>
+            <p:txBody>
+              <a:bodyPr/>
+              <a:lstStyle/>
+              <a:p>
+                <a:r>
+                  <a:rPr lang="en-US">
+                    <a:noFill/>
+                  </a:rPr>
+                  <a:t> </a:t>
+                </a:r>
+              </a:p>
+            </p:txBody>
+          </p:sp>
+        </mc:Fallback>
+      </mc:AlternateContent>
+      <mc:AlternateContent xmlns:mc="http://schemas.openxmlformats.org/markup-compatibility/2006">
+        <mc:Choice xmlns:a14="http://schemas.microsoft.com/office/drawing/2010/main" Requires="a14">
+          <p:sp>
+            <p:nvSpPr>
+              <p:cNvPr id="37" name="TextBox 36">
+                <a:extLst>
+                  <a:ext uri="{FF2B5EF4-FFF2-40B4-BE49-F238E27FC236}">
+                    <a16:creationId xmlns:a16="http://schemas.microsoft.com/office/drawing/2014/main" id="{3EF837DE-24EF-B649-BE50-568670B6A94B}"/>
+                  </a:ext>
+                </a:extLst>
+              </p:cNvPr>
+              <p:cNvSpPr txBox="1"/>
+              <p:nvPr/>
+            </p:nvSpPr>
+            <p:spPr>
+              <a:xfrm>
+                <a:off x="5884049" y="2710840"/>
+                <a:ext cx="561884" cy="307777"/>
+              </a:xfrm>
+              <a:prstGeom prst="rect">
+                <a:avLst/>
+              </a:prstGeom>
+              <a:noFill/>
+            </p:spPr>
+            <p:txBody>
+              <a:bodyPr wrap="none" lIns="0" tIns="0" rIns="0" bIns="0" rtlCol="0">
+                <a:spAutoFit/>
+              </a:bodyPr>
+              <a:lstStyle/>
+              <a:p>
+                <a14:m>
+                  <m:oMathPara xmlns:m="http://schemas.openxmlformats.org/officeDocument/2006/math">
+                    <m:oMathParaPr>
+                      <m:jc m:val="centerGroup"/>
+                    </m:oMathParaPr>
+                    <m:oMath xmlns:m="http://schemas.openxmlformats.org/officeDocument/2006/math">
+                      <m:r>
+                        <a:rPr lang="en-US" sz="2000" b="0" i="1">
+                          <a:latin typeface="Cambria Math" panose="02040503050406030204" pitchFamily="18" charset="0"/>
+                        </a:rPr>
+                        <m:t>𝑓</m:t>
+                      </m:r>
+                      <m:r>
+                        <a:rPr lang="en-US" sz="2000" b="0" i="1">
+                          <a:latin typeface="Cambria Math" panose="02040503050406030204" pitchFamily="18" charset="0"/>
+                        </a:rPr>
+                        <m:t>(</m:t>
+                      </m:r>
+                      <m:r>
+                        <a:rPr lang="en-US" sz="2000" b="0" i="1">
+                          <a:latin typeface="Cambria Math" panose="02040503050406030204" pitchFamily="18" charset="0"/>
+                        </a:rPr>
+                        <m:t>𝑥</m:t>
+                      </m:r>
+                      <m:r>
+                        <a:rPr lang="en-US" sz="2000" b="0" i="1">
+                          <a:latin typeface="Cambria Math" panose="02040503050406030204" pitchFamily="18" charset="0"/>
+                        </a:rPr>
+                        <m:t>)</m:t>
+                      </m:r>
+                    </m:oMath>
+                  </m:oMathPara>
+                </a14:m>
+                <a:endParaRPr lang="en-US" sz="2000"/>
+              </a:p>
+            </p:txBody>
+          </p:sp>
+        </mc:Choice>
+        <mc:Fallback>
+          <p:sp>
+            <p:nvSpPr>
+              <p:cNvPr id="37" name="TextBox 36">
+                <a:extLst>
+                  <a:ext uri="{FF2B5EF4-FFF2-40B4-BE49-F238E27FC236}">
+                    <a16:creationId xmlns:a16="http://schemas.microsoft.com/office/drawing/2014/main" id="{3EF837DE-24EF-B649-BE50-568670B6A94B}"/>
+                  </a:ext>
+                </a:extLst>
+              </p:cNvPr>
+              <p:cNvSpPr txBox="1">
+                <a:spLocks noRot="1" noChangeAspect="1" noMove="1" noResize="1" noEditPoints="1" noAdjustHandles="1" noChangeArrowheads="1" noChangeShapeType="1" noTextEdit="1"/>
+              </p:cNvSpPr>
+              <p:nvPr/>
+            </p:nvSpPr>
+            <p:spPr>
+              <a:xfrm>
+                <a:off x="5884049" y="2710840"/>
+                <a:ext cx="561884" cy="307777"/>
+              </a:xfrm>
+              <a:prstGeom prst="rect">
+                <a:avLst/>
+              </a:prstGeom>
+              <a:blipFill>
+                <a:blip r:embed="rId7"/>
+                <a:stretch>
+                  <a:fillRect l="-13043" r="-13043" b="-26923"/>
+                </a:stretch>
+              </a:blipFill>
+            </p:spPr>
+            <p:txBody>
+              <a:bodyPr/>
+              <a:lstStyle/>
+              <a:p>
+                <a:r>
+                  <a:rPr lang="en-US">
+                    <a:noFill/>
+                  </a:rPr>
+                  <a:t> </a:t>
+                </a:r>
+              </a:p>
+            </p:txBody>
+          </p:sp>
+        </mc:Fallback>
+      </mc:AlternateContent>
+      <mc:AlternateContent xmlns:mc="http://schemas.openxmlformats.org/markup-compatibility/2006">
+        <mc:Choice xmlns:a14="http://schemas.microsoft.com/office/drawing/2010/main" Requires="a14">
+          <p:sp>
+            <p:nvSpPr>
+              <p:cNvPr id="38" name="TextBox 37">
+                <a:extLst>
+                  <a:ext uri="{FF2B5EF4-FFF2-40B4-BE49-F238E27FC236}">
+                    <a16:creationId xmlns:a16="http://schemas.microsoft.com/office/drawing/2014/main" id="{140A1ED9-89E9-5C4E-B863-DAAD447C1320}"/>
+                  </a:ext>
+                </a:extLst>
+              </p:cNvPr>
+              <p:cNvSpPr txBox="1"/>
+              <p:nvPr/>
+            </p:nvSpPr>
+            <p:spPr>
+              <a:xfrm>
+                <a:off x="8192327" y="2479691"/>
+                <a:ext cx="566501" cy="307777"/>
+              </a:xfrm>
+              <a:prstGeom prst="rect">
+                <a:avLst/>
+              </a:prstGeom>
+              <a:noFill/>
+            </p:spPr>
+            <p:txBody>
+              <a:bodyPr wrap="none" lIns="0" tIns="0" rIns="0" bIns="0" rtlCol="0">
+                <a:spAutoFit/>
+              </a:bodyPr>
+              <a:lstStyle/>
+              <a:p>
+                <a14:m>
+                  <m:oMathPara xmlns:m="http://schemas.openxmlformats.org/officeDocument/2006/math">
+                    <m:oMathParaPr>
+                      <m:jc m:val="centerGroup"/>
+                    </m:oMathParaPr>
+                    <m:oMath xmlns:m="http://schemas.openxmlformats.org/officeDocument/2006/math">
+                      <m:r>
+                        <a:rPr lang="en-US" sz="2000" b="0" i="1">
+                          <a:latin typeface="Cambria Math" panose="02040503050406030204" pitchFamily="18" charset="0"/>
+                        </a:rPr>
+                        <m:t>𝑓</m:t>
+                      </m:r>
+                      <m:r>
+                        <a:rPr lang="en-US" sz="2000" b="0" i="1">
+                          <a:latin typeface="Cambria Math" panose="02040503050406030204" pitchFamily="18" charset="0"/>
+                        </a:rPr>
+                        <m:t>(</m:t>
+                      </m:r>
+                      <m:r>
+                        <a:rPr lang="en-US" sz="2000" b="0" i="1">
+                          <a:latin typeface="Cambria Math" panose="02040503050406030204" pitchFamily="18" charset="0"/>
+                        </a:rPr>
+                        <m:t>𝑦</m:t>
+                      </m:r>
+                      <m:r>
+                        <a:rPr lang="en-US" sz="2000" b="0" i="1">
+                          <a:latin typeface="Cambria Math" panose="02040503050406030204" pitchFamily="18" charset="0"/>
+                        </a:rPr>
+                        <m:t>)</m:t>
+                      </m:r>
+                    </m:oMath>
+                  </m:oMathPara>
+                </a14:m>
+                <a:endParaRPr lang="en-US" sz="2000"/>
+              </a:p>
+            </p:txBody>
+          </p:sp>
+        </mc:Choice>
+        <mc:Fallback>
+          <p:sp>
+            <p:nvSpPr>
+              <p:cNvPr id="38" name="TextBox 37">
+                <a:extLst>
+                  <a:ext uri="{FF2B5EF4-FFF2-40B4-BE49-F238E27FC236}">
+                    <a16:creationId xmlns:a16="http://schemas.microsoft.com/office/drawing/2014/main" id="{140A1ED9-89E9-5C4E-B863-DAAD447C1320}"/>
+                  </a:ext>
+                </a:extLst>
+              </p:cNvPr>
+              <p:cNvSpPr txBox="1">
+                <a:spLocks noRot="1" noChangeAspect="1" noMove="1" noResize="1" noEditPoints="1" noAdjustHandles="1" noChangeArrowheads="1" noChangeShapeType="1" noTextEdit="1"/>
+              </p:cNvSpPr>
+              <p:nvPr/>
+            </p:nvSpPr>
+            <p:spPr>
+              <a:xfrm>
+                <a:off x="8192327" y="2479691"/>
+                <a:ext cx="566501" cy="307777"/>
+              </a:xfrm>
+              <a:prstGeom prst="rect">
+                <a:avLst/>
+              </a:prstGeom>
+              <a:blipFill>
+                <a:blip r:embed="rId8"/>
+                <a:stretch>
+                  <a:fillRect l="-13043" r="-13043" b="-32000"/>
+                </a:stretch>
+              </a:blipFill>
+            </p:spPr>
+            <p:txBody>
+              <a:bodyPr/>
+              <a:lstStyle/>
+              <a:p>
+                <a:r>
+                  <a:rPr lang="en-US">
+                    <a:noFill/>
+                  </a:rPr>
+                  <a:t> </a:t>
+                </a:r>
+              </a:p>
+            </p:txBody>
+          </p:sp>
+        </mc:Fallback>
+      </mc:AlternateContent>
+      <mc:AlternateContent xmlns:mc="http://schemas.openxmlformats.org/markup-compatibility/2006">
+        <mc:Choice xmlns:a14="http://schemas.microsoft.com/office/drawing/2010/main" Requires="a14">
+          <p:sp>
+            <p:nvSpPr>
+              <p:cNvPr id="39" name="TextBox 38">
+                <a:extLst>
+                  <a:ext uri="{FF2B5EF4-FFF2-40B4-BE49-F238E27FC236}">
+                    <a16:creationId xmlns:a16="http://schemas.microsoft.com/office/drawing/2014/main" id="{DEDBC6E4-AE55-4543-A127-0C35AFA098C7}"/>
+                  </a:ext>
+                </a:extLst>
+              </p:cNvPr>
+              <p:cNvSpPr txBox="1"/>
+              <p:nvPr/>
+            </p:nvSpPr>
+            <p:spPr>
+              <a:xfrm>
+                <a:off x="9241964" y="3897748"/>
+                <a:ext cx="2343572" cy="307777"/>
+              </a:xfrm>
+              <a:prstGeom prst="rect">
+                <a:avLst/>
+              </a:prstGeom>
+              <a:noFill/>
+            </p:spPr>
+            <p:txBody>
+              <a:bodyPr wrap="square" lIns="0" tIns="0" rIns="0" bIns="0" rtlCol="0">
+                <a:spAutoFit/>
+              </a:bodyPr>
+              <a:lstStyle/>
+              <a:p>
+                <a14:m>
+                  <m:oMathPara xmlns:m="http://schemas.openxmlformats.org/officeDocument/2006/math">
+                    <m:oMathParaPr>
+                      <m:jc m:val="centerGroup"/>
+                    </m:oMathParaPr>
+                    <m:oMath xmlns:m="http://schemas.openxmlformats.org/officeDocument/2006/math">
+                      <m:r>
+                        <a:rPr lang="en-US" sz="2000" b="0" i="1">
+                          <a:solidFill>
+                            <a:srgbClr val="FF0000"/>
+                          </a:solidFill>
+                          <a:latin typeface="Cambria Math" panose="02040503050406030204" pitchFamily="18" charset="0"/>
+                        </a:rPr>
+                        <m:t>𝑓</m:t>
+                      </m:r>
+                      <m:r>
+                        <a:rPr lang="en-US" sz="2000" b="0" i="1">
+                          <a:solidFill>
+                            <a:srgbClr val="FF0000"/>
+                          </a:solidFill>
+                          <a:latin typeface="Cambria Math" panose="02040503050406030204" pitchFamily="18" charset="0"/>
+                        </a:rPr>
+                        <m:t>(</m:t>
+                      </m:r>
+                      <m:r>
+                        <a:rPr lang="en-US" sz="2000" i="1">
+                          <a:solidFill>
+                            <a:srgbClr val="FF0000"/>
+                          </a:solidFill>
+                          <a:latin typeface="Cambria Math" panose="02040503050406030204" pitchFamily="18" charset="0"/>
+                        </a:rPr>
+                        <m:t>𝜃</m:t>
+                      </m:r>
+                      <m:r>
+                        <a:rPr lang="en-US" sz="2000" i="1">
+                          <a:solidFill>
+                            <a:srgbClr val="FF0000"/>
+                          </a:solidFill>
+                          <a:latin typeface="Cambria Math" panose="02040503050406030204" pitchFamily="18" charset="0"/>
+                        </a:rPr>
+                        <m:t>𝑥</m:t>
+                      </m:r>
+                      <m:r>
+                        <a:rPr lang="en-US" sz="2000" i="1">
+                          <a:solidFill>
+                            <a:srgbClr val="FF0000"/>
+                          </a:solidFill>
+                          <a:latin typeface="Cambria Math" panose="02040503050406030204" pitchFamily="18" charset="0"/>
+                        </a:rPr>
+                        <m:t>+</m:t>
+                      </m:r>
+                      <m:d>
+                        <m:dPr>
+                          <m:ctrlPr>
+                            <a:rPr lang="en-US" sz="2000" i="1">
+                              <a:solidFill>
+                                <a:srgbClr val="FF0000"/>
+                              </a:solidFill>
+                              <a:latin typeface="Cambria Math" panose="02040503050406030204" pitchFamily="18" charset="0"/>
+                            </a:rPr>
+                          </m:ctrlPr>
+                        </m:dPr>
+                        <m:e>
+                          <m:r>
+                            <a:rPr lang="en-US" sz="2000" i="1">
+                              <a:solidFill>
+                                <a:srgbClr val="FF0000"/>
+                              </a:solidFill>
+                              <a:latin typeface="Cambria Math" panose="02040503050406030204" pitchFamily="18" charset="0"/>
+                            </a:rPr>
+                            <m:t>1−</m:t>
+                          </m:r>
+                          <m:r>
+                            <a:rPr lang="en-US" sz="2000" i="1">
+                              <a:solidFill>
+                                <a:srgbClr val="FF0000"/>
+                              </a:solidFill>
+                              <a:latin typeface="Cambria Math" panose="02040503050406030204" pitchFamily="18" charset="0"/>
+                            </a:rPr>
+                            <m:t>𝜃</m:t>
+                          </m:r>
+                        </m:e>
+                      </m:d>
+                      <m:r>
+                        <a:rPr lang="en-US" sz="2000" i="1">
+                          <a:solidFill>
+                            <a:srgbClr val="FF0000"/>
+                          </a:solidFill>
+                          <a:latin typeface="Cambria Math" panose="02040503050406030204" pitchFamily="18" charset="0"/>
+                        </a:rPr>
+                        <m:t>𝑦</m:t>
+                      </m:r>
+                      <m:r>
+                        <a:rPr lang="en-US" sz="2000" b="0" i="1">
+                          <a:solidFill>
+                            <a:srgbClr val="FF0000"/>
+                          </a:solidFill>
+                          <a:latin typeface="Cambria Math" panose="02040503050406030204" pitchFamily="18" charset="0"/>
+                        </a:rPr>
+                        <m:t>)</m:t>
+                      </m:r>
+                    </m:oMath>
+                  </m:oMathPara>
+                </a14:m>
+                <a:endParaRPr lang="en-US" sz="2000">
+                  <a:solidFill>
+                    <a:srgbClr val="FF0000"/>
+                  </a:solidFill>
+                </a:endParaRPr>
+              </a:p>
+            </p:txBody>
+          </p:sp>
+        </mc:Choice>
+        <mc:Fallback>
+          <p:sp>
+            <p:nvSpPr>
+              <p:cNvPr id="39" name="TextBox 38">
+                <a:extLst>
+                  <a:ext uri="{FF2B5EF4-FFF2-40B4-BE49-F238E27FC236}">
+                    <a16:creationId xmlns:a16="http://schemas.microsoft.com/office/drawing/2014/main" id="{DEDBC6E4-AE55-4543-A127-0C35AFA098C7}"/>
+                  </a:ext>
+                </a:extLst>
+              </p:cNvPr>
+              <p:cNvSpPr txBox="1">
+                <a:spLocks noRot="1" noChangeAspect="1" noMove="1" noResize="1" noEditPoints="1" noAdjustHandles="1" noChangeArrowheads="1" noChangeShapeType="1" noTextEdit="1"/>
+              </p:cNvSpPr>
+              <p:nvPr/>
+            </p:nvSpPr>
+            <p:spPr>
+              <a:xfrm>
+                <a:off x="9241964" y="3897748"/>
+                <a:ext cx="2343572" cy="307777"/>
+              </a:xfrm>
+              <a:prstGeom prst="rect">
+                <a:avLst/>
+              </a:prstGeom>
+              <a:blipFill>
+                <a:blip r:embed="rId9"/>
+                <a:stretch>
+                  <a:fillRect b="-32000"/>
+                </a:stretch>
+              </a:blipFill>
+            </p:spPr>
+            <p:txBody>
+              <a:bodyPr/>
+              <a:lstStyle/>
+              <a:p>
+                <a:r>
+                  <a:rPr lang="en-US">
+                    <a:noFill/>
+                  </a:rPr>
+                  <a:t> </a:t>
+                </a:r>
+              </a:p>
+            </p:txBody>
+          </p:sp>
+        </mc:Fallback>
+      </mc:AlternateContent>
+      <p:sp>
+        <p:nvSpPr>
+          <p:cNvPr id="40" name="Connector 39">
+            <a:extLst>
+              <a:ext uri="{FF2B5EF4-FFF2-40B4-BE49-F238E27FC236}">
+                <a16:creationId xmlns:a16="http://schemas.microsoft.com/office/drawing/2014/main" id="{97DA4E38-B073-0741-9062-A0ADEF33A661}"/>
+              </a:ext>
+            </a:extLst>
+          </p:cNvPr>
+          <p:cNvSpPr/>
+          <p:nvPr/>
+        </p:nvSpPr>
+        <p:spPr>
+          <a:xfrm>
+            <a:off x="7103264" y="3040073"/>
+            <a:ext cx="180000" cy="180000"/>
+          </a:xfrm>
+          <a:prstGeom prst="flowChartConnector">
+            <a:avLst/>
+          </a:prstGeom>
+          <a:solidFill>
+            <a:schemeClr val="tx1"/>
+          </a:solidFill>
+        </p:spPr>
+        <p:style>
+          <a:lnRef idx="2">
+            <a:schemeClr val="accent1">
+              <a:shade val="50000"/>
+            </a:schemeClr>
+          </a:lnRef>
+          <a:fillRef idx="1">
+            <a:schemeClr val="accent1"/>
+          </a:fillRef>
+          <a:effectRef idx="0">
+            <a:schemeClr val="accent1"/>
+          </a:effectRef>
+          <a:fontRef idx="minor">
+            <a:schemeClr val="lt1"/>
+          </a:fontRef>
+        </p:style>
+        <p:txBody>
+          <a:bodyPr rtlCol="0" anchor="ctr"/>
+          <a:lstStyle/>
+          <a:p>
+            <a:pPr algn="ctr"/>
+            <a:endParaRPr lang="en-US"/>
+          </a:p>
+        </p:txBody>
+      </p:sp>
+      <mc:AlternateContent xmlns:mc="http://schemas.openxmlformats.org/markup-compatibility/2006">
+        <mc:Choice xmlns:a14="http://schemas.microsoft.com/office/drawing/2010/main" Requires="a14">
+          <p:sp>
+            <p:nvSpPr>
+              <p:cNvPr id="41" name="TextBox 40">
+                <a:extLst>
+                  <a:ext uri="{FF2B5EF4-FFF2-40B4-BE49-F238E27FC236}">
+                    <a16:creationId xmlns:a16="http://schemas.microsoft.com/office/drawing/2014/main" id="{27A301B2-C404-E44A-A332-72A2CBC1A898}"/>
+                  </a:ext>
+                </a:extLst>
+              </p:cNvPr>
+              <p:cNvSpPr txBox="1"/>
+              <p:nvPr/>
+            </p:nvSpPr>
+            <p:spPr>
+              <a:xfrm>
+                <a:off x="6150402" y="1753117"/>
+                <a:ext cx="2343572" cy="307777"/>
+              </a:xfrm>
+              <a:prstGeom prst="rect">
+                <a:avLst/>
+              </a:prstGeom>
+              <a:noFill/>
+            </p:spPr>
+            <p:txBody>
+              <a:bodyPr wrap="square" lIns="0" tIns="0" rIns="0" bIns="0" rtlCol="0">
+                <a:spAutoFit/>
+              </a:bodyPr>
+              <a:lstStyle/>
+              <a:p>
+                <a14:m>
+                  <m:oMathPara xmlns:m="http://schemas.openxmlformats.org/officeDocument/2006/math">
+                    <m:oMathParaPr>
+                      <m:jc m:val="centerGroup"/>
+                    </m:oMathParaPr>
+                    <m:oMath xmlns:m="http://schemas.openxmlformats.org/officeDocument/2006/math">
+                      <m:r>
+                        <a:rPr lang="en-US" sz="2000" b="0" i="1">
+                          <a:solidFill>
+                            <a:schemeClr val="tx1"/>
+                          </a:solidFill>
+                          <a:latin typeface="Cambria Math" panose="02040503050406030204" pitchFamily="18" charset="0"/>
+                        </a:rPr>
+                        <m:t>𝜃</m:t>
+                      </m:r>
+                      <m:r>
+                        <a:rPr lang="en-US" sz="2000" b="0" i="1">
+                          <a:solidFill>
+                            <a:schemeClr val="tx1"/>
+                          </a:solidFill>
+                          <a:latin typeface="Cambria Math" panose="02040503050406030204" pitchFamily="18" charset="0"/>
+                        </a:rPr>
+                        <m:t>𝑓</m:t>
+                      </m:r>
+                      <m:r>
+                        <a:rPr lang="en-US" sz="2000" b="0" i="1">
+                          <a:solidFill>
+                            <a:schemeClr val="tx1"/>
+                          </a:solidFill>
+                          <a:latin typeface="Cambria Math" panose="02040503050406030204" pitchFamily="18" charset="0"/>
+                        </a:rPr>
+                        <m:t>(</m:t>
+                      </m:r>
+                      <m:r>
+                        <a:rPr lang="en-US" sz="2000" i="1">
+                          <a:solidFill>
+                            <a:schemeClr val="tx1"/>
+                          </a:solidFill>
+                          <a:latin typeface="Cambria Math" panose="02040503050406030204" pitchFamily="18" charset="0"/>
+                        </a:rPr>
+                        <m:t>𝑥</m:t>
+                      </m:r>
+                      <m:r>
+                        <a:rPr lang="en-US" sz="2000" b="0" i="1">
+                          <a:solidFill>
+                            <a:schemeClr val="tx1"/>
+                          </a:solidFill>
+                          <a:latin typeface="Cambria Math" panose="02040503050406030204" pitchFamily="18" charset="0"/>
+                        </a:rPr>
+                        <m:t>)</m:t>
+                      </m:r>
+                      <m:r>
+                        <a:rPr lang="en-US" sz="2000" i="1">
+                          <a:solidFill>
+                            <a:schemeClr val="tx1"/>
+                          </a:solidFill>
+                          <a:latin typeface="Cambria Math" panose="02040503050406030204" pitchFamily="18" charset="0"/>
+                        </a:rPr>
+                        <m:t>+</m:t>
+                      </m:r>
+                      <m:d>
+                        <m:dPr>
+                          <m:ctrlPr>
+                            <a:rPr lang="en-US" sz="2000" i="1">
+                              <a:solidFill>
+                                <a:schemeClr val="tx1"/>
+                              </a:solidFill>
+                              <a:latin typeface="Cambria Math" panose="02040503050406030204" pitchFamily="18" charset="0"/>
+                            </a:rPr>
+                          </m:ctrlPr>
+                        </m:dPr>
+                        <m:e>
+                          <m:r>
+                            <a:rPr lang="en-US" sz="2000" i="1">
+                              <a:solidFill>
+                                <a:schemeClr val="tx1"/>
+                              </a:solidFill>
+                              <a:latin typeface="Cambria Math" panose="02040503050406030204" pitchFamily="18" charset="0"/>
+                            </a:rPr>
+                            <m:t>1−</m:t>
+                          </m:r>
+                          <m:r>
+                            <a:rPr lang="en-US" sz="2000" i="1">
+                              <a:solidFill>
+                                <a:schemeClr val="tx1"/>
+                              </a:solidFill>
+                              <a:latin typeface="Cambria Math" panose="02040503050406030204" pitchFamily="18" charset="0"/>
+                            </a:rPr>
+                            <m:t>𝜃</m:t>
+                          </m:r>
+                        </m:e>
+                      </m:d>
+                      <m:r>
+                        <a:rPr lang="en-US" sz="2000" b="0" i="1">
+                          <a:solidFill>
+                            <a:schemeClr val="tx1"/>
+                          </a:solidFill>
+                          <a:latin typeface="Cambria Math" panose="02040503050406030204" pitchFamily="18" charset="0"/>
+                        </a:rPr>
+                        <m:t>𝑓</m:t>
+                      </m:r>
+                      <m:r>
+                        <a:rPr lang="en-US" sz="2000" b="0" i="1">
+                          <a:solidFill>
+                            <a:schemeClr val="tx1"/>
+                          </a:solidFill>
+                          <a:latin typeface="Cambria Math" panose="02040503050406030204" pitchFamily="18" charset="0"/>
+                        </a:rPr>
+                        <m:t>(</m:t>
+                      </m:r>
+                      <m:r>
+                        <a:rPr lang="en-US" sz="2000" i="1">
+                          <a:solidFill>
+                            <a:schemeClr val="tx1"/>
+                          </a:solidFill>
+                          <a:latin typeface="Cambria Math" panose="02040503050406030204" pitchFamily="18" charset="0"/>
+                        </a:rPr>
+                        <m:t>𝑦</m:t>
+                      </m:r>
+                      <m:r>
+                        <a:rPr lang="en-US" sz="2000" b="0" i="1">
+                          <a:solidFill>
+                            <a:schemeClr val="tx1"/>
+                          </a:solidFill>
+                          <a:latin typeface="Cambria Math" panose="02040503050406030204" pitchFamily="18" charset="0"/>
+                        </a:rPr>
+                        <m:t>)</m:t>
+                      </m:r>
+                    </m:oMath>
+                  </m:oMathPara>
+                </a14:m>
+                <a:endParaRPr lang="en-US" sz="2000">
+                  <a:solidFill>
+                    <a:schemeClr val="tx1"/>
+                  </a:solidFill>
+                </a:endParaRPr>
+              </a:p>
+            </p:txBody>
+          </p:sp>
+        </mc:Choice>
+        <mc:Fallback>
+          <p:sp>
+            <p:nvSpPr>
+              <p:cNvPr id="41" name="TextBox 40">
+                <a:extLst>
+                  <a:ext uri="{FF2B5EF4-FFF2-40B4-BE49-F238E27FC236}">
+                    <a16:creationId xmlns:a16="http://schemas.microsoft.com/office/drawing/2014/main" id="{27A301B2-C404-E44A-A332-72A2CBC1A898}"/>
+                  </a:ext>
+                </a:extLst>
+              </p:cNvPr>
+              <p:cNvSpPr txBox="1">
+                <a:spLocks noRot="1" noChangeAspect="1" noMove="1" noResize="1" noEditPoints="1" noAdjustHandles="1" noChangeArrowheads="1" noChangeShapeType="1" noTextEdit="1"/>
+              </p:cNvSpPr>
+              <p:nvPr/>
+            </p:nvSpPr>
+            <p:spPr>
+              <a:xfrm>
+                <a:off x="6150402" y="1753117"/>
+                <a:ext cx="2343572" cy="307777"/>
+              </a:xfrm>
+              <a:prstGeom prst="rect">
+                <a:avLst/>
+              </a:prstGeom>
+              <a:blipFill>
+                <a:blip r:embed="rId10"/>
+                <a:stretch>
+                  <a:fillRect l="-2688" r="-2688" b="-32000"/>
+                </a:stretch>
+              </a:blipFill>
+            </p:spPr>
+            <p:txBody>
+              <a:bodyPr/>
+              <a:lstStyle/>
+              <a:p>
+                <a:r>
+                  <a:rPr lang="en-US">
+                    <a:noFill/>
+                  </a:rPr>
+                  <a:t> </a:t>
+                </a:r>
+              </a:p>
+            </p:txBody>
+          </p:sp>
+        </mc:Fallback>
+      </mc:AlternateContent>
+      <p:cxnSp>
+        <p:nvCxnSpPr>
+          <p:cNvPr id="43" name="Straight Arrow Connector 42">
+            <a:extLst>
+              <a:ext uri="{FF2B5EF4-FFF2-40B4-BE49-F238E27FC236}">
+                <a16:creationId xmlns:a16="http://schemas.microsoft.com/office/drawing/2014/main" id="{D4838CE1-E50D-504F-964B-19DFA9110ABE}"/>
+              </a:ext>
+            </a:extLst>
+          </p:cNvPr>
+          <p:cNvCxnSpPr>
+            <a:cxnSpLocks/>
+            <a:stCxn id="40" idx="0"/>
+            <a:endCxn id="41" idx="2"/>
+          </p:cNvCxnSpPr>
+          <p:nvPr/>
+        </p:nvCxnSpPr>
+        <p:spPr>
+          <a:xfrm flipV="1">
+            <a:off x="7193264" y="2060894"/>
+            <a:ext cx="128924" cy="979179"/>
+          </a:xfrm>
+          <a:prstGeom prst="straightConnector1">
+            <a:avLst/>
+          </a:prstGeom>
+          <a:ln w="38100">
+            <a:solidFill>
+              <a:schemeClr val="tx1"/>
+            </a:solidFill>
+            <a:tailEnd type="triangle"/>
+          </a:ln>
+        </p:spPr>
+        <p:style>
+          <a:lnRef idx="1">
+            <a:schemeClr val="accent1"/>
+          </a:lnRef>
+          <a:fillRef idx="0">
+            <a:schemeClr val="accent1"/>
+          </a:fillRef>
+          <a:effectRef idx="0">
+            <a:schemeClr val="accent1"/>
+          </a:effectRef>
+          <a:fontRef idx="minor">
+            <a:schemeClr val="tx1"/>
+          </a:fontRef>
+        </p:style>
+      </p:cxnSp>
+      <p:cxnSp>
+        <p:nvCxnSpPr>
+          <p:cNvPr id="46" name="Straight Arrow Connector 45">
+            <a:extLst>
+              <a:ext uri="{FF2B5EF4-FFF2-40B4-BE49-F238E27FC236}">
+                <a16:creationId xmlns:a16="http://schemas.microsoft.com/office/drawing/2014/main" id="{479B032C-D10F-DC4A-93CB-570530DB9020}"/>
+              </a:ext>
+            </a:extLst>
+          </p:cNvPr>
+          <p:cNvCxnSpPr>
+            <a:cxnSpLocks/>
+          </p:cNvCxnSpPr>
+          <p:nvPr/>
+        </p:nvCxnSpPr>
+        <p:spPr>
+          <a:xfrm flipV="1">
+            <a:off x="7283264" y="4048016"/>
+            <a:ext cx="2079317" cy="224964"/>
+          </a:xfrm>
+          <a:prstGeom prst="straightConnector1">
+            <a:avLst/>
+          </a:prstGeom>
+          <a:ln w="38100">
+            <a:solidFill>
+              <a:srgbClr val="FF0000"/>
+            </a:solidFill>
+            <a:tailEnd type="triangle"/>
+          </a:ln>
+        </p:spPr>
+        <p:style>
+          <a:lnRef idx="1">
+            <a:schemeClr val="accent1"/>
+          </a:lnRef>
+          <a:fillRef idx="0">
+            <a:schemeClr val="accent1"/>
+          </a:fillRef>
+          <a:effectRef idx="0">
+            <a:schemeClr val="accent1"/>
+          </a:effectRef>
+          <a:fontRef idx="minor">
+            <a:schemeClr val="tx1"/>
+          </a:fontRef>
+        </p:style>
+      </p:cxnSp>
+      <mc:AlternateContent xmlns:mc="http://schemas.openxmlformats.org/markup-compatibility/2006">
+        <mc:Choice xmlns:a14="http://schemas.microsoft.com/office/drawing/2010/main" Requires="a14">
+          <p:sp>
+            <p:nvSpPr>
+              <p:cNvPr id="50" name="TextBox 49">
+                <a:extLst>
+                  <a:ext uri="{FF2B5EF4-FFF2-40B4-BE49-F238E27FC236}">
+                    <a16:creationId xmlns:a16="http://schemas.microsoft.com/office/drawing/2014/main" id="{69268640-7E35-314B-9F45-B5121CDCA2F2}"/>
+                  </a:ext>
+                </a:extLst>
+              </p:cNvPr>
+              <p:cNvSpPr txBox="1"/>
+              <p:nvPr/>
+            </p:nvSpPr>
+            <p:spPr>
+              <a:xfrm>
+                <a:off x="12296748" y="1272448"/>
+                <a:ext cx="5611689" cy="2852704"/>
+              </a:xfrm>
+              <a:prstGeom prst="rect">
+                <a:avLst/>
+              </a:prstGeom>
+              <a:noFill/>
+            </p:spPr>
+            <p:txBody>
+              <a:bodyPr wrap="square" lIns="0" tIns="0" rIns="0" bIns="0" rtlCol="0">
+                <a:spAutoFit/>
+              </a:bodyPr>
+              <a:lstStyle/>
+              <a:p>
+                <a14:m>
+                  <m:oMathPara xmlns:m="http://schemas.openxmlformats.org/officeDocument/2006/math">
+                    <m:oMathParaPr>
+                      <m:jc m:val="centerGroup"/>
+                    </m:oMathParaPr>
+                    <m:oMath xmlns:m="http://schemas.openxmlformats.org/officeDocument/2006/math">
+                      <m:d>
+                        <m:dPr>
+                          <m:begChr m:val="["/>
+                          <m:endChr m:val="]"/>
+                          <m:ctrlPr>
+                            <a:rPr lang="en-US" sz="2400" i="1">
+                              <a:latin typeface="Cambria Math" panose="02040503050406030204" pitchFamily="18" charset="0"/>
+                            </a:rPr>
+                          </m:ctrlPr>
+                        </m:dPr>
+                        <m:e>
+                          <m:m>
+                            <m:mPr>
+                              <m:mcs>
+                                <m:mc>
+                                  <m:mcPr>
+                                    <m:count m:val="3"/>
+                                    <m:mcJc m:val="center"/>
+                                  </m:mcPr>
+                                </m:mc>
+                              </m:mcs>
+                              <m:ctrlPr>
+                                <a:rPr lang="en-US" sz="2400" i="1">
+                                  <a:latin typeface="Cambria Math" panose="02040503050406030204" pitchFamily="18" charset="0"/>
+                                </a:rPr>
+                              </m:ctrlPr>
+                            </m:mPr>
+                            <m:mr>
+                              <m:e>
+                                <m:f>
+                                  <m:fPr>
+                                    <m:ctrlPr>
+                                      <a:rPr lang="en-US" sz="2400" i="1">
+                                        <a:latin typeface="Cambria Math" panose="02040503050406030204" pitchFamily="18" charset="0"/>
+                                      </a:rPr>
+                                    </m:ctrlPr>
+                                  </m:fPr>
+                                  <m:num>
+                                    <m:sSup>
+                                      <m:sSupPr>
+                                        <m:ctrlPr>
+                                          <a:rPr lang="en-US" sz="2400" b="0" i="1">
+                                            <a:latin typeface="Cambria Math" panose="02040503050406030204" pitchFamily="18" charset="0"/>
+                                          </a:rPr>
+                                        </m:ctrlPr>
+                                      </m:sSupPr>
+                                      <m:e>
+                                        <m:r>
+                                          <m:rPr>
+                                            <m:brk m:alnAt="7"/>
+                                          </m:rPr>
+                                          <a:rPr lang="en-US" sz="2400" i="1">
+                                            <a:latin typeface="Cambria Math" panose="02040503050406030204" pitchFamily="18" charset="0"/>
+                                          </a:rPr>
+                                          <m:t>𝜕</m:t>
+                                        </m:r>
+                                      </m:e>
+                                      <m:sup>
+                                        <m:r>
+                                          <m:rPr>
+                                            <m:brk m:alnAt="7"/>
+                                          </m:rPr>
+                                          <a:rPr lang="en-US" sz="2400" b="0" i="1">
+                                            <a:latin typeface="Cambria Math" panose="02040503050406030204" pitchFamily="18" charset="0"/>
+                                          </a:rPr>
+                                          <m:t>2</m:t>
+                                        </m:r>
+                                      </m:sup>
+                                    </m:sSup>
+                                    <m:r>
+                                      <a:rPr lang="en-US" sz="2400" b="0" i="1">
+                                        <a:latin typeface="Cambria Math" panose="02040503050406030204" pitchFamily="18" charset="0"/>
+                                      </a:rPr>
+                                      <m:t>𝑓</m:t>
+                                    </m:r>
+                                  </m:num>
+                                  <m:den>
+                                    <m:r>
+                                      <m:rPr>
+                                        <m:brk m:alnAt="7"/>
+                                      </m:rPr>
+                                      <a:rPr lang="en-US" sz="2400" i="1">
+                                        <a:latin typeface="Cambria Math" panose="02040503050406030204" pitchFamily="18" charset="0"/>
+                                      </a:rPr>
+                                      <m:t>𝜕</m:t>
+                                    </m:r>
+                                    <m:sSub>
+                                      <m:sSubPr>
+                                        <m:ctrlPr>
+                                          <a:rPr lang="en-US" sz="2400" b="0" i="1">
+                                            <a:latin typeface="Cambria Math" panose="02040503050406030204" pitchFamily="18" charset="0"/>
+                                          </a:rPr>
+                                        </m:ctrlPr>
+                                      </m:sSubPr>
+                                      <m:e>
+                                        <m:r>
+                                          <m:rPr>
+                                            <m:brk m:alnAt="7"/>
+                                          </m:rPr>
+                                          <a:rPr lang="en-US" sz="2400" i="1">
+                                            <a:latin typeface="Cambria Math" panose="02040503050406030204" pitchFamily="18" charset="0"/>
+                                          </a:rPr>
+                                          <m:t>𝑥</m:t>
+                                        </m:r>
+                                      </m:e>
+                                      <m:sub>
+                                        <m:r>
+                                          <m:rPr>
+                                            <m:brk m:alnAt="7"/>
+                                          </m:rPr>
+                                          <a:rPr lang="en-US" sz="2400" b="0" i="1">
+                                            <a:latin typeface="Cambria Math" panose="02040503050406030204" pitchFamily="18" charset="0"/>
+                                          </a:rPr>
+                                          <m:t>1</m:t>
+                                        </m:r>
+                                      </m:sub>
+                                    </m:sSub>
+                                    <m:r>
+                                      <m:rPr>
+                                        <m:brk m:alnAt="7"/>
+                                      </m:rPr>
+                                      <a:rPr lang="en-US" sz="2400" i="1">
+                                        <a:latin typeface="Cambria Math" panose="02040503050406030204" pitchFamily="18" charset="0"/>
+                                      </a:rPr>
+                                      <m:t>𝜕</m:t>
+                                    </m:r>
+                                    <m:sSub>
+                                      <m:sSubPr>
+                                        <m:ctrlPr>
+                                          <a:rPr lang="en-US" sz="2400" b="0" i="1">
+                                            <a:latin typeface="Cambria Math" panose="02040503050406030204" pitchFamily="18" charset="0"/>
+                                          </a:rPr>
+                                        </m:ctrlPr>
+                                      </m:sSubPr>
+                                      <m:e>
+                                        <m:r>
+                                          <a:rPr lang="en-US" sz="2400" i="1">
+                                            <a:latin typeface="Cambria Math" panose="02040503050406030204" pitchFamily="18" charset="0"/>
+                                          </a:rPr>
+                                          <m:t>𝑥</m:t>
+                                        </m:r>
+                                      </m:e>
+                                      <m:sub>
+                                        <m:r>
+                                          <a:rPr lang="en-US" sz="2400" b="0" i="1">
+                                            <a:latin typeface="Cambria Math" panose="02040503050406030204" pitchFamily="18" charset="0"/>
+                                          </a:rPr>
+                                          <m:t>1</m:t>
+                                        </m:r>
+                                      </m:sub>
+                                    </m:sSub>
+                                  </m:den>
+                                </m:f>
+                              </m:e>
+                              <m:e>
+                                <m:m>
+                                  <m:mPr>
+                                    <m:mcs>
+                                      <m:mc>
+                                        <m:mcPr>
+                                          <m:count m:val="2"/>
+                                          <m:mcJc m:val="center"/>
+                                        </m:mcPr>
+                                      </m:mc>
+                                    </m:mcs>
+                                    <m:ctrlPr>
+                                      <a:rPr lang="en-US" sz="2400" i="1">
+                                        <a:latin typeface="Cambria Math" panose="02040503050406030204" pitchFamily="18" charset="0"/>
+                                      </a:rPr>
+                                    </m:ctrlPr>
+                                  </m:mPr>
+                                  <m:mr>
+                                    <m:e>
+                                      <m:f>
+                                        <m:fPr>
+                                          <m:ctrlPr>
+                                            <a:rPr lang="en-US" sz="2400" i="1">
+                                              <a:latin typeface="Cambria Math" panose="02040503050406030204" pitchFamily="18" charset="0"/>
+                                            </a:rPr>
+                                          </m:ctrlPr>
+                                        </m:fPr>
+                                        <m:num>
+                                          <m:sSup>
+                                            <m:sSupPr>
+                                              <m:ctrlPr>
+                                                <a:rPr lang="en-US" sz="2400" i="1">
+                                                  <a:latin typeface="Cambria Math" panose="02040503050406030204" pitchFamily="18" charset="0"/>
+                                                </a:rPr>
+                                              </m:ctrlPr>
+                                            </m:sSupPr>
+                                            <m:e>
+                                              <m:r>
+                                                <m:rPr>
+                                                  <m:brk m:alnAt="7"/>
+                                                </m:rPr>
+                                                <a:rPr lang="en-US" sz="2400" i="1">
+                                                  <a:latin typeface="Cambria Math" panose="02040503050406030204" pitchFamily="18" charset="0"/>
+                                                </a:rPr>
+                                                <m:t>𝜕</m:t>
+                                              </m:r>
+                                            </m:e>
+                                            <m:sup>
+                                              <m:r>
+                                                <m:rPr>
+                                                  <m:brk m:alnAt="7"/>
+                                                </m:rPr>
+                                                <a:rPr lang="en-US" sz="2400" i="1">
+                                                  <a:latin typeface="Cambria Math" panose="02040503050406030204" pitchFamily="18" charset="0"/>
+                                                </a:rPr>
+                                                <m:t>2</m:t>
+                                              </m:r>
+                                            </m:sup>
+                                          </m:sSup>
+                                          <m:r>
+                                            <a:rPr lang="en-US" sz="2400" i="1">
+                                              <a:latin typeface="Cambria Math" panose="02040503050406030204" pitchFamily="18" charset="0"/>
+                                            </a:rPr>
+                                            <m:t>𝑓</m:t>
+                                          </m:r>
+                                        </m:num>
+                                        <m:den>
+                                          <m:r>
+                                            <m:rPr>
+                                              <m:brk m:alnAt="7"/>
+                                            </m:rPr>
+                                            <a:rPr lang="en-US" sz="2400" i="1">
+                                              <a:latin typeface="Cambria Math" panose="02040503050406030204" pitchFamily="18" charset="0"/>
+                                            </a:rPr>
+                                            <m:t>𝜕</m:t>
+                                          </m:r>
+                                          <m:sSub>
+                                            <m:sSubPr>
+                                              <m:ctrlPr>
+                                                <a:rPr lang="en-US" sz="2400" i="1">
+                                                  <a:latin typeface="Cambria Math" panose="02040503050406030204" pitchFamily="18" charset="0"/>
+                                                </a:rPr>
+                                              </m:ctrlPr>
+                                            </m:sSubPr>
+                                            <m:e>
+                                              <m:r>
+                                                <m:rPr>
+                                                  <m:brk m:alnAt="7"/>
+                                                </m:rPr>
+                                                <a:rPr lang="en-US" sz="2400" i="1">
+                                                  <a:latin typeface="Cambria Math" panose="02040503050406030204" pitchFamily="18" charset="0"/>
+                                                </a:rPr>
+                                                <m:t>𝑥</m:t>
+                                              </m:r>
+                                            </m:e>
+                                            <m:sub>
+                                              <m:r>
+                                                <m:rPr>
+                                                  <m:brk m:alnAt="7"/>
+                                                </m:rPr>
+                                                <a:rPr lang="en-US" sz="2400" i="1">
+                                                  <a:latin typeface="Cambria Math" panose="02040503050406030204" pitchFamily="18" charset="0"/>
+                                                </a:rPr>
+                                                <m:t>1</m:t>
+                                              </m:r>
+                                            </m:sub>
+                                          </m:sSub>
+                                          <m:r>
+                                            <m:rPr>
+                                              <m:brk m:alnAt="7"/>
+                                            </m:rPr>
+                                            <a:rPr lang="en-US" sz="2400" i="1">
+                                              <a:latin typeface="Cambria Math" panose="02040503050406030204" pitchFamily="18" charset="0"/>
+                                            </a:rPr>
+                                            <m:t>𝜕</m:t>
+                                          </m:r>
+                                          <m:sSub>
+                                            <m:sSubPr>
+                                              <m:ctrlPr>
+                                                <a:rPr lang="en-US" sz="2400" i="1">
+                                                  <a:latin typeface="Cambria Math" panose="02040503050406030204" pitchFamily="18" charset="0"/>
+                                                </a:rPr>
+                                              </m:ctrlPr>
+                                            </m:sSubPr>
+                                            <m:e>
+                                              <m:r>
+                                                <a:rPr lang="en-US" sz="2400" i="1">
+                                                  <a:latin typeface="Cambria Math" panose="02040503050406030204" pitchFamily="18" charset="0"/>
+                                                </a:rPr>
+                                                <m:t>𝑥</m:t>
+                                              </m:r>
+                                            </m:e>
+                                            <m:sub>
+                                              <m:r>
+                                                <a:rPr lang="en-US" sz="2400" b="0" i="1">
+                                                  <a:latin typeface="Cambria Math" panose="02040503050406030204" pitchFamily="18" charset="0"/>
+                                                </a:rPr>
+                                                <m:t>2</m:t>
+                                              </m:r>
+                                            </m:sub>
+                                          </m:sSub>
+                                        </m:den>
+                                      </m:f>
+                                    </m:e>
+                                    <m:e>
+                                      <m:r>
+                                        <a:rPr lang="en-US" sz="2400" i="1">
+                                          <a:latin typeface="Cambria Math" panose="02040503050406030204" pitchFamily="18" charset="0"/>
+                                        </a:rPr>
+                                        <m:t>⋯</m:t>
+                                      </m:r>
+                                    </m:e>
+                                  </m:mr>
+                                </m:m>
+                              </m:e>
+                              <m:e>
+                                <m:f>
+                                  <m:fPr>
+                                    <m:ctrlPr>
+                                      <a:rPr lang="en-US" sz="2400" i="1">
+                                        <a:latin typeface="Cambria Math" panose="02040503050406030204" pitchFamily="18" charset="0"/>
+                                      </a:rPr>
+                                    </m:ctrlPr>
+                                  </m:fPr>
+                                  <m:num>
+                                    <m:sSup>
+                                      <m:sSupPr>
+                                        <m:ctrlPr>
+                                          <a:rPr lang="en-US" sz="2400" i="1">
+                                            <a:latin typeface="Cambria Math" panose="02040503050406030204" pitchFamily="18" charset="0"/>
+                                          </a:rPr>
+                                        </m:ctrlPr>
+                                      </m:sSupPr>
+                                      <m:e>
+                                        <m:r>
+                                          <m:rPr>
+                                            <m:brk m:alnAt="7"/>
+                                          </m:rPr>
+                                          <a:rPr lang="en-US" sz="2400" i="1">
+                                            <a:latin typeface="Cambria Math" panose="02040503050406030204" pitchFamily="18" charset="0"/>
+                                          </a:rPr>
+                                          <m:t>𝜕</m:t>
+                                        </m:r>
+                                      </m:e>
+                                      <m:sup>
+                                        <m:r>
+                                          <m:rPr>
+                                            <m:brk m:alnAt="7"/>
+                                          </m:rPr>
+                                          <a:rPr lang="en-US" sz="2400" i="1">
+                                            <a:latin typeface="Cambria Math" panose="02040503050406030204" pitchFamily="18" charset="0"/>
+                                          </a:rPr>
+                                          <m:t>2</m:t>
+                                        </m:r>
+                                      </m:sup>
+                                    </m:sSup>
+                                    <m:r>
+                                      <a:rPr lang="en-US" sz="2400" i="1">
+                                        <a:latin typeface="Cambria Math" panose="02040503050406030204" pitchFamily="18" charset="0"/>
+                                      </a:rPr>
+                                      <m:t>𝑓</m:t>
+                                    </m:r>
+                                  </m:num>
+                                  <m:den>
+                                    <m:r>
+                                      <m:rPr>
+                                        <m:brk m:alnAt="7"/>
+                                      </m:rPr>
+                                      <a:rPr lang="en-US" sz="2400" i="1">
+                                        <a:latin typeface="Cambria Math" panose="02040503050406030204" pitchFamily="18" charset="0"/>
+                                      </a:rPr>
+                                      <m:t>𝜕</m:t>
+                                    </m:r>
+                                    <m:sSub>
+                                      <m:sSubPr>
+                                        <m:ctrlPr>
+                                          <a:rPr lang="en-US" sz="2400" i="1">
+                                            <a:latin typeface="Cambria Math" panose="02040503050406030204" pitchFamily="18" charset="0"/>
+                                          </a:rPr>
+                                        </m:ctrlPr>
+                                      </m:sSubPr>
+                                      <m:e>
+                                        <m:r>
+                                          <m:rPr>
+                                            <m:brk m:alnAt="7"/>
+                                          </m:rPr>
+                                          <a:rPr lang="en-US" sz="2400" i="1">
+                                            <a:latin typeface="Cambria Math" panose="02040503050406030204" pitchFamily="18" charset="0"/>
+                                          </a:rPr>
+                                          <m:t>𝑥</m:t>
+                                        </m:r>
+                                      </m:e>
+                                      <m:sub>
+                                        <m:r>
+                                          <m:rPr>
+                                            <m:brk m:alnAt="7"/>
+                                          </m:rPr>
+                                          <a:rPr lang="en-US" sz="2400" i="1">
+                                            <a:latin typeface="Cambria Math" panose="02040503050406030204" pitchFamily="18" charset="0"/>
+                                          </a:rPr>
+                                          <m:t>1</m:t>
+                                        </m:r>
+                                      </m:sub>
+                                    </m:sSub>
+                                    <m:r>
+                                      <m:rPr>
+                                        <m:brk m:alnAt="7"/>
+                                      </m:rPr>
+                                      <a:rPr lang="en-US" sz="2400" i="1">
+                                        <a:latin typeface="Cambria Math" panose="02040503050406030204" pitchFamily="18" charset="0"/>
+                                      </a:rPr>
+                                      <m:t>𝜕</m:t>
+                                    </m:r>
+                                    <m:sSub>
+                                      <m:sSubPr>
+                                        <m:ctrlPr>
+                                          <a:rPr lang="en-US" sz="2400" i="1">
+                                            <a:latin typeface="Cambria Math" panose="02040503050406030204" pitchFamily="18" charset="0"/>
+                                          </a:rPr>
+                                        </m:ctrlPr>
+                                      </m:sSubPr>
+                                      <m:e>
+                                        <m:r>
+                                          <a:rPr lang="en-US" sz="2400" i="1">
+                                            <a:latin typeface="Cambria Math" panose="02040503050406030204" pitchFamily="18" charset="0"/>
+                                          </a:rPr>
+                                          <m:t>𝑥</m:t>
+                                        </m:r>
+                                      </m:e>
+                                      <m:sub>
+                                        <m:r>
+                                          <a:rPr lang="en-US" sz="2400" b="0" i="1">
+                                            <a:latin typeface="Cambria Math" panose="02040503050406030204" pitchFamily="18" charset="0"/>
+                                          </a:rPr>
+                                          <m:t>𝑛</m:t>
+                                        </m:r>
+                                      </m:sub>
+                                    </m:sSub>
+                                  </m:den>
+                                </m:f>
+                              </m:e>
+                            </m:mr>
+                            <m:mr>
+                              <m:e>
+                                <m:f>
+                                  <m:fPr>
+                                    <m:ctrlPr>
+                                      <a:rPr lang="en-US" sz="2400" i="1">
+                                        <a:latin typeface="Cambria Math" panose="02040503050406030204" pitchFamily="18" charset="0"/>
+                                      </a:rPr>
+                                    </m:ctrlPr>
+                                  </m:fPr>
+                                  <m:num>
+                                    <m:sSup>
+                                      <m:sSupPr>
+                                        <m:ctrlPr>
+                                          <a:rPr lang="en-US" sz="2400" i="1">
+                                            <a:latin typeface="Cambria Math" panose="02040503050406030204" pitchFamily="18" charset="0"/>
+                                          </a:rPr>
+                                        </m:ctrlPr>
+                                      </m:sSupPr>
+                                      <m:e>
+                                        <m:r>
+                                          <m:rPr>
+                                            <m:brk m:alnAt="7"/>
+                                          </m:rPr>
+                                          <a:rPr lang="en-US" sz="2400" i="1">
+                                            <a:latin typeface="Cambria Math" panose="02040503050406030204" pitchFamily="18" charset="0"/>
+                                          </a:rPr>
+                                          <m:t>𝜕</m:t>
+                                        </m:r>
+                                      </m:e>
+                                      <m:sup>
+                                        <m:r>
+                                          <m:rPr>
+                                            <m:brk m:alnAt="7"/>
+                                          </m:rPr>
+                                          <a:rPr lang="en-US" sz="2400" i="1">
+                                            <a:latin typeface="Cambria Math" panose="02040503050406030204" pitchFamily="18" charset="0"/>
+                                          </a:rPr>
+                                          <m:t>2</m:t>
+                                        </m:r>
+                                      </m:sup>
+                                    </m:sSup>
+                                    <m:r>
+                                      <a:rPr lang="en-US" sz="2400" i="1">
+                                        <a:latin typeface="Cambria Math" panose="02040503050406030204" pitchFamily="18" charset="0"/>
+                                      </a:rPr>
+                                      <m:t>𝑓</m:t>
+                                    </m:r>
+                                  </m:num>
+                                  <m:den>
+                                    <m:r>
+                                      <m:rPr>
+                                        <m:brk m:alnAt="7"/>
+                                      </m:rPr>
+                                      <a:rPr lang="en-US" sz="2400" i="1">
+                                        <a:latin typeface="Cambria Math" panose="02040503050406030204" pitchFamily="18" charset="0"/>
+                                      </a:rPr>
+                                      <m:t>𝜕</m:t>
+                                    </m:r>
+                                    <m:sSub>
+                                      <m:sSubPr>
+                                        <m:ctrlPr>
+                                          <a:rPr lang="en-US" sz="2400" i="1">
+                                            <a:latin typeface="Cambria Math" panose="02040503050406030204" pitchFamily="18" charset="0"/>
+                                          </a:rPr>
+                                        </m:ctrlPr>
+                                      </m:sSubPr>
+                                      <m:e>
+                                        <m:r>
+                                          <m:rPr>
+                                            <m:brk m:alnAt="7"/>
+                                          </m:rPr>
+                                          <a:rPr lang="en-US" sz="2400" i="1">
+                                            <a:latin typeface="Cambria Math" panose="02040503050406030204" pitchFamily="18" charset="0"/>
+                                          </a:rPr>
+                                          <m:t>𝑥</m:t>
+                                        </m:r>
+                                      </m:e>
+                                      <m:sub>
+                                        <m:r>
+                                          <a:rPr lang="en-US" sz="2400" b="0" i="1">
+                                            <a:latin typeface="Cambria Math" panose="02040503050406030204" pitchFamily="18" charset="0"/>
+                                          </a:rPr>
+                                          <m:t>2</m:t>
+                                        </m:r>
+                                      </m:sub>
+                                    </m:sSub>
+                                    <m:r>
+                                      <m:rPr>
+                                        <m:brk m:alnAt="7"/>
+                                      </m:rPr>
+                                      <a:rPr lang="en-US" sz="2400" i="1">
+                                        <a:latin typeface="Cambria Math" panose="02040503050406030204" pitchFamily="18" charset="0"/>
+                                      </a:rPr>
+                                      <m:t>𝜕</m:t>
+                                    </m:r>
+                                    <m:sSub>
+                                      <m:sSubPr>
+                                        <m:ctrlPr>
+                                          <a:rPr lang="en-US" sz="2400" i="1">
+                                            <a:latin typeface="Cambria Math" panose="02040503050406030204" pitchFamily="18" charset="0"/>
+                                          </a:rPr>
+                                        </m:ctrlPr>
+                                      </m:sSubPr>
+                                      <m:e>
+                                        <m:r>
+                                          <a:rPr lang="en-US" sz="2400" i="1">
+                                            <a:latin typeface="Cambria Math" panose="02040503050406030204" pitchFamily="18" charset="0"/>
+                                          </a:rPr>
+                                          <m:t>𝑥</m:t>
+                                        </m:r>
+                                      </m:e>
+                                      <m:sub>
+                                        <m:r>
+                                          <a:rPr lang="en-US" sz="2400" b="0" i="1">
+                                            <a:latin typeface="Cambria Math" panose="02040503050406030204" pitchFamily="18" charset="0"/>
+                                          </a:rPr>
+                                          <m:t>1</m:t>
+                                        </m:r>
+                                      </m:sub>
+                                    </m:sSub>
+                                  </m:den>
+                                </m:f>
+                              </m:e>
+                              <m:e>
+                                <m:m>
+                                  <m:mPr>
+                                    <m:mcs>
+                                      <m:mc>
+                                        <m:mcPr>
+                                          <m:count m:val="2"/>
+                                          <m:mcJc m:val="center"/>
+                                        </m:mcPr>
+                                      </m:mc>
+                                    </m:mcs>
+                                    <m:ctrlPr>
+                                      <a:rPr lang="en-US" sz="2400" i="1">
+                                        <a:latin typeface="Cambria Math" panose="02040503050406030204" pitchFamily="18" charset="0"/>
+                                      </a:rPr>
+                                    </m:ctrlPr>
+                                  </m:mPr>
+                                  <m:mr>
+                                    <m:e>
+                                      <m:f>
+                                        <m:fPr>
+                                          <m:ctrlPr>
+                                            <a:rPr lang="en-US" sz="2400" i="1">
+                                              <a:latin typeface="Cambria Math" panose="02040503050406030204" pitchFamily="18" charset="0"/>
+                                            </a:rPr>
+                                          </m:ctrlPr>
+                                        </m:fPr>
+                                        <m:num>
+                                          <m:sSup>
+                                            <m:sSupPr>
+                                              <m:ctrlPr>
+                                                <a:rPr lang="en-US" sz="2400" i="1">
+                                                  <a:latin typeface="Cambria Math" panose="02040503050406030204" pitchFamily="18" charset="0"/>
+                                                </a:rPr>
+                                              </m:ctrlPr>
+                                            </m:sSupPr>
+                                            <m:e>
+                                              <m:r>
+                                                <m:rPr>
+                                                  <m:brk m:alnAt="7"/>
+                                                </m:rPr>
+                                                <a:rPr lang="en-US" sz="2400" i="1">
+                                                  <a:latin typeface="Cambria Math" panose="02040503050406030204" pitchFamily="18" charset="0"/>
+                                                </a:rPr>
+                                                <m:t>𝜕</m:t>
+                                              </m:r>
+                                            </m:e>
+                                            <m:sup>
+                                              <m:r>
+                                                <m:rPr>
+                                                  <m:brk m:alnAt="7"/>
+                                                </m:rPr>
+                                                <a:rPr lang="en-US" sz="2400" i="1">
+                                                  <a:latin typeface="Cambria Math" panose="02040503050406030204" pitchFamily="18" charset="0"/>
+                                                </a:rPr>
+                                                <m:t>2</m:t>
+                                              </m:r>
+                                            </m:sup>
+                                          </m:sSup>
+                                          <m:r>
+                                            <a:rPr lang="en-US" sz="2400" i="1">
+                                              <a:latin typeface="Cambria Math" panose="02040503050406030204" pitchFamily="18" charset="0"/>
+                                            </a:rPr>
+                                            <m:t>𝑓</m:t>
+                                          </m:r>
+                                        </m:num>
+                                        <m:den>
+                                          <m:r>
+                                            <m:rPr>
+                                              <m:brk m:alnAt="7"/>
+                                            </m:rPr>
+                                            <a:rPr lang="en-US" sz="2400" i="1">
+                                              <a:latin typeface="Cambria Math" panose="02040503050406030204" pitchFamily="18" charset="0"/>
+                                            </a:rPr>
+                                            <m:t>𝜕</m:t>
+                                          </m:r>
+                                          <m:sSub>
+                                            <m:sSubPr>
+                                              <m:ctrlPr>
+                                                <a:rPr lang="en-US" sz="2400" i="1">
+                                                  <a:latin typeface="Cambria Math" panose="02040503050406030204" pitchFamily="18" charset="0"/>
+                                                </a:rPr>
+                                              </m:ctrlPr>
+                                            </m:sSubPr>
+                                            <m:e>
+                                              <m:r>
+                                                <m:rPr>
+                                                  <m:brk m:alnAt="7"/>
+                                                </m:rPr>
+                                                <a:rPr lang="en-US" sz="2400" i="1">
+                                                  <a:latin typeface="Cambria Math" panose="02040503050406030204" pitchFamily="18" charset="0"/>
+                                                </a:rPr>
+                                                <m:t>𝑥</m:t>
+                                              </m:r>
+                                            </m:e>
+                                            <m:sub>
+                                              <m:r>
+                                                <a:rPr lang="en-US" sz="2400" b="0" i="1">
+                                                  <a:latin typeface="Cambria Math" panose="02040503050406030204" pitchFamily="18" charset="0"/>
+                                                </a:rPr>
+                                                <m:t>2</m:t>
+                                              </m:r>
+                                            </m:sub>
+                                          </m:sSub>
+                                          <m:r>
+                                            <m:rPr>
+                                              <m:brk m:alnAt="7"/>
+                                            </m:rPr>
+                                            <a:rPr lang="en-US" sz="2400" i="1">
+                                              <a:latin typeface="Cambria Math" panose="02040503050406030204" pitchFamily="18" charset="0"/>
+                                            </a:rPr>
+                                            <m:t>𝜕</m:t>
+                                          </m:r>
+                                          <m:sSub>
+                                            <m:sSubPr>
+                                              <m:ctrlPr>
+                                                <a:rPr lang="en-US" sz="2400" i="1">
+                                                  <a:latin typeface="Cambria Math" panose="02040503050406030204" pitchFamily="18" charset="0"/>
+                                                </a:rPr>
+                                              </m:ctrlPr>
+                                            </m:sSubPr>
+                                            <m:e>
+                                              <m:r>
+                                                <a:rPr lang="en-US" sz="2400" i="1">
+                                                  <a:latin typeface="Cambria Math" panose="02040503050406030204" pitchFamily="18" charset="0"/>
+                                                </a:rPr>
+                                                <m:t>𝑥</m:t>
+                                              </m:r>
+                                            </m:e>
+                                            <m:sub>
+                                              <m:r>
+                                                <a:rPr lang="en-US" sz="2400" i="1">
+                                                  <a:latin typeface="Cambria Math" panose="02040503050406030204" pitchFamily="18" charset="0"/>
+                                                </a:rPr>
+                                                <m:t>2</m:t>
+                                              </m:r>
+                                            </m:sub>
+                                          </m:sSub>
+                                        </m:den>
+                                      </m:f>
+                                    </m:e>
+                                    <m:e>
+                                      <m:r>
+                                        <a:rPr lang="en-US" sz="2400" i="1">
+                                          <a:latin typeface="Cambria Math" panose="02040503050406030204" pitchFamily="18" charset="0"/>
+                                        </a:rPr>
+                                        <m:t>⋯</m:t>
+                                      </m:r>
+                                    </m:e>
+                                  </m:mr>
+                                </m:m>
+                              </m:e>
+                              <m:e>
+                                <m:f>
+                                  <m:fPr>
+                                    <m:ctrlPr>
+                                      <a:rPr lang="en-US" sz="2400" i="1">
+                                        <a:latin typeface="Cambria Math" panose="02040503050406030204" pitchFamily="18" charset="0"/>
+                                      </a:rPr>
+                                    </m:ctrlPr>
+                                  </m:fPr>
+                                  <m:num>
+                                    <m:sSup>
+                                      <m:sSupPr>
+                                        <m:ctrlPr>
+                                          <a:rPr lang="en-US" sz="2400" i="1">
+                                            <a:latin typeface="Cambria Math" panose="02040503050406030204" pitchFamily="18" charset="0"/>
+                                          </a:rPr>
+                                        </m:ctrlPr>
+                                      </m:sSupPr>
+                                      <m:e>
+                                        <m:r>
+                                          <m:rPr>
+                                            <m:brk m:alnAt="7"/>
+                                          </m:rPr>
+                                          <a:rPr lang="en-US" sz="2400" i="1">
+                                            <a:latin typeface="Cambria Math" panose="02040503050406030204" pitchFamily="18" charset="0"/>
+                                          </a:rPr>
+                                          <m:t>𝜕</m:t>
+                                        </m:r>
+                                      </m:e>
+                                      <m:sup>
+                                        <m:r>
+                                          <m:rPr>
+                                            <m:brk m:alnAt="7"/>
+                                          </m:rPr>
+                                          <a:rPr lang="en-US" sz="2400" i="1">
+                                            <a:latin typeface="Cambria Math" panose="02040503050406030204" pitchFamily="18" charset="0"/>
+                                          </a:rPr>
+                                          <m:t>2</m:t>
+                                        </m:r>
+                                      </m:sup>
+                                    </m:sSup>
+                                    <m:r>
+                                      <a:rPr lang="en-US" sz="2400" i="1">
+                                        <a:latin typeface="Cambria Math" panose="02040503050406030204" pitchFamily="18" charset="0"/>
+                                      </a:rPr>
+                                      <m:t>𝑓</m:t>
+                                    </m:r>
+                                  </m:num>
+                                  <m:den>
+                                    <m:r>
+                                      <m:rPr>
+                                        <m:brk m:alnAt="7"/>
+                                      </m:rPr>
+                                      <a:rPr lang="en-US" sz="2400" i="1">
+                                        <a:latin typeface="Cambria Math" panose="02040503050406030204" pitchFamily="18" charset="0"/>
+                                      </a:rPr>
+                                      <m:t>𝜕</m:t>
+                                    </m:r>
+                                    <m:sSub>
+                                      <m:sSubPr>
+                                        <m:ctrlPr>
+                                          <a:rPr lang="en-US" sz="2400" i="1">
+                                            <a:latin typeface="Cambria Math" panose="02040503050406030204" pitchFamily="18" charset="0"/>
+                                          </a:rPr>
+                                        </m:ctrlPr>
+                                      </m:sSubPr>
+                                      <m:e>
+                                        <m:r>
+                                          <m:rPr>
+                                            <m:brk m:alnAt="7"/>
+                                          </m:rPr>
+                                          <a:rPr lang="en-US" sz="2400" i="1">
+                                            <a:latin typeface="Cambria Math" panose="02040503050406030204" pitchFamily="18" charset="0"/>
+                                          </a:rPr>
+                                          <m:t>𝑥</m:t>
+                                        </m:r>
+                                      </m:e>
+                                      <m:sub>
+                                        <m:r>
+                                          <a:rPr lang="en-US" sz="2400" b="0" i="1">
+                                            <a:latin typeface="Cambria Math" panose="02040503050406030204" pitchFamily="18" charset="0"/>
+                                          </a:rPr>
+                                          <m:t>2</m:t>
+                                        </m:r>
+                                      </m:sub>
+                                    </m:sSub>
+                                    <m:r>
+                                      <m:rPr>
+                                        <m:brk m:alnAt="7"/>
+                                      </m:rPr>
+                                      <a:rPr lang="en-US" sz="2400" i="1">
+                                        <a:latin typeface="Cambria Math" panose="02040503050406030204" pitchFamily="18" charset="0"/>
+                                      </a:rPr>
+                                      <m:t>𝜕</m:t>
+                                    </m:r>
+                                    <m:sSub>
+                                      <m:sSubPr>
+                                        <m:ctrlPr>
+                                          <a:rPr lang="en-US" sz="2400" i="1">
+                                            <a:latin typeface="Cambria Math" panose="02040503050406030204" pitchFamily="18" charset="0"/>
+                                          </a:rPr>
+                                        </m:ctrlPr>
+                                      </m:sSubPr>
+                                      <m:e>
+                                        <m:r>
+                                          <a:rPr lang="en-US" sz="2400" i="1">
+                                            <a:latin typeface="Cambria Math" panose="02040503050406030204" pitchFamily="18" charset="0"/>
+                                          </a:rPr>
+                                          <m:t>𝑥</m:t>
+                                        </m:r>
+                                      </m:e>
+                                      <m:sub>
+                                        <m:r>
+                                          <a:rPr lang="en-US" sz="2400" b="0" i="1">
+                                            <a:latin typeface="Cambria Math" panose="02040503050406030204" pitchFamily="18" charset="0"/>
+                                          </a:rPr>
+                                          <m:t>𝑛</m:t>
+                                        </m:r>
+                                      </m:sub>
+                                    </m:sSub>
+                                  </m:den>
+                                </m:f>
+                              </m:e>
+                            </m:mr>
+                            <m:mr>
+                              <m:e>
+                                <m:m>
+                                  <m:mPr>
+                                    <m:mcs>
+                                      <m:mc>
+                                        <m:mcPr>
+                                          <m:count m:val="1"/>
+                                          <m:mcJc m:val="center"/>
+                                        </m:mcPr>
+                                      </m:mc>
+                                    </m:mcs>
+                                    <m:ctrlPr>
+                                      <a:rPr lang="en-US" sz="2400" i="1">
+                                        <a:latin typeface="Cambria Math" panose="02040503050406030204" pitchFamily="18" charset="0"/>
+                                      </a:rPr>
+                                    </m:ctrlPr>
+                                  </m:mPr>
+                                  <m:mr>
+                                    <m:e>
+                                      <m:r>
+                                        <m:rPr>
+                                          <m:brk m:alnAt="7"/>
+                                        </m:rPr>
+                                        <a:rPr lang="en-US" sz="2400" i="1">
+                                          <a:latin typeface="Cambria Math" panose="02040503050406030204" pitchFamily="18" charset="0"/>
+                                        </a:rPr>
+                                        <m:t>⋮</m:t>
+                                      </m:r>
+                                    </m:e>
+                                  </m:mr>
+                                  <m:mr>
+                                    <m:e>
+                                      <m:f>
+                                        <m:fPr>
+                                          <m:ctrlPr>
+                                            <a:rPr lang="en-US" sz="2400" i="1">
+                                              <a:latin typeface="Cambria Math" panose="02040503050406030204" pitchFamily="18" charset="0"/>
+                                            </a:rPr>
+                                          </m:ctrlPr>
+                                        </m:fPr>
+                                        <m:num>
+                                          <m:sSup>
+                                            <m:sSupPr>
+                                              <m:ctrlPr>
+                                                <a:rPr lang="en-US" sz="2400" i="1">
+                                                  <a:latin typeface="Cambria Math" panose="02040503050406030204" pitchFamily="18" charset="0"/>
+                                                </a:rPr>
+                                              </m:ctrlPr>
+                                            </m:sSupPr>
+                                            <m:e>
+                                              <m:r>
+                                                <m:rPr>
+                                                  <m:brk m:alnAt="7"/>
+                                                </m:rPr>
+                                                <a:rPr lang="en-US" sz="2400" i="1">
+                                                  <a:latin typeface="Cambria Math" panose="02040503050406030204" pitchFamily="18" charset="0"/>
+                                                </a:rPr>
+                                                <m:t>𝜕</m:t>
+                                              </m:r>
+                                            </m:e>
+                                            <m:sup>
+                                              <m:r>
+                                                <m:rPr>
+                                                  <m:brk m:alnAt="7"/>
+                                                </m:rPr>
+                                                <a:rPr lang="en-US" sz="2400" i="1">
+                                                  <a:latin typeface="Cambria Math" panose="02040503050406030204" pitchFamily="18" charset="0"/>
+                                                </a:rPr>
+                                                <m:t>2</m:t>
+                                              </m:r>
+                                            </m:sup>
+                                          </m:sSup>
+                                          <m:r>
+                                            <a:rPr lang="en-US" sz="2400" i="1">
+                                              <a:latin typeface="Cambria Math" panose="02040503050406030204" pitchFamily="18" charset="0"/>
+                                            </a:rPr>
+                                            <m:t>𝑓</m:t>
+                                          </m:r>
+                                        </m:num>
+                                        <m:den>
+                                          <m:r>
+                                            <m:rPr>
+                                              <m:brk m:alnAt="7"/>
+                                            </m:rPr>
+                                            <a:rPr lang="en-US" sz="2400" i="1">
+                                              <a:latin typeface="Cambria Math" panose="02040503050406030204" pitchFamily="18" charset="0"/>
+                                            </a:rPr>
+                                            <m:t>𝜕</m:t>
+                                          </m:r>
+                                          <m:sSub>
+                                            <m:sSubPr>
+                                              <m:ctrlPr>
+                                                <a:rPr lang="en-US" sz="2400" i="1">
+                                                  <a:latin typeface="Cambria Math" panose="02040503050406030204" pitchFamily="18" charset="0"/>
+                                                </a:rPr>
+                                              </m:ctrlPr>
+                                            </m:sSubPr>
+                                            <m:e>
+                                              <m:r>
+                                                <m:rPr>
+                                                  <m:brk m:alnAt="7"/>
+                                                </m:rPr>
+                                                <a:rPr lang="en-US" sz="2400" i="1">
+                                                  <a:latin typeface="Cambria Math" panose="02040503050406030204" pitchFamily="18" charset="0"/>
+                                                </a:rPr>
+                                                <m:t>𝑥</m:t>
+                                              </m:r>
+                                            </m:e>
+                                            <m:sub>
+                                              <m:r>
+                                                <a:rPr lang="en-US" sz="2400" b="0" i="1">
+                                                  <a:latin typeface="Cambria Math" panose="02040503050406030204" pitchFamily="18" charset="0"/>
+                                                </a:rPr>
+                                                <m:t>𝑛</m:t>
+                                              </m:r>
+                                            </m:sub>
+                                          </m:sSub>
+                                          <m:r>
+                                            <m:rPr>
+                                              <m:brk m:alnAt="7"/>
+                                            </m:rPr>
+                                            <a:rPr lang="en-US" sz="2400" i="1">
+                                              <a:latin typeface="Cambria Math" panose="02040503050406030204" pitchFamily="18" charset="0"/>
+                                            </a:rPr>
+                                            <m:t>𝜕</m:t>
+                                          </m:r>
+                                          <m:sSub>
+                                            <m:sSubPr>
+                                              <m:ctrlPr>
+                                                <a:rPr lang="en-US" sz="2400" i="1">
+                                                  <a:latin typeface="Cambria Math" panose="02040503050406030204" pitchFamily="18" charset="0"/>
+                                                </a:rPr>
+                                              </m:ctrlPr>
+                                            </m:sSubPr>
+                                            <m:e>
+                                              <m:r>
+                                                <a:rPr lang="en-US" sz="2400" i="1">
+                                                  <a:latin typeface="Cambria Math" panose="02040503050406030204" pitchFamily="18" charset="0"/>
+                                                </a:rPr>
+                                                <m:t>𝑥</m:t>
+                                              </m:r>
+                                            </m:e>
+                                            <m:sub>
+                                              <m:r>
+                                                <a:rPr lang="en-US" sz="2400" b="0" i="1">
+                                                  <a:latin typeface="Cambria Math" panose="02040503050406030204" pitchFamily="18" charset="0"/>
+                                                </a:rPr>
+                                                <m:t>1</m:t>
+                                              </m:r>
+                                            </m:sub>
+                                          </m:sSub>
+                                        </m:den>
+                                      </m:f>
+                                    </m:e>
+                                  </m:mr>
+                                </m:m>
+                              </m:e>
+                              <m:e>
+                                <m:m>
+                                  <m:mPr>
+                                    <m:mcs>
+                                      <m:mc>
+                                        <m:mcPr>
+                                          <m:count m:val="1"/>
+                                          <m:mcJc m:val="center"/>
+                                        </m:mcPr>
+                                      </m:mc>
+                                    </m:mcs>
+                                    <m:ctrlPr>
+                                      <a:rPr lang="en-US" sz="2400" i="1">
+                                        <a:latin typeface="Cambria Math" panose="02040503050406030204" pitchFamily="18" charset="0"/>
+                                      </a:rPr>
+                                    </m:ctrlPr>
+                                  </m:mPr>
+                                  <m:mr>
+                                    <m:e>
+                                      <m:r>
+                                        <m:rPr>
+                                          <m:brk m:alnAt="7"/>
+                                        </m:rPr>
+                                        <a:rPr lang="en-US" sz="2400" i="1">
+                                          <a:latin typeface="Cambria Math" panose="02040503050406030204" pitchFamily="18" charset="0"/>
+                                        </a:rPr>
+                                        <m:t>⋮</m:t>
+                                      </m:r>
+                                    </m:e>
+                                  </m:mr>
+                                  <m:mr>
+                                    <m:e>
+                                      <m:m>
+                                        <m:mPr>
+                                          <m:mcs>
+                                            <m:mc>
+                                              <m:mcPr>
+                                                <m:count m:val="2"/>
+                                                <m:mcJc m:val="center"/>
+                                              </m:mcPr>
+                                            </m:mc>
+                                          </m:mcs>
+                                          <m:ctrlPr>
+                                            <a:rPr lang="en-US" sz="2400" i="1">
+                                              <a:latin typeface="Cambria Math" panose="02040503050406030204" pitchFamily="18" charset="0"/>
+                                            </a:rPr>
+                                          </m:ctrlPr>
+                                        </m:mPr>
+                                        <m:mr>
+                                          <m:e>
+                                            <m:f>
+                                              <m:fPr>
+                                                <m:ctrlPr>
+                                                  <a:rPr lang="en-US" sz="2400" i="1">
+                                                    <a:latin typeface="Cambria Math" panose="02040503050406030204" pitchFamily="18" charset="0"/>
+                                                  </a:rPr>
+                                                </m:ctrlPr>
+                                              </m:fPr>
+                                              <m:num>
+                                                <m:sSup>
+                                                  <m:sSupPr>
+                                                    <m:ctrlPr>
+                                                      <a:rPr lang="en-US" sz="2400" i="1">
+                                                        <a:latin typeface="Cambria Math" panose="02040503050406030204" pitchFamily="18" charset="0"/>
+                                                      </a:rPr>
+                                                    </m:ctrlPr>
+                                                  </m:sSupPr>
+                                                  <m:e>
+                                                    <m:r>
+                                                      <m:rPr>
+                                                        <m:brk m:alnAt="7"/>
+                                                      </m:rPr>
+                                                      <a:rPr lang="en-US" sz="2400" i="1">
+                                                        <a:latin typeface="Cambria Math" panose="02040503050406030204" pitchFamily="18" charset="0"/>
+                                                      </a:rPr>
+                                                      <m:t>𝜕</m:t>
+                                                    </m:r>
+                                                  </m:e>
+                                                  <m:sup>
+                                                    <m:r>
+                                                      <m:rPr>
+                                                        <m:brk m:alnAt="7"/>
+                                                      </m:rPr>
+                                                      <a:rPr lang="en-US" sz="2400" i="1">
+                                                        <a:latin typeface="Cambria Math" panose="02040503050406030204" pitchFamily="18" charset="0"/>
+                                                      </a:rPr>
+                                                      <m:t>2</m:t>
+                                                    </m:r>
+                                                  </m:sup>
+                                                </m:sSup>
+                                                <m:r>
+                                                  <a:rPr lang="en-US" sz="2400" i="1">
+                                                    <a:latin typeface="Cambria Math" panose="02040503050406030204" pitchFamily="18" charset="0"/>
+                                                  </a:rPr>
+                                                  <m:t>𝑓</m:t>
+                                                </m:r>
+                                              </m:num>
+                                              <m:den>
+                                                <m:r>
+                                                  <m:rPr>
+                                                    <m:brk m:alnAt="7"/>
+                                                  </m:rPr>
+                                                  <a:rPr lang="en-US" sz="2400" i="1">
+                                                    <a:latin typeface="Cambria Math" panose="02040503050406030204" pitchFamily="18" charset="0"/>
+                                                  </a:rPr>
+                                                  <m:t>𝜕</m:t>
+                                                </m:r>
+                                                <m:sSub>
+                                                  <m:sSubPr>
+                                                    <m:ctrlPr>
+                                                      <a:rPr lang="en-US" sz="2400" i="1">
+                                                        <a:latin typeface="Cambria Math" panose="02040503050406030204" pitchFamily="18" charset="0"/>
+                                                      </a:rPr>
+                                                    </m:ctrlPr>
+                                                  </m:sSubPr>
+                                                  <m:e>
+                                                    <m:r>
+                                                      <m:rPr>
+                                                        <m:brk m:alnAt="7"/>
+                                                      </m:rPr>
+                                                      <a:rPr lang="en-US" sz="2400" i="1">
+                                                        <a:latin typeface="Cambria Math" panose="02040503050406030204" pitchFamily="18" charset="0"/>
+                                                      </a:rPr>
+                                                      <m:t>𝑥</m:t>
+                                                    </m:r>
+                                                  </m:e>
+                                                  <m:sub>
+                                                    <m:r>
+                                                      <a:rPr lang="en-US" sz="2400" i="1">
+                                                        <a:latin typeface="Cambria Math" panose="02040503050406030204" pitchFamily="18" charset="0"/>
+                                                      </a:rPr>
+                                                      <m:t>𝑛</m:t>
+                                                    </m:r>
+                                                  </m:sub>
+                                                </m:sSub>
+                                                <m:r>
+                                                  <m:rPr>
+                                                    <m:brk m:alnAt="7"/>
+                                                  </m:rPr>
+                                                  <a:rPr lang="en-US" sz="2400" i="1">
+                                                    <a:latin typeface="Cambria Math" panose="02040503050406030204" pitchFamily="18" charset="0"/>
+                                                  </a:rPr>
+                                                  <m:t>𝜕</m:t>
+                                                </m:r>
+                                                <m:sSub>
+                                                  <m:sSubPr>
+                                                    <m:ctrlPr>
+                                                      <a:rPr lang="en-US" sz="2400" i="1">
+                                                        <a:latin typeface="Cambria Math" panose="02040503050406030204" pitchFamily="18" charset="0"/>
+                                                      </a:rPr>
+                                                    </m:ctrlPr>
+                                                  </m:sSubPr>
+                                                  <m:e>
+                                                    <m:r>
+                                                      <a:rPr lang="en-US" sz="2400" i="1">
+                                                        <a:latin typeface="Cambria Math" panose="02040503050406030204" pitchFamily="18" charset="0"/>
+                                                      </a:rPr>
+                                                      <m:t>𝑥</m:t>
+                                                    </m:r>
+                                                  </m:e>
+                                                  <m:sub>
+                                                    <m:r>
+                                                      <a:rPr lang="en-US" sz="2400" b="0" i="1">
+                                                        <a:latin typeface="Cambria Math" panose="02040503050406030204" pitchFamily="18" charset="0"/>
+                                                      </a:rPr>
+                                                      <m:t>2</m:t>
+                                                    </m:r>
+                                                  </m:sub>
+                                                </m:sSub>
+                                              </m:den>
+                                            </m:f>
+                                          </m:e>
+                                          <m:e>
+                                            <m:r>
+                                              <a:rPr lang="en-US" sz="2400" i="1">
+                                                <a:latin typeface="Cambria Math" panose="02040503050406030204" pitchFamily="18" charset="0"/>
+                                              </a:rPr>
+                                              <m:t>⋯</m:t>
+                                            </m:r>
+                                          </m:e>
+                                        </m:mr>
+                                      </m:m>
+                                    </m:e>
+                                  </m:mr>
+                                </m:m>
+                              </m:e>
+                              <m:e>
+                                <m:m>
+                                  <m:mPr>
+                                    <m:mcs>
+                                      <m:mc>
+                                        <m:mcPr>
+                                          <m:count m:val="1"/>
+                                          <m:mcJc m:val="center"/>
+                                        </m:mcPr>
+                                      </m:mc>
+                                    </m:mcs>
+                                    <m:ctrlPr>
+                                      <a:rPr lang="en-US" sz="2400" i="1">
+                                        <a:latin typeface="Cambria Math" panose="02040503050406030204" pitchFamily="18" charset="0"/>
+                                      </a:rPr>
+                                    </m:ctrlPr>
+                                  </m:mPr>
+                                  <m:mr>
+                                    <m:e>
+                                      <m:r>
+                                        <m:rPr>
+                                          <m:brk m:alnAt="7"/>
+                                        </m:rPr>
+                                        <a:rPr lang="en-US" sz="2400" i="1">
+                                          <a:latin typeface="Cambria Math" panose="02040503050406030204" pitchFamily="18" charset="0"/>
+                                        </a:rPr>
+                                        <m:t>⋮</m:t>
+                                      </m:r>
+                                    </m:e>
+                                  </m:mr>
+                                  <m:mr>
+                                    <m:e>
+                                      <m:f>
+                                        <m:fPr>
+                                          <m:ctrlPr>
+                                            <a:rPr lang="en-US" sz="2400" i="1">
+                                              <a:latin typeface="Cambria Math" panose="02040503050406030204" pitchFamily="18" charset="0"/>
+                                            </a:rPr>
+                                          </m:ctrlPr>
+                                        </m:fPr>
+                                        <m:num>
+                                          <m:sSup>
+                                            <m:sSupPr>
+                                              <m:ctrlPr>
+                                                <a:rPr lang="en-US" sz="2400" i="1">
+                                                  <a:latin typeface="Cambria Math" panose="02040503050406030204" pitchFamily="18" charset="0"/>
+                                                </a:rPr>
+                                              </m:ctrlPr>
+                                            </m:sSupPr>
+                                            <m:e>
+                                              <m:r>
+                                                <m:rPr>
+                                                  <m:brk m:alnAt="7"/>
+                                                </m:rPr>
+                                                <a:rPr lang="en-US" sz="2400" i="1">
+                                                  <a:latin typeface="Cambria Math" panose="02040503050406030204" pitchFamily="18" charset="0"/>
+                                                </a:rPr>
+                                                <m:t>𝜕</m:t>
+                                              </m:r>
+                                            </m:e>
+                                            <m:sup>
+                                              <m:r>
+                                                <m:rPr>
+                                                  <m:brk m:alnAt="7"/>
+                                                </m:rPr>
+                                                <a:rPr lang="en-US" sz="2400" i="1">
+                                                  <a:latin typeface="Cambria Math" panose="02040503050406030204" pitchFamily="18" charset="0"/>
+                                                </a:rPr>
+                                                <m:t>2</m:t>
+                                              </m:r>
+                                            </m:sup>
+                                          </m:sSup>
+                                          <m:r>
+                                            <a:rPr lang="en-US" sz="2400" i="1">
+                                              <a:latin typeface="Cambria Math" panose="02040503050406030204" pitchFamily="18" charset="0"/>
+                                            </a:rPr>
+                                            <m:t>𝑓</m:t>
+                                          </m:r>
+                                        </m:num>
+                                        <m:den>
+                                          <m:r>
+                                            <m:rPr>
+                                              <m:brk m:alnAt="7"/>
+                                            </m:rPr>
+                                            <a:rPr lang="en-US" sz="2400" i="1">
+                                              <a:latin typeface="Cambria Math" panose="02040503050406030204" pitchFamily="18" charset="0"/>
+                                            </a:rPr>
+                                            <m:t>𝜕</m:t>
+                                          </m:r>
+                                          <m:sSub>
+                                            <m:sSubPr>
+                                              <m:ctrlPr>
+                                                <a:rPr lang="en-US" sz="2400" i="1">
+                                                  <a:latin typeface="Cambria Math" panose="02040503050406030204" pitchFamily="18" charset="0"/>
+                                                </a:rPr>
+                                              </m:ctrlPr>
+                                            </m:sSubPr>
+                                            <m:e>
+                                              <m:r>
+                                                <m:rPr>
+                                                  <m:brk m:alnAt="7"/>
+                                                </m:rPr>
+                                                <a:rPr lang="en-US" sz="2400" i="1">
+                                                  <a:latin typeface="Cambria Math" panose="02040503050406030204" pitchFamily="18" charset="0"/>
+                                                </a:rPr>
+                                                <m:t>𝑥</m:t>
+                                              </m:r>
+                                            </m:e>
+                                            <m:sub>
+                                              <m:r>
+                                                <a:rPr lang="en-US" sz="2400" i="1">
+                                                  <a:latin typeface="Cambria Math" panose="02040503050406030204" pitchFamily="18" charset="0"/>
+                                                </a:rPr>
+                                                <m:t>𝑛</m:t>
+                                              </m:r>
+                                            </m:sub>
+                                          </m:sSub>
+                                          <m:r>
+                                            <m:rPr>
+                                              <m:brk m:alnAt="7"/>
+                                            </m:rPr>
+                                            <a:rPr lang="en-US" sz="2400" i="1">
+                                              <a:latin typeface="Cambria Math" panose="02040503050406030204" pitchFamily="18" charset="0"/>
+                                            </a:rPr>
+                                            <m:t>𝜕</m:t>
+                                          </m:r>
+                                          <m:sSub>
+                                            <m:sSubPr>
+                                              <m:ctrlPr>
+                                                <a:rPr lang="en-US" sz="2400" i="1">
+                                                  <a:latin typeface="Cambria Math" panose="02040503050406030204" pitchFamily="18" charset="0"/>
+                                                </a:rPr>
+                                              </m:ctrlPr>
+                                            </m:sSubPr>
+                                            <m:e>
+                                              <m:r>
+                                                <a:rPr lang="en-US" sz="2400" i="1">
+                                                  <a:latin typeface="Cambria Math" panose="02040503050406030204" pitchFamily="18" charset="0"/>
+                                                </a:rPr>
+                                                <m:t>𝑥</m:t>
+                                              </m:r>
+                                            </m:e>
+                                            <m:sub>
+                                              <m:r>
+                                                <a:rPr lang="en-US" sz="2400" b="0" i="1">
+                                                  <a:latin typeface="Cambria Math" panose="02040503050406030204" pitchFamily="18" charset="0"/>
+                                                </a:rPr>
+                                                <m:t>𝑛</m:t>
+                                              </m:r>
+                                            </m:sub>
+                                          </m:sSub>
+                                        </m:den>
+                                      </m:f>
+                                    </m:e>
+                                  </m:mr>
+                                </m:m>
+                              </m:e>
+                            </m:mr>
+                          </m:m>
+                        </m:e>
+                      </m:d>
+                    </m:oMath>
+                  </m:oMathPara>
+                </a14:m>
+                <a:endParaRPr lang="en-US" sz="2400"/>
+              </a:p>
+            </p:txBody>
+          </p:sp>
+        </mc:Choice>
+        <mc:Fallback>
+          <p:sp>
+            <p:nvSpPr>
+              <p:cNvPr id="50" name="TextBox 49">
+                <a:extLst>
+                  <a:ext uri="{FF2B5EF4-FFF2-40B4-BE49-F238E27FC236}">
+                    <a16:creationId xmlns:a16="http://schemas.microsoft.com/office/drawing/2014/main" id="{69268640-7E35-314B-9F45-B5121CDCA2F2}"/>
+                  </a:ext>
+                </a:extLst>
+              </p:cNvPr>
+              <p:cNvSpPr txBox="1">
+                <a:spLocks noRot="1" noChangeAspect="1" noMove="1" noResize="1" noEditPoints="1" noAdjustHandles="1" noChangeArrowheads="1" noChangeShapeType="1" noTextEdit="1"/>
+              </p:cNvSpPr>
+              <p:nvPr/>
+            </p:nvSpPr>
+            <p:spPr>
+              <a:xfrm>
+                <a:off x="12296748" y="1272448"/>
+                <a:ext cx="5611689" cy="2852704"/>
+              </a:xfrm>
+              <a:prstGeom prst="rect">
+                <a:avLst/>
+              </a:prstGeom>
+              <a:blipFill>
+                <a:blip r:embed="rId11"/>
+                <a:stretch>
+                  <a:fillRect b="-1327"/>
+                </a:stretch>
+              </a:blipFill>
+            </p:spPr>
+            <p:txBody>
+              <a:bodyPr/>
+              <a:lstStyle/>
+              <a:p>
+                <a:r>
+                  <a:rPr lang="en-US">
+                    <a:noFill/>
+                  </a:rPr>
+                  <a:t> </a:t>
+                </a:r>
+              </a:p>
+            </p:txBody>
+          </p:sp>
+        </mc:Fallback>
+      </mc:AlternateContent>
+    </p:spTree>
+    <p:extLst>
+      <p:ext uri="{BB962C8B-B14F-4D97-AF65-F5344CB8AC3E}">
+        <p14:creationId xmlns:p14="http://schemas.microsoft.com/office/powerpoint/2010/main" val="3907624524"/>
+      </p:ext>
+    </p:extLst>
+  </p:cSld>
+  <p:clrMapOvr>
+    <a:masterClrMapping/>
+  </p:clrMapOvr>
+</p:sld>
+</file>
+
 <file path=ppt/slides/slide2.xml><?xml version="1.0" encoding="utf-8"?>
 <p:sld xmlns:a="http://schemas.openxmlformats.org/drawingml/2006/main" xmlns:r="http://schemas.openxmlformats.org/officeDocument/2006/relationships" xmlns:p="http://schemas.openxmlformats.org/presentationml/2006/main">
   <p:cSld>

--- a/content/post/post_ppt.pptx
+++ b/content/post/post_ppt.pptx
@@ -19,6 +19,7 @@
     <p:sldId id="267" r:id="rId13"/>
     <p:sldId id="268" r:id="rId14"/>
     <p:sldId id="269" r:id="rId15"/>
+    <p:sldId id="270" r:id="rId16"/>
   </p:sldIdLst>
   <p:sldSz cx="21553488" cy="6858000"/>
   <p:notesSz cx="6858000" cy="9144000"/>
@@ -283,7 +284,7 @@
           <a:p>
             <a:fld id="{AEE0242F-9983-5646-A2FB-42C1A5B688B5}" type="datetimeFigureOut">
               <a:rPr lang="en-US" smtClean="0"/>
-              <a:t>1/30/20</a:t>
+              <a:t>1/31/20</a:t>
             </a:fld>
             <a:endParaRPr lang="en-US" dirty="0"/>
           </a:p>
@@ -453,7 +454,7 @@
           <a:p>
             <a:fld id="{AEE0242F-9983-5646-A2FB-42C1A5B688B5}" type="datetimeFigureOut">
               <a:rPr lang="en-US" smtClean="0"/>
-              <a:t>1/30/20</a:t>
+              <a:t>1/31/20</a:t>
             </a:fld>
             <a:endParaRPr lang="en-US" dirty="0"/>
           </a:p>
@@ -633,7 +634,7 @@
           <a:p>
             <a:fld id="{AEE0242F-9983-5646-A2FB-42C1A5B688B5}" type="datetimeFigureOut">
               <a:rPr lang="en-US" smtClean="0"/>
-              <a:t>1/30/20</a:t>
+              <a:t>1/31/20</a:t>
             </a:fld>
             <a:endParaRPr lang="en-US" dirty="0"/>
           </a:p>
@@ -803,7 +804,7 @@
           <a:p>
             <a:fld id="{AEE0242F-9983-5646-A2FB-42C1A5B688B5}" type="datetimeFigureOut">
               <a:rPr lang="en-US" smtClean="0"/>
-              <a:t>1/30/20</a:t>
+              <a:t>1/31/20</a:t>
             </a:fld>
             <a:endParaRPr lang="en-US" dirty="0"/>
           </a:p>
@@ -1049,7 +1050,7 @@
           <a:p>
             <a:fld id="{AEE0242F-9983-5646-A2FB-42C1A5B688B5}" type="datetimeFigureOut">
               <a:rPr lang="en-US" smtClean="0"/>
-              <a:t>1/30/20</a:t>
+              <a:t>1/31/20</a:t>
             </a:fld>
             <a:endParaRPr lang="en-US" dirty="0"/>
           </a:p>
@@ -1281,7 +1282,7 @@
           <a:p>
             <a:fld id="{AEE0242F-9983-5646-A2FB-42C1A5B688B5}" type="datetimeFigureOut">
               <a:rPr lang="en-US" smtClean="0"/>
-              <a:t>1/30/20</a:t>
+              <a:t>1/31/20</a:t>
             </a:fld>
             <a:endParaRPr lang="en-US" dirty="0"/>
           </a:p>
@@ -1648,7 +1649,7 @@
           <a:p>
             <a:fld id="{AEE0242F-9983-5646-A2FB-42C1A5B688B5}" type="datetimeFigureOut">
               <a:rPr lang="en-US" smtClean="0"/>
-              <a:t>1/30/20</a:t>
+              <a:t>1/31/20</a:t>
             </a:fld>
             <a:endParaRPr lang="en-US" dirty="0"/>
           </a:p>
@@ -1766,7 +1767,7 @@
           <a:p>
             <a:fld id="{AEE0242F-9983-5646-A2FB-42C1A5B688B5}" type="datetimeFigureOut">
               <a:rPr lang="en-US" smtClean="0"/>
-              <a:t>1/30/20</a:t>
+              <a:t>1/31/20</a:t>
             </a:fld>
             <a:endParaRPr lang="en-US" dirty="0"/>
           </a:p>
@@ -1861,7 +1862,7 @@
           <a:p>
             <a:fld id="{AEE0242F-9983-5646-A2FB-42C1A5B688B5}" type="datetimeFigureOut">
               <a:rPr lang="en-US" smtClean="0"/>
-              <a:t>1/30/20</a:t>
+              <a:t>1/31/20</a:t>
             </a:fld>
             <a:endParaRPr lang="en-US" dirty="0"/>
           </a:p>
@@ -2138,7 +2139,7 @@
           <a:p>
             <a:fld id="{AEE0242F-9983-5646-A2FB-42C1A5B688B5}" type="datetimeFigureOut">
               <a:rPr lang="en-US" smtClean="0"/>
-              <a:t>1/30/20</a:t>
+              <a:t>1/31/20</a:t>
             </a:fld>
             <a:endParaRPr lang="en-US" dirty="0"/>
           </a:p>
@@ -2395,7 +2396,7 @@
           <a:p>
             <a:fld id="{AEE0242F-9983-5646-A2FB-42C1A5B688B5}" type="datetimeFigureOut">
               <a:rPr lang="en-US" smtClean="0"/>
-              <a:t>1/30/20</a:t>
+              <a:t>1/31/20</a:t>
             </a:fld>
             <a:endParaRPr lang="en-US" dirty="0"/>
           </a:p>
@@ -2608,7 +2609,7 @@
           <a:p>
             <a:fld id="{AEE0242F-9983-5646-A2FB-42C1A5B688B5}" type="datetimeFigureOut">
               <a:rPr lang="en-US" smtClean="0"/>
-              <a:t>1/30/20</a:t>
+              <a:t>1/31/20</a:t>
             </a:fld>
             <a:endParaRPr lang="en-US" dirty="0"/>
           </a:p>
@@ -11925,8 +11926,8 @@
           </a:p>
         </p:txBody>
       </p:sp>
-      <mc:AlternateContent xmlns:mc="http://schemas.openxmlformats.org/markup-compatibility/2006">
-        <mc:Choice xmlns:a14="http://schemas.microsoft.com/office/drawing/2010/main" Requires="a14">
+      <mc:AlternateContent xmlns:mc="http://schemas.openxmlformats.org/markup-compatibility/2006" xmlns:a14="http://schemas.microsoft.com/office/drawing/2010/main">
+        <mc:Choice Requires="a14">
           <p:sp>
             <p:nvSpPr>
               <p:cNvPr id="11" name="TextBox 10">
@@ -11955,6 +11956,7 @@
               </a:bodyPr>
               <a:lstStyle/>
               <a:p>
+                <a:pPr/>
                 <a14:m>
                   <m:oMathPara xmlns:m="http://schemas.openxmlformats.org/officeDocument/2006/math">
                     <m:oMathParaPr>
@@ -11975,7 +11977,7 @@
             </p:txBody>
           </p:sp>
         </mc:Choice>
-        <mc:Fallback>
+        <mc:Fallback xmlns="">
           <p:sp>
             <p:nvSpPr>
               <p:cNvPr id="11" name="TextBox 10">
@@ -12020,8 +12022,8 @@
           </p:sp>
         </mc:Fallback>
       </mc:AlternateContent>
-      <mc:AlternateContent xmlns:mc="http://schemas.openxmlformats.org/markup-compatibility/2006">
-        <mc:Choice xmlns:a14="http://schemas.microsoft.com/office/drawing/2010/main" Requires="a14">
+      <mc:AlternateContent xmlns:mc="http://schemas.openxmlformats.org/markup-compatibility/2006" xmlns:a14="http://schemas.microsoft.com/office/drawing/2010/main">
+        <mc:Choice Requires="a14">
           <p:sp>
             <p:nvSpPr>
               <p:cNvPr id="12" name="TextBox 11">
@@ -12050,6 +12052,7 @@
               </a:bodyPr>
               <a:lstStyle/>
               <a:p>
+                <a:pPr/>
                 <a14:m>
                   <m:oMathPara xmlns:m="http://schemas.openxmlformats.org/officeDocument/2006/math">
                     <m:oMathParaPr>
@@ -12070,7 +12073,7 @@
             </p:txBody>
           </p:sp>
         </mc:Choice>
-        <mc:Fallback>
+        <mc:Fallback xmlns="">
           <p:sp>
             <p:nvSpPr>
               <p:cNvPr id="12" name="TextBox 11">
@@ -12167,8 +12170,8 @@
           </a:p>
         </p:txBody>
       </p:sp>
-      <mc:AlternateContent xmlns:mc="http://schemas.openxmlformats.org/markup-compatibility/2006">
-        <mc:Choice xmlns:a14="http://schemas.microsoft.com/office/drawing/2010/main" Requires="a14">
+      <mc:AlternateContent xmlns:mc="http://schemas.openxmlformats.org/markup-compatibility/2006" xmlns:a14="http://schemas.microsoft.com/office/drawing/2010/main">
+        <mc:Choice Requires="a14">
           <p:sp>
             <p:nvSpPr>
               <p:cNvPr id="14" name="TextBox 13">
@@ -12197,6 +12200,7 @@
               </a:bodyPr>
               <a:lstStyle/>
               <a:p>
+                <a:pPr/>
                 <a14:m>
                   <m:oMathPara xmlns:m="http://schemas.openxmlformats.org/officeDocument/2006/math">
                     <m:oMathParaPr>
@@ -12307,7 +12311,7 @@
             </p:txBody>
           </p:sp>
         </mc:Choice>
-        <mc:Fallback>
+        <mc:Fallback xmlns="">
           <p:sp>
             <p:nvSpPr>
               <p:cNvPr id="14" name="TextBox 13">
@@ -12352,8 +12356,8 @@
           </p:sp>
         </mc:Fallback>
       </mc:AlternateContent>
-      <mc:AlternateContent xmlns:mc="http://schemas.openxmlformats.org/markup-compatibility/2006">
-        <mc:Choice xmlns:a14="http://schemas.microsoft.com/office/drawing/2010/main" Requires="a14">
+      <mc:AlternateContent xmlns:mc="http://schemas.openxmlformats.org/markup-compatibility/2006" xmlns:a14="http://schemas.microsoft.com/office/drawing/2010/main">
+        <mc:Choice Requires="a14">
           <p:sp>
             <p:nvSpPr>
               <p:cNvPr id="15" name="TextBox 14">
@@ -12382,6 +12386,7 @@
               </a:bodyPr>
               <a:lstStyle/>
               <a:p>
+                <a:pPr/>
                 <a14:m>
                   <m:oMathPara xmlns:m="http://schemas.openxmlformats.org/officeDocument/2006/math">
                     <m:oMathParaPr>
@@ -12402,7 +12407,7 @@
             </p:txBody>
           </p:sp>
         </mc:Choice>
-        <mc:Fallback>
+        <mc:Fallback xmlns="">
           <p:sp>
             <p:nvSpPr>
               <p:cNvPr id="15" name="TextBox 14">
@@ -12798,8 +12803,8 @@
           </a:p>
         </p:txBody>
       </p:sp>
-      <mc:AlternateContent xmlns:mc="http://schemas.openxmlformats.org/markup-compatibility/2006">
-        <mc:Choice xmlns:a14="http://schemas.microsoft.com/office/drawing/2010/main" Requires="a14">
+      <mc:AlternateContent xmlns:mc="http://schemas.openxmlformats.org/markup-compatibility/2006" xmlns:a14="http://schemas.microsoft.com/office/drawing/2010/main">
+        <mc:Choice Requires="a14">
           <p:sp>
             <p:nvSpPr>
               <p:cNvPr id="39" name="TextBox 38">
@@ -12828,6 +12833,7 @@
               </a:bodyPr>
               <a:lstStyle/>
               <a:p>
+                <a:pPr/>
                 <a14:m>
                   <m:oMathPara xmlns:m="http://schemas.openxmlformats.org/officeDocument/2006/math">
                     <m:oMathParaPr>
@@ -12848,7 +12854,7 @@
             </p:txBody>
           </p:sp>
         </mc:Choice>
-        <mc:Fallback>
+        <mc:Fallback xmlns="">
           <p:sp>
             <p:nvSpPr>
               <p:cNvPr id="39" name="TextBox 38">
@@ -12942,8 +12948,8 @@
           </a:p>
         </p:txBody>
       </p:sp>
-      <mc:AlternateContent xmlns:mc="http://schemas.openxmlformats.org/markup-compatibility/2006">
-        <mc:Choice xmlns:a14="http://schemas.microsoft.com/office/drawing/2010/main" Requires="a14">
+      <mc:AlternateContent xmlns:mc="http://schemas.openxmlformats.org/markup-compatibility/2006" xmlns:a14="http://schemas.microsoft.com/office/drawing/2010/main">
+        <mc:Choice Requires="a14">
           <p:sp>
             <p:nvSpPr>
               <p:cNvPr id="43" name="TextBox 42">
@@ -12972,6 +12978,7 @@
               </a:bodyPr>
               <a:lstStyle/>
               <a:p>
+                <a:pPr/>
                 <a14:m>
                   <m:oMathPara xmlns:m="http://schemas.openxmlformats.org/officeDocument/2006/math">
                     <m:oMathParaPr>
@@ -12992,7 +12999,7 @@
             </p:txBody>
           </p:sp>
         </mc:Choice>
-        <mc:Fallback>
+        <mc:Fallback xmlns="">
           <p:sp>
             <p:nvSpPr>
               <p:cNvPr id="43" name="TextBox 42">
@@ -13089,8 +13096,8 @@
           </a:p>
         </p:txBody>
       </p:sp>
-      <mc:AlternateContent xmlns:mc="http://schemas.openxmlformats.org/markup-compatibility/2006">
-        <mc:Choice xmlns:a14="http://schemas.microsoft.com/office/drawing/2010/main" Requires="a14">
+      <mc:AlternateContent xmlns:mc="http://schemas.openxmlformats.org/markup-compatibility/2006" xmlns:a14="http://schemas.microsoft.com/office/drawing/2010/main">
+        <mc:Choice Requires="a14">
           <p:sp>
             <p:nvSpPr>
               <p:cNvPr id="47" name="TextBox 46">
@@ -13119,6 +13126,7 @@
               </a:bodyPr>
               <a:lstStyle/>
               <a:p>
+                <a:pPr/>
                 <a14:m>
                   <m:oMathPara xmlns:m="http://schemas.openxmlformats.org/officeDocument/2006/math">
                     <m:oMathParaPr>
@@ -13229,7 +13237,7 @@
             </p:txBody>
           </p:sp>
         </mc:Choice>
-        <mc:Fallback>
+        <mc:Fallback xmlns="">
           <p:sp>
             <p:nvSpPr>
               <p:cNvPr id="47" name="TextBox 46">
@@ -13274,8 +13282,8 @@
           </p:sp>
         </mc:Fallback>
       </mc:AlternateContent>
-      <mc:AlternateContent xmlns:mc="http://schemas.openxmlformats.org/markup-compatibility/2006">
-        <mc:Choice xmlns:a14="http://schemas.microsoft.com/office/drawing/2010/main" Requires="a14">
+      <mc:AlternateContent xmlns:mc="http://schemas.openxmlformats.org/markup-compatibility/2006" xmlns:a14="http://schemas.microsoft.com/office/drawing/2010/main">
+        <mc:Choice Requires="a14">
           <p:sp>
             <p:nvSpPr>
               <p:cNvPr id="48" name="TextBox 47">
@@ -13304,6 +13312,7 @@
               </a:bodyPr>
               <a:lstStyle/>
               <a:p>
+                <a:pPr/>
                 <a14:m>
                   <m:oMathPara xmlns:m="http://schemas.openxmlformats.org/officeDocument/2006/math">
                     <m:oMathParaPr>
@@ -13324,7 +13333,7 @@
             </p:txBody>
           </p:sp>
         </mc:Choice>
-        <mc:Fallback>
+        <mc:Fallback xmlns="">
           <p:sp>
             <p:nvSpPr>
               <p:cNvPr id="48" name="TextBox 47">
@@ -13369,8 +13378,8 @@
           </p:sp>
         </mc:Fallback>
       </mc:AlternateContent>
-      <mc:AlternateContent xmlns:mc="http://schemas.openxmlformats.org/markup-compatibility/2006">
-        <mc:Choice xmlns:a14="http://schemas.microsoft.com/office/drawing/2010/main" Requires="a14">
+      <mc:AlternateContent xmlns:mc="http://schemas.openxmlformats.org/markup-compatibility/2006" xmlns:a14="http://schemas.microsoft.com/office/drawing/2010/main">
+        <mc:Choice Requires="a14">
           <p:sp>
             <p:nvSpPr>
               <p:cNvPr id="50" name="TextBox 49">
@@ -13429,7 +13438,7 @@
             </p:txBody>
           </p:sp>
         </mc:Choice>
-        <mc:Fallback>
+        <mc:Fallback xmlns="">
           <p:sp>
             <p:nvSpPr>
               <p:cNvPr id="50" name="TextBox 49">
@@ -13474,8 +13483,8 @@
           </p:sp>
         </mc:Fallback>
       </mc:AlternateContent>
-      <mc:AlternateContent xmlns:mc="http://schemas.openxmlformats.org/markup-compatibility/2006">
-        <mc:Choice xmlns:a14="http://schemas.microsoft.com/office/drawing/2010/main" Requires="a14">
+      <mc:AlternateContent xmlns:mc="http://schemas.openxmlformats.org/markup-compatibility/2006" xmlns:a14="http://schemas.microsoft.com/office/drawing/2010/main">
+        <mc:Choice Requires="a14">
           <p:sp>
             <p:nvSpPr>
               <p:cNvPr id="51" name="TextBox 50">
@@ -13534,7 +13543,7 @@
             </p:txBody>
           </p:sp>
         </mc:Choice>
-        <mc:Fallback>
+        <mc:Fallback xmlns="">
           <p:sp>
             <p:nvSpPr>
               <p:cNvPr id="51" name="TextBox 50">
@@ -13785,8 +13794,8 @@
           </a:fontRef>
         </p:style>
       </p:cxnSp>
-      <mc:AlternateContent xmlns:mc="http://schemas.openxmlformats.org/markup-compatibility/2006">
-        <mc:Choice xmlns:p14="http://schemas.microsoft.com/office/powerpoint/2010/main" Requires="p14">
+      <mc:AlternateContent xmlns:mc="http://schemas.openxmlformats.org/markup-compatibility/2006" xmlns:p14="http://schemas.microsoft.com/office/powerpoint/2010/main">
+        <mc:Choice Requires="p14">
           <p:contentPart p14:bwMode="auto" r:id="rId2">
             <p14:nvContentPartPr>
               <p14:cNvPr id="17" name="Ink 16">
@@ -13805,7 +13814,7 @@
             </p14:xfrm>
           </p:contentPart>
         </mc:Choice>
-        <mc:Fallback>
+        <mc:Fallback xmlns="">
           <p:pic>
             <p:nvPicPr>
               <p:cNvPr id="17" name="Ink 16">
@@ -13929,8 +13938,8 @@
           </a:p>
         </p:txBody>
       </p:sp>
-      <mc:AlternateContent xmlns:mc="http://schemas.openxmlformats.org/markup-compatibility/2006">
-        <mc:Choice xmlns:a14="http://schemas.microsoft.com/office/drawing/2010/main" Requires="a14">
+      <mc:AlternateContent xmlns:mc="http://schemas.openxmlformats.org/markup-compatibility/2006" xmlns:a14="http://schemas.microsoft.com/office/drawing/2010/main">
+        <mc:Choice Requires="a14">
           <p:sp>
             <p:nvSpPr>
               <p:cNvPr id="23" name="TextBox 22">
@@ -13959,6 +13968,7 @@
               </a:bodyPr>
               <a:lstStyle/>
               <a:p>
+                <a:pPr/>
                 <a14:m>
                   <m:oMathPara xmlns:m="http://schemas.openxmlformats.org/officeDocument/2006/math">
                     <m:oMathParaPr>
@@ -13979,7 +13989,7 @@
             </p:txBody>
           </p:sp>
         </mc:Choice>
-        <mc:Fallback>
+        <mc:Fallback xmlns="">
           <p:sp>
             <p:nvSpPr>
               <p:cNvPr id="23" name="TextBox 22">
@@ -14073,8 +14083,8 @@
           </a:p>
         </p:txBody>
       </p:sp>
-      <mc:AlternateContent xmlns:mc="http://schemas.openxmlformats.org/markup-compatibility/2006">
-        <mc:Choice xmlns:a14="http://schemas.microsoft.com/office/drawing/2010/main" Requires="a14">
+      <mc:AlternateContent xmlns:mc="http://schemas.openxmlformats.org/markup-compatibility/2006" xmlns:a14="http://schemas.microsoft.com/office/drawing/2010/main">
+        <mc:Choice Requires="a14">
           <p:sp>
             <p:nvSpPr>
               <p:cNvPr id="31" name="TextBox 30">
@@ -14103,6 +14113,7 @@
               </a:bodyPr>
               <a:lstStyle/>
               <a:p>
+                <a:pPr/>
                 <a14:m>
                   <m:oMathPara xmlns:m="http://schemas.openxmlformats.org/officeDocument/2006/math">
                     <m:oMathParaPr>
@@ -14123,7 +14134,7 @@
             </p:txBody>
           </p:sp>
         </mc:Choice>
-        <mc:Fallback>
+        <mc:Fallback xmlns="">
           <p:sp>
             <p:nvSpPr>
               <p:cNvPr id="31" name="TextBox 30">
@@ -14264,8 +14275,8 @@
           </a:p>
         </p:txBody>
       </p:sp>
-      <mc:AlternateContent xmlns:mc="http://schemas.openxmlformats.org/markup-compatibility/2006">
-        <mc:Choice xmlns:a14="http://schemas.microsoft.com/office/drawing/2010/main" Requires="a14">
+      <mc:AlternateContent xmlns:mc="http://schemas.openxmlformats.org/markup-compatibility/2006" xmlns:a14="http://schemas.microsoft.com/office/drawing/2010/main">
+        <mc:Choice Requires="a14">
           <p:sp>
             <p:nvSpPr>
               <p:cNvPr id="35" name="TextBox 34">
@@ -14294,6 +14305,7 @@
               </a:bodyPr>
               <a:lstStyle/>
               <a:p>
+                <a:pPr/>
                 <a14:m>
                   <m:oMathPara xmlns:m="http://schemas.openxmlformats.org/officeDocument/2006/math">
                     <m:oMathParaPr>
@@ -14404,7 +14416,7 @@
             </p:txBody>
           </p:sp>
         </mc:Choice>
-        <mc:Fallback>
+        <mc:Fallback xmlns="">
           <p:sp>
             <p:nvSpPr>
               <p:cNvPr id="35" name="TextBox 34">
@@ -14449,8 +14461,8 @@
           </p:sp>
         </mc:Fallback>
       </mc:AlternateContent>
-      <mc:AlternateContent xmlns:mc="http://schemas.openxmlformats.org/markup-compatibility/2006">
-        <mc:Choice xmlns:a14="http://schemas.microsoft.com/office/drawing/2010/main" Requires="a14">
+      <mc:AlternateContent xmlns:mc="http://schemas.openxmlformats.org/markup-compatibility/2006" xmlns:a14="http://schemas.microsoft.com/office/drawing/2010/main">
+        <mc:Choice Requires="a14">
           <p:sp>
             <p:nvSpPr>
               <p:cNvPr id="37" name="TextBox 36">
@@ -14479,6 +14491,7 @@
               </a:bodyPr>
               <a:lstStyle/>
               <a:p>
+                <a:pPr/>
                 <a14:m>
                   <m:oMathPara xmlns:m="http://schemas.openxmlformats.org/officeDocument/2006/math">
                     <m:oMathParaPr>
@@ -14517,7 +14530,7 @@
             </p:txBody>
           </p:sp>
         </mc:Choice>
-        <mc:Fallback>
+        <mc:Fallback xmlns="">
           <p:sp>
             <p:nvSpPr>
               <p:cNvPr id="37" name="TextBox 36">
@@ -14562,8 +14575,8 @@
           </p:sp>
         </mc:Fallback>
       </mc:AlternateContent>
-      <mc:AlternateContent xmlns:mc="http://schemas.openxmlformats.org/markup-compatibility/2006">
-        <mc:Choice xmlns:a14="http://schemas.microsoft.com/office/drawing/2010/main" Requires="a14">
+      <mc:AlternateContent xmlns:mc="http://schemas.openxmlformats.org/markup-compatibility/2006" xmlns:a14="http://schemas.microsoft.com/office/drawing/2010/main">
+        <mc:Choice Requires="a14">
           <p:sp>
             <p:nvSpPr>
               <p:cNvPr id="38" name="TextBox 37">
@@ -14592,6 +14605,7 @@
               </a:bodyPr>
               <a:lstStyle/>
               <a:p>
+                <a:pPr/>
                 <a14:m>
                   <m:oMathPara xmlns:m="http://schemas.openxmlformats.org/officeDocument/2006/math">
                     <m:oMathParaPr>
@@ -14630,7 +14644,7 @@
             </p:txBody>
           </p:sp>
         </mc:Choice>
-        <mc:Fallback>
+        <mc:Fallback xmlns="">
           <p:sp>
             <p:nvSpPr>
               <p:cNvPr id="38" name="TextBox 37">
@@ -14675,8 +14689,8 @@
           </p:sp>
         </mc:Fallback>
       </mc:AlternateContent>
-      <mc:AlternateContent xmlns:mc="http://schemas.openxmlformats.org/markup-compatibility/2006">
-        <mc:Choice xmlns:a14="http://schemas.microsoft.com/office/drawing/2010/main" Requires="a14">
+      <mc:AlternateContent xmlns:mc="http://schemas.openxmlformats.org/markup-compatibility/2006" xmlns:a14="http://schemas.microsoft.com/office/drawing/2010/main">
+        <mc:Choice Requires="a14">
           <p:sp>
             <p:nvSpPr>
               <p:cNvPr id="39" name="TextBox 38">
@@ -14705,6 +14719,7 @@
               </a:bodyPr>
               <a:lstStyle/>
               <a:p>
+                <a:pPr/>
                 <a14:m>
                   <m:oMathPara xmlns:m="http://schemas.openxmlformats.org/officeDocument/2006/math">
                     <m:oMathParaPr>
@@ -14818,7 +14833,7 @@
             </p:txBody>
           </p:sp>
         </mc:Choice>
-        <mc:Fallback>
+        <mc:Fallback xmlns="">
           <p:sp>
             <p:nvSpPr>
               <p:cNvPr id="39" name="TextBox 38">
@@ -14912,8 +14927,8 @@
           </a:p>
         </p:txBody>
       </p:sp>
-      <mc:AlternateContent xmlns:mc="http://schemas.openxmlformats.org/markup-compatibility/2006">
-        <mc:Choice xmlns:a14="http://schemas.microsoft.com/office/drawing/2010/main" Requires="a14">
+      <mc:AlternateContent xmlns:mc="http://schemas.openxmlformats.org/markup-compatibility/2006" xmlns:a14="http://schemas.microsoft.com/office/drawing/2010/main">
+        <mc:Choice Requires="a14">
           <p:sp>
             <p:nvSpPr>
               <p:cNvPr id="41" name="TextBox 40">
@@ -14942,6 +14957,7 @@
               </a:bodyPr>
               <a:lstStyle/>
               <a:p>
+                <a:pPr/>
                 <a14:m>
                   <m:oMathPara xmlns:m="http://schemas.openxmlformats.org/officeDocument/2006/math">
                     <m:oMathParaPr>
@@ -15082,7 +15098,7 @@
             </p:txBody>
           </p:sp>
         </mc:Choice>
-        <mc:Fallback>
+        <mc:Fallback xmlns="">
           <p:sp>
             <p:nvSpPr>
               <p:cNvPr id="41" name="TextBox 40">
@@ -15217,8 +15233,8 @@
           </a:fontRef>
         </p:style>
       </p:cxnSp>
-      <mc:AlternateContent xmlns:mc="http://schemas.openxmlformats.org/markup-compatibility/2006">
-        <mc:Choice xmlns:a14="http://schemas.microsoft.com/office/drawing/2010/main" Requires="a14">
+      <mc:AlternateContent xmlns:mc="http://schemas.openxmlformats.org/markup-compatibility/2006" xmlns:a14="http://schemas.microsoft.com/office/drawing/2010/main">
+        <mc:Choice Requires="a14">
           <p:sp>
             <p:nvSpPr>
               <p:cNvPr id="50" name="TextBox 49">
@@ -15247,6 +15263,7 @@
               </a:bodyPr>
               <a:lstStyle/>
               <a:p>
+                <a:pPr/>
                 <a14:m>
                   <m:oMathPara xmlns:m="http://schemas.openxmlformats.org/officeDocument/2006/math">
                     <m:oMathParaPr>
@@ -16602,7 +16619,7 @@
             </p:txBody>
           </p:sp>
         </mc:Choice>
-        <mc:Fallback>
+        <mc:Fallback xmlns="">
           <p:sp>
             <p:nvSpPr>
               <p:cNvPr id="50" name="TextBox 49">
@@ -16651,6 +16668,1781 @@
     <p:extLst>
       <p:ext uri="{BB962C8B-B14F-4D97-AF65-F5344CB8AC3E}">
         <p14:creationId xmlns:p14="http://schemas.microsoft.com/office/powerpoint/2010/main" val="3907624524"/>
+      </p:ext>
+    </p:extLst>
+  </p:cSld>
+  <p:clrMapOvr>
+    <a:masterClrMapping/>
+  </p:clrMapOvr>
+</p:sld>
+</file>
+
+<file path=ppt/slides/slide15.xml><?xml version="1.0" encoding="utf-8"?>
+<p:sld xmlns:a="http://schemas.openxmlformats.org/drawingml/2006/main" xmlns:r="http://schemas.openxmlformats.org/officeDocument/2006/relationships" xmlns:p="http://schemas.openxmlformats.org/presentationml/2006/main">
+  <p:cSld>
+    <p:spTree>
+      <p:nvGrpSpPr>
+        <p:cNvPr id="1" name=""/>
+        <p:cNvGrpSpPr/>
+        <p:nvPr/>
+      </p:nvGrpSpPr>
+      <p:grpSpPr>
+        <a:xfrm>
+          <a:off x="0" y="0"/>
+          <a:ext cx="0" cy="0"/>
+          <a:chOff x="0" y="0"/>
+          <a:chExt cx="0" cy="0"/>
+        </a:xfrm>
+      </p:grpSpPr>
+      <mc:AlternateContent xmlns:mc="http://schemas.openxmlformats.org/markup-compatibility/2006">
+        <mc:Choice xmlns:a14="http://schemas.microsoft.com/office/drawing/2010/main" Requires="a14">
+          <p:sp>
+            <p:nvSpPr>
+              <p:cNvPr id="4" name="TextBox 3">
+                <a:extLst>
+                  <a:ext uri="{FF2B5EF4-FFF2-40B4-BE49-F238E27FC236}">
+                    <a16:creationId xmlns:a16="http://schemas.microsoft.com/office/drawing/2014/main" id="{AEB62922-636A-764C-9880-47321814CB34}"/>
+                  </a:ext>
+                </a:extLst>
+              </p:cNvPr>
+              <p:cNvSpPr txBox="1"/>
+              <p:nvPr/>
+            </p:nvSpPr>
+            <p:spPr>
+              <a:xfrm>
+                <a:off x="2622883" y="1179095"/>
+                <a:ext cx="7845225" cy="1817229"/>
+              </a:xfrm>
+              <a:prstGeom prst="rect">
+                <a:avLst/>
+              </a:prstGeom>
+              <a:noFill/>
+            </p:spPr>
+            <p:txBody>
+              <a:bodyPr wrap="none" lIns="0" tIns="0" rIns="0" bIns="0" rtlCol="0">
+                <a:spAutoFit/>
+              </a:bodyPr>
+              <a:lstStyle/>
+              <a:p>
+                <a14:m>
+                  <m:oMathPara xmlns:m="http://schemas.openxmlformats.org/officeDocument/2006/math">
+                    <m:oMathParaPr>
+                      <m:jc m:val="centerGroup"/>
+                    </m:oMathParaPr>
+                    <m:oMath xmlns:m="http://schemas.openxmlformats.org/officeDocument/2006/math">
+                      <m:f>
+                        <m:fPr>
+                          <m:ctrlPr>
+                            <a:rPr lang="en-US" i="1">
+                              <a:latin typeface="Cambria Math" panose="02040503050406030204" pitchFamily="18" charset="0"/>
+                            </a:rPr>
+                          </m:ctrlPr>
+                        </m:fPr>
+                        <m:num>
+                          <m:r>
+                            <a:rPr lang="en-US" b="0" i="1">
+                              <a:latin typeface="Cambria Math" panose="02040503050406030204" pitchFamily="18" charset="0"/>
+                            </a:rPr>
+                            <m:t>1</m:t>
+                          </m:r>
+                        </m:num>
+                        <m:den>
+                          <m:r>
+                            <a:rPr lang="en-US" b="0" i="1">
+                              <a:latin typeface="Cambria Math" panose="02040503050406030204" pitchFamily="18" charset="0"/>
+                            </a:rPr>
+                            <m:t>𝑁</m:t>
+                          </m:r>
+                        </m:den>
+                      </m:f>
+                      <m:nary>
+                        <m:naryPr>
+                          <m:chr m:val="∑"/>
+                          <m:ctrlPr>
+                            <a:rPr lang="en-US" i="1">
+                              <a:latin typeface="Cambria Math" panose="02040503050406030204" pitchFamily="18" charset="0"/>
+                            </a:rPr>
+                          </m:ctrlPr>
+                        </m:naryPr>
+                        <m:sub>
+                          <m:r>
+                            <m:rPr>
+                              <m:brk m:alnAt="23"/>
+                            </m:rPr>
+                            <a:rPr lang="en-US" b="0" i="1">
+                              <a:latin typeface="Cambria Math" panose="02040503050406030204" pitchFamily="18" charset="0"/>
+                            </a:rPr>
+                            <m:t>𝑘</m:t>
+                          </m:r>
+                          <m:r>
+                            <a:rPr lang="en-US" b="0" i="1">
+                              <a:latin typeface="Cambria Math" panose="02040503050406030204" pitchFamily="18" charset="0"/>
+                            </a:rPr>
+                            <m:t>=1</m:t>
+                          </m:r>
+                        </m:sub>
+                        <m:sup>
+                          <m:r>
+                            <a:rPr lang="en-US" b="0" i="1">
+                              <a:latin typeface="Cambria Math" panose="02040503050406030204" pitchFamily="18" charset="0"/>
+                            </a:rPr>
+                            <m:t>𝑁</m:t>
+                          </m:r>
+                        </m:sup>
+                        <m:e>
+                          <m:d>
+                            <m:dPr>
+                              <m:begChr m:val="["/>
+                              <m:endChr m:val="]"/>
+                              <m:ctrlPr>
+                                <a:rPr lang="en-US" i="1">
+                                  <a:latin typeface="Cambria Math" panose="02040503050406030204" pitchFamily="18" charset="0"/>
+                                </a:rPr>
+                              </m:ctrlPr>
+                            </m:dPr>
+                            <m:e>
+                              <m:m>
+                                <m:mPr>
+                                  <m:mcs>
+                                    <m:mc>
+                                      <m:mcPr>
+                                        <m:count m:val="3"/>
+                                        <m:mcJc m:val="center"/>
+                                      </m:mcPr>
+                                    </m:mc>
+                                  </m:mcs>
+                                  <m:ctrlPr>
+                                    <a:rPr lang="en-US" i="1">
+                                      <a:latin typeface="Cambria Math" panose="02040503050406030204" pitchFamily="18" charset="0"/>
+                                    </a:rPr>
+                                  </m:ctrlPr>
+                                </m:mPr>
+                                <m:mr>
+                                  <m:e>
+                                    <m:sSub>
+                                      <m:sSubPr>
+                                        <m:ctrlPr>
+                                          <a:rPr lang="en-US" b="0" i="1">
+                                            <a:latin typeface="Cambria Math" panose="02040503050406030204" pitchFamily="18" charset="0"/>
+                                          </a:rPr>
+                                        </m:ctrlPr>
+                                      </m:sSubPr>
+                                      <m:e>
+                                        <m:r>
+                                          <m:rPr>
+                                            <m:brk m:alnAt="7"/>
+                                          </m:rPr>
+                                          <a:rPr lang="en-US" b="0" i="1">
+                                            <a:latin typeface="Cambria Math" panose="02040503050406030204" pitchFamily="18" charset="0"/>
+                                          </a:rPr>
+                                          <m:t>𝑥</m:t>
+                                        </m:r>
+                                      </m:e>
+                                      <m:sub>
+                                        <m:d>
+                                          <m:dPr>
+                                            <m:begChr m:val="{"/>
+                                            <m:endChr m:val="}"/>
+                                            <m:ctrlPr>
+                                              <a:rPr lang="en-US" b="0" i="1">
+                                                <a:latin typeface="Cambria Math" panose="02040503050406030204" pitchFamily="18" charset="0"/>
+                                              </a:rPr>
+                                            </m:ctrlPr>
+                                          </m:dPr>
+                                          <m:e>
+                                            <m:r>
+                                              <m:rPr>
+                                                <m:brk m:alnAt="7"/>
+                                              </m:rPr>
+                                              <a:rPr lang="en-US" b="0" i="1">
+                                                <a:latin typeface="Cambria Math" panose="02040503050406030204" pitchFamily="18" charset="0"/>
+                                              </a:rPr>
+                                              <m:t>𝑘</m:t>
+                                            </m:r>
+                                            <m:r>
+                                              <a:rPr lang="en-US" b="0" i="1">
+                                                <a:latin typeface="Cambria Math" panose="02040503050406030204" pitchFamily="18" charset="0"/>
+                                              </a:rPr>
+                                              <m:t>,1</m:t>
+                                            </m:r>
+                                          </m:e>
+                                        </m:d>
+                                      </m:sub>
+                                    </m:sSub>
+                                    <m:sSub>
+                                      <m:sSubPr>
+                                        <m:ctrlPr>
+                                          <a:rPr lang="en-US" b="0" i="1">
+                                            <a:latin typeface="Cambria Math" panose="02040503050406030204" pitchFamily="18" charset="0"/>
+                                          </a:rPr>
+                                        </m:ctrlPr>
+                                      </m:sSubPr>
+                                      <m:e>
+                                        <m:r>
+                                          <m:rPr>
+                                            <m:brk m:alnAt="7"/>
+                                          </m:rPr>
+                                          <a:rPr lang="en-US" b="0" i="1">
+                                            <a:latin typeface="Cambria Math" panose="02040503050406030204" pitchFamily="18" charset="0"/>
+                                          </a:rPr>
+                                          <m:t>𝑥</m:t>
+                                        </m:r>
+                                      </m:e>
+                                      <m:sub>
+                                        <m:d>
+                                          <m:dPr>
+                                            <m:begChr m:val="{"/>
+                                            <m:endChr m:val="}"/>
+                                            <m:ctrlPr>
+                                              <a:rPr lang="en-US" b="0" i="1">
+                                                <a:latin typeface="Cambria Math" panose="02040503050406030204" pitchFamily="18" charset="0"/>
+                                              </a:rPr>
+                                            </m:ctrlPr>
+                                          </m:dPr>
+                                          <m:e>
+                                            <m:r>
+                                              <m:rPr>
+                                                <m:brk m:alnAt="7"/>
+                                              </m:rPr>
+                                              <a:rPr lang="en-US" b="0" i="1">
+                                                <a:latin typeface="Cambria Math" panose="02040503050406030204" pitchFamily="18" charset="0"/>
+                                              </a:rPr>
+                                              <m:t>𝑘</m:t>
+                                            </m:r>
+                                            <m:r>
+                                              <a:rPr lang="en-US" b="0" i="1">
+                                                <a:latin typeface="Cambria Math" panose="02040503050406030204" pitchFamily="18" charset="0"/>
+                                              </a:rPr>
+                                              <m:t>,1</m:t>
+                                            </m:r>
+                                          </m:e>
+                                        </m:d>
+                                      </m:sub>
+                                    </m:sSub>
+                                  </m:e>
+                                  <m:e>
+                                    <m:r>
+                                      <a:rPr lang="en-US" i="1">
+                                        <a:latin typeface="Cambria Math" panose="02040503050406030204" pitchFamily="18" charset="0"/>
+                                      </a:rPr>
+                                      <m:t>⋯</m:t>
+                                    </m:r>
+                                  </m:e>
+                                  <m:e>
+                                    <m:sSub>
+                                      <m:sSubPr>
+                                        <m:ctrlPr>
+                                          <a:rPr lang="en-US" i="1">
+                                            <a:latin typeface="Cambria Math" panose="02040503050406030204" pitchFamily="18" charset="0"/>
+                                          </a:rPr>
+                                        </m:ctrlPr>
+                                      </m:sSubPr>
+                                      <m:e>
+                                        <m:r>
+                                          <m:rPr>
+                                            <m:brk m:alnAt="7"/>
+                                          </m:rPr>
+                                          <a:rPr lang="en-US" i="1">
+                                            <a:latin typeface="Cambria Math" panose="02040503050406030204" pitchFamily="18" charset="0"/>
+                                          </a:rPr>
+                                          <m:t>𝑥</m:t>
+                                        </m:r>
+                                      </m:e>
+                                      <m:sub>
+                                        <m:d>
+                                          <m:dPr>
+                                            <m:begChr m:val="{"/>
+                                            <m:endChr m:val="}"/>
+                                            <m:ctrlPr>
+                                              <a:rPr lang="en-US" i="1">
+                                                <a:latin typeface="Cambria Math" panose="02040503050406030204" pitchFamily="18" charset="0"/>
+                                              </a:rPr>
+                                            </m:ctrlPr>
+                                          </m:dPr>
+                                          <m:e>
+                                            <m:r>
+                                              <m:rPr>
+                                                <m:brk m:alnAt="7"/>
+                                              </m:rPr>
+                                              <a:rPr lang="en-US" i="1">
+                                                <a:latin typeface="Cambria Math" panose="02040503050406030204" pitchFamily="18" charset="0"/>
+                                              </a:rPr>
+                                              <m:t>𝑘</m:t>
+                                            </m:r>
+                                            <m:r>
+                                              <a:rPr lang="en-US" i="1">
+                                                <a:latin typeface="Cambria Math" panose="02040503050406030204" pitchFamily="18" charset="0"/>
+                                              </a:rPr>
+                                              <m:t>,1</m:t>
+                                            </m:r>
+                                          </m:e>
+                                        </m:d>
+                                      </m:sub>
+                                    </m:sSub>
+                                    <m:sSub>
+                                      <m:sSubPr>
+                                        <m:ctrlPr>
+                                          <a:rPr lang="en-US" i="1">
+                                            <a:latin typeface="Cambria Math" panose="02040503050406030204" pitchFamily="18" charset="0"/>
+                                          </a:rPr>
+                                        </m:ctrlPr>
+                                      </m:sSubPr>
+                                      <m:e>
+                                        <m:r>
+                                          <m:rPr>
+                                            <m:brk m:alnAt="7"/>
+                                          </m:rPr>
+                                          <a:rPr lang="en-US" i="1">
+                                            <a:latin typeface="Cambria Math" panose="02040503050406030204" pitchFamily="18" charset="0"/>
+                                          </a:rPr>
+                                          <m:t>𝑥</m:t>
+                                        </m:r>
+                                      </m:e>
+                                      <m:sub>
+                                        <m:d>
+                                          <m:dPr>
+                                            <m:begChr m:val="{"/>
+                                            <m:endChr m:val="}"/>
+                                            <m:ctrlPr>
+                                              <a:rPr lang="en-US" i="1">
+                                                <a:latin typeface="Cambria Math" panose="02040503050406030204" pitchFamily="18" charset="0"/>
+                                              </a:rPr>
+                                            </m:ctrlPr>
+                                          </m:dPr>
+                                          <m:e>
+                                            <m:r>
+                                              <m:rPr>
+                                                <m:brk m:alnAt="7"/>
+                                              </m:rPr>
+                                              <a:rPr lang="en-US" i="1">
+                                                <a:latin typeface="Cambria Math" panose="02040503050406030204" pitchFamily="18" charset="0"/>
+                                              </a:rPr>
+                                              <m:t>𝑘</m:t>
+                                            </m:r>
+                                            <m:r>
+                                              <a:rPr lang="en-US" i="1">
+                                                <a:latin typeface="Cambria Math" panose="02040503050406030204" pitchFamily="18" charset="0"/>
+                                              </a:rPr>
+                                              <m:t>,</m:t>
+                                            </m:r>
+                                            <m:r>
+                                              <a:rPr lang="en-US" b="0" i="1">
+                                                <a:latin typeface="Cambria Math" panose="02040503050406030204" pitchFamily="18" charset="0"/>
+                                              </a:rPr>
+                                              <m:t>𝑁</m:t>
+                                            </m:r>
+                                          </m:e>
+                                        </m:d>
+                                      </m:sub>
+                                    </m:sSub>
+                                  </m:e>
+                                </m:mr>
+                                <m:mr>
+                                  <m:e>
+                                    <m:r>
+                                      <a:rPr lang="en-US" i="1">
+                                        <a:latin typeface="Cambria Math" panose="02040503050406030204" pitchFamily="18" charset="0"/>
+                                      </a:rPr>
+                                      <m:t>⋮</m:t>
+                                    </m:r>
+                                  </m:e>
+                                  <m:e>
+                                    <m:r>
+                                      <a:rPr lang="en-US" i="1">
+                                        <a:latin typeface="Cambria Math" panose="02040503050406030204" pitchFamily="18" charset="0"/>
+                                      </a:rPr>
+                                      <m:t>⋱</m:t>
+                                    </m:r>
+                                  </m:e>
+                                  <m:e>
+                                    <m:r>
+                                      <a:rPr lang="en-US" i="1">
+                                        <a:latin typeface="Cambria Math" panose="02040503050406030204" pitchFamily="18" charset="0"/>
+                                      </a:rPr>
+                                      <m:t>⋮</m:t>
+                                    </m:r>
+                                  </m:e>
+                                </m:mr>
+                                <m:mr>
+                                  <m:e>
+                                    <m:sSub>
+                                      <m:sSubPr>
+                                        <m:ctrlPr>
+                                          <a:rPr lang="en-US" i="1">
+                                            <a:latin typeface="Cambria Math" panose="02040503050406030204" pitchFamily="18" charset="0"/>
+                                          </a:rPr>
+                                        </m:ctrlPr>
+                                      </m:sSubPr>
+                                      <m:e>
+                                        <m:r>
+                                          <m:rPr>
+                                            <m:brk m:alnAt="7"/>
+                                          </m:rPr>
+                                          <a:rPr lang="en-US" i="1">
+                                            <a:latin typeface="Cambria Math" panose="02040503050406030204" pitchFamily="18" charset="0"/>
+                                          </a:rPr>
+                                          <m:t>𝑥</m:t>
+                                        </m:r>
+                                      </m:e>
+                                      <m:sub>
+                                        <m:d>
+                                          <m:dPr>
+                                            <m:begChr m:val="{"/>
+                                            <m:endChr m:val="}"/>
+                                            <m:ctrlPr>
+                                              <a:rPr lang="en-US" i="1">
+                                                <a:latin typeface="Cambria Math" panose="02040503050406030204" pitchFamily="18" charset="0"/>
+                                              </a:rPr>
+                                            </m:ctrlPr>
+                                          </m:dPr>
+                                          <m:e>
+                                            <m:r>
+                                              <m:rPr>
+                                                <m:brk m:alnAt="7"/>
+                                              </m:rPr>
+                                              <a:rPr lang="en-US" i="1">
+                                                <a:latin typeface="Cambria Math" panose="02040503050406030204" pitchFamily="18" charset="0"/>
+                                              </a:rPr>
+                                              <m:t>𝑘</m:t>
+                                            </m:r>
+                                            <m:r>
+                                              <a:rPr lang="en-US" i="1">
+                                                <a:latin typeface="Cambria Math" panose="02040503050406030204" pitchFamily="18" charset="0"/>
+                                              </a:rPr>
+                                              <m:t>,</m:t>
+                                            </m:r>
+                                            <m:r>
+                                              <a:rPr lang="en-US" b="0" i="1">
+                                                <a:latin typeface="Cambria Math" panose="02040503050406030204" pitchFamily="18" charset="0"/>
+                                              </a:rPr>
+                                              <m:t>𝑁</m:t>
+                                            </m:r>
+                                          </m:e>
+                                        </m:d>
+                                      </m:sub>
+                                    </m:sSub>
+                                    <m:sSub>
+                                      <m:sSubPr>
+                                        <m:ctrlPr>
+                                          <a:rPr lang="en-US" i="1">
+                                            <a:latin typeface="Cambria Math" panose="02040503050406030204" pitchFamily="18" charset="0"/>
+                                          </a:rPr>
+                                        </m:ctrlPr>
+                                      </m:sSubPr>
+                                      <m:e>
+                                        <m:r>
+                                          <m:rPr>
+                                            <m:brk m:alnAt="7"/>
+                                          </m:rPr>
+                                          <a:rPr lang="en-US" i="1">
+                                            <a:latin typeface="Cambria Math" panose="02040503050406030204" pitchFamily="18" charset="0"/>
+                                          </a:rPr>
+                                          <m:t>𝑥</m:t>
+                                        </m:r>
+                                      </m:e>
+                                      <m:sub>
+                                        <m:d>
+                                          <m:dPr>
+                                            <m:begChr m:val="{"/>
+                                            <m:endChr m:val="}"/>
+                                            <m:ctrlPr>
+                                              <a:rPr lang="en-US" i="1">
+                                                <a:latin typeface="Cambria Math" panose="02040503050406030204" pitchFamily="18" charset="0"/>
+                                              </a:rPr>
+                                            </m:ctrlPr>
+                                          </m:dPr>
+                                          <m:e>
+                                            <m:r>
+                                              <m:rPr>
+                                                <m:brk m:alnAt="7"/>
+                                              </m:rPr>
+                                              <a:rPr lang="en-US" i="1">
+                                                <a:latin typeface="Cambria Math" panose="02040503050406030204" pitchFamily="18" charset="0"/>
+                                              </a:rPr>
+                                              <m:t>𝑘</m:t>
+                                            </m:r>
+                                            <m:r>
+                                              <a:rPr lang="en-US" i="1">
+                                                <a:latin typeface="Cambria Math" panose="02040503050406030204" pitchFamily="18" charset="0"/>
+                                              </a:rPr>
+                                              <m:t>,1</m:t>
+                                            </m:r>
+                                          </m:e>
+                                        </m:d>
+                                      </m:sub>
+                                    </m:sSub>
+                                  </m:e>
+                                  <m:e>
+                                    <m:r>
+                                      <a:rPr lang="en-US" i="1">
+                                        <a:latin typeface="Cambria Math" panose="02040503050406030204" pitchFamily="18" charset="0"/>
+                                      </a:rPr>
+                                      <m:t>⋯</m:t>
+                                    </m:r>
+                                  </m:e>
+                                  <m:e>
+                                    <m:sSub>
+                                      <m:sSubPr>
+                                        <m:ctrlPr>
+                                          <a:rPr lang="en-US" i="1">
+                                            <a:latin typeface="Cambria Math" panose="02040503050406030204" pitchFamily="18" charset="0"/>
+                                          </a:rPr>
+                                        </m:ctrlPr>
+                                      </m:sSubPr>
+                                      <m:e>
+                                        <m:r>
+                                          <m:rPr>
+                                            <m:brk m:alnAt="7"/>
+                                          </m:rPr>
+                                          <a:rPr lang="en-US" i="1">
+                                            <a:latin typeface="Cambria Math" panose="02040503050406030204" pitchFamily="18" charset="0"/>
+                                          </a:rPr>
+                                          <m:t>𝑥</m:t>
+                                        </m:r>
+                                      </m:e>
+                                      <m:sub>
+                                        <m:d>
+                                          <m:dPr>
+                                            <m:begChr m:val="{"/>
+                                            <m:endChr m:val="}"/>
+                                            <m:ctrlPr>
+                                              <a:rPr lang="en-US" i="1">
+                                                <a:latin typeface="Cambria Math" panose="02040503050406030204" pitchFamily="18" charset="0"/>
+                                              </a:rPr>
+                                            </m:ctrlPr>
+                                          </m:dPr>
+                                          <m:e>
+                                            <m:r>
+                                              <m:rPr>
+                                                <m:brk m:alnAt="7"/>
+                                              </m:rPr>
+                                              <a:rPr lang="en-US" i="1">
+                                                <a:latin typeface="Cambria Math" panose="02040503050406030204" pitchFamily="18" charset="0"/>
+                                              </a:rPr>
+                                              <m:t>𝑘</m:t>
+                                            </m:r>
+                                            <m:r>
+                                              <a:rPr lang="en-US" i="1">
+                                                <a:latin typeface="Cambria Math" panose="02040503050406030204" pitchFamily="18" charset="0"/>
+                                              </a:rPr>
+                                              <m:t>,</m:t>
+                                            </m:r>
+                                            <m:r>
+                                              <a:rPr lang="en-US" b="0" i="1">
+                                                <a:latin typeface="Cambria Math" panose="02040503050406030204" pitchFamily="18" charset="0"/>
+                                              </a:rPr>
+                                              <m:t>𝑁</m:t>
+                                            </m:r>
+                                          </m:e>
+                                        </m:d>
+                                      </m:sub>
+                                    </m:sSub>
+                                    <m:sSub>
+                                      <m:sSubPr>
+                                        <m:ctrlPr>
+                                          <a:rPr lang="en-US" i="1">
+                                            <a:latin typeface="Cambria Math" panose="02040503050406030204" pitchFamily="18" charset="0"/>
+                                          </a:rPr>
+                                        </m:ctrlPr>
+                                      </m:sSubPr>
+                                      <m:e>
+                                        <m:r>
+                                          <m:rPr>
+                                            <m:brk m:alnAt="7"/>
+                                          </m:rPr>
+                                          <a:rPr lang="en-US" i="1">
+                                            <a:latin typeface="Cambria Math" panose="02040503050406030204" pitchFamily="18" charset="0"/>
+                                          </a:rPr>
+                                          <m:t>𝑥</m:t>
+                                        </m:r>
+                                      </m:e>
+                                      <m:sub>
+                                        <m:d>
+                                          <m:dPr>
+                                            <m:begChr m:val="{"/>
+                                            <m:endChr m:val="}"/>
+                                            <m:ctrlPr>
+                                              <a:rPr lang="en-US" i="1">
+                                                <a:latin typeface="Cambria Math" panose="02040503050406030204" pitchFamily="18" charset="0"/>
+                                              </a:rPr>
+                                            </m:ctrlPr>
+                                          </m:dPr>
+                                          <m:e>
+                                            <m:r>
+                                              <m:rPr>
+                                                <m:brk m:alnAt="7"/>
+                                              </m:rPr>
+                                              <a:rPr lang="en-US" i="1">
+                                                <a:latin typeface="Cambria Math" panose="02040503050406030204" pitchFamily="18" charset="0"/>
+                                              </a:rPr>
+                                              <m:t>𝑘</m:t>
+                                            </m:r>
+                                            <m:r>
+                                              <a:rPr lang="en-US" i="1">
+                                                <a:latin typeface="Cambria Math" panose="02040503050406030204" pitchFamily="18" charset="0"/>
+                                              </a:rPr>
+                                              <m:t>,</m:t>
+                                            </m:r>
+                                            <m:r>
+                                              <a:rPr lang="en-US" b="0" i="1">
+                                                <a:latin typeface="Cambria Math" panose="02040503050406030204" pitchFamily="18" charset="0"/>
+                                              </a:rPr>
+                                              <m:t>𝑁</m:t>
+                                            </m:r>
+                                          </m:e>
+                                        </m:d>
+                                      </m:sub>
+                                    </m:sSub>
+                                  </m:e>
+                                </m:mr>
+                              </m:m>
+                            </m:e>
+                          </m:d>
+                          <m:r>
+                            <a:rPr lang="en-US" b="0" i="1">
+                              <a:latin typeface="Cambria Math" panose="02040503050406030204" pitchFamily="18" charset="0"/>
+                            </a:rPr>
+                            <m:t>=</m:t>
+                          </m:r>
+                          <m:f>
+                            <m:fPr>
+                              <m:ctrlPr>
+                                <a:rPr lang="en-US" b="0" i="1">
+                                  <a:latin typeface="Cambria Math" panose="02040503050406030204" pitchFamily="18" charset="0"/>
+                                </a:rPr>
+                              </m:ctrlPr>
+                            </m:fPr>
+                            <m:num>
+                              <m:r>
+                                <a:rPr lang="en-US" b="0" i="1">
+                                  <a:latin typeface="Cambria Math" panose="02040503050406030204" pitchFamily="18" charset="0"/>
+                                </a:rPr>
+                                <m:t>1</m:t>
+                              </m:r>
+                            </m:num>
+                            <m:den>
+                              <m:r>
+                                <a:rPr lang="en-US" b="0" i="1">
+                                  <a:latin typeface="Cambria Math" panose="02040503050406030204" pitchFamily="18" charset="0"/>
+                                </a:rPr>
+                                <m:t>𝑁</m:t>
+                              </m:r>
+                            </m:den>
+                          </m:f>
+                          <m:d>
+                            <m:dPr>
+                              <m:begChr m:val="["/>
+                              <m:endChr m:val="]"/>
+                              <m:ctrlPr>
+                                <a:rPr lang="en-US" b="0" i="1">
+                                  <a:latin typeface="Cambria Math" panose="02040503050406030204" pitchFamily="18" charset="0"/>
+                                </a:rPr>
+                              </m:ctrlPr>
+                            </m:dPr>
+                            <m:e>
+                              <m:m>
+                                <m:mPr>
+                                  <m:mcs>
+                                    <m:mc>
+                                      <m:mcPr>
+                                        <m:count m:val="3"/>
+                                        <m:mcJc m:val="center"/>
+                                      </m:mcPr>
+                                    </m:mc>
+                                  </m:mcs>
+                                  <m:ctrlPr>
+                                    <a:rPr lang="en-US" b="0" i="1">
+                                      <a:latin typeface="Cambria Math" panose="02040503050406030204" pitchFamily="18" charset="0"/>
+                                    </a:rPr>
+                                  </m:ctrlPr>
+                                </m:mPr>
+                                <m:mr>
+                                  <m:e>
+                                    <m:nary>
+                                      <m:naryPr>
+                                        <m:chr m:val="∑"/>
+                                        <m:ctrlPr>
+                                          <a:rPr lang="en-US" b="0" i="1">
+                                            <a:latin typeface="Cambria Math" panose="02040503050406030204" pitchFamily="18" charset="0"/>
+                                          </a:rPr>
+                                        </m:ctrlPr>
+                                      </m:naryPr>
+                                      <m:sub>
+                                        <m:r>
+                                          <m:rPr>
+                                            <m:brk m:alnAt="23"/>
+                                          </m:rPr>
+                                          <a:rPr lang="en-US" b="0" i="1">
+                                            <a:latin typeface="Cambria Math" panose="02040503050406030204" pitchFamily="18" charset="0"/>
+                                          </a:rPr>
+                                          <m:t>𝐾</m:t>
+                                        </m:r>
+                                        <m:r>
+                                          <a:rPr lang="en-US" b="0" i="1">
+                                            <a:latin typeface="Cambria Math" panose="02040503050406030204" pitchFamily="18" charset="0"/>
+                                          </a:rPr>
+                                          <m:t>=1</m:t>
+                                        </m:r>
+                                      </m:sub>
+                                      <m:sup>
+                                        <m:r>
+                                          <a:rPr lang="en-US" b="0" i="1">
+                                            <a:latin typeface="Cambria Math" panose="02040503050406030204" pitchFamily="18" charset="0"/>
+                                          </a:rPr>
+                                          <m:t>𝑁</m:t>
+                                        </m:r>
+                                      </m:sup>
+                                      <m:e>
+                                        <m:sSub>
+                                          <m:sSubPr>
+                                            <m:ctrlPr>
+                                              <a:rPr lang="en-US" i="1">
+                                                <a:latin typeface="Cambria Math" panose="02040503050406030204" pitchFamily="18" charset="0"/>
+                                              </a:rPr>
+                                            </m:ctrlPr>
+                                          </m:sSubPr>
+                                          <m:e>
+                                            <m:r>
+                                              <m:rPr>
+                                                <m:brk m:alnAt="7"/>
+                                              </m:rPr>
+                                              <a:rPr lang="en-US" i="1">
+                                                <a:latin typeface="Cambria Math" panose="02040503050406030204" pitchFamily="18" charset="0"/>
+                                              </a:rPr>
+                                              <m:t>𝑥</m:t>
+                                            </m:r>
+                                          </m:e>
+                                          <m:sub>
+                                            <m:d>
+                                              <m:dPr>
+                                                <m:begChr m:val="{"/>
+                                                <m:endChr m:val="}"/>
+                                                <m:ctrlPr>
+                                                  <a:rPr lang="en-US" i="1">
+                                                    <a:latin typeface="Cambria Math" panose="02040503050406030204" pitchFamily="18" charset="0"/>
+                                                  </a:rPr>
+                                                </m:ctrlPr>
+                                              </m:dPr>
+                                              <m:e>
+                                                <m:r>
+                                                  <m:rPr>
+                                                    <m:brk m:alnAt="7"/>
+                                                  </m:rPr>
+                                                  <a:rPr lang="en-US" i="1">
+                                                    <a:latin typeface="Cambria Math" panose="02040503050406030204" pitchFamily="18" charset="0"/>
+                                                  </a:rPr>
+                                                  <m:t>𝑘</m:t>
+                                                </m:r>
+                                                <m:r>
+                                                  <a:rPr lang="en-US" i="1">
+                                                    <a:latin typeface="Cambria Math" panose="02040503050406030204" pitchFamily="18" charset="0"/>
+                                                  </a:rPr>
+                                                  <m:t>,1</m:t>
+                                                </m:r>
+                                              </m:e>
+                                            </m:d>
+                                          </m:sub>
+                                        </m:sSub>
+                                        <m:sSub>
+                                          <m:sSubPr>
+                                            <m:ctrlPr>
+                                              <a:rPr lang="en-US" i="1">
+                                                <a:latin typeface="Cambria Math" panose="02040503050406030204" pitchFamily="18" charset="0"/>
+                                              </a:rPr>
+                                            </m:ctrlPr>
+                                          </m:sSubPr>
+                                          <m:e>
+                                            <m:r>
+                                              <m:rPr>
+                                                <m:brk m:alnAt="7"/>
+                                              </m:rPr>
+                                              <a:rPr lang="en-US" i="1">
+                                                <a:latin typeface="Cambria Math" panose="02040503050406030204" pitchFamily="18" charset="0"/>
+                                              </a:rPr>
+                                              <m:t>𝑥</m:t>
+                                            </m:r>
+                                          </m:e>
+                                          <m:sub>
+                                            <m:d>
+                                              <m:dPr>
+                                                <m:begChr m:val="{"/>
+                                                <m:endChr m:val="}"/>
+                                                <m:ctrlPr>
+                                                  <a:rPr lang="en-US" i="1">
+                                                    <a:latin typeface="Cambria Math" panose="02040503050406030204" pitchFamily="18" charset="0"/>
+                                                  </a:rPr>
+                                                </m:ctrlPr>
+                                              </m:dPr>
+                                              <m:e>
+                                                <m:r>
+                                                  <m:rPr>
+                                                    <m:brk m:alnAt="7"/>
+                                                  </m:rPr>
+                                                  <a:rPr lang="en-US" i="1">
+                                                    <a:latin typeface="Cambria Math" panose="02040503050406030204" pitchFamily="18" charset="0"/>
+                                                  </a:rPr>
+                                                  <m:t>𝑘</m:t>
+                                                </m:r>
+                                                <m:r>
+                                                  <a:rPr lang="en-US" i="1">
+                                                    <a:latin typeface="Cambria Math" panose="02040503050406030204" pitchFamily="18" charset="0"/>
+                                                  </a:rPr>
+                                                  <m:t>,1</m:t>
+                                                </m:r>
+                                              </m:e>
+                                            </m:d>
+                                          </m:sub>
+                                        </m:sSub>
+                                      </m:e>
+                                    </m:nary>
+                                  </m:e>
+                                  <m:e>
+                                    <m:r>
+                                      <a:rPr lang="en-US" b="0" i="1">
+                                        <a:latin typeface="Cambria Math" panose="02040503050406030204" pitchFamily="18" charset="0"/>
+                                      </a:rPr>
+                                      <m:t>⋯</m:t>
+                                    </m:r>
+                                  </m:e>
+                                  <m:e>
+                                    <m:nary>
+                                      <m:naryPr>
+                                        <m:chr m:val="∑"/>
+                                        <m:ctrlPr>
+                                          <a:rPr lang="en-US" i="1">
+                                            <a:latin typeface="Cambria Math" panose="02040503050406030204" pitchFamily="18" charset="0"/>
+                                          </a:rPr>
+                                        </m:ctrlPr>
+                                      </m:naryPr>
+                                      <m:sub>
+                                        <m:r>
+                                          <m:rPr>
+                                            <m:brk m:alnAt="23"/>
+                                          </m:rPr>
+                                          <a:rPr lang="en-US" i="1">
+                                            <a:latin typeface="Cambria Math" panose="02040503050406030204" pitchFamily="18" charset="0"/>
+                                          </a:rPr>
+                                          <m:t>𝐾</m:t>
+                                        </m:r>
+                                        <m:r>
+                                          <a:rPr lang="en-US" i="1">
+                                            <a:latin typeface="Cambria Math" panose="02040503050406030204" pitchFamily="18" charset="0"/>
+                                          </a:rPr>
+                                          <m:t>=1</m:t>
+                                        </m:r>
+                                      </m:sub>
+                                      <m:sup>
+                                        <m:r>
+                                          <a:rPr lang="en-US" i="1">
+                                            <a:latin typeface="Cambria Math" panose="02040503050406030204" pitchFamily="18" charset="0"/>
+                                          </a:rPr>
+                                          <m:t>𝑁</m:t>
+                                        </m:r>
+                                      </m:sup>
+                                      <m:e>
+                                        <m:sSub>
+                                          <m:sSubPr>
+                                            <m:ctrlPr>
+                                              <a:rPr lang="en-US" i="1">
+                                                <a:latin typeface="Cambria Math" panose="02040503050406030204" pitchFamily="18" charset="0"/>
+                                              </a:rPr>
+                                            </m:ctrlPr>
+                                          </m:sSubPr>
+                                          <m:e>
+                                            <m:r>
+                                              <m:rPr>
+                                                <m:brk m:alnAt="7"/>
+                                              </m:rPr>
+                                              <a:rPr lang="en-US" i="1">
+                                                <a:latin typeface="Cambria Math" panose="02040503050406030204" pitchFamily="18" charset="0"/>
+                                              </a:rPr>
+                                              <m:t>𝑥</m:t>
+                                            </m:r>
+                                          </m:e>
+                                          <m:sub>
+                                            <m:d>
+                                              <m:dPr>
+                                                <m:begChr m:val="{"/>
+                                                <m:endChr m:val="}"/>
+                                                <m:ctrlPr>
+                                                  <a:rPr lang="en-US" i="1">
+                                                    <a:latin typeface="Cambria Math" panose="02040503050406030204" pitchFamily="18" charset="0"/>
+                                                  </a:rPr>
+                                                </m:ctrlPr>
+                                              </m:dPr>
+                                              <m:e>
+                                                <m:r>
+                                                  <m:rPr>
+                                                    <m:brk m:alnAt="7"/>
+                                                  </m:rPr>
+                                                  <a:rPr lang="en-US" i="1">
+                                                    <a:latin typeface="Cambria Math" panose="02040503050406030204" pitchFamily="18" charset="0"/>
+                                                  </a:rPr>
+                                                  <m:t>𝑘</m:t>
+                                                </m:r>
+                                                <m:r>
+                                                  <a:rPr lang="en-US" i="1">
+                                                    <a:latin typeface="Cambria Math" panose="02040503050406030204" pitchFamily="18" charset="0"/>
+                                                  </a:rPr>
+                                                  <m:t>,1</m:t>
+                                                </m:r>
+                                              </m:e>
+                                            </m:d>
+                                          </m:sub>
+                                        </m:sSub>
+                                        <m:sSub>
+                                          <m:sSubPr>
+                                            <m:ctrlPr>
+                                              <a:rPr lang="en-US" i="1">
+                                                <a:latin typeface="Cambria Math" panose="02040503050406030204" pitchFamily="18" charset="0"/>
+                                              </a:rPr>
+                                            </m:ctrlPr>
+                                          </m:sSubPr>
+                                          <m:e>
+                                            <m:r>
+                                              <m:rPr>
+                                                <m:brk m:alnAt="7"/>
+                                              </m:rPr>
+                                              <a:rPr lang="en-US" i="1">
+                                                <a:latin typeface="Cambria Math" panose="02040503050406030204" pitchFamily="18" charset="0"/>
+                                              </a:rPr>
+                                              <m:t>𝑥</m:t>
+                                            </m:r>
+                                          </m:e>
+                                          <m:sub>
+                                            <m:d>
+                                              <m:dPr>
+                                                <m:begChr m:val="{"/>
+                                                <m:endChr m:val="}"/>
+                                                <m:ctrlPr>
+                                                  <a:rPr lang="en-US" i="1">
+                                                    <a:latin typeface="Cambria Math" panose="02040503050406030204" pitchFamily="18" charset="0"/>
+                                                  </a:rPr>
+                                                </m:ctrlPr>
+                                              </m:dPr>
+                                              <m:e>
+                                                <m:r>
+                                                  <m:rPr>
+                                                    <m:brk m:alnAt="7"/>
+                                                  </m:rPr>
+                                                  <a:rPr lang="en-US" i="1">
+                                                    <a:latin typeface="Cambria Math" panose="02040503050406030204" pitchFamily="18" charset="0"/>
+                                                  </a:rPr>
+                                                  <m:t>𝑘</m:t>
+                                                </m:r>
+                                                <m:r>
+                                                  <a:rPr lang="en-US" i="1">
+                                                    <a:latin typeface="Cambria Math" panose="02040503050406030204" pitchFamily="18" charset="0"/>
+                                                  </a:rPr>
+                                                  <m:t>,</m:t>
+                                                </m:r>
+                                                <m:r>
+                                                  <a:rPr lang="en-US" b="0" i="1">
+                                                    <a:latin typeface="Cambria Math" panose="02040503050406030204" pitchFamily="18" charset="0"/>
+                                                  </a:rPr>
+                                                  <m:t>𝑁</m:t>
+                                                </m:r>
+                                              </m:e>
+                                            </m:d>
+                                          </m:sub>
+                                        </m:sSub>
+                                      </m:e>
+                                    </m:nary>
+                                  </m:e>
+                                </m:mr>
+                                <m:mr>
+                                  <m:e>
+                                    <m:r>
+                                      <a:rPr lang="en-US" b="0" i="1">
+                                        <a:latin typeface="Cambria Math" panose="02040503050406030204" pitchFamily="18" charset="0"/>
+                                      </a:rPr>
+                                      <m:t>⋮</m:t>
+                                    </m:r>
+                                  </m:e>
+                                  <m:e>
+                                    <m:r>
+                                      <a:rPr lang="en-US" b="0" i="1">
+                                        <a:latin typeface="Cambria Math" panose="02040503050406030204" pitchFamily="18" charset="0"/>
+                                      </a:rPr>
+                                      <m:t>⋱</m:t>
+                                    </m:r>
+                                  </m:e>
+                                  <m:e>
+                                    <m:r>
+                                      <a:rPr lang="en-US" b="0" i="1">
+                                        <a:latin typeface="Cambria Math" panose="02040503050406030204" pitchFamily="18" charset="0"/>
+                                      </a:rPr>
+                                      <m:t>⋮</m:t>
+                                    </m:r>
+                                  </m:e>
+                                </m:mr>
+                                <m:mr>
+                                  <m:e>
+                                    <m:nary>
+                                      <m:naryPr>
+                                        <m:chr m:val="∑"/>
+                                        <m:ctrlPr>
+                                          <a:rPr lang="en-US" i="1">
+                                            <a:latin typeface="Cambria Math" panose="02040503050406030204" pitchFamily="18" charset="0"/>
+                                          </a:rPr>
+                                        </m:ctrlPr>
+                                      </m:naryPr>
+                                      <m:sub>
+                                        <m:r>
+                                          <m:rPr>
+                                            <m:brk m:alnAt="23"/>
+                                          </m:rPr>
+                                          <a:rPr lang="en-US" i="1">
+                                            <a:latin typeface="Cambria Math" panose="02040503050406030204" pitchFamily="18" charset="0"/>
+                                          </a:rPr>
+                                          <m:t>𝐾</m:t>
+                                        </m:r>
+                                        <m:r>
+                                          <a:rPr lang="en-US" i="1">
+                                            <a:latin typeface="Cambria Math" panose="02040503050406030204" pitchFamily="18" charset="0"/>
+                                          </a:rPr>
+                                          <m:t>=1</m:t>
+                                        </m:r>
+                                      </m:sub>
+                                      <m:sup>
+                                        <m:r>
+                                          <a:rPr lang="en-US" i="1">
+                                            <a:latin typeface="Cambria Math" panose="02040503050406030204" pitchFamily="18" charset="0"/>
+                                          </a:rPr>
+                                          <m:t>𝑁</m:t>
+                                        </m:r>
+                                      </m:sup>
+                                      <m:e>
+                                        <m:sSub>
+                                          <m:sSubPr>
+                                            <m:ctrlPr>
+                                              <a:rPr lang="en-US" i="1">
+                                                <a:latin typeface="Cambria Math" panose="02040503050406030204" pitchFamily="18" charset="0"/>
+                                              </a:rPr>
+                                            </m:ctrlPr>
+                                          </m:sSubPr>
+                                          <m:e>
+                                            <m:r>
+                                              <m:rPr>
+                                                <m:brk m:alnAt="7"/>
+                                              </m:rPr>
+                                              <a:rPr lang="en-US" i="1">
+                                                <a:latin typeface="Cambria Math" panose="02040503050406030204" pitchFamily="18" charset="0"/>
+                                              </a:rPr>
+                                              <m:t>𝑥</m:t>
+                                            </m:r>
+                                          </m:e>
+                                          <m:sub>
+                                            <m:d>
+                                              <m:dPr>
+                                                <m:begChr m:val="{"/>
+                                                <m:endChr m:val="}"/>
+                                                <m:ctrlPr>
+                                                  <a:rPr lang="en-US" i="1">
+                                                    <a:latin typeface="Cambria Math" panose="02040503050406030204" pitchFamily="18" charset="0"/>
+                                                  </a:rPr>
+                                                </m:ctrlPr>
+                                              </m:dPr>
+                                              <m:e>
+                                                <m:r>
+                                                  <m:rPr>
+                                                    <m:brk m:alnAt="7"/>
+                                                  </m:rPr>
+                                                  <a:rPr lang="en-US" i="1">
+                                                    <a:latin typeface="Cambria Math" panose="02040503050406030204" pitchFamily="18" charset="0"/>
+                                                  </a:rPr>
+                                                  <m:t>𝑘</m:t>
+                                                </m:r>
+                                                <m:r>
+                                                  <a:rPr lang="en-US" i="1">
+                                                    <a:latin typeface="Cambria Math" panose="02040503050406030204" pitchFamily="18" charset="0"/>
+                                                  </a:rPr>
+                                                  <m:t>,</m:t>
+                                                </m:r>
+                                                <m:r>
+                                                  <a:rPr lang="en-US" b="0" i="1">
+                                                    <a:latin typeface="Cambria Math" panose="02040503050406030204" pitchFamily="18" charset="0"/>
+                                                  </a:rPr>
+                                                  <m:t>𝑁</m:t>
+                                                </m:r>
+                                              </m:e>
+                                            </m:d>
+                                          </m:sub>
+                                        </m:sSub>
+                                        <m:sSub>
+                                          <m:sSubPr>
+                                            <m:ctrlPr>
+                                              <a:rPr lang="en-US" i="1">
+                                                <a:latin typeface="Cambria Math" panose="02040503050406030204" pitchFamily="18" charset="0"/>
+                                              </a:rPr>
+                                            </m:ctrlPr>
+                                          </m:sSubPr>
+                                          <m:e>
+                                            <m:r>
+                                              <m:rPr>
+                                                <m:brk m:alnAt="7"/>
+                                              </m:rPr>
+                                              <a:rPr lang="en-US" i="1">
+                                                <a:latin typeface="Cambria Math" panose="02040503050406030204" pitchFamily="18" charset="0"/>
+                                              </a:rPr>
+                                              <m:t>𝑥</m:t>
+                                            </m:r>
+                                          </m:e>
+                                          <m:sub>
+                                            <m:d>
+                                              <m:dPr>
+                                                <m:begChr m:val="{"/>
+                                                <m:endChr m:val="}"/>
+                                                <m:ctrlPr>
+                                                  <a:rPr lang="en-US" i="1">
+                                                    <a:latin typeface="Cambria Math" panose="02040503050406030204" pitchFamily="18" charset="0"/>
+                                                  </a:rPr>
+                                                </m:ctrlPr>
+                                              </m:dPr>
+                                              <m:e>
+                                                <m:r>
+                                                  <m:rPr>
+                                                    <m:brk m:alnAt="7"/>
+                                                  </m:rPr>
+                                                  <a:rPr lang="en-US" i="1">
+                                                    <a:latin typeface="Cambria Math" panose="02040503050406030204" pitchFamily="18" charset="0"/>
+                                                  </a:rPr>
+                                                  <m:t>𝑘</m:t>
+                                                </m:r>
+                                                <m:r>
+                                                  <a:rPr lang="en-US" i="1">
+                                                    <a:latin typeface="Cambria Math" panose="02040503050406030204" pitchFamily="18" charset="0"/>
+                                                  </a:rPr>
+                                                  <m:t>,1</m:t>
+                                                </m:r>
+                                              </m:e>
+                                            </m:d>
+                                          </m:sub>
+                                        </m:sSub>
+                                      </m:e>
+                                    </m:nary>
+                                  </m:e>
+                                  <m:e>
+                                    <m:r>
+                                      <a:rPr lang="en-US" b="0" i="1">
+                                        <a:latin typeface="Cambria Math" panose="02040503050406030204" pitchFamily="18" charset="0"/>
+                                      </a:rPr>
+                                      <m:t>⋯</m:t>
+                                    </m:r>
+                                  </m:e>
+                                  <m:e>
+                                    <m:nary>
+                                      <m:naryPr>
+                                        <m:chr m:val="∑"/>
+                                        <m:ctrlPr>
+                                          <a:rPr lang="en-US" i="1">
+                                            <a:latin typeface="Cambria Math" panose="02040503050406030204" pitchFamily="18" charset="0"/>
+                                          </a:rPr>
+                                        </m:ctrlPr>
+                                      </m:naryPr>
+                                      <m:sub>
+                                        <m:r>
+                                          <m:rPr>
+                                            <m:brk m:alnAt="23"/>
+                                          </m:rPr>
+                                          <a:rPr lang="en-US" i="1">
+                                            <a:latin typeface="Cambria Math" panose="02040503050406030204" pitchFamily="18" charset="0"/>
+                                          </a:rPr>
+                                          <m:t>𝐾</m:t>
+                                        </m:r>
+                                        <m:r>
+                                          <a:rPr lang="en-US" i="1">
+                                            <a:latin typeface="Cambria Math" panose="02040503050406030204" pitchFamily="18" charset="0"/>
+                                          </a:rPr>
+                                          <m:t>=1</m:t>
+                                        </m:r>
+                                      </m:sub>
+                                      <m:sup>
+                                        <m:r>
+                                          <a:rPr lang="en-US" i="1">
+                                            <a:latin typeface="Cambria Math" panose="02040503050406030204" pitchFamily="18" charset="0"/>
+                                          </a:rPr>
+                                          <m:t>𝑁</m:t>
+                                        </m:r>
+                                      </m:sup>
+                                      <m:e>
+                                        <m:sSub>
+                                          <m:sSubPr>
+                                            <m:ctrlPr>
+                                              <a:rPr lang="en-US" i="1">
+                                                <a:latin typeface="Cambria Math" panose="02040503050406030204" pitchFamily="18" charset="0"/>
+                                              </a:rPr>
+                                            </m:ctrlPr>
+                                          </m:sSubPr>
+                                          <m:e>
+                                            <m:r>
+                                              <m:rPr>
+                                                <m:brk m:alnAt="7"/>
+                                              </m:rPr>
+                                              <a:rPr lang="en-US" i="1">
+                                                <a:latin typeface="Cambria Math" panose="02040503050406030204" pitchFamily="18" charset="0"/>
+                                              </a:rPr>
+                                              <m:t>𝑥</m:t>
+                                            </m:r>
+                                          </m:e>
+                                          <m:sub>
+                                            <m:d>
+                                              <m:dPr>
+                                                <m:begChr m:val="{"/>
+                                                <m:endChr m:val="}"/>
+                                                <m:ctrlPr>
+                                                  <a:rPr lang="en-US" i="1">
+                                                    <a:latin typeface="Cambria Math" panose="02040503050406030204" pitchFamily="18" charset="0"/>
+                                                  </a:rPr>
+                                                </m:ctrlPr>
+                                              </m:dPr>
+                                              <m:e>
+                                                <m:r>
+                                                  <m:rPr>
+                                                    <m:brk m:alnAt="7"/>
+                                                  </m:rPr>
+                                                  <a:rPr lang="en-US" i="1">
+                                                    <a:latin typeface="Cambria Math" panose="02040503050406030204" pitchFamily="18" charset="0"/>
+                                                  </a:rPr>
+                                                  <m:t>𝑘</m:t>
+                                                </m:r>
+                                                <m:r>
+                                                  <a:rPr lang="en-US" i="1">
+                                                    <a:latin typeface="Cambria Math" panose="02040503050406030204" pitchFamily="18" charset="0"/>
+                                                  </a:rPr>
+                                                  <m:t>,</m:t>
+                                                </m:r>
+                                                <m:r>
+                                                  <a:rPr lang="en-US" b="0" i="1">
+                                                    <a:latin typeface="Cambria Math" panose="02040503050406030204" pitchFamily="18" charset="0"/>
+                                                  </a:rPr>
+                                                  <m:t>𝑁</m:t>
+                                                </m:r>
+                                              </m:e>
+                                            </m:d>
+                                          </m:sub>
+                                        </m:sSub>
+                                        <m:sSub>
+                                          <m:sSubPr>
+                                            <m:ctrlPr>
+                                              <a:rPr lang="en-US" i="1">
+                                                <a:latin typeface="Cambria Math" panose="02040503050406030204" pitchFamily="18" charset="0"/>
+                                              </a:rPr>
+                                            </m:ctrlPr>
+                                          </m:sSubPr>
+                                          <m:e>
+                                            <m:r>
+                                              <m:rPr>
+                                                <m:brk m:alnAt="7"/>
+                                              </m:rPr>
+                                              <a:rPr lang="en-US" i="1">
+                                                <a:latin typeface="Cambria Math" panose="02040503050406030204" pitchFamily="18" charset="0"/>
+                                              </a:rPr>
+                                              <m:t>𝑥</m:t>
+                                            </m:r>
+                                          </m:e>
+                                          <m:sub>
+                                            <m:d>
+                                              <m:dPr>
+                                                <m:begChr m:val="{"/>
+                                                <m:endChr m:val="}"/>
+                                                <m:ctrlPr>
+                                                  <a:rPr lang="en-US" i="1">
+                                                    <a:latin typeface="Cambria Math" panose="02040503050406030204" pitchFamily="18" charset="0"/>
+                                                  </a:rPr>
+                                                </m:ctrlPr>
+                                              </m:dPr>
+                                              <m:e>
+                                                <m:r>
+                                                  <m:rPr>
+                                                    <m:brk m:alnAt="7"/>
+                                                  </m:rPr>
+                                                  <a:rPr lang="en-US" i="1">
+                                                    <a:latin typeface="Cambria Math" panose="02040503050406030204" pitchFamily="18" charset="0"/>
+                                                  </a:rPr>
+                                                  <m:t>𝑘</m:t>
+                                                </m:r>
+                                                <m:r>
+                                                  <a:rPr lang="en-US" i="1">
+                                                    <a:latin typeface="Cambria Math" panose="02040503050406030204" pitchFamily="18" charset="0"/>
+                                                  </a:rPr>
+                                                  <m:t>,</m:t>
+                                                </m:r>
+                                                <m:r>
+                                                  <a:rPr lang="en-US" b="0" i="1">
+                                                    <a:latin typeface="Cambria Math" panose="02040503050406030204" pitchFamily="18" charset="0"/>
+                                                  </a:rPr>
+                                                  <m:t>𝑁</m:t>
+                                                </m:r>
+                                              </m:e>
+                                            </m:d>
+                                          </m:sub>
+                                        </m:sSub>
+                                      </m:e>
+                                    </m:nary>
+                                  </m:e>
+                                </m:mr>
+                              </m:m>
+                            </m:e>
+                          </m:d>
+                        </m:e>
+                      </m:nary>
+                    </m:oMath>
+                  </m:oMathPara>
+                </a14:m>
+                <a:endParaRPr lang="en-US"/>
+              </a:p>
+            </p:txBody>
+          </p:sp>
+        </mc:Choice>
+        <mc:Fallback>
+          <p:sp>
+            <p:nvSpPr>
+              <p:cNvPr id="4" name="TextBox 3">
+                <a:extLst>
+                  <a:ext uri="{FF2B5EF4-FFF2-40B4-BE49-F238E27FC236}">
+                    <a16:creationId xmlns:a16="http://schemas.microsoft.com/office/drawing/2014/main" id="{AEB62922-636A-764C-9880-47321814CB34}"/>
+                  </a:ext>
+                </a:extLst>
+              </p:cNvPr>
+              <p:cNvSpPr txBox="1">
+                <a:spLocks noRot="1" noChangeAspect="1" noMove="1" noResize="1" noEditPoints="1" noAdjustHandles="1" noChangeArrowheads="1" noChangeShapeType="1" noTextEdit="1"/>
+              </p:cNvSpPr>
+              <p:nvPr/>
+            </p:nvSpPr>
+            <p:spPr>
+              <a:xfrm>
+                <a:off x="2622883" y="1179095"/>
+                <a:ext cx="7845225" cy="1817229"/>
+              </a:xfrm>
+              <a:prstGeom prst="rect">
+                <a:avLst/>
+              </a:prstGeom>
+              <a:blipFill>
+                <a:blip r:embed="rId2"/>
+                <a:stretch>
+                  <a:fillRect l="-7120" t="-47917" b="-73611"/>
+                </a:stretch>
+              </a:blipFill>
+            </p:spPr>
+            <p:txBody>
+              <a:bodyPr/>
+              <a:lstStyle/>
+              <a:p>
+                <a:r>
+                  <a:rPr lang="en-US">
+                    <a:noFill/>
+                  </a:rPr>
+                  <a:t> </a:t>
+                </a:r>
+              </a:p>
+            </p:txBody>
+          </p:sp>
+        </mc:Fallback>
+      </mc:AlternateContent>
+      <mc:AlternateContent xmlns:mc="http://schemas.openxmlformats.org/markup-compatibility/2006">
+        <mc:Choice xmlns:a14="http://schemas.microsoft.com/office/drawing/2010/main" Requires="a14">
+          <p:sp>
+            <p:nvSpPr>
+              <p:cNvPr id="5" name="TextBox 4">
+                <a:extLst>
+                  <a:ext uri="{FF2B5EF4-FFF2-40B4-BE49-F238E27FC236}">
+                    <a16:creationId xmlns:a16="http://schemas.microsoft.com/office/drawing/2014/main" id="{F80AF94F-7F6A-3747-9DDB-B11E746E51B5}"/>
+                  </a:ext>
+                </a:extLst>
+              </p:cNvPr>
+              <p:cNvSpPr txBox="1"/>
+              <p:nvPr/>
+            </p:nvSpPr>
+            <p:spPr>
+              <a:xfrm>
+                <a:off x="11494168" y="2996324"/>
+                <a:ext cx="3005951" cy="880369"/>
+              </a:xfrm>
+              <a:prstGeom prst="rect">
+                <a:avLst/>
+              </a:prstGeom>
+              <a:noFill/>
+            </p:spPr>
+            <p:txBody>
+              <a:bodyPr wrap="none" lIns="0" tIns="0" rIns="0" bIns="0" rtlCol="0">
+                <a:spAutoFit/>
+              </a:bodyPr>
+              <a:lstStyle/>
+              <a:p>
+                <a14:m>
+                  <m:oMathPara xmlns:m="http://schemas.openxmlformats.org/officeDocument/2006/math">
+                    <m:oMathParaPr>
+                      <m:jc m:val="centerGroup"/>
+                    </m:oMathParaPr>
+                    <m:oMath xmlns:m="http://schemas.openxmlformats.org/officeDocument/2006/math">
+                      <m:f>
+                        <m:fPr>
+                          <m:ctrlPr>
+                            <a:rPr lang="en-US" i="1">
+                              <a:latin typeface="Cambria Math" panose="02040503050406030204" pitchFamily="18" charset="0"/>
+                            </a:rPr>
+                          </m:ctrlPr>
+                        </m:fPr>
+                        <m:num>
+                          <m:r>
+                            <a:rPr lang="en-US" b="0" i="1">
+                              <a:latin typeface="Cambria Math" panose="02040503050406030204" pitchFamily="18" charset="0"/>
+                            </a:rPr>
+                            <m:t>1</m:t>
+                          </m:r>
+                        </m:num>
+                        <m:den>
+                          <m:r>
+                            <a:rPr lang="en-US" b="0" i="1">
+                              <a:latin typeface="Cambria Math" panose="02040503050406030204" pitchFamily="18" charset="0"/>
+                            </a:rPr>
+                            <m:t>𝑁</m:t>
+                          </m:r>
+                        </m:den>
+                      </m:f>
+                      <m:d>
+                        <m:dPr>
+                          <m:begChr m:val="["/>
+                          <m:endChr m:val="]"/>
+                          <m:ctrlPr>
+                            <a:rPr lang="en-US" i="1">
+                              <a:latin typeface="Cambria Math" panose="02040503050406030204" pitchFamily="18" charset="0"/>
+                            </a:rPr>
+                          </m:ctrlPr>
+                        </m:dPr>
+                        <m:e>
+                          <m:m>
+                            <m:mPr>
+                              <m:mcs>
+                                <m:mc>
+                                  <m:mcPr>
+                                    <m:count m:val="1"/>
+                                    <m:mcJc m:val="center"/>
+                                  </m:mcPr>
+                                </m:mc>
+                              </m:mcs>
+                              <m:ctrlPr>
+                                <a:rPr lang="en-US" i="1">
+                                  <a:latin typeface="Cambria Math" panose="02040503050406030204" pitchFamily="18" charset="0"/>
+                                </a:rPr>
+                              </m:ctrlPr>
+                            </m:mPr>
+                            <m:mr>
+                              <m:e>
+                                <m:sSubSup>
+                                  <m:sSubSupPr>
+                                    <m:ctrlPr>
+                                      <a:rPr lang="en-US" b="0" i="1">
+                                        <a:latin typeface="Cambria Math" panose="02040503050406030204" pitchFamily="18" charset="0"/>
+                                      </a:rPr>
+                                    </m:ctrlPr>
+                                  </m:sSubSupPr>
+                                  <m:e>
+                                    <m:r>
+                                      <m:rPr>
+                                        <m:brk m:alnAt="7"/>
+                                      </m:rPr>
+                                      <a:rPr lang="en-US" b="0" i="1">
+                                        <a:latin typeface="Cambria Math" panose="02040503050406030204" pitchFamily="18" charset="0"/>
+                                      </a:rPr>
+                                      <m:t>𝑥</m:t>
+                                    </m:r>
+                                  </m:e>
+                                  <m:sub>
+                                    <m:r>
+                                      <m:rPr>
+                                        <m:brk m:alnAt="7"/>
+                                      </m:rPr>
+                                      <a:rPr lang="en-US" b="0" i="1">
+                                        <a:latin typeface="Cambria Math" panose="02040503050406030204" pitchFamily="18" charset="0"/>
+                                      </a:rPr>
+                                      <m:t>1</m:t>
+                                    </m:r>
+                                  </m:sub>
+                                  <m:sup>
+                                    <m:r>
+                                      <m:rPr>
+                                        <m:brk m:alnAt="7"/>
+                                      </m:rPr>
+                                      <a:rPr lang="en-US" b="0" i="1">
+                                        <a:latin typeface="Cambria Math" panose="02040503050406030204" pitchFamily="18" charset="0"/>
+                                      </a:rPr>
+                                      <m:t>𝑇</m:t>
+                                    </m:r>
+                                  </m:sup>
+                                </m:sSubSup>
+                              </m:e>
+                            </m:mr>
+                            <m:mr>
+                              <m:e>
+                                <m:r>
+                                  <a:rPr lang="en-US" i="1">
+                                    <a:latin typeface="Cambria Math" panose="02040503050406030204" pitchFamily="18" charset="0"/>
+                                  </a:rPr>
+                                  <m:t>⋮</m:t>
+                                </m:r>
+                              </m:e>
+                            </m:mr>
+                            <m:mr>
+                              <m:e>
+                                <m:sSubSup>
+                                  <m:sSubSupPr>
+                                    <m:ctrlPr>
+                                      <a:rPr lang="en-US" b="0" i="1">
+                                        <a:latin typeface="Cambria Math" panose="02040503050406030204" pitchFamily="18" charset="0"/>
+                                      </a:rPr>
+                                    </m:ctrlPr>
+                                  </m:sSubSupPr>
+                                  <m:e>
+                                    <m:r>
+                                      <a:rPr lang="en-US" b="0" i="1">
+                                        <a:latin typeface="Cambria Math" panose="02040503050406030204" pitchFamily="18" charset="0"/>
+                                      </a:rPr>
+                                      <m:t>𝑥</m:t>
+                                    </m:r>
+                                  </m:e>
+                                  <m:sub>
+                                    <m:r>
+                                      <a:rPr lang="en-US" b="0" i="1">
+                                        <a:latin typeface="Cambria Math" panose="02040503050406030204" pitchFamily="18" charset="0"/>
+                                      </a:rPr>
+                                      <m:t>𝑁</m:t>
+                                    </m:r>
+                                  </m:sub>
+                                  <m:sup>
+                                    <m:r>
+                                      <a:rPr lang="en-US" b="0" i="1">
+                                        <a:latin typeface="Cambria Math" panose="02040503050406030204" pitchFamily="18" charset="0"/>
+                                      </a:rPr>
+                                      <m:t>𝑇</m:t>
+                                    </m:r>
+                                  </m:sup>
+                                </m:sSubSup>
+                              </m:e>
+                            </m:mr>
+                          </m:m>
+                        </m:e>
+                      </m:d>
+                      <m:d>
+                        <m:dPr>
+                          <m:begChr m:val="["/>
+                          <m:endChr m:val="]"/>
+                          <m:ctrlPr>
+                            <a:rPr lang="en-US" i="1">
+                              <a:latin typeface="Cambria Math" panose="02040503050406030204" pitchFamily="18" charset="0"/>
+                            </a:rPr>
+                          </m:ctrlPr>
+                        </m:dPr>
+                        <m:e>
+                          <m:m>
+                            <m:mPr>
+                              <m:mcs>
+                                <m:mc>
+                                  <m:mcPr>
+                                    <m:count m:val="3"/>
+                                    <m:mcJc m:val="center"/>
+                                  </m:mcPr>
+                                </m:mc>
+                              </m:mcs>
+                              <m:ctrlPr>
+                                <a:rPr lang="en-US" i="1">
+                                  <a:latin typeface="Cambria Math" panose="02040503050406030204" pitchFamily="18" charset="0"/>
+                                </a:rPr>
+                              </m:ctrlPr>
+                            </m:mPr>
+                            <m:mr>
+                              <m:e>
+                                <m:sSub>
+                                  <m:sSubPr>
+                                    <m:ctrlPr>
+                                      <a:rPr lang="en-US" b="0" i="1">
+                                        <a:latin typeface="Cambria Math" panose="02040503050406030204" pitchFamily="18" charset="0"/>
+                                      </a:rPr>
+                                    </m:ctrlPr>
+                                  </m:sSubPr>
+                                  <m:e>
+                                    <m:r>
+                                      <m:rPr>
+                                        <m:brk m:alnAt="7"/>
+                                      </m:rPr>
+                                      <a:rPr lang="en-US" b="0" i="1">
+                                        <a:latin typeface="Cambria Math" panose="02040503050406030204" pitchFamily="18" charset="0"/>
+                                      </a:rPr>
+                                      <m:t>𝑥</m:t>
+                                    </m:r>
+                                  </m:e>
+                                  <m:sub>
+                                    <m:r>
+                                      <m:rPr>
+                                        <m:brk m:alnAt="7"/>
+                                      </m:rPr>
+                                      <a:rPr lang="en-US" b="0" i="1">
+                                        <a:latin typeface="Cambria Math" panose="02040503050406030204" pitchFamily="18" charset="0"/>
+                                      </a:rPr>
+                                      <m:t>1</m:t>
+                                    </m:r>
+                                  </m:sub>
+                                </m:sSub>
+                              </m:e>
+                              <m:e>
+                                <m:r>
+                                  <a:rPr lang="en-US" i="1">
+                                    <a:latin typeface="Cambria Math" panose="02040503050406030204" pitchFamily="18" charset="0"/>
+                                  </a:rPr>
+                                  <m:t>⋯</m:t>
+                                </m:r>
+                              </m:e>
+                              <m:e>
+                                <m:sSub>
+                                  <m:sSubPr>
+                                    <m:ctrlPr>
+                                      <a:rPr lang="en-US" b="0" i="1">
+                                        <a:latin typeface="Cambria Math" panose="02040503050406030204" pitchFamily="18" charset="0"/>
+                                      </a:rPr>
+                                    </m:ctrlPr>
+                                  </m:sSubPr>
+                                  <m:e>
+                                    <m:r>
+                                      <a:rPr lang="en-US" b="0" i="1">
+                                        <a:latin typeface="Cambria Math" panose="02040503050406030204" pitchFamily="18" charset="0"/>
+                                      </a:rPr>
+                                      <m:t>𝑥</m:t>
+                                    </m:r>
+                                  </m:e>
+                                  <m:sub>
+                                    <m:r>
+                                      <a:rPr lang="en-US" b="0" i="1">
+                                        <a:latin typeface="Cambria Math" panose="02040503050406030204" pitchFamily="18" charset="0"/>
+                                      </a:rPr>
+                                      <m:t>𝑁</m:t>
+                                    </m:r>
+                                  </m:sub>
+                                </m:sSub>
+                              </m:e>
+                            </m:mr>
+                          </m:m>
+                        </m:e>
+                      </m:d>
+                      <m:r>
+                        <a:rPr lang="en-US" b="0" i="1">
+                          <a:latin typeface="Cambria Math" panose="02040503050406030204" pitchFamily="18" charset="0"/>
+                        </a:rPr>
+                        <m:t>=</m:t>
+                      </m:r>
+                      <m:f>
+                        <m:fPr>
+                          <m:ctrlPr>
+                            <a:rPr lang="en-US" b="0" i="1">
+                              <a:latin typeface="Cambria Math" panose="02040503050406030204" pitchFamily="18" charset="0"/>
+                            </a:rPr>
+                          </m:ctrlPr>
+                        </m:fPr>
+                        <m:num>
+                          <m:r>
+                            <a:rPr lang="en-US" b="0" i="1">
+                              <a:latin typeface="Cambria Math" panose="02040503050406030204" pitchFamily="18" charset="0"/>
+                            </a:rPr>
+                            <m:t>1</m:t>
+                          </m:r>
+                        </m:num>
+                        <m:den>
+                          <m:r>
+                            <a:rPr lang="en-US" b="0" i="1">
+                              <a:latin typeface="Cambria Math" panose="02040503050406030204" pitchFamily="18" charset="0"/>
+                            </a:rPr>
+                            <m:t>𝑁</m:t>
+                          </m:r>
+                        </m:den>
+                      </m:f>
+                      <m:sSup>
+                        <m:sSupPr>
+                          <m:ctrlPr>
+                            <a:rPr lang="en-US" b="0" i="1">
+                              <a:latin typeface="Cambria Math" panose="02040503050406030204" pitchFamily="18" charset="0"/>
+                            </a:rPr>
+                          </m:ctrlPr>
+                        </m:sSupPr>
+                        <m:e>
+                          <m:r>
+                            <a:rPr lang="en-US" b="0" i="1">
+                              <a:latin typeface="Cambria Math" panose="02040503050406030204" pitchFamily="18" charset="0"/>
+                            </a:rPr>
+                            <m:t>𝑋</m:t>
+                          </m:r>
+                        </m:e>
+                        <m:sup>
+                          <m:r>
+                            <a:rPr lang="en-US" b="0" i="1">
+                              <a:latin typeface="Cambria Math" panose="02040503050406030204" pitchFamily="18" charset="0"/>
+                            </a:rPr>
+                            <m:t>𝑇</m:t>
+                          </m:r>
+                        </m:sup>
+                      </m:sSup>
+                      <m:r>
+                        <a:rPr lang="en-US" b="0" i="1">
+                          <a:latin typeface="Cambria Math" panose="02040503050406030204" pitchFamily="18" charset="0"/>
+                        </a:rPr>
+                        <m:t>𝑋</m:t>
+                      </m:r>
+                    </m:oMath>
+                  </m:oMathPara>
+                </a14:m>
+                <a:endParaRPr lang="en-US"/>
+              </a:p>
+            </p:txBody>
+          </p:sp>
+        </mc:Choice>
+        <mc:Fallback>
+          <p:sp>
+            <p:nvSpPr>
+              <p:cNvPr id="5" name="TextBox 4">
+                <a:extLst>
+                  <a:ext uri="{FF2B5EF4-FFF2-40B4-BE49-F238E27FC236}">
+                    <a16:creationId xmlns:a16="http://schemas.microsoft.com/office/drawing/2014/main" id="{F80AF94F-7F6A-3747-9DDB-B11E746E51B5}"/>
+                  </a:ext>
+                </a:extLst>
+              </p:cNvPr>
+              <p:cNvSpPr txBox="1">
+                <a:spLocks noRot="1" noChangeAspect="1" noMove="1" noResize="1" noEditPoints="1" noAdjustHandles="1" noChangeArrowheads="1" noChangeShapeType="1" noTextEdit="1"/>
+              </p:cNvSpPr>
+              <p:nvPr/>
+            </p:nvSpPr>
+            <p:spPr>
+              <a:xfrm>
+                <a:off x="11494168" y="2996324"/>
+                <a:ext cx="3005951" cy="880369"/>
+              </a:xfrm>
+              <a:prstGeom prst="rect">
+                <a:avLst/>
+              </a:prstGeom>
+              <a:blipFill>
+                <a:blip r:embed="rId3"/>
+                <a:stretch>
+                  <a:fillRect l="-1261" r="-840" b="-1429"/>
+                </a:stretch>
+              </a:blipFill>
+            </p:spPr>
+            <p:txBody>
+              <a:bodyPr/>
+              <a:lstStyle/>
+              <a:p>
+                <a:r>
+                  <a:rPr lang="en-US">
+                    <a:noFill/>
+                  </a:rPr>
+                  <a:t> </a:t>
+                </a:r>
+              </a:p>
+            </p:txBody>
+          </p:sp>
+        </mc:Fallback>
+      </mc:AlternateContent>
+    </p:spTree>
+    <p:extLst>
+      <p:ext uri="{BB962C8B-B14F-4D97-AF65-F5344CB8AC3E}">
+        <p14:creationId xmlns:p14="http://schemas.microsoft.com/office/powerpoint/2010/main" val="3943972090"/>
       </p:ext>
     </p:extLst>
   </p:cSld>

--- a/content/post/post_ppt.pptx
+++ b/content/post/post_ppt.pptx
@@ -16710,7 +16710,7 @@
             </p:nvSpPr>
             <p:spPr>
               <a:xfrm>
-                <a:off x="2622883" y="1179095"/>
+                <a:off x="2516555" y="1179095"/>
                 <a:ext cx="7845225" cy="1817229"/>
               </a:xfrm>
               <a:prstGeom prst="rect">
@@ -16724,6 +16724,7 @@
               </a:bodyPr>
               <a:lstStyle/>
               <a:p>
+                <a:pPr/>
                 <a14:m>
                   <m:oMathPara xmlns:m="http://schemas.openxmlformats.org/officeDocument/2006/math">
                     <m:oMathParaPr>
@@ -18012,7 +18013,7 @@
             </p:nvSpPr>
             <p:spPr>
               <a:xfrm>
-                <a:off x="2622883" y="1179095"/>
+                <a:off x="2516555" y="1179095"/>
                 <a:ext cx="7845225" cy="1817229"/>
               </a:xfrm>
               <a:prstGeom prst="rect">
@@ -18021,7 +18022,7 @@
               <a:blipFill>
                 <a:blip r:embed="rId2"/>
                 <a:stretch>
-                  <a:fillRect l="-7120" t="-47917" b="-73611"/>
+                  <a:fillRect l="-7108" t="-47917" b="-73611"/>
                 </a:stretch>
               </a:blipFill>
             </p:spPr>
@@ -18056,7 +18057,7 @@
             </p:nvSpPr>
             <p:spPr>
               <a:xfrm>
-                <a:off x="11494168" y="2996324"/>
+                <a:off x="4483768" y="3861677"/>
                 <a:ext cx="3005951" cy="880369"/>
               </a:xfrm>
               <a:prstGeom prst="rect">
@@ -18070,6 +18071,7 @@
               </a:bodyPr>
               <a:lstStyle/>
               <a:p>
+                <a:pPr/>
                 <a14:m>
                   <m:oMathPara xmlns:m="http://schemas.openxmlformats.org/officeDocument/2006/math">
                     <m:oMathParaPr>
@@ -18411,7 +18413,7 @@
             </p:nvSpPr>
             <p:spPr>
               <a:xfrm>
-                <a:off x="11494168" y="2996324"/>
+                <a:off x="4483768" y="3861677"/>
                 <a:ext cx="3005951" cy="880369"/>
               </a:xfrm>
               <a:prstGeom prst="rect">
@@ -18439,6 +18441,1865 @@
           </p:sp>
         </mc:Fallback>
       </mc:AlternateContent>
+      <p:graphicFrame>
+        <p:nvGraphicFramePr>
+          <p:cNvPr id="3" name="Table 2">
+            <a:extLst>
+              <a:ext uri="{FF2B5EF4-FFF2-40B4-BE49-F238E27FC236}">
+                <a16:creationId xmlns:a16="http://schemas.microsoft.com/office/drawing/2014/main" id="{87DE1C60-6396-424F-A242-8858511B34F8}"/>
+              </a:ext>
+            </a:extLst>
+          </p:cNvPr>
+          <p:cNvGraphicFramePr>
+            <a:graphicFrameLocks noGrp="1"/>
+          </p:cNvGraphicFramePr>
+          <p:nvPr>
+            <p:extLst>
+              <p:ext uri="{D42A27DB-BD31-4B8C-83A1-F6EECF244321}">
+                <p14:modId xmlns:p14="http://schemas.microsoft.com/office/powerpoint/2010/main" val="3322388467"/>
+              </p:ext>
+            </p:extLst>
+          </p:nvPr>
+        </p:nvGraphicFramePr>
+        <p:xfrm>
+          <a:off x="11987212" y="1427203"/>
+          <a:ext cx="7359912" cy="365760"/>
+        </p:xfrm>
+        <a:graphic>
+          <a:graphicData uri="http://schemas.openxmlformats.org/drawingml/2006/table">
+            <a:tbl>
+              <a:tblPr firstRow="1" bandRow="1">
+                <a:tableStyleId>{5C22544A-7EE6-4342-B048-85BDC9FD1C3A}</a:tableStyleId>
+              </a:tblPr>
+              <a:tblGrid>
+                <a:gridCol w="5257080">
+                  <a:extLst>
+                    <a:ext uri="{9D8B030D-6E8A-4147-A177-3AD203B41FA5}">
+                      <a16:colId xmlns:a16="http://schemas.microsoft.com/office/drawing/2014/main" val="3482940820"/>
+                    </a:ext>
+                  </a:extLst>
+                </a:gridCol>
+                <a:gridCol w="2102832">
+                  <a:extLst>
+                    <a:ext uri="{9D8B030D-6E8A-4147-A177-3AD203B41FA5}">
+                      <a16:colId xmlns:a16="http://schemas.microsoft.com/office/drawing/2014/main" val="3926211024"/>
+                    </a:ext>
+                  </a:extLst>
+                </a:gridCol>
+              </a:tblGrid>
+              <a:tr h="316227">
+                <a:tc>
+                  <a:txBody>
+                    <a:bodyPr/>
+                    <a:lstStyle/>
+                    <a:p>
+                      <a:endParaRPr lang="en-US"/>
+                    </a:p>
+                  </a:txBody>
+                  <a:tcPr>
+                    <a:solidFill>
+                      <a:srgbClr val="7A81FF"/>
+                    </a:solidFill>
+                  </a:tcPr>
+                </a:tc>
+                <a:tc>
+                  <a:txBody>
+                    <a:bodyPr/>
+                    <a:lstStyle/>
+                    <a:p>
+                      <a:endParaRPr lang="en-US"/>
+                    </a:p>
+                  </a:txBody>
+                  <a:tcPr>
+                    <a:solidFill>
+                      <a:srgbClr val="FF0000"/>
+                    </a:solidFill>
+                  </a:tcPr>
+                </a:tc>
+                <a:extLst>
+                  <a:ext uri="{0D108BD9-81ED-4DB2-BD59-A6C34878D82A}">
+                    <a16:rowId xmlns:a16="http://schemas.microsoft.com/office/drawing/2014/main" val="3131488575"/>
+                  </a:ext>
+                </a:extLst>
+              </a:tr>
+            </a:tbl>
+          </a:graphicData>
+        </a:graphic>
+      </p:graphicFrame>
+      <p:sp>
+        <p:nvSpPr>
+          <p:cNvPr id="6" name="Left Brace 5">
+            <a:extLst>
+              <a:ext uri="{FF2B5EF4-FFF2-40B4-BE49-F238E27FC236}">
+                <a16:creationId xmlns:a16="http://schemas.microsoft.com/office/drawing/2014/main" id="{C58BD91D-3B63-A049-AD65-4F186CAE10A9}"/>
+              </a:ext>
+            </a:extLst>
+          </p:cNvPr>
+          <p:cNvSpPr/>
+          <p:nvPr/>
+        </p:nvSpPr>
+        <p:spPr>
+          <a:xfrm rot="5400000">
+            <a:off x="15533967" y="-2950195"/>
+            <a:ext cx="266400" cy="7359913"/>
+          </a:xfrm>
+          <a:prstGeom prst="leftBrace">
+            <a:avLst/>
+          </a:prstGeom>
+          <a:ln w="38100">
+            <a:solidFill>
+              <a:schemeClr val="tx1"/>
+            </a:solidFill>
+          </a:ln>
+        </p:spPr>
+        <p:style>
+          <a:lnRef idx="1">
+            <a:schemeClr val="accent1"/>
+          </a:lnRef>
+          <a:fillRef idx="0">
+            <a:schemeClr val="accent1"/>
+          </a:fillRef>
+          <a:effectRef idx="0">
+            <a:schemeClr val="accent1"/>
+          </a:effectRef>
+          <a:fontRef idx="minor">
+            <a:schemeClr val="tx1"/>
+          </a:fontRef>
+        </p:style>
+        <p:txBody>
+          <a:bodyPr rtlCol="0" anchor="ctr"/>
+          <a:lstStyle/>
+          <a:p>
+            <a:pPr algn="ctr"/>
+            <a:endParaRPr lang="en-US"/>
+          </a:p>
+        </p:txBody>
+      </p:sp>
+      <p:sp>
+        <p:nvSpPr>
+          <p:cNvPr id="7" name="TextBox 6">
+            <a:extLst>
+              <a:ext uri="{FF2B5EF4-FFF2-40B4-BE49-F238E27FC236}">
+                <a16:creationId xmlns:a16="http://schemas.microsoft.com/office/drawing/2014/main" id="{BC608CAD-A2EE-9142-8B00-5DF82F35B5C8}"/>
+              </a:ext>
+            </a:extLst>
+          </p:cNvPr>
+          <p:cNvSpPr txBox="1"/>
+          <p:nvPr/>
+        </p:nvSpPr>
+        <p:spPr>
+          <a:xfrm>
+            <a:off x="14202698" y="260911"/>
+            <a:ext cx="2928938" cy="400110"/>
+          </a:xfrm>
+          <a:prstGeom prst="rect">
+            <a:avLst/>
+          </a:prstGeom>
+          <a:noFill/>
+        </p:spPr>
+        <p:txBody>
+          <a:bodyPr wrap="square" rtlCol="0">
+            <a:spAutoFit/>
+          </a:bodyPr>
+          <a:lstStyle/>
+          <a:p>
+            <a:pPr algn="ctr"/>
+            <a:r>
+              <a:rPr lang="en-US" sz="2000"/>
+              <a:t>Entire  Dataset</a:t>
+            </a:r>
+          </a:p>
+        </p:txBody>
+      </p:sp>
+      <p:sp>
+        <p:nvSpPr>
+          <p:cNvPr id="8" name="Left Brace 7">
+            <a:extLst>
+              <a:ext uri="{FF2B5EF4-FFF2-40B4-BE49-F238E27FC236}">
+                <a16:creationId xmlns:a16="http://schemas.microsoft.com/office/drawing/2014/main" id="{3441DD30-5A8D-384A-90A6-C7E1B0029200}"/>
+              </a:ext>
+            </a:extLst>
+          </p:cNvPr>
+          <p:cNvSpPr/>
+          <p:nvPr/>
+        </p:nvSpPr>
+        <p:spPr>
+          <a:xfrm rot="5400000">
+            <a:off x="14478868" y="-1311309"/>
+            <a:ext cx="252000" cy="5166000"/>
+          </a:xfrm>
+          <a:prstGeom prst="leftBrace">
+            <a:avLst/>
+          </a:prstGeom>
+          <a:ln w="38100">
+            <a:solidFill>
+              <a:schemeClr val="tx1"/>
+            </a:solidFill>
+          </a:ln>
+        </p:spPr>
+        <p:style>
+          <a:lnRef idx="1">
+            <a:schemeClr val="accent1"/>
+          </a:lnRef>
+          <a:fillRef idx="0">
+            <a:schemeClr val="accent1"/>
+          </a:fillRef>
+          <a:effectRef idx="0">
+            <a:schemeClr val="accent1"/>
+          </a:effectRef>
+          <a:fontRef idx="minor">
+            <a:schemeClr val="tx1"/>
+          </a:fontRef>
+        </p:style>
+        <p:txBody>
+          <a:bodyPr rtlCol="0" anchor="ctr"/>
+          <a:lstStyle/>
+          <a:p>
+            <a:pPr algn="ctr"/>
+            <a:endParaRPr lang="en-US"/>
+          </a:p>
+        </p:txBody>
+      </p:sp>
+      <p:sp>
+        <p:nvSpPr>
+          <p:cNvPr id="9" name="TextBox 8">
+            <a:extLst>
+              <a:ext uri="{FF2B5EF4-FFF2-40B4-BE49-F238E27FC236}">
+                <a16:creationId xmlns:a16="http://schemas.microsoft.com/office/drawing/2014/main" id="{121F817B-C094-C041-8E9D-6DD62399F18F}"/>
+              </a:ext>
+            </a:extLst>
+          </p:cNvPr>
+          <p:cNvSpPr txBox="1"/>
+          <p:nvPr/>
+        </p:nvSpPr>
+        <p:spPr>
+          <a:xfrm>
+            <a:off x="13140399" y="778985"/>
+            <a:ext cx="2928938" cy="338554"/>
+          </a:xfrm>
+          <a:prstGeom prst="rect">
+            <a:avLst/>
+          </a:prstGeom>
+          <a:noFill/>
+        </p:spPr>
+        <p:txBody>
+          <a:bodyPr wrap="square" rtlCol="0">
+            <a:spAutoFit/>
+          </a:bodyPr>
+          <a:lstStyle/>
+          <a:p>
+            <a:pPr algn="ctr"/>
+            <a:r>
+              <a:rPr lang="en-US" sz="1600"/>
+              <a:t>Training Set</a:t>
+            </a:r>
+          </a:p>
+        </p:txBody>
+      </p:sp>
+      <p:sp>
+        <p:nvSpPr>
+          <p:cNvPr id="10" name="Left Brace 9">
+            <a:extLst>
+              <a:ext uri="{FF2B5EF4-FFF2-40B4-BE49-F238E27FC236}">
+                <a16:creationId xmlns:a16="http://schemas.microsoft.com/office/drawing/2014/main" id="{EF047006-635E-1B4E-A8FE-9A4EEFDCC8CF}"/>
+              </a:ext>
+            </a:extLst>
+          </p:cNvPr>
+          <p:cNvSpPr/>
+          <p:nvPr/>
+        </p:nvSpPr>
+        <p:spPr>
+          <a:xfrm rot="5400000">
+            <a:off x="18170068" y="210031"/>
+            <a:ext cx="252000" cy="2102111"/>
+          </a:xfrm>
+          <a:prstGeom prst="leftBrace">
+            <a:avLst/>
+          </a:prstGeom>
+          <a:ln w="38100">
+            <a:solidFill>
+              <a:schemeClr val="tx1"/>
+            </a:solidFill>
+          </a:ln>
+        </p:spPr>
+        <p:style>
+          <a:lnRef idx="1">
+            <a:schemeClr val="accent1"/>
+          </a:lnRef>
+          <a:fillRef idx="0">
+            <a:schemeClr val="accent1"/>
+          </a:fillRef>
+          <a:effectRef idx="0">
+            <a:schemeClr val="accent1"/>
+          </a:effectRef>
+          <a:fontRef idx="minor">
+            <a:schemeClr val="tx1"/>
+          </a:fontRef>
+        </p:style>
+        <p:txBody>
+          <a:bodyPr rtlCol="0" anchor="ctr"/>
+          <a:lstStyle/>
+          <a:p>
+            <a:pPr algn="ctr"/>
+            <a:endParaRPr lang="en-US"/>
+          </a:p>
+        </p:txBody>
+      </p:sp>
+      <p:sp>
+        <p:nvSpPr>
+          <p:cNvPr id="11" name="TextBox 10">
+            <a:extLst>
+              <a:ext uri="{FF2B5EF4-FFF2-40B4-BE49-F238E27FC236}">
+                <a16:creationId xmlns:a16="http://schemas.microsoft.com/office/drawing/2014/main" id="{675B873B-AFAC-5243-B8EF-A3A7F5ABF3FE}"/>
+              </a:ext>
+            </a:extLst>
+          </p:cNvPr>
+          <p:cNvSpPr txBox="1"/>
+          <p:nvPr/>
+        </p:nvSpPr>
+        <p:spPr>
+          <a:xfrm>
+            <a:off x="16831599" y="772217"/>
+            <a:ext cx="2928938" cy="338554"/>
+          </a:xfrm>
+          <a:prstGeom prst="rect">
+            <a:avLst/>
+          </a:prstGeom>
+          <a:noFill/>
+        </p:spPr>
+        <p:txBody>
+          <a:bodyPr wrap="square" rtlCol="0">
+            <a:spAutoFit/>
+          </a:bodyPr>
+          <a:lstStyle/>
+          <a:p>
+            <a:pPr algn="ctr"/>
+            <a:r>
+              <a:rPr lang="en-US" sz="1600"/>
+              <a:t>Testing Set</a:t>
+            </a:r>
+          </a:p>
+        </p:txBody>
+      </p:sp>
+      <p:graphicFrame>
+        <p:nvGraphicFramePr>
+          <p:cNvPr id="12" name="Table 11">
+            <a:extLst>
+              <a:ext uri="{FF2B5EF4-FFF2-40B4-BE49-F238E27FC236}">
+                <a16:creationId xmlns:a16="http://schemas.microsoft.com/office/drawing/2014/main" id="{C25B1DA9-6945-0B43-8903-509BEFAE49DE}"/>
+              </a:ext>
+            </a:extLst>
+          </p:cNvPr>
+          <p:cNvGraphicFramePr>
+            <a:graphicFrameLocks noGrp="1"/>
+          </p:cNvGraphicFramePr>
+          <p:nvPr>
+            <p:extLst>
+              <p:ext uri="{D42A27DB-BD31-4B8C-83A1-F6EECF244321}">
+                <p14:modId xmlns:p14="http://schemas.microsoft.com/office/powerpoint/2010/main" val="1171971532"/>
+              </p:ext>
+            </p:extLst>
+          </p:nvPr>
+        </p:nvGraphicFramePr>
+        <p:xfrm>
+          <a:off x="11398102" y="2410024"/>
+          <a:ext cx="7705060" cy="370616"/>
+        </p:xfrm>
+        <a:graphic>
+          <a:graphicData uri="http://schemas.openxmlformats.org/drawingml/2006/table">
+            <a:tbl>
+              <a:tblPr firstRow="1" bandRow="1">
+                <a:tableStyleId>{5C22544A-7EE6-4342-B048-85BDC9FD1C3A}</a:tableStyleId>
+              </a:tblPr>
+              <a:tblGrid>
+                <a:gridCol w="1541012">
+                  <a:extLst>
+                    <a:ext uri="{9D8B030D-6E8A-4147-A177-3AD203B41FA5}">
+                      <a16:colId xmlns:a16="http://schemas.microsoft.com/office/drawing/2014/main" val="3145332163"/>
+                    </a:ext>
+                  </a:extLst>
+                </a:gridCol>
+                <a:gridCol w="1541012">
+                  <a:extLst>
+                    <a:ext uri="{9D8B030D-6E8A-4147-A177-3AD203B41FA5}">
+                      <a16:colId xmlns:a16="http://schemas.microsoft.com/office/drawing/2014/main" val="1537967798"/>
+                    </a:ext>
+                  </a:extLst>
+                </a:gridCol>
+                <a:gridCol w="1541012">
+                  <a:extLst>
+                    <a:ext uri="{9D8B030D-6E8A-4147-A177-3AD203B41FA5}">
+                      <a16:colId xmlns:a16="http://schemas.microsoft.com/office/drawing/2014/main" val="101738152"/>
+                    </a:ext>
+                  </a:extLst>
+                </a:gridCol>
+                <a:gridCol w="1541012">
+                  <a:extLst>
+                    <a:ext uri="{9D8B030D-6E8A-4147-A177-3AD203B41FA5}">
+                      <a16:colId xmlns:a16="http://schemas.microsoft.com/office/drawing/2014/main" val="2765698800"/>
+                    </a:ext>
+                  </a:extLst>
+                </a:gridCol>
+                <a:gridCol w="1541012">
+                  <a:extLst>
+                    <a:ext uri="{9D8B030D-6E8A-4147-A177-3AD203B41FA5}">
+                      <a16:colId xmlns:a16="http://schemas.microsoft.com/office/drawing/2014/main" val="4229302921"/>
+                    </a:ext>
+                  </a:extLst>
+                </a:gridCol>
+              </a:tblGrid>
+              <a:tr h="370616">
+                <a:tc>
+                  <a:txBody>
+                    <a:bodyPr/>
+                    <a:lstStyle/>
+                    <a:p>
+                      <a:pPr algn="ctr"/>
+                      <a:r>
+                        <a:rPr lang="en-US"/>
+                        <a:t>Part 1</a:t>
+                      </a:r>
+                    </a:p>
+                  </a:txBody>
+                  <a:tcPr>
+                    <a:solidFill>
+                      <a:srgbClr val="7A81FF"/>
+                    </a:solidFill>
+                  </a:tcPr>
+                </a:tc>
+                <a:tc>
+                  <a:txBody>
+                    <a:bodyPr/>
+                    <a:lstStyle/>
+                    <a:p>
+                      <a:pPr algn="ctr"/>
+                      <a:r>
+                        <a:rPr lang="en-US"/>
+                        <a:t>Part 2</a:t>
+                      </a:r>
+                    </a:p>
+                  </a:txBody>
+                  <a:tcPr>
+                    <a:solidFill>
+                      <a:srgbClr val="7A81FF"/>
+                    </a:solidFill>
+                  </a:tcPr>
+                </a:tc>
+                <a:tc>
+                  <a:txBody>
+                    <a:bodyPr/>
+                    <a:lstStyle/>
+                    <a:p>
+                      <a:pPr algn="ctr"/>
+                      <a:r>
+                        <a:rPr lang="en-US"/>
+                        <a:t>Part 3</a:t>
+                      </a:r>
+                    </a:p>
+                  </a:txBody>
+                  <a:tcPr>
+                    <a:solidFill>
+                      <a:srgbClr val="7A81FF"/>
+                    </a:solidFill>
+                  </a:tcPr>
+                </a:tc>
+                <a:tc>
+                  <a:txBody>
+                    <a:bodyPr/>
+                    <a:lstStyle/>
+                    <a:p>
+                      <a:pPr algn="ctr"/>
+                      <a:r>
+                        <a:rPr lang="en-US"/>
+                        <a:t>Part 4</a:t>
+                      </a:r>
+                    </a:p>
+                  </a:txBody>
+                  <a:tcPr>
+                    <a:solidFill>
+                      <a:srgbClr val="7A81FF"/>
+                    </a:solidFill>
+                  </a:tcPr>
+                </a:tc>
+                <a:tc>
+                  <a:txBody>
+                    <a:bodyPr/>
+                    <a:lstStyle/>
+                    <a:p>
+                      <a:pPr algn="ctr"/>
+                      <a:r>
+                        <a:rPr lang="en-US"/>
+                        <a:t>Part 5</a:t>
+                      </a:r>
+                    </a:p>
+                  </a:txBody>
+                  <a:tcPr>
+                    <a:solidFill>
+                      <a:srgbClr val="7A81FF"/>
+                    </a:solidFill>
+                  </a:tcPr>
+                </a:tc>
+                <a:extLst>
+                  <a:ext uri="{0D108BD9-81ED-4DB2-BD59-A6C34878D82A}">
+                    <a16:rowId xmlns:a16="http://schemas.microsoft.com/office/drawing/2014/main" val="2045943565"/>
+                  </a:ext>
+                </a:extLst>
+              </a:tr>
+            </a:tbl>
+          </a:graphicData>
+        </a:graphic>
+      </p:graphicFrame>
+      <p:cxnSp>
+        <p:nvCxnSpPr>
+          <p:cNvPr id="14" name="Straight Arrow Connector 13">
+            <a:extLst>
+              <a:ext uri="{FF2B5EF4-FFF2-40B4-BE49-F238E27FC236}">
+                <a16:creationId xmlns:a16="http://schemas.microsoft.com/office/drawing/2014/main" id="{9EBD98C1-0179-924E-8EE8-2453C094C2D1}"/>
+              </a:ext>
+            </a:extLst>
+          </p:cNvPr>
+          <p:cNvCxnSpPr>
+            <a:cxnSpLocks/>
+          </p:cNvCxnSpPr>
+          <p:nvPr/>
+        </p:nvCxnSpPr>
+        <p:spPr>
+          <a:xfrm flipH="1">
+            <a:off x="11398102" y="1770320"/>
+            <a:ext cx="623768" cy="586884"/>
+          </a:xfrm>
+          <a:prstGeom prst="straightConnector1">
+            <a:avLst/>
+          </a:prstGeom>
+          <a:ln w="38100">
+            <a:solidFill>
+              <a:srgbClr val="7A81FF"/>
+            </a:solidFill>
+            <a:prstDash val="sysDash"/>
+            <a:tailEnd type="triangle"/>
+          </a:ln>
+        </p:spPr>
+        <p:style>
+          <a:lnRef idx="1">
+            <a:schemeClr val="accent1"/>
+          </a:lnRef>
+          <a:fillRef idx="0">
+            <a:schemeClr val="accent1"/>
+          </a:fillRef>
+          <a:effectRef idx="0">
+            <a:schemeClr val="accent1"/>
+          </a:effectRef>
+          <a:fontRef idx="minor">
+            <a:schemeClr val="tx1"/>
+          </a:fontRef>
+        </p:style>
+      </p:cxnSp>
+      <p:cxnSp>
+        <p:nvCxnSpPr>
+          <p:cNvPr id="16" name="Straight Arrow Connector 15">
+            <a:extLst>
+              <a:ext uri="{FF2B5EF4-FFF2-40B4-BE49-F238E27FC236}">
+                <a16:creationId xmlns:a16="http://schemas.microsoft.com/office/drawing/2014/main" id="{126ECBED-EA0C-5947-92D5-72475B1AD64E}"/>
+              </a:ext>
+            </a:extLst>
+          </p:cNvPr>
+          <p:cNvCxnSpPr>
+            <a:cxnSpLocks/>
+          </p:cNvCxnSpPr>
+          <p:nvPr/>
+        </p:nvCxnSpPr>
+        <p:spPr>
+          <a:xfrm>
+            <a:off x="17187868" y="1784608"/>
+            <a:ext cx="1915294" cy="572596"/>
+          </a:xfrm>
+          <a:prstGeom prst="straightConnector1">
+            <a:avLst/>
+          </a:prstGeom>
+          <a:ln w="38100">
+            <a:solidFill>
+              <a:srgbClr val="7A81FF"/>
+            </a:solidFill>
+            <a:prstDash val="sysDash"/>
+            <a:tailEnd type="triangle"/>
+          </a:ln>
+        </p:spPr>
+        <p:style>
+          <a:lnRef idx="1">
+            <a:schemeClr val="accent1"/>
+          </a:lnRef>
+          <a:fillRef idx="0">
+            <a:schemeClr val="accent1"/>
+          </a:fillRef>
+          <a:effectRef idx="0">
+            <a:schemeClr val="accent1"/>
+          </a:effectRef>
+          <a:fontRef idx="minor">
+            <a:schemeClr val="tx1"/>
+          </a:fontRef>
+        </p:style>
+      </p:cxnSp>
+      <p:sp>
+        <p:nvSpPr>
+          <p:cNvPr id="19" name="TextBox 18">
+            <a:extLst>
+              <a:ext uri="{FF2B5EF4-FFF2-40B4-BE49-F238E27FC236}">
+                <a16:creationId xmlns:a16="http://schemas.microsoft.com/office/drawing/2014/main" id="{2A1E895F-C0E5-0B41-B55A-ADE61431B0A8}"/>
+              </a:ext>
+            </a:extLst>
+          </p:cNvPr>
+          <p:cNvSpPr txBox="1"/>
+          <p:nvPr/>
+        </p:nvSpPr>
+        <p:spPr>
+          <a:xfrm>
+            <a:off x="11903865" y="1975502"/>
+            <a:ext cx="2473068" cy="338554"/>
+          </a:xfrm>
+          <a:prstGeom prst="rect">
+            <a:avLst/>
+          </a:prstGeom>
+          <a:noFill/>
+        </p:spPr>
+        <p:txBody>
+          <a:bodyPr wrap="square" rtlCol="0">
+            <a:spAutoFit/>
+          </a:bodyPr>
+          <a:lstStyle/>
+          <a:p>
+            <a:r>
+              <a:rPr lang="en-US" sz="1600"/>
+              <a:t>K-fold Cross Validation, k=5</a:t>
+            </a:r>
+          </a:p>
+        </p:txBody>
+      </p:sp>
+      <p:sp>
+        <p:nvSpPr>
+          <p:cNvPr id="20" name="TextBox 19">
+            <a:extLst>
+              <a:ext uri="{FF2B5EF4-FFF2-40B4-BE49-F238E27FC236}">
+                <a16:creationId xmlns:a16="http://schemas.microsoft.com/office/drawing/2014/main" id="{CEDB49EB-BC7D-5E43-939D-214C299988ED}"/>
+              </a:ext>
+            </a:extLst>
+          </p:cNvPr>
+          <p:cNvSpPr txBox="1"/>
+          <p:nvPr/>
+        </p:nvSpPr>
+        <p:spPr>
+          <a:xfrm>
+            <a:off x="10962266" y="3239484"/>
+            <a:ext cx="442913" cy="338554"/>
+          </a:xfrm>
+          <a:prstGeom prst="rect">
+            <a:avLst/>
+          </a:prstGeom>
+          <a:noFill/>
+        </p:spPr>
+        <p:txBody>
+          <a:bodyPr wrap="square" rtlCol="0">
+            <a:spAutoFit/>
+          </a:bodyPr>
+          <a:lstStyle/>
+          <a:p>
+            <a:r>
+              <a:rPr lang="en-US" sz="1600"/>
+              <a:t>1.</a:t>
+            </a:r>
+          </a:p>
+        </p:txBody>
+      </p:sp>
+      <p:graphicFrame>
+        <p:nvGraphicFramePr>
+          <p:cNvPr id="27" name="Table 26">
+            <a:extLst>
+              <a:ext uri="{FF2B5EF4-FFF2-40B4-BE49-F238E27FC236}">
+                <a16:creationId xmlns:a16="http://schemas.microsoft.com/office/drawing/2014/main" id="{220C7864-F1A2-7E4F-9DDC-BC494CEB690E}"/>
+              </a:ext>
+            </a:extLst>
+          </p:cNvPr>
+          <p:cNvGraphicFramePr>
+            <a:graphicFrameLocks noGrp="1"/>
+          </p:cNvGraphicFramePr>
+          <p:nvPr>
+            <p:extLst>
+              <p:ext uri="{D42A27DB-BD31-4B8C-83A1-F6EECF244321}">
+                <p14:modId xmlns:p14="http://schemas.microsoft.com/office/powerpoint/2010/main" val="2959730274"/>
+              </p:ext>
+            </p:extLst>
+          </p:nvPr>
+        </p:nvGraphicFramePr>
+        <p:xfrm>
+          <a:off x="11398102" y="3243692"/>
+          <a:ext cx="7705060" cy="370616"/>
+        </p:xfrm>
+        <a:graphic>
+          <a:graphicData uri="http://schemas.openxmlformats.org/drawingml/2006/table">
+            <a:tbl>
+              <a:tblPr firstRow="1" bandRow="1">
+                <a:tableStyleId>{5C22544A-7EE6-4342-B048-85BDC9FD1C3A}</a:tableStyleId>
+              </a:tblPr>
+              <a:tblGrid>
+                <a:gridCol w="1541012">
+                  <a:extLst>
+                    <a:ext uri="{9D8B030D-6E8A-4147-A177-3AD203B41FA5}">
+                      <a16:colId xmlns:a16="http://schemas.microsoft.com/office/drawing/2014/main" val="3145332163"/>
+                    </a:ext>
+                  </a:extLst>
+                </a:gridCol>
+                <a:gridCol w="1541012">
+                  <a:extLst>
+                    <a:ext uri="{9D8B030D-6E8A-4147-A177-3AD203B41FA5}">
+                      <a16:colId xmlns:a16="http://schemas.microsoft.com/office/drawing/2014/main" val="1537967798"/>
+                    </a:ext>
+                  </a:extLst>
+                </a:gridCol>
+                <a:gridCol w="1541012">
+                  <a:extLst>
+                    <a:ext uri="{9D8B030D-6E8A-4147-A177-3AD203B41FA5}">
+                      <a16:colId xmlns:a16="http://schemas.microsoft.com/office/drawing/2014/main" val="101738152"/>
+                    </a:ext>
+                  </a:extLst>
+                </a:gridCol>
+                <a:gridCol w="1541012">
+                  <a:extLst>
+                    <a:ext uri="{9D8B030D-6E8A-4147-A177-3AD203B41FA5}">
+                      <a16:colId xmlns:a16="http://schemas.microsoft.com/office/drawing/2014/main" val="2765698800"/>
+                    </a:ext>
+                  </a:extLst>
+                </a:gridCol>
+                <a:gridCol w="1541012">
+                  <a:extLst>
+                    <a:ext uri="{9D8B030D-6E8A-4147-A177-3AD203B41FA5}">
+                      <a16:colId xmlns:a16="http://schemas.microsoft.com/office/drawing/2014/main" val="4229302921"/>
+                    </a:ext>
+                  </a:extLst>
+                </a:gridCol>
+              </a:tblGrid>
+              <a:tr h="370616">
+                <a:tc>
+                  <a:txBody>
+                    <a:bodyPr/>
+                    <a:lstStyle/>
+                    <a:p>
+                      <a:pPr algn="ctr"/>
+                      <a:r>
+                        <a:rPr lang="en-US"/>
+                        <a:t>Part 1</a:t>
+                      </a:r>
+                    </a:p>
+                  </a:txBody>
+                  <a:tcPr>
+                    <a:solidFill>
+                      <a:srgbClr val="45D94F"/>
+                    </a:solidFill>
+                  </a:tcPr>
+                </a:tc>
+                <a:tc>
+                  <a:txBody>
+                    <a:bodyPr/>
+                    <a:lstStyle/>
+                    <a:p>
+                      <a:pPr algn="ctr"/>
+                      <a:r>
+                        <a:rPr lang="en-US"/>
+                        <a:t>Part 2</a:t>
+                      </a:r>
+                    </a:p>
+                  </a:txBody>
+                  <a:tcPr>
+                    <a:solidFill>
+                      <a:srgbClr val="7A81FF"/>
+                    </a:solidFill>
+                  </a:tcPr>
+                </a:tc>
+                <a:tc>
+                  <a:txBody>
+                    <a:bodyPr/>
+                    <a:lstStyle/>
+                    <a:p>
+                      <a:pPr algn="ctr"/>
+                      <a:r>
+                        <a:rPr lang="en-US"/>
+                        <a:t>Part 3</a:t>
+                      </a:r>
+                    </a:p>
+                  </a:txBody>
+                  <a:tcPr>
+                    <a:solidFill>
+                      <a:srgbClr val="7A81FF"/>
+                    </a:solidFill>
+                  </a:tcPr>
+                </a:tc>
+                <a:tc>
+                  <a:txBody>
+                    <a:bodyPr/>
+                    <a:lstStyle/>
+                    <a:p>
+                      <a:pPr algn="ctr"/>
+                      <a:r>
+                        <a:rPr lang="en-US"/>
+                        <a:t>Part 4</a:t>
+                      </a:r>
+                    </a:p>
+                  </a:txBody>
+                  <a:tcPr>
+                    <a:solidFill>
+                      <a:srgbClr val="7A81FF"/>
+                    </a:solidFill>
+                  </a:tcPr>
+                </a:tc>
+                <a:tc>
+                  <a:txBody>
+                    <a:bodyPr/>
+                    <a:lstStyle/>
+                    <a:p>
+                      <a:pPr algn="ctr"/>
+                      <a:r>
+                        <a:rPr lang="en-US"/>
+                        <a:t>Part 5</a:t>
+                      </a:r>
+                    </a:p>
+                  </a:txBody>
+                  <a:tcPr>
+                    <a:solidFill>
+                      <a:srgbClr val="7A81FF"/>
+                    </a:solidFill>
+                  </a:tcPr>
+                </a:tc>
+                <a:extLst>
+                  <a:ext uri="{0D108BD9-81ED-4DB2-BD59-A6C34878D82A}">
+                    <a16:rowId xmlns:a16="http://schemas.microsoft.com/office/drawing/2014/main" val="2045943565"/>
+                  </a:ext>
+                </a:extLst>
+              </a:tr>
+            </a:tbl>
+          </a:graphicData>
+        </a:graphic>
+      </p:graphicFrame>
+      <p:graphicFrame>
+        <p:nvGraphicFramePr>
+          <p:cNvPr id="28" name="Table 27">
+            <a:extLst>
+              <a:ext uri="{FF2B5EF4-FFF2-40B4-BE49-F238E27FC236}">
+                <a16:creationId xmlns:a16="http://schemas.microsoft.com/office/drawing/2014/main" id="{FAE7ADBB-62B9-EB48-9B03-3ED676647DC2}"/>
+              </a:ext>
+            </a:extLst>
+          </p:cNvPr>
+          <p:cNvGraphicFramePr>
+            <a:graphicFrameLocks noGrp="1"/>
+          </p:cNvGraphicFramePr>
+          <p:nvPr>
+            <p:extLst>
+              <p:ext uri="{D42A27DB-BD31-4B8C-83A1-F6EECF244321}">
+                <p14:modId xmlns:p14="http://schemas.microsoft.com/office/powerpoint/2010/main" val="3899145925"/>
+              </p:ext>
+            </p:extLst>
+          </p:nvPr>
+        </p:nvGraphicFramePr>
+        <p:xfrm>
+          <a:off x="11405179" y="3706744"/>
+          <a:ext cx="7705060" cy="370616"/>
+        </p:xfrm>
+        <a:graphic>
+          <a:graphicData uri="http://schemas.openxmlformats.org/drawingml/2006/table">
+            <a:tbl>
+              <a:tblPr firstRow="1" bandRow="1">
+                <a:tableStyleId>{5C22544A-7EE6-4342-B048-85BDC9FD1C3A}</a:tableStyleId>
+              </a:tblPr>
+              <a:tblGrid>
+                <a:gridCol w="1541012">
+                  <a:extLst>
+                    <a:ext uri="{9D8B030D-6E8A-4147-A177-3AD203B41FA5}">
+                      <a16:colId xmlns:a16="http://schemas.microsoft.com/office/drawing/2014/main" val="3145332163"/>
+                    </a:ext>
+                  </a:extLst>
+                </a:gridCol>
+                <a:gridCol w="1541012">
+                  <a:extLst>
+                    <a:ext uri="{9D8B030D-6E8A-4147-A177-3AD203B41FA5}">
+                      <a16:colId xmlns:a16="http://schemas.microsoft.com/office/drawing/2014/main" val="1537967798"/>
+                    </a:ext>
+                  </a:extLst>
+                </a:gridCol>
+                <a:gridCol w="1541012">
+                  <a:extLst>
+                    <a:ext uri="{9D8B030D-6E8A-4147-A177-3AD203B41FA5}">
+                      <a16:colId xmlns:a16="http://schemas.microsoft.com/office/drawing/2014/main" val="101738152"/>
+                    </a:ext>
+                  </a:extLst>
+                </a:gridCol>
+                <a:gridCol w="1541012">
+                  <a:extLst>
+                    <a:ext uri="{9D8B030D-6E8A-4147-A177-3AD203B41FA5}">
+                      <a16:colId xmlns:a16="http://schemas.microsoft.com/office/drawing/2014/main" val="2765698800"/>
+                    </a:ext>
+                  </a:extLst>
+                </a:gridCol>
+                <a:gridCol w="1541012">
+                  <a:extLst>
+                    <a:ext uri="{9D8B030D-6E8A-4147-A177-3AD203B41FA5}">
+                      <a16:colId xmlns:a16="http://schemas.microsoft.com/office/drawing/2014/main" val="4229302921"/>
+                    </a:ext>
+                  </a:extLst>
+                </a:gridCol>
+              </a:tblGrid>
+              <a:tr h="370616">
+                <a:tc>
+                  <a:txBody>
+                    <a:bodyPr/>
+                    <a:lstStyle/>
+                    <a:p>
+                      <a:pPr algn="ctr"/>
+                      <a:r>
+                        <a:rPr lang="en-US"/>
+                        <a:t>Part 1</a:t>
+                      </a:r>
+                    </a:p>
+                  </a:txBody>
+                  <a:tcPr>
+                    <a:solidFill>
+                      <a:srgbClr val="7A81FF"/>
+                    </a:solidFill>
+                  </a:tcPr>
+                </a:tc>
+                <a:tc>
+                  <a:txBody>
+                    <a:bodyPr/>
+                    <a:lstStyle/>
+                    <a:p>
+                      <a:pPr algn="ctr"/>
+                      <a:r>
+                        <a:rPr lang="en-US"/>
+                        <a:t>Part 2</a:t>
+                      </a:r>
+                    </a:p>
+                  </a:txBody>
+                  <a:tcPr>
+                    <a:solidFill>
+                      <a:srgbClr val="45D94F"/>
+                    </a:solidFill>
+                  </a:tcPr>
+                </a:tc>
+                <a:tc>
+                  <a:txBody>
+                    <a:bodyPr/>
+                    <a:lstStyle/>
+                    <a:p>
+                      <a:pPr algn="ctr"/>
+                      <a:r>
+                        <a:rPr lang="en-US"/>
+                        <a:t>Part 3</a:t>
+                      </a:r>
+                    </a:p>
+                  </a:txBody>
+                  <a:tcPr>
+                    <a:solidFill>
+                      <a:srgbClr val="7A81FF"/>
+                    </a:solidFill>
+                  </a:tcPr>
+                </a:tc>
+                <a:tc>
+                  <a:txBody>
+                    <a:bodyPr/>
+                    <a:lstStyle/>
+                    <a:p>
+                      <a:pPr algn="ctr"/>
+                      <a:r>
+                        <a:rPr lang="en-US"/>
+                        <a:t>Part 4</a:t>
+                      </a:r>
+                    </a:p>
+                  </a:txBody>
+                  <a:tcPr>
+                    <a:solidFill>
+                      <a:srgbClr val="7A81FF"/>
+                    </a:solidFill>
+                  </a:tcPr>
+                </a:tc>
+                <a:tc>
+                  <a:txBody>
+                    <a:bodyPr/>
+                    <a:lstStyle/>
+                    <a:p>
+                      <a:pPr algn="ctr"/>
+                      <a:r>
+                        <a:rPr lang="en-US"/>
+                        <a:t>Part 5</a:t>
+                      </a:r>
+                    </a:p>
+                  </a:txBody>
+                  <a:tcPr>
+                    <a:solidFill>
+                      <a:srgbClr val="7A81FF"/>
+                    </a:solidFill>
+                  </a:tcPr>
+                </a:tc>
+                <a:extLst>
+                  <a:ext uri="{0D108BD9-81ED-4DB2-BD59-A6C34878D82A}">
+                    <a16:rowId xmlns:a16="http://schemas.microsoft.com/office/drawing/2014/main" val="2045943565"/>
+                  </a:ext>
+                </a:extLst>
+              </a:tr>
+            </a:tbl>
+          </a:graphicData>
+        </a:graphic>
+      </p:graphicFrame>
+      <p:graphicFrame>
+        <p:nvGraphicFramePr>
+          <p:cNvPr id="29" name="Table 28">
+            <a:extLst>
+              <a:ext uri="{FF2B5EF4-FFF2-40B4-BE49-F238E27FC236}">
+                <a16:creationId xmlns:a16="http://schemas.microsoft.com/office/drawing/2014/main" id="{271656C5-8A91-CF43-B0ED-3CD8E395D4B4}"/>
+              </a:ext>
+            </a:extLst>
+          </p:cNvPr>
+          <p:cNvGraphicFramePr>
+            <a:graphicFrameLocks noGrp="1"/>
+          </p:cNvGraphicFramePr>
+          <p:nvPr>
+            <p:extLst>
+              <p:ext uri="{D42A27DB-BD31-4B8C-83A1-F6EECF244321}">
+                <p14:modId xmlns:p14="http://schemas.microsoft.com/office/powerpoint/2010/main" val="1150363851"/>
+              </p:ext>
+            </p:extLst>
+          </p:nvPr>
+        </p:nvGraphicFramePr>
+        <p:xfrm>
+          <a:off x="11405179" y="4170655"/>
+          <a:ext cx="7705060" cy="370616"/>
+        </p:xfrm>
+        <a:graphic>
+          <a:graphicData uri="http://schemas.openxmlformats.org/drawingml/2006/table">
+            <a:tbl>
+              <a:tblPr firstRow="1" bandRow="1">
+                <a:tableStyleId>{5C22544A-7EE6-4342-B048-85BDC9FD1C3A}</a:tableStyleId>
+              </a:tblPr>
+              <a:tblGrid>
+                <a:gridCol w="1541012">
+                  <a:extLst>
+                    <a:ext uri="{9D8B030D-6E8A-4147-A177-3AD203B41FA5}">
+                      <a16:colId xmlns:a16="http://schemas.microsoft.com/office/drawing/2014/main" val="3145332163"/>
+                    </a:ext>
+                  </a:extLst>
+                </a:gridCol>
+                <a:gridCol w="1541012">
+                  <a:extLst>
+                    <a:ext uri="{9D8B030D-6E8A-4147-A177-3AD203B41FA5}">
+                      <a16:colId xmlns:a16="http://schemas.microsoft.com/office/drawing/2014/main" val="1537967798"/>
+                    </a:ext>
+                  </a:extLst>
+                </a:gridCol>
+                <a:gridCol w="1541012">
+                  <a:extLst>
+                    <a:ext uri="{9D8B030D-6E8A-4147-A177-3AD203B41FA5}">
+                      <a16:colId xmlns:a16="http://schemas.microsoft.com/office/drawing/2014/main" val="101738152"/>
+                    </a:ext>
+                  </a:extLst>
+                </a:gridCol>
+                <a:gridCol w="1541012">
+                  <a:extLst>
+                    <a:ext uri="{9D8B030D-6E8A-4147-A177-3AD203B41FA5}">
+                      <a16:colId xmlns:a16="http://schemas.microsoft.com/office/drawing/2014/main" val="2765698800"/>
+                    </a:ext>
+                  </a:extLst>
+                </a:gridCol>
+                <a:gridCol w="1541012">
+                  <a:extLst>
+                    <a:ext uri="{9D8B030D-6E8A-4147-A177-3AD203B41FA5}">
+                      <a16:colId xmlns:a16="http://schemas.microsoft.com/office/drawing/2014/main" val="4229302921"/>
+                    </a:ext>
+                  </a:extLst>
+                </a:gridCol>
+              </a:tblGrid>
+              <a:tr h="370616">
+                <a:tc>
+                  <a:txBody>
+                    <a:bodyPr/>
+                    <a:lstStyle/>
+                    <a:p>
+                      <a:pPr algn="ctr"/>
+                      <a:r>
+                        <a:rPr lang="en-US"/>
+                        <a:t>Part 1</a:t>
+                      </a:r>
+                    </a:p>
+                  </a:txBody>
+                  <a:tcPr>
+                    <a:solidFill>
+                      <a:srgbClr val="7A81FF"/>
+                    </a:solidFill>
+                  </a:tcPr>
+                </a:tc>
+                <a:tc>
+                  <a:txBody>
+                    <a:bodyPr/>
+                    <a:lstStyle/>
+                    <a:p>
+                      <a:pPr algn="ctr"/>
+                      <a:r>
+                        <a:rPr lang="en-US"/>
+                        <a:t>Part 2</a:t>
+                      </a:r>
+                    </a:p>
+                  </a:txBody>
+                  <a:tcPr>
+                    <a:solidFill>
+                      <a:srgbClr val="7A81FF"/>
+                    </a:solidFill>
+                  </a:tcPr>
+                </a:tc>
+                <a:tc>
+                  <a:txBody>
+                    <a:bodyPr/>
+                    <a:lstStyle/>
+                    <a:p>
+                      <a:pPr algn="ctr"/>
+                      <a:r>
+                        <a:rPr lang="en-US"/>
+                        <a:t>Part 3</a:t>
+                      </a:r>
+                    </a:p>
+                  </a:txBody>
+                  <a:tcPr>
+                    <a:solidFill>
+                      <a:srgbClr val="45D94F"/>
+                    </a:solidFill>
+                  </a:tcPr>
+                </a:tc>
+                <a:tc>
+                  <a:txBody>
+                    <a:bodyPr/>
+                    <a:lstStyle/>
+                    <a:p>
+                      <a:pPr algn="ctr"/>
+                      <a:r>
+                        <a:rPr lang="en-US"/>
+                        <a:t>Part 4</a:t>
+                      </a:r>
+                    </a:p>
+                  </a:txBody>
+                  <a:tcPr>
+                    <a:solidFill>
+                      <a:srgbClr val="7A81FF"/>
+                    </a:solidFill>
+                  </a:tcPr>
+                </a:tc>
+                <a:tc>
+                  <a:txBody>
+                    <a:bodyPr/>
+                    <a:lstStyle/>
+                    <a:p>
+                      <a:pPr algn="ctr"/>
+                      <a:r>
+                        <a:rPr lang="en-US"/>
+                        <a:t>Part 5</a:t>
+                      </a:r>
+                    </a:p>
+                  </a:txBody>
+                  <a:tcPr>
+                    <a:solidFill>
+                      <a:srgbClr val="7A81FF"/>
+                    </a:solidFill>
+                  </a:tcPr>
+                </a:tc>
+                <a:extLst>
+                  <a:ext uri="{0D108BD9-81ED-4DB2-BD59-A6C34878D82A}">
+                    <a16:rowId xmlns:a16="http://schemas.microsoft.com/office/drawing/2014/main" val="2045943565"/>
+                  </a:ext>
+                </a:extLst>
+              </a:tr>
+            </a:tbl>
+          </a:graphicData>
+        </a:graphic>
+      </p:graphicFrame>
+      <p:graphicFrame>
+        <p:nvGraphicFramePr>
+          <p:cNvPr id="30" name="Table 29">
+            <a:extLst>
+              <a:ext uri="{FF2B5EF4-FFF2-40B4-BE49-F238E27FC236}">
+                <a16:creationId xmlns:a16="http://schemas.microsoft.com/office/drawing/2014/main" id="{70B47F85-6F80-A24F-804B-FA20E5DA28ED}"/>
+              </a:ext>
+            </a:extLst>
+          </p:cNvPr>
+          <p:cNvGraphicFramePr>
+            <a:graphicFrameLocks noGrp="1"/>
+          </p:cNvGraphicFramePr>
+          <p:nvPr>
+            <p:extLst>
+              <p:ext uri="{D42A27DB-BD31-4B8C-83A1-F6EECF244321}">
+                <p14:modId xmlns:p14="http://schemas.microsoft.com/office/powerpoint/2010/main" val="1766990180"/>
+              </p:ext>
+            </p:extLst>
+          </p:nvPr>
+        </p:nvGraphicFramePr>
+        <p:xfrm>
+          <a:off x="11405179" y="4632848"/>
+          <a:ext cx="7705060" cy="370616"/>
+        </p:xfrm>
+        <a:graphic>
+          <a:graphicData uri="http://schemas.openxmlformats.org/drawingml/2006/table">
+            <a:tbl>
+              <a:tblPr firstRow="1" bandRow="1">
+                <a:tableStyleId>{5C22544A-7EE6-4342-B048-85BDC9FD1C3A}</a:tableStyleId>
+              </a:tblPr>
+              <a:tblGrid>
+                <a:gridCol w="1541012">
+                  <a:extLst>
+                    <a:ext uri="{9D8B030D-6E8A-4147-A177-3AD203B41FA5}">
+                      <a16:colId xmlns:a16="http://schemas.microsoft.com/office/drawing/2014/main" val="3145332163"/>
+                    </a:ext>
+                  </a:extLst>
+                </a:gridCol>
+                <a:gridCol w="1541012">
+                  <a:extLst>
+                    <a:ext uri="{9D8B030D-6E8A-4147-A177-3AD203B41FA5}">
+                      <a16:colId xmlns:a16="http://schemas.microsoft.com/office/drawing/2014/main" val="1537967798"/>
+                    </a:ext>
+                  </a:extLst>
+                </a:gridCol>
+                <a:gridCol w="1541012">
+                  <a:extLst>
+                    <a:ext uri="{9D8B030D-6E8A-4147-A177-3AD203B41FA5}">
+                      <a16:colId xmlns:a16="http://schemas.microsoft.com/office/drawing/2014/main" val="101738152"/>
+                    </a:ext>
+                  </a:extLst>
+                </a:gridCol>
+                <a:gridCol w="1541012">
+                  <a:extLst>
+                    <a:ext uri="{9D8B030D-6E8A-4147-A177-3AD203B41FA5}">
+                      <a16:colId xmlns:a16="http://schemas.microsoft.com/office/drawing/2014/main" val="2765698800"/>
+                    </a:ext>
+                  </a:extLst>
+                </a:gridCol>
+                <a:gridCol w="1541012">
+                  <a:extLst>
+                    <a:ext uri="{9D8B030D-6E8A-4147-A177-3AD203B41FA5}">
+                      <a16:colId xmlns:a16="http://schemas.microsoft.com/office/drawing/2014/main" val="4229302921"/>
+                    </a:ext>
+                  </a:extLst>
+                </a:gridCol>
+              </a:tblGrid>
+              <a:tr h="370616">
+                <a:tc>
+                  <a:txBody>
+                    <a:bodyPr/>
+                    <a:lstStyle/>
+                    <a:p>
+                      <a:pPr algn="ctr"/>
+                      <a:r>
+                        <a:rPr lang="en-US"/>
+                        <a:t>Part 1</a:t>
+                      </a:r>
+                    </a:p>
+                  </a:txBody>
+                  <a:tcPr>
+                    <a:solidFill>
+                      <a:srgbClr val="7A81FF"/>
+                    </a:solidFill>
+                  </a:tcPr>
+                </a:tc>
+                <a:tc>
+                  <a:txBody>
+                    <a:bodyPr/>
+                    <a:lstStyle/>
+                    <a:p>
+                      <a:pPr algn="ctr"/>
+                      <a:r>
+                        <a:rPr lang="en-US"/>
+                        <a:t>Part 2</a:t>
+                      </a:r>
+                    </a:p>
+                  </a:txBody>
+                  <a:tcPr>
+                    <a:solidFill>
+                      <a:srgbClr val="7A81FF"/>
+                    </a:solidFill>
+                  </a:tcPr>
+                </a:tc>
+                <a:tc>
+                  <a:txBody>
+                    <a:bodyPr/>
+                    <a:lstStyle/>
+                    <a:p>
+                      <a:pPr algn="ctr"/>
+                      <a:r>
+                        <a:rPr lang="en-US"/>
+                        <a:t>Part 3</a:t>
+                      </a:r>
+                    </a:p>
+                  </a:txBody>
+                  <a:tcPr>
+                    <a:solidFill>
+                      <a:srgbClr val="7A81FF"/>
+                    </a:solidFill>
+                  </a:tcPr>
+                </a:tc>
+                <a:tc>
+                  <a:txBody>
+                    <a:bodyPr/>
+                    <a:lstStyle/>
+                    <a:p>
+                      <a:pPr algn="ctr"/>
+                      <a:r>
+                        <a:rPr lang="en-US"/>
+                        <a:t>Part 4</a:t>
+                      </a:r>
+                    </a:p>
+                  </a:txBody>
+                  <a:tcPr>
+                    <a:solidFill>
+                      <a:srgbClr val="45D94F"/>
+                    </a:solidFill>
+                  </a:tcPr>
+                </a:tc>
+                <a:tc>
+                  <a:txBody>
+                    <a:bodyPr/>
+                    <a:lstStyle/>
+                    <a:p>
+                      <a:pPr algn="ctr"/>
+                      <a:r>
+                        <a:rPr lang="en-US"/>
+                        <a:t>Part 5</a:t>
+                      </a:r>
+                    </a:p>
+                  </a:txBody>
+                  <a:tcPr>
+                    <a:solidFill>
+                      <a:srgbClr val="7A81FF"/>
+                    </a:solidFill>
+                  </a:tcPr>
+                </a:tc>
+                <a:extLst>
+                  <a:ext uri="{0D108BD9-81ED-4DB2-BD59-A6C34878D82A}">
+                    <a16:rowId xmlns:a16="http://schemas.microsoft.com/office/drawing/2014/main" val="2045943565"/>
+                  </a:ext>
+                </a:extLst>
+              </a:tr>
+            </a:tbl>
+          </a:graphicData>
+        </a:graphic>
+      </p:graphicFrame>
+      <p:graphicFrame>
+        <p:nvGraphicFramePr>
+          <p:cNvPr id="31" name="Table 30">
+            <a:extLst>
+              <a:ext uri="{FF2B5EF4-FFF2-40B4-BE49-F238E27FC236}">
+                <a16:creationId xmlns:a16="http://schemas.microsoft.com/office/drawing/2014/main" id="{D12200A9-9169-4C47-9829-DDFD2223E7C2}"/>
+              </a:ext>
+            </a:extLst>
+          </p:cNvPr>
+          <p:cNvGraphicFramePr>
+            <a:graphicFrameLocks noGrp="1"/>
+          </p:cNvGraphicFramePr>
+          <p:nvPr>
+            <p:extLst>
+              <p:ext uri="{D42A27DB-BD31-4B8C-83A1-F6EECF244321}">
+                <p14:modId xmlns:p14="http://schemas.microsoft.com/office/powerpoint/2010/main" val="3952504877"/>
+              </p:ext>
+            </p:extLst>
+          </p:nvPr>
+        </p:nvGraphicFramePr>
+        <p:xfrm>
+          <a:off x="11398102" y="5090323"/>
+          <a:ext cx="7705060" cy="370616"/>
+        </p:xfrm>
+        <a:graphic>
+          <a:graphicData uri="http://schemas.openxmlformats.org/drawingml/2006/table">
+            <a:tbl>
+              <a:tblPr firstRow="1" bandRow="1">
+                <a:tableStyleId>{5C22544A-7EE6-4342-B048-85BDC9FD1C3A}</a:tableStyleId>
+              </a:tblPr>
+              <a:tblGrid>
+                <a:gridCol w="1541012">
+                  <a:extLst>
+                    <a:ext uri="{9D8B030D-6E8A-4147-A177-3AD203B41FA5}">
+                      <a16:colId xmlns:a16="http://schemas.microsoft.com/office/drawing/2014/main" val="3145332163"/>
+                    </a:ext>
+                  </a:extLst>
+                </a:gridCol>
+                <a:gridCol w="1541012">
+                  <a:extLst>
+                    <a:ext uri="{9D8B030D-6E8A-4147-A177-3AD203B41FA5}">
+                      <a16:colId xmlns:a16="http://schemas.microsoft.com/office/drawing/2014/main" val="1537967798"/>
+                    </a:ext>
+                  </a:extLst>
+                </a:gridCol>
+                <a:gridCol w="1541012">
+                  <a:extLst>
+                    <a:ext uri="{9D8B030D-6E8A-4147-A177-3AD203B41FA5}">
+                      <a16:colId xmlns:a16="http://schemas.microsoft.com/office/drawing/2014/main" val="101738152"/>
+                    </a:ext>
+                  </a:extLst>
+                </a:gridCol>
+                <a:gridCol w="1541012">
+                  <a:extLst>
+                    <a:ext uri="{9D8B030D-6E8A-4147-A177-3AD203B41FA5}">
+                      <a16:colId xmlns:a16="http://schemas.microsoft.com/office/drawing/2014/main" val="2765698800"/>
+                    </a:ext>
+                  </a:extLst>
+                </a:gridCol>
+                <a:gridCol w="1541012">
+                  <a:extLst>
+                    <a:ext uri="{9D8B030D-6E8A-4147-A177-3AD203B41FA5}">
+                      <a16:colId xmlns:a16="http://schemas.microsoft.com/office/drawing/2014/main" val="4229302921"/>
+                    </a:ext>
+                  </a:extLst>
+                </a:gridCol>
+              </a:tblGrid>
+              <a:tr h="370616">
+                <a:tc>
+                  <a:txBody>
+                    <a:bodyPr/>
+                    <a:lstStyle/>
+                    <a:p>
+                      <a:pPr algn="ctr"/>
+                      <a:r>
+                        <a:rPr lang="en-US"/>
+                        <a:t>Part 1</a:t>
+                      </a:r>
+                    </a:p>
+                  </a:txBody>
+                  <a:tcPr>
+                    <a:solidFill>
+                      <a:srgbClr val="7A81FF"/>
+                    </a:solidFill>
+                  </a:tcPr>
+                </a:tc>
+                <a:tc>
+                  <a:txBody>
+                    <a:bodyPr/>
+                    <a:lstStyle/>
+                    <a:p>
+                      <a:pPr algn="ctr"/>
+                      <a:r>
+                        <a:rPr lang="en-US"/>
+                        <a:t>Part 2</a:t>
+                      </a:r>
+                    </a:p>
+                  </a:txBody>
+                  <a:tcPr>
+                    <a:solidFill>
+                      <a:srgbClr val="7A81FF"/>
+                    </a:solidFill>
+                  </a:tcPr>
+                </a:tc>
+                <a:tc>
+                  <a:txBody>
+                    <a:bodyPr/>
+                    <a:lstStyle/>
+                    <a:p>
+                      <a:pPr algn="ctr"/>
+                      <a:r>
+                        <a:rPr lang="en-US"/>
+                        <a:t>Part 3</a:t>
+                      </a:r>
+                    </a:p>
+                  </a:txBody>
+                  <a:tcPr>
+                    <a:solidFill>
+                      <a:srgbClr val="7A81FF"/>
+                    </a:solidFill>
+                  </a:tcPr>
+                </a:tc>
+                <a:tc>
+                  <a:txBody>
+                    <a:bodyPr/>
+                    <a:lstStyle/>
+                    <a:p>
+                      <a:pPr algn="ctr"/>
+                      <a:r>
+                        <a:rPr lang="en-US"/>
+                        <a:t>Part 4</a:t>
+                      </a:r>
+                    </a:p>
+                  </a:txBody>
+                  <a:tcPr>
+                    <a:solidFill>
+                      <a:srgbClr val="7A81FF"/>
+                    </a:solidFill>
+                  </a:tcPr>
+                </a:tc>
+                <a:tc>
+                  <a:txBody>
+                    <a:bodyPr/>
+                    <a:lstStyle/>
+                    <a:p>
+                      <a:pPr algn="ctr"/>
+                      <a:r>
+                        <a:rPr lang="en-US"/>
+                        <a:t>Part 5</a:t>
+                      </a:r>
+                    </a:p>
+                  </a:txBody>
+                  <a:tcPr>
+                    <a:solidFill>
+                      <a:srgbClr val="45D94F"/>
+                    </a:solidFill>
+                  </a:tcPr>
+                </a:tc>
+                <a:extLst>
+                  <a:ext uri="{0D108BD9-81ED-4DB2-BD59-A6C34878D82A}">
+                    <a16:rowId xmlns:a16="http://schemas.microsoft.com/office/drawing/2014/main" val="2045943565"/>
+                  </a:ext>
+                </a:extLst>
+              </a:tr>
+            </a:tbl>
+          </a:graphicData>
+        </a:graphic>
+      </p:graphicFrame>
+      <p:sp>
+        <p:nvSpPr>
+          <p:cNvPr id="32" name="TextBox 31">
+            <a:extLst>
+              <a:ext uri="{FF2B5EF4-FFF2-40B4-BE49-F238E27FC236}">
+                <a16:creationId xmlns:a16="http://schemas.microsoft.com/office/drawing/2014/main" id="{A12A90F8-29F8-FC4F-A189-ED87313240F0}"/>
+              </a:ext>
+            </a:extLst>
+          </p:cNvPr>
+          <p:cNvSpPr txBox="1"/>
+          <p:nvPr/>
+        </p:nvSpPr>
+        <p:spPr>
+          <a:xfrm>
+            <a:off x="10962266" y="3723204"/>
+            <a:ext cx="442913" cy="338554"/>
+          </a:xfrm>
+          <a:prstGeom prst="rect">
+            <a:avLst/>
+          </a:prstGeom>
+          <a:noFill/>
+        </p:spPr>
+        <p:txBody>
+          <a:bodyPr wrap="square" rtlCol="0">
+            <a:spAutoFit/>
+          </a:bodyPr>
+          <a:lstStyle/>
+          <a:p>
+            <a:r>
+              <a:rPr lang="en-US" sz="1600"/>
+              <a:t>2.</a:t>
+            </a:r>
+          </a:p>
+        </p:txBody>
+      </p:sp>
+      <p:sp>
+        <p:nvSpPr>
+          <p:cNvPr id="33" name="TextBox 32">
+            <a:extLst>
+              <a:ext uri="{FF2B5EF4-FFF2-40B4-BE49-F238E27FC236}">
+                <a16:creationId xmlns:a16="http://schemas.microsoft.com/office/drawing/2014/main" id="{A3A30A4C-443B-5E4A-985E-885169502551}"/>
+              </a:ext>
+            </a:extLst>
+          </p:cNvPr>
+          <p:cNvSpPr txBox="1"/>
+          <p:nvPr/>
+        </p:nvSpPr>
+        <p:spPr>
+          <a:xfrm>
+            <a:off x="10962266" y="4201858"/>
+            <a:ext cx="442913" cy="338554"/>
+          </a:xfrm>
+          <a:prstGeom prst="rect">
+            <a:avLst/>
+          </a:prstGeom>
+          <a:noFill/>
+        </p:spPr>
+        <p:txBody>
+          <a:bodyPr wrap="square" rtlCol="0">
+            <a:spAutoFit/>
+          </a:bodyPr>
+          <a:lstStyle/>
+          <a:p>
+            <a:r>
+              <a:rPr lang="en-US" sz="1600"/>
+              <a:t>3.</a:t>
+            </a:r>
+          </a:p>
+        </p:txBody>
+      </p:sp>
+      <p:sp>
+        <p:nvSpPr>
+          <p:cNvPr id="34" name="TextBox 33">
+            <a:extLst>
+              <a:ext uri="{FF2B5EF4-FFF2-40B4-BE49-F238E27FC236}">
+                <a16:creationId xmlns:a16="http://schemas.microsoft.com/office/drawing/2014/main" id="{7E88BB1D-E4E6-2049-81CA-D514D657BF84}"/>
+              </a:ext>
+            </a:extLst>
+          </p:cNvPr>
+          <p:cNvSpPr txBox="1"/>
+          <p:nvPr/>
+        </p:nvSpPr>
+        <p:spPr>
+          <a:xfrm>
+            <a:off x="10962266" y="4680512"/>
+            <a:ext cx="442913" cy="338554"/>
+          </a:xfrm>
+          <a:prstGeom prst="rect">
+            <a:avLst/>
+          </a:prstGeom>
+          <a:noFill/>
+        </p:spPr>
+        <p:txBody>
+          <a:bodyPr wrap="square" rtlCol="0">
+            <a:spAutoFit/>
+          </a:bodyPr>
+          <a:lstStyle/>
+          <a:p>
+            <a:r>
+              <a:rPr lang="en-US" sz="1600"/>
+              <a:t>4.</a:t>
+            </a:r>
+          </a:p>
+        </p:txBody>
+      </p:sp>
+      <p:sp>
+        <p:nvSpPr>
+          <p:cNvPr id="35" name="TextBox 34">
+            <a:extLst>
+              <a:ext uri="{FF2B5EF4-FFF2-40B4-BE49-F238E27FC236}">
+                <a16:creationId xmlns:a16="http://schemas.microsoft.com/office/drawing/2014/main" id="{B2B04AC0-EA25-3C44-8ED5-1369AD68C25C}"/>
+              </a:ext>
+            </a:extLst>
+          </p:cNvPr>
+          <p:cNvSpPr txBox="1"/>
+          <p:nvPr/>
+        </p:nvSpPr>
+        <p:spPr>
+          <a:xfrm>
+            <a:off x="10962266" y="5105925"/>
+            <a:ext cx="442913" cy="338554"/>
+          </a:xfrm>
+          <a:prstGeom prst="rect">
+            <a:avLst/>
+          </a:prstGeom>
+          <a:noFill/>
+        </p:spPr>
+        <p:txBody>
+          <a:bodyPr wrap="square" rtlCol="0">
+            <a:spAutoFit/>
+          </a:bodyPr>
+          <a:lstStyle/>
+          <a:p>
+            <a:r>
+              <a:rPr lang="en-US" sz="1600"/>
+              <a:t>5.</a:t>
+            </a:r>
+          </a:p>
+        </p:txBody>
+      </p:sp>
+      <p:sp>
+        <p:nvSpPr>
+          <p:cNvPr id="36" name="Rectangle 35">
+            <a:extLst>
+              <a:ext uri="{FF2B5EF4-FFF2-40B4-BE49-F238E27FC236}">
+                <a16:creationId xmlns:a16="http://schemas.microsoft.com/office/drawing/2014/main" id="{C9543842-043A-5245-A61E-8AD1CBACBD83}"/>
+              </a:ext>
+            </a:extLst>
+          </p:cNvPr>
+          <p:cNvSpPr/>
+          <p:nvPr/>
+        </p:nvSpPr>
+        <p:spPr>
+          <a:xfrm>
+            <a:off x="19553274" y="3239484"/>
+            <a:ext cx="361507" cy="189516"/>
+          </a:xfrm>
+          <a:prstGeom prst="rect">
+            <a:avLst/>
+          </a:prstGeom>
+          <a:solidFill>
+            <a:srgbClr val="7A81FF"/>
+          </a:solidFill>
+          <a:ln>
+            <a:noFill/>
+          </a:ln>
+        </p:spPr>
+        <p:style>
+          <a:lnRef idx="2">
+            <a:schemeClr val="accent1">
+              <a:shade val="50000"/>
+            </a:schemeClr>
+          </a:lnRef>
+          <a:fillRef idx="1">
+            <a:schemeClr val="accent1"/>
+          </a:fillRef>
+          <a:effectRef idx="0">
+            <a:schemeClr val="accent1"/>
+          </a:effectRef>
+          <a:fontRef idx="minor">
+            <a:schemeClr val="lt1"/>
+          </a:fontRef>
+        </p:style>
+        <p:txBody>
+          <a:bodyPr rtlCol="0" anchor="ctr"/>
+          <a:lstStyle/>
+          <a:p>
+            <a:pPr algn="ctr"/>
+            <a:endParaRPr lang="en-US"/>
+          </a:p>
+        </p:txBody>
+      </p:sp>
+      <p:sp>
+        <p:nvSpPr>
+          <p:cNvPr id="37" name="TextBox 36">
+            <a:extLst>
+              <a:ext uri="{FF2B5EF4-FFF2-40B4-BE49-F238E27FC236}">
+                <a16:creationId xmlns:a16="http://schemas.microsoft.com/office/drawing/2014/main" id="{D7A639CD-D692-5D4C-B4E6-66B3D18C7EA6}"/>
+              </a:ext>
+            </a:extLst>
+          </p:cNvPr>
+          <p:cNvSpPr txBox="1"/>
+          <p:nvPr/>
+        </p:nvSpPr>
+        <p:spPr>
+          <a:xfrm>
+            <a:off x="19914781" y="3041854"/>
+            <a:ext cx="932023" cy="584775"/>
+          </a:xfrm>
+          <a:prstGeom prst="rect">
+            <a:avLst/>
+          </a:prstGeom>
+          <a:noFill/>
+        </p:spPr>
+        <p:txBody>
+          <a:bodyPr wrap="square" rtlCol="0">
+            <a:spAutoFit/>
+          </a:bodyPr>
+          <a:lstStyle/>
+          <a:p>
+            <a:pPr algn="ctr"/>
+            <a:r>
+              <a:rPr lang="en-US" sz="1600"/>
+              <a:t>Training samples</a:t>
+            </a:r>
+          </a:p>
+        </p:txBody>
+      </p:sp>
+      <p:sp>
+        <p:nvSpPr>
+          <p:cNvPr id="38" name="Rectangle 37">
+            <a:extLst>
+              <a:ext uri="{FF2B5EF4-FFF2-40B4-BE49-F238E27FC236}">
+                <a16:creationId xmlns:a16="http://schemas.microsoft.com/office/drawing/2014/main" id="{84635362-362E-5B42-BF14-829C998968E6}"/>
+              </a:ext>
+            </a:extLst>
+          </p:cNvPr>
+          <p:cNvSpPr/>
+          <p:nvPr/>
+        </p:nvSpPr>
+        <p:spPr>
+          <a:xfrm>
+            <a:off x="19553152" y="3831770"/>
+            <a:ext cx="361507" cy="189516"/>
+          </a:xfrm>
+          <a:prstGeom prst="rect">
+            <a:avLst/>
+          </a:prstGeom>
+          <a:solidFill>
+            <a:srgbClr val="45D94F"/>
+          </a:solidFill>
+          <a:ln>
+            <a:noFill/>
+          </a:ln>
+        </p:spPr>
+        <p:style>
+          <a:lnRef idx="2">
+            <a:schemeClr val="accent1">
+              <a:shade val="50000"/>
+            </a:schemeClr>
+          </a:lnRef>
+          <a:fillRef idx="1">
+            <a:schemeClr val="accent1"/>
+          </a:fillRef>
+          <a:effectRef idx="0">
+            <a:schemeClr val="accent1"/>
+          </a:effectRef>
+          <a:fontRef idx="minor">
+            <a:schemeClr val="lt1"/>
+          </a:fontRef>
+        </p:style>
+        <p:txBody>
+          <a:bodyPr rtlCol="0" anchor="ctr"/>
+          <a:lstStyle/>
+          <a:p>
+            <a:pPr algn="ctr"/>
+            <a:endParaRPr lang="en-US"/>
+          </a:p>
+        </p:txBody>
+      </p:sp>
+      <p:sp>
+        <p:nvSpPr>
+          <p:cNvPr id="39" name="TextBox 38">
+            <a:extLst>
+              <a:ext uri="{FF2B5EF4-FFF2-40B4-BE49-F238E27FC236}">
+                <a16:creationId xmlns:a16="http://schemas.microsoft.com/office/drawing/2014/main" id="{7047EDA9-101E-1642-909D-72FB1994FBB9}"/>
+              </a:ext>
+            </a:extLst>
+          </p:cNvPr>
+          <p:cNvSpPr txBox="1"/>
+          <p:nvPr/>
+        </p:nvSpPr>
+        <p:spPr>
+          <a:xfrm>
+            <a:off x="19941290" y="3626629"/>
+            <a:ext cx="932023" cy="584775"/>
+          </a:xfrm>
+          <a:prstGeom prst="rect">
+            <a:avLst/>
+          </a:prstGeom>
+          <a:noFill/>
+        </p:spPr>
+        <p:txBody>
+          <a:bodyPr wrap="square" rtlCol="0">
+            <a:spAutoFit/>
+          </a:bodyPr>
+          <a:lstStyle/>
+          <a:p>
+            <a:pPr algn="ctr"/>
+            <a:r>
+              <a:rPr lang="en-US" sz="1600"/>
+              <a:t>Validate samples</a:t>
+            </a:r>
+          </a:p>
+        </p:txBody>
+      </p:sp>
+      <p:sp>
+        <p:nvSpPr>
+          <p:cNvPr id="42" name="TextBox 41">
+            <a:extLst>
+              <a:ext uri="{FF2B5EF4-FFF2-40B4-BE49-F238E27FC236}">
+                <a16:creationId xmlns:a16="http://schemas.microsoft.com/office/drawing/2014/main" id="{34F907CA-233B-CC40-80BD-FBC140710621}"/>
+              </a:ext>
+            </a:extLst>
+          </p:cNvPr>
+          <p:cNvSpPr txBox="1"/>
+          <p:nvPr/>
+        </p:nvSpPr>
+        <p:spPr>
+          <a:xfrm>
+            <a:off x="10590929" y="2889536"/>
+            <a:ext cx="1628500" cy="338554"/>
+          </a:xfrm>
+          <a:prstGeom prst="rect">
+            <a:avLst/>
+          </a:prstGeom>
+          <a:noFill/>
+        </p:spPr>
+        <p:txBody>
+          <a:bodyPr wrap="square" rtlCol="0">
+            <a:spAutoFit/>
+          </a:bodyPr>
+          <a:lstStyle/>
+          <a:p>
+            <a:r>
+              <a:rPr lang="en-US" sz="1600"/>
+              <a:t>Training process:</a:t>
+            </a:r>
+          </a:p>
+        </p:txBody>
+      </p:sp>
     </p:spTree>
     <p:extLst>
       <p:ext uri="{BB962C8B-B14F-4D97-AF65-F5344CB8AC3E}">
